--- a/sad/blokchejn-platforma-dlya-avtomatizovanoyi-platizhnoyi-sistemi-zahist-zvitu-z-tehnologichnoyi-praktiki-2023-5-30-16-16-39.pptx
+++ b/sad/blokchejn-platforma-dlya-avtomatizovanoyi-platizhnoyi-sistemi-zahist-zvitu-z-tehnologichnoyi-praktiki-2023-5-30-16-16-39.pptx
@@ -1,18 +1,18 @@
 
 <file path=ppt/presentation.xml><?xml version="1.0" encoding="utf-8"?>
-<p:presentation xmlns:a="http://schemas.openxmlformats.org/drawingml/2006/main" xmlns:r="http://schemas.openxmlformats.org/officeDocument/2006/relationships" xmlns:p="http://schemas.openxmlformats.org/presentationml/2006/main" xmlns:m="http://schemas.openxmlformats.org/officeDocument/2006/math" xmlns:w="http://schemas.openxmlformats.org/wordprocessingml/2006/main" showSpecialPlsOnTitleSld="0">
+<p:presentation xmlns:a="http://schemas.openxmlformats.org/drawingml/2006/main" xmlns:r="http://schemas.openxmlformats.org/officeDocument/2006/relationships" xmlns:p="http://schemas.openxmlformats.org/presentationml/2006/main" showSpecialPlsOnTitleSld="0">
   <p:sldMasterIdLst>
     <p:sldMasterId id="2147483648" r:id="rId1"/>
   </p:sldMasterIdLst>
   <p:sldIdLst>
-    <p:sldId id="256" r:id="rId3"/>
-    <p:sldId id="257" r:id="rId4"/>
-    <p:sldId id="258" r:id="rId5"/>
-    <p:sldId id="259" r:id="rId6"/>
-    <p:sldId id="260" r:id="rId7"/>
-    <p:sldId id="261" r:id="rId8"/>
-    <p:sldId id="262" r:id="rId9"/>
-    <p:sldId id="263" r:id="rId10"/>
+    <p:sldId id="256" r:id="rId2"/>
+    <p:sldId id="257" r:id="rId3"/>
+    <p:sldId id="258" r:id="rId4"/>
+    <p:sldId id="259" r:id="rId5"/>
+    <p:sldId id="260" r:id="rId6"/>
+    <p:sldId id="261" r:id="rId7"/>
+    <p:sldId id="262" r:id="rId8"/>
+    <p:sldId id="263" r:id="rId9"/>
   </p:sldIdLst>
   <p:sldSz cx="12192000" cy="6413500"/>
   <p:notesSz cx="12192000" cy="6413500"/>
@@ -111,6 +111,22 @@
       </a:defRPr>
     </a:lvl9pPr>
   </p:defaultTextStyle>
+  <p:extLst>
+    <p:ext uri="{EFAFB233-063F-42B5-8137-9DF3F51BA10A}">
+      <p15:sldGuideLst xmlns:p15="http://schemas.microsoft.com/office/powerpoint/2012/main">
+        <p15:guide id="1" orient="horz" pos="2924">
+          <p15:clr>
+            <a:srgbClr val="A4A3A4"/>
+          </p15:clr>
+        </p15:guide>
+        <p15:guide id="2" pos="2160">
+          <p15:clr>
+            <a:srgbClr val="A4A3A4"/>
+          </p15:clr>
+        </p15:guide>
+      </p15:sldGuideLst>
+    </p:ext>
+  </p:extLst>
 </p:presentation>
 </file>
 
@@ -866,7 +882,7 @@
 </file>
 
 <file path=ppt/diagrams/data1.xml><?xml version="1.0" encoding="utf-8"?>
-<dgm:dataModel xmlns:dgm="http://schemas.openxmlformats.org/drawingml/2006/diagram" xmlns:a="http://schemas.openxmlformats.org/drawingml/2006/main" xmlns:r="http://schemas.openxmlformats.org/officeDocument/2006/relationships">
+<dgm:dataModel xmlns:dgm="http://schemas.openxmlformats.org/drawingml/2006/diagram" xmlns:a="http://schemas.openxmlformats.org/drawingml/2006/main">
   <dgm:ptLst>
     <dgm:pt modelId="{0E58EF5D-A4F6-406B-9846-A092BE01EB22}" type="doc">
       <dgm:prSet loTypeId="urn:microsoft.com/office/officeart/2016/7/layout/LinearBlockProcessNumbered" loCatId="process" qsTypeId="urn:microsoft.com/office/officeart/2005/8/quickstyle/simple1#1" qsCatId="simple" csTypeId="urn:microsoft.com/office/officeart/2005/8/colors/accent0_3" csCatId="mainScheme"/>
@@ -909,7 +925,17 @@
               <a:latin typeface="Times New Roman"/>
               <a:cs typeface="Times New Roman"/>
             </a:rPr>
-            <a:t>Розробити</a:t>
+            <a:t>Розробити блокчейн-систему з </a:t>
+          </a:r>
+          <a:r>
+            <a:rPr lang="en-US" sz="1600" b="1" i="0" u="none" strike="noStrike" cap="none" spc="0">
+              <a:solidFill>
+                <a:schemeClr val="tx1"/>
+              </a:solidFill>
+              <a:latin typeface="Times New Roman"/>
+              <a:cs typeface="Times New Roman"/>
+            </a:rPr>
+            <a:t>гібридною мережевою архітектурою</a:t>
           </a:r>
           <a:r>
             <a:rPr lang="en-US" sz="1600" b="0" i="0" u="none" strike="noStrike" cap="none" spc="0">
@@ -919,267 +945,7 @@
               <a:latin typeface="Times New Roman"/>
               <a:cs typeface="Times New Roman"/>
             </a:rPr>
-            <a:t> блокчейн-</a:t>
-          </a:r>
-          <a:r>
-            <a:rPr lang="en-US" sz="1600" b="0" i="0" u="none" strike="noStrike" cap="none" spc="0">
-              <a:solidFill>
-                <a:schemeClr val="tx1"/>
-              </a:solidFill>
-              <a:latin typeface="Times New Roman"/>
-              <a:cs typeface="Times New Roman"/>
-            </a:rPr>
-            <a:t>систему</a:t>
-          </a:r>
-          <a:r>
-            <a:rPr lang="en-US" sz="1600" b="0" i="0" u="none" strike="noStrike" cap="none" spc="0">
-              <a:solidFill>
-                <a:schemeClr val="tx1"/>
-              </a:solidFill>
-              <a:latin typeface="Times New Roman"/>
-              <a:cs typeface="Times New Roman"/>
-            </a:rPr>
-            <a:t> з </a:t>
-          </a:r>
-          <a:r>
-            <a:rPr lang="en-US" sz="1600" b="1" i="0" u="none" strike="noStrike" cap="none" spc="0">
-              <a:solidFill>
-                <a:schemeClr val="tx1"/>
-              </a:solidFill>
-              <a:latin typeface="Times New Roman"/>
-              <a:cs typeface="Times New Roman"/>
-            </a:rPr>
-            <a:t>гібридною</a:t>
-          </a:r>
-          <a:r>
-            <a:rPr lang="en-US" sz="1600" b="1" i="0" u="none" strike="noStrike" cap="none" spc="0">
-              <a:solidFill>
-                <a:schemeClr val="tx1"/>
-              </a:solidFill>
-              <a:latin typeface="Times New Roman"/>
-              <a:cs typeface="Times New Roman"/>
-            </a:rPr>
-            <a:t> </a:t>
-          </a:r>
-          <a:r>
-            <a:rPr lang="en-US" sz="1600" b="1" i="0" u="none" strike="noStrike" cap="none" spc="0">
-              <a:solidFill>
-                <a:schemeClr val="tx1"/>
-              </a:solidFill>
-              <a:latin typeface="Times New Roman"/>
-              <a:cs typeface="Times New Roman"/>
-            </a:rPr>
-            <a:t>мережевою</a:t>
-          </a:r>
-          <a:r>
-            <a:rPr lang="en-US" sz="1600" b="1" i="0" u="none" strike="noStrike" cap="none" spc="0">
-              <a:solidFill>
-                <a:schemeClr val="tx1"/>
-              </a:solidFill>
-              <a:latin typeface="Times New Roman"/>
-              <a:cs typeface="Times New Roman"/>
-            </a:rPr>
-            <a:t> </a:t>
-          </a:r>
-          <a:r>
-            <a:rPr lang="en-US" sz="1600" b="1" i="0" u="none" strike="noStrike" cap="none" spc="0">
-              <a:solidFill>
-                <a:schemeClr val="tx1"/>
-              </a:solidFill>
-              <a:latin typeface="Times New Roman"/>
-              <a:cs typeface="Times New Roman"/>
-            </a:rPr>
-            <a:t>архітектурою</a:t>
-          </a:r>
-          <a:r>
-            <a:rPr lang="en-US" sz="1600" b="0" i="0" u="none" strike="noStrike" cap="none" spc="0">
-              <a:solidFill>
-                <a:schemeClr val="tx1"/>
-              </a:solidFill>
-              <a:latin typeface="Times New Roman"/>
-              <a:cs typeface="Times New Roman"/>
-            </a:rPr>
-            <a:t>, </a:t>
-          </a:r>
-          <a:r>
-            <a:rPr lang="en-US" sz="1600" b="0" i="0" u="none" strike="noStrike" cap="none" spc="0">
-              <a:solidFill>
-                <a:schemeClr val="tx1"/>
-              </a:solidFill>
-              <a:latin typeface="Times New Roman"/>
-              <a:cs typeface="Times New Roman"/>
-            </a:rPr>
-            <a:t>що</a:t>
-          </a:r>
-          <a:r>
-            <a:rPr lang="en-US" sz="1600" b="0" i="0" u="none" strike="noStrike" cap="none" spc="0">
-              <a:solidFill>
-                <a:schemeClr val="tx1"/>
-              </a:solidFill>
-              <a:latin typeface="Times New Roman"/>
-              <a:cs typeface="Times New Roman"/>
-            </a:rPr>
-            <a:t> </a:t>
-          </a:r>
-          <a:r>
-            <a:rPr lang="en-US" sz="1600" b="0" i="0" u="none" strike="noStrike" cap="none" spc="0">
-              <a:solidFill>
-                <a:schemeClr val="tx1"/>
-              </a:solidFill>
-              <a:latin typeface="Times New Roman"/>
-              <a:cs typeface="Times New Roman"/>
-            </a:rPr>
-            <a:t>дозволить</a:t>
-          </a:r>
-          <a:r>
-            <a:rPr lang="en-US" sz="1600" b="0" i="0" u="none" strike="noStrike" cap="none" spc="0">
-              <a:solidFill>
-                <a:schemeClr val="tx1"/>
-              </a:solidFill>
-              <a:latin typeface="Times New Roman"/>
-              <a:cs typeface="Times New Roman"/>
-            </a:rPr>
-            <a:t> </a:t>
-          </a:r>
-          <a:r>
-            <a:rPr lang="en-US" sz="1600" b="0" i="0" u="none" strike="noStrike" cap="none" spc="0">
-              <a:solidFill>
-                <a:schemeClr val="tx1"/>
-              </a:solidFill>
-              <a:latin typeface="Times New Roman"/>
-              <a:cs typeface="Times New Roman"/>
-            </a:rPr>
-            <a:t>зменшити</a:t>
-          </a:r>
-          <a:r>
-            <a:rPr lang="en-US" sz="1600" b="0" i="0" u="none" strike="noStrike" cap="none" spc="0">
-              <a:solidFill>
-                <a:schemeClr val="tx1"/>
-              </a:solidFill>
-              <a:latin typeface="Times New Roman"/>
-              <a:cs typeface="Times New Roman"/>
-            </a:rPr>
-            <a:t> </a:t>
-          </a:r>
-          <a:r>
-            <a:rPr lang="en-US" sz="1600" b="0" i="0" u="none" strike="noStrike" cap="none" spc="0">
-              <a:solidFill>
-                <a:schemeClr val="tx1"/>
-              </a:solidFill>
-              <a:latin typeface="Times New Roman"/>
-              <a:cs typeface="Times New Roman"/>
-            </a:rPr>
-            <a:t>затримку</a:t>
-          </a:r>
-          <a:r>
-            <a:rPr lang="en-US" sz="1600" b="0" i="0" u="none" strike="noStrike" cap="none" spc="0">
-              <a:solidFill>
-                <a:schemeClr val="tx1"/>
-              </a:solidFill>
-              <a:latin typeface="Times New Roman"/>
-              <a:cs typeface="Times New Roman"/>
-            </a:rPr>
-            <a:t> </a:t>
-          </a:r>
-          <a:r>
-            <a:rPr lang="en-US" sz="1600" b="0" i="0" u="none" strike="noStrike" cap="none" spc="0">
-              <a:solidFill>
-                <a:schemeClr val="tx1"/>
-              </a:solidFill>
-              <a:latin typeface="Times New Roman"/>
-              <a:cs typeface="Times New Roman"/>
-            </a:rPr>
-            <a:t>транзакцій</a:t>
-          </a:r>
-          <a:r>
-            <a:rPr lang="en-US" sz="1600" b="0" i="0" u="none" strike="noStrike" cap="none" spc="0">
-              <a:solidFill>
-                <a:schemeClr val="tx1"/>
-              </a:solidFill>
-              <a:latin typeface="Times New Roman"/>
-              <a:cs typeface="Times New Roman"/>
-            </a:rPr>
-            <a:t> </a:t>
-          </a:r>
-          <a:r>
-            <a:rPr lang="en-US" sz="1600" b="0" i="0" u="none" strike="noStrike" cap="none" spc="0">
-              <a:solidFill>
-                <a:schemeClr val="tx1"/>
-              </a:solidFill>
-              <a:latin typeface="Times New Roman"/>
-              <a:cs typeface="Times New Roman"/>
-            </a:rPr>
-            <a:t>та</a:t>
-          </a:r>
-          <a:r>
-            <a:rPr lang="en-US" sz="1600" b="0" i="0" u="none" strike="noStrike" cap="none" spc="0">
-              <a:solidFill>
-                <a:schemeClr val="tx1"/>
-              </a:solidFill>
-              <a:latin typeface="Times New Roman"/>
-              <a:cs typeface="Times New Roman"/>
-            </a:rPr>
-            <a:t> </a:t>
-          </a:r>
-          <a:r>
-            <a:rPr lang="en-US" sz="1600" b="0" i="0" u="none" strike="noStrike" cap="none" spc="0">
-              <a:solidFill>
-                <a:schemeClr val="tx1"/>
-              </a:solidFill>
-              <a:latin typeface="Times New Roman"/>
-              <a:cs typeface="Times New Roman"/>
-            </a:rPr>
-            <a:t>підвищити</a:t>
-          </a:r>
-          <a:r>
-            <a:rPr lang="en-US" sz="1600" b="0" i="0" u="none" strike="noStrike" cap="none" spc="0">
-              <a:solidFill>
-                <a:schemeClr val="tx1"/>
-              </a:solidFill>
-              <a:latin typeface="Times New Roman"/>
-              <a:cs typeface="Times New Roman"/>
-            </a:rPr>
-            <a:t> </a:t>
-          </a:r>
-          <a:r>
-            <a:rPr lang="en-US" sz="1600" b="0" i="0" u="none" strike="noStrike" cap="none" spc="0">
-              <a:solidFill>
-                <a:schemeClr val="tx1"/>
-              </a:solidFill>
-              <a:latin typeface="Times New Roman"/>
-              <a:cs typeface="Times New Roman"/>
-            </a:rPr>
-            <a:t>масштабованість</a:t>
-          </a:r>
-          <a:r>
-            <a:rPr lang="en-US" sz="1600" b="0" i="0" u="none" strike="noStrike" cap="none" spc="0">
-              <a:solidFill>
-                <a:schemeClr val="tx1"/>
-              </a:solidFill>
-              <a:latin typeface="Times New Roman"/>
-              <a:cs typeface="Times New Roman"/>
-            </a:rPr>
-            <a:t> </a:t>
-          </a:r>
-          <a:r>
-            <a:rPr lang="en-US" sz="1600" b="0" i="0" u="none" strike="noStrike" cap="none" spc="0">
-              <a:solidFill>
-                <a:schemeClr val="tx1"/>
-              </a:solidFill>
-              <a:latin typeface="Times New Roman"/>
-              <a:cs typeface="Times New Roman"/>
-            </a:rPr>
-            <a:t>мережі</a:t>
-          </a:r>
-          <a:r>
-            <a:rPr lang="en-US" sz="1600" b="0" i="0" u="none" strike="noStrike" cap="none" spc="0">
-              <a:solidFill>
-                <a:schemeClr val="tx1"/>
-              </a:solidFill>
-              <a:latin typeface="Times New Roman"/>
-              <a:cs typeface="Times New Roman"/>
-            </a:rPr>
-            <a:t>.</a:t>
+            <a:t>, що дозволить зменшити затримку транзакцій та підвищити масштабованість мережі.</a:t>
           </a:r>
           <a:r>
             <a:rPr lang="en-US" sz="1600">
@@ -1216,7 +982,7 @@
       </dgm:t>
     </dgm:pt>
     <dgm:pt modelId="{94A4947D-84AB-48E6-8DBD-B0FB7DCFE83A}" type="sibTrans" cxnId="{63E21DF4-5FBC-443D-9BC9-43B65A7BD892}">
-      <dgm:prSet phldr="0" phldrT="01"/>
+      <dgm:prSet phldrT="01" phldr="0"/>
       <dgm:spPr bwMode="auto"/>
       <dgm:t>
         <a:bodyPr vertOverflow="overflow" horzOverflow="overflow" vert="horz" rtlCol="0" fromWordArt="0" anchor="ctr" forceAA="0" compatLnSpc="0"/>
@@ -1275,7 +1041,17 @@
               <a:latin typeface="Times New Roman"/>
               <a:cs typeface="Times New Roman"/>
             </a:rPr>
-            <a:t>Реалізувати</a:t>
+            <a:t>Реалізувати </a:t>
+          </a:r>
+          <a:r>
+            <a:rPr lang="en-US" sz="1600" b="1" i="0" u="none" strike="noStrike" cap="none" spc="0">
+              <a:solidFill>
+                <a:schemeClr val="tx1"/>
+              </a:solidFill>
+              <a:latin typeface="Times New Roman"/>
+              <a:cs typeface="Times New Roman"/>
+            </a:rPr>
+            <a:t>гібридний механізм консенсусу</a:t>
           </a:r>
           <a:r>
             <a:rPr lang="en-US" sz="1600" b="0" i="0" u="none" strike="noStrike" cap="none" spc="0">
@@ -1285,507 +1061,7 @@
               <a:latin typeface="Times New Roman"/>
               <a:cs typeface="Times New Roman"/>
             </a:rPr>
-            <a:t> </a:t>
-          </a:r>
-          <a:r>
-            <a:rPr lang="en-US" sz="1600" b="1" i="0" u="none" strike="noStrike" cap="none" spc="0">
-              <a:solidFill>
-                <a:schemeClr val="tx1"/>
-              </a:solidFill>
-              <a:latin typeface="Times New Roman"/>
-              <a:cs typeface="Times New Roman"/>
-            </a:rPr>
-            <a:t>гібридний</a:t>
-          </a:r>
-          <a:r>
-            <a:rPr lang="en-US" sz="1600" b="1" i="0" u="none" strike="noStrike" cap="none" spc="0">
-              <a:solidFill>
-                <a:schemeClr val="tx1"/>
-              </a:solidFill>
-              <a:latin typeface="Times New Roman"/>
-              <a:cs typeface="Times New Roman"/>
-            </a:rPr>
-            <a:t> </a:t>
-          </a:r>
-          <a:r>
-            <a:rPr lang="en-US" sz="1600" b="1" i="0" u="none" strike="noStrike" cap="none" spc="0">
-              <a:solidFill>
-                <a:schemeClr val="tx1"/>
-              </a:solidFill>
-              <a:latin typeface="Times New Roman"/>
-              <a:cs typeface="Times New Roman"/>
-            </a:rPr>
-            <a:t>механізм</a:t>
-          </a:r>
-          <a:r>
-            <a:rPr lang="en-US" sz="1600" b="1" i="0" u="none" strike="noStrike" cap="none" spc="0">
-              <a:solidFill>
-                <a:schemeClr val="tx1"/>
-              </a:solidFill>
-              <a:latin typeface="Times New Roman"/>
-              <a:cs typeface="Times New Roman"/>
-            </a:rPr>
-            <a:t> </a:t>
-          </a:r>
-          <a:r>
-            <a:rPr lang="en-US" sz="1600" b="1" i="0" u="none" strike="noStrike" cap="none" spc="0">
-              <a:solidFill>
-                <a:schemeClr val="tx1"/>
-              </a:solidFill>
-              <a:latin typeface="Times New Roman"/>
-              <a:cs typeface="Times New Roman"/>
-            </a:rPr>
-            <a:t>консенсусу</a:t>
-          </a:r>
-          <a:r>
-            <a:rPr lang="en-US" sz="1600" b="0" i="0" u="none" strike="noStrike" cap="none" spc="0">
-              <a:solidFill>
-                <a:schemeClr val="tx1"/>
-              </a:solidFill>
-              <a:latin typeface="Times New Roman"/>
-              <a:cs typeface="Times New Roman"/>
-            </a:rPr>
-            <a:t>, </a:t>
-          </a:r>
-          <a:r>
-            <a:rPr lang="en-US" sz="1600" b="0" i="0" u="none" strike="noStrike" cap="none" spc="0">
-              <a:solidFill>
-                <a:schemeClr val="tx1"/>
-              </a:solidFill>
-              <a:latin typeface="Times New Roman"/>
-              <a:cs typeface="Times New Roman"/>
-            </a:rPr>
-            <a:t>що</a:t>
-          </a:r>
-          <a:r>
-            <a:rPr lang="en-US" sz="1600" b="0" i="0" u="none" strike="noStrike" cap="none" spc="0">
-              <a:solidFill>
-                <a:schemeClr val="tx1"/>
-              </a:solidFill>
-              <a:latin typeface="Times New Roman"/>
-              <a:cs typeface="Times New Roman"/>
-            </a:rPr>
-            <a:t> </a:t>
-          </a:r>
-          <a:r>
-            <a:rPr lang="en-US" sz="1600" b="0" i="0" u="none" strike="noStrike" cap="none" spc="0">
-              <a:solidFill>
-                <a:schemeClr val="tx1"/>
-              </a:solidFill>
-              <a:latin typeface="Times New Roman"/>
-              <a:cs typeface="Times New Roman"/>
-            </a:rPr>
-            <a:t>поєднує</a:t>
-          </a:r>
-          <a:r>
-            <a:rPr lang="en-US" sz="1600" b="0" i="0" u="none" strike="noStrike" cap="none" spc="0">
-              <a:solidFill>
-                <a:schemeClr val="tx1"/>
-              </a:solidFill>
-              <a:latin typeface="Times New Roman"/>
-              <a:cs typeface="Times New Roman"/>
-            </a:rPr>
-            <a:t> в </a:t>
-          </a:r>
-          <a:r>
-            <a:rPr lang="en-US" sz="1600" b="0" i="0" u="none" strike="noStrike" cap="none" spc="0">
-              <a:solidFill>
-                <a:schemeClr val="tx1"/>
-              </a:solidFill>
-              <a:latin typeface="Times New Roman"/>
-              <a:cs typeface="Times New Roman"/>
-            </a:rPr>
-            <a:t>собі</a:t>
-          </a:r>
-          <a:r>
-            <a:rPr lang="en-US" sz="1600" b="0" i="0" u="none" strike="noStrike" cap="none" spc="0">
-              <a:solidFill>
-                <a:schemeClr val="tx1"/>
-              </a:solidFill>
-              <a:latin typeface="Times New Roman"/>
-              <a:cs typeface="Times New Roman"/>
-            </a:rPr>
-            <a:t> </a:t>
-          </a:r>
-          <a:r>
-            <a:rPr lang="en-US" sz="1600" b="0" i="0" u="none" strike="noStrike" cap="none" spc="0">
-              <a:solidFill>
-                <a:schemeClr val="tx1"/>
-              </a:solidFill>
-              <a:latin typeface="Times New Roman"/>
-              <a:cs typeface="Times New Roman"/>
-            </a:rPr>
-            <a:t>доказ</a:t>
-          </a:r>
-          <a:r>
-            <a:rPr lang="en-US" sz="1600" b="0" i="0" u="none" strike="noStrike" cap="none" spc="0">
-              <a:solidFill>
-                <a:schemeClr val="tx1"/>
-              </a:solidFill>
-              <a:latin typeface="Times New Roman"/>
-              <a:cs typeface="Times New Roman"/>
-            </a:rPr>
-            <a:t> </a:t>
-          </a:r>
-          <a:r>
-            <a:rPr lang="en-US" sz="1600" b="0" i="0" u="none" strike="noStrike" cap="none" spc="0">
-              <a:solidFill>
-                <a:schemeClr val="tx1"/>
-              </a:solidFill>
-              <a:latin typeface="Times New Roman"/>
-              <a:cs typeface="Times New Roman"/>
-            </a:rPr>
-            <a:t>часу</a:t>
-          </a:r>
-          <a:r>
-            <a:rPr lang="en-US" sz="1600" b="0" i="0" u="none" strike="noStrike" cap="none" spc="0">
-              <a:solidFill>
-                <a:schemeClr val="tx1"/>
-              </a:solidFill>
-              <a:latin typeface="Times New Roman"/>
-              <a:cs typeface="Times New Roman"/>
-            </a:rPr>
-            <a:t>, </a:t>
-          </a:r>
-          <a:r>
-            <a:rPr lang="en-US" sz="1600" b="0" i="0" u="none" strike="noStrike" cap="none" spc="0">
-              <a:solidFill>
-                <a:schemeClr val="tx1"/>
-              </a:solidFill>
-              <a:latin typeface="Times New Roman"/>
-              <a:cs typeface="Times New Roman"/>
-            </a:rPr>
-            <a:t>що</a:t>
-          </a:r>
-          <a:r>
-            <a:rPr lang="en-US" sz="1600" b="0" i="0" u="none" strike="noStrike" cap="none" spc="0">
-              <a:solidFill>
-                <a:schemeClr val="tx1"/>
-              </a:solidFill>
-              <a:latin typeface="Times New Roman"/>
-              <a:cs typeface="Times New Roman"/>
-            </a:rPr>
-            <a:t> </a:t>
-          </a:r>
-          <a:r>
-            <a:rPr lang="en-US" sz="1600" b="0" i="0" u="none" strike="noStrike" cap="none" spc="0">
-              <a:solidFill>
-                <a:schemeClr val="tx1"/>
-              </a:solidFill>
-              <a:latin typeface="Times New Roman"/>
-              <a:cs typeface="Times New Roman"/>
-            </a:rPr>
-            <a:t>минув</a:t>
-          </a:r>
-          <a:r>
-            <a:rPr lang="en-US" sz="1600" b="0" i="0" u="none" strike="noStrike" cap="none" spc="0">
-              <a:solidFill>
-                <a:schemeClr val="tx1"/>
-              </a:solidFill>
-              <a:latin typeface="Times New Roman"/>
-              <a:cs typeface="Times New Roman"/>
-            </a:rPr>
-            <a:t> (</a:t>
-          </a:r>
-          <a:r>
-            <a:rPr lang="en-US" sz="1600" b="0" i="0" u="none" strike="noStrike" cap="none" spc="0">
-              <a:solidFill>
-                <a:schemeClr val="tx1"/>
-              </a:solidFill>
-              <a:latin typeface="Times New Roman"/>
-              <a:cs typeface="Times New Roman"/>
-            </a:rPr>
-            <a:t>PoET</a:t>
-          </a:r>
-          <a:r>
-            <a:rPr lang="en-US" sz="1600" b="0" i="0" u="none" strike="noStrike" cap="none" spc="0">
-              <a:solidFill>
-                <a:schemeClr val="tx1"/>
-              </a:solidFill>
-              <a:latin typeface="Times New Roman"/>
-              <a:cs typeface="Times New Roman"/>
-            </a:rPr>
-            <a:t>) </a:t>
-          </a:r>
-          <a:r>
-            <a:rPr lang="en-US" sz="1600" b="0" i="0" u="none" strike="noStrike" cap="none" spc="0">
-              <a:solidFill>
-                <a:schemeClr val="tx1"/>
-              </a:solidFill>
-              <a:latin typeface="Times New Roman"/>
-              <a:cs typeface="Times New Roman"/>
-            </a:rPr>
-            <a:t>та</a:t>
-          </a:r>
-          <a:r>
-            <a:rPr lang="en-US" sz="1600" b="0" i="0" u="none" strike="noStrike" cap="none" spc="0">
-              <a:solidFill>
-                <a:schemeClr val="tx1"/>
-              </a:solidFill>
-              <a:latin typeface="Times New Roman"/>
-              <a:cs typeface="Times New Roman"/>
-            </a:rPr>
-            <a:t> </a:t>
-          </a:r>
-          <a:r>
-            <a:rPr lang="en-US" sz="1600" b="0" i="0" u="none" strike="noStrike" cap="none" spc="0">
-              <a:solidFill>
-                <a:schemeClr val="tx1"/>
-              </a:solidFill>
-              <a:latin typeface="Times New Roman"/>
-              <a:cs typeface="Times New Roman"/>
-            </a:rPr>
-            <a:t>доказ</a:t>
-          </a:r>
-          <a:r>
-            <a:rPr lang="en-US" sz="1600" b="0" i="0" u="none" strike="noStrike" cap="none" spc="0">
-              <a:solidFill>
-                <a:schemeClr val="tx1"/>
-              </a:solidFill>
-              <a:latin typeface="Times New Roman"/>
-              <a:cs typeface="Times New Roman"/>
-            </a:rPr>
-            <a:t> </a:t>
-          </a:r>
-          <a:r>
-            <a:rPr lang="en-US" sz="1600" b="0" i="0" u="none" strike="noStrike" cap="none" spc="0">
-              <a:solidFill>
-                <a:schemeClr val="tx1"/>
-              </a:solidFill>
-              <a:latin typeface="Times New Roman"/>
-              <a:cs typeface="Times New Roman"/>
-            </a:rPr>
-            <a:t>роботи</a:t>
-          </a:r>
-          <a:r>
-            <a:rPr lang="en-US" sz="1600" b="0" i="0" u="none" strike="noStrike" cap="none" spc="0">
-              <a:solidFill>
-                <a:schemeClr val="tx1"/>
-              </a:solidFill>
-              <a:latin typeface="Times New Roman"/>
-              <a:cs typeface="Times New Roman"/>
-            </a:rPr>
-            <a:t> (</a:t>
-          </a:r>
-          <a:r>
-            <a:rPr lang="en-US" sz="1600" b="0" i="0" u="none" strike="noStrike" cap="none" spc="0">
-              <a:solidFill>
-                <a:schemeClr val="tx1"/>
-              </a:solidFill>
-              <a:latin typeface="Times New Roman"/>
-              <a:cs typeface="Times New Roman"/>
-            </a:rPr>
-            <a:t>PoW</a:t>
-          </a:r>
-          <a:r>
-            <a:rPr lang="en-US" sz="1600" b="0" i="0" u="none" strike="noStrike" cap="none" spc="0">
-              <a:solidFill>
-                <a:schemeClr val="tx1"/>
-              </a:solidFill>
-              <a:latin typeface="Times New Roman"/>
-              <a:cs typeface="Times New Roman"/>
-            </a:rPr>
-            <a:t>), з </a:t>
-          </a:r>
-          <a:r>
-            <a:rPr lang="en-US" sz="1600" b="0" i="0" u="none" strike="noStrike" cap="none" spc="0">
-              <a:solidFill>
-                <a:schemeClr val="tx1"/>
-              </a:solidFill>
-              <a:latin typeface="Times New Roman"/>
-              <a:cs typeface="Times New Roman"/>
-            </a:rPr>
-            <a:t>метою</a:t>
-          </a:r>
-          <a:r>
-            <a:rPr lang="en-US" sz="1600" b="0" i="0" u="none" strike="noStrike" cap="none" spc="0">
-              <a:solidFill>
-                <a:schemeClr val="tx1"/>
-              </a:solidFill>
-              <a:latin typeface="Times New Roman"/>
-              <a:cs typeface="Times New Roman"/>
-            </a:rPr>
-            <a:t> </a:t>
-          </a:r>
-          <a:r>
-            <a:rPr lang="en-US" sz="1600" b="0" i="0" u="none" strike="noStrike" cap="none" spc="0">
-              <a:solidFill>
-                <a:schemeClr val="tx1"/>
-              </a:solidFill>
-              <a:latin typeface="Times New Roman"/>
-              <a:cs typeface="Times New Roman"/>
-            </a:rPr>
-            <a:t>зменшення</a:t>
-          </a:r>
-          <a:r>
-            <a:rPr lang="en-US" sz="1600" b="0" i="0" u="none" strike="noStrike" cap="none" spc="0">
-              <a:solidFill>
-                <a:schemeClr val="tx1"/>
-              </a:solidFill>
-              <a:latin typeface="Times New Roman"/>
-              <a:cs typeface="Times New Roman"/>
-            </a:rPr>
-            <a:t> </a:t>
-          </a:r>
-          <a:r>
-            <a:rPr lang="en-US" sz="1600" b="0" i="0" u="none" strike="noStrike" cap="none" spc="0">
-              <a:solidFill>
-                <a:schemeClr val="tx1"/>
-              </a:solidFill>
-              <a:latin typeface="Times New Roman"/>
-              <a:cs typeface="Times New Roman"/>
-            </a:rPr>
-            <a:t>ризиків</a:t>
-          </a:r>
-          <a:r>
-            <a:rPr lang="en-US" sz="1600" b="0" i="0" u="none" strike="noStrike" cap="none" spc="0">
-              <a:solidFill>
-                <a:schemeClr val="tx1"/>
-              </a:solidFill>
-              <a:latin typeface="Times New Roman"/>
-              <a:cs typeface="Times New Roman"/>
-            </a:rPr>
-            <a:t> </a:t>
-          </a:r>
-          <a:r>
-            <a:rPr lang="en-US" sz="1600" b="0" i="0" u="none" strike="noStrike" cap="none" spc="0">
-              <a:solidFill>
-                <a:schemeClr val="tx1"/>
-              </a:solidFill>
-              <a:latin typeface="Times New Roman"/>
-              <a:cs typeface="Times New Roman"/>
-            </a:rPr>
-            <a:t>централізації</a:t>
-          </a:r>
-          <a:r>
-            <a:rPr lang="en-US" sz="1600" b="0" i="0" u="none" strike="noStrike" cap="none" spc="0">
-              <a:solidFill>
-                <a:schemeClr val="tx1"/>
-              </a:solidFill>
-              <a:latin typeface="Times New Roman"/>
-              <a:cs typeface="Times New Roman"/>
-            </a:rPr>
-            <a:t> </a:t>
-          </a:r>
-          <a:r>
-            <a:rPr lang="en-US" sz="1600" b="0" i="0" u="none" strike="noStrike" cap="none" spc="0">
-              <a:solidFill>
-                <a:schemeClr val="tx1"/>
-              </a:solidFill>
-              <a:latin typeface="Times New Roman"/>
-              <a:cs typeface="Times New Roman"/>
-            </a:rPr>
-            <a:t>та</a:t>
-          </a:r>
-          <a:r>
-            <a:rPr lang="en-US" sz="1600" b="0" i="0" u="none" strike="noStrike" cap="none" spc="0">
-              <a:solidFill>
-                <a:schemeClr val="tx1"/>
-              </a:solidFill>
-              <a:latin typeface="Times New Roman"/>
-              <a:cs typeface="Times New Roman"/>
-            </a:rPr>
-            <a:t> </a:t>
-          </a:r>
-          <a:r>
-            <a:rPr lang="en-US" sz="1600" b="0" i="0" u="none" strike="noStrike" cap="none" spc="0">
-              <a:solidFill>
-                <a:schemeClr val="tx1"/>
-              </a:solidFill>
-              <a:latin typeface="Times New Roman"/>
-              <a:cs typeface="Times New Roman"/>
-            </a:rPr>
-            <a:t>зниження</a:t>
-          </a:r>
-          <a:r>
-            <a:rPr lang="en-US" sz="1600" b="0" i="0" u="none" strike="noStrike" cap="none" spc="0">
-              <a:solidFill>
-                <a:schemeClr val="tx1"/>
-              </a:solidFill>
-              <a:latin typeface="Times New Roman"/>
-              <a:cs typeface="Times New Roman"/>
-            </a:rPr>
-            <a:t> </a:t>
-          </a:r>
-          <a:r>
-            <a:rPr lang="en-US" sz="1600" b="0" i="0" u="none" strike="noStrike" cap="none" spc="0">
-              <a:solidFill>
-                <a:schemeClr val="tx1"/>
-              </a:solidFill>
-              <a:latin typeface="Times New Roman"/>
-              <a:cs typeface="Times New Roman"/>
-            </a:rPr>
-            <a:t>енергоспоживання</a:t>
-          </a:r>
-          <a:r>
-            <a:rPr lang="en-US" sz="1600" b="0" i="0" u="none" strike="noStrike" cap="none" spc="0">
-              <a:solidFill>
-                <a:schemeClr val="tx1"/>
-              </a:solidFill>
-              <a:latin typeface="Times New Roman"/>
-              <a:cs typeface="Times New Roman"/>
-            </a:rPr>
-            <a:t> у </a:t>
-          </a:r>
-          <a:r>
-            <a:rPr lang="en-US" sz="1600" b="0" i="0" u="none" strike="noStrike" cap="none" spc="0">
-              <a:solidFill>
-                <a:schemeClr val="tx1"/>
-              </a:solidFill>
-              <a:latin typeface="Times New Roman"/>
-              <a:cs typeface="Times New Roman"/>
-            </a:rPr>
-            <a:t>порівнянні</a:t>
-          </a:r>
-          <a:r>
-            <a:rPr lang="en-US" sz="1600" b="0" i="0" u="none" strike="noStrike" cap="none" spc="0">
-              <a:solidFill>
-                <a:schemeClr val="tx1"/>
-              </a:solidFill>
-              <a:latin typeface="Times New Roman"/>
-              <a:cs typeface="Times New Roman"/>
-            </a:rPr>
-            <a:t> з </a:t>
-          </a:r>
-          <a:r>
-            <a:rPr lang="en-US" sz="1600" b="0" i="0" u="none" strike="noStrike" cap="none" spc="0">
-              <a:solidFill>
-                <a:schemeClr val="tx1"/>
-              </a:solidFill>
-              <a:latin typeface="Times New Roman"/>
-              <a:cs typeface="Times New Roman"/>
-            </a:rPr>
-            <a:t>традиційними</a:t>
-          </a:r>
-          <a:r>
-            <a:rPr lang="en-US" sz="1600" b="0" i="0" u="none" strike="noStrike" cap="none" spc="0">
-              <a:solidFill>
-                <a:schemeClr val="tx1"/>
-              </a:solidFill>
-              <a:latin typeface="Times New Roman"/>
-              <a:cs typeface="Times New Roman"/>
-            </a:rPr>
-            <a:t> блокчейн-</a:t>
-          </a:r>
-          <a:r>
-            <a:rPr lang="en-US" sz="1600" b="0" i="0" u="none" strike="noStrike" cap="none" spc="0">
-              <a:solidFill>
-                <a:schemeClr val="tx1"/>
-              </a:solidFill>
-              <a:latin typeface="Times New Roman"/>
-              <a:cs typeface="Times New Roman"/>
-            </a:rPr>
-            <a:t>системами</a:t>
-          </a:r>
-          <a:r>
-            <a:rPr lang="en-US" sz="1600" b="0" i="0" u="none" strike="noStrike" cap="none" spc="0">
-              <a:solidFill>
-                <a:schemeClr val="tx1"/>
-              </a:solidFill>
-              <a:latin typeface="Times New Roman"/>
-              <a:cs typeface="Times New Roman"/>
-            </a:rPr>
-            <a:t>.</a:t>
+            <a:t>, що поєднує в собі доказ часу, що минув (PoET) та доказ роботи (PoW), з метою зменшення ризиків централізації та зниження енергоспоживання у порівнянні з традиційними блокчейн-системами.</a:t>
           </a:r>
           <a:endParaRPr sz="1600">
             <a:solidFill>
@@ -1812,7 +1088,7 @@
       </dgm:t>
     </dgm:pt>
     <dgm:pt modelId="{EB3BD4AE-D7EC-449F-9FEC-6862480B356F}" type="sibTrans" cxnId="{7C51A667-6AED-4C0F-A3C5-24DCB9960B16}">
-      <dgm:prSet phldr="0" phldrT="02"/>
+      <dgm:prSet phldrT="02" phldr="0"/>
       <dgm:spPr bwMode="auto"/>
       <dgm:t>
         <a:bodyPr vertOverflow="overflow" horzOverflow="overflow" vert="horz" rtlCol="0" fromWordArt="0" anchor="ctr" forceAA="0" compatLnSpc="0"/>
@@ -1871,7 +1147,17 @@
               <a:latin typeface="Times New Roman"/>
               <a:cs typeface="Times New Roman"/>
             </a:rPr>
-            <a:t>Вирішити</a:t>
+            <a:t>Вирішити </a:t>
+          </a:r>
+          <a:r>
+            <a:rPr lang="en-US" sz="1600" b="1" i="0" u="none" strike="noStrike" cap="none" spc="0">
+              <a:solidFill>
+                <a:schemeClr val="tx1"/>
+              </a:solidFill>
+              <a:latin typeface="Times New Roman"/>
+              <a:cs typeface="Times New Roman"/>
+            </a:rPr>
+            <a:t>проблеми високих комісійних</a:t>
           </a:r>
           <a:r>
             <a:rPr lang="en-US" sz="1600" b="0" i="0" u="none" strike="noStrike" cap="none" spc="0">
@@ -1881,467 +1167,7 @@
               <a:latin typeface="Times New Roman"/>
               <a:cs typeface="Times New Roman"/>
             </a:rPr>
-            <a:t> </a:t>
-          </a:r>
-          <a:r>
-            <a:rPr lang="en-US" sz="1600" b="1" i="0" u="none" strike="noStrike" cap="none" spc="0">
-              <a:solidFill>
-                <a:schemeClr val="tx1"/>
-              </a:solidFill>
-              <a:latin typeface="Times New Roman"/>
-              <a:cs typeface="Times New Roman"/>
-            </a:rPr>
-            <a:t>проблеми</a:t>
-          </a:r>
-          <a:r>
-            <a:rPr lang="en-US" sz="1600" b="1" i="0" u="none" strike="noStrike" cap="none" spc="0">
-              <a:solidFill>
-                <a:schemeClr val="tx1"/>
-              </a:solidFill>
-              <a:latin typeface="Times New Roman"/>
-              <a:cs typeface="Times New Roman"/>
-            </a:rPr>
-            <a:t> </a:t>
-          </a:r>
-          <a:r>
-            <a:rPr lang="en-US" sz="1600" b="1" i="0" u="none" strike="noStrike" cap="none" spc="0">
-              <a:solidFill>
-                <a:schemeClr val="tx1"/>
-              </a:solidFill>
-              <a:latin typeface="Times New Roman"/>
-              <a:cs typeface="Times New Roman"/>
-            </a:rPr>
-            <a:t>високих</a:t>
-          </a:r>
-          <a:r>
-            <a:rPr lang="en-US" sz="1600" b="1" i="0" u="none" strike="noStrike" cap="none" spc="0">
-              <a:solidFill>
-                <a:schemeClr val="tx1"/>
-              </a:solidFill>
-              <a:latin typeface="Times New Roman"/>
-              <a:cs typeface="Times New Roman"/>
-            </a:rPr>
-            <a:t> </a:t>
-          </a:r>
-          <a:r>
-            <a:rPr lang="en-US" sz="1600" b="1" i="0" u="none" strike="noStrike" cap="none" spc="0">
-              <a:solidFill>
-                <a:schemeClr val="tx1"/>
-              </a:solidFill>
-              <a:latin typeface="Times New Roman"/>
-              <a:cs typeface="Times New Roman"/>
-            </a:rPr>
-            <a:t>комісійних</a:t>
-          </a:r>
-          <a:r>
-            <a:rPr lang="en-US" sz="1600" b="0" i="0" u="none" strike="noStrike" cap="none" spc="0">
-              <a:solidFill>
-                <a:schemeClr val="tx1"/>
-              </a:solidFill>
-              <a:latin typeface="Times New Roman"/>
-              <a:cs typeface="Times New Roman"/>
-            </a:rPr>
-            <a:t> </a:t>
-          </a:r>
-          <a:r>
-            <a:rPr lang="en-US" sz="1600" b="0" i="0" u="none" strike="noStrike" cap="none" spc="0">
-              <a:solidFill>
-                <a:schemeClr val="tx1"/>
-              </a:solidFill>
-              <a:latin typeface="Times New Roman"/>
-              <a:cs typeface="Times New Roman"/>
-            </a:rPr>
-            <a:t>витрат</a:t>
-          </a:r>
-          <a:r>
-            <a:rPr lang="en-US" sz="1600" b="0" i="0" u="none" strike="noStrike" cap="none" spc="0">
-              <a:solidFill>
-                <a:schemeClr val="tx1"/>
-              </a:solidFill>
-              <a:latin typeface="Times New Roman"/>
-              <a:cs typeface="Times New Roman"/>
-            </a:rPr>
-            <a:t> </a:t>
-          </a:r>
-          <a:r>
-            <a:rPr lang="en-US" sz="1600" b="0" i="0" u="none" strike="noStrike" cap="none" spc="0">
-              <a:solidFill>
-                <a:schemeClr val="tx1"/>
-              </a:solidFill>
-              <a:latin typeface="Times New Roman"/>
-              <a:cs typeface="Times New Roman"/>
-            </a:rPr>
-            <a:t>за</a:t>
-          </a:r>
-          <a:r>
-            <a:rPr lang="en-US" sz="1600" b="0" i="0" u="none" strike="noStrike" cap="none" spc="0">
-              <a:solidFill>
-                <a:schemeClr val="tx1"/>
-              </a:solidFill>
-              <a:latin typeface="Times New Roman"/>
-              <a:cs typeface="Times New Roman"/>
-            </a:rPr>
-            <a:t> </a:t>
-          </a:r>
-          <a:r>
-            <a:rPr lang="en-US" sz="1600" b="0" i="0" u="none" strike="noStrike" cap="none" spc="0">
-              <a:solidFill>
-                <a:schemeClr val="tx1"/>
-              </a:solidFill>
-              <a:latin typeface="Times New Roman"/>
-              <a:cs typeface="Times New Roman"/>
-            </a:rPr>
-            <a:t>рахунок</a:t>
-          </a:r>
-          <a:r>
-            <a:rPr lang="en-US" sz="1600" b="0" i="0" u="none" strike="noStrike" cap="none" spc="0">
-              <a:solidFill>
-                <a:schemeClr val="tx1"/>
-              </a:solidFill>
-              <a:latin typeface="Times New Roman"/>
-              <a:cs typeface="Times New Roman"/>
-            </a:rPr>
-            <a:t> </a:t>
-          </a:r>
-          <a:r>
-            <a:rPr lang="en-US" sz="1600" b="0" i="0" u="none" strike="noStrike" cap="none" spc="0">
-              <a:solidFill>
-                <a:schemeClr val="tx1"/>
-              </a:solidFill>
-              <a:latin typeface="Times New Roman"/>
-              <a:cs typeface="Times New Roman"/>
-            </a:rPr>
-            <a:t>підтримки</a:t>
-          </a:r>
-          <a:r>
-            <a:rPr lang="en-US" sz="1600" b="0" i="0" u="none" strike="noStrike" cap="none" spc="0">
-              <a:solidFill>
-                <a:schemeClr val="tx1"/>
-              </a:solidFill>
-              <a:latin typeface="Times New Roman"/>
-              <a:cs typeface="Times New Roman"/>
-            </a:rPr>
-            <a:t> </a:t>
-          </a:r>
-          <a:r>
-            <a:rPr lang="en-US" sz="1600" b="0" i="0" u="none" strike="noStrike" cap="none" spc="0">
-              <a:solidFill>
-                <a:schemeClr val="tx1"/>
-              </a:solidFill>
-              <a:latin typeface="Times New Roman"/>
-              <a:cs typeface="Times New Roman"/>
-            </a:rPr>
-            <a:t>ефективної</a:t>
-          </a:r>
-          <a:r>
-            <a:rPr lang="en-US" sz="1600" b="0" i="0" u="none" strike="noStrike" cap="none" spc="0">
-              <a:solidFill>
-                <a:schemeClr val="tx1"/>
-              </a:solidFill>
-              <a:latin typeface="Times New Roman"/>
-              <a:cs typeface="Times New Roman"/>
-            </a:rPr>
-            <a:t> </a:t>
-          </a:r>
-          <a:r>
-            <a:rPr lang="en-US" sz="1600" b="0" i="0" u="none" strike="noStrike" cap="none" spc="0">
-              <a:solidFill>
-                <a:schemeClr val="tx1"/>
-              </a:solidFill>
-              <a:latin typeface="Times New Roman"/>
-              <a:cs typeface="Times New Roman"/>
-            </a:rPr>
-            <a:t>роботи</a:t>
-          </a:r>
-          <a:r>
-            <a:rPr lang="en-US" sz="1600" b="0" i="0" u="none" strike="noStrike" cap="none" spc="0">
-              <a:solidFill>
-                <a:schemeClr val="tx1"/>
-              </a:solidFill>
-              <a:latin typeface="Times New Roman"/>
-              <a:cs typeface="Times New Roman"/>
-            </a:rPr>
-            <a:t> </a:t>
-          </a:r>
-          <a:r>
-            <a:rPr lang="en-US" sz="1600" b="0" i="0" u="none" strike="noStrike" cap="none" spc="0">
-              <a:solidFill>
-                <a:schemeClr val="tx1"/>
-              </a:solidFill>
-              <a:latin typeface="Times New Roman"/>
-              <a:cs typeface="Times New Roman"/>
-            </a:rPr>
-            <a:t>мережі</a:t>
-          </a:r>
-          <a:r>
-            <a:rPr lang="en-US" sz="1600" b="0" i="0" u="none" strike="noStrike" cap="none" spc="0">
-              <a:solidFill>
-                <a:schemeClr val="tx1"/>
-              </a:solidFill>
-              <a:latin typeface="Times New Roman"/>
-              <a:cs typeface="Times New Roman"/>
-            </a:rPr>
-            <a:t> </a:t>
-          </a:r>
-          <a:r>
-            <a:rPr lang="en-US" sz="1600" b="0" i="0" u="none" strike="noStrike" cap="none" spc="0">
-              <a:solidFill>
-                <a:schemeClr val="tx1"/>
-              </a:solidFill>
-              <a:latin typeface="Times New Roman"/>
-              <a:cs typeface="Times New Roman"/>
-            </a:rPr>
-            <a:t>навіть</a:t>
-          </a:r>
-          <a:r>
-            <a:rPr lang="en-US" sz="1600" b="0" i="0" u="none" strike="noStrike" cap="none" spc="0">
-              <a:solidFill>
-                <a:schemeClr val="tx1"/>
-              </a:solidFill>
-              <a:latin typeface="Times New Roman"/>
-              <a:cs typeface="Times New Roman"/>
-            </a:rPr>
-            <a:t> </a:t>
-          </a:r>
-          <a:r>
-            <a:rPr lang="en-US" sz="1600" b="0" i="0" u="none" strike="noStrike" cap="none" spc="0">
-              <a:solidFill>
-                <a:schemeClr val="tx1"/>
-              </a:solidFill>
-              <a:latin typeface="Times New Roman"/>
-              <a:cs typeface="Times New Roman"/>
-            </a:rPr>
-            <a:t>при</a:t>
-          </a:r>
-          <a:r>
-            <a:rPr lang="en-US" sz="1600" b="0" i="0" u="none" strike="noStrike" cap="none" spc="0">
-              <a:solidFill>
-                <a:schemeClr val="tx1"/>
-              </a:solidFill>
-              <a:latin typeface="Times New Roman"/>
-              <a:cs typeface="Times New Roman"/>
-            </a:rPr>
-            <a:t> </a:t>
-          </a:r>
-          <a:r>
-            <a:rPr lang="en-US" sz="1600" b="0" i="0" u="none" strike="noStrike" cap="none" spc="0">
-              <a:solidFill>
-                <a:schemeClr val="tx1"/>
-              </a:solidFill>
-              <a:latin typeface="Times New Roman"/>
-              <a:cs typeface="Times New Roman"/>
-            </a:rPr>
-            <a:t>великих</a:t>
-          </a:r>
-          <a:r>
-            <a:rPr lang="en-US" sz="1600" b="0" i="0" u="none" strike="noStrike" cap="none" spc="0">
-              <a:solidFill>
-                <a:schemeClr val="tx1"/>
-              </a:solidFill>
-              <a:latin typeface="Times New Roman"/>
-              <a:cs typeface="Times New Roman"/>
-            </a:rPr>
-            <a:t> </a:t>
-          </a:r>
-          <a:r>
-            <a:rPr lang="en-US" sz="1600" b="0" i="0" u="none" strike="noStrike" cap="none" spc="0">
-              <a:solidFill>
-                <a:schemeClr val="tx1"/>
-              </a:solidFill>
-              <a:latin typeface="Times New Roman"/>
-              <a:cs typeface="Times New Roman"/>
-            </a:rPr>
-            <a:t>обсягах</a:t>
-          </a:r>
-          <a:r>
-            <a:rPr lang="en-US" sz="1600" b="0" i="0" u="none" strike="noStrike" cap="none" spc="0">
-              <a:solidFill>
-                <a:schemeClr val="tx1"/>
-              </a:solidFill>
-              <a:latin typeface="Times New Roman"/>
-              <a:cs typeface="Times New Roman"/>
-            </a:rPr>
-            <a:t> </a:t>
-          </a:r>
-          <a:r>
-            <a:rPr lang="en-US" sz="1600" b="0" i="0" u="none" strike="noStrike" cap="none" spc="0">
-              <a:solidFill>
-                <a:schemeClr val="tx1"/>
-              </a:solidFill>
-              <a:latin typeface="Times New Roman"/>
-              <a:cs typeface="Times New Roman"/>
-            </a:rPr>
-            <a:t>транзакцій</a:t>
-          </a:r>
-          <a:r>
-            <a:rPr lang="en-US" sz="1600" b="0" i="0" u="none" strike="noStrike" cap="none" spc="0">
-              <a:solidFill>
-                <a:schemeClr val="tx1"/>
-              </a:solidFill>
-              <a:latin typeface="Times New Roman"/>
-              <a:cs typeface="Times New Roman"/>
-            </a:rPr>
-            <a:t>, </a:t>
-          </a:r>
-          <a:r>
-            <a:rPr lang="en-US" sz="1600" b="0" i="0" u="none" strike="noStrike" cap="none" spc="0">
-              <a:solidFill>
-                <a:schemeClr val="tx1"/>
-              </a:solidFill>
-              <a:latin typeface="Times New Roman"/>
-              <a:cs typeface="Times New Roman"/>
-            </a:rPr>
-            <a:t>що</a:t>
-          </a:r>
-          <a:r>
-            <a:rPr lang="en-US" sz="1600" b="0" i="0" u="none" strike="noStrike" cap="none" spc="0">
-              <a:solidFill>
-                <a:schemeClr val="tx1"/>
-              </a:solidFill>
-              <a:latin typeface="Times New Roman"/>
-              <a:cs typeface="Times New Roman"/>
-            </a:rPr>
-            <a:t> </a:t>
-          </a:r>
-          <a:r>
-            <a:rPr lang="en-US" sz="1600" b="0" i="0" u="none" strike="noStrike" cap="none" spc="0">
-              <a:solidFill>
-                <a:schemeClr val="tx1"/>
-              </a:solidFill>
-              <a:latin typeface="Times New Roman"/>
-              <a:cs typeface="Times New Roman"/>
-            </a:rPr>
-            <a:t>забезпечує</a:t>
-          </a:r>
-          <a:r>
-            <a:rPr lang="en-US" sz="1600" b="0" i="0" u="none" strike="noStrike" cap="none" spc="0">
-              <a:solidFill>
-                <a:schemeClr val="tx1"/>
-              </a:solidFill>
-              <a:latin typeface="Times New Roman"/>
-              <a:cs typeface="Times New Roman"/>
-            </a:rPr>
-            <a:t> </a:t>
-          </a:r>
-          <a:r>
-            <a:rPr lang="en-US" sz="1600" b="0" i="0" u="none" strike="noStrike" cap="none" spc="0">
-              <a:solidFill>
-                <a:schemeClr val="tx1"/>
-              </a:solidFill>
-              <a:latin typeface="Times New Roman"/>
-              <a:cs typeface="Times New Roman"/>
-            </a:rPr>
-            <a:t>нижчу</a:t>
-          </a:r>
-          <a:r>
-            <a:rPr lang="en-US" sz="1600" b="0" i="0" u="none" strike="noStrike" cap="none" spc="0">
-              <a:solidFill>
-                <a:schemeClr val="tx1"/>
-              </a:solidFill>
-              <a:latin typeface="Times New Roman"/>
-              <a:cs typeface="Times New Roman"/>
-            </a:rPr>
-            <a:t> </a:t>
-          </a:r>
-          <a:r>
-            <a:rPr lang="en-US" sz="1600" b="0" i="0" u="none" strike="noStrike" cap="none" spc="0">
-              <a:solidFill>
-                <a:schemeClr val="tx1"/>
-              </a:solidFill>
-              <a:latin typeface="Times New Roman"/>
-              <a:cs typeface="Times New Roman"/>
-            </a:rPr>
-            <a:t>комісію</a:t>
-          </a:r>
-          <a:r>
-            <a:rPr lang="en-US" sz="1600" b="0" i="0" u="none" strike="noStrike" cap="none" spc="0">
-              <a:solidFill>
-                <a:schemeClr val="tx1"/>
-              </a:solidFill>
-              <a:latin typeface="Times New Roman"/>
-              <a:cs typeface="Times New Roman"/>
-            </a:rPr>
-            <a:t> </a:t>
-          </a:r>
-          <a:r>
-            <a:rPr lang="en-US" sz="1600" b="0" i="0" u="none" strike="noStrike" cap="none" spc="0">
-              <a:solidFill>
-                <a:schemeClr val="tx1"/>
-              </a:solidFill>
-              <a:latin typeface="Times New Roman"/>
-              <a:cs typeface="Times New Roman"/>
-            </a:rPr>
-            <a:t>за</a:t>
-          </a:r>
-          <a:r>
-            <a:rPr lang="en-US" sz="1600" b="0" i="0" u="none" strike="noStrike" cap="none" spc="0">
-              <a:solidFill>
-                <a:schemeClr val="tx1"/>
-              </a:solidFill>
-              <a:latin typeface="Times New Roman"/>
-              <a:cs typeface="Times New Roman"/>
-            </a:rPr>
-            <a:t> </a:t>
-          </a:r>
-          <a:r>
-            <a:rPr lang="en-US" sz="1600" b="0" i="0" u="none" strike="noStrike" cap="none" spc="0">
-              <a:solidFill>
-                <a:schemeClr val="tx1"/>
-              </a:solidFill>
-              <a:latin typeface="Times New Roman"/>
-              <a:cs typeface="Times New Roman"/>
-            </a:rPr>
-            <a:t>транзакції</a:t>
-          </a:r>
-          <a:r>
-            <a:rPr lang="en-US" sz="1600" b="0" i="0" u="none" strike="noStrike" cap="none" spc="0">
-              <a:solidFill>
-                <a:schemeClr val="tx1"/>
-              </a:solidFill>
-              <a:latin typeface="Times New Roman"/>
-              <a:cs typeface="Times New Roman"/>
-            </a:rPr>
-            <a:t> </a:t>
-          </a:r>
-          <a:r>
-            <a:rPr lang="en-US" sz="1600" b="0" i="0" u="none" strike="noStrike" cap="none" spc="0">
-              <a:solidFill>
-                <a:schemeClr val="tx1"/>
-              </a:solidFill>
-              <a:latin typeface="Times New Roman"/>
-              <a:cs typeface="Times New Roman"/>
-            </a:rPr>
-            <a:t>для</a:t>
-          </a:r>
-          <a:r>
-            <a:rPr lang="en-US" sz="1600" b="0" i="0" u="none" strike="noStrike" cap="none" spc="0">
-              <a:solidFill>
-                <a:schemeClr val="tx1"/>
-              </a:solidFill>
-              <a:latin typeface="Times New Roman"/>
-              <a:cs typeface="Times New Roman"/>
-            </a:rPr>
-            <a:t> </a:t>
-          </a:r>
-          <a:r>
-            <a:rPr lang="en-US" sz="1600" b="0" i="0" u="none" strike="noStrike" cap="none" spc="0">
-              <a:solidFill>
-                <a:schemeClr val="tx1"/>
-              </a:solidFill>
-              <a:latin typeface="Times New Roman"/>
-              <a:cs typeface="Times New Roman"/>
-            </a:rPr>
-            <a:t>користувачів</a:t>
-          </a:r>
-          <a:r>
-            <a:rPr lang="en-US" sz="1600" b="0" i="0" u="none" strike="noStrike" cap="none" spc="0">
-              <a:solidFill>
-                <a:schemeClr val="tx1"/>
-              </a:solidFill>
-              <a:latin typeface="Times New Roman"/>
-              <a:cs typeface="Times New Roman"/>
-            </a:rPr>
-            <a:t>.</a:t>
+            <a:t> витрат за рахунок підтримки ефективної роботи мережі навіть при великих обсягах транзакцій, що забезпечує нижчу комісію за транзакції для користувачів.</a:t>
           </a:r>
           <a:endParaRPr sz="1600">
             <a:solidFill>
@@ -2368,7 +1194,7 @@
       </dgm:t>
     </dgm:pt>
     <dgm:pt modelId="{4CBAFDCC-6EA0-4DEA-9121-2062BC43DD0B}" type="sibTrans" cxnId="{4ED74027-7C0D-4D16-A0CB-88ADEB6B9117}">
-      <dgm:prSet phldr="0" phldrT="03"/>
+      <dgm:prSet phldrT="03" phldr="0"/>
       <dgm:spPr bwMode="auto"/>
       <dgm:t>
         <a:bodyPr vertOverflow="overflow" horzOverflow="overflow" vert="horz" rtlCol="0" fromWordArt="0" anchor="ctr" forceAA="0" compatLnSpc="0"/>
@@ -2418,7 +1244,7 @@
       <dgm:spPr bwMode="auto"/>
     </dgm:pt>
     <dgm:pt modelId="{9749F921-1780-4BC4-94D4-CA6CB4386FA2}" type="pres">
-      <dgm:prSet custLinFactY="245" presAssocID="{53958BD8-D0F9-43A4-A8E7-C43BE5627982}" presName="bgRect" presStyleLbl="alignNode1" presStyleIdx="0" presStyleCnt="3"/>
+      <dgm:prSet presAssocID="{53958BD8-D0F9-43A4-A8E7-C43BE5627982}" presName="bgRect" presStyleLbl="alignNode1" presStyleIdx="0" presStyleCnt="3" custLinFactY="245"/>
       <dgm:spPr bwMode="auto">
         <a:prstGeom prst="roundRect">
           <a:avLst>
@@ -2586,27 +1412,20 @@
   <dgm:whole/>
   <dgm:extLst>
     <a:ext uri="http://schemas.microsoft.com/office/drawing/2008/diagram">
-      <dsp:dataModelExt xmlns:dsp="http://schemas.microsoft.com/office/drawing/2008/diagram" relId="rId1" minVer="http://schemas.openxmlformats.org/drawingml/2006/diagram"/>
+      <dsp:dataModelExt xmlns:dsp="http://schemas.microsoft.com/office/drawing/2008/diagram" relId="rId6" minVer="http://schemas.openxmlformats.org/drawingml/2006/diagram"/>
     </a:ext>
   </dgm:extLst>
 </dgm:dataModel>
 </file>
 
 <file path=ppt/diagrams/drawing1.xml><?xml version="1.0" encoding="utf-8"?>
-<dsp:drawing xmlns:dsp="http://schemas.microsoft.com/office/drawing/2008/diagram" xmlns:dgm="http://schemas.openxmlformats.org/drawingml/2006/diagram" xmlns:a="http://schemas.openxmlformats.org/drawingml/2006/main" xmlns:r="http://schemas.openxmlformats.org/officeDocument/2006/relationships">
+<dsp:drawing xmlns:dgm="http://schemas.openxmlformats.org/drawingml/2006/diagram" xmlns:dsp="http://schemas.microsoft.com/office/drawing/2008/diagram" xmlns:a="http://schemas.openxmlformats.org/drawingml/2006/main">
   <dsp:spTree>
     <dsp:nvGrpSpPr>
-      <dsp:cNvPr id="1539457590" name=""/>
+      <dsp:cNvPr id="0" name=""/>
       <dsp:cNvGrpSpPr/>
     </dsp:nvGrpSpPr>
-    <dsp:grpSpPr bwMode="auto">
-      <a:xfrm>
-        <a:off x="0" y="0"/>
-        <a:ext cx="9905999" cy="4082074"/>
-        <a:chOff x="0" y="0"/>
-        <a:chExt cx="9905999" cy="4082074"/>
-      </a:xfrm>
-    </dsp:grpSpPr>
+    <dsp:grpSpPr/>
     <dsp:sp modelId="{9749F921-1780-4BC4-94D4-CA6CB4386FA2}">
       <dsp:nvSpPr>
         <dsp:cNvPr id="0" name=""/>
@@ -2659,7 +1478,7 @@
               <a:spcPct val="90000"/>
             </a:lnSpc>
             <a:spcBef>
-              <a:spcPts val="0"/>
+              <a:spcPct val="0"/>
             </a:spcBef>
             <a:spcAft>
               <a:spcPts val="0"/>
@@ -2668,287 +1487,37 @@
             <a:defRPr/>
           </a:pPr>
           <a:r>
-            <a:rPr lang="en-US" sz="1600" b="0" i="0" u="none" strike="noStrike" cap="none" spc="0">
+            <a:rPr lang="en-US" sz="1600" b="0" i="0" u="none" strike="noStrike" kern="1200" cap="none" spc="0">
               <a:solidFill>
                 <a:schemeClr val="tx1"/>
               </a:solidFill>
               <a:latin typeface="Times New Roman"/>
               <a:cs typeface="Times New Roman"/>
             </a:rPr>
-            <a:t>Розробити</a:t>
+            <a:t>Розробити блокчейн-систему з </a:t>
           </a:r>
           <a:r>
-            <a:rPr lang="en-US" sz="1600" b="0" i="0" u="none" strike="noStrike" cap="none" spc="0">
+            <a:rPr lang="en-US" sz="1600" b="1" i="0" u="none" strike="noStrike" kern="1200" cap="none" spc="0">
               <a:solidFill>
                 <a:schemeClr val="tx1"/>
               </a:solidFill>
               <a:latin typeface="Times New Roman"/>
               <a:cs typeface="Times New Roman"/>
             </a:rPr>
-            <a:t> блокчейн-</a:t>
+            <a:t>гібридною мережевою архітектурою</a:t>
           </a:r>
           <a:r>
-            <a:rPr lang="en-US" sz="1600" b="0" i="0" u="none" strike="noStrike" cap="none" spc="0">
+            <a:rPr lang="en-US" sz="1600" b="0" i="0" u="none" strike="noStrike" kern="1200" cap="none" spc="0">
               <a:solidFill>
                 <a:schemeClr val="tx1"/>
               </a:solidFill>
               <a:latin typeface="Times New Roman"/>
               <a:cs typeface="Times New Roman"/>
             </a:rPr>
-            <a:t>систему</a:t>
+            <a:t>, що дозволить зменшити затримку транзакцій та підвищити масштабованість мережі.</a:t>
           </a:r>
           <a:r>
-            <a:rPr lang="en-US" sz="1600" b="0" i="0" u="none" strike="noStrike" cap="none" spc="0">
-              <a:solidFill>
-                <a:schemeClr val="tx1"/>
-              </a:solidFill>
-              <a:latin typeface="Times New Roman"/>
-              <a:cs typeface="Times New Roman"/>
-            </a:rPr>
-            <a:t> з </a:t>
-          </a:r>
-          <a:r>
-            <a:rPr lang="en-US" sz="1600" b="1" i="0" u="none" strike="noStrike" cap="none" spc="0">
-              <a:solidFill>
-                <a:schemeClr val="tx1"/>
-              </a:solidFill>
-              <a:latin typeface="Times New Roman"/>
-              <a:cs typeface="Times New Roman"/>
-            </a:rPr>
-            <a:t>гібридною</a:t>
-          </a:r>
-          <a:r>
-            <a:rPr lang="en-US" sz="1600" b="1" i="0" u="none" strike="noStrike" cap="none" spc="0">
-              <a:solidFill>
-                <a:schemeClr val="tx1"/>
-              </a:solidFill>
-              <a:latin typeface="Times New Roman"/>
-              <a:cs typeface="Times New Roman"/>
-            </a:rPr>
-            <a:t> </a:t>
-          </a:r>
-          <a:r>
-            <a:rPr lang="en-US" sz="1600" b="1" i="0" u="none" strike="noStrike" cap="none" spc="0">
-              <a:solidFill>
-                <a:schemeClr val="tx1"/>
-              </a:solidFill>
-              <a:latin typeface="Times New Roman"/>
-              <a:cs typeface="Times New Roman"/>
-            </a:rPr>
-            <a:t>мережевою</a:t>
-          </a:r>
-          <a:r>
-            <a:rPr lang="en-US" sz="1600" b="1" i="0" u="none" strike="noStrike" cap="none" spc="0">
-              <a:solidFill>
-                <a:schemeClr val="tx1"/>
-              </a:solidFill>
-              <a:latin typeface="Times New Roman"/>
-              <a:cs typeface="Times New Roman"/>
-            </a:rPr>
-            <a:t> </a:t>
-          </a:r>
-          <a:r>
-            <a:rPr lang="en-US" sz="1600" b="1" i="0" u="none" strike="noStrike" cap="none" spc="0">
-              <a:solidFill>
-                <a:schemeClr val="tx1"/>
-              </a:solidFill>
-              <a:latin typeface="Times New Roman"/>
-              <a:cs typeface="Times New Roman"/>
-            </a:rPr>
-            <a:t>архітектурою</a:t>
-          </a:r>
-          <a:r>
-            <a:rPr lang="en-US" sz="1600" b="0" i="0" u="none" strike="noStrike" cap="none" spc="0">
-              <a:solidFill>
-                <a:schemeClr val="tx1"/>
-              </a:solidFill>
-              <a:latin typeface="Times New Roman"/>
-              <a:cs typeface="Times New Roman"/>
-            </a:rPr>
-            <a:t>, </a:t>
-          </a:r>
-          <a:r>
-            <a:rPr lang="en-US" sz="1600" b="0" i="0" u="none" strike="noStrike" cap="none" spc="0">
-              <a:solidFill>
-                <a:schemeClr val="tx1"/>
-              </a:solidFill>
-              <a:latin typeface="Times New Roman"/>
-              <a:cs typeface="Times New Roman"/>
-            </a:rPr>
-            <a:t>що</a:t>
-          </a:r>
-          <a:r>
-            <a:rPr lang="en-US" sz="1600" b="0" i="0" u="none" strike="noStrike" cap="none" spc="0">
-              <a:solidFill>
-                <a:schemeClr val="tx1"/>
-              </a:solidFill>
-              <a:latin typeface="Times New Roman"/>
-              <a:cs typeface="Times New Roman"/>
-            </a:rPr>
-            <a:t> </a:t>
-          </a:r>
-          <a:r>
-            <a:rPr lang="en-US" sz="1600" b="0" i="0" u="none" strike="noStrike" cap="none" spc="0">
-              <a:solidFill>
-                <a:schemeClr val="tx1"/>
-              </a:solidFill>
-              <a:latin typeface="Times New Roman"/>
-              <a:cs typeface="Times New Roman"/>
-            </a:rPr>
-            <a:t>дозволить</a:t>
-          </a:r>
-          <a:r>
-            <a:rPr lang="en-US" sz="1600" b="0" i="0" u="none" strike="noStrike" cap="none" spc="0">
-              <a:solidFill>
-                <a:schemeClr val="tx1"/>
-              </a:solidFill>
-              <a:latin typeface="Times New Roman"/>
-              <a:cs typeface="Times New Roman"/>
-            </a:rPr>
-            <a:t> </a:t>
-          </a:r>
-          <a:r>
-            <a:rPr lang="en-US" sz="1600" b="0" i="0" u="none" strike="noStrike" cap="none" spc="0">
-              <a:solidFill>
-                <a:schemeClr val="tx1"/>
-              </a:solidFill>
-              <a:latin typeface="Times New Roman"/>
-              <a:cs typeface="Times New Roman"/>
-            </a:rPr>
-            <a:t>зменшити</a:t>
-          </a:r>
-          <a:r>
-            <a:rPr lang="en-US" sz="1600" b="0" i="0" u="none" strike="noStrike" cap="none" spc="0">
-              <a:solidFill>
-                <a:schemeClr val="tx1"/>
-              </a:solidFill>
-              <a:latin typeface="Times New Roman"/>
-              <a:cs typeface="Times New Roman"/>
-            </a:rPr>
-            <a:t> </a:t>
-          </a:r>
-          <a:r>
-            <a:rPr lang="en-US" sz="1600" b="0" i="0" u="none" strike="noStrike" cap="none" spc="0">
-              <a:solidFill>
-                <a:schemeClr val="tx1"/>
-              </a:solidFill>
-              <a:latin typeface="Times New Roman"/>
-              <a:cs typeface="Times New Roman"/>
-            </a:rPr>
-            <a:t>затримку</a:t>
-          </a:r>
-          <a:r>
-            <a:rPr lang="en-US" sz="1600" b="0" i="0" u="none" strike="noStrike" cap="none" spc="0">
-              <a:solidFill>
-                <a:schemeClr val="tx1"/>
-              </a:solidFill>
-              <a:latin typeface="Times New Roman"/>
-              <a:cs typeface="Times New Roman"/>
-            </a:rPr>
-            <a:t> </a:t>
-          </a:r>
-          <a:r>
-            <a:rPr lang="en-US" sz="1600" b="0" i="0" u="none" strike="noStrike" cap="none" spc="0">
-              <a:solidFill>
-                <a:schemeClr val="tx1"/>
-              </a:solidFill>
-              <a:latin typeface="Times New Roman"/>
-              <a:cs typeface="Times New Roman"/>
-            </a:rPr>
-            <a:t>транзакцій</a:t>
-          </a:r>
-          <a:r>
-            <a:rPr lang="en-US" sz="1600" b="0" i="0" u="none" strike="noStrike" cap="none" spc="0">
-              <a:solidFill>
-                <a:schemeClr val="tx1"/>
-              </a:solidFill>
-              <a:latin typeface="Times New Roman"/>
-              <a:cs typeface="Times New Roman"/>
-            </a:rPr>
-            <a:t> </a:t>
-          </a:r>
-          <a:r>
-            <a:rPr lang="en-US" sz="1600" b="0" i="0" u="none" strike="noStrike" cap="none" spc="0">
-              <a:solidFill>
-                <a:schemeClr val="tx1"/>
-              </a:solidFill>
-              <a:latin typeface="Times New Roman"/>
-              <a:cs typeface="Times New Roman"/>
-            </a:rPr>
-            <a:t>та</a:t>
-          </a:r>
-          <a:r>
-            <a:rPr lang="en-US" sz="1600" b="0" i="0" u="none" strike="noStrike" cap="none" spc="0">
-              <a:solidFill>
-                <a:schemeClr val="tx1"/>
-              </a:solidFill>
-              <a:latin typeface="Times New Roman"/>
-              <a:cs typeface="Times New Roman"/>
-            </a:rPr>
-            <a:t> </a:t>
-          </a:r>
-          <a:r>
-            <a:rPr lang="en-US" sz="1600" b="0" i="0" u="none" strike="noStrike" cap="none" spc="0">
-              <a:solidFill>
-                <a:schemeClr val="tx1"/>
-              </a:solidFill>
-              <a:latin typeface="Times New Roman"/>
-              <a:cs typeface="Times New Roman"/>
-            </a:rPr>
-            <a:t>підвищити</a:t>
-          </a:r>
-          <a:r>
-            <a:rPr lang="en-US" sz="1600" b="0" i="0" u="none" strike="noStrike" cap="none" spc="0">
-              <a:solidFill>
-                <a:schemeClr val="tx1"/>
-              </a:solidFill>
-              <a:latin typeface="Times New Roman"/>
-              <a:cs typeface="Times New Roman"/>
-            </a:rPr>
-            <a:t> </a:t>
-          </a:r>
-          <a:r>
-            <a:rPr lang="en-US" sz="1600" b="0" i="0" u="none" strike="noStrike" cap="none" spc="0">
-              <a:solidFill>
-                <a:schemeClr val="tx1"/>
-              </a:solidFill>
-              <a:latin typeface="Times New Roman"/>
-              <a:cs typeface="Times New Roman"/>
-            </a:rPr>
-            <a:t>масштабованість</a:t>
-          </a:r>
-          <a:r>
-            <a:rPr lang="en-US" sz="1600" b="0" i="0" u="none" strike="noStrike" cap="none" spc="0">
-              <a:solidFill>
-                <a:schemeClr val="tx1"/>
-              </a:solidFill>
-              <a:latin typeface="Times New Roman"/>
-              <a:cs typeface="Times New Roman"/>
-            </a:rPr>
-            <a:t> </a:t>
-          </a:r>
-          <a:r>
-            <a:rPr lang="en-US" sz="1600" b="0" i="0" u="none" strike="noStrike" cap="none" spc="0">
-              <a:solidFill>
-                <a:schemeClr val="tx1"/>
-              </a:solidFill>
-              <a:latin typeface="Times New Roman"/>
-              <a:cs typeface="Times New Roman"/>
-            </a:rPr>
-            <a:t>мережі</a:t>
-          </a:r>
-          <a:r>
-            <a:rPr lang="en-US" sz="1600" b="0" i="0" u="none" strike="noStrike" cap="none" spc="0">
-              <a:solidFill>
-                <a:schemeClr val="tx1"/>
-              </a:solidFill>
-              <a:latin typeface="Times New Roman"/>
-              <a:cs typeface="Times New Roman"/>
-            </a:rPr>
-            <a:t>.</a:t>
-          </a:r>
-          <a:r>
-            <a:rPr lang="en-US" sz="1600">
+            <a:rPr lang="en-US" sz="1600" kern="1200">
               <a:solidFill>
                 <a:schemeClr val="tx1"/>
               </a:solidFill>
@@ -2957,7 +1526,7 @@
             </a:rPr>
             <a:t> </a:t>
           </a:r>
-          <a:endParaRPr sz="1600">
+          <a:endParaRPr sz="1600" kern="1200">
             <a:solidFill>
               <a:schemeClr val="tx1"/>
             </a:solidFill>
@@ -2990,6 +1559,7 @@
           <a:prstDash val="solid"/>
         </a:ln>
         <a:effectLst/>
+        <a:sp3d/>
       </dsp:spPr>
       <dsp:style>
         <a:lnRef idx="2">
@@ -3016,7 +1586,7 @@
               <a:spcPct val="90000"/>
             </a:lnSpc>
             <a:spcBef>
-              <a:spcPts val="0"/>
+              <a:spcPct val="0"/>
             </a:spcBef>
             <a:spcAft>
               <a:spcPts val="0"/>
@@ -3025,13 +1595,13 @@
             <a:defRPr/>
           </a:pPr>
           <a:r>
-            <a:rPr lang="en-US" sz="6600">
+            <a:rPr lang="en-US" sz="6600" kern="1200">
               <a:latin typeface="Times New Roman"/>
               <a:cs typeface="Times New Roman"/>
             </a:rPr>
             <a:t>01</a:t>
           </a:r>
-          <a:endParaRPr sz="6600">
+          <a:endParaRPr sz="6600" kern="1200">
             <a:latin typeface="Times New Roman"/>
             <a:cs typeface="Times New Roman"/>
           </a:endParaRPr>
@@ -3094,7 +1664,7 @@
               <a:spcPct val="90000"/>
             </a:lnSpc>
             <a:spcBef>
-              <a:spcPts val="0"/>
+              <a:spcPct val="0"/>
             </a:spcBef>
             <a:spcAft>
               <a:spcPts val="0"/>
@@ -3103,526 +1673,36 @@
             <a:defRPr/>
           </a:pPr>
           <a:r>
-            <a:rPr lang="en-US" sz="1600" b="0" i="0" u="none" strike="noStrike" cap="none" spc="0">
+            <a:rPr lang="en-US" sz="1600" b="0" i="0" u="none" strike="noStrike" kern="1200" cap="none" spc="0">
               <a:solidFill>
                 <a:schemeClr val="tx1"/>
               </a:solidFill>
               <a:latin typeface="Times New Roman"/>
               <a:cs typeface="Times New Roman"/>
             </a:rPr>
-            <a:t>Реалізувати</a:t>
+            <a:t>Реалізувати </a:t>
           </a:r>
           <a:r>
-            <a:rPr lang="en-US" sz="1600" b="0" i="0" u="none" strike="noStrike" cap="none" spc="0">
+            <a:rPr lang="en-US" sz="1600" b="1" i="0" u="none" strike="noStrike" kern="1200" cap="none" spc="0">
               <a:solidFill>
                 <a:schemeClr val="tx1"/>
               </a:solidFill>
               <a:latin typeface="Times New Roman"/>
               <a:cs typeface="Times New Roman"/>
             </a:rPr>
-            <a:t> </a:t>
+            <a:t>гібридний механізм консенсусу</a:t>
           </a:r>
           <a:r>
-            <a:rPr lang="en-US" sz="1600" b="1" i="0" u="none" strike="noStrike" cap="none" spc="0">
+            <a:rPr lang="en-US" sz="1600" b="0" i="0" u="none" strike="noStrike" kern="1200" cap="none" spc="0">
               <a:solidFill>
                 <a:schemeClr val="tx1"/>
               </a:solidFill>
               <a:latin typeface="Times New Roman"/>
               <a:cs typeface="Times New Roman"/>
             </a:rPr>
-            <a:t>гібридний</a:t>
+            <a:t>, що поєднує в собі доказ часу, що минув (PoET) та доказ роботи (PoW), з метою зменшення ризиків централізації та зниження енергоспоживання у порівнянні з традиційними блокчейн-системами.</a:t>
           </a:r>
-          <a:r>
-            <a:rPr lang="en-US" sz="1600" b="1" i="0" u="none" strike="noStrike" cap="none" spc="0">
-              <a:solidFill>
-                <a:schemeClr val="tx1"/>
-              </a:solidFill>
-              <a:latin typeface="Times New Roman"/>
-              <a:cs typeface="Times New Roman"/>
-            </a:rPr>
-            <a:t> </a:t>
-          </a:r>
-          <a:r>
-            <a:rPr lang="en-US" sz="1600" b="1" i="0" u="none" strike="noStrike" cap="none" spc="0">
-              <a:solidFill>
-                <a:schemeClr val="tx1"/>
-              </a:solidFill>
-              <a:latin typeface="Times New Roman"/>
-              <a:cs typeface="Times New Roman"/>
-            </a:rPr>
-            <a:t>механізм</a:t>
-          </a:r>
-          <a:r>
-            <a:rPr lang="en-US" sz="1600" b="1" i="0" u="none" strike="noStrike" cap="none" spc="0">
-              <a:solidFill>
-                <a:schemeClr val="tx1"/>
-              </a:solidFill>
-              <a:latin typeface="Times New Roman"/>
-              <a:cs typeface="Times New Roman"/>
-            </a:rPr>
-            <a:t> </a:t>
-          </a:r>
-          <a:r>
-            <a:rPr lang="en-US" sz="1600" b="1" i="0" u="none" strike="noStrike" cap="none" spc="0">
-              <a:solidFill>
-                <a:schemeClr val="tx1"/>
-              </a:solidFill>
-              <a:latin typeface="Times New Roman"/>
-              <a:cs typeface="Times New Roman"/>
-            </a:rPr>
-            <a:t>консенсусу</a:t>
-          </a:r>
-          <a:r>
-            <a:rPr lang="en-US" sz="1600" b="0" i="0" u="none" strike="noStrike" cap="none" spc="0">
-              <a:solidFill>
-                <a:schemeClr val="tx1"/>
-              </a:solidFill>
-              <a:latin typeface="Times New Roman"/>
-              <a:cs typeface="Times New Roman"/>
-            </a:rPr>
-            <a:t>, </a:t>
-          </a:r>
-          <a:r>
-            <a:rPr lang="en-US" sz="1600" b="0" i="0" u="none" strike="noStrike" cap="none" spc="0">
-              <a:solidFill>
-                <a:schemeClr val="tx1"/>
-              </a:solidFill>
-              <a:latin typeface="Times New Roman"/>
-              <a:cs typeface="Times New Roman"/>
-            </a:rPr>
-            <a:t>що</a:t>
-          </a:r>
-          <a:r>
-            <a:rPr lang="en-US" sz="1600" b="0" i="0" u="none" strike="noStrike" cap="none" spc="0">
-              <a:solidFill>
-                <a:schemeClr val="tx1"/>
-              </a:solidFill>
-              <a:latin typeface="Times New Roman"/>
-              <a:cs typeface="Times New Roman"/>
-            </a:rPr>
-            <a:t> </a:t>
-          </a:r>
-          <a:r>
-            <a:rPr lang="en-US" sz="1600" b="0" i="0" u="none" strike="noStrike" cap="none" spc="0">
-              <a:solidFill>
-                <a:schemeClr val="tx1"/>
-              </a:solidFill>
-              <a:latin typeface="Times New Roman"/>
-              <a:cs typeface="Times New Roman"/>
-            </a:rPr>
-            <a:t>поєднує</a:t>
-          </a:r>
-          <a:r>
-            <a:rPr lang="en-US" sz="1600" b="0" i="0" u="none" strike="noStrike" cap="none" spc="0">
-              <a:solidFill>
-                <a:schemeClr val="tx1"/>
-              </a:solidFill>
-              <a:latin typeface="Times New Roman"/>
-              <a:cs typeface="Times New Roman"/>
-            </a:rPr>
-            <a:t> в </a:t>
-          </a:r>
-          <a:r>
-            <a:rPr lang="en-US" sz="1600" b="0" i="0" u="none" strike="noStrike" cap="none" spc="0">
-              <a:solidFill>
-                <a:schemeClr val="tx1"/>
-              </a:solidFill>
-              <a:latin typeface="Times New Roman"/>
-              <a:cs typeface="Times New Roman"/>
-            </a:rPr>
-            <a:t>собі</a:t>
-          </a:r>
-          <a:r>
-            <a:rPr lang="en-US" sz="1600" b="0" i="0" u="none" strike="noStrike" cap="none" spc="0">
-              <a:solidFill>
-                <a:schemeClr val="tx1"/>
-              </a:solidFill>
-              <a:latin typeface="Times New Roman"/>
-              <a:cs typeface="Times New Roman"/>
-            </a:rPr>
-            <a:t> </a:t>
-          </a:r>
-          <a:r>
-            <a:rPr lang="en-US" sz="1600" b="0" i="0" u="none" strike="noStrike" cap="none" spc="0">
-              <a:solidFill>
-                <a:schemeClr val="tx1"/>
-              </a:solidFill>
-              <a:latin typeface="Times New Roman"/>
-              <a:cs typeface="Times New Roman"/>
-            </a:rPr>
-            <a:t>доказ</a:t>
-          </a:r>
-          <a:r>
-            <a:rPr lang="en-US" sz="1600" b="0" i="0" u="none" strike="noStrike" cap="none" spc="0">
-              <a:solidFill>
-                <a:schemeClr val="tx1"/>
-              </a:solidFill>
-              <a:latin typeface="Times New Roman"/>
-              <a:cs typeface="Times New Roman"/>
-            </a:rPr>
-            <a:t> </a:t>
-          </a:r>
-          <a:r>
-            <a:rPr lang="en-US" sz="1600" b="0" i="0" u="none" strike="noStrike" cap="none" spc="0">
-              <a:solidFill>
-                <a:schemeClr val="tx1"/>
-              </a:solidFill>
-              <a:latin typeface="Times New Roman"/>
-              <a:cs typeface="Times New Roman"/>
-            </a:rPr>
-            <a:t>часу</a:t>
-          </a:r>
-          <a:r>
-            <a:rPr lang="en-US" sz="1600" b="0" i="0" u="none" strike="noStrike" cap="none" spc="0">
-              <a:solidFill>
-                <a:schemeClr val="tx1"/>
-              </a:solidFill>
-              <a:latin typeface="Times New Roman"/>
-              <a:cs typeface="Times New Roman"/>
-            </a:rPr>
-            <a:t>, </a:t>
-          </a:r>
-          <a:r>
-            <a:rPr lang="en-US" sz="1600" b="0" i="0" u="none" strike="noStrike" cap="none" spc="0">
-              <a:solidFill>
-                <a:schemeClr val="tx1"/>
-              </a:solidFill>
-              <a:latin typeface="Times New Roman"/>
-              <a:cs typeface="Times New Roman"/>
-            </a:rPr>
-            <a:t>що</a:t>
-          </a:r>
-          <a:r>
-            <a:rPr lang="en-US" sz="1600" b="0" i="0" u="none" strike="noStrike" cap="none" spc="0">
-              <a:solidFill>
-                <a:schemeClr val="tx1"/>
-              </a:solidFill>
-              <a:latin typeface="Times New Roman"/>
-              <a:cs typeface="Times New Roman"/>
-            </a:rPr>
-            <a:t> </a:t>
-          </a:r>
-          <a:r>
-            <a:rPr lang="en-US" sz="1600" b="0" i="0" u="none" strike="noStrike" cap="none" spc="0">
-              <a:solidFill>
-                <a:schemeClr val="tx1"/>
-              </a:solidFill>
-              <a:latin typeface="Times New Roman"/>
-              <a:cs typeface="Times New Roman"/>
-            </a:rPr>
-            <a:t>минув</a:t>
-          </a:r>
-          <a:r>
-            <a:rPr lang="en-US" sz="1600" b="0" i="0" u="none" strike="noStrike" cap="none" spc="0">
-              <a:solidFill>
-                <a:schemeClr val="tx1"/>
-              </a:solidFill>
-              <a:latin typeface="Times New Roman"/>
-              <a:cs typeface="Times New Roman"/>
-            </a:rPr>
-            <a:t> (</a:t>
-          </a:r>
-          <a:r>
-            <a:rPr lang="en-US" sz="1600" b="0" i="0" u="none" strike="noStrike" cap="none" spc="0">
-              <a:solidFill>
-                <a:schemeClr val="tx1"/>
-              </a:solidFill>
-              <a:latin typeface="Times New Roman"/>
-              <a:cs typeface="Times New Roman"/>
-            </a:rPr>
-            <a:t>PoET</a:t>
-          </a:r>
-          <a:r>
-            <a:rPr lang="en-US" sz="1600" b="0" i="0" u="none" strike="noStrike" cap="none" spc="0">
-              <a:solidFill>
-                <a:schemeClr val="tx1"/>
-              </a:solidFill>
-              <a:latin typeface="Times New Roman"/>
-              <a:cs typeface="Times New Roman"/>
-            </a:rPr>
-            <a:t>) </a:t>
-          </a:r>
-          <a:r>
-            <a:rPr lang="en-US" sz="1600" b="0" i="0" u="none" strike="noStrike" cap="none" spc="0">
-              <a:solidFill>
-                <a:schemeClr val="tx1"/>
-              </a:solidFill>
-              <a:latin typeface="Times New Roman"/>
-              <a:cs typeface="Times New Roman"/>
-            </a:rPr>
-            <a:t>та</a:t>
-          </a:r>
-          <a:r>
-            <a:rPr lang="en-US" sz="1600" b="0" i="0" u="none" strike="noStrike" cap="none" spc="0">
-              <a:solidFill>
-                <a:schemeClr val="tx1"/>
-              </a:solidFill>
-              <a:latin typeface="Times New Roman"/>
-              <a:cs typeface="Times New Roman"/>
-            </a:rPr>
-            <a:t> </a:t>
-          </a:r>
-          <a:r>
-            <a:rPr lang="en-US" sz="1600" b="0" i="0" u="none" strike="noStrike" cap="none" spc="0">
-              <a:solidFill>
-                <a:schemeClr val="tx1"/>
-              </a:solidFill>
-              <a:latin typeface="Times New Roman"/>
-              <a:cs typeface="Times New Roman"/>
-            </a:rPr>
-            <a:t>доказ</a:t>
-          </a:r>
-          <a:r>
-            <a:rPr lang="en-US" sz="1600" b="0" i="0" u="none" strike="noStrike" cap="none" spc="0">
-              <a:solidFill>
-                <a:schemeClr val="tx1"/>
-              </a:solidFill>
-              <a:latin typeface="Times New Roman"/>
-              <a:cs typeface="Times New Roman"/>
-            </a:rPr>
-            <a:t> </a:t>
-          </a:r>
-          <a:r>
-            <a:rPr lang="en-US" sz="1600" b="0" i="0" u="none" strike="noStrike" cap="none" spc="0">
-              <a:solidFill>
-                <a:schemeClr val="tx1"/>
-              </a:solidFill>
-              <a:latin typeface="Times New Roman"/>
-              <a:cs typeface="Times New Roman"/>
-            </a:rPr>
-            <a:t>роботи</a:t>
-          </a:r>
-          <a:r>
-            <a:rPr lang="en-US" sz="1600" b="0" i="0" u="none" strike="noStrike" cap="none" spc="0">
-              <a:solidFill>
-                <a:schemeClr val="tx1"/>
-              </a:solidFill>
-              <a:latin typeface="Times New Roman"/>
-              <a:cs typeface="Times New Roman"/>
-            </a:rPr>
-            <a:t> (</a:t>
-          </a:r>
-          <a:r>
-            <a:rPr lang="en-US" sz="1600" b="0" i="0" u="none" strike="noStrike" cap="none" spc="0">
-              <a:solidFill>
-                <a:schemeClr val="tx1"/>
-              </a:solidFill>
-              <a:latin typeface="Times New Roman"/>
-              <a:cs typeface="Times New Roman"/>
-            </a:rPr>
-            <a:t>PoW</a:t>
-          </a:r>
-          <a:r>
-            <a:rPr lang="en-US" sz="1600" b="0" i="0" u="none" strike="noStrike" cap="none" spc="0">
-              <a:solidFill>
-                <a:schemeClr val="tx1"/>
-              </a:solidFill>
-              <a:latin typeface="Times New Roman"/>
-              <a:cs typeface="Times New Roman"/>
-            </a:rPr>
-            <a:t>), з </a:t>
-          </a:r>
-          <a:r>
-            <a:rPr lang="en-US" sz="1600" b="0" i="0" u="none" strike="noStrike" cap="none" spc="0">
-              <a:solidFill>
-                <a:schemeClr val="tx1"/>
-              </a:solidFill>
-              <a:latin typeface="Times New Roman"/>
-              <a:cs typeface="Times New Roman"/>
-            </a:rPr>
-            <a:t>метою</a:t>
-          </a:r>
-          <a:r>
-            <a:rPr lang="en-US" sz="1600" b="0" i="0" u="none" strike="noStrike" cap="none" spc="0">
-              <a:solidFill>
-                <a:schemeClr val="tx1"/>
-              </a:solidFill>
-              <a:latin typeface="Times New Roman"/>
-              <a:cs typeface="Times New Roman"/>
-            </a:rPr>
-            <a:t> </a:t>
-          </a:r>
-          <a:r>
-            <a:rPr lang="en-US" sz="1600" b="0" i="0" u="none" strike="noStrike" cap="none" spc="0">
-              <a:solidFill>
-                <a:schemeClr val="tx1"/>
-              </a:solidFill>
-              <a:latin typeface="Times New Roman"/>
-              <a:cs typeface="Times New Roman"/>
-            </a:rPr>
-            <a:t>зменшення</a:t>
-          </a:r>
-          <a:r>
-            <a:rPr lang="en-US" sz="1600" b="0" i="0" u="none" strike="noStrike" cap="none" spc="0">
-              <a:solidFill>
-                <a:schemeClr val="tx1"/>
-              </a:solidFill>
-              <a:latin typeface="Times New Roman"/>
-              <a:cs typeface="Times New Roman"/>
-            </a:rPr>
-            <a:t> </a:t>
-          </a:r>
-          <a:r>
-            <a:rPr lang="en-US" sz="1600" b="0" i="0" u="none" strike="noStrike" cap="none" spc="0">
-              <a:solidFill>
-                <a:schemeClr val="tx1"/>
-              </a:solidFill>
-              <a:latin typeface="Times New Roman"/>
-              <a:cs typeface="Times New Roman"/>
-            </a:rPr>
-            <a:t>ризиків</a:t>
-          </a:r>
-          <a:r>
-            <a:rPr lang="en-US" sz="1600" b="0" i="0" u="none" strike="noStrike" cap="none" spc="0">
-              <a:solidFill>
-                <a:schemeClr val="tx1"/>
-              </a:solidFill>
-              <a:latin typeface="Times New Roman"/>
-              <a:cs typeface="Times New Roman"/>
-            </a:rPr>
-            <a:t> </a:t>
-          </a:r>
-          <a:r>
-            <a:rPr lang="en-US" sz="1600" b="0" i="0" u="none" strike="noStrike" cap="none" spc="0">
-              <a:solidFill>
-                <a:schemeClr val="tx1"/>
-              </a:solidFill>
-              <a:latin typeface="Times New Roman"/>
-              <a:cs typeface="Times New Roman"/>
-            </a:rPr>
-            <a:t>централізації</a:t>
-          </a:r>
-          <a:r>
-            <a:rPr lang="en-US" sz="1600" b="0" i="0" u="none" strike="noStrike" cap="none" spc="0">
-              <a:solidFill>
-                <a:schemeClr val="tx1"/>
-              </a:solidFill>
-              <a:latin typeface="Times New Roman"/>
-              <a:cs typeface="Times New Roman"/>
-            </a:rPr>
-            <a:t> </a:t>
-          </a:r>
-          <a:r>
-            <a:rPr lang="en-US" sz="1600" b="0" i="0" u="none" strike="noStrike" cap="none" spc="0">
-              <a:solidFill>
-                <a:schemeClr val="tx1"/>
-              </a:solidFill>
-              <a:latin typeface="Times New Roman"/>
-              <a:cs typeface="Times New Roman"/>
-            </a:rPr>
-            <a:t>та</a:t>
-          </a:r>
-          <a:r>
-            <a:rPr lang="en-US" sz="1600" b="0" i="0" u="none" strike="noStrike" cap="none" spc="0">
-              <a:solidFill>
-                <a:schemeClr val="tx1"/>
-              </a:solidFill>
-              <a:latin typeface="Times New Roman"/>
-              <a:cs typeface="Times New Roman"/>
-            </a:rPr>
-            <a:t> </a:t>
-          </a:r>
-          <a:r>
-            <a:rPr lang="en-US" sz="1600" b="0" i="0" u="none" strike="noStrike" cap="none" spc="0">
-              <a:solidFill>
-                <a:schemeClr val="tx1"/>
-              </a:solidFill>
-              <a:latin typeface="Times New Roman"/>
-              <a:cs typeface="Times New Roman"/>
-            </a:rPr>
-            <a:t>зниження</a:t>
-          </a:r>
-          <a:r>
-            <a:rPr lang="en-US" sz="1600" b="0" i="0" u="none" strike="noStrike" cap="none" spc="0">
-              <a:solidFill>
-                <a:schemeClr val="tx1"/>
-              </a:solidFill>
-              <a:latin typeface="Times New Roman"/>
-              <a:cs typeface="Times New Roman"/>
-            </a:rPr>
-            <a:t> </a:t>
-          </a:r>
-          <a:r>
-            <a:rPr lang="en-US" sz="1600" b="0" i="0" u="none" strike="noStrike" cap="none" spc="0">
-              <a:solidFill>
-                <a:schemeClr val="tx1"/>
-              </a:solidFill>
-              <a:latin typeface="Times New Roman"/>
-              <a:cs typeface="Times New Roman"/>
-            </a:rPr>
-            <a:t>енергоспоживання</a:t>
-          </a:r>
-          <a:r>
-            <a:rPr lang="en-US" sz="1600" b="0" i="0" u="none" strike="noStrike" cap="none" spc="0">
-              <a:solidFill>
-                <a:schemeClr val="tx1"/>
-              </a:solidFill>
-              <a:latin typeface="Times New Roman"/>
-              <a:cs typeface="Times New Roman"/>
-            </a:rPr>
-            <a:t> у </a:t>
-          </a:r>
-          <a:r>
-            <a:rPr lang="en-US" sz="1600" b="0" i="0" u="none" strike="noStrike" cap="none" spc="0">
-              <a:solidFill>
-                <a:schemeClr val="tx1"/>
-              </a:solidFill>
-              <a:latin typeface="Times New Roman"/>
-              <a:cs typeface="Times New Roman"/>
-            </a:rPr>
-            <a:t>порівнянні</a:t>
-          </a:r>
-          <a:r>
-            <a:rPr lang="en-US" sz="1600" b="0" i="0" u="none" strike="noStrike" cap="none" spc="0">
-              <a:solidFill>
-                <a:schemeClr val="tx1"/>
-              </a:solidFill>
-              <a:latin typeface="Times New Roman"/>
-              <a:cs typeface="Times New Roman"/>
-            </a:rPr>
-            <a:t> з </a:t>
-          </a:r>
-          <a:r>
-            <a:rPr lang="en-US" sz="1600" b="0" i="0" u="none" strike="noStrike" cap="none" spc="0">
-              <a:solidFill>
-                <a:schemeClr val="tx1"/>
-              </a:solidFill>
-              <a:latin typeface="Times New Roman"/>
-              <a:cs typeface="Times New Roman"/>
-            </a:rPr>
-            <a:t>традиційними</a:t>
-          </a:r>
-          <a:r>
-            <a:rPr lang="en-US" sz="1600" b="0" i="0" u="none" strike="noStrike" cap="none" spc="0">
-              <a:solidFill>
-                <a:schemeClr val="tx1"/>
-              </a:solidFill>
-              <a:latin typeface="Times New Roman"/>
-              <a:cs typeface="Times New Roman"/>
-            </a:rPr>
-            <a:t> блокчейн-</a:t>
-          </a:r>
-          <a:r>
-            <a:rPr lang="en-US" sz="1600" b="0" i="0" u="none" strike="noStrike" cap="none" spc="0">
-              <a:solidFill>
-                <a:schemeClr val="tx1"/>
-              </a:solidFill>
-              <a:latin typeface="Times New Roman"/>
-              <a:cs typeface="Times New Roman"/>
-            </a:rPr>
-            <a:t>системами</a:t>
-          </a:r>
-          <a:r>
-            <a:rPr lang="en-US" sz="1600" b="0" i="0" u="none" strike="noStrike" cap="none" spc="0">
-              <a:solidFill>
-                <a:schemeClr val="tx1"/>
-              </a:solidFill>
-              <a:latin typeface="Times New Roman"/>
-              <a:cs typeface="Times New Roman"/>
-            </a:rPr>
-            <a:t>.</a:t>
-          </a:r>
-          <a:endParaRPr sz="1600">
+          <a:endParaRPr sz="1600" kern="1200">
             <a:solidFill>
               <a:schemeClr val="tx1"/>
             </a:solidFill>
@@ -3655,6 +1735,7 @@
           <a:prstDash val="solid"/>
         </a:ln>
         <a:effectLst/>
+        <a:sp3d/>
       </dsp:spPr>
       <dsp:style>
         <a:lnRef idx="2">
@@ -3681,7 +1762,7 @@
               <a:spcPct val="90000"/>
             </a:lnSpc>
             <a:spcBef>
-              <a:spcPts val="0"/>
+              <a:spcPct val="0"/>
             </a:spcBef>
             <a:spcAft>
               <a:spcPts val="0"/>
@@ -3690,13 +1771,13 @@
             <a:defRPr/>
           </a:pPr>
           <a:r>
-            <a:rPr lang="en-US" sz="6600">
+            <a:rPr lang="en-US" sz="6600" kern="1200">
               <a:latin typeface="Times New Roman"/>
               <a:cs typeface="Times New Roman"/>
             </a:rPr>
             <a:t>02</a:t>
           </a:r>
-          <a:endParaRPr sz="6600">
+          <a:endParaRPr sz="6600" kern="1200">
             <a:latin typeface="Times New Roman"/>
             <a:cs typeface="Times New Roman"/>
           </a:endParaRPr>
@@ -3759,7 +1840,7 @@
               <a:spcPct val="90000"/>
             </a:lnSpc>
             <a:spcBef>
-              <a:spcPts val="0"/>
+              <a:spcPct val="0"/>
             </a:spcBef>
             <a:spcAft>
               <a:spcPts val="0"/>
@@ -3768,486 +1849,36 @@
             <a:defRPr/>
           </a:pPr>
           <a:r>
-            <a:rPr lang="en-US" sz="1600" b="0" i="0" u="none" strike="noStrike" cap="none" spc="0">
+            <a:rPr lang="en-US" sz="1600" b="0" i="0" u="none" strike="noStrike" kern="1200" cap="none" spc="0">
               <a:solidFill>
                 <a:schemeClr val="tx1"/>
               </a:solidFill>
               <a:latin typeface="Times New Roman"/>
               <a:cs typeface="Times New Roman"/>
             </a:rPr>
-            <a:t>Вирішити</a:t>
+            <a:t>Вирішити </a:t>
           </a:r>
           <a:r>
-            <a:rPr lang="en-US" sz="1600" b="0" i="0" u="none" strike="noStrike" cap="none" spc="0">
+            <a:rPr lang="en-US" sz="1600" b="1" i="0" u="none" strike="noStrike" kern="1200" cap="none" spc="0">
               <a:solidFill>
                 <a:schemeClr val="tx1"/>
               </a:solidFill>
               <a:latin typeface="Times New Roman"/>
               <a:cs typeface="Times New Roman"/>
             </a:rPr>
-            <a:t> </a:t>
+            <a:t>проблеми високих комісійних</a:t>
           </a:r>
           <a:r>
-            <a:rPr lang="en-US" sz="1600" b="1" i="0" u="none" strike="noStrike" cap="none" spc="0">
+            <a:rPr lang="en-US" sz="1600" b="0" i="0" u="none" strike="noStrike" kern="1200" cap="none" spc="0">
               <a:solidFill>
                 <a:schemeClr val="tx1"/>
               </a:solidFill>
               <a:latin typeface="Times New Roman"/>
               <a:cs typeface="Times New Roman"/>
             </a:rPr>
-            <a:t>проблеми</a:t>
+            <a:t> витрат за рахунок підтримки ефективної роботи мережі навіть при великих обсягах транзакцій, що забезпечує нижчу комісію за транзакції для користувачів.</a:t>
           </a:r>
-          <a:r>
-            <a:rPr lang="en-US" sz="1600" b="1" i="0" u="none" strike="noStrike" cap="none" spc="0">
-              <a:solidFill>
-                <a:schemeClr val="tx1"/>
-              </a:solidFill>
-              <a:latin typeface="Times New Roman"/>
-              <a:cs typeface="Times New Roman"/>
-            </a:rPr>
-            <a:t> </a:t>
-          </a:r>
-          <a:r>
-            <a:rPr lang="en-US" sz="1600" b="1" i="0" u="none" strike="noStrike" cap="none" spc="0">
-              <a:solidFill>
-                <a:schemeClr val="tx1"/>
-              </a:solidFill>
-              <a:latin typeface="Times New Roman"/>
-              <a:cs typeface="Times New Roman"/>
-            </a:rPr>
-            <a:t>високих</a:t>
-          </a:r>
-          <a:r>
-            <a:rPr lang="en-US" sz="1600" b="1" i="0" u="none" strike="noStrike" cap="none" spc="0">
-              <a:solidFill>
-                <a:schemeClr val="tx1"/>
-              </a:solidFill>
-              <a:latin typeface="Times New Roman"/>
-              <a:cs typeface="Times New Roman"/>
-            </a:rPr>
-            <a:t> </a:t>
-          </a:r>
-          <a:r>
-            <a:rPr lang="en-US" sz="1600" b="1" i="0" u="none" strike="noStrike" cap="none" spc="0">
-              <a:solidFill>
-                <a:schemeClr val="tx1"/>
-              </a:solidFill>
-              <a:latin typeface="Times New Roman"/>
-              <a:cs typeface="Times New Roman"/>
-            </a:rPr>
-            <a:t>комісійних</a:t>
-          </a:r>
-          <a:r>
-            <a:rPr lang="en-US" sz="1600" b="0" i="0" u="none" strike="noStrike" cap="none" spc="0">
-              <a:solidFill>
-                <a:schemeClr val="tx1"/>
-              </a:solidFill>
-              <a:latin typeface="Times New Roman"/>
-              <a:cs typeface="Times New Roman"/>
-            </a:rPr>
-            <a:t> </a:t>
-          </a:r>
-          <a:r>
-            <a:rPr lang="en-US" sz="1600" b="0" i="0" u="none" strike="noStrike" cap="none" spc="0">
-              <a:solidFill>
-                <a:schemeClr val="tx1"/>
-              </a:solidFill>
-              <a:latin typeface="Times New Roman"/>
-              <a:cs typeface="Times New Roman"/>
-            </a:rPr>
-            <a:t>витрат</a:t>
-          </a:r>
-          <a:r>
-            <a:rPr lang="en-US" sz="1600" b="0" i="0" u="none" strike="noStrike" cap="none" spc="0">
-              <a:solidFill>
-                <a:schemeClr val="tx1"/>
-              </a:solidFill>
-              <a:latin typeface="Times New Roman"/>
-              <a:cs typeface="Times New Roman"/>
-            </a:rPr>
-            <a:t> </a:t>
-          </a:r>
-          <a:r>
-            <a:rPr lang="en-US" sz="1600" b="0" i="0" u="none" strike="noStrike" cap="none" spc="0">
-              <a:solidFill>
-                <a:schemeClr val="tx1"/>
-              </a:solidFill>
-              <a:latin typeface="Times New Roman"/>
-              <a:cs typeface="Times New Roman"/>
-            </a:rPr>
-            <a:t>за</a:t>
-          </a:r>
-          <a:r>
-            <a:rPr lang="en-US" sz="1600" b="0" i="0" u="none" strike="noStrike" cap="none" spc="0">
-              <a:solidFill>
-                <a:schemeClr val="tx1"/>
-              </a:solidFill>
-              <a:latin typeface="Times New Roman"/>
-              <a:cs typeface="Times New Roman"/>
-            </a:rPr>
-            <a:t> </a:t>
-          </a:r>
-          <a:r>
-            <a:rPr lang="en-US" sz="1600" b="0" i="0" u="none" strike="noStrike" cap="none" spc="0">
-              <a:solidFill>
-                <a:schemeClr val="tx1"/>
-              </a:solidFill>
-              <a:latin typeface="Times New Roman"/>
-              <a:cs typeface="Times New Roman"/>
-            </a:rPr>
-            <a:t>рахунок</a:t>
-          </a:r>
-          <a:r>
-            <a:rPr lang="en-US" sz="1600" b="0" i="0" u="none" strike="noStrike" cap="none" spc="0">
-              <a:solidFill>
-                <a:schemeClr val="tx1"/>
-              </a:solidFill>
-              <a:latin typeface="Times New Roman"/>
-              <a:cs typeface="Times New Roman"/>
-            </a:rPr>
-            <a:t> </a:t>
-          </a:r>
-          <a:r>
-            <a:rPr lang="en-US" sz="1600" b="0" i="0" u="none" strike="noStrike" cap="none" spc="0">
-              <a:solidFill>
-                <a:schemeClr val="tx1"/>
-              </a:solidFill>
-              <a:latin typeface="Times New Roman"/>
-              <a:cs typeface="Times New Roman"/>
-            </a:rPr>
-            <a:t>підтримки</a:t>
-          </a:r>
-          <a:r>
-            <a:rPr lang="en-US" sz="1600" b="0" i="0" u="none" strike="noStrike" cap="none" spc="0">
-              <a:solidFill>
-                <a:schemeClr val="tx1"/>
-              </a:solidFill>
-              <a:latin typeface="Times New Roman"/>
-              <a:cs typeface="Times New Roman"/>
-            </a:rPr>
-            <a:t> </a:t>
-          </a:r>
-          <a:r>
-            <a:rPr lang="en-US" sz="1600" b="0" i="0" u="none" strike="noStrike" cap="none" spc="0">
-              <a:solidFill>
-                <a:schemeClr val="tx1"/>
-              </a:solidFill>
-              <a:latin typeface="Times New Roman"/>
-              <a:cs typeface="Times New Roman"/>
-            </a:rPr>
-            <a:t>ефективної</a:t>
-          </a:r>
-          <a:r>
-            <a:rPr lang="en-US" sz="1600" b="0" i="0" u="none" strike="noStrike" cap="none" spc="0">
-              <a:solidFill>
-                <a:schemeClr val="tx1"/>
-              </a:solidFill>
-              <a:latin typeface="Times New Roman"/>
-              <a:cs typeface="Times New Roman"/>
-            </a:rPr>
-            <a:t> </a:t>
-          </a:r>
-          <a:r>
-            <a:rPr lang="en-US" sz="1600" b="0" i="0" u="none" strike="noStrike" cap="none" spc="0">
-              <a:solidFill>
-                <a:schemeClr val="tx1"/>
-              </a:solidFill>
-              <a:latin typeface="Times New Roman"/>
-              <a:cs typeface="Times New Roman"/>
-            </a:rPr>
-            <a:t>роботи</a:t>
-          </a:r>
-          <a:r>
-            <a:rPr lang="en-US" sz="1600" b="0" i="0" u="none" strike="noStrike" cap="none" spc="0">
-              <a:solidFill>
-                <a:schemeClr val="tx1"/>
-              </a:solidFill>
-              <a:latin typeface="Times New Roman"/>
-              <a:cs typeface="Times New Roman"/>
-            </a:rPr>
-            <a:t> </a:t>
-          </a:r>
-          <a:r>
-            <a:rPr lang="en-US" sz="1600" b="0" i="0" u="none" strike="noStrike" cap="none" spc="0">
-              <a:solidFill>
-                <a:schemeClr val="tx1"/>
-              </a:solidFill>
-              <a:latin typeface="Times New Roman"/>
-              <a:cs typeface="Times New Roman"/>
-            </a:rPr>
-            <a:t>мережі</a:t>
-          </a:r>
-          <a:r>
-            <a:rPr lang="en-US" sz="1600" b="0" i="0" u="none" strike="noStrike" cap="none" spc="0">
-              <a:solidFill>
-                <a:schemeClr val="tx1"/>
-              </a:solidFill>
-              <a:latin typeface="Times New Roman"/>
-              <a:cs typeface="Times New Roman"/>
-            </a:rPr>
-            <a:t> </a:t>
-          </a:r>
-          <a:r>
-            <a:rPr lang="en-US" sz="1600" b="0" i="0" u="none" strike="noStrike" cap="none" spc="0">
-              <a:solidFill>
-                <a:schemeClr val="tx1"/>
-              </a:solidFill>
-              <a:latin typeface="Times New Roman"/>
-              <a:cs typeface="Times New Roman"/>
-            </a:rPr>
-            <a:t>навіть</a:t>
-          </a:r>
-          <a:r>
-            <a:rPr lang="en-US" sz="1600" b="0" i="0" u="none" strike="noStrike" cap="none" spc="0">
-              <a:solidFill>
-                <a:schemeClr val="tx1"/>
-              </a:solidFill>
-              <a:latin typeface="Times New Roman"/>
-              <a:cs typeface="Times New Roman"/>
-            </a:rPr>
-            <a:t> </a:t>
-          </a:r>
-          <a:r>
-            <a:rPr lang="en-US" sz="1600" b="0" i="0" u="none" strike="noStrike" cap="none" spc="0">
-              <a:solidFill>
-                <a:schemeClr val="tx1"/>
-              </a:solidFill>
-              <a:latin typeface="Times New Roman"/>
-              <a:cs typeface="Times New Roman"/>
-            </a:rPr>
-            <a:t>при</a:t>
-          </a:r>
-          <a:r>
-            <a:rPr lang="en-US" sz="1600" b="0" i="0" u="none" strike="noStrike" cap="none" spc="0">
-              <a:solidFill>
-                <a:schemeClr val="tx1"/>
-              </a:solidFill>
-              <a:latin typeface="Times New Roman"/>
-              <a:cs typeface="Times New Roman"/>
-            </a:rPr>
-            <a:t> </a:t>
-          </a:r>
-          <a:r>
-            <a:rPr lang="en-US" sz="1600" b="0" i="0" u="none" strike="noStrike" cap="none" spc="0">
-              <a:solidFill>
-                <a:schemeClr val="tx1"/>
-              </a:solidFill>
-              <a:latin typeface="Times New Roman"/>
-              <a:cs typeface="Times New Roman"/>
-            </a:rPr>
-            <a:t>великих</a:t>
-          </a:r>
-          <a:r>
-            <a:rPr lang="en-US" sz="1600" b="0" i="0" u="none" strike="noStrike" cap="none" spc="0">
-              <a:solidFill>
-                <a:schemeClr val="tx1"/>
-              </a:solidFill>
-              <a:latin typeface="Times New Roman"/>
-              <a:cs typeface="Times New Roman"/>
-            </a:rPr>
-            <a:t> </a:t>
-          </a:r>
-          <a:r>
-            <a:rPr lang="en-US" sz="1600" b="0" i="0" u="none" strike="noStrike" cap="none" spc="0">
-              <a:solidFill>
-                <a:schemeClr val="tx1"/>
-              </a:solidFill>
-              <a:latin typeface="Times New Roman"/>
-              <a:cs typeface="Times New Roman"/>
-            </a:rPr>
-            <a:t>обсягах</a:t>
-          </a:r>
-          <a:r>
-            <a:rPr lang="en-US" sz="1600" b="0" i="0" u="none" strike="noStrike" cap="none" spc="0">
-              <a:solidFill>
-                <a:schemeClr val="tx1"/>
-              </a:solidFill>
-              <a:latin typeface="Times New Roman"/>
-              <a:cs typeface="Times New Roman"/>
-            </a:rPr>
-            <a:t> </a:t>
-          </a:r>
-          <a:r>
-            <a:rPr lang="en-US" sz="1600" b="0" i="0" u="none" strike="noStrike" cap="none" spc="0">
-              <a:solidFill>
-                <a:schemeClr val="tx1"/>
-              </a:solidFill>
-              <a:latin typeface="Times New Roman"/>
-              <a:cs typeface="Times New Roman"/>
-            </a:rPr>
-            <a:t>транзакцій</a:t>
-          </a:r>
-          <a:r>
-            <a:rPr lang="en-US" sz="1600" b="0" i="0" u="none" strike="noStrike" cap="none" spc="0">
-              <a:solidFill>
-                <a:schemeClr val="tx1"/>
-              </a:solidFill>
-              <a:latin typeface="Times New Roman"/>
-              <a:cs typeface="Times New Roman"/>
-            </a:rPr>
-            <a:t>, </a:t>
-          </a:r>
-          <a:r>
-            <a:rPr lang="en-US" sz="1600" b="0" i="0" u="none" strike="noStrike" cap="none" spc="0">
-              <a:solidFill>
-                <a:schemeClr val="tx1"/>
-              </a:solidFill>
-              <a:latin typeface="Times New Roman"/>
-              <a:cs typeface="Times New Roman"/>
-            </a:rPr>
-            <a:t>що</a:t>
-          </a:r>
-          <a:r>
-            <a:rPr lang="en-US" sz="1600" b="0" i="0" u="none" strike="noStrike" cap="none" spc="0">
-              <a:solidFill>
-                <a:schemeClr val="tx1"/>
-              </a:solidFill>
-              <a:latin typeface="Times New Roman"/>
-              <a:cs typeface="Times New Roman"/>
-            </a:rPr>
-            <a:t> </a:t>
-          </a:r>
-          <a:r>
-            <a:rPr lang="en-US" sz="1600" b="0" i="0" u="none" strike="noStrike" cap="none" spc="0">
-              <a:solidFill>
-                <a:schemeClr val="tx1"/>
-              </a:solidFill>
-              <a:latin typeface="Times New Roman"/>
-              <a:cs typeface="Times New Roman"/>
-            </a:rPr>
-            <a:t>забезпечує</a:t>
-          </a:r>
-          <a:r>
-            <a:rPr lang="en-US" sz="1600" b="0" i="0" u="none" strike="noStrike" cap="none" spc="0">
-              <a:solidFill>
-                <a:schemeClr val="tx1"/>
-              </a:solidFill>
-              <a:latin typeface="Times New Roman"/>
-              <a:cs typeface="Times New Roman"/>
-            </a:rPr>
-            <a:t> </a:t>
-          </a:r>
-          <a:r>
-            <a:rPr lang="en-US" sz="1600" b="0" i="0" u="none" strike="noStrike" cap="none" spc="0">
-              <a:solidFill>
-                <a:schemeClr val="tx1"/>
-              </a:solidFill>
-              <a:latin typeface="Times New Roman"/>
-              <a:cs typeface="Times New Roman"/>
-            </a:rPr>
-            <a:t>нижчу</a:t>
-          </a:r>
-          <a:r>
-            <a:rPr lang="en-US" sz="1600" b="0" i="0" u="none" strike="noStrike" cap="none" spc="0">
-              <a:solidFill>
-                <a:schemeClr val="tx1"/>
-              </a:solidFill>
-              <a:latin typeface="Times New Roman"/>
-              <a:cs typeface="Times New Roman"/>
-            </a:rPr>
-            <a:t> </a:t>
-          </a:r>
-          <a:r>
-            <a:rPr lang="en-US" sz="1600" b="0" i="0" u="none" strike="noStrike" cap="none" spc="0">
-              <a:solidFill>
-                <a:schemeClr val="tx1"/>
-              </a:solidFill>
-              <a:latin typeface="Times New Roman"/>
-              <a:cs typeface="Times New Roman"/>
-            </a:rPr>
-            <a:t>комісію</a:t>
-          </a:r>
-          <a:r>
-            <a:rPr lang="en-US" sz="1600" b="0" i="0" u="none" strike="noStrike" cap="none" spc="0">
-              <a:solidFill>
-                <a:schemeClr val="tx1"/>
-              </a:solidFill>
-              <a:latin typeface="Times New Roman"/>
-              <a:cs typeface="Times New Roman"/>
-            </a:rPr>
-            <a:t> </a:t>
-          </a:r>
-          <a:r>
-            <a:rPr lang="en-US" sz="1600" b="0" i="0" u="none" strike="noStrike" cap="none" spc="0">
-              <a:solidFill>
-                <a:schemeClr val="tx1"/>
-              </a:solidFill>
-              <a:latin typeface="Times New Roman"/>
-              <a:cs typeface="Times New Roman"/>
-            </a:rPr>
-            <a:t>за</a:t>
-          </a:r>
-          <a:r>
-            <a:rPr lang="en-US" sz="1600" b="0" i="0" u="none" strike="noStrike" cap="none" spc="0">
-              <a:solidFill>
-                <a:schemeClr val="tx1"/>
-              </a:solidFill>
-              <a:latin typeface="Times New Roman"/>
-              <a:cs typeface="Times New Roman"/>
-            </a:rPr>
-            <a:t> </a:t>
-          </a:r>
-          <a:r>
-            <a:rPr lang="en-US" sz="1600" b="0" i="0" u="none" strike="noStrike" cap="none" spc="0">
-              <a:solidFill>
-                <a:schemeClr val="tx1"/>
-              </a:solidFill>
-              <a:latin typeface="Times New Roman"/>
-              <a:cs typeface="Times New Roman"/>
-            </a:rPr>
-            <a:t>транзакції</a:t>
-          </a:r>
-          <a:r>
-            <a:rPr lang="en-US" sz="1600" b="0" i="0" u="none" strike="noStrike" cap="none" spc="0">
-              <a:solidFill>
-                <a:schemeClr val="tx1"/>
-              </a:solidFill>
-              <a:latin typeface="Times New Roman"/>
-              <a:cs typeface="Times New Roman"/>
-            </a:rPr>
-            <a:t> </a:t>
-          </a:r>
-          <a:r>
-            <a:rPr lang="en-US" sz="1600" b="0" i="0" u="none" strike="noStrike" cap="none" spc="0">
-              <a:solidFill>
-                <a:schemeClr val="tx1"/>
-              </a:solidFill>
-              <a:latin typeface="Times New Roman"/>
-              <a:cs typeface="Times New Roman"/>
-            </a:rPr>
-            <a:t>для</a:t>
-          </a:r>
-          <a:r>
-            <a:rPr lang="en-US" sz="1600" b="0" i="0" u="none" strike="noStrike" cap="none" spc="0">
-              <a:solidFill>
-                <a:schemeClr val="tx1"/>
-              </a:solidFill>
-              <a:latin typeface="Times New Roman"/>
-              <a:cs typeface="Times New Roman"/>
-            </a:rPr>
-            <a:t> </a:t>
-          </a:r>
-          <a:r>
-            <a:rPr lang="en-US" sz="1600" b="0" i="0" u="none" strike="noStrike" cap="none" spc="0">
-              <a:solidFill>
-                <a:schemeClr val="tx1"/>
-              </a:solidFill>
-              <a:latin typeface="Times New Roman"/>
-              <a:cs typeface="Times New Roman"/>
-            </a:rPr>
-            <a:t>користувачів</a:t>
-          </a:r>
-          <a:r>
-            <a:rPr lang="en-US" sz="1600" b="0" i="0" u="none" strike="noStrike" cap="none" spc="0">
-              <a:solidFill>
-                <a:schemeClr val="tx1"/>
-              </a:solidFill>
-              <a:latin typeface="Times New Roman"/>
-              <a:cs typeface="Times New Roman"/>
-            </a:rPr>
-            <a:t>.</a:t>
-          </a:r>
-          <a:endParaRPr sz="1600">
+          <a:endParaRPr sz="1600" kern="1200">
             <a:solidFill>
               <a:schemeClr val="tx1"/>
             </a:solidFill>
@@ -4280,6 +1911,7 @@
           <a:prstDash val="solid"/>
         </a:ln>
         <a:effectLst/>
+        <a:sp3d/>
       </dsp:spPr>
       <dsp:style>
         <a:lnRef idx="2">
@@ -4306,7 +1938,7 @@
               <a:spcPct val="90000"/>
             </a:lnSpc>
             <a:spcBef>
-              <a:spcPts val="0"/>
+              <a:spcPct val="0"/>
             </a:spcBef>
             <a:spcAft>
               <a:spcPts val="0"/>
@@ -4315,13 +1947,13 @@
             <a:defRPr/>
           </a:pPr>
           <a:r>
-            <a:rPr lang="en-US" sz="6600">
+            <a:rPr lang="en-US" sz="6600" kern="1200">
               <a:latin typeface="Times New Roman"/>
               <a:cs typeface="Times New Roman"/>
             </a:rPr>
             <a:t>03</a:t>
           </a:r>
-          <a:endParaRPr sz="6600">
+          <a:endParaRPr sz="6600" kern="1200">
             <a:latin typeface="Times New Roman"/>
             <a:cs typeface="Times New Roman"/>
           </a:endParaRPr>
@@ -4337,7 +1969,7 @@
 </file>
 
 <file path=ppt/diagrams/layout1.xml><?xml version="1.0" encoding="utf-8"?>
-<dgm:layoutDef xmlns:dgm="http://schemas.openxmlformats.org/drawingml/2006/diagram" xmlns:a="http://schemas.openxmlformats.org/drawingml/2006/main" xmlns:r="http://schemas.openxmlformats.org/officeDocument/2006/relationships" uniqueId="urn:microsoft.com/office/officeart/2016/7/layout/LinearBlockProcessNumbered">
+<dgm:layoutDef xmlns:dgm="http://schemas.openxmlformats.org/drawingml/2006/diagram" xmlns:a="http://schemas.openxmlformats.org/drawingml/2006/main" uniqueId="urn:microsoft.com/office/officeart/2016/7/layout/LinearBlockProcessNumbered">
   <dgm:title val="Linear Block Process Numbered"/>
   <dgm:desc val="Used to show a progression; a timeline; sequential steps in a task, process, or workflow; or to emphasize movement or direction. Automatic numbers have been introduced to show the steps of the process. Level 1 text and Level 2 text both appears in a rectangle."/>
   <dgm:catLst>
@@ -4484,20 +2116,20 @@
       <dgm:param type="linDir" val="fromL"/>
       <dgm:param type="nodeVertAlign" val="t"/>
     </dgm:alg>
-    <dgm:shape r:blip="">
+    <dgm:shape xmlns:r="http://schemas.openxmlformats.org/officeDocument/2006/relationships" r:blip="">
       <dgm:adjLst/>
     </dgm:shape>
     <dgm:presOf/>
     <dgm:constrLst>
       <dgm:constr type="h" for="ch" forName="compositeNode" refType="h"/>
       <dgm:constr type="w" for="ch" forName="compositeNode" refType="w"/>
-      <dgm:constr type="w" for="des" forName="simulatedConn" refType="w" refFor="ch" refForName="compositeNode" fact="0.150000"/>
+      <dgm:constr type="w" for="des" forName="simulatedConn" refType="w" refFor="ch" refForName="compositeNode" fact="0.15"/>
       <dgm:constr type="h" for="des" forName="simulatedConn" refType="w" refFor="des" refForName="simulatedConn"/>
-      <dgm:constr type="h" for="des" forName="vSp1" refType="w" refFor="ch" refForName="compositeNode" fact="0.800000"/>
-      <dgm:constr type="h" for="des" forName="vSp2" refType="w" refFor="ch" refForName="compositeNode" fact="0.070000"/>
+      <dgm:constr type="h" for="des" forName="vSp1" refType="w" refFor="ch" refForName="compositeNode" fact="0.8"/>
+      <dgm:constr type="h" for="des" forName="vSp2" refType="w" refFor="ch" refForName="compositeNode" fact="0.07"/>
       <dgm:constr type="w" for="ch" forName="vProcSp" refType="w" refFor="des" refForName="simulatedConn" op="equ"/>
       <dgm:constr type="h" for="ch" forName="vProcSp" refType="h" refFor="ch" refForName="compositeNode" op="equ"/>
-      <dgm:constr type="w" for="ch" forName="sibTrans" refType="w" refFor="ch" refForName="compositeNode" fact="0.080000"/>
+      <dgm:constr type="w" for="ch" forName="sibTrans" refType="w" refFor="ch" refForName="compositeNode" fact="0.08"/>
       <dgm:constr type="primFontSz" for="des" forName="sibTransNodeRect" op="equ"/>
       <dgm:constr type="primFontSz" for="des" forName="nodeRect" op="equ"/>
     </dgm:constrLst>
@@ -4509,17 +2141,17 @@
         </dgm:varLst>
         <dgm:alg type="composite"/>
         <dgm:constrLst>
-          <dgm:constr type="h" refType="w" op="lte" fact="1.200000"/>
+          <dgm:constr type="h" refType="w" op="lte" fact="1.2"/>
           <dgm:constr type="w" for="ch" forName="bgRect" refType="w"/>
           <dgm:constr type="h" for="ch" forName="bgRect" refType="h"/>
           <dgm:constr type="t" for="ch" forName="bgRect"/>
           <dgm:constr type="l" for="ch" forName="bgRect"/>
           <dgm:constr type="w" for="ch" forName="sibTransNodeRect" refType="w" refFor="ch" refForName="bgRect"/>
-          <dgm:constr type="h" for="ch" forName="sibTransNodeRect" refType="h" refFor="ch" refForName="bgRect" fact="0.400000"/>
+          <dgm:constr type="h" for="ch" forName="sibTransNodeRect" refType="h" refFor="ch" refForName="bgRect" fact="0.4"/>
           <dgm:constr type="t" for="ch" forName="sibTransNodeRect"/>
           <dgm:constr type="l" for="ch" forName="sibTransNodeRect"/>
           <dgm:constr type="r" for="ch" forName="nodeRect" refType="r" refFor="ch" refForName="bgRect"/>
-          <dgm:constr type="h" for="ch" forName="nodeRect" refType="h" refFor="ch" refForName="bgRect" fact="0.600000"/>
+          <dgm:constr type="h" for="ch" forName="nodeRect" refType="h" refFor="ch" refForName="bgRect" fact="0.6"/>
           <dgm:constr type="t" for="ch" forName="nodeRect" refType="b" refFor="ch" refForName="sibTransNodeRect"/>
           <dgm:constr type="l" for="ch" forName="nodeRect" refType="l" refFor="ch" refForName="bgRect"/>
         </dgm:constrLst>
@@ -4528,16 +2160,16 @@
         </dgm:ruleLst>
         <dgm:layoutNode name="bgRect" styleLbl="alignNode1">
           <dgm:alg type="sp"/>
-          <dgm:shape type="rect" r:blip="">
+          <dgm:shape xmlns:r="http://schemas.openxmlformats.org/officeDocument/2006/relationships" type="rect" r:blip="">
             <dgm:adjLst>
-              <dgm:adj idx="1" val="0.050000"/>
+              <dgm:adj idx="1" val="0.05"/>
             </dgm:adjLst>
           </dgm:shape>
           <dgm:presOf axis="self"/>
           <dgm:constrLst/>
           <dgm:ruleLst/>
         </dgm:layoutNode>
-        <dgm:forEach name="Name19" axis="followSib" ptType="sibTrans" cnt="1" hideLastTrans="0">
+        <dgm:forEach name="Name19" axis="followSib" ptType="sibTrans" hideLastTrans="0" cnt="1">
           <dgm:layoutNode name="sibTransNodeRect" styleLbl="alignNode1">
             <dgm:varLst>
               <dgm:chMax val="0"/>
@@ -4548,14 +2180,14 @@
               <dgm:param type="parTxLTRAlign" val="l"/>
               <dgm:param type="parTxRTLAlign" val="l"/>
             </dgm:alg>
-            <dgm:shape type="rect" r:blip="" hideGeom="1">
+            <dgm:shape xmlns:r="http://schemas.openxmlformats.org/officeDocument/2006/relationships" type="rect" r:blip="" hideGeom="1">
               <dgm:adjLst/>
             </dgm:shape>
             <dgm:constrLst>
               <dgm:constr type="primFontSz" val="66"/>
               <dgm:constr type="tMarg" val="13"/>
-              <dgm:constr type="lMarg" refType="w" fact="0.280000"/>
-              <dgm:constr type="rMarg" refType="w" fact="0.280000"/>
+              <dgm:constr type="lMarg" refType="w" fact="0.28"/>
+              <dgm:constr type="rMarg" refType="w" fact="0.28"/>
               <dgm:constr type="bMarg" val="13"/>
             </dgm:constrLst>
             <dgm:ruleLst>
@@ -4574,15 +2206,15 @@
             <dgm:param type="txAnchorVert" val="t"/>
             <dgm:param type="stBulletLvl" val="2"/>
           </dgm:alg>
-          <dgm:shape type="rect" r:blip="" hideGeom="1">
+          <dgm:shape xmlns:r="http://schemas.openxmlformats.org/officeDocument/2006/relationships" type="rect" r:blip="" hideGeom="1">
             <dgm:adjLst/>
           </dgm:shape>
           <dgm:presOf axis="desOrSelf" ptType="node"/>
           <dgm:constrLst>
             <dgm:constr type="primFontSz" val="26"/>
             <dgm:constr type="tMarg"/>
-            <dgm:constr type="lMarg" refType="w" fact="0.280000"/>
-            <dgm:constr type="rMarg" refType="w" fact="0.280000"/>
+            <dgm:constr type="lMarg" refType="w" fact="0.28"/>
+            <dgm:constr type="rMarg" refType="w" fact="0.28"/>
             <dgm:constr type="bMarg" val="26"/>
           </dgm:constrLst>
           <dgm:ruleLst>
@@ -4593,7 +2225,7 @@
       <dgm:forEach name="Name14" axis="followSib" ptType="sibTrans" cnt="1">
         <dgm:layoutNode name="sibTrans">
           <dgm:alg type="sp"/>
-          <dgm:shape r:blip="">
+          <dgm:shape xmlns:r="http://schemas.openxmlformats.org/officeDocument/2006/relationships" r:blip="">
             <dgm:adjLst/>
           </dgm:shape>
           <dgm:presOf/>
@@ -4623,15 +2255,7 @@
       <a:lightRig rig="threePt" dir="t"/>
     </dgm:scene3d>
     <dgm:sp3d/>
-    <dgm:txPr>
-      <a:bodyPr/>
-      <a:p>
-        <a:pPr>
-          <a:defRPr/>
-        </a:pPr>
-        <a:endParaRPr/>
-      </a:p>
-    </dgm:txPr>
+    <dgm:txPr/>
     <dgm:style>
       <a:lnRef idx="2">
         <a:srgbClr val="000000"/>
@@ -4653,15 +2277,7 @@
       <a:lightRig rig="threePt" dir="t"/>
     </dgm:scene3d>
     <dgm:sp3d/>
-    <dgm:txPr>
-      <a:bodyPr/>
-      <a:p>
-        <a:pPr>
-          <a:defRPr/>
-        </a:pPr>
-        <a:endParaRPr/>
-      </a:p>
-    </dgm:txPr>
+    <dgm:txPr/>
     <dgm:style>
       <a:lnRef idx="2">
         <a:srgbClr val="000000"/>
@@ -4683,15 +2299,7 @@
       <a:lightRig rig="threePt" dir="t"/>
     </dgm:scene3d>
     <dgm:sp3d/>
-    <dgm:txPr>
-      <a:bodyPr/>
-      <a:p>
-        <a:pPr>
-          <a:defRPr/>
-        </a:pPr>
-        <a:endParaRPr/>
-      </a:p>
-    </dgm:txPr>
+    <dgm:txPr/>
     <dgm:style>
       <a:lnRef idx="2">
         <a:srgbClr val="000000"/>
@@ -4713,15 +2321,7 @@
       <a:lightRig rig="threePt" dir="t"/>
     </dgm:scene3d>
     <dgm:sp3d/>
-    <dgm:txPr>
-      <a:bodyPr/>
-      <a:p>
-        <a:pPr>
-          <a:defRPr/>
-        </a:pPr>
-        <a:endParaRPr/>
-      </a:p>
-    </dgm:txPr>
+    <dgm:txPr/>
     <dgm:style>
       <a:lnRef idx="2">
         <a:srgbClr val="000000"/>
@@ -4743,15 +2343,7 @@
       <a:lightRig rig="threePt" dir="t"/>
     </dgm:scene3d>
     <dgm:sp3d/>
-    <dgm:txPr>
-      <a:bodyPr/>
-      <a:p>
-        <a:pPr>
-          <a:defRPr/>
-        </a:pPr>
-        <a:endParaRPr/>
-      </a:p>
-    </dgm:txPr>
+    <dgm:txPr/>
     <dgm:style>
       <a:lnRef idx="2">
         <a:srgbClr val="000000"/>
@@ -4773,15 +2365,7 @@
       <a:lightRig rig="threePt" dir="t"/>
     </dgm:scene3d>
     <dgm:sp3d/>
-    <dgm:txPr>
-      <a:bodyPr/>
-      <a:p>
-        <a:pPr>
-          <a:defRPr/>
-        </a:pPr>
-        <a:endParaRPr/>
-      </a:p>
-    </dgm:txPr>
+    <dgm:txPr/>
     <dgm:style>
       <a:lnRef idx="2">
         <a:srgbClr val="000000"/>
@@ -4803,15 +2387,7 @@
       <a:lightRig rig="threePt" dir="t"/>
     </dgm:scene3d>
     <dgm:sp3d/>
-    <dgm:txPr>
-      <a:bodyPr/>
-      <a:p>
-        <a:pPr>
-          <a:defRPr/>
-        </a:pPr>
-        <a:endParaRPr/>
-      </a:p>
-    </dgm:txPr>
+    <dgm:txPr/>
     <dgm:style>
       <a:lnRef idx="2">
         <a:srgbClr val="000000"/>
@@ -4833,15 +2409,7 @@
       <a:lightRig rig="threePt" dir="t"/>
     </dgm:scene3d>
     <dgm:sp3d/>
-    <dgm:txPr>
-      <a:bodyPr/>
-      <a:p>
-        <a:pPr>
-          <a:defRPr/>
-        </a:pPr>
-        <a:endParaRPr/>
-      </a:p>
-    </dgm:txPr>
+    <dgm:txPr/>
     <dgm:style>
       <a:lnRef idx="2">
         <a:srgbClr val="000000"/>
@@ -4863,15 +2431,7 @@
       <a:lightRig rig="threePt" dir="t"/>
     </dgm:scene3d>
     <dgm:sp3d/>
-    <dgm:txPr>
-      <a:bodyPr/>
-      <a:p>
-        <a:pPr>
-          <a:defRPr/>
-        </a:pPr>
-        <a:endParaRPr/>
-      </a:p>
-    </dgm:txPr>
+    <dgm:txPr/>
     <dgm:style>
       <a:lnRef idx="2">
         <a:srgbClr val="000000"/>
@@ -4891,15 +2451,7 @@
       <a:lightRig rig="threePt" dir="t"/>
     </dgm:scene3d>
     <dgm:sp3d/>
-    <dgm:txPr>
-      <a:bodyPr/>
-      <a:p>
-        <a:pPr>
-          <a:defRPr/>
-        </a:pPr>
-        <a:endParaRPr/>
-      </a:p>
-    </dgm:txPr>
+    <dgm:txPr/>
     <dgm:style>
       <a:lnRef idx="2">
         <a:srgbClr val="000000"/>
@@ -4919,15 +2471,7 @@
       <a:lightRig rig="threePt" dir="t"/>
     </dgm:scene3d>
     <dgm:sp3d/>
-    <dgm:txPr>
-      <a:bodyPr/>
-      <a:p>
-        <a:pPr>
-          <a:defRPr/>
-        </a:pPr>
-        <a:endParaRPr/>
-      </a:p>
-    </dgm:txPr>
+    <dgm:txPr/>
     <dgm:style>
       <a:lnRef idx="2">
         <a:srgbClr val="000000"/>
@@ -4947,15 +2491,7 @@
       <a:lightRig rig="threePt" dir="t"/>
     </dgm:scene3d>
     <dgm:sp3d/>
-    <dgm:txPr>
-      <a:bodyPr/>
-      <a:p>
-        <a:pPr>
-          <a:defRPr/>
-        </a:pPr>
-        <a:endParaRPr/>
-      </a:p>
-    </dgm:txPr>
+    <dgm:txPr/>
     <dgm:style>
       <a:lnRef idx="0">
         <a:srgbClr val="000000"/>
@@ -4977,15 +2513,7 @@
       <a:lightRig rig="threePt" dir="t"/>
     </dgm:scene3d>
     <dgm:sp3d/>
-    <dgm:txPr>
-      <a:bodyPr/>
-      <a:p>
-        <a:pPr>
-          <a:defRPr/>
-        </a:pPr>
-        <a:endParaRPr/>
-      </a:p>
-    </dgm:txPr>
+    <dgm:txPr/>
     <dgm:style>
       <a:lnRef idx="0">
         <a:srgbClr val="000000"/>
@@ -5007,15 +2535,7 @@
       <a:lightRig rig="threePt" dir="t"/>
     </dgm:scene3d>
     <dgm:sp3d/>
-    <dgm:txPr>
-      <a:bodyPr/>
-      <a:p>
-        <a:pPr>
-          <a:defRPr/>
-        </a:pPr>
-        <a:endParaRPr/>
-      </a:p>
-    </dgm:txPr>
+    <dgm:txPr/>
     <dgm:style>
       <a:lnRef idx="0">
         <a:srgbClr val="000000"/>
@@ -5037,15 +2557,7 @@
       <a:lightRig rig="threePt" dir="t"/>
     </dgm:scene3d>
     <dgm:sp3d/>
-    <dgm:txPr>
-      <a:bodyPr/>
-      <a:p>
-        <a:pPr>
-          <a:defRPr/>
-        </a:pPr>
-        <a:endParaRPr/>
-      </a:p>
-    </dgm:txPr>
+    <dgm:txPr/>
     <dgm:style>
       <a:lnRef idx="1">
         <a:srgbClr val="000000"/>
@@ -5065,15 +2577,7 @@
       <a:lightRig rig="threePt" dir="t"/>
     </dgm:scene3d>
     <dgm:sp3d/>
-    <dgm:txPr>
-      <a:bodyPr/>
-      <a:p>
-        <a:pPr>
-          <a:defRPr/>
-        </a:pPr>
-        <a:endParaRPr/>
-      </a:p>
-    </dgm:txPr>
+    <dgm:txPr/>
     <dgm:style>
       <a:lnRef idx="2">
         <a:srgbClr val="000000"/>
@@ -5093,15 +2597,7 @@
       <a:lightRig rig="threePt" dir="t"/>
     </dgm:scene3d>
     <dgm:sp3d/>
-    <dgm:txPr>
-      <a:bodyPr/>
-      <a:p>
-        <a:pPr>
-          <a:defRPr/>
-        </a:pPr>
-        <a:endParaRPr/>
-      </a:p>
-    </dgm:txPr>
+    <dgm:txPr/>
     <dgm:style>
       <a:lnRef idx="2">
         <a:srgbClr val="000000"/>
@@ -5123,15 +2619,7 @@
       <a:lightRig rig="threePt" dir="t"/>
     </dgm:scene3d>
     <dgm:sp3d/>
-    <dgm:txPr>
-      <a:bodyPr/>
-      <a:p>
-        <a:pPr>
-          <a:defRPr/>
-        </a:pPr>
-        <a:endParaRPr/>
-      </a:p>
-    </dgm:txPr>
+    <dgm:txPr/>
     <dgm:style>
       <a:lnRef idx="2">
         <a:srgbClr val="000000"/>
@@ -5153,15 +2641,7 @@
       <a:lightRig rig="threePt" dir="t"/>
     </dgm:scene3d>
     <dgm:sp3d/>
-    <dgm:txPr>
-      <a:bodyPr/>
-      <a:p>
-        <a:pPr>
-          <a:defRPr/>
-        </a:pPr>
-        <a:endParaRPr/>
-      </a:p>
-    </dgm:txPr>
+    <dgm:txPr/>
     <dgm:style>
       <a:lnRef idx="2">
         <a:srgbClr val="000000"/>
@@ -5183,15 +2663,7 @@
       <a:lightRig rig="threePt" dir="t"/>
     </dgm:scene3d>
     <dgm:sp3d/>
-    <dgm:txPr>
-      <a:bodyPr/>
-      <a:p>
-        <a:pPr>
-          <a:defRPr/>
-        </a:pPr>
-        <a:endParaRPr/>
-      </a:p>
-    </dgm:txPr>
+    <dgm:txPr/>
     <dgm:style>
       <a:lnRef idx="2">
         <a:srgbClr val="000000"/>
@@ -5213,15 +2685,7 @@
       <a:lightRig rig="threePt" dir="t"/>
     </dgm:scene3d>
     <dgm:sp3d/>
-    <dgm:txPr>
-      <a:bodyPr/>
-      <a:p>
-        <a:pPr>
-          <a:defRPr/>
-        </a:pPr>
-        <a:endParaRPr/>
-      </a:p>
-    </dgm:txPr>
+    <dgm:txPr/>
     <dgm:style>
       <a:lnRef idx="2">
         <a:srgbClr val="000000"/>
@@ -5243,15 +2707,7 @@
       <a:lightRig rig="threePt" dir="t"/>
     </dgm:scene3d>
     <dgm:sp3d/>
-    <dgm:txPr>
-      <a:bodyPr/>
-      <a:p>
-        <a:pPr>
-          <a:defRPr/>
-        </a:pPr>
-        <a:endParaRPr/>
-      </a:p>
-    </dgm:txPr>
+    <dgm:txPr/>
     <dgm:style>
       <a:lnRef idx="2">
         <a:srgbClr val="000000"/>
@@ -5273,15 +2729,7 @@
       <a:lightRig rig="threePt" dir="t"/>
     </dgm:scene3d>
     <dgm:sp3d/>
-    <dgm:txPr>
-      <a:bodyPr/>
-      <a:p>
-        <a:pPr>
-          <a:defRPr/>
-        </a:pPr>
-        <a:endParaRPr/>
-      </a:p>
-    </dgm:txPr>
+    <dgm:txPr/>
     <dgm:style>
       <a:lnRef idx="2">
         <a:srgbClr val="000000"/>
@@ -5303,15 +2751,7 @@
       <a:lightRig rig="threePt" dir="t"/>
     </dgm:scene3d>
     <dgm:sp3d/>
-    <dgm:txPr>
-      <a:bodyPr/>
-      <a:p>
-        <a:pPr>
-          <a:defRPr/>
-        </a:pPr>
-        <a:endParaRPr/>
-      </a:p>
-    </dgm:txPr>
+    <dgm:txPr/>
     <dgm:style>
       <a:lnRef idx="2">
         <a:srgbClr val="000000"/>
@@ -5333,15 +2773,7 @@
       <a:lightRig rig="threePt" dir="t"/>
     </dgm:scene3d>
     <dgm:sp3d/>
-    <dgm:txPr>
-      <a:bodyPr/>
-      <a:p>
-        <a:pPr>
-          <a:defRPr/>
-        </a:pPr>
-        <a:endParaRPr/>
-      </a:p>
-    </dgm:txPr>
+    <dgm:txPr/>
     <dgm:style>
       <a:lnRef idx="2">
         <a:srgbClr val="000000"/>
@@ -5363,15 +2795,7 @@
       <a:lightRig rig="threePt" dir="t"/>
     </dgm:scene3d>
     <dgm:sp3d/>
-    <dgm:txPr>
-      <a:bodyPr/>
-      <a:p>
-        <a:pPr>
-          <a:defRPr/>
-        </a:pPr>
-        <a:endParaRPr/>
-      </a:p>
-    </dgm:txPr>
+    <dgm:txPr/>
     <dgm:style>
       <a:lnRef idx="2">
         <a:srgbClr val="000000"/>
@@ -5391,15 +2815,7 @@
       <a:lightRig rig="threePt" dir="t"/>
     </dgm:scene3d>
     <dgm:sp3d/>
-    <dgm:txPr>
-      <a:bodyPr/>
-      <a:p>
-        <a:pPr>
-          <a:defRPr/>
-        </a:pPr>
-        <a:endParaRPr/>
-      </a:p>
-    </dgm:txPr>
+    <dgm:txPr/>
     <dgm:style>
       <a:lnRef idx="2">
         <a:srgbClr val="000000"/>
@@ -5419,15 +2835,7 @@
       <a:lightRig rig="threePt" dir="t"/>
     </dgm:scene3d>
     <dgm:sp3d/>
-    <dgm:txPr>
-      <a:bodyPr/>
-      <a:p>
-        <a:pPr>
-          <a:defRPr/>
-        </a:pPr>
-        <a:endParaRPr/>
-      </a:p>
-    </dgm:txPr>
+    <dgm:txPr/>
     <dgm:style>
       <a:lnRef idx="2">
         <a:srgbClr val="000000"/>
@@ -5447,15 +2855,7 @@
       <a:lightRig rig="threePt" dir="t"/>
     </dgm:scene3d>
     <dgm:sp3d/>
-    <dgm:txPr>
-      <a:bodyPr/>
-      <a:p>
-        <a:pPr>
-          <a:defRPr/>
-        </a:pPr>
-        <a:endParaRPr/>
-      </a:p>
-    </dgm:txPr>
+    <dgm:txPr/>
     <dgm:style>
       <a:lnRef idx="2">
         <a:srgbClr val="000000"/>
@@ -5475,15 +2875,7 @@
       <a:lightRig rig="threePt" dir="t"/>
     </dgm:scene3d>
     <dgm:sp3d/>
-    <dgm:txPr>
-      <a:bodyPr/>
-      <a:p>
-        <a:pPr>
-          <a:defRPr/>
-        </a:pPr>
-        <a:endParaRPr/>
-      </a:p>
-    </dgm:txPr>
+    <dgm:txPr/>
     <dgm:style>
       <a:lnRef idx="2">
         <a:srgbClr val="000000"/>
@@ -5503,15 +2895,7 @@
       <a:lightRig rig="threePt" dir="t"/>
     </dgm:scene3d>
     <dgm:sp3d/>
-    <dgm:txPr>
-      <a:bodyPr/>
-      <a:p>
-        <a:pPr>
-          <a:defRPr/>
-        </a:pPr>
-        <a:endParaRPr/>
-      </a:p>
-    </dgm:txPr>
+    <dgm:txPr/>
     <dgm:style>
       <a:lnRef idx="2">
         <a:srgbClr val="000000"/>
@@ -5531,15 +2915,7 @@
       <a:lightRig rig="threePt" dir="t"/>
     </dgm:scene3d>
     <dgm:sp3d/>
-    <dgm:txPr>
-      <a:bodyPr/>
-      <a:p>
-        <a:pPr>
-          <a:defRPr/>
-        </a:pPr>
-        <a:endParaRPr/>
-      </a:p>
-    </dgm:txPr>
+    <dgm:txPr/>
     <dgm:style>
       <a:lnRef idx="2">
         <a:srgbClr val="000000"/>
@@ -5559,15 +2935,7 @@
       <a:lightRig rig="threePt" dir="t"/>
     </dgm:scene3d>
     <dgm:sp3d/>
-    <dgm:txPr>
-      <a:bodyPr/>
-      <a:p>
-        <a:pPr>
-          <a:defRPr/>
-        </a:pPr>
-        <a:endParaRPr/>
-      </a:p>
-    </dgm:txPr>
+    <dgm:txPr/>
     <dgm:style>
       <a:lnRef idx="1">
         <a:srgbClr val="000000"/>
@@ -5587,15 +2955,7 @@
       <a:lightRig rig="threePt" dir="t"/>
     </dgm:scene3d>
     <dgm:sp3d/>
-    <dgm:txPr>
-      <a:bodyPr/>
-      <a:p>
-        <a:pPr>
-          <a:defRPr/>
-        </a:pPr>
-        <a:endParaRPr/>
-      </a:p>
-    </dgm:txPr>
+    <dgm:txPr/>
     <dgm:style>
       <a:lnRef idx="2">
         <a:srgbClr val="000000"/>
@@ -5615,15 +2975,7 @@
       <a:lightRig rig="threePt" dir="t"/>
     </dgm:scene3d>
     <dgm:sp3d/>
-    <dgm:txPr>
-      <a:bodyPr/>
-      <a:p>
-        <a:pPr>
-          <a:defRPr/>
-        </a:pPr>
-        <a:endParaRPr/>
-      </a:p>
-    </dgm:txPr>
+    <dgm:txPr/>
     <dgm:style>
       <a:lnRef idx="2">
         <a:srgbClr val="000000"/>
@@ -5643,15 +2995,7 @@
       <a:lightRig rig="threePt" dir="t"/>
     </dgm:scene3d>
     <dgm:sp3d/>
-    <dgm:txPr>
-      <a:bodyPr/>
-      <a:p>
-        <a:pPr>
-          <a:defRPr/>
-        </a:pPr>
-        <a:endParaRPr/>
-      </a:p>
-    </dgm:txPr>
+    <dgm:txPr/>
     <dgm:style>
       <a:lnRef idx="2">
         <a:srgbClr val="000000"/>
@@ -5671,15 +3015,7 @@
       <a:lightRig rig="threePt" dir="t"/>
     </dgm:scene3d>
     <dgm:sp3d/>
-    <dgm:txPr>
-      <a:bodyPr/>
-      <a:p>
-        <a:pPr>
-          <a:defRPr/>
-        </a:pPr>
-        <a:endParaRPr/>
-      </a:p>
-    </dgm:txPr>
+    <dgm:txPr/>
     <dgm:style>
       <a:lnRef idx="2">
         <a:srgbClr val="000000"/>
@@ -5699,15 +3035,7 @@
       <a:lightRig rig="threePt" dir="t"/>
     </dgm:scene3d>
     <dgm:sp3d/>
-    <dgm:txPr>
-      <a:bodyPr/>
-      <a:p>
-        <a:pPr>
-          <a:defRPr/>
-        </a:pPr>
-        <a:endParaRPr/>
-      </a:p>
-    </dgm:txPr>
+    <dgm:txPr/>
     <dgm:style>
       <a:lnRef idx="2">
         <a:srgbClr val="000000"/>
@@ -5727,15 +3055,7 @@
       <a:lightRig rig="threePt" dir="t"/>
     </dgm:scene3d>
     <dgm:sp3d/>
-    <dgm:txPr>
-      <a:bodyPr/>
-      <a:p>
-        <a:pPr>
-          <a:defRPr/>
-        </a:pPr>
-        <a:endParaRPr/>
-      </a:p>
-    </dgm:txPr>
+    <dgm:txPr/>
     <dgm:style>
       <a:lnRef idx="2">
         <a:srgbClr val="000000"/>
@@ -5755,15 +3075,7 @@
       <a:lightRig rig="threePt" dir="t"/>
     </dgm:scene3d>
     <dgm:sp3d/>
-    <dgm:txPr>
-      <a:bodyPr/>
-      <a:p>
-        <a:pPr>
-          <a:defRPr/>
-        </a:pPr>
-        <a:endParaRPr/>
-      </a:p>
-    </dgm:txPr>
+    <dgm:txPr/>
     <dgm:style>
       <a:lnRef idx="2">
         <a:srgbClr val="000000"/>
@@ -5783,15 +3095,7 @@
       <a:lightRig rig="threePt" dir="t"/>
     </dgm:scene3d>
     <dgm:sp3d/>
-    <dgm:txPr>
-      <a:bodyPr/>
-      <a:p>
-        <a:pPr>
-          <a:defRPr/>
-        </a:pPr>
-        <a:endParaRPr/>
-      </a:p>
-    </dgm:txPr>
+    <dgm:txPr/>
     <dgm:style>
       <a:lnRef idx="2">
         <a:srgbClr val="000000"/>
@@ -5811,15 +3115,7 @@
       <a:lightRig rig="threePt" dir="t"/>
     </dgm:scene3d>
     <dgm:sp3d/>
-    <dgm:txPr>
-      <a:bodyPr/>
-      <a:p>
-        <a:pPr>
-          <a:defRPr/>
-        </a:pPr>
-        <a:endParaRPr/>
-      </a:p>
-    </dgm:txPr>
+    <dgm:txPr/>
     <dgm:style>
       <a:lnRef idx="2">
         <a:srgbClr val="000000"/>
@@ -5839,15 +3135,7 @@
       <a:lightRig rig="threePt" dir="t"/>
     </dgm:scene3d>
     <dgm:sp3d/>
-    <dgm:txPr>
-      <a:bodyPr/>
-      <a:p>
-        <a:pPr>
-          <a:defRPr/>
-        </a:pPr>
-        <a:endParaRPr/>
-      </a:p>
-    </dgm:txPr>
+    <dgm:txPr/>
     <dgm:style>
       <a:lnRef idx="2">
         <a:srgbClr val="000000"/>
@@ -5867,15 +3155,7 @@
       <a:lightRig rig="threePt" dir="t"/>
     </dgm:scene3d>
     <dgm:sp3d/>
-    <dgm:txPr>
-      <a:bodyPr/>
-      <a:p>
-        <a:pPr>
-          <a:defRPr/>
-        </a:pPr>
-        <a:endParaRPr/>
-      </a:p>
-    </dgm:txPr>
+    <dgm:txPr/>
     <dgm:style>
       <a:lnRef idx="2">
         <a:srgbClr val="000000"/>
@@ -5895,15 +3175,7 @@
       <a:lightRig rig="threePt" dir="t"/>
     </dgm:scene3d>
     <dgm:sp3d/>
-    <dgm:txPr>
-      <a:bodyPr/>
-      <a:p>
-        <a:pPr>
-          <a:defRPr/>
-        </a:pPr>
-        <a:endParaRPr/>
-      </a:p>
-    </dgm:txPr>
+    <dgm:txPr/>
     <dgm:style>
       <a:lnRef idx="0">
         <a:srgbClr val="000000"/>
@@ -5923,15 +3195,7 @@
       <a:lightRig rig="threePt" dir="t"/>
     </dgm:scene3d>
     <dgm:sp3d/>
-    <dgm:txPr>
-      <a:bodyPr/>
-      <a:p>
-        <a:pPr>
-          <a:defRPr/>
-        </a:pPr>
-        <a:endParaRPr/>
-      </a:p>
-    </dgm:txPr>
+    <dgm:txPr/>
     <dgm:style>
       <a:lnRef idx="0">
         <a:srgbClr val="000000"/>
@@ -5951,15 +3215,7 @@
       <a:lightRig rig="threePt" dir="t"/>
     </dgm:scene3d>
     <dgm:sp3d/>
-    <dgm:txPr>
-      <a:bodyPr/>
-      <a:p>
-        <a:pPr>
-          <a:defRPr/>
-        </a:pPr>
-        <a:endParaRPr/>
-      </a:p>
-    </dgm:txPr>
+    <dgm:txPr/>
     <dgm:style>
       <a:lnRef idx="0">
         <a:srgbClr val="000000"/>
@@ -5979,15 +3235,7 @@
       <a:lightRig rig="threePt" dir="t"/>
     </dgm:scene3d>
     <dgm:sp3d/>
-    <dgm:txPr>
-      <a:bodyPr/>
-      <a:p>
-        <a:pPr>
-          <a:defRPr/>
-        </a:pPr>
-        <a:endParaRPr/>
-      </a:p>
-    </dgm:txPr>
+    <dgm:txPr/>
     <dgm:style>
       <a:lnRef idx="2">
         <a:srgbClr val="000000"/>
@@ -6007,15 +3255,7 @@
       <a:lightRig rig="threePt" dir="t"/>
     </dgm:scene3d>
     <dgm:sp3d/>
-    <dgm:txPr>
-      <a:bodyPr/>
-      <a:p>
-        <a:pPr>
-          <a:defRPr/>
-        </a:pPr>
-        <a:endParaRPr/>
-      </a:p>
-    </dgm:txPr>
+    <dgm:txPr/>
     <dgm:style>
       <a:lnRef idx="0">
         <a:srgbClr val="000000"/>
@@ -6033,7 +3273,7 @@
 </file>
 
 <file path=ppt/slideLayouts/slideLayout1.xml><?xml version="1.0" encoding="utf-8"?>
-<p:sldLayout xmlns:a="http://schemas.openxmlformats.org/drawingml/2006/main" xmlns:r="http://schemas.openxmlformats.org/officeDocument/2006/relationships" xmlns:p="http://schemas.openxmlformats.org/presentationml/2006/main" xmlns:m="http://schemas.openxmlformats.org/officeDocument/2006/math" xmlns:w="http://schemas.openxmlformats.org/wordprocessingml/2006/main" matchingName="" preserve="1" showMasterPhAnim="0" type="obj" userDrawn="1">
+<p:sldLayout xmlns:a="http://schemas.openxmlformats.org/drawingml/2006/main" xmlns:r="http://schemas.openxmlformats.org/officeDocument/2006/relationships" xmlns:p="http://schemas.openxmlformats.org/presentationml/2006/main" showMasterPhAnim="0" type="obj" preserve="1" userDrawn="1">
   <p:cSld name="Title Slide">
     <p:spTree>
       <p:nvGrpSpPr>
@@ -6183,7 +3423,7 @@
             </a:pPr>
             <a:fld id="{1D8BD707-D9CF-40AE-B4C6-C98DA3205C09}" type="datetimeFigureOut">
               <a:rPr lang="en-US"/>
-              <a:t/>
+              <a:t>6/6/2023</a:t>
             </a:fld>
             <a:endParaRPr/>
           </a:p>
@@ -6219,7 +3459,7 @@
             </a:pPr>
             <a:fld id="{B6F15528-21DE-4FAA-801E-634DDDAF4B2B}" type="slidenum">
               <a:rPr/>
-              <a:t/>
+              <a:t>‹#›</a:t>
             </a:fld>
             <a:endParaRPr/>
           </a:p>
@@ -6234,7 +3474,7 @@
 </file>
 
 <file path=ppt/slideLayouts/slideLayout2.xml><?xml version="1.0" encoding="utf-8"?>
-<p:sldLayout xmlns:a="http://schemas.openxmlformats.org/drawingml/2006/main" xmlns:r="http://schemas.openxmlformats.org/officeDocument/2006/relationships" xmlns:p="http://schemas.openxmlformats.org/presentationml/2006/main" xmlns:m="http://schemas.openxmlformats.org/officeDocument/2006/math" xmlns:w="http://schemas.openxmlformats.org/wordprocessingml/2006/main" matchingName="" preserve="1" showMasterPhAnim="0" type="obj" userDrawn="1">
+<p:sldLayout xmlns:a="http://schemas.openxmlformats.org/drawingml/2006/main" xmlns:r="http://schemas.openxmlformats.org/officeDocument/2006/relationships" xmlns:p="http://schemas.openxmlformats.org/presentationml/2006/main" showMasterPhAnim="0" type="obj" preserve="1" userDrawn="1">
   <p:cSld name="Title and Content">
     <p:spTree>
       <p:nvGrpSpPr>
@@ -6370,7 +3610,7 @@
             </a:pPr>
             <a:fld id="{1D8BD707-D9CF-40AE-B4C6-C98DA3205C09}" type="datetimeFigureOut">
               <a:rPr lang="en-US"/>
-              <a:t/>
+              <a:t>6/6/2023</a:t>
             </a:fld>
             <a:endParaRPr/>
           </a:p>
@@ -6406,7 +3646,7 @@
             </a:pPr>
             <a:fld id="{B6F15528-21DE-4FAA-801E-634DDDAF4B2B}" type="slidenum">
               <a:rPr/>
-              <a:t/>
+              <a:t>‹#›</a:t>
             </a:fld>
             <a:endParaRPr/>
           </a:p>
@@ -6421,7 +3661,7 @@
 </file>
 
 <file path=ppt/slideLayouts/slideLayout3.xml><?xml version="1.0" encoding="utf-8"?>
-<p:sldLayout xmlns:a="http://schemas.openxmlformats.org/drawingml/2006/main" xmlns:r="http://schemas.openxmlformats.org/officeDocument/2006/relationships" xmlns:p="http://schemas.openxmlformats.org/presentationml/2006/main" xmlns:m="http://schemas.openxmlformats.org/officeDocument/2006/math" xmlns:w="http://schemas.openxmlformats.org/wordprocessingml/2006/main" matchingName="" preserve="1" showMasterPhAnim="0" type="obj" userDrawn="1">
+<p:sldLayout xmlns:a="http://schemas.openxmlformats.org/drawingml/2006/main" xmlns:r="http://schemas.openxmlformats.org/officeDocument/2006/relationships" xmlns:p="http://schemas.openxmlformats.org/presentationml/2006/main" showMasterPhAnim="0" type="obj" preserve="1" userDrawn="1">
   <p:cSld name="Two Content">
     <p:spTree>
       <p:nvGrpSpPr>
@@ -6603,7 +3843,7 @@
             </a:pPr>
             <a:fld id="{1D8BD707-D9CF-40AE-B4C6-C98DA3205C09}" type="datetimeFigureOut">
               <a:rPr lang="en-US"/>
-              <a:t/>
+              <a:t>6/6/2023</a:t>
             </a:fld>
             <a:endParaRPr/>
           </a:p>
@@ -6639,7 +3879,7 @@
             </a:pPr>
             <a:fld id="{B6F15528-21DE-4FAA-801E-634DDDAF4B2B}" type="slidenum">
               <a:rPr/>
-              <a:t/>
+              <a:t>‹#›</a:t>
             </a:fld>
             <a:endParaRPr/>
           </a:p>
@@ -6654,7 +3894,7 @@
 </file>
 
 <file path=ppt/slideLayouts/slideLayout4.xml><?xml version="1.0" encoding="utf-8"?>
-<p:sldLayout xmlns:a="http://schemas.openxmlformats.org/drawingml/2006/main" xmlns:r="http://schemas.openxmlformats.org/officeDocument/2006/relationships" xmlns:p="http://schemas.openxmlformats.org/presentationml/2006/main" xmlns:m="http://schemas.openxmlformats.org/officeDocument/2006/math" xmlns:w="http://schemas.openxmlformats.org/wordprocessingml/2006/main" matchingName="" preserve="1" showMasterPhAnim="0" type="obj" userDrawn="1">
+<p:sldLayout xmlns:a="http://schemas.openxmlformats.org/drawingml/2006/main" xmlns:r="http://schemas.openxmlformats.org/officeDocument/2006/relationships" xmlns:p="http://schemas.openxmlformats.org/presentationml/2006/main" showMasterPhAnim="0" type="obj" preserve="1" userDrawn="1">
   <p:cSld name="Title Only">
     <p:spTree>
       <p:nvGrpSpPr>
@@ -6764,7 +4004,7 @@
             </a:pPr>
             <a:fld id="{1D8BD707-D9CF-40AE-B4C6-C98DA3205C09}" type="datetimeFigureOut">
               <a:rPr lang="en-US"/>
-              <a:t/>
+              <a:t>6/6/2023</a:t>
             </a:fld>
             <a:endParaRPr/>
           </a:p>
@@ -6800,7 +4040,7 @@
             </a:pPr>
             <a:fld id="{B6F15528-21DE-4FAA-801E-634DDDAF4B2B}" type="slidenum">
               <a:rPr/>
-              <a:t/>
+              <a:t>‹#›</a:t>
             </a:fld>
             <a:endParaRPr/>
           </a:p>
@@ -6815,7 +4055,7 @@
 </file>
 
 <file path=ppt/slideLayouts/slideLayout5.xml><?xml version="1.0" encoding="utf-8"?>
-<p:sldLayout xmlns:a="http://schemas.openxmlformats.org/drawingml/2006/main" xmlns:r="http://schemas.openxmlformats.org/officeDocument/2006/relationships" xmlns:p="http://schemas.openxmlformats.org/presentationml/2006/main" xmlns:m="http://schemas.openxmlformats.org/officeDocument/2006/math" xmlns:w="http://schemas.openxmlformats.org/wordprocessingml/2006/main" matchingName="" preserve="1" showMasterPhAnim="0" type="obj" userDrawn="1">
+<p:sldLayout xmlns:a="http://schemas.openxmlformats.org/drawingml/2006/main" xmlns:r="http://schemas.openxmlformats.org/officeDocument/2006/relationships" xmlns:p="http://schemas.openxmlformats.org/presentationml/2006/main" showMasterPhAnim="0" type="obj" preserve="1" userDrawn="1">
   <p:cSld name="Blank">
     <p:spTree>
       <p:nvGrpSpPr>
@@ -6893,7 +4133,7 @@
             </a:pPr>
             <a:fld id="{1D8BD707-D9CF-40AE-B4C6-C98DA3205C09}" type="datetimeFigureOut">
               <a:rPr lang="en-US"/>
-              <a:t/>
+              <a:t>6/6/2023</a:t>
             </a:fld>
             <a:endParaRPr/>
           </a:p>
@@ -6929,7 +4169,7 @@
             </a:pPr>
             <a:fld id="{B6F15528-21DE-4FAA-801E-634DDDAF4B2B}" type="slidenum">
               <a:rPr/>
-              <a:t/>
+              <a:t>‹#›</a:t>
             </a:fld>
             <a:endParaRPr/>
           </a:p>
@@ -6944,8 +4184,8 @@
 </file>
 
 <file path=ppt/slideMasters/slideMaster1.xml><?xml version="1.0" encoding="utf-8"?>
-<p:sldMaster xmlns:a="http://schemas.openxmlformats.org/drawingml/2006/main" xmlns:r="http://schemas.openxmlformats.org/officeDocument/2006/relationships" xmlns:p="http://schemas.openxmlformats.org/presentationml/2006/main" xmlns:m="http://schemas.openxmlformats.org/officeDocument/2006/math" xmlns:w="http://schemas.openxmlformats.org/wordprocessingml/2006/main" preserve="0">
-  <p:cSld name="">
+<p:sldMaster xmlns:a="http://schemas.openxmlformats.org/drawingml/2006/main" xmlns:r="http://schemas.openxmlformats.org/officeDocument/2006/relationships" xmlns:p="http://schemas.openxmlformats.org/presentationml/2006/main">
+  <p:cSld>
     <p:bg>
       <p:bgRef idx="1001">
         <a:schemeClr val="bg1"/>
@@ -6983,7 +4223,7 @@
             <a:cxnLst/>
             <a:rect l="l" t="t" r="r" b="b"/>
             <a:pathLst>
-              <a:path w="9944100" h="5591175" fill="norm" stroke="1" extrusionOk="0">
+              <a:path w="9944100" h="5591175" extrusionOk="0">
                 <a:moveTo>
                   <a:pt x="9732199" y="5591174"/>
                 </a:moveTo>
@@ -7277,7 +4517,7 @@
             </a:pPr>
             <a:fld id="{1D8BD707-D9CF-40AE-B4C6-C98DA3205C09}" type="datetimeFigureOut">
               <a:rPr lang="en-US"/>
-              <a:t/>
+              <a:t>6/6/2023</a:t>
             </a:fld>
             <a:endParaRPr/>
           </a:p>
@@ -7323,7 +4563,7 @@
             </a:pPr>
             <a:fld id="{B6F15528-21DE-4FAA-801E-634DDDAF4B2B}" type="slidenum">
               <a:rPr/>
-              <a:t/>
+              <a:t>‹#›</a:t>
             </a:fld>
             <a:endParaRPr/>
           </a:p>
@@ -7339,7 +4579,7 @@
     <p:sldLayoutId id="2147483652" r:id="rId4"/>
     <p:sldLayoutId id="2147483653" r:id="rId5"/>
   </p:sldLayoutIdLst>
-  <p:hf dt="0" ftr="0" hdr="0" sldNum="1"/>
+  <p:hf hdr="0" ftr="0" dt="0"/>
   <p:txStyles>
     <p:titleStyle>
       <a:lvl1pPr>
@@ -7485,8 +4725,8 @@
 </file>
 
 <file path=ppt/slides/slide1.xml><?xml version="1.0" encoding="utf-8"?>
-<p:sld xmlns:a="http://schemas.openxmlformats.org/drawingml/2006/main" xmlns:r="http://schemas.openxmlformats.org/officeDocument/2006/relationships" xmlns:p="http://schemas.openxmlformats.org/presentationml/2006/main" xmlns:m="http://schemas.openxmlformats.org/officeDocument/2006/math" xmlns:w="http://schemas.openxmlformats.org/wordprocessingml/2006/main" showMasterPhAnim="0" showMasterSp="0" show="1">
-  <p:cSld name="">
+<p:sld xmlns:a="http://schemas.openxmlformats.org/drawingml/2006/main" xmlns:r="http://schemas.openxmlformats.org/officeDocument/2006/relationships" xmlns:p="http://schemas.openxmlformats.org/presentationml/2006/main" showMasterSp="0" showMasterPhAnim="0">
+  <p:cSld>
     <p:spTree>
       <p:nvGrpSpPr>
         <p:cNvPr id="1" name=""/>
@@ -7512,7 +4752,7 @@
           </p:nvPr>
         </p:nvSpPr>
         <p:spPr bwMode="auto">
-          <a:xfrm flipH="0" flipV="0">
+          <a:xfrm>
             <a:off x="148907" y="1997739"/>
             <a:ext cx="11719554" cy="3738873"/>
           </a:xfrm>
@@ -7649,71 +4889,7 @@
                   <a:schemeClr val="tx1"/>
                 </a:solidFill>
               </a:rPr>
-              <a:t> Однорангова</a:t>
-            </a:r>
-            <a:r>
-              <a:rPr lang="ru-RU" sz="2800" spc="-85">
-                <a:solidFill>
-                  <a:schemeClr val="tx1"/>
-                </a:solidFill>
-              </a:rPr>
-              <a:t> мережа на </a:t>
-            </a:r>
-            <a:r>
-              <a:rPr lang="ru-RU" sz="2800" spc="-85">
-                <a:solidFill>
-                  <a:schemeClr val="tx1"/>
-                </a:solidFill>
-              </a:rPr>
-              <a:t>основі</a:t>
-            </a:r>
-            <a:r>
-              <a:rPr lang="ru-RU" sz="2800" spc="-85">
-                <a:solidFill>
-                  <a:schemeClr val="tx1"/>
-                </a:solidFill>
-              </a:rPr>
-              <a:t> блокчейн для </a:t>
-            </a:r>
-            <a:r>
-              <a:rPr lang="ru-RU" sz="2800" spc="-85">
-                <a:solidFill>
-                  <a:schemeClr val="tx1"/>
-                </a:solidFill>
-              </a:rPr>
-              <a:t>автоматизованої</a:t>
-            </a:r>
-            <a:r>
-              <a:rPr lang="ru-RU" sz="2800" spc="-85">
-                <a:solidFill>
-                  <a:schemeClr val="tx1"/>
-                </a:solidFill>
-              </a:rPr>
-              <a:t> </a:t>
-            </a:r>
-            <a:r>
-              <a:rPr lang="ru-RU" sz="2800" spc="-85">
-                <a:solidFill>
-                  <a:schemeClr val="tx1"/>
-                </a:solidFill>
-              </a:rPr>
-              <a:t>платіжної</a:t>
-            </a:r>
-            <a:r>
-              <a:rPr lang="ru-RU" sz="2800" spc="-85">
-                <a:solidFill>
-                  <a:schemeClr val="tx1"/>
-                </a:solidFill>
-              </a:rPr>
-              <a:t> </a:t>
-            </a:r>
-            <a:r>
-              <a:rPr lang="ru-RU" sz="2800" spc="-85">
-                <a:solidFill>
-                  <a:schemeClr val="tx1"/>
-                </a:solidFill>
-              </a:rPr>
-              <a:t>системи</a:t>
+              <a:t> Однорангова мережа на основі блокчейн для автоматизованої платіжної системи</a:t>
             </a:r>
             <a:endParaRPr sz="2800">
               <a:solidFill>
@@ -7741,7 +4917,27 @@
                 <a:latin typeface="Times New Roman"/>
                 <a:cs typeface="Times New Roman"/>
               </a:rPr>
-              <a:t>виконав</a:t>
+              <a:t>виконав: студент гр. </a:t>
+            </a:r>
+            <a:r>
+              <a:rPr sz="1800" b="0" spc="105">
+                <a:solidFill>
+                  <a:schemeClr val="tx1"/>
+                </a:solidFill>
+                <a:latin typeface="Times New Roman"/>
+                <a:cs typeface="Times New Roman"/>
+              </a:rPr>
+              <a:t>ІПЗ-33 </a:t>
+            </a:r>
+            <a:r>
+              <a:rPr sz="1800" b="0" spc="-20">
+                <a:solidFill>
+                  <a:schemeClr val="tx1"/>
+                </a:solidFill>
+                <a:latin typeface="Times New Roman"/>
+                <a:cs typeface="Times New Roman"/>
+              </a:rPr>
+              <a:t>Гоша </a:t>
             </a:r>
             <a:r>
               <a:rPr sz="1800" b="0" spc="10">
@@ -7751,117 +4947,7 @@
                 <a:latin typeface="Times New Roman"/>
                 <a:cs typeface="Times New Roman"/>
               </a:rPr>
-              <a:t>: </a:t>
-            </a:r>
-            <a:r>
-              <a:rPr sz="1800" b="0" spc="10">
-                <a:solidFill>
-                  <a:schemeClr val="tx1"/>
-                </a:solidFill>
-                <a:latin typeface="Times New Roman"/>
-                <a:cs typeface="Times New Roman"/>
-              </a:rPr>
-              <a:t>студент</a:t>
-            </a:r>
-            <a:r>
-              <a:rPr sz="1800" b="0" spc="10">
-                <a:solidFill>
-                  <a:schemeClr val="tx1"/>
-                </a:solidFill>
-                <a:latin typeface="Times New Roman"/>
-                <a:cs typeface="Times New Roman"/>
-              </a:rPr>
-              <a:t> </a:t>
-            </a:r>
-            <a:r>
-              <a:rPr sz="1800" b="0" spc="10">
-                <a:solidFill>
-                  <a:schemeClr val="tx1"/>
-                </a:solidFill>
-                <a:latin typeface="Times New Roman"/>
-                <a:cs typeface="Times New Roman"/>
-              </a:rPr>
-              <a:t>гр</a:t>
-            </a:r>
-            <a:r>
-              <a:rPr sz="1800" b="0" spc="10">
-                <a:solidFill>
-                  <a:schemeClr val="tx1"/>
-                </a:solidFill>
-                <a:latin typeface="Times New Roman"/>
-                <a:cs typeface="Times New Roman"/>
-              </a:rPr>
-              <a:t>. </a:t>
-            </a:r>
-            <a:r>
-              <a:rPr sz="1800" b="0" spc="105">
-                <a:solidFill>
-                  <a:schemeClr val="tx1"/>
-                </a:solidFill>
-                <a:latin typeface="Times New Roman"/>
-                <a:cs typeface="Times New Roman"/>
-              </a:rPr>
-              <a:t>ІПЗ</a:t>
-            </a:r>
-            <a:r>
-              <a:rPr sz="1800" b="0" spc="105">
-                <a:solidFill>
-                  <a:schemeClr val="tx1"/>
-                </a:solidFill>
-                <a:latin typeface="Times New Roman"/>
-                <a:cs typeface="Times New Roman"/>
-              </a:rPr>
-              <a:t>-</a:t>
-            </a:r>
-            <a:r>
-              <a:rPr sz="1800" b="0" spc="105">
-                <a:solidFill>
-                  <a:schemeClr val="tx1"/>
-                </a:solidFill>
-                <a:latin typeface="Times New Roman"/>
-                <a:cs typeface="Times New Roman"/>
-              </a:rPr>
-              <a:t>33 </a:t>
-            </a:r>
-            <a:r>
-              <a:rPr sz="1800" b="0" spc="-20">
-                <a:solidFill>
-                  <a:schemeClr val="tx1"/>
-                </a:solidFill>
-                <a:latin typeface="Times New Roman"/>
-                <a:cs typeface="Times New Roman"/>
-              </a:rPr>
-              <a:t>Гоша</a:t>
-            </a:r>
-            <a:r>
-              <a:rPr sz="1800" b="0" spc="-20">
-                <a:solidFill>
-                  <a:schemeClr val="tx1"/>
-                </a:solidFill>
-                <a:latin typeface="Times New Roman"/>
-                <a:cs typeface="Times New Roman"/>
-              </a:rPr>
-              <a:t> </a:t>
-            </a:r>
-            <a:r>
-              <a:rPr sz="1800" b="0" spc="10">
-                <a:solidFill>
-                  <a:schemeClr val="tx1"/>
-                </a:solidFill>
-                <a:latin typeface="Times New Roman"/>
-                <a:cs typeface="Times New Roman"/>
-              </a:rPr>
-              <a:t>Давід</a:t>
-            </a:r>
-            <a:r>
-              <a:rPr sz="1800" b="0" spc="10">
-                <a:solidFill>
-                  <a:schemeClr val="tx1"/>
-                </a:solidFill>
-                <a:latin typeface="Times New Roman"/>
-                <a:cs typeface="Times New Roman"/>
-              </a:rPr>
-              <a:t> </a:t>
+              <a:t>Давід </a:t>
             </a:r>
             <a:r>
               <a:rPr sz="1800" b="0" spc="5">
@@ -7920,10 +5006,10 @@
                 <a:latin typeface="Times New Roman"/>
                 <a:cs typeface="Times New Roman"/>
               </a:rPr>
-              <a:t>науковий</a:t>
-            </a:r>
-            <a:r>
-              <a:rPr sz="1800" b="0" spc="10">
+              <a:t>науковий керівник:</a:t>
+            </a:r>
+            <a:r>
+              <a:rPr sz="1800" b="0" spc="80">
                 <a:solidFill>
                   <a:schemeClr val="tx1"/>
                 </a:solidFill>
@@ -7933,27 +5019,17 @@
               <a:t> </a:t>
             </a:r>
             <a:r>
-              <a:rPr sz="1800" b="0" spc="10">
-                <a:solidFill>
-                  <a:schemeClr val="tx1"/>
-                </a:solidFill>
-                <a:latin typeface="Times New Roman"/>
-                <a:cs typeface="Times New Roman"/>
-              </a:rPr>
-              <a:t>керівник</a:t>
-            </a:r>
-            <a:r>
-              <a:rPr sz="1800" b="0" spc="10">
-                <a:solidFill>
-                  <a:schemeClr val="tx1"/>
-                </a:solidFill>
-                <a:latin typeface="Times New Roman"/>
-                <a:cs typeface="Times New Roman"/>
-              </a:rPr>
-              <a:t>:</a:t>
-            </a:r>
-            <a:r>
-              <a:rPr sz="1800" b="0" spc="80">
+              <a:rPr sz="1800" b="0" spc="50">
+                <a:solidFill>
+                  <a:schemeClr val="tx1"/>
+                </a:solidFill>
+                <a:latin typeface="Times New Roman"/>
+                <a:cs typeface="Times New Roman"/>
+              </a:rPr>
+              <a:t>д.т.н.</a:t>
+            </a:r>
+            <a:r>
+              <a:rPr sz="1800" b="0" spc="45">
                 <a:solidFill>
                   <a:schemeClr val="tx1"/>
                 </a:solidFill>
@@ -7970,127 +5046,7 @@
                 <a:latin typeface="Times New Roman"/>
                 <a:cs typeface="Times New Roman"/>
               </a:rPr>
-              <a:t>д</a:t>
-            </a:r>
-            <a:r>
-              <a:rPr sz="1800" b="0" spc="50">
-                <a:solidFill>
-                  <a:schemeClr val="tx1"/>
-                </a:solidFill>
-                <a:latin typeface="Times New Roman"/>
-                <a:cs typeface="Times New Roman"/>
-              </a:rPr>
-              <a:t>.</a:t>
-            </a:r>
-            <a:r>
-              <a:rPr sz="1800" b="0" spc="50">
-                <a:solidFill>
-                  <a:schemeClr val="tx1"/>
-                </a:solidFill>
-                <a:latin typeface="Times New Roman"/>
-                <a:cs typeface="Times New Roman"/>
-              </a:rPr>
-              <a:t>т</a:t>
-            </a:r>
-            <a:r>
-              <a:rPr sz="1800" b="0" spc="50">
-                <a:solidFill>
-                  <a:schemeClr val="tx1"/>
-                </a:solidFill>
-                <a:latin typeface="Times New Roman"/>
-                <a:cs typeface="Times New Roman"/>
-              </a:rPr>
-              <a:t>.</a:t>
-            </a:r>
-            <a:r>
-              <a:rPr sz="1800" b="0" spc="50">
-                <a:solidFill>
-                  <a:schemeClr val="tx1"/>
-                </a:solidFill>
-                <a:latin typeface="Times New Roman"/>
-                <a:cs typeface="Times New Roman"/>
-              </a:rPr>
-              <a:t>н</a:t>
-            </a:r>
-            <a:r>
-              <a:rPr sz="1800" b="0" spc="50">
-                <a:solidFill>
-                  <a:schemeClr val="tx1"/>
-                </a:solidFill>
-                <a:latin typeface="Times New Roman"/>
-                <a:cs typeface="Times New Roman"/>
-              </a:rPr>
-              <a:t>.</a:t>
-            </a:r>
-            <a:r>
-              <a:rPr sz="1800" b="0" spc="45">
-                <a:solidFill>
-                  <a:schemeClr val="tx1"/>
-                </a:solidFill>
-                <a:latin typeface="Times New Roman"/>
-                <a:cs typeface="Times New Roman"/>
-              </a:rPr>
-              <a:t> </a:t>
-            </a:r>
-            <a:r>
-              <a:rPr sz="1800" b="0" spc="50">
-                <a:solidFill>
-                  <a:schemeClr val="tx1"/>
-                </a:solidFill>
-                <a:latin typeface="Times New Roman"/>
-                <a:cs typeface="Times New Roman"/>
-              </a:rPr>
-              <a:t>с</a:t>
-            </a:r>
-            <a:r>
-              <a:rPr sz="1800" b="0" spc="50">
-                <a:solidFill>
-                  <a:schemeClr val="tx1"/>
-                </a:solidFill>
-                <a:latin typeface="Times New Roman"/>
-                <a:cs typeface="Times New Roman"/>
-              </a:rPr>
-              <a:t>.</a:t>
-            </a:r>
-            <a:r>
-              <a:rPr sz="1800" b="0" spc="50">
-                <a:solidFill>
-                  <a:schemeClr val="tx1"/>
-                </a:solidFill>
-                <a:latin typeface="Times New Roman"/>
-                <a:cs typeface="Times New Roman"/>
-              </a:rPr>
-              <a:t>н</a:t>
-            </a:r>
-            <a:r>
-              <a:rPr sz="1800" b="0" spc="50">
-                <a:solidFill>
-                  <a:schemeClr val="tx1"/>
-                </a:solidFill>
-                <a:latin typeface="Times New Roman"/>
-                <a:cs typeface="Times New Roman"/>
-              </a:rPr>
-              <a:t>.</a:t>
-            </a:r>
-            <a:r>
-              <a:rPr sz="1800" b="0" spc="50">
-                <a:solidFill>
-                  <a:schemeClr val="tx1"/>
-                </a:solidFill>
-                <a:latin typeface="Times New Roman"/>
-                <a:cs typeface="Times New Roman"/>
-              </a:rPr>
-              <a:t>с</a:t>
-            </a:r>
-            <a:r>
-              <a:rPr sz="1800" b="0" spc="50">
-                <a:solidFill>
-                  <a:schemeClr val="tx1"/>
-                </a:solidFill>
-                <a:latin typeface="Times New Roman"/>
-                <a:cs typeface="Times New Roman"/>
-              </a:rPr>
-              <a:t>.</a:t>
+              <a:t>с.н.с.</a:t>
             </a:r>
             <a:r>
               <a:rPr sz="1800" b="0" spc="45">
@@ -8196,95 +5152,7 @@
                 <a:ea typeface="Bierstadt"/>
                 <a:cs typeface="Times New Roman"/>
               </a:rPr>
-              <a:t>Київський</a:t>
-            </a:r>
-            <a:r>
-              <a:rPr lang="en-US">
-                <a:latin typeface="Times New Roman"/>
-                <a:ea typeface="Bierstadt"/>
-                <a:cs typeface="Times New Roman"/>
-              </a:rPr>
-              <a:t> </a:t>
-            </a:r>
-            <a:r>
-              <a:rPr lang="en-US">
-                <a:latin typeface="Times New Roman"/>
-                <a:ea typeface="Bierstadt"/>
-                <a:cs typeface="Times New Roman"/>
-              </a:rPr>
-              <a:t>національний</a:t>
-            </a:r>
-            <a:r>
-              <a:rPr lang="en-US">
-                <a:latin typeface="Times New Roman"/>
-                <a:ea typeface="Bierstadt"/>
-                <a:cs typeface="Times New Roman"/>
-              </a:rPr>
-              <a:t> </a:t>
-            </a:r>
-            <a:r>
-              <a:rPr lang="en-US">
-                <a:latin typeface="Times New Roman"/>
-                <a:ea typeface="Bierstadt"/>
-                <a:cs typeface="Times New Roman"/>
-              </a:rPr>
-              <a:t>університет</a:t>
-            </a:r>
-            <a:r>
-              <a:rPr lang="en-US">
-                <a:latin typeface="Times New Roman"/>
-                <a:ea typeface="Bierstadt"/>
-                <a:cs typeface="Times New Roman"/>
-              </a:rPr>
-              <a:t> </a:t>
-            </a:r>
-            <a:r>
-              <a:rPr lang="en-US">
-                <a:latin typeface="Times New Roman"/>
-                <a:ea typeface="Bierstadt"/>
-                <a:cs typeface="Times New Roman"/>
-              </a:rPr>
-              <a:t>імені</a:t>
-            </a:r>
-            <a:r>
-              <a:rPr lang="en-US">
-                <a:latin typeface="Times New Roman"/>
-                <a:ea typeface="Bierstadt"/>
-                <a:cs typeface="Times New Roman"/>
-              </a:rPr>
-              <a:t> </a:t>
-            </a:r>
-            <a:r>
-              <a:rPr lang="en-US">
-                <a:latin typeface="Times New Roman"/>
-                <a:ea typeface="Bierstadt"/>
-                <a:cs typeface="Times New Roman"/>
-              </a:rPr>
-              <a:t>Тараса</a:t>
-            </a:r>
-            <a:r>
-              <a:rPr lang="en-US">
-                <a:latin typeface="Times New Roman"/>
-                <a:ea typeface="Bierstadt"/>
-                <a:cs typeface="Times New Roman"/>
-              </a:rPr>
-              <a:t> </a:t>
-            </a:r>
-            <a:r>
-              <a:rPr lang="en-US">
-                <a:latin typeface="Times New Roman"/>
-                <a:ea typeface="Bierstadt"/>
-                <a:cs typeface="Times New Roman"/>
-              </a:rPr>
-              <a:t>Шевченка</a:t>
-            </a:r>
-            <a:r>
-              <a:rPr lang="en-US">
-                <a:latin typeface="Times New Roman"/>
-                <a:ea typeface="Bierstadt"/>
-                <a:cs typeface="Times New Roman"/>
-              </a:rPr>
-              <a:t> </a:t>
+              <a:t>Київський національний університет імені Тараса Шевченка </a:t>
             </a:r>
             <a:endParaRPr sz="1800">
               <a:latin typeface="Times New Roman"/>
@@ -8304,47 +5172,7 @@
                 <a:ea typeface="Bierstadt"/>
                 <a:cs typeface="Times New Roman"/>
               </a:rPr>
-              <a:t>Факультет</a:t>
-            </a:r>
-            <a:r>
-              <a:rPr lang="en-US">
-                <a:latin typeface="Times New Roman"/>
-                <a:ea typeface="Bierstadt"/>
-                <a:cs typeface="Times New Roman"/>
-              </a:rPr>
-              <a:t> </a:t>
-            </a:r>
-            <a:r>
-              <a:rPr lang="en-US">
-                <a:latin typeface="Times New Roman"/>
-                <a:ea typeface="Bierstadt"/>
-                <a:cs typeface="Times New Roman"/>
-              </a:rPr>
-              <a:t>інформаційних</a:t>
-            </a:r>
-            <a:r>
-              <a:rPr lang="en-US">
-                <a:latin typeface="Times New Roman"/>
-                <a:ea typeface="Bierstadt"/>
-                <a:cs typeface="Times New Roman"/>
-              </a:rPr>
-              <a:t> </a:t>
-            </a:r>
-            <a:r>
-              <a:rPr lang="en-US">
-                <a:latin typeface="Times New Roman"/>
-                <a:ea typeface="Bierstadt"/>
-                <a:cs typeface="Times New Roman"/>
-              </a:rPr>
-              <a:t>технологій</a:t>
-            </a:r>
-            <a:r>
-              <a:rPr lang="en-US">
-                <a:latin typeface="Times New Roman"/>
-                <a:ea typeface="Bierstadt"/>
-                <a:cs typeface="Times New Roman"/>
-              </a:rPr>
-              <a:t> </a:t>
+              <a:t>Факультет інформаційних технологій </a:t>
             </a:r>
             <a:endParaRPr sz="1800">
               <a:latin typeface="Times New Roman"/>
@@ -8364,63 +5192,7 @@
                 <a:ea typeface="Bierstadt"/>
                 <a:cs typeface="Times New Roman"/>
               </a:rPr>
-              <a:t>Кафедра</a:t>
-            </a:r>
-            <a:r>
-              <a:rPr lang="en-US">
-                <a:latin typeface="Times New Roman"/>
-                <a:ea typeface="Bierstadt"/>
-                <a:cs typeface="Times New Roman"/>
-              </a:rPr>
-              <a:t> </a:t>
-            </a:r>
-            <a:r>
-              <a:rPr lang="en-US">
-                <a:latin typeface="Times New Roman"/>
-                <a:ea typeface="Bierstadt"/>
-                <a:cs typeface="Times New Roman"/>
-              </a:rPr>
-              <a:t>Програмних</a:t>
-            </a:r>
-            <a:r>
-              <a:rPr lang="en-US">
-                <a:latin typeface="Times New Roman"/>
-                <a:ea typeface="Bierstadt"/>
-                <a:cs typeface="Times New Roman"/>
-              </a:rPr>
-              <a:t> </a:t>
-            </a:r>
-            <a:r>
-              <a:rPr lang="en-US">
-                <a:latin typeface="Times New Roman"/>
-                <a:ea typeface="Bierstadt"/>
-                <a:cs typeface="Times New Roman"/>
-              </a:rPr>
-              <a:t>систем</a:t>
-            </a:r>
-            <a:r>
-              <a:rPr lang="en-US">
-                <a:latin typeface="Times New Roman"/>
-                <a:ea typeface="Bierstadt"/>
-                <a:cs typeface="Times New Roman"/>
-              </a:rPr>
-              <a:t> і </a:t>
-            </a:r>
-            <a:r>
-              <a:rPr lang="en-US">
-                <a:latin typeface="Times New Roman"/>
-                <a:ea typeface="Bierstadt"/>
-                <a:cs typeface="Times New Roman"/>
-              </a:rPr>
-              <a:t>технологій</a:t>
-            </a:r>
-            <a:r>
-              <a:rPr lang="en-US">
-                <a:latin typeface="Times New Roman"/>
-                <a:ea typeface="Bierstadt"/>
-                <a:cs typeface="Times New Roman"/>
-              </a:rPr>
-              <a:t> </a:t>
+              <a:t>Кафедра Програмних систем і технологій </a:t>
             </a:r>
             <a:endParaRPr sz="1800">
               <a:latin typeface="Times New Roman"/>
@@ -8446,20 +5218,12 @@
   <p:clrMapOvr>
     <a:masterClrMapping/>
   </p:clrMapOvr>
-  <mc:AlternateContent xmlns:mc="http://schemas.openxmlformats.org/markup-compatibility/2006">
-    <mc:Choice xmlns:p14="http://schemas.microsoft.com/office/powerpoint/2010/main" Requires="p14">
-      <p:transition p14:dur="2000" advClick="1"/>
-    </mc:Choice>
-    <mc:Fallback>
-      <p:transition advClick="1"/>
-    </mc:Fallback>
-  </mc:AlternateContent>
 </p:sld>
 </file>
 
 <file path=ppt/slides/slide2.xml><?xml version="1.0" encoding="utf-8"?>
-<p:sld xmlns:a="http://schemas.openxmlformats.org/drawingml/2006/main" xmlns:r="http://schemas.openxmlformats.org/officeDocument/2006/relationships" xmlns:p="http://schemas.openxmlformats.org/presentationml/2006/main" xmlns:m="http://schemas.openxmlformats.org/officeDocument/2006/math" xmlns:w="http://schemas.openxmlformats.org/wordprocessingml/2006/main" showMasterPhAnim="0" showMasterSp="0" show="1">
-  <p:cSld name="">
+<p:sld xmlns:a="http://schemas.openxmlformats.org/drawingml/2006/main" xmlns:r="http://schemas.openxmlformats.org/officeDocument/2006/relationships" xmlns:p="http://schemas.openxmlformats.org/presentationml/2006/main" showMasterSp="0" showMasterPhAnim="0">
+  <p:cSld>
     <p:spTree>
       <p:nvGrpSpPr>
         <p:cNvPr id="1" name=""/>
@@ -8547,47 +5311,77 @@
               <a:defRPr/>
             </a:pPr>
             <a:r>
-              <a:rPr lang="ru-RU" sz="1800" b="0" i="0" u="none" strike="noStrike" cap="none" spc="0">
+              <a:rPr lang="ru-RU" sz="1800" b="0" i="0" u="none" strike="noStrike" cap="none" spc="0" dirty="0" err="1">
                 <a:solidFill>
                   <a:srgbClr val="000000"/>
                 </a:solidFill>
                 <a:latin typeface="Times New Roman"/>
                 <a:cs typeface="Times New Roman"/>
               </a:rPr>
-              <a:t>Метою </a:t>
-            </a:r>
-            <a:r>
-              <a:rPr lang="ru-RU" sz="1800" b="0" i="0" u="none" strike="noStrike" cap="none" spc="0">
+              <a:t>Основна</a:t>
+            </a:r>
+            <a:r>
+              <a:rPr lang="ru-RU" sz="1800" b="0" i="0" u="none" strike="noStrike" cap="none" spc="0" dirty="0">
                 <a:solidFill>
                   <a:srgbClr val="000000"/>
                 </a:solidFill>
                 <a:latin typeface="Times New Roman"/>
                 <a:cs typeface="Times New Roman"/>
               </a:rPr>
-              <a:t>цієї</a:t>
-            </a:r>
-            <a:r>
-              <a:rPr lang="ru-RU" sz="1800" b="0" i="0" u="none" strike="noStrike" cap="none" spc="0">
+              <a:t> мета </a:t>
+            </a:r>
+            <a:r>
+              <a:rPr lang="ru-RU" sz="1800" b="0" i="0" u="none" strike="noStrike" cap="none" spc="0" dirty="0" err="1">
                 <a:solidFill>
                   <a:srgbClr val="000000"/>
                 </a:solidFill>
                 <a:latin typeface="Times New Roman"/>
                 <a:cs typeface="Times New Roman"/>
               </a:rPr>
+              <a:t>нашого</a:t>
+            </a:r>
+            <a:r>
+              <a:rPr lang="ru-RU" sz="1800" b="0" i="0" u="none" strike="noStrike" cap="none" spc="0" dirty="0">
+                <a:solidFill>
+                  <a:srgbClr val="000000"/>
+                </a:solidFill>
+                <a:latin typeface="Times New Roman"/>
+                <a:cs typeface="Times New Roman"/>
+              </a:rPr>
+              <a:t> Документа про </a:t>
+            </a:r>
+            <a:r>
+              <a:rPr lang="ru-RU" sz="1800" b="0" i="0" u="none" strike="noStrike" cap="none" spc="0" dirty="0" err="1">
+                <a:solidFill>
+                  <a:srgbClr val="000000"/>
+                </a:solidFill>
+                <a:latin typeface="Times New Roman"/>
+                <a:cs typeface="Times New Roman"/>
+              </a:rPr>
+              <a:t>архітектуру</a:t>
+            </a:r>
+            <a:r>
+              <a:rPr lang="ru-RU" sz="1800" b="0" i="0" u="none" strike="noStrike" cap="none" spc="0" dirty="0">
+                <a:solidFill>
+                  <a:srgbClr val="000000"/>
+                </a:solidFill>
+                <a:latin typeface="Times New Roman"/>
+                <a:cs typeface="Times New Roman"/>
+              </a:rPr>
               <a:t> </a:t>
             </a:r>
             <a:r>
-              <a:rPr lang="ru-RU" sz="1800" b="0" i="0" u="none" strike="noStrike" cap="none" spc="0">
+              <a:rPr lang="ru-RU" sz="1800" b="0" i="0" u="none" strike="noStrike" cap="none" spc="0" dirty="0" err="1">
                 <a:solidFill>
                   <a:srgbClr val="000000"/>
                 </a:solidFill>
                 <a:latin typeface="Times New Roman"/>
                 <a:cs typeface="Times New Roman"/>
               </a:rPr>
-              <a:t>курсової</a:t>
-            </a:r>
-            <a:r>
-              <a:rPr lang="ru-RU" sz="1800" b="0" i="0" u="none" strike="noStrike" cap="none" spc="0">
+              <a:t>програмного</a:t>
+            </a:r>
+            <a:r>
+              <a:rPr lang="ru-RU" sz="1800" b="0" i="0" u="none" strike="noStrike" cap="none" spc="0" dirty="0">
                 <a:solidFill>
                   <a:srgbClr val="000000"/>
                 </a:solidFill>
@@ -8597,37 +5391,37 @@
               <a:t> </a:t>
             </a:r>
             <a:r>
-              <a:rPr lang="ru-RU" sz="1800" b="0" i="0" u="none" strike="noStrike" cap="none" spc="0">
+              <a:rPr lang="ru-RU" sz="1800" b="0" i="0" u="none" strike="noStrike" cap="none" spc="0" dirty="0" err="1">
                 <a:solidFill>
                   <a:srgbClr val="000000"/>
                 </a:solidFill>
                 <a:latin typeface="Times New Roman"/>
                 <a:cs typeface="Times New Roman"/>
               </a:rPr>
-              <a:t>роботи</a:t>
-            </a:r>
-            <a:r>
-              <a:rPr lang="ru-RU" sz="1800" b="0" i="0" u="none" strike="noStrike" cap="none" spc="0">
+              <a:t>забезпечення</a:t>
+            </a:r>
+            <a:r>
+              <a:rPr lang="ru-RU" sz="1800" b="0" i="0" u="none" strike="noStrike" cap="none" spc="0" dirty="0">
                 <a:solidFill>
                   <a:srgbClr val="000000"/>
                 </a:solidFill>
                 <a:latin typeface="Times New Roman"/>
                 <a:cs typeface="Times New Roman"/>
               </a:rPr>
-              <a:t> є </a:t>
-            </a:r>
-            <a:r>
-              <a:rPr lang="ru-RU" sz="1800" b="0" i="0" u="none" strike="noStrike" cap="none" spc="0">
+              <a:t> (SAD) - </a:t>
+            </a:r>
+            <a:r>
+              <a:rPr lang="ru-RU" sz="1800" b="0" i="0" u="none" strike="noStrike" cap="none" spc="0" dirty="0" err="1">
                 <a:solidFill>
                   <a:srgbClr val="000000"/>
                 </a:solidFill>
                 <a:latin typeface="Times New Roman"/>
                 <a:cs typeface="Times New Roman"/>
               </a:rPr>
-              <a:t>розробка</a:t>
-            </a:r>
-            <a:r>
-              <a:rPr lang="ru-RU" sz="1800" b="0" i="0" u="none" strike="noStrike" cap="none" spc="0">
+              <a:t>надати</a:t>
+            </a:r>
+            <a:r>
+              <a:rPr lang="ru-RU" sz="1800" b="0" i="0" u="none" strike="noStrike" cap="none" spc="0" dirty="0">
                 <a:solidFill>
                   <a:srgbClr val="000000"/>
                 </a:solidFill>
@@ -8637,97 +5431,377 @@
               <a:t> </a:t>
             </a:r>
             <a:r>
-              <a:rPr lang="ru-RU" sz="1800" b="0" i="0" u="none" strike="noStrike" cap="none" spc="0">
+              <a:rPr lang="ru-RU" sz="1800" b="0" i="0" u="none" strike="noStrike" cap="none" spc="0" dirty="0" err="1">
                 <a:solidFill>
                   <a:srgbClr val="000000"/>
                 </a:solidFill>
                 <a:latin typeface="Times New Roman"/>
                 <a:cs typeface="Times New Roman"/>
               </a:rPr>
-              <a:t>масштабованої</a:t>
-            </a:r>
-            <a:r>
-              <a:rPr lang="ru-RU" sz="1800" b="0" i="0" u="none" strike="noStrike" cap="none" spc="0">
+              <a:t>комплексне</a:t>
+            </a:r>
+            <a:r>
+              <a:rPr lang="ru-RU" sz="1800" b="0" i="0" u="none" strike="noStrike" cap="none" spc="0" dirty="0">
                 <a:solidFill>
                   <a:srgbClr val="000000"/>
                 </a:solidFill>
                 <a:latin typeface="Times New Roman"/>
                 <a:cs typeface="Times New Roman"/>
               </a:rPr>
+              <a:t>, </a:t>
+            </a:r>
+            <a:r>
+              <a:rPr lang="ru-RU" sz="1800" b="0" i="0" u="none" strike="noStrike" cap="none" spc="0" dirty="0" err="1">
+                <a:solidFill>
+                  <a:srgbClr val="000000"/>
+                </a:solidFill>
+                <a:latin typeface="Times New Roman"/>
+                <a:cs typeface="Times New Roman"/>
+              </a:rPr>
+              <a:t>структуроване</a:t>
+            </a:r>
+            <a:r>
+              <a:rPr lang="ru-RU" sz="1800" b="0" i="0" u="none" strike="noStrike" cap="none" spc="0" dirty="0">
+                <a:solidFill>
+                  <a:srgbClr val="000000"/>
+                </a:solidFill>
+                <a:latin typeface="Times New Roman"/>
+                <a:cs typeface="Times New Roman"/>
+              </a:rPr>
+              <a:t> </a:t>
+            </a:r>
+            <a:r>
+              <a:rPr lang="ru-RU" sz="1800" b="0" i="0" u="none" strike="noStrike" cap="none" spc="0" dirty="0" err="1">
+                <a:solidFill>
+                  <a:srgbClr val="000000"/>
+                </a:solidFill>
+                <a:latin typeface="Times New Roman"/>
+                <a:cs typeface="Times New Roman"/>
+              </a:rPr>
+              <a:t>уявлення</a:t>
+            </a:r>
+            <a:r>
+              <a:rPr lang="ru-RU" sz="1800" b="0" i="0" u="none" strike="noStrike" cap="none" spc="0" dirty="0">
+                <a:solidFill>
+                  <a:srgbClr val="000000"/>
+                </a:solidFill>
+                <a:latin typeface="Times New Roman"/>
+                <a:cs typeface="Times New Roman"/>
+              </a:rPr>
+              <a:t> про веб-</a:t>
+            </a:r>
+            <a:r>
+              <a:rPr lang="ru-RU" sz="1800" b="0" i="0" u="none" strike="noStrike" cap="none" spc="0" dirty="0" err="1">
+                <a:solidFill>
+                  <a:srgbClr val="000000"/>
+                </a:solidFill>
+                <a:latin typeface="Times New Roman"/>
+                <a:cs typeface="Times New Roman"/>
+              </a:rPr>
+              <a:t>гаманець</a:t>
+            </a:r>
+            <a:r>
+              <a:rPr lang="ru-RU" sz="1800" b="0" i="0" u="none" strike="noStrike" cap="none" spc="0" dirty="0">
+                <a:solidFill>
+                  <a:srgbClr val="000000"/>
+                </a:solidFill>
+                <a:latin typeface="Times New Roman"/>
+                <a:cs typeface="Times New Roman"/>
+              </a:rPr>
+              <a:t> на </a:t>
+            </a:r>
+            <a:r>
+              <a:rPr lang="ru-RU" sz="1800" b="0" i="0" u="none" strike="noStrike" cap="none" spc="0" dirty="0" err="1">
+                <a:solidFill>
+                  <a:srgbClr val="000000"/>
+                </a:solidFill>
+                <a:latin typeface="Times New Roman"/>
+                <a:cs typeface="Times New Roman"/>
+              </a:rPr>
+              <a:t>основі</a:t>
+            </a:r>
+            <a:r>
+              <a:rPr lang="ru-RU" sz="1800" b="0" i="0" u="none" strike="noStrike" cap="none" spc="0" dirty="0">
+                <a:solidFill>
+                  <a:srgbClr val="000000"/>
+                </a:solidFill>
+                <a:latin typeface="Times New Roman"/>
+                <a:cs typeface="Times New Roman"/>
+              </a:rPr>
+              <a:t> блокчейну. </a:t>
+            </a:r>
+            <a:r>
+              <a:rPr lang="ru-RU" sz="1800" b="0" i="0" u="none" strike="noStrike" cap="none" spc="0" dirty="0" err="1">
+                <a:solidFill>
+                  <a:srgbClr val="000000"/>
+                </a:solidFill>
+                <a:latin typeface="Times New Roman"/>
+                <a:cs typeface="Times New Roman"/>
+              </a:rPr>
+              <a:t>Він</a:t>
+            </a:r>
+            <a:r>
+              <a:rPr lang="ru-RU" sz="1800" b="0" i="0" u="none" strike="noStrike" cap="none" spc="0" dirty="0">
+                <a:solidFill>
+                  <a:srgbClr val="000000"/>
+                </a:solidFill>
+                <a:latin typeface="Times New Roman"/>
+                <a:cs typeface="Times New Roman"/>
+              </a:rPr>
+              <a:t> </a:t>
+            </a:r>
+            <a:r>
+              <a:rPr lang="ru-RU" sz="1800" b="0" i="0" u="none" strike="noStrike" cap="none" spc="0" dirty="0" err="1">
+                <a:solidFill>
+                  <a:srgbClr val="000000"/>
+                </a:solidFill>
+                <a:latin typeface="Times New Roman"/>
+                <a:cs typeface="Times New Roman"/>
+              </a:rPr>
+              <a:t>покликаний</a:t>
+            </a:r>
+            <a:r>
+              <a:rPr lang="ru-RU" sz="1800" b="0" i="0" u="none" strike="noStrike" cap="none" spc="0" dirty="0">
+                <a:solidFill>
+                  <a:srgbClr val="000000"/>
+                </a:solidFill>
+                <a:latin typeface="Times New Roman"/>
+                <a:cs typeface="Times New Roman"/>
+              </a:rPr>
+              <a:t> </a:t>
+            </a:r>
+            <a:r>
+              <a:rPr lang="ru-RU" sz="1800" b="0" i="0" u="none" strike="noStrike" cap="none" spc="0" dirty="0" err="1">
+                <a:solidFill>
+                  <a:srgbClr val="000000"/>
+                </a:solidFill>
+                <a:latin typeface="Times New Roman"/>
+                <a:cs typeface="Times New Roman"/>
+              </a:rPr>
+              <a:t>виконувати</a:t>
+            </a:r>
+            <a:r>
+              <a:rPr lang="ru-RU" sz="1800" b="0" i="0" u="none" strike="noStrike" cap="none" spc="0" dirty="0">
+                <a:solidFill>
+                  <a:srgbClr val="000000"/>
+                </a:solidFill>
+                <a:latin typeface="Times New Roman"/>
+                <a:cs typeface="Times New Roman"/>
+              </a:rPr>
+              <a:t> роль </a:t>
+            </a:r>
+            <a:r>
+              <a:rPr lang="ru-RU" sz="1800" b="0" i="0" u="none" strike="noStrike" cap="none" spc="0" dirty="0" err="1">
+                <a:solidFill>
+                  <a:srgbClr val="000000"/>
+                </a:solidFill>
+                <a:latin typeface="Times New Roman"/>
+                <a:cs typeface="Times New Roman"/>
+              </a:rPr>
+              <a:t>дорожньої</a:t>
+            </a:r>
+            <a:r>
+              <a:rPr lang="ru-RU" sz="1800" b="0" i="0" u="none" strike="noStrike" cap="none" spc="0" dirty="0">
+                <a:solidFill>
+                  <a:srgbClr val="000000"/>
+                </a:solidFill>
+                <a:latin typeface="Times New Roman"/>
+                <a:cs typeface="Times New Roman"/>
+              </a:rPr>
+              <a:t> </a:t>
+            </a:r>
+            <a:r>
+              <a:rPr lang="ru-RU" sz="1800" b="0" i="0" u="none" strike="noStrike" cap="none" spc="0" dirty="0" err="1">
+                <a:solidFill>
+                  <a:srgbClr val="000000"/>
+                </a:solidFill>
+                <a:latin typeface="Times New Roman"/>
+                <a:cs typeface="Times New Roman"/>
+              </a:rPr>
+              <a:t>карти</a:t>
+            </a:r>
+            <a:r>
+              <a:rPr lang="ru-RU" sz="1800" b="0" i="0" u="none" strike="noStrike" cap="none" spc="0" dirty="0">
+                <a:solidFill>
+                  <a:srgbClr val="000000"/>
+                </a:solidFill>
+                <a:latin typeface="Times New Roman"/>
+                <a:cs typeface="Times New Roman"/>
+              </a:rPr>
+              <a:t>, </a:t>
+            </a:r>
+            <a:r>
+              <a:rPr lang="ru-RU" sz="1800" b="0" i="0" u="none" strike="noStrike" cap="none" spc="0" dirty="0" err="1">
+                <a:solidFill>
+                  <a:srgbClr val="000000"/>
+                </a:solidFill>
+                <a:latin typeface="Times New Roman"/>
+                <a:cs typeface="Times New Roman"/>
+              </a:rPr>
+              <a:t>керуючи</a:t>
+            </a:r>
+            <a:r>
+              <a:rPr lang="ru-RU" sz="1800" b="0" i="0" u="none" strike="noStrike" cap="none" spc="0" dirty="0">
+                <a:solidFill>
+                  <a:srgbClr val="000000"/>
+                </a:solidFill>
+                <a:latin typeface="Times New Roman"/>
+                <a:cs typeface="Times New Roman"/>
+              </a:rPr>
+              <a:t> </a:t>
+            </a:r>
+            <a:r>
+              <a:rPr lang="ru-RU" sz="1800" b="0" i="0" u="none" strike="noStrike" cap="none" spc="0" dirty="0" err="1">
+                <a:solidFill>
+                  <a:srgbClr val="000000"/>
+                </a:solidFill>
+                <a:latin typeface="Times New Roman"/>
+                <a:cs typeface="Times New Roman"/>
+              </a:rPr>
+              <a:t>процесом</a:t>
+            </a:r>
+            <a:r>
+              <a:rPr lang="ru-RU" sz="1800" b="0" i="0" u="none" strike="noStrike" cap="none" spc="0" dirty="0">
+                <a:solidFill>
+                  <a:srgbClr val="000000"/>
+                </a:solidFill>
+                <a:latin typeface="Times New Roman"/>
+                <a:cs typeface="Times New Roman"/>
+              </a:rPr>
+              <a:t> </a:t>
+            </a:r>
+            <a:r>
+              <a:rPr lang="ru-RU" sz="1800" b="0" i="0" u="none" strike="noStrike" cap="none" spc="0" dirty="0" err="1">
+                <a:solidFill>
+                  <a:srgbClr val="000000"/>
+                </a:solidFill>
+                <a:latin typeface="Times New Roman"/>
+                <a:cs typeface="Times New Roman"/>
+              </a:rPr>
+              <a:t>розробки</a:t>
+            </a:r>
+            <a:r>
+              <a:rPr lang="ru-RU" sz="1800" b="0" i="0" u="none" strike="noStrike" cap="none" spc="0" dirty="0">
+                <a:solidFill>
+                  <a:srgbClr val="000000"/>
+                </a:solidFill>
+                <a:latin typeface="Times New Roman"/>
+                <a:cs typeface="Times New Roman"/>
+              </a:rPr>
               <a:t> та </a:t>
             </a:r>
             <a:r>
-              <a:rPr lang="ru-RU" sz="1800" b="0" i="0" u="none" strike="noStrike" cap="none" spc="0">
+              <a:rPr lang="ru-RU" sz="1800" b="0" i="0" u="none" strike="noStrike" cap="none" spc="0" dirty="0" err="1">
                 <a:solidFill>
                   <a:srgbClr val="000000"/>
                 </a:solidFill>
                 <a:latin typeface="Times New Roman"/>
                 <a:cs typeface="Times New Roman"/>
               </a:rPr>
-              <a:t>ефективної</a:t>
-            </a:r>
-            <a:r>
-              <a:rPr lang="ru-RU" sz="1800" b="0" i="0" u="none" strike="noStrike" cap="none" spc="0">
+              <a:t>слугуючи</a:t>
+            </a:r>
+            <a:r>
+              <a:rPr lang="ru-RU" sz="1800" b="0" i="0" u="none" strike="noStrike" cap="none" spc="0" dirty="0">
                 <a:solidFill>
                   <a:srgbClr val="000000"/>
                 </a:solidFill>
                 <a:latin typeface="Times New Roman"/>
                 <a:cs typeface="Times New Roman"/>
               </a:rPr>
-              <a:t> блокчейн-</a:t>
-            </a:r>
-            <a:r>
-              <a:rPr lang="ru-RU" sz="1800" b="0" i="0" u="none" strike="noStrike" cap="none" spc="0">
+              <a:t> </a:t>
+            </a:r>
+            <a:r>
+              <a:rPr lang="ru-RU" sz="1800" b="0" i="0" u="none" strike="noStrike" cap="none" spc="0" dirty="0" err="1">
                 <a:solidFill>
                   <a:srgbClr val="000000"/>
                 </a:solidFill>
                 <a:latin typeface="Times New Roman"/>
                 <a:cs typeface="Times New Roman"/>
               </a:rPr>
+              <a:t>орієнтиром</a:t>
+            </a:r>
+            <a:r>
+              <a:rPr lang="ru-RU" sz="1800" b="0" i="0" u="none" strike="noStrike" cap="none" spc="0" dirty="0">
+                <a:solidFill>
+                  <a:srgbClr val="000000"/>
+                </a:solidFill>
+                <a:latin typeface="Times New Roman"/>
+                <a:cs typeface="Times New Roman"/>
+              </a:rPr>
+              <a:t> для дизайну та </a:t>
+            </a:r>
+            <a:r>
+              <a:rPr lang="ru-RU" sz="1800" b="0" i="0" u="none" strike="noStrike" cap="none" spc="0" dirty="0" err="1">
+                <a:solidFill>
+                  <a:srgbClr val="000000"/>
+                </a:solidFill>
+                <a:latin typeface="Times New Roman"/>
+                <a:cs typeface="Times New Roman"/>
+              </a:rPr>
+              <a:t>функціональності</a:t>
+            </a:r>
+            <a:r>
+              <a:rPr lang="ru-RU" sz="1800" b="0" i="0" u="none" strike="noStrike" cap="none" spc="0" dirty="0">
+                <a:solidFill>
+                  <a:srgbClr val="000000"/>
+                </a:solidFill>
+                <a:latin typeface="Times New Roman"/>
+                <a:cs typeface="Times New Roman"/>
+              </a:rPr>
+              <a:t> </a:t>
+            </a:r>
+            <a:r>
+              <a:rPr lang="ru-RU" sz="1800" b="0" i="0" u="none" strike="noStrike" cap="none" spc="0" dirty="0" err="1">
+                <a:solidFill>
+                  <a:srgbClr val="000000"/>
+                </a:solidFill>
+                <a:latin typeface="Times New Roman"/>
+                <a:cs typeface="Times New Roman"/>
+              </a:rPr>
               <a:t>системи</a:t>
             </a:r>
             <a:r>
-              <a:rPr lang="ru-RU" sz="1800" b="0" i="0" u="none" strike="noStrike" cap="none" spc="0">
+              <a:rPr lang="ru-RU" sz="1800" b="0" i="0" u="none" strike="noStrike" cap="none" spc="0" dirty="0">
                 <a:solidFill>
                   <a:srgbClr val="000000"/>
                 </a:solidFill>
                 <a:latin typeface="Times New Roman"/>
                 <a:cs typeface="Times New Roman"/>
               </a:rPr>
-              <a:t>, яка </a:t>
-            </a:r>
-            <a:r>
-              <a:rPr lang="ru-RU" sz="1800" b="0" i="0" u="none" strike="noStrike" cap="none" spc="0">
+              <a:t>, </a:t>
+            </a:r>
+            <a:r>
+              <a:rPr lang="ru-RU" sz="1800" b="0" i="0" u="none" strike="noStrike" cap="none" spc="0" dirty="0" err="1">
                 <a:solidFill>
                   <a:srgbClr val="000000"/>
                 </a:solidFill>
                 <a:latin typeface="Times New Roman"/>
                 <a:cs typeface="Times New Roman"/>
               </a:rPr>
-              <a:t>має</a:t>
-            </a:r>
-            <a:r>
-              <a:rPr lang="ru-RU" sz="1800" b="0" i="0" u="none" strike="noStrike" cap="none" spc="0">
+              <a:t>що</a:t>
+            </a:r>
+            <a:r>
+              <a:rPr lang="ru-RU" sz="1800" b="0" i="0" u="none" strike="noStrike" cap="none" spc="0" dirty="0">
                 <a:solidFill>
                   <a:srgbClr val="000000"/>
                 </a:solidFill>
                 <a:latin typeface="Times New Roman"/>
                 <a:cs typeface="Times New Roman"/>
               </a:rPr>
-              <a:t> на </a:t>
-            </a:r>
-            <a:r>
-              <a:rPr lang="ru-RU" sz="1800" b="0" i="0" u="none" strike="noStrike" cap="none" spc="0">
+              <a:t> в </a:t>
+            </a:r>
+            <a:r>
+              <a:rPr lang="ru-RU" sz="1800" b="0" i="0" u="none" strike="noStrike" cap="none" spc="0" dirty="0" err="1">
                 <a:solidFill>
                   <a:srgbClr val="000000"/>
                 </a:solidFill>
                 <a:latin typeface="Times New Roman"/>
                 <a:cs typeface="Times New Roman"/>
               </a:rPr>
-              <a:t>меті</a:t>
-            </a:r>
-            <a:r>
-              <a:rPr lang="ru-RU" sz="1800" b="0" i="0" u="none" strike="noStrike" cap="none" spc="0">
+              <a:t>кінцевому</a:t>
+            </a:r>
+            <a:r>
+              <a:rPr lang="ru-RU" sz="1800" b="0" i="0" u="none" strike="noStrike" cap="none" spc="0" dirty="0">
                 <a:solidFill>
                   <a:srgbClr val="000000"/>
                 </a:solidFill>
@@ -8737,17 +5811,17 @@
               <a:t> </a:t>
             </a:r>
             <a:r>
-              <a:rPr lang="ru-RU" sz="1800" b="0" i="0" u="none" strike="noStrike" cap="none" spc="0">
+              <a:rPr lang="ru-RU" sz="1800" b="0" i="0" u="none" strike="noStrike" cap="none" spc="0" dirty="0" err="1">
                 <a:solidFill>
                   <a:srgbClr val="000000"/>
                 </a:solidFill>
                 <a:latin typeface="Times New Roman"/>
                 <a:cs typeface="Times New Roman"/>
               </a:rPr>
-              <a:t>зменшити</a:t>
-            </a:r>
-            <a:r>
-              <a:rPr lang="ru-RU" sz="1800" b="0" i="0" u="none" strike="noStrike" cap="none" spc="0">
+              <a:t>підсумку</a:t>
+            </a:r>
+            <a:r>
+              <a:rPr lang="ru-RU" sz="1800" b="0" i="0" u="none" strike="noStrike" cap="none" spc="0" dirty="0">
                 <a:solidFill>
                   <a:srgbClr val="000000"/>
                 </a:solidFill>
@@ -8757,17 +5831,17 @@
               <a:t> </a:t>
             </a:r>
             <a:r>
-              <a:rPr lang="ru-RU" sz="1800" b="0" i="0" u="none" strike="noStrike" cap="none" spc="0">
+              <a:rPr lang="ru-RU" sz="1800" b="0" i="0" u="none" strike="noStrike" cap="none" spc="0" dirty="0" err="1">
                 <a:solidFill>
                   <a:srgbClr val="000000"/>
                 </a:solidFill>
                 <a:latin typeface="Times New Roman"/>
                 <a:cs typeface="Times New Roman"/>
               </a:rPr>
-              <a:t>затримку</a:t>
-            </a:r>
-            <a:r>
-              <a:rPr lang="ru-RU" sz="1800" b="0" i="0" u="none" strike="noStrike" cap="none" spc="0">
+              <a:t>забезпечить</a:t>
+            </a:r>
+            <a:r>
+              <a:rPr lang="ru-RU" sz="1800" b="0" i="0" u="none" strike="noStrike" cap="none" spc="0" dirty="0">
                 <a:solidFill>
                   <a:srgbClr val="000000"/>
                 </a:solidFill>
@@ -8777,506 +5851,86 @@
               <a:t> </a:t>
             </a:r>
             <a:r>
-              <a:rPr lang="ru-RU" sz="1800" b="0" i="0" u="none" strike="noStrike" cap="none" spc="0">
+              <a:rPr lang="ru-RU" sz="1800" b="0" i="0" u="none" strike="noStrike" cap="none" spc="0" dirty="0" err="1">
                 <a:solidFill>
                   <a:srgbClr val="000000"/>
                 </a:solidFill>
                 <a:latin typeface="Times New Roman"/>
                 <a:cs typeface="Times New Roman"/>
               </a:rPr>
-              <a:t>транзакцій</a:t>
-            </a:r>
-            <a:r>
-              <a:rPr lang="ru-RU" sz="1800" b="0" i="0" u="none" strike="noStrike" cap="none" spc="0">
+              <a:t>безпечний</a:t>
+            </a:r>
+            <a:r>
+              <a:rPr lang="ru-RU" sz="1800" b="0" i="0" u="none" strike="noStrike" cap="none" spc="0" dirty="0">
                 <a:solidFill>
                   <a:srgbClr val="000000"/>
                 </a:solidFill>
                 <a:latin typeface="Times New Roman"/>
                 <a:cs typeface="Times New Roman"/>
               </a:rPr>
-              <a:t>, </a:t>
-            </a:r>
-            <a:r>
-              <a:rPr lang="ru-RU" sz="1800" b="0" i="0" u="none" strike="noStrike" cap="none" spc="0">
+              <a:t> та </a:t>
+            </a:r>
+            <a:r>
+              <a:rPr lang="ru-RU" sz="1800" b="0" i="0" u="none" strike="noStrike" cap="none" spc="0" dirty="0" err="1">
                 <a:solidFill>
                   <a:srgbClr val="000000"/>
                 </a:solidFill>
                 <a:latin typeface="Times New Roman"/>
                 <a:cs typeface="Times New Roman"/>
               </a:rPr>
-              <a:t>мінімізувати</a:t>
-            </a:r>
-            <a:r>
-              <a:rPr lang="ru-RU" sz="1800" b="0" i="0" u="none" strike="noStrike" cap="none" spc="0">
+              <a:t>зручний</a:t>
+            </a:r>
+            <a:r>
+              <a:rPr lang="ru-RU" sz="1800" b="0" i="0" u="none" strike="noStrike" cap="none" spc="0" dirty="0">
                 <a:solidFill>
                   <a:srgbClr val="000000"/>
                 </a:solidFill>
                 <a:latin typeface="Times New Roman"/>
                 <a:cs typeface="Times New Roman"/>
               </a:rPr>
+              <a:t> для </a:t>
+            </a:r>
+            <a:r>
+              <a:rPr lang="ru-RU" sz="1800" b="0" i="0" u="none" strike="noStrike" cap="none" spc="0" dirty="0" err="1">
+                <a:solidFill>
+                  <a:srgbClr val="000000"/>
+                </a:solidFill>
+                <a:latin typeface="Times New Roman"/>
+                <a:cs typeface="Times New Roman"/>
+              </a:rPr>
+              <a:t>користувача</a:t>
+            </a:r>
+            <a:r>
+              <a:rPr lang="ru-RU" sz="1800" b="0" i="0" u="none" strike="noStrike" cap="none" spc="0" dirty="0">
+                <a:solidFill>
+                  <a:srgbClr val="000000"/>
+                </a:solidFill>
+                <a:latin typeface="Times New Roman"/>
+                <a:cs typeface="Times New Roman"/>
+              </a:rPr>
               <a:t> </a:t>
             </a:r>
             <a:r>
-              <a:rPr lang="ru-RU" sz="1800" b="0" i="0" u="none" strike="noStrike" cap="none" spc="0">
+              <a:rPr lang="ru-RU" sz="1800" b="0" i="0" u="none" strike="noStrike" cap="none" spc="0" dirty="0" err="1">
                 <a:solidFill>
                   <a:srgbClr val="000000"/>
                 </a:solidFill>
                 <a:latin typeface="Times New Roman"/>
                 <a:cs typeface="Times New Roman"/>
               </a:rPr>
-              <a:t>споживання</a:t>
-            </a:r>
-            <a:r>
-              <a:rPr lang="ru-RU" sz="1800" b="0" i="0" u="none" strike="noStrike" cap="none" spc="0">
+              <a:t>додаток</a:t>
+            </a:r>
+            <a:r>
+              <a:rPr lang="ru-RU" sz="1800" b="0" i="0" u="none" strike="noStrike" cap="none" spc="0" dirty="0">
                 <a:solidFill>
                   <a:srgbClr val="000000"/>
                 </a:solidFill>
                 <a:latin typeface="Times New Roman"/>
                 <a:cs typeface="Times New Roman"/>
               </a:rPr>
-              <a:t> </a:t>
-            </a:r>
-            <a:r>
-              <a:rPr lang="ru-RU" sz="1800" b="0" i="0" u="none" strike="noStrike" cap="none" spc="0">
-                <a:solidFill>
-                  <a:srgbClr val="000000"/>
-                </a:solidFill>
-                <a:latin typeface="Times New Roman"/>
-                <a:cs typeface="Times New Roman"/>
-              </a:rPr>
-              <a:t>енергії</a:t>
-            </a:r>
-            <a:r>
-              <a:rPr lang="ru-RU" sz="1800" b="0" i="0" u="none" strike="noStrike" cap="none" spc="0">
-                <a:solidFill>
-                  <a:srgbClr val="000000"/>
-                </a:solidFill>
-                <a:latin typeface="Times New Roman"/>
-                <a:cs typeface="Times New Roman"/>
-              </a:rPr>
-              <a:t>, </a:t>
-            </a:r>
-            <a:r>
-              <a:rPr lang="ru-RU" sz="1800" b="0" i="0" u="none" strike="noStrike" cap="none" spc="0">
-                <a:solidFill>
-                  <a:srgbClr val="000000"/>
-                </a:solidFill>
-                <a:latin typeface="Times New Roman"/>
-                <a:cs typeface="Times New Roman"/>
-              </a:rPr>
-              <a:t>зменшити</a:t>
-            </a:r>
-            <a:r>
-              <a:rPr lang="ru-RU" sz="1800" b="0" i="0" u="none" strike="noStrike" cap="none" spc="0">
-                <a:solidFill>
-                  <a:srgbClr val="000000"/>
-                </a:solidFill>
-                <a:latin typeface="Times New Roman"/>
-                <a:cs typeface="Times New Roman"/>
-              </a:rPr>
-              <a:t> </a:t>
-            </a:r>
-            <a:r>
-              <a:rPr lang="ru-RU" sz="1800" b="0" i="0" u="none" strike="noStrike" cap="none" spc="0">
-                <a:solidFill>
-                  <a:srgbClr val="000000"/>
-                </a:solidFill>
-                <a:latin typeface="Times New Roman"/>
-                <a:cs typeface="Times New Roman"/>
-              </a:rPr>
-              <a:t>ризики</a:t>
-            </a:r>
-            <a:r>
-              <a:rPr lang="ru-RU" sz="1800" b="0" i="0" u="none" strike="noStrike" cap="none" spc="0">
-                <a:solidFill>
-                  <a:srgbClr val="000000"/>
-                </a:solidFill>
-                <a:latin typeface="Times New Roman"/>
-                <a:cs typeface="Times New Roman"/>
-              </a:rPr>
-              <a:t> </a:t>
-            </a:r>
-            <a:r>
-              <a:rPr lang="ru-RU" sz="1800" b="0" i="0" u="none" strike="noStrike" cap="none" spc="0">
-                <a:solidFill>
-                  <a:srgbClr val="000000"/>
-                </a:solidFill>
-                <a:latin typeface="Times New Roman"/>
-                <a:cs typeface="Times New Roman"/>
-              </a:rPr>
-              <a:t>централізації</a:t>
-            </a:r>
-            <a:r>
-              <a:rPr lang="ru-RU" sz="1800" b="0" i="0" u="none" strike="noStrike" cap="none" spc="0">
-                <a:solidFill>
-                  <a:srgbClr val="000000"/>
-                </a:solidFill>
-                <a:latin typeface="Times New Roman"/>
-                <a:cs typeface="Times New Roman"/>
-              </a:rPr>
-              <a:t> та </a:t>
-            </a:r>
-            <a:r>
-              <a:rPr lang="ru-RU" sz="1800" b="0" i="0" u="none" strike="noStrike" cap="none" spc="0">
-                <a:solidFill>
-                  <a:srgbClr val="000000"/>
-                </a:solidFill>
-                <a:latin typeface="Times New Roman"/>
-                <a:cs typeface="Times New Roman"/>
-              </a:rPr>
-              <a:t>знизити</a:t>
-            </a:r>
-            <a:r>
-              <a:rPr lang="ru-RU" sz="1800" b="0" i="0" u="none" strike="noStrike" cap="none" spc="0">
-                <a:solidFill>
-                  <a:srgbClr val="000000"/>
-                </a:solidFill>
-                <a:latin typeface="Times New Roman"/>
-                <a:cs typeface="Times New Roman"/>
-              </a:rPr>
-              <a:t> </a:t>
-            </a:r>
-            <a:r>
-              <a:rPr lang="ru-RU" sz="1800" b="0" i="0" u="none" strike="noStrike" cap="none" spc="0">
-                <a:solidFill>
-                  <a:srgbClr val="000000"/>
-                </a:solidFill>
-                <a:latin typeface="Times New Roman"/>
-                <a:cs typeface="Times New Roman"/>
-              </a:rPr>
-              <a:t>високі</a:t>
-            </a:r>
-            <a:r>
-              <a:rPr lang="ru-RU" sz="1800" b="0" i="0" u="none" strike="noStrike" cap="none" spc="0">
-                <a:solidFill>
-                  <a:srgbClr val="000000"/>
-                </a:solidFill>
-                <a:latin typeface="Times New Roman"/>
-                <a:cs typeface="Times New Roman"/>
-              </a:rPr>
-              <a:t> </a:t>
-            </a:r>
-            <a:r>
-              <a:rPr lang="ru-RU" sz="1800" b="0" i="0" u="none" strike="noStrike" cap="none" spc="0">
-                <a:solidFill>
-                  <a:srgbClr val="000000"/>
-                </a:solidFill>
-                <a:latin typeface="Times New Roman"/>
-                <a:cs typeface="Times New Roman"/>
-              </a:rPr>
-              <a:t>комісії</a:t>
-            </a:r>
-            <a:r>
-              <a:rPr lang="ru-RU" sz="1800" b="0" i="0" u="none" strike="noStrike" cap="none" spc="0">
-                <a:solidFill>
-                  <a:srgbClr val="000000"/>
-                </a:solidFill>
-                <a:latin typeface="Times New Roman"/>
-                <a:cs typeface="Times New Roman"/>
-              </a:rPr>
-              <a:t> за </a:t>
-            </a:r>
-            <a:r>
-              <a:rPr lang="ru-RU" sz="1800" b="0" i="0" u="none" strike="noStrike" cap="none" spc="0">
-                <a:solidFill>
-                  <a:srgbClr val="000000"/>
-                </a:solidFill>
-                <a:latin typeface="Times New Roman"/>
-                <a:cs typeface="Times New Roman"/>
-              </a:rPr>
-              <a:t>транзакції</a:t>
-            </a:r>
-            <a:r>
-              <a:rPr lang="ru-RU" sz="1800" b="0" i="0" u="none" strike="noStrike" cap="none" spc="0">
-                <a:solidFill>
-                  <a:srgbClr val="000000"/>
-                </a:solidFill>
-                <a:latin typeface="Times New Roman"/>
-                <a:cs typeface="Times New Roman"/>
-              </a:rPr>
-              <a:t>. </a:t>
-            </a:r>
-            <a:r>
-              <a:rPr lang="ru-RU" sz="1800" b="0" i="0" u="none" strike="noStrike" cap="none" spc="0">
-                <a:solidFill>
-                  <a:srgbClr val="000000"/>
-                </a:solidFill>
-                <a:latin typeface="Times New Roman"/>
-                <a:cs typeface="Times New Roman"/>
-              </a:rPr>
-              <a:t>Значна</a:t>
-            </a:r>
-            <a:r>
-              <a:rPr lang="ru-RU" sz="1800" b="0" i="0" u="none" strike="noStrike" cap="none" spc="0">
-                <a:solidFill>
-                  <a:srgbClr val="000000"/>
-                </a:solidFill>
-                <a:latin typeface="Times New Roman"/>
-                <a:cs typeface="Times New Roman"/>
-              </a:rPr>
-              <a:t> </a:t>
-            </a:r>
-            <a:r>
-              <a:rPr lang="ru-RU" sz="1800" b="0" i="0" u="none" strike="noStrike" cap="none" spc="0">
-                <a:solidFill>
-                  <a:srgbClr val="000000"/>
-                </a:solidFill>
-                <a:latin typeface="Times New Roman"/>
-                <a:cs typeface="Times New Roman"/>
-              </a:rPr>
-              <a:t>увага</a:t>
-            </a:r>
-            <a:r>
-              <a:rPr lang="ru-RU" sz="1800" b="0" i="0" u="none" strike="noStrike" cap="none" spc="0">
-                <a:solidFill>
-                  <a:srgbClr val="000000"/>
-                </a:solidFill>
-                <a:latin typeface="Times New Roman"/>
-                <a:cs typeface="Times New Roman"/>
-              </a:rPr>
-              <a:t> </a:t>
-            </a:r>
-            <a:r>
-              <a:rPr lang="ru-RU" sz="1800" b="0" i="0" u="none" strike="noStrike" cap="none" spc="0">
-                <a:solidFill>
-                  <a:srgbClr val="000000"/>
-                </a:solidFill>
-                <a:latin typeface="Times New Roman"/>
-                <a:cs typeface="Times New Roman"/>
-              </a:rPr>
-              <a:t>приділяється</a:t>
-            </a:r>
-            <a:r>
-              <a:rPr lang="ru-RU" sz="1800" b="0" i="0" u="none" strike="noStrike" cap="none" spc="0">
-                <a:solidFill>
-                  <a:srgbClr val="000000"/>
-                </a:solidFill>
-                <a:latin typeface="Times New Roman"/>
-                <a:cs typeface="Times New Roman"/>
-              </a:rPr>
-              <a:t> </a:t>
-            </a:r>
-            <a:r>
-              <a:rPr lang="ru-RU" sz="1800" b="0" i="0" u="none" strike="noStrike" cap="none" spc="0">
-                <a:solidFill>
-                  <a:srgbClr val="000000"/>
-                </a:solidFill>
-                <a:latin typeface="Times New Roman"/>
-                <a:cs typeface="Times New Roman"/>
-              </a:rPr>
-              <a:t>створенню</a:t>
-            </a:r>
-            <a:r>
-              <a:rPr lang="ru-RU" sz="1800" b="0" i="0" u="none" strike="noStrike" cap="none" spc="0">
-                <a:solidFill>
-                  <a:srgbClr val="000000"/>
-                </a:solidFill>
-                <a:latin typeface="Times New Roman"/>
-                <a:cs typeface="Times New Roman"/>
-              </a:rPr>
-              <a:t> </a:t>
-            </a:r>
-            <a:r>
-              <a:rPr lang="ru-RU" sz="1800" b="0" i="0" u="none" strike="noStrike" cap="none" spc="0">
-                <a:solidFill>
-                  <a:srgbClr val="000000"/>
-                </a:solidFill>
-                <a:latin typeface="Times New Roman"/>
-                <a:cs typeface="Times New Roman"/>
-              </a:rPr>
-              <a:t>екологічно</a:t>
-            </a:r>
-            <a:r>
-              <a:rPr lang="ru-RU" sz="1800" b="0" i="0" u="none" strike="noStrike" cap="none" spc="0">
-                <a:solidFill>
-                  <a:srgbClr val="000000"/>
-                </a:solidFill>
-                <a:latin typeface="Times New Roman"/>
-                <a:cs typeface="Times New Roman"/>
-              </a:rPr>
-              <a:t> </a:t>
-            </a:r>
-            <a:r>
-              <a:rPr lang="ru-RU" sz="1800" b="0" i="0" u="none" strike="noStrike" cap="none" spc="0">
-                <a:solidFill>
-                  <a:srgbClr val="000000"/>
-                </a:solidFill>
-                <a:latin typeface="Times New Roman"/>
-                <a:cs typeface="Times New Roman"/>
-              </a:rPr>
-              <a:t>чистої</a:t>
-            </a:r>
-            <a:r>
-              <a:rPr lang="ru-RU" sz="1800" b="0" i="0" u="none" strike="noStrike" cap="none" spc="0">
-                <a:solidFill>
-                  <a:srgbClr val="000000"/>
-                </a:solidFill>
-                <a:latin typeface="Times New Roman"/>
-                <a:cs typeface="Times New Roman"/>
-              </a:rPr>
-              <a:t> та </a:t>
-            </a:r>
-            <a:r>
-              <a:rPr lang="ru-RU" sz="1800" b="0" i="0" u="none" strike="noStrike" cap="none" spc="0">
-                <a:solidFill>
-                  <a:srgbClr val="000000"/>
-                </a:solidFill>
-                <a:latin typeface="Times New Roman"/>
-                <a:cs typeface="Times New Roman"/>
-              </a:rPr>
-              <a:t>демократичної</a:t>
-            </a:r>
-            <a:r>
-              <a:rPr lang="ru-RU" sz="1800" b="0" i="0" u="none" strike="noStrike" cap="none" spc="0">
-                <a:solidFill>
-                  <a:srgbClr val="000000"/>
-                </a:solidFill>
-                <a:latin typeface="Times New Roman"/>
-                <a:cs typeface="Times New Roman"/>
-              </a:rPr>
-              <a:t> блокчейн-</a:t>
-            </a:r>
-            <a:r>
-              <a:rPr lang="ru-RU" sz="1800" b="0" i="0" u="none" strike="noStrike" cap="none" spc="0">
-                <a:solidFill>
-                  <a:srgbClr val="000000"/>
-                </a:solidFill>
-                <a:latin typeface="Times New Roman"/>
-                <a:cs typeface="Times New Roman"/>
-              </a:rPr>
-              <a:t>мережі</a:t>
-            </a:r>
-            <a:r>
-              <a:rPr lang="ru-RU" sz="1800" b="0" i="0" u="none" strike="noStrike" cap="none" spc="0">
-                <a:solidFill>
-                  <a:srgbClr val="000000"/>
-                </a:solidFill>
-                <a:latin typeface="Times New Roman"/>
-                <a:cs typeface="Times New Roman"/>
-              </a:rPr>
-              <a:t>, яка </a:t>
-            </a:r>
-            <a:r>
-              <a:rPr lang="ru-RU" sz="1800" b="0" i="0" u="none" strike="noStrike" cap="none" spc="0">
-                <a:solidFill>
-                  <a:srgbClr val="000000"/>
-                </a:solidFill>
-                <a:latin typeface="Times New Roman"/>
-                <a:cs typeface="Times New Roman"/>
-              </a:rPr>
-              <a:t>працює</a:t>
-            </a:r>
-            <a:r>
-              <a:rPr lang="ru-RU" sz="1800" b="0" i="0" u="none" strike="noStrike" cap="none" spc="0">
-                <a:solidFill>
-                  <a:srgbClr val="000000"/>
-                </a:solidFill>
-                <a:latin typeface="Times New Roman"/>
-                <a:cs typeface="Times New Roman"/>
-              </a:rPr>
-              <a:t> в </a:t>
-            </a:r>
-            <a:r>
-              <a:rPr lang="ru-RU" sz="1800" b="0" i="0" u="none" strike="noStrike" cap="none" spc="0">
-                <a:solidFill>
-                  <a:srgbClr val="000000"/>
-                </a:solidFill>
-                <a:latin typeface="Times New Roman"/>
-                <a:cs typeface="Times New Roman"/>
-              </a:rPr>
-              <a:t>режимі</a:t>
-            </a:r>
-            <a:r>
-              <a:rPr lang="ru-RU" sz="1800" b="0" i="0" u="none" strike="noStrike" cap="none" spc="0">
-                <a:solidFill>
-                  <a:srgbClr val="000000"/>
-                </a:solidFill>
-                <a:latin typeface="Times New Roman"/>
-                <a:cs typeface="Times New Roman"/>
-              </a:rPr>
-              <a:t> реального часу і </a:t>
-            </a:r>
-            <a:r>
-              <a:rPr lang="ru-RU" sz="1800" b="0" i="0" u="none" strike="noStrike" cap="none" spc="0">
-                <a:solidFill>
-                  <a:srgbClr val="000000"/>
-                </a:solidFill>
-                <a:latin typeface="Times New Roman"/>
-                <a:cs typeface="Times New Roman"/>
-              </a:rPr>
-              <a:t>підходить</a:t>
-            </a:r>
-            <a:r>
-              <a:rPr lang="ru-RU" sz="1800" b="0" i="0" u="none" strike="noStrike" cap="none" spc="0">
-                <a:solidFill>
-                  <a:srgbClr val="000000"/>
-                </a:solidFill>
-                <a:latin typeface="Times New Roman"/>
-                <a:cs typeface="Times New Roman"/>
-              </a:rPr>
-              <a:t> для </a:t>
-            </a:r>
-            <a:r>
-              <a:rPr lang="ru-RU" sz="1800" b="0" i="0" u="none" strike="noStrike" cap="none" spc="0">
-                <a:solidFill>
-                  <a:srgbClr val="000000"/>
-                </a:solidFill>
-                <a:latin typeface="Times New Roman"/>
-                <a:cs typeface="Times New Roman"/>
-              </a:rPr>
-              <a:t>повсякденної</a:t>
-            </a:r>
-            <a:r>
-              <a:rPr lang="ru-RU" sz="1800" b="0" i="0" u="none" strike="noStrike" cap="none" spc="0">
-                <a:solidFill>
-                  <a:srgbClr val="000000"/>
-                </a:solidFill>
-                <a:latin typeface="Times New Roman"/>
-                <a:cs typeface="Times New Roman"/>
-              </a:rPr>
-              <a:t> </a:t>
-            </a:r>
-            <a:r>
-              <a:rPr lang="ru-RU" sz="1800" b="0" i="0" u="none" strike="noStrike" cap="none" spc="0">
-                <a:solidFill>
-                  <a:srgbClr val="000000"/>
-                </a:solidFill>
-                <a:latin typeface="Times New Roman"/>
-                <a:cs typeface="Times New Roman"/>
-              </a:rPr>
-              <a:t>комерційної</a:t>
-            </a:r>
-            <a:r>
-              <a:rPr lang="ru-RU" sz="1800" b="0" i="0" u="none" strike="noStrike" cap="none" spc="0">
-                <a:solidFill>
-                  <a:srgbClr val="000000"/>
-                </a:solidFill>
-                <a:latin typeface="Times New Roman"/>
-                <a:cs typeface="Times New Roman"/>
-              </a:rPr>
-              <a:t> </a:t>
-            </a:r>
-            <a:r>
-              <a:rPr lang="ru-RU" sz="1800" b="0" i="0" u="none" strike="noStrike" cap="none" spc="0">
-                <a:solidFill>
-                  <a:srgbClr val="000000"/>
-                </a:solidFill>
-                <a:latin typeface="Times New Roman"/>
-                <a:cs typeface="Times New Roman"/>
-              </a:rPr>
-              <a:t>діяльності</a:t>
-            </a:r>
-            <a:r>
-              <a:rPr lang="ru-RU" sz="1800" b="0" i="0" u="none" strike="noStrike" cap="none" spc="0">
-                <a:solidFill>
-                  <a:srgbClr val="000000"/>
-                </a:solidFill>
-                <a:latin typeface="Times New Roman"/>
-                <a:cs typeface="Times New Roman"/>
-              </a:rPr>
               <a:t>.</a:t>
             </a:r>
-            <a:endParaRPr sz="1800">
+            <a:endParaRPr sz="1800" dirty="0">
               <a:latin typeface="Times New Roman"/>
               <a:cs typeface="Times New Roman"/>
             </a:endParaRPr>
@@ -9318,7 +5972,7 @@
             </a:pPr>
             <a:fld id="{800E96F8-DC0B-3B60-9520-15C92079DBC9}" type="slidenum">
               <a:rPr sz="2800"/>
-              <a:t/>
+              <a:t>2</a:t>
             </a:fld>
             <a:endParaRPr/>
           </a:p>
@@ -9463,20 +6117,12 @@
   <p:clrMapOvr>
     <a:masterClrMapping/>
   </p:clrMapOvr>
-  <mc:AlternateContent xmlns:mc="http://schemas.openxmlformats.org/markup-compatibility/2006">
-    <mc:Choice xmlns:p14="http://schemas.microsoft.com/office/powerpoint/2010/main" Requires="p14">
-      <p:transition p14:dur="2000" advClick="1"/>
-    </mc:Choice>
-    <mc:Fallback>
-      <p:transition advClick="1"/>
-    </mc:Fallback>
-  </mc:AlternateContent>
 </p:sld>
 </file>
 
 <file path=ppt/slides/slide3.xml><?xml version="1.0" encoding="utf-8"?>
-<p:sld xmlns:a="http://schemas.openxmlformats.org/drawingml/2006/main" xmlns:r="http://schemas.openxmlformats.org/officeDocument/2006/relationships" xmlns:p="http://schemas.openxmlformats.org/presentationml/2006/main" xmlns:m="http://schemas.openxmlformats.org/officeDocument/2006/math" xmlns:w="http://schemas.openxmlformats.org/wordprocessingml/2006/main" showMasterPhAnim="0" showMasterSp="0" show="1">
-  <p:cSld name="">
+<p:sld xmlns:a="http://schemas.openxmlformats.org/drawingml/2006/main" xmlns:r="http://schemas.openxmlformats.org/officeDocument/2006/relationships" xmlns:p="http://schemas.openxmlformats.org/presentationml/2006/main" showMasterSp="0" showMasterPhAnim="0">
+  <p:cSld>
     <p:spTree>
       <p:nvGrpSpPr>
         <p:cNvPr id="1" name=""/>
@@ -9527,15 +6173,7 @@
             </a:pPr>
             <a:r>
               <a:rPr sz="2800" spc="-10"/>
-              <a:t>Задачі</a:t>
-            </a:r>
-            <a:r>
-              <a:rPr sz="2800" spc="-10"/>
-              <a:t> </a:t>
-            </a:r>
-            <a:r>
-              <a:rPr sz="2800" spc="-10"/>
-              <a:t>роботи</a:t>
+              <a:t>Задачі роботи</a:t>
             </a:r>
             <a:endParaRPr sz="2800"/>
           </a:p>
@@ -9635,7 +6273,7 @@
             </a:pPr>
             <a:fld id="{20263524-D5DE-1C53-E1D9-127239483711}" type="slidenum">
               <a:rPr sz="2800"/>
-              <a:t/>
+              <a:t>3</a:t>
             </a:fld>
             <a:endParaRPr/>
           </a:p>
@@ -9686,7 +6324,7 @@
         <p:nvGraphicFramePr>
           <p:cNvPr id="79125462" name="Content Placeholder 2"/>
           <p:cNvGraphicFramePr>
-            <a:graphicFrameLocks xmlns:a="http://schemas.openxmlformats.org/drawingml/2006/main" noGrp="1"/>
+            <a:graphicFrameLocks noGrp="1"/>
           </p:cNvGraphicFramePr>
           <p:nvPr>
             <p:ph idx="1"/>
@@ -9695,12 +6333,10 @@
         <p:xfrm>
           <a:off x="1141149" y="2250901"/>
           <a:ext cx="9905999" cy="4082074"/>
-          <a:chOff x="0" y="0"/>
-          <a:chExt cx="9905999" cy="4082074"/>
         </p:xfrm>
         <a:graphic>
           <a:graphicData uri="http://schemas.openxmlformats.org/drawingml/2006/diagram">
-            <dgm:relIds xmlns:dgm="http://schemas.openxmlformats.org/drawingml/2006/diagram" xmlns:r="http://schemas.openxmlformats.org/officeDocument/2006/relationships" r:dm="rId2" r:lo="rId5" r:qs="rId6" r:cs="rId4"/>
+            <dgm:relIds xmlns:dgm="http://schemas.openxmlformats.org/drawingml/2006/diagram" xmlns:r="http://schemas.openxmlformats.org/officeDocument/2006/relationships" r:dm="rId2" r:lo="rId3" r:qs="rId4" r:cs="rId5"/>
           </a:graphicData>
         </a:graphic>
       </p:graphicFrame>
@@ -9709,20 +6345,12 @@
   <p:clrMapOvr>
     <a:masterClrMapping/>
   </p:clrMapOvr>
-  <mc:AlternateContent xmlns:mc="http://schemas.openxmlformats.org/markup-compatibility/2006">
-    <mc:Choice xmlns:p14="http://schemas.microsoft.com/office/powerpoint/2010/main" Requires="p14">
-      <p:transition p14:dur="2000" advClick="1"/>
-    </mc:Choice>
-    <mc:Fallback>
-      <p:transition advClick="1"/>
-    </mc:Fallback>
-  </mc:AlternateContent>
 </p:sld>
 </file>
 
 <file path=ppt/slides/slide4.xml><?xml version="1.0" encoding="utf-8"?>
-<p:sld xmlns:a="http://schemas.openxmlformats.org/drawingml/2006/main" xmlns:r="http://schemas.openxmlformats.org/officeDocument/2006/relationships" xmlns:p="http://schemas.openxmlformats.org/presentationml/2006/main" xmlns:m="http://schemas.openxmlformats.org/officeDocument/2006/math" xmlns:w="http://schemas.openxmlformats.org/wordprocessingml/2006/main" showMasterPhAnim="0" showMasterSp="0" show="1">
-  <p:cSld name="">
+<p:sld xmlns:a="http://schemas.openxmlformats.org/drawingml/2006/main" xmlns:r="http://schemas.openxmlformats.org/officeDocument/2006/relationships" xmlns:p="http://schemas.openxmlformats.org/presentationml/2006/main" showMasterSp="0" showMasterPhAnim="0">
+  <p:cSld>
     <p:spTree>
       <p:nvGrpSpPr>
         <p:cNvPr id="1" name=""/>
@@ -9831,7 +6459,7 @@
             </a:pPr>
             <a:fld id="{7360B85D-AE21-6F67-6371-7D7485A54A25}" type="slidenum">
               <a:rPr sz="2800"/>
-              <a:t/>
+              <a:t>4</a:t>
             </a:fld>
             <a:endParaRPr/>
           </a:p>
@@ -9880,12 +6508,12 @@
       </p:sp>
       <p:sp>
         <p:nvSpPr>
-          <p:cNvPr id="1513890413" name=""/>
+          <p:cNvPr id="1513890413" name="TextBox 1513890412"/>
           <p:cNvSpPr txBox="1"/>
           <p:nvPr/>
         </p:nvSpPr>
         <p:spPr bwMode="auto">
-          <a:xfrm flipH="0" flipV="0">
+          <a:xfrm>
             <a:off x="-114066" y="148194"/>
             <a:ext cx="4140405" cy="366118"/>
           </a:xfrm>
@@ -9895,18 +6523,17 @@
           <a:noFill/>
         </p:spPr>
         <p:txBody>
-          <a:bodyPr vertOverflow="overflow" horzOverflow="overflow" vert="horz" wrap="square" lIns="91440" tIns="45720" rIns="91440" bIns="45720" numCol="1" spcCol="0" rtlCol="0" fromWordArt="0" anchor="t" anchorCtr="0" forceAA="0" upright="0" compatLnSpc="0">
+          <a:bodyPr vertOverflow="overflow" horzOverflow="overflow" vert="horz" wrap="square" lIns="91440" tIns="45720" rIns="91440" bIns="45720" numCol="1" spcCol="0" rtlCol="0" fromWordArt="0" anchor="t" anchorCtr="0" forceAA="0" compatLnSpc="0">
             <a:spAutoFit/>
           </a:bodyPr>
+          <a:lstStyle/>
           <a:p>
             <a:pPr algn="l">
               <a:defRPr/>
             </a:pPr>
             <a:r>
-              <a:rPr/>
               <a:t>:</a:t>
             </a:r>
-            <a:endParaRPr/>
           </a:p>
         </p:txBody>
       </p:sp>
@@ -9954,7 +6581,7 @@
       </p:sp>
       <p:pic>
         <p:nvPicPr>
-          <p:cNvPr id="1171157012" name=""/>
+          <p:cNvPr id="1171157012" name="Рисунок 1171157011"/>
           <p:cNvPicPr>
             <a:picLocks noChangeAspect="1"/>
           </p:cNvPicPr>
@@ -9965,7 +6592,7 @@
           <a:stretch/>
         </p:blipFill>
         <p:spPr bwMode="auto">
-          <a:xfrm flipH="0" flipV="0">
+          <a:xfrm>
             <a:off x="1445261" y="620993"/>
             <a:ext cx="8881782" cy="5655953"/>
           </a:xfrm>
@@ -9979,20 +6606,12 @@
   <p:clrMapOvr>
     <a:masterClrMapping/>
   </p:clrMapOvr>
-  <mc:AlternateContent xmlns:mc="http://schemas.openxmlformats.org/markup-compatibility/2006">
-    <mc:Choice xmlns:p14="http://schemas.microsoft.com/office/powerpoint/2010/main" Requires="p14">
-      <p:transition p14:dur="2000" advClick="1"/>
-    </mc:Choice>
-    <mc:Fallback>
-      <p:transition advClick="1"/>
-    </mc:Fallback>
-  </mc:AlternateContent>
 </p:sld>
 </file>
 
 <file path=ppt/slides/slide5.xml><?xml version="1.0" encoding="utf-8"?>
-<p:sld xmlns:a="http://schemas.openxmlformats.org/drawingml/2006/main" xmlns:r="http://schemas.openxmlformats.org/officeDocument/2006/relationships" xmlns:p="http://schemas.openxmlformats.org/presentationml/2006/main" xmlns:m="http://schemas.openxmlformats.org/officeDocument/2006/math" xmlns:w="http://schemas.openxmlformats.org/wordprocessingml/2006/main" showMasterPhAnim="0" showMasterSp="0" show="1">
-  <p:cSld name="">
+<p:sld xmlns:a="http://schemas.openxmlformats.org/drawingml/2006/main" xmlns:r="http://schemas.openxmlformats.org/officeDocument/2006/relationships" xmlns:p="http://schemas.openxmlformats.org/presentationml/2006/main" showMasterSp="0" showMasterPhAnim="0">
+  <p:cSld>
     <p:spTree>
       <p:nvGrpSpPr>
         <p:cNvPr id="1" name=""/>
@@ -10101,7 +6720,7 @@
             </a:pPr>
             <a:fld id="{E30B309A-D4E2-0742-10D1-CF203A329559}" type="slidenum">
               <a:rPr sz="2800"/>
-              <a:t/>
+              <a:t>5</a:t>
             </a:fld>
             <a:endParaRPr/>
           </a:p>
@@ -10189,7 +6808,7 @@
       </p:sp>
       <p:pic>
         <p:nvPicPr>
-          <p:cNvPr id="1612591389" name=""/>
+          <p:cNvPr id="1612591389" name="Рисунок 1612591388"/>
           <p:cNvPicPr>
             <a:picLocks noChangeAspect="1"/>
           </p:cNvPicPr>
@@ -10211,12 +6830,12 @@
       </p:pic>
       <p:sp>
         <p:nvSpPr>
-          <p:cNvPr id="1167424897" name=""/>
+          <p:cNvPr id="1167424897" name="TextBox 1167424896"/>
           <p:cNvSpPr txBox="1"/>
           <p:nvPr/>
         </p:nvSpPr>
         <p:spPr bwMode="auto">
-          <a:xfrm flipH="0" flipV="0">
+          <a:xfrm>
             <a:off x="296868" y="1266917"/>
             <a:ext cx="4034101" cy="3657960"/>
           </a:xfrm>
@@ -10226,24 +6845,825 @@
           <a:noFill/>
         </p:spPr>
         <p:txBody>
-          <a:bodyPr vertOverflow="overflow" horzOverflow="overflow" vert="horz" wrap="square" lIns="91440" tIns="45720" rIns="91440" bIns="45720" numCol="1" spcCol="0" rtlCol="0" fromWordArt="0" anchor="t" anchorCtr="0" forceAA="0" upright="0" compatLnSpc="0">
+          <a:bodyPr vertOverflow="overflow" horzOverflow="overflow" vert="horz" wrap="square" lIns="91440" tIns="45720" rIns="91440" bIns="45720" numCol="1" spcCol="0" rtlCol="0" fromWordArt="0" anchor="t" anchorCtr="0" forceAA="0" compatLnSpc="0">
             <a:spAutoFit/>
           </a:bodyPr>
+          <a:lstStyle/>
           <a:p>
             <a:pPr algn="just">
               <a:defRPr/>
             </a:pPr>
             <a:r>
-              <a:rPr lang="ru-RU" sz="1800" b="0" i="0" u="none" strike="noStrike" cap="none" spc="0">
-                <a:solidFill>
-                  <a:schemeClr val="tx1"/>
-                </a:solidFill>
-                <a:latin typeface="Times New Roman"/>
-                <a:cs typeface="Times New Roman"/>
-              </a:rPr>
-              <a:t>Веб-гаманець на основі блокчейну дозволяє користувачам легко перевіряти баланс свого рахунку та створювати транзакції. Користувачі можуть отримати безпечний доступ до гаманця, переглянути свій баланс, дані відправника та суми транзакцій. Вони також можуть ініціювати перекази іншим користувачам, а система надає зворотній зв'язок у разі введення невірної або неповної інформації, щоб забезпечити безпеку та ефективність транзакцій.</a:t>
-            </a:r>
-            <a:endParaRPr>
+              <a:rPr lang="ru-RU" sz="1800" b="0" i="0" u="none" strike="noStrike" cap="none" spc="0" dirty="0">
+                <a:solidFill>
+                  <a:schemeClr val="tx1"/>
+                </a:solidFill>
+                <a:latin typeface="Times New Roman"/>
+                <a:cs typeface="Times New Roman"/>
+              </a:rPr>
+              <a:t>Веб-</a:t>
+            </a:r>
+            <a:r>
+              <a:rPr lang="ru-RU" sz="1800" b="0" i="0" u="none" strike="noStrike" cap="none" spc="0" dirty="0" err="1">
+                <a:solidFill>
+                  <a:schemeClr val="tx1"/>
+                </a:solidFill>
+                <a:latin typeface="Times New Roman"/>
+                <a:cs typeface="Times New Roman"/>
+              </a:rPr>
+              <a:t>гаманець</a:t>
+            </a:r>
+            <a:r>
+              <a:rPr lang="ru-RU" sz="1800" b="0" i="0" u="none" strike="noStrike" cap="none" spc="0" dirty="0">
+                <a:solidFill>
+                  <a:schemeClr val="tx1"/>
+                </a:solidFill>
+                <a:latin typeface="Times New Roman"/>
+                <a:cs typeface="Times New Roman"/>
+              </a:rPr>
+              <a:t> на </a:t>
+            </a:r>
+            <a:r>
+              <a:rPr lang="ru-RU" sz="1800" b="0" i="0" u="none" strike="noStrike" cap="none" spc="0" dirty="0" err="1">
+                <a:solidFill>
+                  <a:schemeClr val="tx1"/>
+                </a:solidFill>
+                <a:latin typeface="Times New Roman"/>
+                <a:cs typeface="Times New Roman"/>
+              </a:rPr>
+              <a:t>основі</a:t>
+            </a:r>
+            <a:r>
+              <a:rPr lang="ru-RU" sz="1800" b="0" i="0" u="none" strike="noStrike" cap="none" spc="0" dirty="0">
+                <a:solidFill>
+                  <a:schemeClr val="tx1"/>
+                </a:solidFill>
+                <a:latin typeface="Times New Roman"/>
+                <a:cs typeface="Times New Roman"/>
+              </a:rPr>
+              <a:t> блокчейну </a:t>
+            </a:r>
+            <a:r>
+              <a:rPr lang="ru-RU" sz="1800" b="0" i="0" u="none" strike="noStrike" cap="none" spc="0" dirty="0" err="1">
+                <a:solidFill>
+                  <a:schemeClr val="tx1"/>
+                </a:solidFill>
+                <a:latin typeface="Times New Roman"/>
+                <a:cs typeface="Times New Roman"/>
+              </a:rPr>
+              <a:t>дозволяє</a:t>
+            </a:r>
+            <a:r>
+              <a:rPr lang="ru-RU" sz="1800" b="0" i="0" u="none" strike="noStrike" cap="none" spc="0" dirty="0">
+                <a:solidFill>
+                  <a:schemeClr val="tx1"/>
+                </a:solidFill>
+                <a:latin typeface="Times New Roman"/>
+                <a:cs typeface="Times New Roman"/>
+              </a:rPr>
+              <a:t> </a:t>
+            </a:r>
+            <a:r>
+              <a:rPr lang="ru-RU" sz="1800" b="0" i="0" u="none" strike="noStrike" cap="none" spc="0" dirty="0" err="1">
+                <a:solidFill>
+                  <a:schemeClr val="tx1"/>
+                </a:solidFill>
+                <a:latin typeface="Times New Roman"/>
+                <a:cs typeface="Times New Roman"/>
+              </a:rPr>
+              <a:t>користувачам</a:t>
+            </a:r>
+            <a:r>
+              <a:rPr lang="ru-RU" sz="1800" b="0" i="0" u="none" strike="noStrike" cap="none" spc="0" dirty="0">
+                <a:solidFill>
+                  <a:schemeClr val="tx1"/>
+                </a:solidFill>
+                <a:latin typeface="Times New Roman"/>
+                <a:cs typeface="Times New Roman"/>
+              </a:rPr>
+              <a:t> легко </a:t>
+            </a:r>
+            <a:r>
+              <a:rPr lang="ru-RU" sz="1800" b="0" i="0" u="none" strike="noStrike" cap="none" spc="0" dirty="0" err="1">
+                <a:solidFill>
+                  <a:schemeClr val="tx1"/>
+                </a:solidFill>
+                <a:latin typeface="Times New Roman"/>
+                <a:cs typeface="Times New Roman"/>
+              </a:rPr>
+              <a:t>перевіряти</a:t>
+            </a:r>
+            <a:r>
+              <a:rPr lang="ru-RU" sz="1800" b="0" i="0" u="none" strike="noStrike" cap="none" spc="0" dirty="0">
+                <a:solidFill>
+                  <a:schemeClr val="tx1"/>
+                </a:solidFill>
+                <a:latin typeface="Times New Roman"/>
+                <a:cs typeface="Times New Roman"/>
+              </a:rPr>
+              <a:t> баланс </a:t>
+            </a:r>
+            <a:r>
+              <a:rPr lang="ru-RU" sz="1800" b="0" i="0" u="none" strike="noStrike" cap="none" spc="0" dirty="0" err="1">
+                <a:solidFill>
+                  <a:schemeClr val="tx1"/>
+                </a:solidFill>
+                <a:latin typeface="Times New Roman"/>
+                <a:cs typeface="Times New Roman"/>
+              </a:rPr>
+              <a:t>свого</a:t>
+            </a:r>
+            <a:r>
+              <a:rPr lang="ru-RU" sz="1800" b="0" i="0" u="none" strike="noStrike" cap="none" spc="0" dirty="0">
+                <a:solidFill>
+                  <a:schemeClr val="tx1"/>
+                </a:solidFill>
+                <a:latin typeface="Times New Roman"/>
+                <a:cs typeface="Times New Roman"/>
+              </a:rPr>
+              <a:t> </a:t>
+            </a:r>
+            <a:r>
+              <a:rPr lang="ru-RU" sz="1800" b="0" i="0" u="none" strike="noStrike" cap="none" spc="0" dirty="0" err="1">
+                <a:solidFill>
+                  <a:schemeClr val="tx1"/>
+                </a:solidFill>
+                <a:latin typeface="Times New Roman"/>
+                <a:cs typeface="Times New Roman"/>
+              </a:rPr>
+              <a:t>рахунку</a:t>
+            </a:r>
+            <a:r>
+              <a:rPr lang="ru-RU" sz="1800" b="0" i="0" u="none" strike="noStrike" cap="none" spc="0" dirty="0">
+                <a:solidFill>
+                  <a:schemeClr val="tx1"/>
+                </a:solidFill>
+                <a:latin typeface="Times New Roman"/>
+                <a:cs typeface="Times New Roman"/>
+              </a:rPr>
+              <a:t> та </a:t>
+            </a:r>
+            <a:r>
+              <a:rPr lang="ru-RU" sz="1800" b="0" i="0" u="none" strike="noStrike" cap="none" spc="0" dirty="0" err="1">
+                <a:solidFill>
+                  <a:schemeClr val="tx1"/>
+                </a:solidFill>
+                <a:latin typeface="Times New Roman"/>
+                <a:cs typeface="Times New Roman"/>
+              </a:rPr>
+              <a:t>створювати</a:t>
+            </a:r>
+            <a:r>
+              <a:rPr lang="ru-RU" sz="1800" b="0" i="0" u="none" strike="noStrike" cap="none" spc="0" dirty="0">
+                <a:solidFill>
+                  <a:schemeClr val="tx1"/>
+                </a:solidFill>
+                <a:latin typeface="Times New Roman"/>
+                <a:cs typeface="Times New Roman"/>
+              </a:rPr>
+              <a:t> </a:t>
+            </a:r>
+            <a:r>
+              <a:rPr lang="ru-RU" sz="1800" b="0" i="0" u="none" strike="noStrike" cap="none" spc="0" dirty="0" err="1">
+                <a:solidFill>
+                  <a:schemeClr val="tx1"/>
+                </a:solidFill>
+                <a:latin typeface="Times New Roman"/>
+                <a:cs typeface="Times New Roman"/>
+              </a:rPr>
+              <a:t>транзакції</a:t>
+            </a:r>
+            <a:r>
+              <a:rPr lang="ru-RU" sz="1800" b="0" i="0" u="none" strike="noStrike" cap="none" spc="0" dirty="0">
+                <a:solidFill>
+                  <a:schemeClr val="tx1"/>
+                </a:solidFill>
+                <a:latin typeface="Times New Roman"/>
+                <a:cs typeface="Times New Roman"/>
+              </a:rPr>
+              <a:t>. </a:t>
+            </a:r>
+            <a:r>
+              <a:rPr lang="ru-RU" sz="1800" b="0" i="0" u="none" strike="noStrike" cap="none" spc="0" dirty="0" err="1">
+                <a:solidFill>
+                  <a:schemeClr val="tx1"/>
+                </a:solidFill>
+                <a:latin typeface="Times New Roman"/>
+                <a:cs typeface="Times New Roman"/>
+              </a:rPr>
+              <a:t>Користувачі</a:t>
+            </a:r>
+            <a:r>
+              <a:rPr lang="ru-RU" sz="1800" b="0" i="0" u="none" strike="noStrike" cap="none" spc="0" dirty="0">
+                <a:solidFill>
+                  <a:schemeClr val="tx1"/>
+                </a:solidFill>
+                <a:latin typeface="Times New Roman"/>
+                <a:cs typeface="Times New Roman"/>
+              </a:rPr>
+              <a:t> </a:t>
+            </a:r>
+            <a:r>
+              <a:rPr lang="ru-RU" sz="1800" b="0" i="0" u="none" strike="noStrike" cap="none" spc="0" dirty="0" err="1">
+                <a:solidFill>
+                  <a:schemeClr val="tx1"/>
+                </a:solidFill>
+                <a:latin typeface="Times New Roman"/>
+                <a:cs typeface="Times New Roman"/>
+              </a:rPr>
+              <a:t>можуть</a:t>
+            </a:r>
+            <a:r>
+              <a:rPr lang="ru-RU" sz="1800" b="0" i="0" u="none" strike="noStrike" cap="none" spc="0" dirty="0">
+                <a:solidFill>
+                  <a:schemeClr val="tx1"/>
+                </a:solidFill>
+                <a:latin typeface="Times New Roman"/>
+                <a:cs typeface="Times New Roman"/>
+              </a:rPr>
+              <a:t> </a:t>
+            </a:r>
+            <a:r>
+              <a:rPr lang="ru-RU" sz="1800" b="0" i="0" u="none" strike="noStrike" cap="none" spc="0" dirty="0" err="1">
+                <a:solidFill>
+                  <a:schemeClr val="tx1"/>
+                </a:solidFill>
+                <a:latin typeface="Times New Roman"/>
+                <a:cs typeface="Times New Roman"/>
+              </a:rPr>
+              <a:t>отримати</a:t>
+            </a:r>
+            <a:r>
+              <a:rPr lang="ru-RU" sz="1800" b="0" i="0" u="none" strike="noStrike" cap="none" spc="0" dirty="0">
+                <a:solidFill>
+                  <a:schemeClr val="tx1"/>
+                </a:solidFill>
+                <a:latin typeface="Times New Roman"/>
+                <a:cs typeface="Times New Roman"/>
+              </a:rPr>
+              <a:t> </a:t>
+            </a:r>
+            <a:r>
+              <a:rPr lang="ru-RU" sz="1800" b="0" i="0" u="none" strike="noStrike" cap="none" spc="0" dirty="0" err="1">
+                <a:solidFill>
+                  <a:schemeClr val="tx1"/>
+                </a:solidFill>
+                <a:latin typeface="Times New Roman"/>
+                <a:cs typeface="Times New Roman"/>
+              </a:rPr>
+              <a:t>безпечний</a:t>
+            </a:r>
+            <a:r>
+              <a:rPr lang="ru-RU" sz="1800" b="0" i="0" u="none" strike="noStrike" cap="none" spc="0" dirty="0">
+                <a:solidFill>
+                  <a:schemeClr val="tx1"/>
+                </a:solidFill>
+                <a:latin typeface="Times New Roman"/>
+                <a:cs typeface="Times New Roman"/>
+              </a:rPr>
+              <a:t> доступ до </a:t>
+            </a:r>
+            <a:r>
+              <a:rPr lang="ru-RU" sz="1800" b="0" i="0" u="none" strike="noStrike" cap="none" spc="0" dirty="0" err="1">
+                <a:solidFill>
+                  <a:schemeClr val="tx1"/>
+                </a:solidFill>
+                <a:latin typeface="Times New Roman"/>
+                <a:cs typeface="Times New Roman"/>
+              </a:rPr>
+              <a:t>гаманця</a:t>
+            </a:r>
+            <a:r>
+              <a:rPr lang="ru-RU" sz="1800" b="0" i="0" u="none" strike="noStrike" cap="none" spc="0" dirty="0">
+                <a:solidFill>
+                  <a:schemeClr val="tx1"/>
+                </a:solidFill>
+                <a:latin typeface="Times New Roman"/>
+                <a:cs typeface="Times New Roman"/>
+              </a:rPr>
+              <a:t>, </a:t>
+            </a:r>
+            <a:r>
+              <a:rPr lang="ru-RU" sz="1800" b="0" i="0" u="none" strike="noStrike" cap="none" spc="0" dirty="0" err="1">
+                <a:solidFill>
+                  <a:schemeClr val="tx1"/>
+                </a:solidFill>
+                <a:latin typeface="Times New Roman"/>
+                <a:cs typeface="Times New Roman"/>
+              </a:rPr>
+              <a:t>переглянути</a:t>
+            </a:r>
+            <a:r>
+              <a:rPr lang="ru-RU" sz="1800" b="0" i="0" u="none" strike="noStrike" cap="none" spc="0" dirty="0">
+                <a:solidFill>
+                  <a:schemeClr val="tx1"/>
+                </a:solidFill>
+                <a:latin typeface="Times New Roman"/>
+                <a:cs typeface="Times New Roman"/>
+              </a:rPr>
+              <a:t> </a:t>
+            </a:r>
+            <a:r>
+              <a:rPr lang="ru-RU" sz="1800" b="0" i="0" u="none" strike="noStrike" cap="none" spc="0" dirty="0" err="1">
+                <a:solidFill>
+                  <a:schemeClr val="tx1"/>
+                </a:solidFill>
+                <a:latin typeface="Times New Roman"/>
+                <a:cs typeface="Times New Roman"/>
+              </a:rPr>
+              <a:t>свій</a:t>
+            </a:r>
+            <a:r>
+              <a:rPr lang="ru-RU" sz="1800" b="0" i="0" u="none" strike="noStrike" cap="none" spc="0" dirty="0">
+                <a:solidFill>
+                  <a:schemeClr val="tx1"/>
+                </a:solidFill>
+                <a:latin typeface="Times New Roman"/>
+                <a:cs typeface="Times New Roman"/>
+              </a:rPr>
+              <a:t> баланс, </a:t>
+            </a:r>
+            <a:r>
+              <a:rPr lang="ru-RU" sz="1800" b="0" i="0" u="none" strike="noStrike" cap="none" spc="0" dirty="0" err="1">
+                <a:solidFill>
+                  <a:schemeClr val="tx1"/>
+                </a:solidFill>
+                <a:latin typeface="Times New Roman"/>
+                <a:cs typeface="Times New Roman"/>
+              </a:rPr>
+              <a:t>дані</a:t>
+            </a:r>
+            <a:r>
+              <a:rPr lang="ru-RU" sz="1800" b="0" i="0" u="none" strike="noStrike" cap="none" spc="0" dirty="0">
+                <a:solidFill>
+                  <a:schemeClr val="tx1"/>
+                </a:solidFill>
+                <a:latin typeface="Times New Roman"/>
+                <a:cs typeface="Times New Roman"/>
+              </a:rPr>
+              <a:t> </a:t>
+            </a:r>
+            <a:r>
+              <a:rPr lang="ru-RU" sz="1800" b="0" i="0" u="none" strike="noStrike" cap="none" spc="0" dirty="0" err="1">
+                <a:solidFill>
+                  <a:schemeClr val="tx1"/>
+                </a:solidFill>
+                <a:latin typeface="Times New Roman"/>
+                <a:cs typeface="Times New Roman"/>
+              </a:rPr>
+              <a:t>відправника</a:t>
+            </a:r>
+            <a:r>
+              <a:rPr lang="ru-RU" sz="1800" b="0" i="0" u="none" strike="noStrike" cap="none" spc="0" dirty="0">
+                <a:solidFill>
+                  <a:schemeClr val="tx1"/>
+                </a:solidFill>
+                <a:latin typeface="Times New Roman"/>
+                <a:cs typeface="Times New Roman"/>
+              </a:rPr>
+              <a:t> та </a:t>
+            </a:r>
+            <a:r>
+              <a:rPr lang="ru-RU" sz="1800" b="0" i="0" u="none" strike="noStrike" cap="none" spc="0" dirty="0" err="1">
+                <a:solidFill>
+                  <a:schemeClr val="tx1"/>
+                </a:solidFill>
+                <a:latin typeface="Times New Roman"/>
+                <a:cs typeface="Times New Roman"/>
+              </a:rPr>
+              <a:t>суми</a:t>
+            </a:r>
+            <a:r>
+              <a:rPr lang="ru-RU" sz="1800" b="0" i="0" u="none" strike="noStrike" cap="none" spc="0" dirty="0">
+                <a:solidFill>
+                  <a:schemeClr val="tx1"/>
+                </a:solidFill>
+                <a:latin typeface="Times New Roman"/>
+                <a:cs typeface="Times New Roman"/>
+              </a:rPr>
+              <a:t> </a:t>
+            </a:r>
+            <a:r>
+              <a:rPr lang="ru-RU" sz="1800" b="0" i="0" u="none" strike="noStrike" cap="none" spc="0" dirty="0" err="1">
+                <a:solidFill>
+                  <a:schemeClr val="tx1"/>
+                </a:solidFill>
+                <a:latin typeface="Times New Roman"/>
+                <a:cs typeface="Times New Roman"/>
+              </a:rPr>
+              <a:t>транзакцій</a:t>
+            </a:r>
+            <a:r>
+              <a:rPr lang="ru-RU" sz="1800" b="0" i="0" u="none" strike="noStrike" cap="none" spc="0" dirty="0">
+                <a:solidFill>
+                  <a:schemeClr val="tx1"/>
+                </a:solidFill>
+                <a:latin typeface="Times New Roman"/>
+                <a:cs typeface="Times New Roman"/>
+              </a:rPr>
+              <a:t>. Вони </a:t>
+            </a:r>
+            <a:r>
+              <a:rPr lang="ru-RU" sz="1800" b="0" i="0" u="none" strike="noStrike" cap="none" spc="0" dirty="0" err="1">
+                <a:solidFill>
+                  <a:schemeClr val="tx1"/>
+                </a:solidFill>
+                <a:latin typeface="Times New Roman"/>
+                <a:cs typeface="Times New Roman"/>
+              </a:rPr>
+              <a:t>також</a:t>
+            </a:r>
+            <a:r>
+              <a:rPr lang="ru-RU" sz="1800" b="0" i="0" u="none" strike="noStrike" cap="none" spc="0" dirty="0">
+                <a:solidFill>
+                  <a:schemeClr val="tx1"/>
+                </a:solidFill>
+                <a:latin typeface="Times New Roman"/>
+                <a:cs typeface="Times New Roman"/>
+              </a:rPr>
+              <a:t> </a:t>
+            </a:r>
+            <a:r>
+              <a:rPr lang="ru-RU" sz="1800" b="0" i="0" u="none" strike="noStrike" cap="none" spc="0" dirty="0" err="1">
+                <a:solidFill>
+                  <a:schemeClr val="tx1"/>
+                </a:solidFill>
+                <a:latin typeface="Times New Roman"/>
+                <a:cs typeface="Times New Roman"/>
+              </a:rPr>
+              <a:t>можуть</a:t>
+            </a:r>
+            <a:r>
+              <a:rPr lang="ru-RU" sz="1800" b="0" i="0" u="none" strike="noStrike" cap="none" spc="0" dirty="0">
+                <a:solidFill>
+                  <a:schemeClr val="tx1"/>
+                </a:solidFill>
+                <a:latin typeface="Times New Roman"/>
+                <a:cs typeface="Times New Roman"/>
+              </a:rPr>
+              <a:t> </a:t>
+            </a:r>
+            <a:r>
+              <a:rPr lang="ru-RU" sz="1800" b="0" i="0" u="none" strike="noStrike" cap="none" spc="0" dirty="0" err="1">
+                <a:solidFill>
+                  <a:schemeClr val="tx1"/>
+                </a:solidFill>
+                <a:latin typeface="Times New Roman"/>
+                <a:cs typeface="Times New Roman"/>
+              </a:rPr>
+              <a:t>ініціювати</a:t>
+            </a:r>
+            <a:r>
+              <a:rPr lang="ru-RU" sz="1800" b="0" i="0" u="none" strike="noStrike" cap="none" spc="0" dirty="0">
+                <a:solidFill>
+                  <a:schemeClr val="tx1"/>
+                </a:solidFill>
+                <a:latin typeface="Times New Roman"/>
+                <a:cs typeface="Times New Roman"/>
+              </a:rPr>
+              <a:t> </a:t>
+            </a:r>
+            <a:r>
+              <a:rPr lang="ru-RU" sz="1800" b="0" i="0" u="none" strike="noStrike" cap="none" spc="0" dirty="0" err="1">
+                <a:solidFill>
+                  <a:schemeClr val="tx1"/>
+                </a:solidFill>
+                <a:latin typeface="Times New Roman"/>
+                <a:cs typeface="Times New Roman"/>
+              </a:rPr>
+              <a:t>перекази</a:t>
+            </a:r>
+            <a:r>
+              <a:rPr lang="ru-RU" sz="1800" b="0" i="0" u="none" strike="noStrike" cap="none" spc="0" dirty="0">
+                <a:solidFill>
+                  <a:schemeClr val="tx1"/>
+                </a:solidFill>
+                <a:latin typeface="Times New Roman"/>
+                <a:cs typeface="Times New Roman"/>
+              </a:rPr>
+              <a:t> </a:t>
+            </a:r>
+            <a:r>
+              <a:rPr lang="ru-RU" sz="1800" b="0" i="0" u="none" strike="noStrike" cap="none" spc="0" dirty="0" err="1">
+                <a:solidFill>
+                  <a:schemeClr val="tx1"/>
+                </a:solidFill>
+                <a:latin typeface="Times New Roman"/>
+                <a:cs typeface="Times New Roman"/>
+              </a:rPr>
+              <a:t>іншим</a:t>
+            </a:r>
+            <a:r>
+              <a:rPr lang="ru-RU" sz="1800" b="0" i="0" u="none" strike="noStrike" cap="none" spc="0" dirty="0">
+                <a:solidFill>
+                  <a:schemeClr val="tx1"/>
+                </a:solidFill>
+                <a:latin typeface="Times New Roman"/>
+                <a:cs typeface="Times New Roman"/>
+              </a:rPr>
+              <a:t> </a:t>
+            </a:r>
+            <a:r>
+              <a:rPr lang="ru-RU" sz="1800" b="0" i="0" u="none" strike="noStrike" cap="none" spc="0" dirty="0" err="1">
+                <a:solidFill>
+                  <a:schemeClr val="tx1"/>
+                </a:solidFill>
+                <a:latin typeface="Times New Roman"/>
+                <a:cs typeface="Times New Roman"/>
+              </a:rPr>
+              <a:t>користувачам</a:t>
+            </a:r>
+            <a:r>
+              <a:rPr lang="ru-RU" sz="1800" b="0" i="0" u="none" strike="noStrike" cap="none" spc="0" dirty="0">
+                <a:solidFill>
+                  <a:schemeClr val="tx1"/>
+                </a:solidFill>
+                <a:latin typeface="Times New Roman"/>
+                <a:cs typeface="Times New Roman"/>
+              </a:rPr>
+              <a:t>, а система </a:t>
+            </a:r>
+            <a:r>
+              <a:rPr lang="ru-RU" sz="1800" b="0" i="0" u="none" strike="noStrike" cap="none" spc="0" dirty="0" err="1">
+                <a:solidFill>
+                  <a:schemeClr val="tx1"/>
+                </a:solidFill>
+                <a:latin typeface="Times New Roman"/>
+                <a:cs typeface="Times New Roman"/>
+              </a:rPr>
+              <a:t>надає</a:t>
+            </a:r>
+            <a:r>
+              <a:rPr lang="ru-RU" sz="1800" b="0" i="0" u="none" strike="noStrike" cap="none" spc="0" dirty="0">
+                <a:solidFill>
+                  <a:schemeClr val="tx1"/>
+                </a:solidFill>
+                <a:latin typeface="Times New Roman"/>
+                <a:cs typeface="Times New Roman"/>
+              </a:rPr>
+              <a:t> </a:t>
+            </a:r>
+            <a:r>
+              <a:rPr lang="ru-RU" sz="1800" b="0" i="0" u="none" strike="noStrike" cap="none" spc="0" dirty="0" err="1">
+                <a:solidFill>
+                  <a:schemeClr val="tx1"/>
+                </a:solidFill>
+                <a:latin typeface="Times New Roman"/>
+                <a:cs typeface="Times New Roman"/>
+              </a:rPr>
+              <a:t>зворотній</a:t>
+            </a:r>
+            <a:r>
+              <a:rPr lang="ru-RU" sz="1800" b="0" i="0" u="none" strike="noStrike" cap="none" spc="0" dirty="0">
+                <a:solidFill>
+                  <a:schemeClr val="tx1"/>
+                </a:solidFill>
+                <a:latin typeface="Times New Roman"/>
+                <a:cs typeface="Times New Roman"/>
+              </a:rPr>
+              <a:t> </a:t>
+            </a:r>
+            <a:r>
+              <a:rPr lang="ru-RU" sz="1800" b="0" i="0" u="none" strike="noStrike" cap="none" spc="0" dirty="0" err="1">
+                <a:solidFill>
+                  <a:schemeClr val="tx1"/>
+                </a:solidFill>
+                <a:latin typeface="Times New Roman"/>
+                <a:cs typeface="Times New Roman"/>
+              </a:rPr>
+              <a:t>зв'язок</a:t>
+            </a:r>
+            <a:r>
+              <a:rPr lang="ru-RU" sz="1800" b="0" i="0" u="none" strike="noStrike" cap="none" spc="0" dirty="0">
+                <a:solidFill>
+                  <a:schemeClr val="tx1"/>
+                </a:solidFill>
+                <a:latin typeface="Times New Roman"/>
+                <a:cs typeface="Times New Roman"/>
+              </a:rPr>
+              <a:t> у </a:t>
+            </a:r>
+            <a:r>
+              <a:rPr lang="ru-RU" sz="1800" b="0" i="0" u="none" strike="noStrike" cap="none" spc="0" dirty="0" err="1">
+                <a:solidFill>
+                  <a:schemeClr val="tx1"/>
+                </a:solidFill>
+                <a:latin typeface="Times New Roman"/>
+                <a:cs typeface="Times New Roman"/>
+              </a:rPr>
+              <a:t>разі</a:t>
+            </a:r>
+            <a:r>
+              <a:rPr lang="ru-RU" sz="1800" b="0" i="0" u="none" strike="noStrike" cap="none" spc="0" dirty="0">
+                <a:solidFill>
+                  <a:schemeClr val="tx1"/>
+                </a:solidFill>
+                <a:latin typeface="Times New Roman"/>
+                <a:cs typeface="Times New Roman"/>
+              </a:rPr>
+              <a:t> </a:t>
+            </a:r>
+            <a:r>
+              <a:rPr lang="ru-RU" sz="1800" b="0" i="0" u="none" strike="noStrike" cap="none" spc="0" dirty="0" err="1">
+                <a:solidFill>
+                  <a:schemeClr val="tx1"/>
+                </a:solidFill>
+                <a:latin typeface="Times New Roman"/>
+                <a:cs typeface="Times New Roman"/>
+              </a:rPr>
+              <a:t>введення</a:t>
+            </a:r>
+            <a:r>
+              <a:rPr lang="ru-RU" sz="1800" b="0" i="0" u="none" strike="noStrike" cap="none" spc="0" dirty="0">
+                <a:solidFill>
+                  <a:schemeClr val="tx1"/>
+                </a:solidFill>
+                <a:latin typeface="Times New Roman"/>
+                <a:cs typeface="Times New Roman"/>
+              </a:rPr>
+              <a:t> </a:t>
+            </a:r>
+            <a:r>
+              <a:rPr lang="ru-RU" sz="1800" b="0" i="0" u="none" strike="noStrike" cap="none" spc="0" dirty="0" err="1">
+                <a:solidFill>
+                  <a:schemeClr val="tx1"/>
+                </a:solidFill>
+                <a:latin typeface="Times New Roman"/>
+                <a:cs typeface="Times New Roman"/>
+              </a:rPr>
+              <a:t>невірної</a:t>
+            </a:r>
+            <a:r>
+              <a:rPr lang="ru-RU" sz="1800" b="0" i="0" u="none" strike="noStrike" cap="none" spc="0" dirty="0">
+                <a:solidFill>
+                  <a:schemeClr val="tx1"/>
+                </a:solidFill>
+                <a:latin typeface="Times New Roman"/>
+                <a:cs typeface="Times New Roman"/>
+              </a:rPr>
+              <a:t> </a:t>
+            </a:r>
+            <a:r>
+              <a:rPr lang="ru-RU" sz="1800" b="0" i="0" u="none" strike="noStrike" cap="none" spc="0" dirty="0" err="1">
+                <a:solidFill>
+                  <a:schemeClr val="tx1"/>
+                </a:solidFill>
+                <a:latin typeface="Times New Roman"/>
+                <a:cs typeface="Times New Roman"/>
+              </a:rPr>
+              <a:t>або</a:t>
+            </a:r>
+            <a:r>
+              <a:rPr lang="ru-RU" sz="1800" b="0" i="0" u="none" strike="noStrike" cap="none" spc="0" dirty="0">
+                <a:solidFill>
+                  <a:schemeClr val="tx1"/>
+                </a:solidFill>
+                <a:latin typeface="Times New Roman"/>
+                <a:cs typeface="Times New Roman"/>
+              </a:rPr>
+              <a:t> </a:t>
+            </a:r>
+            <a:r>
+              <a:rPr lang="ru-RU" sz="1800" b="0" i="0" u="none" strike="noStrike" cap="none" spc="0" dirty="0" err="1">
+                <a:solidFill>
+                  <a:schemeClr val="tx1"/>
+                </a:solidFill>
+                <a:latin typeface="Times New Roman"/>
+                <a:cs typeface="Times New Roman"/>
+              </a:rPr>
+              <a:t>неповної</a:t>
+            </a:r>
+            <a:r>
+              <a:rPr lang="ru-RU" sz="1800" b="0" i="0" u="none" strike="noStrike" cap="none" spc="0" dirty="0">
+                <a:solidFill>
+                  <a:schemeClr val="tx1"/>
+                </a:solidFill>
+                <a:latin typeface="Times New Roman"/>
+                <a:cs typeface="Times New Roman"/>
+              </a:rPr>
+              <a:t> </a:t>
+            </a:r>
+            <a:r>
+              <a:rPr lang="ru-RU" sz="1800" b="0" i="0" u="none" strike="noStrike" cap="none" spc="0" dirty="0" err="1">
+                <a:solidFill>
+                  <a:schemeClr val="tx1"/>
+                </a:solidFill>
+                <a:latin typeface="Times New Roman"/>
+                <a:cs typeface="Times New Roman"/>
+              </a:rPr>
+              <a:t>інформації</a:t>
+            </a:r>
+            <a:r>
+              <a:rPr lang="ru-RU" sz="1800" b="0" i="0" u="none" strike="noStrike" cap="none" spc="0" dirty="0">
+                <a:solidFill>
+                  <a:schemeClr val="tx1"/>
+                </a:solidFill>
+                <a:latin typeface="Times New Roman"/>
+                <a:cs typeface="Times New Roman"/>
+              </a:rPr>
+              <a:t>, </a:t>
+            </a:r>
+            <a:r>
+              <a:rPr lang="ru-RU" sz="1800" b="0" i="0" u="none" strike="noStrike" cap="none" spc="0" dirty="0" err="1">
+                <a:solidFill>
+                  <a:schemeClr val="tx1"/>
+                </a:solidFill>
+                <a:latin typeface="Times New Roman"/>
+                <a:cs typeface="Times New Roman"/>
+              </a:rPr>
+              <a:t>щоб</a:t>
+            </a:r>
+            <a:r>
+              <a:rPr lang="ru-RU" sz="1800" b="0" i="0" u="none" strike="noStrike" cap="none" spc="0" dirty="0">
+                <a:solidFill>
+                  <a:schemeClr val="tx1"/>
+                </a:solidFill>
+                <a:latin typeface="Times New Roman"/>
+                <a:cs typeface="Times New Roman"/>
+              </a:rPr>
+              <a:t> </a:t>
+            </a:r>
+            <a:r>
+              <a:rPr lang="ru-RU" sz="1800" b="0" i="0" u="none" strike="noStrike" cap="none" spc="0" dirty="0" err="1">
+                <a:solidFill>
+                  <a:schemeClr val="tx1"/>
+                </a:solidFill>
+                <a:latin typeface="Times New Roman"/>
+                <a:cs typeface="Times New Roman"/>
+              </a:rPr>
+              <a:t>забезпечити</a:t>
+            </a:r>
+            <a:r>
+              <a:rPr lang="ru-RU" sz="1800" b="0" i="0" u="none" strike="noStrike" cap="none" spc="0" dirty="0">
+                <a:solidFill>
+                  <a:schemeClr val="tx1"/>
+                </a:solidFill>
+                <a:latin typeface="Times New Roman"/>
+                <a:cs typeface="Times New Roman"/>
+              </a:rPr>
+              <a:t> </a:t>
+            </a:r>
+            <a:r>
+              <a:rPr lang="ru-RU" sz="1800" b="0" i="0" u="none" strike="noStrike" cap="none" spc="0" dirty="0" err="1">
+                <a:solidFill>
+                  <a:schemeClr val="tx1"/>
+                </a:solidFill>
+                <a:latin typeface="Times New Roman"/>
+                <a:cs typeface="Times New Roman"/>
+              </a:rPr>
+              <a:t>безпеку</a:t>
+            </a:r>
+            <a:r>
+              <a:rPr lang="ru-RU" sz="1800" b="0" i="0" u="none" strike="noStrike" cap="none" spc="0" dirty="0">
+                <a:solidFill>
+                  <a:schemeClr val="tx1"/>
+                </a:solidFill>
+                <a:latin typeface="Times New Roman"/>
+                <a:cs typeface="Times New Roman"/>
+              </a:rPr>
+              <a:t> та </a:t>
+            </a:r>
+            <a:r>
+              <a:rPr lang="ru-RU" sz="1800" b="0" i="0" u="none" strike="noStrike" cap="none" spc="0" dirty="0" err="1">
+                <a:solidFill>
+                  <a:schemeClr val="tx1"/>
+                </a:solidFill>
+                <a:latin typeface="Times New Roman"/>
+                <a:cs typeface="Times New Roman"/>
+              </a:rPr>
+              <a:t>ефективність</a:t>
+            </a:r>
+            <a:r>
+              <a:rPr lang="ru-RU" sz="1800" b="0" i="0" u="none" strike="noStrike" cap="none" spc="0" dirty="0">
+                <a:solidFill>
+                  <a:schemeClr val="tx1"/>
+                </a:solidFill>
+                <a:latin typeface="Times New Roman"/>
+                <a:cs typeface="Times New Roman"/>
+              </a:rPr>
+              <a:t> </a:t>
+            </a:r>
+            <a:r>
+              <a:rPr lang="ru-RU" sz="1800" b="0" i="0" u="none" strike="noStrike" cap="none" spc="0" dirty="0" err="1">
+                <a:solidFill>
+                  <a:schemeClr val="tx1"/>
+                </a:solidFill>
+                <a:latin typeface="Times New Roman"/>
+                <a:cs typeface="Times New Roman"/>
+              </a:rPr>
+              <a:t>транзакцій</a:t>
+            </a:r>
+            <a:r>
+              <a:rPr lang="ru-RU" sz="1800" b="0" i="0" u="none" strike="noStrike" cap="none" spc="0" dirty="0">
+                <a:solidFill>
+                  <a:schemeClr val="tx1"/>
+                </a:solidFill>
+                <a:latin typeface="Times New Roman"/>
+                <a:cs typeface="Times New Roman"/>
+              </a:rPr>
+              <a:t>.</a:t>
+            </a:r>
+            <a:endParaRPr dirty="0">
               <a:latin typeface="Times New Roman"/>
               <a:cs typeface="Times New Roman"/>
             </a:endParaRPr>
@@ -10255,20 +7675,12 @@
   <p:clrMapOvr>
     <a:masterClrMapping/>
   </p:clrMapOvr>
-  <mc:AlternateContent xmlns:mc="http://schemas.openxmlformats.org/markup-compatibility/2006">
-    <mc:Choice xmlns:p14="http://schemas.microsoft.com/office/powerpoint/2010/main" Requires="p14">
-      <p:transition p14:dur="2000" advClick="1"/>
-    </mc:Choice>
-    <mc:Fallback>
-      <p:transition advClick="1"/>
-    </mc:Fallback>
-  </mc:AlternateContent>
 </p:sld>
 </file>
 
 <file path=ppt/slides/slide6.xml><?xml version="1.0" encoding="utf-8"?>
-<p:sld xmlns:a="http://schemas.openxmlformats.org/drawingml/2006/main" xmlns:r="http://schemas.openxmlformats.org/officeDocument/2006/relationships" xmlns:p="http://schemas.openxmlformats.org/presentationml/2006/main" xmlns:m="http://schemas.openxmlformats.org/officeDocument/2006/math" xmlns:w="http://schemas.openxmlformats.org/wordprocessingml/2006/main" showMasterPhAnim="0" showMasterSp="0" show="1">
-  <p:cSld name="">
+<p:sld xmlns:a="http://schemas.openxmlformats.org/drawingml/2006/main" xmlns:r="http://schemas.openxmlformats.org/officeDocument/2006/relationships" xmlns:p="http://schemas.openxmlformats.org/presentationml/2006/main" showMasterSp="0" showMasterPhAnim="0">
+  <p:cSld>
     <p:spTree>
       <p:nvGrpSpPr>
         <p:cNvPr id="1" name=""/>
@@ -10377,7 +7789,7 @@
             </a:pPr>
             <a:fld id="{F0DE9C11-6235-09BC-BB40-2342D69C24F4}" type="slidenum">
               <a:rPr sz="2800"/>
-              <a:t/>
+              <a:t>6</a:t>
             </a:fld>
             <a:endParaRPr/>
           </a:p>
@@ -10465,7 +7877,7 @@
       </p:sp>
       <p:pic>
         <p:nvPicPr>
-          <p:cNvPr id="1885683882" name=""/>
+          <p:cNvPr id="1885683882" name="Рисунок 1885683881"/>
           <p:cNvPicPr>
             <a:picLocks noChangeAspect="1"/>
           </p:cNvPicPr>
@@ -10476,7 +7888,7 @@
           <a:stretch/>
         </p:blipFill>
         <p:spPr bwMode="auto">
-          <a:xfrm flipH="0" flipV="0">
+          <a:xfrm>
             <a:off x="2167386" y="573216"/>
             <a:ext cx="8163098" cy="5794168"/>
           </a:xfrm>
@@ -10490,20 +7902,12 @@
   <p:clrMapOvr>
     <a:masterClrMapping/>
   </p:clrMapOvr>
-  <mc:AlternateContent xmlns:mc="http://schemas.openxmlformats.org/markup-compatibility/2006">
-    <mc:Choice xmlns:p14="http://schemas.microsoft.com/office/powerpoint/2010/main" Requires="p14">
-      <p:transition p14:dur="2000" advClick="1"/>
-    </mc:Choice>
-    <mc:Fallback>
-      <p:transition advClick="1"/>
-    </mc:Fallback>
-  </mc:AlternateContent>
 </p:sld>
 </file>
 
 <file path=ppt/slides/slide7.xml><?xml version="1.0" encoding="utf-8"?>
-<p:sld xmlns:a="http://schemas.openxmlformats.org/drawingml/2006/main" xmlns:r="http://schemas.openxmlformats.org/officeDocument/2006/relationships" xmlns:p="http://schemas.openxmlformats.org/presentationml/2006/main" xmlns:m="http://schemas.openxmlformats.org/officeDocument/2006/math" xmlns:w="http://schemas.openxmlformats.org/wordprocessingml/2006/main" showMasterPhAnim="0" showMasterSp="0" show="1">
-  <p:cSld name="">
+<p:sld xmlns:a="http://schemas.openxmlformats.org/drawingml/2006/main" xmlns:r="http://schemas.openxmlformats.org/officeDocument/2006/relationships" xmlns:p="http://schemas.openxmlformats.org/presentationml/2006/main" showMasterSp="0" showMasterPhAnim="0">
+  <p:cSld>
     <p:spTree>
       <p:nvGrpSpPr>
         <p:cNvPr id="1" name=""/>
@@ -10612,7 +8016,7 @@
             </a:pPr>
             <a:fld id="{EAFA53F4-7FB4-AE4B-1D46-CBC0E5FF6C1D}" type="slidenum">
               <a:rPr sz="2800"/>
-              <a:t/>
+              <a:t>7</a:t>
             </a:fld>
             <a:endParaRPr/>
           </a:p>
@@ -10661,7 +8065,7 @@
       </p:sp>
       <p:pic>
         <p:nvPicPr>
-          <p:cNvPr id="1270103085" name=""/>
+          <p:cNvPr id="1270103085" name="Рисунок 1270103084"/>
           <p:cNvPicPr>
             <a:picLocks noChangeAspect="1"/>
           </p:cNvPicPr>
@@ -10672,7 +8076,7 @@
           <a:stretch/>
         </p:blipFill>
         <p:spPr bwMode="auto">
-          <a:xfrm flipH="0" flipV="0">
+          <a:xfrm>
             <a:off x="5329606" y="513954"/>
             <a:ext cx="6372513" cy="5727999"/>
           </a:xfrm>
@@ -10683,46 +8087,14 @@
       </p:pic>
       <p:sp>
         <p:nvSpPr>
-          <p:cNvPr id="1148308241" name=""/>
-          <p:cNvSpPr txBox="1"/>
-          <p:nvPr/>
-        </p:nvSpPr>
-        <p:spPr bwMode="auto">
-          <a:xfrm flipH="0" flipV="0">
-            <a:off x="-114067" y="148194"/>
-            <a:ext cx="4140405" cy="366119"/>
-          </a:xfrm>
-          <a:prstGeom prst="rect">
-            <a:avLst/>
-          </a:prstGeom>
-          <a:noFill/>
-        </p:spPr>
-        <p:txBody>
-          <a:bodyPr vertOverflow="overflow" horzOverflow="overflow" vert="horz" wrap="square" lIns="91440" tIns="45720" rIns="91440" bIns="45720" numCol="1" spcCol="0" rtlCol="0" fromWordArt="0" anchor="t" anchorCtr="0" forceAA="0" upright="0" compatLnSpc="0">
-            <a:spAutoFit/>
-          </a:bodyPr>
-          <a:p>
-            <a:pPr algn="l">
-              <a:defRPr/>
-            </a:pPr>
-            <a:r>
-              <a:rPr/>
-              <a:t>:</a:t>
-            </a:r>
-            <a:endParaRPr/>
-          </a:p>
-        </p:txBody>
-      </p:sp>
-      <p:sp>
-        <p:nvSpPr>
           <p:cNvPr id="44149584" name="TextBox 3"/>
           <p:cNvSpPr txBox="1"/>
           <p:nvPr/>
         </p:nvSpPr>
         <p:spPr bwMode="auto">
           <a:xfrm>
-            <a:off x="15397" y="41513"/>
-            <a:ext cx="11741509" cy="579479"/>
+            <a:off x="26326" y="86874"/>
+            <a:ext cx="11629556" cy="579479"/>
           </a:xfrm>
           <a:prstGeom prst="rect">
             <a:avLst/>
@@ -10739,7 +8111,7 @@
               <a:defRPr/>
             </a:pPr>
             <a:r>
-              <a:rPr lang="ru-RU" sz="3200" b="0" i="0" u="none" strike="noStrike" cap="none" spc="0">
+              <a:rPr lang="ru-RU" sz="3200" b="0" i="0" u="none" strike="noStrike" cap="none" spc="0" dirty="0">
                 <a:solidFill>
                   <a:schemeClr val="tx1"/>
                 </a:solidFill>
@@ -10747,9 +8119,64 @@
                 <a:ea typeface="+mn-ea"/>
                 <a:cs typeface="Roboto"/>
               </a:rPr>
-              <a:t>UML diagram of сomponents</a:t>
-            </a:r>
-            <a:endParaRPr sz="3200" b="1">
+              <a:t>UML </a:t>
+            </a:r>
+            <a:r>
+              <a:rPr lang="ru-RU" sz="3200" b="0" i="0" u="none" strike="noStrike" cap="none" spc="0" dirty="0" err="1">
+                <a:solidFill>
+                  <a:schemeClr val="tx1"/>
+                </a:solidFill>
+                <a:latin typeface="Roboto"/>
+                <a:ea typeface="+mn-ea"/>
+                <a:cs typeface="Roboto"/>
+              </a:rPr>
+              <a:t>diagram</a:t>
+            </a:r>
+            <a:r>
+              <a:rPr lang="ru-RU" sz="3200" b="0" i="0" u="none" strike="noStrike" cap="none" spc="0" dirty="0">
+                <a:solidFill>
+                  <a:schemeClr val="tx1"/>
+                </a:solidFill>
+                <a:latin typeface="Roboto"/>
+                <a:ea typeface="+mn-ea"/>
+                <a:cs typeface="Roboto"/>
+              </a:rPr>
+              <a:t> </a:t>
+            </a:r>
+            <a:r>
+              <a:rPr lang="ru-RU" sz="3200" b="0" i="0" u="none" strike="noStrike" cap="none" spc="0" dirty="0" err="1">
+                <a:solidFill>
+                  <a:schemeClr val="tx1"/>
+                </a:solidFill>
+                <a:latin typeface="Roboto"/>
+                <a:ea typeface="+mn-ea"/>
+                <a:cs typeface="Roboto"/>
+              </a:rPr>
+              <a:t>of</a:t>
+            </a:r>
+            <a:r>
+              <a:rPr lang="ru-RU" sz="3200" b="0" i="0" u="none" strike="noStrike" cap="none" spc="0" dirty="0">
+                <a:solidFill>
+                  <a:schemeClr val="tx1"/>
+                </a:solidFill>
+                <a:latin typeface="Roboto"/>
+                <a:ea typeface="+mn-ea"/>
+                <a:cs typeface="Roboto"/>
+              </a:rPr>
+              <a:t> </a:t>
+            </a:r>
+            <a:r>
+              <a:rPr lang="ru-RU" sz="3200" b="0" i="0" u="none" strike="noStrike" cap="none" spc="0" dirty="0" err="1">
+                <a:solidFill>
+                  <a:schemeClr val="tx1"/>
+                </a:solidFill>
+                <a:latin typeface="Roboto"/>
+                <a:ea typeface="+mn-ea"/>
+                <a:cs typeface="Roboto"/>
+              </a:rPr>
+              <a:t>сomponents</a:t>
+            </a:r>
+            <a:endParaRPr sz="3200" b="1" dirty="0">
               <a:latin typeface="Roboto"/>
               <a:cs typeface="Roboto"/>
             </a:endParaRPr>
@@ -10758,12 +8185,12 @@
       </p:sp>
       <p:sp>
         <p:nvSpPr>
-          <p:cNvPr id="697833305" name=""/>
+          <p:cNvPr id="697833305" name="TextBox 697833304"/>
           <p:cNvSpPr txBox="1"/>
           <p:nvPr/>
         </p:nvSpPr>
         <p:spPr bwMode="auto">
-          <a:xfrm flipH="0" flipV="0">
+          <a:xfrm>
             <a:off x="127350" y="749053"/>
             <a:ext cx="4994769" cy="5303880"/>
           </a:xfrm>
@@ -10773,24 +8200,1325 @@
           <a:noFill/>
         </p:spPr>
         <p:txBody>
-          <a:bodyPr vertOverflow="overflow" horzOverflow="overflow" vert="horz" wrap="square" lIns="91440" tIns="45720" rIns="91440" bIns="45720" numCol="1" spcCol="0" rtlCol="0" fromWordArt="0" anchor="t" anchorCtr="0" forceAA="0" upright="0" compatLnSpc="0">
+          <a:bodyPr vertOverflow="overflow" horzOverflow="overflow" vert="horz" wrap="square" lIns="91440" tIns="45720" rIns="91440" bIns="45720" numCol="1" spcCol="0" rtlCol="0" fromWordArt="0" anchor="t" anchorCtr="0" forceAA="0" compatLnSpc="0">
             <a:spAutoFit/>
           </a:bodyPr>
+          <a:lstStyle/>
           <a:p>
             <a:pPr algn="just">
               <a:defRPr/>
             </a:pPr>
             <a:r>
-              <a:rPr lang="ru-RU" sz="1800" b="0" i="0" u="none" strike="noStrike" cap="none" spc="0">
-                <a:solidFill>
-                  <a:schemeClr val="tx1"/>
-                </a:solidFill>
-                <a:latin typeface="Times New Roman"/>
-                <a:cs typeface="Times New Roman"/>
-              </a:rPr>
-              <a:t>Наш веб-гаманець на основі блокчейну використовує архітектуру Model-View-Controller (MVC) для оптимізації операцій та покращення користувацького досвіду. Модель відповідає основним даним і правилам нашого додатку, таким як інформація про обліковий запис користувача і логіка транзакцій. Представлення керує відображенням інформації, наприклад, інтерфейсами перевірки балансу та створення транзакцій. Нарешті, контролер обробляє дані, введені користувачем, виконуючи такі дії, як перевірка балансу рахунку або створення транзакцій. Така структура забезпечує ефективне управління даними, безперебійну взаємодію з користувацьким інтерфейсом та ефективну обробку дій користувача, що в підсумку створює безперебійну та інтуїтивно зрозумілу роботу для користувачів нашого гаманця.</a:t>
-            </a:r>
-            <a:endParaRPr>
+              <a:rPr lang="ru-RU" sz="1800" b="0" i="0" u="none" strike="noStrike" cap="none" spc="0" dirty="0">
+                <a:solidFill>
+                  <a:schemeClr val="tx1"/>
+                </a:solidFill>
+                <a:latin typeface="Times New Roman"/>
+                <a:cs typeface="Times New Roman"/>
+              </a:rPr>
+              <a:t>Наш веб-</a:t>
+            </a:r>
+            <a:r>
+              <a:rPr lang="ru-RU" sz="1800" b="0" i="0" u="none" strike="noStrike" cap="none" spc="0" dirty="0" err="1">
+                <a:solidFill>
+                  <a:schemeClr val="tx1"/>
+                </a:solidFill>
+                <a:latin typeface="Times New Roman"/>
+                <a:cs typeface="Times New Roman"/>
+              </a:rPr>
+              <a:t>гаманець</a:t>
+            </a:r>
+            <a:r>
+              <a:rPr lang="ru-RU" sz="1800" b="0" i="0" u="none" strike="noStrike" cap="none" spc="0" dirty="0">
+                <a:solidFill>
+                  <a:schemeClr val="tx1"/>
+                </a:solidFill>
+                <a:latin typeface="Times New Roman"/>
+                <a:cs typeface="Times New Roman"/>
+              </a:rPr>
+              <a:t> на </a:t>
+            </a:r>
+            <a:r>
+              <a:rPr lang="ru-RU" sz="1800" b="0" i="0" u="none" strike="noStrike" cap="none" spc="0" dirty="0" err="1">
+                <a:solidFill>
+                  <a:schemeClr val="tx1"/>
+                </a:solidFill>
+                <a:latin typeface="Times New Roman"/>
+                <a:cs typeface="Times New Roman"/>
+              </a:rPr>
+              <a:t>основі</a:t>
+            </a:r>
+            <a:r>
+              <a:rPr lang="ru-RU" sz="1800" b="0" i="0" u="none" strike="noStrike" cap="none" spc="0" dirty="0">
+                <a:solidFill>
+                  <a:schemeClr val="tx1"/>
+                </a:solidFill>
+                <a:latin typeface="Times New Roman"/>
+                <a:cs typeface="Times New Roman"/>
+              </a:rPr>
+              <a:t> блокчейну </a:t>
+            </a:r>
+            <a:r>
+              <a:rPr lang="ru-RU" sz="1800" b="0" i="0" u="none" strike="noStrike" cap="none" spc="0" dirty="0" err="1">
+                <a:solidFill>
+                  <a:schemeClr val="tx1"/>
+                </a:solidFill>
+                <a:latin typeface="Times New Roman"/>
+                <a:cs typeface="Times New Roman"/>
+              </a:rPr>
+              <a:t>використовує</a:t>
+            </a:r>
+            <a:r>
+              <a:rPr lang="ru-RU" sz="1800" b="0" i="0" u="none" strike="noStrike" cap="none" spc="0" dirty="0">
+                <a:solidFill>
+                  <a:schemeClr val="tx1"/>
+                </a:solidFill>
+                <a:latin typeface="Times New Roman"/>
+                <a:cs typeface="Times New Roman"/>
+              </a:rPr>
+              <a:t> </a:t>
+            </a:r>
+            <a:r>
+              <a:rPr lang="ru-RU" sz="1800" b="0" i="0" u="none" strike="noStrike" cap="none" spc="0" dirty="0" err="1">
+                <a:solidFill>
+                  <a:schemeClr val="tx1"/>
+                </a:solidFill>
+                <a:latin typeface="Times New Roman"/>
+                <a:cs typeface="Times New Roman"/>
+              </a:rPr>
+              <a:t>архітектуру</a:t>
+            </a:r>
+            <a:r>
+              <a:rPr lang="ru-RU" sz="1800" b="0" i="0" u="none" strike="noStrike" cap="none" spc="0" dirty="0">
+                <a:solidFill>
+                  <a:schemeClr val="tx1"/>
+                </a:solidFill>
+                <a:latin typeface="Times New Roman"/>
+                <a:cs typeface="Times New Roman"/>
+              </a:rPr>
+              <a:t> Model-View-</a:t>
+            </a:r>
+            <a:r>
+              <a:rPr lang="ru-RU" sz="1800" b="0" i="0" u="none" strike="noStrike" cap="none" spc="0" dirty="0" err="1">
+                <a:solidFill>
+                  <a:schemeClr val="tx1"/>
+                </a:solidFill>
+                <a:latin typeface="Times New Roman"/>
+                <a:cs typeface="Times New Roman"/>
+              </a:rPr>
+              <a:t>Controller</a:t>
+            </a:r>
+            <a:r>
+              <a:rPr lang="ru-RU" sz="1800" b="0" i="0" u="none" strike="noStrike" cap="none" spc="0" dirty="0">
+                <a:solidFill>
+                  <a:schemeClr val="tx1"/>
+                </a:solidFill>
+                <a:latin typeface="Times New Roman"/>
+                <a:cs typeface="Times New Roman"/>
+              </a:rPr>
+              <a:t> (MVC) для </a:t>
+            </a:r>
+            <a:r>
+              <a:rPr lang="ru-RU" sz="1800" b="0" i="0" u="none" strike="noStrike" cap="none" spc="0" dirty="0" err="1">
+                <a:solidFill>
+                  <a:schemeClr val="tx1"/>
+                </a:solidFill>
+                <a:latin typeface="Times New Roman"/>
+                <a:cs typeface="Times New Roman"/>
+              </a:rPr>
+              <a:t>оптимізації</a:t>
+            </a:r>
+            <a:r>
+              <a:rPr lang="ru-RU" sz="1800" b="0" i="0" u="none" strike="noStrike" cap="none" spc="0" dirty="0">
+                <a:solidFill>
+                  <a:schemeClr val="tx1"/>
+                </a:solidFill>
+                <a:latin typeface="Times New Roman"/>
+                <a:cs typeface="Times New Roman"/>
+              </a:rPr>
+              <a:t> </a:t>
+            </a:r>
+            <a:r>
+              <a:rPr lang="ru-RU" sz="1800" b="0" i="0" u="none" strike="noStrike" cap="none" spc="0" dirty="0" err="1">
+                <a:solidFill>
+                  <a:schemeClr val="tx1"/>
+                </a:solidFill>
+                <a:latin typeface="Times New Roman"/>
+                <a:cs typeface="Times New Roman"/>
+              </a:rPr>
+              <a:t>операцій</a:t>
+            </a:r>
+            <a:r>
+              <a:rPr lang="ru-RU" sz="1800" b="0" i="0" u="none" strike="noStrike" cap="none" spc="0" dirty="0">
+                <a:solidFill>
+                  <a:schemeClr val="tx1"/>
+                </a:solidFill>
+                <a:latin typeface="Times New Roman"/>
+                <a:cs typeface="Times New Roman"/>
+              </a:rPr>
+              <a:t> та </a:t>
+            </a:r>
+            <a:r>
+              <a:rPr lang="ru-RU" sz="1800" b="0" i="0" u="none" strike="noStrike" cap="none" spc="0" dirty="0" err="1">
+                <a:solidFill>
+                  <a:schemeClr val="tx1"/>
+                </a:solidFill>
+                <a:latin typeface="Times New Roman"/>
+                <a:cs typeface="Times New Roman"/>
+              </a:rPr>
+              <a:t>покращення</a:t>
+            </a:r>
+            <a:r>
+              <a:rPr lang="ru-RU" sz="1800" b="0" i="0" u="none" strike="noStrike" cap="none" spc="0" dirty="0">
+                <a:solidFill>
+                  <a:schemeClr val="tx1"/>
+                </a:solidFill>
+                <a:latin typeface="Times New Roman"/>
+                <a:cs typeface="Times New Roman"/>
+              </a:rPr>
+              <a:t> </a:t>
+            </a:r>
+            <a:r>
+              <a:rPr lang="ru-RU" sz="1800" b="0" i="0" u="none" strike="noStrike" cap="none" spc="0" dirty="0" err="1">
+                <a:solidFill>
+                  <a:schemeClr val="tx1"/>
+                </a:solidFill>
+                <a:latin typeface="Times New Roman"/>
+                <a:cs typeface="Times New Roman"/>
+              </a:rPr>
+              <a:t>користувацького</a:t>
+            </a:r>
+            <a:r>
+              <a:rPr lang="ru-RU" sz="1800" b="0" i="0" u="none" strike="noStrike" cap="none" spc="0" dirty="0">
+                <a:solidFill>
+                  <a:schemeClr val="tx1"/>
+                </a:solidFill>
+                <a:latin typeface="Times New Roman"/>
+                <a:cs typeface="Times New Roman"/>
+              </a:rPr>
+              <a:t> </a:t>
+            </a:r>
+            <a:r>
+              <a:rPr lang="ru-RU" sz="1800" b="0" i="0" u="none" strike="noStrike" cap="none" spc="0" dirty="0" err="1">
+                <a:solidFill>
+                  <a:schemeClr val="tx1"/>
+                </a:solidFill>
+                <a:latin typeface="Times New Roman"/>
+                <a:cs typeface="Times New Roman"/>
+              </a:rPr>
+              <a:t>досвіду</a:t>
+            </a:r>
+            <a:r>
+              <a:rPr lang="ru-RU" sz="1800" b="0" i="0" u="none" strike="noStrike" cap="none" spc="0" dirty="0">
+                <a:solidFill>
+                  <a:schemeClr val="tx1"/>
+                </a:solidFill>
+                <a:latin typeface="Times New Roman"/>
+                <a:cs typeface="Times New Roman"/>
+              </a:rPr>
+              <a:t>. Модель </a:t>
+            </a:r>
+            <a:r>
+              <a:rPr lang="ru-RU" sz="1800" b="0" i="0" u="none" strike="noStrike" cap="none" spc="0" dirty="0" err="1">
+                <a:solidFill>
+                  <a:schemeClr val="tx1"/>
+                </a:solidFill>
+                <a:latin typeface="Times New Roman"/>
+                <a:cs typeface="Times New Roman"/>
+              </a:rPr>
+              <a:t>відповідає</a:t>
+            </a:r>
+            <a:r>
+              <a:rPr lang="ru-RU" sz="1800" b="0" i="0" u="none" strike="noStrike" cap="none" spc="0" dirty="0">
+                <a:solidFill>
+                  <a:schemeClr val="tx1"/>
+                </a:solidFill>
+                <a:latin typeface="Times New Roman"/>
+                <a:cs typeface="Times New Roman"/>
+              </a:rPr>
+              <a:t> </a:t>
+            </a:r>
+            <a:r>
+              <a:rPr lang="ru-RU" sz="1800" b="0" i="0" u="none" strike="noStrike" cap="none" spc="0" dirty="0" err="1">
+                <a:solidFill>
+                  <a:schemeClr val="tx1"/>
+                </a:solidFill>
+                <a:latin typeface="Times New Roman"/>
+                <a:cs typeface="Times New Roman"/>
+              </a:rPr>
+              <a:t>основним</a:t>
+            </a:r>
+            <a:r>
+              <a:rPr lang="ru-RU" sz="1800" b="0" i="0" u="none" strike="noStrike" cap="none" spc="0" dirty="0">
+                <a:solidFill>
+                  <a:schemeClr val="tx1"/>
+                </a:solidFill>
+                <a:latin typeface="Times New Roman"/>
+                <a:cs typeface="Times New Roman"/>
+              </a:rPr>
+              <a:t> </a:t>
+            </a:r>
+            <a:r>
+              <a:rPr lang="ru-RU" sz="1800" b="0" i="0" u="none" strike="noStrike" cap="none" spc="0" dirty="0" err="1">
+                <a:solidFill>
+                  <a:schemeClr val="tx1"/>
+                </a:solidFill>
+                <a:latin typeface="Times New Roman"/>
+                <a:cs typeface="Times New Roman"/>
+              </a:rPr>
+              <a:t>даним</a:t>
+            </a:r>
+            <a:r>
+              <a:rPr lang="ru-RU" sz="1800" b="0" i="0" u="none" strike="noStrike" cap="none" spc="0" dirty="0">
+                <a:solidFill>
+                  <a:schemeClr val="tx1"/>
+                </a:solidFill>
+                <a:latin typeface="Times New Roman"/>
+                <a:cs typeface="Times New Roman"/>
+              </a:rPr>
+              <a:t> і правилам </a:t>
+            </a:r>
+            <a:r>
+              <a:rPr lang="ru-RU" sz="1800" b="0" i="0" u="none" strike="noStrike" cap="none" spc="0" dirty="0" err="1">
+                <a:solidFill>
+                  <a:schemeClr val="tx1"/>
+                </a:solidFill>
+                <a:latin typeface="Times New Roman"/>
+                <a:cs typeface="Times New Roman"/>
+              </a:rPr>
+              <a:t>нашого</a:t>
+            </a:r>
+            <a:r>
+              <a:rPr lang="ru-RU" sz="1800" b="0" i="0" u="none" strike="noStrike" cap="none" spc="0" dirty="0">
+                <a:solidFill>
+                  <a:schemeClr val="tx1"/>
+                </a:solidFill>
+                <a:latin typeface="Times New Roman"/>
+                <a:cs typeface="Times New Roman"/>
+              </a:rPr>
+              <a:t> </a:t>
+            </a:r>
+            <a:r>
+              <a:rPr lang="ru-RU" sz="1800" b="0" i="0" u="none" strike="noStrike" cap="none" spc="0" dirty="0" err="1">
+                <a:solidFill>
+                  <a:schemeClr val="tx1"/>
+                </a:solidFill>
+                <a:latin typeface="Times New Roman"/>
+                <a:cs typeface="Times New Roman"/>
+              </a:rPr>
+              <a:t>додатку</a:t>
+            </a:r>
+            <a:r>
+              <a:rPr lang="ru-RU" sz="1800" b="0" i="0" u="none" strike="noStrike" cap="none" spc="0" dirty="0">
+                <a:solidFill>
+                  <a:schemeClr val="tx1"/>
+                </a:solidFill>
+                <a:latin typeface="Times New Roman"/>
+                <a:cs typeface="Times New Roman"/>
+              </a:rPr>
+              <a:t>, таким як </a:t>
+            </a:r>
+            <a:r>
+              <a:rPr lang="ru-RU" sz="1800" b="0" i="0" u="none" strike="noStrike" cap="none" spc="0" dirty="0" err="1">
+                <a:solidFill>
+                  <a:schemeClr val="tx1"/>
+                </a:solidFill>
+                <a:latin typeface="Times New Roman"/>
+                <a:cs typeface="Times New Roman"/>
+              </a:rPr>
+              <a:t>інформація</a:t>
+            </a:r>
+            <a:r>
+              <a:rPr lang="ru-RU" sz="1800" b="0" i="0" u="none" strike="noStrike" cap="none" spc="0" dirty="0">
+                <a:solidFill>
+                  <a:schemeClr val="tx1"/>
+                </a:solidFill>
+                <a:latin typeface="Times New Roman"/>
+                <a:cs typeface="Times New Roman"/>
+              </a:rPr>
+              <a:t> про </a:t>
+            </a:r>
+            <a:r>
+              <a:rPr lang="ru-RU" sz="1800" b="0" i="0" u="none" strike="noStrike" cap="none" spc="0" dirty="0" err="1">
+                <a:solidFill>
+                  <a:schemeClr val="tx1"/>
+                </a:solidFill>
+                <a:latin typeface="Times New Roman"/>
+                <a:cs typeface="Times New Roman"/>
+              </a:rPr>
+              <a:t>обліковий</a:t>
+            </a:r>
+            <a:r>
+              <a:rPr lang="ru-RU" sz="1800" b="0" i="0" u="none" strike="noStrike" cap="none" spc="0" dirty="0">
+                <a:solidFill>
+                  <a:schemeClr val="tx1"/>
+                </a:solidFill>
+                <a:latin typeface="Times New Roman"/>
+                <a:cs typeface="Times New Roman"/>
+              </a:rPr>
+              <a:t> </a:t>
+            </a:r>
+            <a:r>
+              <a:rPr lang="ru-RU" sz="1800" b="0" i="0" u="none" strike="noStrike" cap="none" spc="0" dirty="0" err="1">
+                <a:solidFill>
+                  <a:schemeClr val="tx1"/>
+                </a:solidFill>
+                <a:latin typeface="Times New Roman"/>
+                <a:cs typeface="Times New Roman"/>
+              </a:rPr>
+              <a:t>запис</a:t>
+            </a:r>
+            <a:r>
+              <a:rPr lang="ru-RU" sz="1800" b="0" i="0" u="none" strike="noStrike" cap="none" spc="0" dirty="0">
+                <a:solidFill>
+                  <a:schemeClr val="tx1"/>
+                </a:solidFill>
+                <a:latin typeface="Times New Roman"/>
+                <a:cs typeface="Times New Roman"/>
+              </a:rPr>
+              <a:t> </a:t>
+            </a:r>
+            <a:r>
+              <a:rPr lang="ru-RU" sz="1800" b="0" i="0" u="none" strike="noStrike" cap="none" spc="0" dirty="0" err="1">
+                <a:solidFill>
+                  <a:schemeClr val="tx1"/>
+                </a:solidFill>
+                <a:latin typeface="Times New Roman"/>
+                <a:cs typeface="Times New Roman"/>
+              </a:rPr>
+              <a:t>користувача</a:t>
+            </a:r>
+            <a:r>
+              <a:rPr lang="ru-RU" sz="1800" b="0" i="0" u="none" strike="noStrike" cap="none" spc="0" dirty="0">
+                <a:solidFill>
+                  <a:schemeClr val="tx1"/>
+                </a:solidFill>
+                <a:latin typeface="Times New Roman"/>
+                <a:cs typeface="Times New Roman"/>
+              </a:rPr>
+              <a:t> і </a:t>
+            </a:r>
+            <a:r>
+              <a:rPr lang="ru-RU" sz="1800" b="0" i="0" u="none" strike="noStrike" cap="none" spc="0" dirty="0" err="1">
+                <a:solidFill>
+                  <a:schemeClr val="tx1"/>
+                </a:solidFill>
+                <a:latin typeface="Times New Roman"/>
+                <a:cs typeface="Times New Roman"/>
+              </a:rPr>
+              <a:t>логіка</a:t>
+            </a:r>
+            <a:r>
+              <a:rPr lang="ru-RU" sz="1800" b="0" i="0" u="none" strike="noStrike" cap="none" spc="0" dirty="0">
+                <a:solidFill>
+                  <a:schemeClr val="tx1"/>
+                </a:solidFill>
+                <a:latin typeface="Times New Roman"/>
+                <a:cs typeface="Times New Roman"/>
+              </a:rPr>
+              <a:t> </a:t>
+            </a:r>
+            <a:r>
+              <a:rPr lang="ru-RU" sz="1800" b="0" i="0" u="none" strike="noStrike" cap="none" spc="0" dirty="0" err="1">
+                <a:solidFill>
+                  <a:schemeClr val="tx1"/>
+                </a:solidFill>
+                <a:latin typeface="Times New Roman"/>
+                <a:cs typeface="Times New Roman"/>
+              </a:rPr>
+              <a:t>транзакцій</a:t>
+            </a:r>
+            <a:r>
+              <a:rPr lang="ru-RU" sz="1800" b="0" i="0" u="none" strike="noStrike" cap="none" spc="0" dirty="0">
+                <a:solidFill>
+                  <a:schemeClr val="tx1"/>
+                </a:solidFill>
+                <a:latin typeface="Times New Roman"/>
+                <a:cs typeface="Times New Roman"/>
+              </a:rPr>
+              <a:t>. </a:t>
+            </a:r>
+            <a:r>
+              <a:rPr lang="ru-RU" sz="1800" b="0" i="0" u="none" strike="noStrike" cap="none" spc="0" dirty="0" err="1">
+                <a:solidFill>
+                  <a:schemeClr val="tx1"/>
+                </a:solidFill>
+                <a:latin typeface="Times New Roman"/>
+                <a:cs typeface="Times New Roman"/>
+              </a:rPr>
+              <a:t>Представлення</a:t>
+            </a:r>
+            <a:r>
+              <a:rPr lang="ru-RU" sz="1800" b="0" i="0" u="none" strike="noStrike" cap="none" spc="0" dirty="0">
+                <a:solidFill>
+                  <a:schemeClr val="tx1"/>
+                </a:solidFill>
+                <a:latin typeface="Times New Roman"/>
+                <a:cs typeface="Times New Roman"/>
+              </a:rPr>
+              <a:t> </a:t>
+            </a:r>
+            <a:r>
+              <a:rPr lang="ru-RU" sz="1800" b="0" i="0" u="none" strike="noStrike" cap="none" spc="0" dirty="0" err="1">
+                <a:solidFill>
+                  <a:schemeClr val="tx1"/>
+                </a:solidFill>
+                <a:latin typeface="Times New Roman"/>
+                <a:cs typeface="Times New Roman"/>
+              </a:rPr>
+              <a:t>керує</a:t>
+            </a:r>
+            <a:r>
+              <a:rPr lang="ru-RU" sz="1800" b="0" i="0" u="none" strike="noStrike" cap="none" spc="0" dirty="0">
+                <a:solidFill>
+                  <a:schemeClr val="tx1"/>
+                </a:solidFill>
+                <a:latin typeface="Times New Roman"/>
+                <a:cs typeface="Times New Roman"/>
+              </a:rPr>
+              <a:t> </a:t>
+            </a:r>
+            <a:r>
+              <a:rPr lang="ru-RU" sz="1800" b="0" i="0" u="none" strike="noStrike" cap="none" spc="0" dirty="0" err="1">
+                <a:solidFill>
+                  <a:schemeClr val="tx1"/>
+                </a:solidFill>
+                <a:latin typeface="Times New Roman"/>
+                <a:cs typeface="Times New Roman"/>
+              </a:rPr>
+              <a:t>відображенням</a:t>
+            </a:r>
+            <a:r>
+              <a:rPr lang="ru-RU" sz="1800" b="0" i="0" u="none" strike="noStrike" cap="none" spc="0" dirty="0">
+                <a:solidFill>
+                  <a:schemeClr val="tx1"/>
+                </a:solidFill>
+                <a:latin typeface="Times New Roman"/>
+                <a:cs typeface="Times New Roman"/>
+              </a:rPr>
+              <a:t> </a:t>
+            </a:r>
+            <a:r>
+              <a:rPr lang="ru-RU" sz="1800" b="0" i="0" u="none" strike="noStrike" cap="none" spc="0" dirty="0" err="1">
+                <a:solidFill>
+                  <a:schemeClr val="tx1"/>
+                </a:solidFill>
+                <a:latin typeface="Times New Roman"/>
+                <a:cs typeface="Times New Roman"/>
+              </a:rPr>
+              <a:t>інформації</a:t>
+            </a:r>
+            <a:r>
+              <a:rPr lang="ru-RU" sz="1800" b="0" i="0" u="none" strike="noStrike" cap="none" spc="0" dirty="0">
+                <a:solidFill>
+                  <a:schemeClr val="tx1"/>
+                </a:solidFill>
+                <a:latin typeface="Times New Roman"/>
+                <a:cs typeface="Times New Roman"/>
+              </a:rPr>
+              <a:t>, </a:t>
+            </a:r>
+            <a:r>
+              <a:rPr lang="ru-RU" sz="1800" b="0" i="0" u="none" strike="noStrike" cap="none" spc="0" dirty="0" err="1">
+                <a:solidFill>
+                  <a:schemeClr val="tx1"/>
+                </a:solidFill>
+                <a:latin typeface="Times New Roman"/>
+                <a:cs typeface="Times New Roman"/>
+              </a:rPr>
+              <a:t>наприклад</a:t>
+            </a:r>
+            <a:r>
+              <a:rPr lang="ru-RU" sz="1800" b="0" i="0" u="none" strike="noStrike" cap="none" spc="0" dirty="0">
+                <a:solidFill>
+                  <a:schemeClr val="tx1"/>
+                </a:solidFill>
+                <a:latin typeface="Times New Roman"/>
+                <a:cs typeface="Times New Roman"/>
+              </a:rPr>
+              <a:t>, </a:t>
+            </a:r>
+            <a:r>
+              <a:rPr lang="ru-RU" sz="1800" b="0" i="0" u="none" strike="noStrike" cap="none" spc="0" dirty="0" err="1">
+                <a:solidFill>
+                  <a:schemeClr val="tx1"/>
+                </a:solidFill>
+                <a:latin typeface="Times New Roman"/>
+                <a:cs typeface="Times New Roman"/>
+              </a:rPr>
+              <a:t>інтерфейсами</a:t>
+            </a:r>
+            <a:r>
+              <a:rPr lang="ru-RU" sz="1800" b="0" i="0" u="none" strike="noStrike" cap="none" spc="0" dirty="0">
+                <a:solidFill>
+                  <a:schemeClr val="tx1"/>
+                </a:solidFill>
+                <a:latin typeface="Times New Roman"/>
+                <a:cs typeface="Times New Roman"/>
+              </a:rPr>
+              <a:t> </a:t>
+            </a:r>
+            <a:r>
+              <a:rPr lang="ru-RU" sz="1800" b="0" i="0" u="none" strike="noStrike" cap="none" spc="0" dirty="0" err="1">
+                <a:solidFill>
+                  <a:schemeClr val="tx1"/>
+                </a:solidFill>
+                <a:latin typeface="Times New Roman"/>
+                <a:cs typeface="Times New Roman"/>
+              </a:rPr>
+              <a:t>перевірки</a:t>
+            </a:r>
+            <a:r>
+              <a:rPr lang="ru-RU" sz="1800" b="0" i="0" u="none" strike="noStrike" cap="none" spc="0" dirty="0">
+                <a:solidFill>
+                  <a:schemeClr val="tx1"/>
+                </a:solidFill>
+                <a:latin typeface="Times New Roman"/>
+                <a:cs typeface="Times New Roman"/>
+              </a:rPr>
+              <a:t> балансу та </a:t>
+            </a:r>
+            <a:r>
+              <a:rPr lang="ru-RU" sz="1800" b="0" i="0" u="none" strike="noStrike" cap="none" spc="0" dirty="0" err="1">
+                <a:solidFill>
+                  <a:schemeClr val="tx1"/>
+                </a:solidFill>
+                <a:latin typeface="Times New Roman"/>
+                <a:cs typeface="Times New Roman"/>
+              </a:rPr>
+              <a:t>створення</a:t>
+            </a:r>
+            <a:r>
+              <a:rPr lang="ru-RU" sz="1800" b="0" i="0" u="none" strike="noStrike" cap="none" spc="0" dirty="0">
+                <a:solidFill>
+                  <a:schemeClr val="tx1"/>
+                </a:solidFill>
+                <a:latin typeface="Times New Roman"/>
+                <a:cs typeface="Times New Roman"/>
+              </a:rPr>
+              <a:t> </a:t>
+            </a:r>
+            <a:r>
+              <a:rPr lang="ru-RU" sz="1800" b="0" i="0" u="none" strike="noStrike" cap="none" spc="0" dirty="0" err="1">
+                <a:solidFill>
+                  <a:schemeClr val="tx1"/>
+                </a:solidFill>
+                <a:latin typeface="Times New Roman"/>
+                <a:cs typeface="Times New Roman"/>
+              </a:rPr>
+              <a:t>транзакцій</a:t>
+            </a:r>
+            <a:r>
+              <a:rPr lang="ru-RU" sz="1800" b="0" i="0" u="none" strike="noStrike" cap="none" spc="0" dirty="0">
+                <a:solidFill>
+                  <a:schemeClr val="tx1"/>
+                </a:solidFill>
+                <a:latin typeface="Times New Roman"/>
+                <a:cs typeface="Times New Roman"/>
+              </a:rPr>
+              <a:t>. </a:t>
+            </a:r>
+            <a:r>
+              <a:rPr lang="ru-RU" sz="1800" b="0" i="0" u="none" strike="noStrike" cap="none" spc="0" dirty="0" err="1">
+                <a:solidFill>
+                  <a:schemeClr val="tx1"/>
+                </a:solidFill>
+                <a:latin typeface="Times New Roman"/>
+                <a:cs typeface="Times New Roman"/>
+              </a:rPr>
+              <a:t>Нарешті</a:t>
+            </a:r>
+            <a:r>
+              <a:rPr lang="ru-RU" sz="1800" b="0" i="0" u="none" strike="noStrike" cap="none" spc="0" dirty="0">
+                <a:solidFill>
+                  <a:schemeClr val="tx1"/>
+                </a:solidFill>
+                <a:latin typeface="Times New Roman"/>
+                <a:cs typeface="Times New Roman"/>
+              </a:rPr>
+              <a:t>, контролер </a:t>
+            </a:r>
+            <a:r>
+              <a:rPr lang="ru-RU" sz="1800" b="0" i="0" u="none" strike="noStrike" cap="none" spc="0" dirty="0" err="1">
+                <a:solidFill>
+                  <a:schemeClr val="tx1"/>
+                </a:solidFill>
+                <a:latin typeface="Times New Roman"/>
+                <a:cs typeface="Times New Roman"/>
+              </a:rPr>
+              <a:t>обробляє</a:t>
+            </a:r>
+            <a:r>
+              <a:rPr lang="ru-RU" sz="1800" b="0" i="0" u="none" strike="noStrike" cap="none" spc="0" dirty="0">
+                <a:solidFill>
+                  <a:schemeClr val="tx1"/>
+                </a:solidFill>
+                <a:latin typeface="Times New Roman"/>
+                <a:cs typeface="Times New Roman"/>
+              </a:rPr>
+              <a:t> </a:t>
+            </a:r>
+            <a:r>
+              <a:rPr lang="ru-RU" sz="1800" b="0" i="0" u="none" strike="noStrike" cap="none" spc="0" dirty="0" err="1">
+                <a:solidFill>
+                  <a:schemeClr val="tx1"/>
+                </a:solidFill>
+                <a:latin typeface="Times New Roman"/>
+                <a:cs typeface="Times New Roman"/>
+              </a:rPr>
+              <a:t>дані</a:t>
+            </a:r>
+            <a:r>
+              <a:rPr lang="ru-RU" sz="1800" b="0" i="0" u="none" strike="noStrike" cap="none" spc="0" dirty="0">
+                <a:solidFill>
+                  <a:schemeClr val="tx1"/>
+                </a:solidFill>
+                <a:latin typeface="Times New Roman"/>
+                <a:cs typeface="Times New Roman"/>
+              </a:rPr>
+              <a:t>, </a:t>
+            </a:r>
+            <a:r>
+              <a:rPr lang="ru-RU" sz="1800" b="0" i="0" u="none" strike="noStrike" cap="none" spc="0" dirty="0" err="1">
+                <a:solidFill>
+                  <a:schemeClr val="tx1"/>
+                </a:solidFill>
+                <a:latin typeface="Times New Roman"/>
+                <a:cs typeface="Times New Roman"/>
+              </a:rPr>
+              <a:t>введені</a:t>
+            </a:r>
+            <a:r>
+              <a:rPr lang="ru-RU" sz="1800" b="0" i="0" u="none" strike="noStrike" cap="none" spc="0" dirty="0">
+                <a:solidFill>
+                  <a:schemeClr val="tx1"/>
+                </a:solidFill>
+                <a:latin typeface="Times New Roman"/>
+                <a:cs typeface="Times New Roman"/>
+              </a:rPr>
+              <a:t> </a:t>
+            </a:r>
+            <a:r>
+              <a:rPr lang="ru-RU" sz="1800" b="0" i="0" u="none" strike="noStrike" cap="none" spc="0" dirty="0" err="1">
+                <a:solidFill>
+                  <a:schemeClr val="tx1"/>
+                </a:solidFill>
+                <a:latin typeface="Times New Roman"/>
+                <a:cs typeface="Times New Roman"/>
+              </a:rPr>
+              <a:t>користувачем</a:t>
+            </a:r>
+            <a:r>
+              <a:rPr lang="ru-RU" sz="1800" b="0" i="0" u="none" strike="noStrike" cap="none" spc="0" dirty="0">
+                <a:solidFill>
+                  <a:schemeClr val="tx1"/>
+                </a:solidFill>
+                <a:latin typeface="Times New Roman"/>
+                <a:cs typeface="Times New Roman"/>
+              </a:rPr>
+              <a:t>, </a:t>
+            </a:r>
+            <a:r>
+              <a:rPr lang="ru-RU" sz="1800" b="0" i="0" u="none" strike="noStrike" cap="none" spc="0" dirty="0" err="1">
+                <a:solidFill>
+                  <a:schemeClr val="tx1"/>
+                </a:solidFill>
+                <a:latin typeface="Times New Roman"/>
+                <a:cs typeface="Times New Roman"/>
+              </a:rPr>
+              <a:t>виконуючи</a:t>
+            </a:r>
+            <a:r>
+              <a:rPr lang="ru-RU" sz="1800" b="0" i="0" u="none" strike="noStrike" cap="none" spc="0" dirty="0">
+                <a:solidFill>
+                  <a:schemeClr val="tx1"/>
+                </a:solidFill>
+                <a:latin typeface="Times New Roman"/>
+                <a:cs typeface="Times New Roman"/>
+              </a:rPr>
+              <a:t> </a:t>
+            </a:r>
+            <a:r>
+              <a:rPr lang="ru-RU" sz="1800" b="0" i="0" u="none" strike="noStrike" cap="none" spc="0" dirty="0" err="1">
+                <a:solidFill>
+                  <a:schemeClr val="tx1"/>
+                </a:solidFill>
+                <a:latin typeface="Times New Roman"/>
+                <a:cs typeface="Times New Roman"/>
+              </a:rPr>
+              <a:t>такі</a:t>
+            </a:r>
+            <a:r>
+              <a:rPr lang="ru-RU" sz="1800" b="0" i="0" u="none" strike="noStrike" cap="none" spc="0" dirty="0">
+                <a:solidFill>
+                  <a:schemeClr val="tx1"/>
+                </a:solidFill>
+                <a:latin typeface="Times New Roman"/>
+                <a:cs typeface="Times New Roman"/>
+              </a:rPr>
+              <a:t> </a:t>
+            </a:r>
+            <a:r>
+              <a:rPr lang="ru-RU" sz="1800" b="0" i="0" u="none" strike="noStrike" cap="none" spc="0" dirty="0" err="1">
+                <a:solidFill>
+                  <a:schemeClr val="tx1"/>
+                </a:solidFill>
+                <a:latin typeface="Times New Roman"/>
+                <a:cs typeface="Times New Roman"/>
+              </a:rPr>
+              <a:t>дії</a:t>
+            </a:r>
+            <a:r>
+              <a:rPr lang="ru-RU" sz="1800" b="0" i="0" u="none" strike="noStrike" cap="none" spc="0" dirty="0">
+                <a:solidFill>
+                  <a:schemeClr val="tx1"/>
+                </a:solidFill>
+                <a:latin typeface="Times New Roman"/>
+                <a:cs typeface="Times New Roman"/>
+              </a:rPr>
+              <a:t>, як </a:t>
+            </a:r>
+            <a:r>
+              <a:rPr lang="ru-RU" sz="1800" b="0" i="0" u="none" strike="noStrike" cap="none" spc="0" dirty="0" err="1">
+                <a:solidFill>
+                  <a:schemeClr val="tx1"/>
+                </a:solidFill>
+                <a:latin typeface="Times New Roman"/>
+                <a:cs typeface="Times New Roman"/>
+              </a:rPr>
+              <a:t>перевірка</a:t>
+            </a:r>
+            <a:r>
+              <a:rPr lang="ru-RU" sz="1800" b="0" i="0" u="none" strike="noStrike" cap="none" spc="0" dirty="0">
+                <a:solidFill>
+                  <a:schemeClr val="tx1"/>
+                </a:solidFill>
+                <a:latin typeface="Times New Roman"/>
+                <a:cs typeface="Times New Roman"/>
+              </a:rPr>
+              <a:t> балансу </a:t>
+            </a:r>
+            <a:r>
+              <a:rPr lang="ru-RU" sz="1800" b="0" i="0" u="none" strike="noStrike" cap="none" spc="0" dirty="0" err="1">
+                <a:solidFill>
+                  <a:schemeClr val="tx1"/>
+                </a:solidFill>
+                <a:latin typeface="Times New Roman"/>
+                <a:cs typeface="Times New Roman"/>
+              </a:rPr>
+              <a:t>рахунку</a:t>
+            </a:r>
+            <a:r>
+              <a:rPr lang="ru-RU" sz="1800" b="0" i="0" u="none" strike="noStrike" cap="none" spc="0" dirty="0">
+                <a:solidFill>
+                  <a:schemeClr val="tx1"/>
+                </a:solidFill>
+                <a:latin typeface="Times New Roman"/>
+                <a:cs typeface="Times New Roman"/>
+              </a:rPr>
+              <a:t> </a:t>
+            </a:r>
+            <a:r>
+              <a:rPr lang="ru-RU" sz="1800" b="0" i="0" u="none" strike="noStrike" cap="none" spc="0" dirty="0" err="1">
+                <a:solidFill>
+                  <a:schemeClr val="tx1"/>
+                </a:solidFill>
+                <a:latin typeface="Times New Roman"/>
+                <a:cs typeface="Times New Roman"/>
+              </a:rPr>
+              <a:t>або</a:t>
+            </a:r>
+            <a:r>
+              <a:rPr lang="ru-RU" sz="1800" b="0" i="0" u="none" strike="noStrike" cap="none" spc="0" dirty="0">
+                <a:solidFill>
+                  <a:schemeClr val="tx1"/>
+                </a:solidFill>
+                <a:latin typeface="Times New Roman"/>
+                <a:cs typeface="Times New Roman"/>
+              </a:rPr>
+              <a:t> </a:t>
+            </a:r>
+            <a:r>
+              <a:rPr lang="ru-RU" sz="1800" b="0" i="0" u="none" strike="noStrike" cap="none" spc="0" dirty="0" err="1">
+                <a:solidFill>
+                  <a:schemeClr val="tx1"/>
+                </a:solidFill>
+                <a:latin typeface="Times New Roman"/>
+                <a:cs typeface="Times New Roman"/>
+              </a:rPr>
+              <a:t>створення</a:t>
+            </a:r>
+            <a:r>
+              <a:rPr lang="ru-RU" sz="1800" b="0" i="0" u="none" strike="noStrike" cap="none" spc="0" dirty="0">
+                <a:solidFill>
+                  <a:schemeClr val="tx1"/>
+                </a:solidFill>
+                <a:latin typeface="Times New Roman"/>
+                <a:cs typeface="Times New Roman"/>
+              </a:rPr>
+              <a:t> </a:t>
+            </a:r>
+            <a:r>
+              <a:rPr lang="ru-RU" sz="1800" b="0" i="0" u="none" strike="noStrike" cap="none" spc="0" dirty="0" err="1">
+                <a:solidFill>
+                  <a:schemeClr val="tx1"/>
+                </a:solidFill>
+                <a:latin typeface="Times New Roman"/>
+                <a:cs typeface="Times New Roman"/>
+              </a:rPr>
+              <a:t>транзакцій</a:t>
+            </a:r>
+            <a:r>
+              <a:rPr lang="ru-RU" sz="1800" b="0" i="0" u="none" strike="noStrike" cap="none" spc="0" dirty="0">
+                <a:solidFill>
+                  <a:schemeClr val="tx1"/>
+                </a:solidFill>
+                <a:latin typeface="Times New Roman"/>
+                <a:cs typeface="Times New Roman"/>
+              </a:rPr>
+              <a:t>. </a:t>
+            </a:r>
+            <a:r>
+              <a:rPr lang="ru-RU" sz="1800" b="0" i="0" u="none" strike="noStrike" cap="none" spc="0" dirty="0" err="1">
+                <a:solidFill>
+                  <a:schemeClr val="tx1"/>
+                </a:solidFill>
+                <a:latin typeface="Times New Roman"/>
+                <a:cs typeface="Times New Roman"/>
+              </a:rPr>
+              <a:t>Така</a:t>
+            </a:r>
+            <a:r>
+              <a:rPr lang="ru-RU" sz="1800" b="0" i="0" u="none" strike="noStrike" cap="none" spc="0" dirty="0">
+                <a:solidFill>
+                  <a:schemeClr val="tx1"/>
+                </a:solidFill>
+                <a:latin typeface="Times New Roman"/>
+                <a:cs typeface="Times New Roman"/>
+              </a:rPr>
+              <a:t> структура </a:t>
+            </a:r>
+            <a:r>
+              <a:rPr lang="ru-RU" sz="1800" b="0" i="0" u="none" strike="noStrike" cap="none" spc="0" dirty="0" err="1">
+                <a:solidFill>
+                  <a:schemeClr val="tx1"/>
+                </a:solidFill>
+                <a:latin typeface="Times New Roman"/>
+                <a:cs typeface="Times New Roman"/>
+              </a:rPr>
+              <a:t>забезпечує</a:t>
+            </a:r>
+            <a:r>
+              <a:rPr lang="ru-RU" sz="1800" b="0" i="0" u="none" strike="noStrike" cap="none" spc="0" dirty="0">
+                <a:solidFill>
+                  <a:schemeClr val="tx1"/>
+                </a:solidFill>
+                <a:latin typeface="Times New Roman"/>
+                <a:cs typeface="Times New Roman"/>
+              </a:rPr>
+              <a:t> </a:t>
+            </a:r>
+            <a:r>
+              <a:rPr lang="ru-RU" sz="1800" b="0" i="0" u="none" strike="noStrike" cap="none" spc="0" dirty="0" err="1">
+                <a:solidFill>
+                  <a:schemeClr val="tx1"/>
+                </a:solidFill>
+                <a:latin typeface="Times New Roman"/>
+                <a:cs typeface="Times New Roman"/>
+              </a:rPr>
+              <a:t>ефективне</a:t>
+            </a:r>
+            <a:r>
+              <a:rPr lang="ru-RU" sz="1800" b="0" i="0" u="none" strike="noStrike" cap="none" spc="0" dirty="0">
+                <a:solidFill>
+                  <a:schemeClr val="tx1"/>
+                </a:solidFill>
+                <a:latin typeface="Times New Roman"/>
+                <a:cs typeface="Times New Roman"/>
+              </a:rPr>
+              <a:t> </a:t>
+            </a:r>
+            <a:r>
+              <a:rPr lang="ru-RU" sz="1800" b="0" i="0" u="none" strike="noStrike" cap="none" spc="0" dirty="0" err="1">
+                <a:solidFill>
+                  <a:schemeClr val="tx1"/>
+                </a:solidFill>
+                <a:latin typeface="Times New Roman"/>
+                <a:cs typeface="Times New Roman"/>
+              </a:rPr>
+              <a:t>управління</a:t>
+            </a:r>
+            <a:r>
+              <a:rPr lang="ru-RU" sz="1800" b="0" i="0" u="none" strike="noStrike" cap="none" spc="0" dirty="0">
+                <a:solidFill>
+                  <a:schemeClr val="tx1"/>
+                </a:solidFill>
+                <a:latin typeface="Times New Roman"/>
+                <a:cs typeface="Times New Roman"/>
+              </a:rPr>
+              <a:t> </a:t>
+            </a:r>
+            <a:r>
+              <a:rPr lang="ru-RU" sz="1800" b="0" i="0" u="none" strike="noStrike" cap="none" spc="0" dirty="0" err="1">
+                <a:solidFill>
+                  <a:schemeClr val="tx1"/>
+                </a:solidFill>
+                <a:latin typeface="Times New Roman"/>
+                <a:cs typeface="Times New Roman"/>
+              </a:rPr>
+              <a:t>даними</a:t>
+            </a:r>
+            <a:r>
+              <a:rPr lang="ru-RU" sz="1800" b="0" i="0" u="none" strike="noStrike" cap="none" spc="0" dirty="0">
+                <a:solidFill>
+                  <a:schemeClr val="tx1"/>
+                </a:solidFill>
+                <a:latin typeface="Times New Roman"/>
+                <a:cs typeface="Times New Roman"/>
+              </a:rPr>
+              <a:t>, </a:t>
+            </a:r>
+            <a:r>
+              <a:rPr lang="ru-RU" sz="1800" b="0" i="0" u="none" strike="noStrike" cap="none" spc="0" dirty="0" err="1">
+                <a:solidFill>
+                  <a:schemeClr val="tx1"/>
+                </a:solidFill>
+                <a:latin typeface="Times New Roman"/>
+                <a:cs typeface="Times New Roman"/>
+              </a:rPr>
+              <a:t>безперебійну</a:t>
+            </a:r>
+            <a:r>
+              <a:rPr lang="ru-RU" sz="1800" b="0" i="0" u="none" strike="noStrike" cap="none" spc="0" dirty="0">
+                <a:solidFill>
+                  <a:schemeClr val="tx1"/>
+                </a:solidFill>
+                <a:latin typeface="Times New Roman"/>
+                <a:cs typeface="Times New Roman"/>
+              </a:rPr>
+              <a:t> </a:t>
+            </a:r>
+            <a:r>
+              <a:rPr lang="ru-RU" sz="1800" b="0" i="0" u="none" strike="noStrike" cap="none" spc="0" dirty="0" err="1">
+                <a:solidFill>
+                  <a:schemeClr val="tx1"/>
+                </a:solidFill>
+                <a:latin typeface="Times New Roman"/>
+                <a:cs typeface="Times New Roman"/>
+              </a:rPr>
+              <a:t>взаємодію</a:t>
+            </a:r>
+            <a:r>
+              <a:rPr lang="ru-RU" sz="1800" b="0" i="0" u="none" strike="noStrike" cap="none" spc="0" dirty="0">
+                <a:solidFill>
+                  <a:schemeClr val="tx1"/>
+                </a:solidFill>
+                <a:latin typeface="Times New Roman"/>
+                <a:cs typeface="Times New Roman"/>
+              </a:rPr>
+              <a:t> з </a:t>
+            </a:r>
+            <a:r>
+              <a:rPr lang="ru-RU" sz="1800" b="0" i="0" u="none" strike="noStrike" cap="none" spc="0" dirty="0" err="1">
+                <a:solidFill>
+                  <a:schemeClr val="tx1"/>
+                </a:solidFill>
+                <a:latin typeface="Times New Roman"/>
+                <a:cs typeface="Times New Roman"/>
+              </a:rPr>
+              <a:t>користувацьким</a:t>
+            </a:r>
+            <a:r>
+              <a:rPr lang="ru-RU" sz="1800" b="0" i="0" u="none" strike="noStrike" cap="none" spc="0" dirty="0">
+                <a:solidFill>
+                  <a:schemeClr val="tx1"/>
+                </a:solidFill>
+                <a:latin typeface="Times New Roman"/>
+                <a:cs typeface="Times New Roman"/>
+              </a:rPr>
+              <a:t> </a:t>
+            </a:r>
+            <a:r>
+              <a:rPr lang="ru-RU" sz="1800" b="0" i="0" u="none" strike="noStrike" cap="none" spc="0" dirty="0" err="1">
+                <a:solidFill>
+                  <a:schemeClr val="tx1"/>
+                </a:solidFill>
+                <a:latin typeface="Times New Roman"/>
+                <a:cs typeface="Times New Roman"/>
+              </a:rPr>
+              <a:t>інтерфейсом</a:t>
+            </a:r>
+            <a:r>
+              <a:rPr lang="ru-RU" sz="1800" b="0" i="0" u="none" strike="noStrike" cap="none" spc="0" dirty="0">
+                <a:solidFill>
+                  <a:schemeClr val="tx1"/>
+                </a:solidFill>
+                <a:latin typeface="Times New Roman"/>
+                <a:cs typeface="Times New Roman"/>
+              </a:rPr>
+              <a:t> та </a:t>
+            </a:r>
+            <a:r>
+              <a:rPr lang="ru-RU" sz="1800" b="0" i="0" u="none" strike="noStrike" cap="none" spc="0" dirty="0" err="1">
+                <a:solidFill>
+                  <a:schemeClr val="tx1"/>
+                </a:solidFill>
+                <a:latin typeface="Times New Roman"/>
+                <a:cs typeface="Times New Roman"/>
+              </a:rPr>
+              <a:t>ефективну</a:t>
+            </a:r>
+            <a:r>
+              <a:rPr lang="ru-RU" sz="1800" b="0" i="0" u="none" strike="noStrike" cap="none" spc="0" dirty="0">
+                <a:solidFill>
+                  <a:schemeClr val="tx1"/>
+                </a:solidFill>
+                <a:latin typeface="Times New Roman"/>
+                <a:cs typeface="Times New Roman"/>
+              </a:rPr>
+              <a:t> </a:t>
+            </a:r>
+            <a:r>
+              <a:rPr lang="ru-RU" sz="1800" b="0" i="0" u="none" strike="noStrike" cap="none" spc="0" dirty="0" err="1">
+                <a:solidFill>
+                  <a:schemeClr val="tx1"/>
+                </a:solidFill>
+                <a:latin typeface="Times New Roman"/>
+                <a:cs typeface="Times New Roman"/>
+              </a:rPr>
+              <a:t>обробку</a:t>
+            </a:r>
+            <a:r>
+              <a:rPr lang="ru-RU" sz="1800" b="0" i="0" u="none" strike="noStrike" cap="none" spc="0" dirty="0">
+                <a:solidFill>
+                  <a:schemeClr val="tx1"/>
+                </a:solidFill>
+                <a:latin typeface="Times New Roman"/>
+                <a:cs typeface="Times New Roman"/>
+              </a:rPr>
+              <a:t> </a:t>
+            </a:r>
+            <a:r>
+              <a:rPr lang="ru-RU" sz="1800" b="0" i="0" u="none" strike="noStrike" cap="none" spc="0" dirty="0" err="1">
+                <a:solidFill>
+                  <a:schemeClr val="tx1"/>
+                </a:solidFill>
+                <a:latin typeface="Times New Roman"/>
+                <a:cs typeface="Times New Roman"/>
+              </a:rPr>
+              <a:t>дій</a:t>
+            </a:r>
+            <a:r>
+              <a:rPr lang="ru-RU" sz="1800" b="0" i="0" u="none" strike="noStrike" cap="none" spc="0" dirty="0">
+                <a:solidFill>
+                  <a:schemeClr val="tx1"/>
+                </a:solidFill>
+                <a:latin typeface="Times New Roman"/>
+                <a:cs typeface="Times New Roman"/>
+              </a:rPr>
+              <a:t> </a:t>
+            </a:r>
+            <a:r>
+              <a:rPr lang="ru-RU" sz="1800" b="0" i="0" u="none" strike="noStrike" cap="none" spc="0" dirty="0" err="1">
+                <a:solidFill>
+                  <a:schemeClr val="tx1"/>
+                </a:solidFill>
+                <a:latin typeface="Times New Roman"/>
+                <a:cs typeface="Times New Roman"/>
+              </a:rPr>
+              <a:t>користувача</a:t>
+            </a:r>
+            <a:r>
+              <a:rPr lang="ru-RU" sz="1800" b="0" i="0" u="none" strike="noStrike" cap="none" spc="0" dirty="0">
+                <a:solidFill>
+                  <a:schemeClr val="tx1"/>
+                </a:solidFill>
+                <a:latin typeface="Times New Roman"/>
+                <a:cs typeface="Times New Roman"/>
+              </a:rPr>
+              <a:t>, </a:t>
+            </a:r>
+            <a:r>
+              <a:rPr lang="ru-RU" sz="1800" b="0" i="0" u="none" strike="noStrike" cap="none" spc="0" dirty="0" err="1">
+                <a:solidFill>
+                  <a:schemeClr val="tx1"/>
+                </a:solidFill>
+                <a:latin typeface="Times New Roman"/>
+                <a:cs typeface="Times New Roman"/>
+              </a:rPr>
+              <a:t>що</a:t>
+            </a:r>
+            <a:r>
+              <a:rPr lang="ru-RU" sz="1800" b="0" i="0" u="none" strike="noStrike" cap="none" spc="0" dirty="0">
+                <a:solidFill>
+                  <a:schemeClr val="tx1"/>
+                </a:solidFill>
+                <a:latin typeface="Times New Roman"/>
+                <a:cs typeface="Times New Roman"/>
+              </a:rPr>
+              <a:t> в </a:t>
+            </a:r>
+            <a:r>
+              <a:rPr lang="ru-RU" sz="1800" b="0" i="0" u="none" strike="noStrike" cap="none" spc="0" dirty="0" err="1">
+                <a:solidFill>
+                  <a:schemeClr val="tx1"/>
+                </a:solidFill>
+                <a:latin typeface="Times New Roman"/>
+                <a:cs typeface="Times New Roman"/>
+              </a:rPr>
+              <a:t>підсумку</a:t>
+            </a:r>
+            <a:r>
+              <a:rPr lang="ru-RU" sz="1800" b="0" i="0" u="none" strike="noStrike" cap="none" spc="0" dirty="0">
+                <a:solidFill>
+                  <a:schemeClr val="tx1"/>
+                </a:solidFill>
+                <a:latin typeface="Times New Roman"/>
+                <a:cs typeface="Times New Roman"/>
+              </a:rPr>
+              <a:t> </a:t>
+            </a:r>
+            <a:r>
+              <a:rPr lang="ru-RU" sz="1800" b="0" i="0" u="none" strike="noStrike" cap="none" spc="0" dirty="0" err="1">
+                <a:solidFill>
+                  <a:schemeClr val="tx1"/>
+                </a:solidFill>
+                <a:latin typeface="Times New Roman"/>
+                <a:cs typeface="Times New Roman"/>
+              </a:rPr>
+              <a:t>створює</a:t>
+            </a:r>
+            <a:r>
+              <a:rPr lang="ru-RU" sz="1800" b="0" i="0" u="none" strike="noStrike" cap="none" spc="0" dirty="0">
+                <a:solidFill>
+                  <a:schemeClr val="tx1"/>
+                </a:solidFill>
+                <a:latin typeface="Times New Roman"/>
+                <a:cs typeface="Times New Roman"/>
+              </a:rPr>
+              <a:t> </a:t>
+            </a:r>
+            <a:r>
+              <a:rPr lang="ru-RU" sz="1800" b="0" i="0" u="none" strike="noStrike" cap="none" spc="0" dirty="0" err="1">
+                <a:solidFill>
+                  <a:schemeClr val="tx1"/>
+                </a:solidFill>
+                <a:latin typeface="Times New Roman"/>
+                <a:cs typeface="Times New Roman"/>
+              </a:rPr>
+              <a:t>безперебійну</a:t>
+            </a:r>
+            <a:r>
+              <a:rPr lang="ru-RU" sz="1800" b="0" i="0" u="none" strike="noStrike" cap="none" spc="0" dirty="0">
+                <a:solidFill>
+                  <a:schemeClr val="tx1"/>
+                </a:solidFill>
+                <a:latin typeface="Times New Roman"/>
+                <a:cs typeface="Times New Roman"/>
+              </a:rPr>
+              <a:t> та </a:t>
+            </a:r>
+            <a:r>
+              <a:rPr lang="ru-RU" sz="1800" b="0" i="0" u="none" strike="noStrike" cap="none" spc="0" dirty="0" err="1">
+                <a:solidFill>
+                  <a:schemeClr val="tx1"/>
+                </a:solidFill>
+                <a:latin typeface="Times New Roman"/>
+                <a:cs typeface="Times New Roman"/>
+              </a:rPr>
+              <a:t>інтуїтивно</a:t>
+            </a:r>
+            <a:r>
+              <a:rPr lang="ru-RU" sz="1800" b="0" i="0" u="none" strike="noStrike" cap="none" spc="0" dirty="0">
+                <a:solidFill>
+                  <a:schemeClr val="tx1"/>
+                </a:solidFill>
+                <a:latin typeface="Times New Roman"/>
+                <a:cs typeface="Times New Roman"/>
+              </a:rPr>
+              <a:t> </a:t>
+            </a:r>
+            <a:r>
+              <a:rPr lang="ru-RU" sz="1800" b="0" i="0" u="none" strike="noStrike" cap="none" spc="0" dirty="0" err="1">
+                <a:solidFill>
+                  <a:schemeClr val="tx1"/>
+                </a:solidFill>
+                <a:latin typeface="Times New Roman"/>
+                <a:cs typeface="Times New Roman"/>
+              </a:rPr>
+              <a:t>зрозумілу</a:t>
+            </a:r>
+            <a:r>
+              <a:rPr lang="ru-RU" sz="1800" b="0" i="0" u="none" strike="noStrike" cap="none" spc="0" dirty="0">
+                <a:solidFill>
+                  <a:schemeClr val="tx1"/>
+                </a:solidFill>
+                <a:latin typeface="Times New Roman"/>
+                <a:cs typeface="Times New Roman"/>
+              </a:rPr>
+              <a:t> роботу для </a:t>
+            </a:r>
+            <a:r>
+              <a:rPr lang="ru-RU" sz="1800" b="0" i="0" u="none" strike="noStrike" cap="none" spc="0" dirty="0" err="1">
+                <a:solidFill>
+                  <a:schemeClr val="tx1"/>
+                </a:solidFill>
+                <a:latin typeface="Times New Roman"/>
+                <a:cs typeface="Times New Roman"/>
+              </a:rPr>
+              <a:t>користувачів</a:t>
+            </a:r>
+            <a:r>
+              <a:rPr lang="ru-RU" sz="1800" b="0" i="0" u="none" strike="noStrike" cap="none" spc="0" dirty="0">
+                <a:solidFill>
+                  <a:schemeClr val="tx1"/>
+                </a:solidFill>
+                <a:latin typeface="Times New Roman"/>
+                <a:cs typeface="Times New Roman"/>
+              </a:rPr>
+              <a:t> </a:t>
+            </a:r>
+            <a:r>
+              <a:rPr lang="ru-RU" sz="1800" b="0" i="0" u="none" strike="noStrike" cap="none" spc="0" dirty="0" err="1">
+                <a:solidFill>
+                  <a:schemeClr val="tx1"/>
+                </a:solidFill>
+                <a:latin typeface="Times New Roman"/>
+                <a:cs typeface="Times New Roman"/>
+              </a:rPr>
+              <a:t>нашого</a:t>
+            </a:r>
+            <a:r>
+              <a:rPr lang="ru-RU" sz="1800" b="0" i="0" u="none" strike="noStrike" cap="none" spc="0" dirty="0">
+                <a:solidFill>
+                  <a:schemeClr val="tx1"/>
+                </a:solidFill>
+                <a:latin typeface="Times New Roman"/>
+                <a:cs typeface="Times New Roman"/>
+              </a:rPr>
+              <a:t> </a:t>
+            </a:r>
+            <a:r>
+              <a:rPr lang="ru-RU" sz="1800" b="0" i="0" u="none" strike="noStrike" cap="none" spc="0" dirty="0" err="1">
+                <a:solidFill>
+                  <a:schemeClr val="tx1"/>
+                </a:solidFill>
+                <a:latin typeface="Times New Roman"/>
+                <a:cs typeface="Times New Roman"/>
+              </a:rPr>
+              <a:t>гаманця</a:t>
+            </a:r>
+            <a:r>
+              <a:rPr lang="ru-RU" sz="1800" b="0" i="0" u="none" strike="noStrike" cap="none" spc="0" dirty="0">
+                <a:solidFill>
+                  <a:schemeClr val="tx1"/>
+                </a:solidFill>
+                <a:latin typeface="Times New Roman"/>
+                <a:cs typeface="Times New Roman"/>
+              </a:rPr>
+              <a:t>.</a:t>
+            </a:r>
+            <a:endParaRPr dirty="0">
               <a:latin typeface="Times New Roman"/>
               <a:cs typeface="Times New Roman"/>
             </a:endParaRPr>
@@ -10802,20 +9530,12 @@
   <p:clrMapOvr>
     <a:masterClrMapping/>
   </p:clrMapOvr>
-  <mc:AlternateContent xmlns:mc="http://schemas.openxmlformats.org/markup-compatibility/2006">
-    <mc:Choice xmlns:p14="http://schemas.microsoft.com/office/powerpoint/2010/main" Requires="p14">
-      <p:transition p14:dur="2000" advClick="1"/>
-    </mc:Choice>
-    <mc:Fallback>
-      <p:transition advClick="1"/>
-    </mc:Fallback>
-  </mc:AlternateContent>
 </p:sld>
 </file>
 
 <file path=ppt/slides/slide8.xml><?xml version="1.0" encoding="utf-8"?>
-<p:sld xmlns:a="http://schemas.openxmlformats.org/drawingml/2006/main" xmlns:r="http://schemas.openxmlformats.org/officeDocument/2006/relationships" xmlns:p="http://schemas.openxmlformats.org/presentationml/2006/main" xmlns:m="http://schemas.openxmlformats.org/officeDocument/2006/math" xmlns:w="http://schemas.openxmlformats.org/wordprocessingml/2006/main" showMasterPhAnim="0" showMasterSp="0" show="1">
-  <p:cSld name="">
+<p:sld xmlns:a="http://schemas.openxmlformats.org/drawingml/2006/main" xmlns:r="http://schemas.openxmlformats.org/officeDocument/2006/relationships" xmlns:p="http://schemas.openxmlformats.org/presentationml/2006/main" showMasterSp="0" showMasterPhAnim="0">
+  <p:cSld>
     <p:spTree>
       <p:nvGrpSpPr>
         <p:cNvPr id="1" name=""/>
@@ -10841,7 +9561,7 @@
           </p:nvPr>
         </p:nvSpPr>
         <p:spPr bwMode="auto">
-          <a:xfrm flipH="0" flipV="0">
+          <a:xfrm>
             <a:off x="3619489" y="1224688"/>
             <a:ext cx="4724207" cy="504549"/>
           </a:xfrm>
@@ -10906,9 +9626,9 @@
           <p:nvPr/>
         </p:nvSpPr>
         <p:spPr bwMode="auto">
-          <a:xfrm flipH="0" flipV="0">
+          <a:xfrm>
             <a:off x="2285096" y="2309606"/>
-            <a:ext cx="8531588" cy="2328218"/>
+            <a:ext cx="8531588" cy="2665729"/>
           </a:xfrm>
           <a:prstGeom prst="rect">
             <a:avLst/>
@@ -10930,1126 +9650,76 @@
               <a:defRPr/>
             </a:pPr>
             <a:r>
-              <a:rPr lang="uk-UA" sz="1800" b="0" i="0" u="none" strike="noStrike" cap="none" spc="0">
+              <a:rPr lang="uk-UA" sz="1800" b="0" i="0" u="none" strike="noStrike" cap="none" spc="0" dirty="0">
                 <a:solidFill>
                   <a:srgbClr val="000000"/>
                 </a:solidFill>
                 <a:latin typeface="Times New Roman"/>
                 <a:cs typeface="Times New Roman"/>
               </a:rPr>
-              <a:t>Було</a:t>
-            </a:r>
-            <a:r>
-              <a:rPr lang="uk-UA" sz="1800" b="0" i="0" u="none" strike="noStrike" cap="none" spc="0">
+              <a:t>На завершення, наш Документ архітектури програмного забезпечення (</a:t>
+            </a:r>
+            <a:r>
+              <a:rPr lang="en-US" sz="1800" b="0" i="0" u="none" strike="noStrike" cap="none" spc="0" dirty="0">
                 <a:solidFill>
                   <a:srgbClr val="000000"/>
                 </a:solidFill>
                 <a:latin typeface="Times New Roman"/>
                 <a:cs typeface="Times New Roman"/>
               </a:rPr>
-              <a:t> </a:t>
-            </a:r>
-            <a:r>
-              <a:rPr lang="uk-UA" sz="1800" b="0" i="0" u="none" strike="noStrike" cap="none" spc="0">
+              <a:t>SAD) </a:t>
+            </a:r>
+            <a:r>
+              <a:rPr lang="uk-UA" sz="1800" b="0" i="0" u="none" strike="noStrike" cap="none" spc="0" dirty="0">
                 <a:solidFill>
                   <a:srgbClr val="000000"/>
                 </a:solidFill>
                 <a:latin typeface="Times New Roman"/>
                 <a:cs typeface="Times New Roman"/>
               </a:rPr>
-              <a:t>успішно</a:t>
-            </a:r>
-            <a:r>
-              <a:rPr lang="uk-UA" sz="1800" b="0" i="0" u="none" strike="noStrike" cap="none" spc="0">
+              <a:t>успішно створив чіткий план для нашого додатку веб-гаманця на основі блокчейну. Протягом усього процесу розробки </a:t>
+            </a:r>
+            <a:r>
+              <a:rPr lang="en-US" sz="1800" b="0" i="0" u="none" strike="noStrike" cap="none" spc="0" dirty="0">
                 <a:solidFill>
                   <a:srgbClr val="000000"/>
                 </a:solidFill>
                 <a:latin typeface="Times New Roman"/>
                 <a:cs typeface="Times New Roman"/>
               </a:rPr>
-              <a:t> </a:t>
-            </a:r>
-            <a:r>
-              <a:rPr lang="uk-UA" sz="1800" b="0" i="0" u="none" strike="noStrike" cap="none" spc="0">
+              <a:t>SAD </a:t>
+            </a:r>
+            <a:r>
+              <a:rPr lang="uk-UA" sz="1800" b="0" i="0" u="none" strike="noStrike" cap="none" spc="0" dirty="0">
                 <a:solidFill>
                   <a:srgbClr val="000000"/>
                 </a:solidFill>
                 <a:latin typeface="Times New Roman"/>
                 <a:cs typeface="Times New Roman"/>
               </a:rPr>
-              <a:t>розроблено</a:t>
-            </a:r>
-            <a:r>
-              <a:rPr lang="uk-UA" sz="1800" b="0" i="0" u="none" strike="noStrike" cap="none" spc="0">
+              <a:t>надавав цінні вказівки, зосереджуючись на дизайні, функціональності та користувацькому досвіді. Як ми і прагнули, наш додаток пропонує безпечний і зручний інтерфейс, який спрощує цифрові транзакції. Хоча в майбутніх версіях можуть бути впроваджені певні вдосконалення, ми досягли основних цілей, викладених в </a:t>
+            </a:r>
+            <a:r>
+              <a:rPr lang="en-US" sz="1800" b="0" i="0" u="none" strike="noStrike" cap="none" spc="0" dirty="0">
                 <a:solidFill>
                   <a:srgbClr val="000000"/>
                 </a:solidFill>
                 <a:latin typeface="Times New Roman"/>
                 <a:cs typeface="Times New Roman"/>
               </a:rPr>
-              <a:t> </a:t>
-            </a:r>
-            <a:r>
-              <a:rPr lang="uk-UA" sz="1800" b="0" i="0" u="none" strike="noStrike" cap="none" spc="0">
+              <a:t>SAD, </a:t>
+            </a:r>
+            <a:r>
+              <a:rPr lang="uk-UA" sz="1800" b="0" i="0" u="none" strike="noStrike" cap="none" spc="0" dirty="0">
                 <a:solidFill>
                   <a:srgbClr val="000000"/>
                 </a:solidFill>
                 <a:latin typeface="Times New Roman"/>
                 <a:cs typeface="Times New Roman"/>
               </a:rPr>
-              <a:t>надійну</a:t>
-            </a:r>
-            <a:r>
-              <a:rPr lang="uk-UA" sz="1800" b="0" i="0" u="none" strike="noStrike" cap="none" spc="0">
-                <a:solidFill>
-                  <a:srgbClr val="000000"/>
-                </a:solidFill>
-                <a:latin typeface="Times New Roman"/>
-                <a:cs typeface="Times New Roman"/>
-              </a:rPr>
-              <a:t> </a:t>
-            </a:r>
-            <a:r>
-              <a:rPr lang="uk-UA" sz="1800" b="0" i="0" u="none" strike="noStrike" cap="none" spc="0">
-                <a:solidFill>
-                  <a:srgbClr val="000000"/>
-                </a:solidFill>
-                <a:latin typeface="Times New Roman"/>
-                <a:cs typeface="Times New Roman"/>
-              </a:rPr>
-              <a:t>систему</a:t>
-            </a:r>
-            <a:r>
-              <a:rPr lang="uk-UA" sz="1800" b="0" i="0" u="none" strike="noStrike" cap="none" spc="0">
-                <a:solidFill>
-                  <a:srgbClr val="000000"/>
-                </a:solidFill>
-                <a:latin typeface="Times New Roman"/>
-                <a:cs typeface="Times New Roman"/>
-              </a:rPr>
-              <a:t> блокчейн, </a:t>
-            </a:r>
-            <a:r>
-              <a:rPr lang="uk-UA" sz="1800" b="0" i="0" u="none" strike="noStrike" cap="none" spc="0">
-                <a:solidFill>
-                  <a:srgbClr val="000000"/>
-                </a:solidFill>
-                <a:latin typeface="Times New Roman"/>
-                <a:cs typeface="Times New Roman"/>
-              </a:rPr>
-              <a:t>яка</a:t>
-            </a:r>
-            <a:r>
-              <a:rPr lang="uk-UA" sz="1800" b="0" i="0" u="none" strike="noStrike" cap="none" spc="0">
-                <a:solidFill>
-                  <a:srgbClr val="000000"/>
-                </a:solidFill>
-                <a:latin typeface="Times New Roman"/>
-                <a:cs typeface="Times New Roman"/>
-              </a:rPr>
-              <a:t> </a:t>
-            </a:r>
-            <a:r>
-              <a:rPr lang="uk-UA" sz="1800" b="0" i="0" u="none" strike="noStrike" cap="none" spc="0">
-                <a:solidFill>
-                  <a:srgbClr val="000000"/>
-                </a:solidFill>
-                <a:latin typeface="Times New Roman"/>
-                <a:cs typeface="Times New Roman"/>
-              </a:rPr>
-              <a:t>вирішує</a:t>
-            </a:r>
-            <a:r>
-              <a:rPr lang="uk-UA" sz="1800" b="0" i="0" u="none" strike="noStrike" cap="none" spc="0">
-                <a:solidFill>
-                  <a:srgbClr val="000000"/>
-                </a:solidFill>
-                <a:latin typeface="Times New Roman"/>
-                <a:cs typeface="Times New Roman"/>
-              </a:rPr>
-              <a:t> </a:t>
-            </a:r>
-            <a:r>
-              <a:rPr lang="uk-UA" sz="1800" b="0" i="0" u="none" strike="noStrike" cap="none" spc="0">
-                <a:solidFill>
-                  <a:srgbClr val="000000"/>
-                </a:solidFill>
-                <a:latin typeface="Times New Roman"/>
-                <a:cs typeface="Times New Roman"/>
-              </a:rPr>
-              <a:t>ключові</a:t>
-            </a:r>
-            <a:r>
-              <a:rPr lang="uk-UA" sz="1800" b="0" i="0" u="none" strike="noStrike" cap="none" spc="0">
-                <a:solidFill>
-                  <a:srgbClr val="000000"/>
-                </a:solidFill>
-                <a:latin typeface="Times New Roman"/>
-                <a:cs typeface="Times New Roman"/>
-              </a:rPr>
-              <a:t> </a:t>
-            </a:r>
-            <a:r>
-              <a:rPr lang="uk-UA" sz="1800" b="0" i="0" u="none" strike="noStrike" cap="none" spc="0">
-                <a:solidFill>
-                  <a:srgbClr val="000000"/>
-                </a:solidFill>
-                <a:latin typeface="Times New Roman"/>
-                <a:cs typeface="Times New Roman"/>
-              </a:rPr>
-              <a:t>проблеми</a:t>
-            </a:r>
-            <a:r>
-              <a:rPr lang="uk-UA" sz="1800" b="0" i="0" u="none" strike="noStrike" cap="none" spc="0">
-                <a:solidFill>
-                  <a:srgbClr val="000000"/>
-                </a:solidFill>
-                <a:latin typeface="Times New Roman"/>
-                <a:cs typeface="Times New Roman"/>
-              </a:rPr>
-              <a:t> </a:t>
-            </a:r>
-            <a:r>
-              <a:rPr lang="uk-UA" sz="1800" b="0" i="0" u="none" strike="noStrike" cap="none" spc="0">
-                <a:solidFill>
-                  <a:srgbClr val="000000"/>
-                </a:solidFill>
-                <a:latin typeface="Times New Roman"/>
-                <a:cs typeface="Times New Roman"/>
-              </a:rPr>
-              <a:t>існуючих</a:t>
-            </a:r>
-            <a:r>
-              <a:rPr lang="uk-UA" sz="1800" b="0" i="0" u="none" strike="noStrike" cap="none" spc="0">
-                <a:solidFill>
-                  <a:srgbClr val="000000"/>
-                </a:solidFill>
-                <a:latin typeface="Times New Roman"/>
-                <a:cs typeface="Times New Roman"/>
-              </a:rPr>
-              <a:t> </a:t>
-            </a:r>
-            <a:r>
-              <a:rPr lang="uk-UA" sz="1800" b="0" i="0" u="none" strike="noStrike" cap="none" spc="0">
-                <a:solidFill>
-                  <a:srgbClr val="000000"/>
-                </a:solidFill>
-                <a:latin typeface="Times New Roman"/>
-                <a:cs typeface="Times New Roman"/>
-              </a:rPr>
-              <a:t>технологій</a:t>
-            </a:r>
-            <a:r>
-              <a:rPr lang="uk-UA" sz="1800" b="0" i="0" u="none" strike="noStrike" cap="none" spc="0">
-                <a:solidFill>
-                  <a:srgbClr val="000000"/>
-                </a:solidFill>
-                <a:latin typeface="Times New Roman"/>
-                <a:cs typeface="Times New Roman"/>
-              </a:rPr>
-              <a:t>. </a:t>
-            </a:r>
-            <a:r>
-              <a:rPr lang="uk-UA" sz="1800" b="0" i="0" u="none" strike="noStrike" cap="none" spc="0">
-                <a:solidFill>
-                  <a:srgbClr val="000000"/>
-                </a:solidFill>
-                <a:latin typeface="Times New Roman"/>
-                <a:cs typeface="Times New Roman"/>
-              </a:rPr>
-              <a:t>Досягнуто</a:t>
-            </a:r>
-            <a:r>
-              <a:rPr lang="uk-UA" sz="1800" b="0" i="0" u="none" strike="noStrike" cap="none" spc="0">
-                <a:solidFill>
-                  <a:srgbClr val="000000"/>
-                </a:solidFill>
-                <a:latin typeface="Times New Roman"/>
-                <a:cs typeface="Times New Roman"/>
-              </a:rPr>
-              <a:t> </a:t>
-            </a:r>
-            <a:r>
-              <a:rPr lang="uk-UA" sz="1800" b="0" i="0" u="none" strike="noStrike" cap="none" spc="0">
-                <a:solidFill>
-                  <a:srgbClr val="000000"/>
-                </a:solidFill>
-                <a:latin typeface="Times New Roman"/>
-                <a:cs typeface="Times New Roman"/>
-              </a:rPr>
-              <a:t>значного</a:t>
-            </a:r>
-            <a:r>
-              <a:rPr lang="uk-UA" sz="1800" b="0" i="0" u="none" strike="noStrike" cap="none" spc="0">
-                <a:solidFill>
-                  <a:srgbClr val="000000"/>
-                </a:solidFill>
-                <a:latin typeface="Times New Roman"/>
-                <a:cs typeface="Times New Roman"/>
-              </a:rPr>
-              <a:t> </a:t>
-            </a:r>
-            <a:r>
-              <a:rPr lang="uk-UA" sz="1800" b="0" i="0" u="none" strike="noStrike" cap="none" spc="0">
-                <a:solidFill>
-                  <a:srgbClr val="000000"/>
-                </a:solidFill>
-                <a:latin typeface="Times New Roman"/>
-                <a:cs typeface="Times New Roman"/>
-              </a:rPr>
-              <a:t>скорочення</a:t>
-            </a:r>
-            <a:r>
-              <a:rPr lang="uk-UA" sz="1800" b="0" i="0" u="none" strike="noStrike" cap="none" spc="0">
-                <a:solidFill>
-                  <a:srgbClr val="000000"/>
-                </a:solidFill>
-                <a:latin typeface="Times New Roman"/>
-                <a:cs typeface="Times New Roman"/>
-              </a:rPr>
-              <a:t> </a:t>
-            </a:r>
-            <a:r>
-              <a:rPr lang="uk-UA" sz="1800" b="0" i="0" u="none" strike="noStrike" cap="none" spc="0">
-                <a:solidFill>
-                  <a:srgbClr val="000000"/>
-                </a:solidFill>
-                <a:latin typeface="Times New Roman"/>
-                <a:cs typeface="Times New Roman"/>
-              </a:rPr>
-              <a:t>затримки</a:t>
-            </a:r>
-            <a:r>
-              <a:rPr lang="uk-UA" sz="1800" b="0" i="0" u="none" strike="noStrike" cap="none" spc="0">
-                <a:solidFill>
-                  <a:srgbClr val="000000"/>
-                </a:solidFill>
-                <a:latin typeface="Times New Roman"/>
-                <a:cs typeface="Times New Roman"/>
-              </a:rPr>
-              <a:t> </a:t>
-            </a:r>
-            <a:r>
-              <a:rPr lang="uk-UA" sz="1800" b="0" i="0" u="none" strike="noStrike" cap="none" spc="0">
-                <a:solidFill>
-                  <a:srgbClr val="000000"/>
-                </a:solidFill>
-                <a:latin typeface="Times New Roman"/>
-                <a:cs typeface="Times New Roman"/>
-              </a:rPr>
-              <a:t>транзакцій</a:t>
-            </a:r>
-            <a:r>
-              <a:rPr lang="uk-UA" sz="1800" b="0" i="0" u="none" strike="noStrike" cap="none" spc="0">
-                <a:solidFill>
-                  <a:srgbClr val="000000"/>
-                </a:solidFill>
-                <a:latin typeface="Times New Roman"/>
-                <a:cs typeface="Times New Roman"/>
-              </a:rPr>
-              <a:t> </a:t>
-            </a:r>
-            <a:r>
-              <a:rPr lang="uk-UA" sz="1800" b="0" i="0" u="none" strike="noStrike" cap="none" spc="0">
-                <a:solidFill>
-                  <a:srgbClr val="000000"/>
-                </a:solidFill>
-                <a:latin typeface="Times New Roman"/>
-                <a:cs typeface="Times New Roman"/>
-              </a:rPr>
-              <a:t>та</a:t>
-            </a:r>
-            <a:r>
-              <a:rPr lang="uk-UA" sz="1800" b="0" i="0" u="none" strike="noStrike" cap="none" spc="0">
-                <a:solidFill>
-                  <a:srgbClr val="000000"/>
-                </a:solidFill>
-                <a:latin typeface="Times New Roman"/>
-                <a:cs typeface="Times New Roman"/>
-              </a:rPr>
-              <a:t> </a:t>
-            </a:r>
-            <a:r>
-              <a:rPr lang="uk-UA" sz="1800" b="0" i="0" u="none" strike="noStrike" cap="none" spc="0">
-                <a:solidFill>
-                  <a:srgbClr val="000000"/>
-                </a:solidFill>
-                <a:latin typeface="Times New Roman"/>
-                <a:cs typeface="Times New Roman"/>
-              </a:rPr>
-              <a:t>споживання</a:t>
-            </a:r>
-            <a:r>
-              <a:rPr lang="uk-UA" sz="1800" b="0" i="0" u="none" strike="noStrike" cap="none" spc="0">
-                <a:solidFill>
-                  <a:srgbClr val="000000"/>
-                </a:solidFill>
-                <a:latin typeface="Times New Roman"/>
-                <a:cs typeface="Times New Roman"/>
-              </a:rPr>
-              <a:t> </a:t>
-            </a:r>
-            <a:r>
-              <a:rPr lang="uk-UA" sz="1800" b="0" i="0" u="none" strike="noStrike" cap="none" spc="0">
-                <a:solidFill>
-                  <a:srgbClr val="000000"/>
-                </a:solidFill>
-                <a:latin typeface="Times New Roman"/>
-                <a:cs typeface="Times New Roman"/>
-              </a:rPr>
-              <a:t>енергії</a:t>
-            </a:r>
-            <a:r>
-              <a:rPr lang="uk-UA" sz="1800" b="0" i="0" u="none" strike="noStrike" cap="none" spc="0">
-                <a:solidFill>
-                  <a:srgbClr val="000000"/>
-                </a:solidFill>
-                <a:latin typeface="Times New Roman"/>
-                <a:cs typeface="Times New Roman"/>
-              </a:rPr>
-              <a:t>, </a:t>
-            </a:r>
-            <a:r>
-              <a:rPr lang="uk-UA" sz="1800" b="0" i="0" u="none" strike="noStrike" cap="none" spc="0">
-                <a:solidFill>
-                  <a:srgbClr val="000000"/>
-                </a:solidFill>
-                <a:latin typeface="Times New Roman"/>
-                <a:cs typeface="Times New Roman"/>
-              </a:rPr>
-              <a:t>досягли</a:t>
-            </a:r>
-            <a:r>
-              <a:rPr lang="uk-UA" sz="1800" b="0" i="0" u="none" strike="noStrike" cap="none" spc="0">
-                <a:solidFill>
-                  <a:srgbClr val="000000"/>
-                </a:solidFill>
-                <a:latin typeface="Times New Roman"/>
-                <a:cs typeface="Times New Roman"/>
-              </a:rPr>
-              <a:t> </a:t>
-            </a:r>
-            <a:r>
-              <a:rPr lang="uk-UA" sz="1800" b="0" i="0" u="none" strike="noStrike" cap="none" spc="0">
-                <a:solidFill>
-                  <a:srgbClr val="000000"/>
-                </a:solidFill>
-                <a:latin typeface="Times New Roman"/>
-                <a:cs typeface="Times New Roman"/>
-              </a:rPr>
-              <a:t>значних</a:t>
-            </a:r>
-            <a:r>
-              <a:rPr lang="uk-UA" sz="1800" b="0" i="0" u="none" strike="noStrike" cap="none" spc="0">
-                <a:solidFill>
-                  <a:srgbClr val="000000"/>
-                </a:solidFill>
-                <a:latin typeface="Times New Roman"/>
-                <a:cs typeface="Times New Roman"/>
-              </a:rPr>
-              <a:t> </a:t>
-            </a:r>
-            <a:r>
-              <a:rPr lang="uk-UA" sz="1800" b="0" i="0" u="none" strike="noStrike" cap="none" spc="0">
-                <a:solidFill>
-                  <a:srgbClr val="000000"/>
-                </a:solidFill>
-                <a:latin typeface="Times New Roman"/>
-                <a:cs typeface="Times New Roman"/>
-              </a:rPr>
-              <a:t>успіхів</a:t>
-            </a:r>
-            <a:r>
-              <a:rPr lang="uk-UA" sz="1800" b="0" i="0" u="none" strike="noStrike" cap="none" spc="0">
-                <a:solidFill>
-                  <a:srgbClr val="000000"/>
-                </a:solidFill>
-                <a:latin typeface="Times New Roman"/>
-                <a:cs typeface="Times New Roman"/>
-              </a:rPr>
-              <a:t> у </a:t>
-            </a:r>
-            <a:r>
-              <a:rPr lang="uk-UA" sz="1800" b="0" i="0" u="none" strike="noStrike" cap="none" spc="0">
-                <a:solidFill>
-                  <a:srgbClr val="000000"/>
-                </a:solidFill>
-                <a:latin typeface="Times New Roman"/>
-                <a:cs typeface="Times New Roman"/>
-              </a:rPr>
-              <a:t>масштабуванні</a:t>
-            </a:r>
-            <a:r>
-              <a:rPr lang="uk-UA" sz="1800" b="0" i="0" u="none" strike="noStrike" cap="none" spc="0">
-                <a:solidFill>
-                  <a:srgbClr val="000000"/>
-                </a:solidFill>
-                <a:latin typeface="Times New Roman"/>
-                <a:cs typeface="Times New Roman"/>
-              </a:rPr>
-              <a:t> </a:t>
-            </a:r>
-            <a:r>
-              <a:rPr lang="uk-UA" sz="1800" b="0" i="0" u="none" strike="noStrike" cap="none" spc="0">
-                <a:solidFill>
-                  <a:srgbClr val="000000"/>
-                </a:solidFill>
-                <a:latin typeface="Times New Roman"/>
-                <a:cs typeface="Times New Roman"/>
-              </a:rPr>
-              <a:t>та</a:t>
-            </a:r>
-            <a:r>
-              <a:rPr lang="uk-UA" sz="1800" b="0" i="0" u="none" strike="noStrike" cap="none" spc="0">
-                <a:solidFill>
-                  <a:srgbClr val="000000"/>
-                </a:solidFill>
-                <a:latin typeface="Times New Roman"/>
-                <a:cs typeface="Times New Roman"/>
-              </a:rPr>
-              <a:t> </a:t>
-            </a:r>
-            <a:r>
-              <a:rPr lang="uk-UA" sz="1800" b="0" i="0" u="none" strike="noStrike" cap="none" spc="0">
-                <a:solidFill>
-                  <a:srgbClr val="000000"/>
-                </a:solidFill>
-                <a:latin typeface="Times New Roman"/>
-                <a:cs typeface="Times New Roman"/>
-              </a:rPr>
-              <a:t>зберегли</a:t>
-            </a:r>
-            <a:r>
-              <a:rPr lang="uk-UA" sz="1800" b="0" i="0" u="none" strike="noStrike" cap="none" spc="0">
-                <a:solidFill>
-                  <a:srgbClr val="000000"/>
-                </a:solidFill>
-                <a:latin typeface="Times New Roman"/>
-                <a:cs typeface="Times New Roman"/>
-              </a:rPr>
-              <a:t> </a:t>
-            </a:r>
-            <a:r>
-              <a:rPr lang="uk-UA" sz="1800" b="0" i="0" u="none" strike="noStrike" cap="none" spc="0">
-                <a:solidFill>
-                  <a:srgbClr val="000000"/>
-                </a:solidFill>
-                <a:latin typeface="Times New Roman"/>
-                <a:cs typeface="Times New Roman"/>
-              </a:rPr>
-              <a:t>тверду</a:t>
-            </a:r>
-            <a:r>
-              <a:rPr lang="uk-UA" sz="1800" b="0" i="0" u="none" strike="noStrike" cap="none" spc="0">
-                <a:solidFill>
-                  <a:srgbClr val="000000"/>
-                </a:solidFill>
-                <a:latin typeface="Times New Roman"/>
-                <a:cs typeface="Times New Roman"/>
-              </a:rPr>
-              <a:t> </a:t>
-            </a:r>
-            <a:r>
-              <a:rPr lang="uk-UA" sz="1800" b="0" i="0" u="none" strike="noStrike" cap="none" spc="0">
-                <a:solidFill>
-                  <a:srgbClr val="000000"/>
-                </a:solidFill>
-                <a:latin typeface="Times New Roman"/>
-                <a:cs typeface="Times New Roman"/>
-              </a:rPr>
-              <a:t>прихильність</a:t>
-            </a:r>
-            <a:r>
-              <a:rPr lang="uk-UA" sz="1800" b="0" i="0" u="none" strike="noStrike" cap="none" spc="0">
-                <a:solidFill>
-                  <a:srgbClr val="000000"/>
-                </a:solidFill>
-                <a:latin typeface="Times New Roman"/>
-                <a:cs typeface="Times New Roman"/>
-              </a:rPr>
-              <a:t> </a:t>
-            </a:r>
-            <a:r>
-              <a:rPr lang="uk-UA" sz="1800" b="0" i="0" u="none" strike="noStrike" cap="none" spc="0">
-                <a:solidFill>
-                  <a:srgbClr val="000000"/>
-                </a:solidFill>
-                <a:latin typeface="Times New Roman"/>
-                <a:cs typeface="Times New Roman"/>
-              </a:rPr>
-              <a:t>до</a:t>
-            </a:r>
-            <a:r>
-              <a:rPr lang="uk-UA" sz="1800" b="0" i="0" u="none" strike="noStrike" cap="none" spc="0">
-                <a:solidFill>
-                  <a:srgbClr val="000000"/>
-                </a:solidFill>
-                <a:latin typeface="Times New Roman"/>
-                <a:cs typeface="Times New Roman"/>
-              </a:rPr>
-              <a:t> </a:t>
-            </a:r>
-            <a:r>
-              <a:rPr lang="uk-UA" sz="1800" b="0" i="0" u="none" strike="noStrike" cap="none" spc="0">
-                <a:solidFill>
-                  <a:srgbClr val="000000"/>
-                </a:solidFill>
-                <a:latin typeface="Times New Roman"/>
-                <a:cs typeface="Times New Roman"/>
-              </a:rPr>
-              <a:t>децентралізації</a:t>
-            </a:r>
-            <a:r>
-              <a:rPr lang="uk-UA" sz="1800" b="0" i="0" u="none" strike="noStrike" cap="none" spc="0">
-                <a:solidFill>
-                  <a:srgbClr val="000000"/>
-                </a:solidFill>
-                <a:latin typeface="Times New Roman"/>
-                <a:cs typeface="Times New Roman"/>
-              </a:rPr>
-              <a:t>. </a:t>
-            </a:r>
-            <a:r>
-              <a:rPr lang="uk-UA" sz="1800" b="0" i="0" u="none" strike="noStrike" cap="none" spc="0">
-                <a:solidFill>
-                  <a:srgbClr val="000000"/>
-                </a:solidFill>
-                <a:latin typeface="Times New Roman"/>
-                <a:cs typeface="Times New Roman"/>
-              </a:rPr>
-              <a:t>Завдяки</a:t>
-            </a:r>
-            <a:r>
-              <a:rPr lang="uk-UA" sz="1800" b="0" i="0" u="none" strike="noStrike" cap="none" spc="0">
-                <a:solidFill>
-                  <a:srgbClr val="000000"/>
-                </a:solidFill>
-                <a:latin typeface="Times New Roman"/>
-                <a:cs typeface="Times New Roman"/>
-              </a:rPr>
-              <a:t> </a:t>
-            </a:r>
-            <a:r>
-              <a:rPr lang="uk-UA" sz="1800" b="0" i="0" u="none" strike="noStrike" cap="none" spc="0">
-                <a:solidFill>
-                  <a:srgbClr val="000000"/>
-                </a:solidFill>
-                <a:latin typeface="Times New Roman"/>
-                <a:cs typeface="Times New Roman"/>
-              </a:rPr>
-              <a:t>інноваційному</a:t>
-            </a:r>
-            <a:r>
-              <a:rPr lang="uk-UA" sz="1800" b="0" i="0" u="none" strike="noStrike" cap="none" spc="0">
-                <a:solidFill>
-                  <a:srgbClr val="000000"/>
-                </a:solidFill>
-                <a:latin typeface="Times New Roman"/>
-                <a:cs typeface="Times New Roman"/>
-              </a:rPr>
-              <a:t> </a:t>
-            </a:r>
-            <a:r>
-              <a:rPr lang="uk-UA" sz="1800" b="0" i="0" u="none" strike="noStrike" cap="none" spc="0">
-                <a:solidFill>
-                  <a:srgbClr val="000000"/>
-                </a:solidFill>
-                <a:latin typeface="Times New Roman"/>
-                <a:cs typeface="Times New Roman"/>
-              </a:rPr>
-              <a:t>гібридному</a:t>
-            </a:r>
-            <a:r>
-              <a:rPr lang="uk-UA" sz="1800" b="0" i="0" u="none" strike="noStrike" cap="none" spc="0">
-                <a:solidFill>
-                  <a:srgbClr val="000000"/>
-                </a:solidFill>
-                <a:latin typeface="Times New Roman"/>
-                <a:cs typeface="Times New Roman"/>
-              </a:rPr>
-              <a:t> </a:t>
-            </a:r>
-            <a:r>
-              <a:rPr lang="uk-UA" sz="1800" b="0" i="0" u="none" strike="noStrike" cap="none" spc="0">
-                <a:solidFill>
-                  <a:srgbClr val="000000"/>
-                </a:solidFill>
-                <a:latin typeface="Times New Roman"/>
-                <a:cs typeface="Times New Roman"/>
-              </a:rPr>
-              <a:t>механізму</a:t>
-            </a:r>
-            <a:r>
-              <a:rPr lang="uk-UA" sz="1800" b="0" i="0" u="none" strike="noStrike" cap="none" spc="0">
-                <a:solidFill>
-                  <a:srgbClr val="000000"/>
-                </a:solidFill>
-                <a:latin typeface="Times New Roman"/>
-                <a:cs typeface="Times New Roman"/>
-              </a:rPr>
-              <a:t> </a:t>
-            </a:r>
-            <a:r>
-              <a:rPr lang="uk-UA" sz="1800" b="0" i="0" u="none" strike="noStrike" cap="none" spc="0">
-                <a:solidFill>
-                  <a:srgbClr val="000000"/>
-                </a:solidFill>
-                <a:latin typeface="Times New Roman"/>
-                <a:cs typeface="Times New Roman"/>
-              </a:rPr>
-              <a:t>консенсусу</a:t>
-            </a:r>
-            <a:r>
-              <a:rPr lang="uk-UA" sz="1800" b="0" i="0" u="none" strike="noStrike" cap="none" spc="0">
-                <a:solidFill>
-                  <a:srgbClr val="000000"/>
-                </a:solidFill>
-                <a:latin typeface="Times New Roman"/>
-                <a:cs typeface="Times New Roman"/>
-              </a:rPr>
-              <a:t> </a:t>
-            </a:r>
-            <a:r>
-              <a:rPr lang="uk-UA" sz="1800" b="0" i="0" u="none" strike="noStrike" cap="none" spc="0">
-                <a:solidFill>
-                  <a:srgbClr val="000000"/>
-                </a:solidFill>
-                <a:latin typeface="Times New Roman"/>
-                <a:cs typeface="Times New Roman"/>
-              </a:rPr>
-              <a:t>та</a:t>
-            </a:r>
-            <a:r>
-              <a:rPr lang="uk-UA" sz="1800" b="0" i="0" u="none" strike="noStrike" cap="none" spc="0">
-                <a:solidFill>
-                  <a:srgbClr val="000000"/>
-                </a:solidFill>
-                <a:latin typeface="Times New Roman"/>
-                <a:cs typeface="Times New Roman"/>
-              </a:rPr>
-              <a:t> </a:t>
-            </a:r>
-            <a:r>
-              <a:rPr lang="uk-UA" sz="1800" b="0" i="0" u="none" strike="noStrike" cap="none" spc="0">
-                <a:solidFill>
-                  <a:srgbClr val="000000"/>
-                </a:solidFill>
-                <a:latin typeface="Times New Roman"/>
-                <a:cs typeface="Times New Roman"/>
-              </a:rPr>
-              <a:t>дизайну</a:t>
-            </a:r>
-            <a:r>
-              <a:rPr lang="uk-UA" sz="1800" b="0" i="0" u="none" strike="noStrike" cap="none" spc="0">
-                <a:solidFill>
-                  <a:srgbClr val="000000"/>
-                </a:solidFill>
-                <a:latin typeface="Times New Roman"/>
-                <a:cs typeface="Times New Roman"/>
-              </a:rPr>
-              <a:t> </a:t>
-            </a:r>
-            <a:r>
-              <a:rPr lang="uk-UA" sz="1800" b="0" i="0" u="none" strike="noStrike" cap="none" spc="0">
-                <a:solidFill>
-                  <a:srgbClr val="000000"/>
-                </a:solidFill>
-                <a:latin typeface="Times New Roman"/>
-                <a:cs typeface="Times New Roman"/>
-              </a:rPr>
-              <a:t>мережі</a:t>
-            </a:r>
-            <a:r>
-              <a:rPr lang="uk-UA" sz="1800" b="0" i="0" u="none" strike="noStrike" cap="none" spc="0">
-                <a:solidFill>
-                  <a:srgbClr val="000000"/>
-                </a:solidFill>
-                <a:latin typeface="Times New Roman"/>
-                <a:cs typeface="Times New Roman"/>
-              </a:rPr>
-              <a:t> </a:t>
-            </a:r>
-            <a:r>
-              <a:rPr lang="uk-UA" sz="1800" b="0" i="0" u="none" strike="noStrike" cap="none" spc="0">
-                <a:solidFill>
-                  <a:srgbClr val="000000"/>
-                </a:solidFill>
-                <a:latin typeface="Times New Roman"/>
-                <a:cs typeface="Times New Roman"/>
-              </a:rPr>
-              <a:t>продемонструвано</a:t>
-            </a:r>
-            <a:r>
-              <a:rPr lang="uk-UA" sz="1800" b="0" i="0" u="none" strike="noStrike" cap="none" spc="0">
-                <a:solidFill>
-                  <a:srgbClr val="000000"/>
-                </a:solidFill>
-                <a:latin typeface="Times New Roman"/>
-                <a:cs typeface="Times New Roman"/>
-              </a:rPr>
-              <a:t>, </a:t>
-            </a:r>
-            <a:r>
-              <a:rPr lang="uk-UA" sz="1800" b="0" i="0" u="none" strike="noStrike" cap="none" spc="0">
-                <a:solidFill>
-                  <a:srgbClr val="000000"/>
-                </a:solidFill>
-                <a:latin typeface="Times New Roman"/>
-                <a:cs typeface="Times New Roman"/>
-              </a:rPr>
-              <a:t>що</a:t>
-            </a:r>
-            <a:r>
-              <a:rPr lang="uk-UA" sz="1800" b="0" i="0" u="none" strike="noStrike" cap="none" spc="0">
-                <a:solidFill>
-                  <a:srgbClr val="000000"/>
-                </a:solidFill>
-                <a:latin typeface="Times New Roman"/>
-                <a:cs typeface="Times New Roman"/>
-              </a:rPr>
-              <a:t> </a:t>
-            </a:r>
-            <a:r>
-              <a:rPr lang="uk-UA" sz="1800" b="0" i="0" u="none" strike="noStrike" cap="none" spc="0">
-                <a:solidFill>
-                  <a:srgbClr val="000000"/>
-                </a:solidFill>
-                <a:latin typeface="Times New Roman"/>
-                <a:cs typeface="Times New Roman"/>
-              </a:rPr>
-              <a:t>можна</a:t>
-            </a:r>
-            <a:r>
-              <a:rPr lang="uk-UA" sz="1800" b="0" i="0" u="none" strike="noStrike" cap="none" spc="0">
-                <a:solidFill>
-                  <a:srgbClr val="000000"/>
-                </a:solidFill>
-                <a:latin typeface="Times New Roman"/>
-                <a:cs typeface="Times New Roman"/>
-              </a:rPr>
-              <a:t> </a:t>
-            </a:r>
-            <a:r>
-              <a:rPr lang="uk-UA" sz="1800" b="0" i="0" u="none" strike="noStrike" cap="none" spc="0">
-                <a:solidFill>
-                  <a:srgbClr val="000000"/>
-                </a:solidFill>
-                <a:latin typeface="Times New Roman"/>
-                <a:cs typeface="Times New Roman"/>
-              </a:rPr>
-              <a:t>створити</a:t>
-            </a:r>
-            <a:r>
-              <a:rPr lang="uk-UA" sz="1800" b="0" i="0" u="none" strike="noStrike" cap="none" spc="0">
-                <a:solidFill>
-                  <a:srgbClr val="000000"/>
-                </a:solidFill>
-                <a:latin typeface="Times New Roman"/>
-                <a:cs typeface="Times New Roman"/>
-              </a:rPr>
-              <a:t> </a:t>
-            </a:r>
-            <a:r>
-              <a:rPr lang="uk-UA" sz="1800" b="0" i="0" u="none" strike="noStrike" cap="none" spc="0">
-                <a:solidFill>
-                  <a:srgbClr val="000000"/>
-                </a:solidFill>
-                <a:latin typeface="Times New Roman"/>
-                <a:cs typeface="Times New Roman"/>
-              </a:rPr>
-              <a:t>ефективний</a:t>
-            </a:r>
-            <a:r>
-              <a:rPr lang="uk-UA" sz="1800" b="0" i="0" u="none" strike="noStrike" cap="none" spc="0">
-                <a:solidFill>
-                  <a:srgbClr val="000000"/>
-                </a:solidFill>
-                <a:latin typeface="Times New Roman"/>
-                <a:cs typeface="Times New Roman"/>
-              </a:rPr>
-              <a:t> </a:t>
-            </a:r>
-            <a:r>
-              <a:rPr lang="uk-UA" sz="1800" b="0" i="0" u="none" strike="noStrike" cap="none" spc="0">
-                <a:solidFill>
-                  <a:srgbClr val="000000"/>
-                </a:solidFill>
-                <a:latin typeface="Times New Roman"/>
-                <a:cs typeface="Times New Roman"/>
-              </a:rPr>
-              <a:t>та</a:t>
-            </a:r>
-            <a:r>
-              <a:rPr lang="uk-UA" sz="1800" b="0" i="0" u="none" strike="noStrike" cap="none" spc="0">
-                <a:solidFill>
-                  <a:srgbClr val="000000"/>
-                </a:solidFill>
-                <a:latin typeface="Times New Roman"/>
-                <a:cs typeface="Times New Roman"/>
-              </a:rPr>
-              <a:t> </a:t>
-            </a:r>
-            <a:r>
-              <a:rPr lang="uk-UA" sz="1800" b="0" i="0" u="none" strike="noStrike" cap="none" spc="0">
-                <a:solidFill>
-                  <a:srgbClr val="000000"/>
-                </a:solidFill>
-                <a:latin typeface="Times New Roman"/>
-                <a:cs typeface="Times New Roman"/>
-              </a:rPr>
-              <a:t>інклюзивний</a:t>
-            </a:r>
-            <a:r>
-              <a:rPr lang="uk-UA" sz="1800" b="0" i="0" u="none" strike="noStrike" cap="none" spc="0">
-                <a:solidFill>
-                  <a:srgbClr val="000000"/>
-                </a:solidFill>
-                <a:latin typeface="Times New Roman"/>
-                <a:cs typeface="Times New Roman"/>
-              </a:rPr>
-              <a:t> блокчейн. </a:t>
-            </a:r>
-            <a:r>
-              <a:rPr lang="uk-UA" sz="1800" b="0" i="0" u="none" strike="noStrike" cap="none" spc="0">
-                <a:solidFill>
-                  <a:srgbClr val="000000"/>
-                </a:solidFill>
-                <a:latin typeface="Times New Roman"/>
-                <a:cs typeface="Times New Roman"/>
-              </a:rPr>
-              <a:t>Потенціал</a:t>
-            </a:r>
-            <a:r>
-              <a:rPr lang="uk-UA" sz="1800" b="0" i="0" u="none" strike="noStrike" cap="none" spc="0">
-                <a:solidFill>
-                  <a:srgbClr val="000000"/>
-                </a:solidFill>
-                <a:latin typeface="Times New Roman"/>
-                <a:cs typeface="Times New Roman"/>
-              </a:rPr>
-              <a:t> </a:t>
-            </a:r>
-            <a:r>
-              <a:rPr lang="uk-UA" sz="1800" b="0" i="0" u="none" strike="noStrike" cap="none" spc="0">
-                <a:solidFill>
-                  <a:srgbClr val="000000"/>
-                </a:solidFill>
-                <a:latin typeface="Times New Roman"/>
-                <a:cs typeface="Times New Roman"/>
-              </a:rPr>
-              <a:t>цієї</a:t>
-            </a:r>
-            <a:r>
-              <a:rPr lang="uk-UA" sz="1800" b="0" i="0" u="none" strike="noStrike" cap="none" spc="0">
-                <a:solidFill>
-                  <a:srgbClr val="000000"/>
-                </a:solidFill>
-                <a:latin typeface="Times New Roman"/>
-                <a:cs typeface="Times New Roman"/>
-              </a:rPr>
-              <a:t> </a:t>
-            </a:r>
-            <a:r>
-              <a:rPr lang="uk-UA" sz="1800" b="0" i="0" u="none" strike="noStrike" cap="none" spc="0">
-                <a:solidFill>
-                  <a:srgbClr val="000000"/>
-                </a:solidFill>
-                <a:latin typeface="Times New Roman"/>
-                <a:cs typeface="Times New Roman"/>
-              </a:rPr>
-              <a:t>технології</a:t>
-            </a:r>
-            <a:r>
-              <a:rPr lang="uk-UA" sz="1800" b="0" i="0" u="none" strike="noStrike" cap="none" spc="0">
-                <a:solidFill>
-                  <a:srgbClr val="000000"/>
-                </a:solidFill>
-                <a:latin typeface="Times New Roman"/>
-                <a:cs typeface="Times New Roman"/>
-              </a:rPr>
-              <a:t> </a:t>
-            </a:r>
-            <a:r>
-              <a:rPr lang="uk-UA" sz="1800" b="0" i="0" u="none" strike="noStrike" cap="none" spc="0">
-                <a:solidFill>
-                  <a:srgbClr val="000000"/>
-                </a:solidFill>
-                <a:latin typeface="Times New Roman"/>
-                <a:cs typeface="Times New Roman"/>
-              </a:rPr>
-              <a:t>та</a:t>
-            </a:r>
-            <a:r>
-              <a:rPr lang="uk-UA" sz="1800" b="0" i="0" u="none" strike="noStrike" cap="none" spc="0">
-                <a:solidFill>
-                  <a:srgbClr val="000000"/>
-                </a:solidFill>
-                <a:latin typeface="Times New Roman"/>
-                <a:cs typeface="Times New Roman"/>
-              </a:rPr>
-              <a:t> </a:t>
-            </a:r>
-            <a:r>
-              <a:rPr lang="uk-UA" sz="1800" b="0" i="0" u="none" strike="noStrike" cap="none" spc="0">
-                <a:solidFill>
-                  <a:srgbClr val="000000"/>
-                </a:solidFill>
-                <a:latin typeface="Times New Roman"/>
-                <a:cs typeface="Times New Roman"/>
-              </a:rPr>
-              <a:t>закладає</a:t>
-            </a:r>
-            <a:r>
-              <a:rPr lang="uk-UA" sz="1800" b="0" i="0" u="none" strike="noStrike" cap="none" spc="0">
-                <a:solidFill>
-                  <a:srgbClr val="000000"/>
-                </a:solidFill>
-                <a:latin typeface="Times New Roman"/>
-                <a:cs typeface="Times New Roman"/>
-              </a:rPr>
-              <a:t> </a:t>
-            </a:r>
-            <a:r>
-              <a:rPr lang="uk-UA" sz="1800" b="0" i="0" u="none" strike="noStrike" cap="none" spc="0">
-                <a:solidFill>
-                  <a:srgbClr val="000000"/>
-                </a:solidFill>
-                <a:latin typeface="Times New Roman"/>
-                <a:cs typeface="Times New Roman"/>
-              </a:rPr>
-              <a:t>міцний</a:t>
-            </a:r>
-            <a:r>
-              <a:rPr lang="uk-UA" sz="1800" b="0" i="0" u="none" strike="noStrike" cap="none" spc="0">
-                <a:solidFill>
-                  <a:srgbClr val="000000"/>
-                </a:solidFill>
-                <a:latin typeface="Times New Roman"/>
-                <a:cs typeface="Times New Roman"/>
-              </a:rPr>
-              <a:t> </a:t>
-            </a:r>
-            <a:r>
-              <a:rPr lang="uk-UA" sz="1800" b="0" i="0" u="none" strike="noStrike" cap="none" spc="0">
-                <a:solidFill>
-                  <a:srgbClr val="000000"/>
-                </a:solidFill>
-                <a:latin typeface="Times New Roman"/>
-                <a:cs typeface="Times New Roman"/>
-              </a:rPr>
-              <a:t>фундамент</a:t>
-            </a:r>
-            <a:r>
-              <a:rPr lang="uk-UA" sz="1800" b="0" i="0" u="none" strike="noStrike" cap="none" spc="0">
-                <a:solidFill>
-                  <a:srgbClr val="000000"/>
-                </a:solidFill>
-                <a:latin typeface="Times New Roman"/>
-                <a:cs typeface="Times New Roman"/>
-              </a:rPr>
-              <a:t> </a:t>
-            </a:r>
-            <a:r>
-              <a:rPr lang="uk-UA" sz="1800" b="0" i="0" u="none" strike="noStrike" cap="none" spc="0">
-                <a:solidFill>
-                  <a:srgbClr val="000000"/>
-                </a:solidFill>
-                <a:latin typeface="Times New Roman"/>
-                <a:cs typeface="Times New Roman"/>
-              </a:rPr>
-              <a:t>для</a:t>
-            </a:r>
-            <a:r>
-              <a:rPr lang="uk-UA" sz="1800" b="0" i="0" u="none" strike="noStrike" cap="none" spc="0">
-                <a:solidFill>
-                  <a:srgbClr val="000000"/>
-                </a:solidFill>
-                <a:latin typeface="Times New Roman"/>
-                <a:cs typeface="Times New Roman"/>
-              </a:rPr>
-              <a:t> </a:t>
-            </a:r>
-            <a:r>
-              <a:rPr lang="uk-UA" sz="1800" b="0" i="0" u="none" strike="noStrike" cap="none" spc="0">
-                <a:solidFill>
-                  <a:srgbClr val="000000"/>
-                </a:solidFill>
-                <a:latin typeface="Times New Roman"/>
-                <a:cs typeface="Times New Roman"/>
-              </a:rPr>
-              <a:t>майбутніх</a:t>
-            </a:r>
-            <a:r>
-              <a:rPr lang="uk-UA" sz="1800" b="0" i="0" u="none" strike="noStrike" cap="none" spc="0">
-                <a:solidFill>
-                  <a:srgbClr val="000000"/>
-                </a:solidFill>
-                <a:latin typeface="Times New Roman"/>
-                <a:cs typeface="Times New Roman"/>
-              </a:rPr>
-              <a:t> </a:t>
-            </a:r>
-            <a:r>
-              <a:rPr lang="uk-UA" sz="1800" b="0" i="0" u="none" strike="noStrike" cap="none" spc="0">
-                <a:solidFill>
-                  <a:srgbClr val="000000"/>
-                </a:solidFill>
-                <a:latin typeface="Times New Roman"/>
-                <a:cs typeface="Times New Roman"/>
-              </a:rPr>
-              <a:t>досягнень</a:t>
-            </a:r>
-            <a:r>
-              <a:rPr lang="uk-UA" sz="1800" b="0" i="0" u="none" strike="noStrike" cap="none" spc="0">
-                <a:solidFill>
-                  <a:srgbClr val="000000"/>
-                </a:solidFill>
-                <a:latin typeface="Times New Roman"/>
-                <a:cs typeface="Times New Roman"/>
-              </a:rPr>
-              <a:t> у </a:t>
-            </a:r>
-            <a:r>
-              <a:rPr lang="uk-UA" sz="1800" b="0" i="0" u="none" strike="noStrike" cap="none" spc="0">
-                <a:solidFill>
-                  <a:srgbClr val="000000"/>
-                </a:solidFill>
-                <a:latin typeface="Times New Roman"/>
-                <a:cs typeface="Times New Roman"/>
-              </a:rPr>
-              <a:t>цій</a:t>
-            </a:r>
-            <a:r>
-              <a:rPr lang="uk-UA" sz="1800" b="0" i="0" u="none" strike="noStrike" cap="none" spc="0">
-                <a:solidFill>
-                  <a:srgbClr val="000000"/>
-                </a:solidFill>
-                <a:latin typeface="Times New Roman"/>
-                <a:cs typeface="Times New Roman"/>
-              </a:rPr>
-              <a:t> </a:t>
-            </a:r>
-            <a:r>
-              <a:rPr lang="uk-UA" sz="1800" b="0" i="0" u="none" strike="noStrike" cap="none" spc="0">
-                <a:solidFill>
-                  <a:srgbClr val="000000"/>
-                </a:solidFill>
-                <a:latin typeface="Times New Roman"/>
-                <a:cs typeface="Times New Roman"/>
-              </a:rPr>
-              <a:t>галузі</a:t>
-            </a:r>
-            <a:r>
-              <a:rPr lang="uk-UA" sz="1800" b="0" i="0" u="none" strike="noStrike" cap="none" spc="0">
-                <a:solidFill>
-                  <a:srgbClr val="000000"/>
-                </a:solidFill>
-                <a:latin typeface="Times New Roman"/>
-                <a:cs typeface="Times New Roman"/>
-              </a:rPr>
-              <a:t>.</a:t>
-            </a:r>
-            <a:endParaRPr sz="1800">
+              <a:t>заклавши міцний фундамент для подальшого розвитку нашого блокчейн-додатку.</a:t>
+            </a:r>
+            <a:endParaRPr sz="1800" dirty="0">
               <a:latin typeface="Times New Roman"/>
               <a:cs typeface="Times New Roman"/>
             </a:endParaRPr>
@@ -12153,7 +9823,7 @@
                 <a:latin typeface="Times New Roman"/>
                 <a:cs typeface="Times New Roman"/>
               </a:rPr>
-              <a:t/>
+              <a:t>8</a:t>
             </a:fld>
             <a:endParaRPr>
               <a:latin typeface="Times New Roman"/>
@@ -12204,6 +9874,7 @@
         </p:style>
         <p:txBody>
           <a:bodyPr/>
+          <a:lstStyle/>
           <a:p>
             <a:pPr>
               <a:defRPr/>
@@ -12220,19 +9891,11 @@
   <p:clrMapOvr>
     <a:masterClrMapping/>
   </p:clrMapOvr>
-  <mc:AlternateContent xmlns:mc="http://schemas.openxmlformats.org/markup-compatibility/2006">
-    <mc:Choice xmlns:p14="http://schemas.microsoft.com/office/powerpoint/2010/main" Requires="p14">
-      <p:transition p14:dur="2000" advClick="1"/>
-    </mc:Choice>
-    <mc:Fallback>
-      <p:transition advClick="1"/>
-    </mc:Fallback>
-  </mc:AlternateContent>
 </p:sld>
 </file>
 
 <file path=ppt/theme/theme1.xml><?xml version="1.0" encoding="utf-8"?>
-<a:theme xmlns:a="http://schemas.openxmlformats.org/drawingml/2006/main" xmlns:r="http://schemas.openxmlformats.org/officeDocument/2006/relationships" xmlns:p="http://schemas.openxmlformats.org/presentationml/2006/main" name="Office Theme">
+<a:theme xmlns:a="http://schemas.openxmlformats.org/drawingml/2006/main" name="Office Theme">
   <a:themeElements>
     <a:clrScheme name="Office">
       <a:dk1>
@@ -12437,5 +10100,6 @@
     </a:fmtScheme>
   </a:themeElements>
   <a:objectDefaults/>
+  <a:extraClrSchemeLst/>
 </a:theme>
 </file>
--- a/sad/blokchejn-platforma-dlya-avtomatizovanoyi-platizhnoyi-sistemi-zahist-zvitu-z-tehnologichnoyi-praktiki-2023-5-30-16-16-39.pptx
+++ b/sad/blokchejn-platforma-dlya-avtomatizovanoyi-platizhnoyi-sistemi-zahist-zvitu-z-tehnologichnoyi-praktiki-2023-5-30-16-16-39.pptx
@@ -1,18 +1,18 @@
 
 <file path=ppt/presentation.xml><?xml version="1.0" encoding="utf-8"?>
-<p:presentation xmlns:a="http://schemas.openxmlformats.org/drawingml/2006/main" xmlns:r="http://schemas.openxmlformats.org/officeDocument/2006/relationships" xmlns:p="http://schemas.openxmlformats.org/presentationml/2006/main" showSpecialPlsOnTitleSld="0">
+<p:presentation xmlns:a="http://schemas.openxmlformats.org/drawingml/2006/main" xmlns:r="http://schemas.openxmlformats.org/officeDocument/2006/relationships" xmlns:p="http://schemas.openxmlformats.org/presentationml/2006/main" xmlns:m="http://schemas.openxmlformats.org/officeDocument/2006/math" xmlns:w="http://schemas.openxmlformats.org/wordprocessingml/2006/main" showSpecialPlsOnTitleSld="0">
   <p:sldMasterIdLst>
     <p:sldMasterId id="2147483648" r:id="rId1"/>
   </p:sldMasterIdLst>
   <p:sldIdLst>
-    <p:sldId id="256" r:id="rId2"/>
-    <p:sldId id="257" r:id="rId3"/>
-    <p:sldId id="258" r:id="rId4"/>
-    <p:sldId id="259" r:id="rId5"/>
-    <p:sldId id="260" r:id="rId6"/>
-    <p:sldId id="261" r:id="rId7"/>
-    <p:sldId id="262" r:id="rId8"/>
-    <p:sldId id="263" r:id="rId9"/>
+    <p:sldId id="256" r:id="rId3"/>
+    <p:sldId id="257" r:id="rId4"/>
+    <p:sldId id="258" r:id="rId5"/>
+    <p:sldId id="259" r:id="rId6"/>
+    <p:sldId id="260" r:id="rId7"/>
+    <p:sldId id="261" r:id="rId8"/>
+    <p:sldId id="262" r:id="rId9"/>
+    <p:sldId id="263" r:id="rId10"/>
   </p:sldIdLst>
   <p:sldSz cx="12192000" cy="6413500"/>
   <p:notesSz cx="12192000" cy="6413500"/>
@@ -111,22 +111,6 @@
       </a:defRPr>
     </a:lvl9pPr>
   </p:defaultTextStyle>
-  <p:extLst>
-    <p:ext uri="{EFAFB233-063F-42B5-8137-9DF3F51BA10A}">
-      <p15:sldGuideLst xmlns:p15="http://schemas.microsoft.com/office/powerpoint/2012/main">
-        <p15:guide id="1" orient="horz" pos="2924">
-          <p15:clr>
-            <a:srgbClr val="A4A3A4"/>
-          </p15:clr>
-        </p15:guide>
-        <p15:guide id="2" pos="2160">
-          <p15:clr>
-            <a:srgbClr val="A4A3A4"/>
-          </p15:clr>
-        </p15:guide>
-      </p15:sldGuideLst>
-    </p:ext>
-  </p:extLst>
 </p:presentation>
 </file>
 
@@ -881,8 +865,759 @@
 </dgm:colorsDef>
 </file>
 
+<file path=ppt/diagrams/colors2.xml><?xml version="1.0" encoding="utf-8"?>
+<dgm:colorsDef xmlns:dgm="http://schemas.openxmlformats.org/drawingml/2006/diagram" xmlns:a="http://schemas.openxmlformats.org/drawingml/2006/main" uniqueId="urn:microsoft.com/office/officeart/2005/8/colors/accent0_3">
+  <dgm:title val=""/>
+  <dgm:desc val=""/>
+  <dgm:catLst>
+    <dgm:cat type="mainScheme" pri="10300"/>
+  </dgm:catLst>
+  <dgm:styleLbl name="node0">
+    <dgm:fillClrLst meth="repeat">
+      <a:schemeClr val="dk2"/>
+    </dgm:fillClrLst>
+    <dgm:linClrLst meth="repeat">
+      <a:schemeClr val="lt2"/>
+    </dgm:linClrLst>
+    <dgm:effectClrLst/>
+    <dgm:txLinClrLst/>
+    <dgm:txFillClrLst/>
+    <dgm:txEffectClrLst/>
+  </dgm:styleLbl>
+  <dgm:styleLbl name="alignNode1">
+    <dgm:fillClrLst meth="repeat">
+      <a:schemeClr val="dk2"/>
+    </dgm:fillClrLst>
+    <dgm:linClrLst meth="repeat">
+      <a:schemeClr val="dk2"/>
+    </dgm:linClrLst>
+    <dgm:effectClrLst/>
+    <dgm:txLinClrLst/>
+    <dgm:txFillClrLst/>
+    <dgm:txEffectClrLst/>
+  </dgm:styleLbl>
+  <dgm:styleLbl name="node1">
+    <dgm:fillClrLst meth="repeat">
+      <a:schemeClr val="dk2"/>
+    </dgm:fillClrLst>
+    <dgm:linClrLst meth="repeat">
+      <a:schemeClr val="lt2"/>
+    </dgm:linClrLst>
+    <dgm:effectClrLst/>
+    <dgm:txLinClrLst/>
+    <dgm:txFillClrLst/>
+    <dgm:txEffectClrLst/>
+  </dgm:styleLbl>
+  <dgm:styleLbl name="lnNode1">
+    <dgm:fillClrLst meth="repeat">
+      <a:schemeClr val="dk2"/>
+    </dgm:fillClrLst>
+    <dgm:linClrLst meth="repeat">
+      <a:schemeClr val="lt2"/>
+    </dgm:linClrLst>
+    <dgm:effectClrLst/>
+    <dgm:txLinClrLst/>
+    <dgm:txFillClrLst/>
+    <dgm:txEffectClrLst/>
+  </dgm:styleLbl>
+  <dgm:styleLbl name="vennNode1">
+    <dgm:fillClrLst meth="repeat">
+      <a:schemeClr val="dk2">
+        <a:alpha val="50000"/>
+      </a:schemeClr>
+    </dgm:fillClrLst>
+    <dgm:linClrLst meth="repeat">
+      <a:schemeClr val="lt2"/>
+    </dgm:linClrLst>
+    <dgm:effectClrLst/>
+    <dgm:txLinClrLst/>
+    <dgm:txFillClrLst/>
+    <dgm:txEffectClrLst/>
+  </dgm:styleLbl>
+  <dgm:styleLbl name="node2">
+    <dgm:fillClrLst meth="repeat">
+      <a:schemeClr val="dk2"/>
+    </dgm:fillClrLst>
+    <dgm:linClrLst meth="repeat">
+      <a:schemeClr val="lt2"/>
+    </dgm:linClrLst>
+    <dgm:effectClrLst/>
+    <dgm:txLinClrLst/>
+    <dgm:txFillClrLst/>
+    <dgm:txEffectClrLst/>
+  </dgm:styleLbl>
+  <dgm:styleLbl name="node3">
+    <dgm:fillClrLst meth="repeat">
+      <a:schemeClr val="dk2"/>
+    </dgm:fillClrLst>
+    <dgm:linClrLst meth="repeat">
+      <a:schemeClr val="lt2"/>
+    </dgm:linClrLst>
+    <dgm:effectClrLst/>
+    <dgm:txLinClrLst/>
+    <dgm:txFillClrLst/>
+    <dgm:txEffectClrLst/>
+  </dgm:styleLbl>
+  <dgm:styleLbl name="node4">
+    <dgm:fillClrLst meth="repeat">
+      <a:schemeClr val="dk2"/>
+    </dgm:fillClrLst>
+    <dgm:linClrLst meth="repeat">
+      <a:schemeClr val="lt2"/>
+    </dgm:linClrLst>
+    <dgm:effectClrLst/>
+    <dgm:txLinClrLst/>
+    <dgm:txFillClrLst/>
+    <dgm:txEffectClrLst/>
+  </dgm:styleLbl>
+  <dgm:styleLbl name="fgImgPlace1">
+    <dgm:fillClrLst meth="repeat">
+      <a:schemeClr val="dk2">
+        <a:tint val="50000"/>
+      </a:schemeClr>
+    </dgm:fillClrLst>
+    <dgm:linClrLst meth="repeat">
+      <a:schemeClr val="lt2"/>
+    </dgm:linClrLst>
+    <dgm:effectClrLst/>
+    <dgm:txLinClrLst/>
+    <dgm:txFillClrLst meth="repeat">
+      <a:schemeClr val="lt2"/>
+    </dgm:txFillClrLst>
+    <dgm:txEffectClrLst/>
+  </dgm:styleLbl>
+  <dgm:styleLbl name="alignImgPlace1">
+    <dgm:fillClrLst meth="repeat">
+      <a:schemeClr val="dk2">
+        <a:tint val="50000"/>
+      </a:schemeClr>
+    </dgm:fillClrLst>
+    <dgm:linClrLst meth="repeat">
+      <a:schemeClr val="dk2">
+        <a:shade val="80000"/>
+      </a:schemeClr>
+    </dgm:linClrLst>
+    <dgm:effectClrLst/>
+    <dgm:txLinClrLst/>
+    <dgm:txFillClrLst meth="repeat">
+      <a:schemeClr val="lt2"/>
+    </dgm:txFillClrLst>
+    <dgm:txEffectClrLst/>
+  </dgm:styleLbl>
+  <dgm:styleLbl name="bgImgPlace1">
+    <dgm:fillClrLst meth="repeat">
+      <a:schemeClr val="dk2">
+        <a:tint val="50000"/>
+      </a:schemeClr>
+    </dgm:fillClrLst>
+    <dgm:linClrLst meth="repeat">
+      <a:schemeClr val="dk2">
+        <a:shade val="80000"/>
+      </a:schemeClr>
+    </dgm:linClrLst>
+    <dgm:effectClrLst/>
+    <dgm:txLinClrLst/>
+    <dgm:txFillClrLst meth="repeat">
+      <a:schemeClr val="lt2"/>
+    </dgm:txFillClrLst>
+    <dgm:txEffectClrLst/>
+  </dgm:styleLbl>
+  <dgm:styleLbl name="sibTrans2D1">
+    <dgm:fillClrLst meth="repeat">
+      <a:schemeClr val="dk2">
+        <a:tint val="60000"/>
+      </a:schemeClr>
+    </dgm:fillClrLst>
+    <dgm:linClrLst meth="repeat">
+      <a:schemeClr val="dk2">
+        <a:tint val="60000"/>
+      </a:schemeClr>
+    </dgm:linClrLst>
+    <dgm:effectClrLst/>
+    <dgm:txLinClrLst/>
+    <dgm:txFillClrLst/>
+    <dgm:txEffectClrLst/>
+  </dgm:styleLbl>
+  <dgm:styleLbl name="fgSibTrans2D1">
+    <dgm:fillClrLst meth="repeat">
+      <a:schemeClr val="dk2">
+        <a:tint val="60000"/>
+      </a:schemeClr>
+    </dgm:fillClrLst>
+    <dgm:linClrLst meth="repeat">
+      <a:schemeClr val="dk2">
+        <a:tint val="60000"/>
+      </a:schemeClr>
+    </dgm:linClrLst>
+    <dgm:effectClrLst/>
+    <dgm:txLinClrLst/>
+    <dgm:txFillClrLst/>
+    <dgm:txEffectClrLst/>
+  </dgm:styleLbl>
+  <dgm:styleLbl name="bgSibTrans2D1">
+    <dgm:fillClrLst meth="repeat">
+      <a:schemeClr val="dk2">
+        <a:tint val="60000"/>
+      </a:schemeClr>
+    </dgm:fillClrLst>
+    <dgm:linClrLst meth="repeat">
+      <a:schemeClr val="dk2">
+        <a:tint val="60000"/>
+      </a:schemeClr>
+    </dgm:linClrLst>
+    <dgm:effectClrLst/>
+    <dgm:txLinClrLst/>
+    <dgm:txFillClrLst/>
+    <dgm:txEffectClrLst/>
+  </dgm:styleLbl>
+  <dgm:styleLbl name="sibTrans1D1">
+    <dgm:fillClrLst meth="repeat">
+      <a:schemeClr val="dk2"/>
+    </dgm:fillClrLst>
+    <dgm:linClrLst meth="repeat">
+      <a:schemeClr val="dk2"/>
+    </dgm:linClrLst>
+    <dgm:effectClrLst/>
+    <dgm:txLinClrLst/>
+    <dgm:txFillClrLst meth="repeat">
+      <a:schemeClr val="lt2"/>
+    </dgm:txFillClrLst>
+    <dgm:txEffectClrLst/>
+  </dgm:styleLbl>
+  <dgm:styleLbl name="callout">
+    <dgm:fillClrLst meth="repeat">
+      <a:schemeClr val="dk2"/>
+    </dgm:fillClrLst>
+    <dgm:linClrLst meth="repeat">
+      <a:schemeClr val="dk2">
+        <a:tint val="50000"/>
+      </a:schemeClr>
+    </dgm:linClrLst>
+    <dgm:effectClrLst/>
+    <dgm:txLinClrLst/>
+    <dgm:txFillClrLst meth="repeat">
+      <a:schemeClr val="lt2"/>
+    </dgm:txFillClrLst>
+    <dgm:txEffectClrLst/>
+  </dgm:styleLbl>
+  <dgm:styleLbl name="asst0">
+    <dgm:fillClrLst meth="repeat">
+      <a:schemeClr val="dk2"/>
+    </dgm:fillClrLst>
+    <dgm:linClrLst meth="repeat">
+      <a:schemeClr val="lt2"/>
+    </dgm:linClrLst>
+    <dgm:effectClrLst/>
+    <dgm:txLinClrLst/>
+    <dgm:txFillClrLst/>
+    <dgm:txEffectClrLst/>
+  </dgm:styleLbl>
+  <dgm:styleLbl name="asst1">
+    <dgm:fillClrLst meth="repeat">
+      <a:schemeClr val="dk2"/>
+    </dgm:fillClrLst>
+    <dgm:linClrLst meth="repeat">
+      <a:schemeClr val="lt2"/>
+    </dgm:linClrLst>
+    <dgm:effectClrLst/>
+    <dgm:txLinClrLst/>
+    <dgm:txFillClrLst/>
+    <dgm:txEffectClrLst/>
+  </dgm:styleLbl>
+  <dgm:styleLbl name="asst2">
+    <dgm:fillClrLst meth="repeat">
+      <a:schemeClr val="dk2"/>
+    </dgm:fillClrLst>
+    <dgm:linClrLst meth="repeat">
+      <a:schemeClr val="lt2"/>
+    </dgm:linClrLst>
+    <dgm:effectClrLst/>
+    <dgm:txLinClrLst/>
+    <dgm:txFillClrLst/>
+    <dgm:txEffectClrLst/>
+  </dgm:styleLbl>
+  <dgm:styleLbl name="asst3">
+    <dgm:fillClrLst meth="repeat">
+      <a:schemeClr val="dk2"/>
+    </dgm:fillClrLst>
+    <dgm:linClrLst meth="repeat">
+      <a:schemeClr val="lt2"/>
+    </dgm:linClrLst>
+    <dgm:effectClrLst/>
+    <dgm:txLinClrLst/>
+    <dgm:txFillClrLst/>
+    <dgm:txEffectClrLst/>
+  </dgm:styleLbl>
+  <dgm:styleLbl name="asst4">
+    <dgm:fillClrLst meth="repeat">
+      <a:schemeClr val="dk2"/>
+    </dgm:fillClrLst>
+    <dgm:linClrLst meth="repeat">
+      <a:schemeClr val="lt2"/>
+    </dgm:linClrLst>
+    <dgm:effectClrLst/>
+    <dgm:txLinClrLst/>
+    <dgm:txFillClrLst/>
+    <dgm:txEffectClrLst/>
+  </dgm:styleLbl>
+  <dgm:styleLbl name="parChTrans2D1">
+    <dgm:fillClrLst meth="repeat">
+      <a:schemeClr val="dk2">
+        <a:tint val="60000"/>
+      </a:schemeClr>
+    </dgm:fillClrLst>
+    <dgm:linClrLst meth="repeat">
+      <a:schemeClr val="dk2">
+        <a:tint val="60000"/>
+      </a:schemeClr>
+    </dgm:linClrLst>
+    <dgm:effectClrLst/>
+    <dgm:txLinClrLst/>
+    <dgm:txFillClrLst meth="repeat">
+      <a:schemeClr val="lt2"/>
+    </dgm:txFillClrLst>
+    <dgm:txEffectClrLst/>
+  </dgm:styleLbl>
+  <dgm:styleLbl name="parChTrans2D2">
+    <dgm:fillClrLst meth="repeat">
+      <a:schemeClr val="dk2"/>
+    </dgm:fillClrLst>
+    <dgm:linClrLst meth="repeat">
+      <a:schemeClr val="dk2"/>
+    </dgm:linClrLst>
+    <dgm:effectClrLst/>
+    <dgm:txLinClrLst/>
+    <dgm:txFillClrLst meth="repeat">
+      <a:schemeClr val="lt2"/>
+    </dgm:txFillClrLst>
+    <dgm:txEffectClrLst/>
+  </dgm:styleLbl>
+  <dgm:styleLbl name="parChTrans2D3">
+    <dgm:fillClrLst meth="repeat">
+      <a:schemeClr val="dk2"/>
+    </dgm:fillClrLst>
+    <dgm:linClrLst meth="repeat">
+      <a:schemeClr val="dk2"/>
+    </dgm:linClrLst>
+    <dgm:effectClrLst/>
+    <dgm:txLinClrLst/>
+    <dgm:txFillClrLst meth="repeat">
+      <a:schemeClr val="lt2"/>
+    </dgm:txFillClrLst>
+    <dgm:txEffectClrLst/>
+  </dgm:styleLbl>
+  <dgm:styleLbl name="parChTrans2D4">
+    <dgm:fillClrLst meth="repeat">
+      <a:schemeClr val="dk2"/>
+    </dgm:fillClrLst>
+    <dgm:linClrLst meth="repeat">
+      <a:schemeClr val="dk2"/>
+    </dgm:linClrLst>
+    <dgm:effectClrLst/>
+    <dgm:txLinClrLst/>
+    <dgm:txFillClrLst meth="repeat">
+      <a:schemeClr val="lt2"/>
+    </dgm:txFillClrLst>
+    <dgm:txEffectClrLst/>
+  </dgm:styleLbl>
+  <dgm:styleLbl name="parChTrans1D1">
+    <dgm:fillClrLst meth="repeat">
+      <a:schemeClr val="dk2"/>
+    </dgm:fillClrLst>
+    <dgm:linClrLst meth="repeat">
+      <a:schemeClr val="dk2">
+        <a:shade val="60000"/>
+      </a:schemeClr>
+    </dgm:linClrLst>
+    <dgm:effectClrLst/>
+    <dgm:txLinClrLst/>
+    <dgm:txFillClrLst meth="repeat">
+      <a:schemeClr val="tx1"/>
+    </dgm:txFillClrLst>
+    <dgm:txEffectClrLst/>
+  </dgm:styleLbl>
+  <dgm:styleLbl name="parChTrans1D2">
+    <dgm:fillClrLst meth="repeat">
+      <a:schemeClr val="dk2"/>
+    </dgm:fillClrLst>
+    <dgm:linClrLst meth="repeat">
+      <a:schemeClr val="dk2">
+        <a:shade val="60000"/>
+      </a:schemeClr>
+    </dgm:linClrLst>
+    <dgm:effectClrLst/>
+    <dgm:txLinClrLst/>
+    <dgm:txFillClrLst meth="repeat">
+      <a:schemeClr val="tx1"/>
+    </dgm:txFillClrLst>
+    <dgm:txEffectClrLst/>
+  </dgm:styleLbl>
+  <dgm:styleLbl name="parChTrans1D3">
+    <dgm:fillClrLst meth="repeat">
+      <a:schemeClr val="dk2"/>
+    </dgm:fillClrLst>
+    <dgm:linClrLst meth="repeat">
+      <a:schemeClr val="dk2">
+        <a:shade val="80000"/>
+      </a:schemeClr>
+    </dgm:linClrLst>
+    <dgm:effectClrLst/>
+    <dgm:txLinClrLst/>
+    <dgm:txFillClrLst meth="repeat">
+      <a:schemeClr val="tx1"/>
+    </dgm:txFillClrLst>
+    <dgm:txEffectClrLst/>
+  </dgm:styleLbl>
+  <dgm:styleLbl name="parChTrans1D4">
+    <dgm:fillClrLst meth="repeat">
+      <a:schemeClr val="dk2"/>
+    </dgm:fillClrLst>
+    <dgm:linClrLst meth="repeat">
+      <a:schemeClr val="dk2">
+        <a:shade val="80000"/>
+      </a:schemeClr>
+    </dgm:linClrLst>
+    <dgm:effectClrLst/>
+    <dgm:txLinClrLst/>
+    <dgm:txFillClrLst meth="repeat">
+      <a:schemeClr val="tx1"/>
+    </dgm:txFillClrLst>
+    <dgm:txEffectClrLst/>
+  </dgm:styleLbl>
+  <dgm:styleLbl name="fgAcc1">
+    <dgm:fillClrLst meth="repeat">
+      <a:schemeClr val="lt2">
+        <a:alpha val="90000"/>
+      </a:schemeClr>
+    </dgm:fillClrLst>
+    <dgm:linClrLst meth="repeat">
+      <a:schemeClr val="dk2"/>
+    </dgm:linClrLst>
+    <dgm:effectClrLst/>
+    <dgm:txLinClrLst/>
+    <dgm:txFillClrLst meth="repeat">
+      <a:schemeClr val="dk1"/>
+    </dgm:txFillClrLst>
+    <dgm:txEffectClrLst/>
+  </dgm:styleLbl>
+  <dgm:styleLbl name="conFgAcc1">
+    <dgm:fillClrLst meth="repeat">
+      <a:schemeClr val="lt2">
+        <a:alpha val="90000"/>
+      </a:schemeClr>
+    </dgm:fillClrLst>
+    <dgm:linClrLst meth="repeat">
+      <a:schemeClr val="dk2"/>
+    </dgm:linClrLst>
+    <dgm:effectClrLst/>
+    <dgm:txLinClrLst/>
+    <dgm:txFillClrLst meth="repeat">
+      <a:schemeClr val="dk1"/>
+    </dgm:txFillClrLst>
+    <dgm:txEffectClrLst/>
+  </dgm:styleLbl>
+  <dgm:styleLbl name="alignAcc1">
+    <dgm:fillClrLst meth="repeat">
+      <a:schemeClr val="lt2">
+        <a:alpha val="90000"/>
+      </a:schemeClr>
+    </dgm:fillClrLst>
+    <dgm:linClrLst meth="repeat">
+      <a:schemeClr val="dk2"/>
+    </dgm:linClrLst>
+    <dgm:effectClrLst/>
+    <dgm:txLinClrLst/>
+    <dgm:txFillClrLst meth="repeat">
+      <a:schemeClr val="dk1"/>
+    </dgm:txFillClrLst>
+    <dgm:txEffectClrLst/>
+  </dgm:styleLbl>
+  <dgm:styleLbl name="trAlignAcc1">
+    <dgm:fillClrLst meth="repeat">
+      <a:schemeClr val="lt2">
+        <a:alpha val="40000"/>
+      </a:schemeClr>
+    </dgm:fillClrLst>
+    <dgm:linClrLst meth="repeat">
+      <a:schemeClr val="dk2"/>
+    </dgm:linClrLst>
+    <dgm:effectClrLst/>
+    <dgm:txLinClrLst/>
+    <dgm:txFillClrLst meth="repeat">
+      <a:schemeClr val="dk1"/>
+    </dgm:txFillClrLst>
+    <dgm:txEffectClrLst/>
+  </dgm:styleLbl>
+  <dgm:styleLbl name="bgAcc1">
+    <dgm:fillClrLst meth="repeat">
+      <a:schemeClr val="lt2">
+        <a:alpha val="90000"/>
+      </a:schemeClr>
+    </dgm:fillClrLst>
+    <dgm:linClrLst meth="repeat">
+      <a:schemeClr val="dk2"/>
+    </dgm:linClrLst>
+    <dgm:effectClrLst/>
+    <dgm:txLinClrLst/>
+    <dgm:txFillClrLst meth="repeat">
+      <a:schemeClr val="dk1"/>
+    </dgm:txFillClrLst>
+    <dgm:txEffectClrLst/>
+  </dgm:styleLbl>
+  <dgm:styleLbl name="solidFgAcc1">
+    <dgm:fillClrLst meth="repeat">
+      <a:schemeClr val="lt2"/>
+    </dgm:fillClrLst>
+    <dgm:linClrLst meth="repeat">
+      <a:schemeClr val="dk2"/>
+    </dgm:linClrLst>
+    <dgm:effectClrLst/>
+    <dgm:txLinClrLst/>
+    <dgm:txFillClrLst meth="repeat">
+      <a:schemeClr val="dk1"/>
+    </dgm:txFillClrLst>
+    <dgm:txEffectClrLst/>
+  </dgm:styleLbl>
+  <dgm:styleLbl name="solidAlignAcc1">
+    <dgm:fillClrLst meth="repeat">
+      <a:schemeClr val="lt2"/>
+    </dgm:fillClrLst>
+    <dgm:linClrLst meth="repeat">
+      <a:schemeClr val="dk2"/>
+    </dgm:linClrLst>
+    <dgm:effectClrLst/>
+    <dgm:txLinClrLst/>
+    <dgm:txFillClrLst meth="repeat">
+      <a:schemeClr val="dk1"/>
+    </dgm:txFillClrLst>
+    <dgm:txEffectClrLst/>
+  </dgm:styleLbl>
+  <dgm:styleLbl name="solidBgAcc1">
+    <dgm:fillClrLst meth="repeat">
+      <a:schemeClr val="lt2"/>
+    </dgm:fillClrLst>
+    <dgm:linClrLst meth="repeat">
+      <a:schemeClr val="dk2"/>
+    </dgm:linClrLst>
+    <dgm:effectClrLst/>
+    <dgm:txLinClrLst/>
+    <dgm:txFillClrLst meth="repeat">
+      <a:schemeClr val="dk1"/>
+    </dgm:txFillClrLst>
+    <dgm:txEffectClrLst/>
+  </dgm:styleLbl>
+  <dgm:styleLbl name="fgAccFollowNode1">
+    <dgm:fillClrLst meth="repeat">
+      <a:schemeClr val="dk2">
+        <a:alpha val="90000"/>
+        <a:tint val="40000"/>
+      </a:schemeClr>
+    </dgm:fillClrLst>
+    <dgm:linClrLst meth="repeat">
+      <a:schemeClr val="dk2">
+        <a:alpha val="90000"/>
+        <a:tint val="40000"/>
+      </a:schemeClr>
+    </dgm:linClrLst>
+    <dgm:effectClrLst/>
+    <dgm:txLinClrLst/>
+    <dgm:txFillClrLst meth="repeat">
+      <a:schemeClr val="dk1"/>
+    </dgm:txFillClrLst>
+    <dgm:txEffectClrLst/>
+  </dgm:styleLbl>
+  <dgm:styleLbl name="alignAccFollowNode1">
+    <dgm:fillClrLst meth="repeat">
+      <a:schemeClr val="dk2">
+        <a:alpha val="90000"/>
+        <a:tint val="40000"/>
+      </a:schemeClr>
+    </dgm:fillClrLst>
+    <dgm:linClrLst meth="repeat">
+      <a:schemeClr val="dk2">
+        <a:alpha val="90000"/>
+        <a:tint val="40000"/>
+      </a:schemeClr>
+    </dgm:linClrLst>
+    <dgm:effectClrLst/>
+    <dgm:txLinClrLst/>
+    <dgm:txFillClrLst meth="repeat">
+      <a:schemeClr val="dk1"/>
+    </dgm:txFillClrLst>
+    <dgm:txEffectClrLst/>
+  </dgm:styleLbl>
+  <dgm:styleLbl name="bgAccFollowNode1">
+    <dgm:fillClrLst meth="repeat">
+      <a:schemeClr val="dk2">
+        <a:alpha val="90000"/>
+        <a:tint val="40000"/>
+      </a:schemeClr>
+    </dgm:fillClrLst>
+    <dgm:linClrLst meth="repeat">
+      <a:schemeClr val="dk2">
+        <a:alpha val="90000"/>
+        <a:tint val="40000"/>
+      </a:schemeClr>
+    </dgm:linClrLst>
+    <dgm:effectClrLst/>
+    <dgm:txLinClrLst/>
+    <dgm:txFillClrLst meth="repeat">
+      <a:schemeClr val="dk1"/>
+    </dgm:txFillClrLst>
+    <dgm:txEffectClrLst/>
+  </dgm:styleLbl>
+  <dgm:styleLbl name="fgAcc0">
+    <dgm:fillClrLst meth="repeat">
+      <a:schemeClr val="lt2">
+        <a:alpha val="90000"/>
+      </a:schemeClr>
+    </dgm:fillClrLst>
+    <dgm:linClrLst meth="repeat">
+      <a:schemeClr val="dk2"/>
+    </dgm:linClrLst>
+    <dgm:effectClrLst/>
+    <dgm:txLinClrLst/>
+    <dgm:txFillClrLst meth="repeat">
+      <a:schemeClr val="dk1"/>
+    </dgm:txFillClrLst>
+    <dgm:txEffectClrLst/>
+  </dgm:styleLbl>
+  <dgm:styleLbl name="fgAcc2">
+    <dgm:fillClrLst meth="repeat">
+      <a:schemeClr val="lt2">
+        <a:alpha val="90000"/>
+      </a:schemeClr>
+    </dgm:fillClrLst>
+    <dgm:linClrLst meth="repeat">
+      <a:schemeClr val="dk2"/>
+    </dgm:linClrLst>
+    <dgm:effectClrLst/>
+    <dgm:txLinClrLst/>
+    <dgm:txFillClrLst meth="repeat">
+      <a:schemeClr val="dk1"/>
+    </dgm:txFillClrLst>
+    <dgm:txEffectClrLst/>
+  </dgm:styleLbl>
+  <dgm:styleLbl name="fgAcc3">
+    <dgm:fillClrLst meth="repeat">
+      <a:schemeClr val="lt2">
+        <a:alpha val="90000"/>
+      </a:schemeClr>
+    </dgm:fillClrLst>
+    <dgm:linClrLst meth="repeat">
+      <a:schemeClr val="dk2"/>
+    </dgm:linClrLst>
+    <dgm:effectClrLst/>
+    <dgm:txLinClrLst/>
+    <dgm:txFillClrLst meth="repeat">
+      <a:schemeClr val="dk1"/>
+    </dgm:txFillClrLst>
+    <dgm:txEffectClrLst/>
+  </dgm:styleLbl>
+  <dgm:styleLbl name="fgAcc4">
+    <dgm:fillClrLst meth="repeat">
+      <a:schemeClr val="lt2">
+        <a:alpha val="90000"/>
+      </a:schemeClr>
+    </dgm:fillClrLst>
+    <dgm:linClrLst meth="repeat">
+      <a:schemeClr val="dk2"/>
+    </dgm:linClrLst>
+    <dgm:effectClrLst/>
+    <dgm:txLinClrLst/>
+    <dgm:txFillClrLst meth="repeat">
+      <a:schemeClr val="dk1"/>
+    </dgm:txFillClrLst>
+    <dgm:txEffectClrLst/>
+  </dgm:styleLbl>
+  <dgm:styleLbl name="bgShp">
+    <dgm:fillClrLst meth="repeat">
+      <a:schemeClr val="dk2">
+        <a:tint val="40000"/>
+      </a:schemeClr>
+    </dgm:fillClrLst>
+    <dgm:linClrLst meth="repeat">
+      <a:schemeClr val="dk2"/>
+    </dgm:linClrLst>
+    <dgm:effectClrLst/>
+    <dgm:txLinClrLst/>
+    <dgm:txFillClrLst meth="repeat">
+      <a:schemeClr val="dk1"/>
+    </dgm:txFillClrLst>
+    <dgm:txEffectClrLst/>
+  </dgm:styleLbl>
+  <dgm:styleLbl name="dkBgShp">
+    <dgm:fillClrLst meth="repeat">
+      <a:schemeClr val="dk2">
+        <a:shade val="80000"/>
+      </a:schemeClr>
+    </dgm:fillClrLst>
+    <dgm:linClrLst meth="repeat">
+      <a:schemeClr val="dk2"/>
+    </dgm:linClrLst>
+    <dgm:effectClrLst/>
+    <dgm:txLinClrLst/>
+    <dgm:txFillClrLst meth="repeat">
+      <a:schemeClr val="lt1"/>
+    </dgm:txFillClrLst>
+    <dgm:txEffectClrLst/>
+  </dgm:styleLbl>
+  <dgm:styleLbl name="trBgShp">
+    <dgm:fillClrLst meth="repeat">
+      <a:schemeClr val="dk2">
+        <a:tint val="50000"/>
+        <a:alpha val="40000"/>
+      </a:schemeClr>
+    </dgm:fillClrLst>
+    <dgm:linClrLst meth="repeat">
+      <a:schemeClr val="dk2"/>
+    </dgm:linClrLst>
+    <dgm:effectClrLst/>
+    <dgm:txLinClrLst/>
+    <dgm:txFillClrLst meth="repeat">
+      <a:schemeClr val="lt1"/>
+    </dgm:txFillClrLst>
+    <dgm:txEffectClrLst/>
+  </dgm:styleLbl>
+  <dgm:styleLbl name="fgShp">
+    <dgm:fillClrLst meth="repeat">
+      <a:schemeClr val="dk2">
+        <a:tint val="60000"/>
+      </a:schemeClr>
+    </dgm:fillClrLst>
+    <dgm:linClrLst meth="repeat">
+      <a:schemeClr val="lt2"/>
+    </dgm:linClrLst>
+    <dgm:effectClrLst/>
+    <dgm:txLinClrLst/>
+    <dgm:txFillClrLst meth="repeat">
+      <a:schemeClr val="dk1"/>
+    </dgm:txFillClrLst>
+    <dgm:txEffectClrLst/>
+  </dgm:styleLbl>
+  <dgm:styleLbl name="revTx">
+    <dgm:fillClrLst meth="repeat">
+      <a:schemeClr val="lt2">
+        <a:alpha val="0"/>
+      </a:schemeClr>
+    </dgm:fillClrLst>
+    <dgm:linClrLst meth="repeat">
+      <a:schemeClr val="dk1">
+        <a:alpha val="0"/>
+      </a:schemeClr>
+    </dgm:linClrLst>
+    <dgm:effectClrLst/>
+    <dgm:txLinClrLst/>
+    <dgm:txFillClrLst meth="repeat">
+      <a:schemeClr val="tx1"/>
+    </dgm:txFillClrLst>
+    <dgm:txEffectClrLst/>
+  </dgm:styleLbl>
+</dgm:colorsDef>
+</file>
+
 <file path=ppt/diagrams/data1.xml><?xml version="1.0" encoding="utf-8"?>
-<dgm:dataModel xmlns:dgm="http://schemas.openxmlformats.org/drawingml/2006/diagram" xmlns:a="http://schemas.openxmlformats.org/drawingml/2006/main">
+<dgm:dataModel xmlns:dgm="http://schemas.openxmlformats.org/drawingml/2006/diagram" xmlns:a="http://schemas.openxmlformats.org/drawingml/2006/main" xmlns:r="http://schemas.openxmlformats.org/officeDocument/2006/relationships">
   <dgm:ptLst>
     <dgm:pt modelId="{0E58EF5D-A4F6-406B-9846-A092BE01EB22}" type="doc">
       <dgm:prSet loTypeId="urn:microsoft.com/office/officeart/2016/7/layout/LinearBlockProcessNumbered" loCatId="process" qsTypeId="urn:microsoft.com/office/officeart/2005/8/quickstyle/simple1#1" qsCatId="simple" csTypeId="urn:microsoft.com/office/officeart/2005/8/colors/accent0_3" csCatId="mainScheme"/>
@@ -982,7 +1717,7 @@
       </dgm:t>
     </dgm:pt>
     <dgm:pt modelId="{94A4947D-84AB-48E6-8DBD-B0FB7DCFE83A}" type="sibTrans" cxnId="{63E21DF4-5FBC-443D-9BC9-43B65A7BD892}">
-      <dgm:prSet phldrT="01" phldr="0"/>
+      <dgm:prSet phldr="0" phldrT="01"/>
       <dgm:spPr bwMode="auto"/>
       <dgm:t>
         <a:bodyPr vertOverflow="overflow" horzOverflow="overflow" vert="horz" rtlCol="0" fromWordArt="0" anchor="ctr" forceAA="0" compatLnSpc="0"/>
@@ -1088,7 +1823,7 @@
       </dgm:t>
     </dgm:pt>
     <dgm:pt modelId="{EB3BD4AE-D7EC-449F-9FEC-6862480B356F}" type="sibTrans" cxnId="{7C51A667-6AED-4C0F-A3C5-24DCB9960B16}">
-      <dgm:prSet phldrT="02" phldr="0"/>
+      <dgm:prSet phldr="0" phldrT="02"/>
       <dgm:spPr bwMode="auto"/>
       <dgm:t>
         <a:bodyPr vertOverflow="overflow" horzOverflow="overflow" vert="horz" rtlCol="0" fromWordArt="0" anchor="ctr" forceAA="0" compatLnSpc="0"/>
@@ -1194,7 +1929,7 @@
       </dgm:t>
     </dgm:pt>
     <dgm:pt modelId="{4CBAFDCC-6EA0-4DEA-9121-2062BC43DD0B}" type="sibTrans" cxnId="{4ED74027-7C0D-4D16-A0CB-88ADEB6B9117}">
-      <dgm:prSet phldrT="03" phldr="0"/>
+      <dgm:prSet phldr="0" phldrT="03"/>
       <dgm:spPr bwMode="auto"/>
       <dgm:t>
         <a:bodyPr vertOverflow="overflow" horzOverflow="overflow" vert="horz" rtlCol="0" fromWordArt="0" anchor="ctr" forceAA="0" compatLnSpc="0"/>
@@ -1244,7 +1979,7 @@
       <dgm:spPr bwMode="auto"/>
     </dgm:pt>
     <dgm:pt modelId="{9749F921-1780-4BC4-94D4-CA6CB4386FA2}" type="pres">
-      <dgm:prSet presAssocID="{53958BD8-D0F9-43A4-A8E7-C43BE5627982}" presName="bgRect" presStyleLbl="alignNode1" presStyleIdx="0" presStyleCnt="3" custLinFactY="245"/>
+      <dgm:prSet custLinFactY="245" presAssocID="{53958BD8-D0F9-43A4-A8E7-C43BE5627982}" presName="bgRect" presStyleLbl="alignNode1" presStyleIdx="0" presStyleCnt="3"/>
       <dgm:spPr bwMode="auto">
         <a:prstGeom prst="roundRect">
           <a:avLst>
@@ -1412,20 +2147,534 @@
   <dgm:whole/>
   <dgm:extLst>
     <a:ext uri="http://schemas.microsoft.com/office/drawing/2008/diagram">
-      <dsp:dataModelExt xmlns:dsp="http://schemas.microsoft.com/office/drawing/2008/diagram" relId="rId6" minVer="http://schemas.openxmlformats.org/drawingml/2006/diagram"/>
+      <dsp:dataModelExt xmlns:dsp="http://schemas.microsoft.com/office/drawing/2008/diagram" relId="rId1" minVer="http://schemas.openxmlformats.org/drawingml/2006/diagram"/>
+    </a:ext>
+  </dgm:extLst>
+</dgm:dataModel>
+</file>
+
+<file path=ppt/diagrams/data2.xml><?xml version="1.0" encoding="utf-8"?>
+<dgm:dataModel xmlns:dgm="http://schemas.openxmlformats.org/drawingml/2006/diagram" xmlns:a="http://schemas.openxmlformats.org/drawingml/2006/main" xmlns:r="http://schemas.openxmlformats.org/officeDocument/2006/relationships">
+  <dgm:ptLst>
+    <dgm:pt modelId="{0E58EF5D-A4F6-406B-9846-A092BE01EB22}" type="doc">
+      <dgm:prSet loTypeId="urn:microsoft.com/office/officeart/2016/7/layout/LinearBlockProcessNumbered" loCatId="process" qsTypeId="urn:microsoft.com/office/officeart/2005/8/quickstyle/simple1#1" qsCatId="simple" csTypeId="urn:microsoft.com/office/officeart/2005/8/colors/accent0_3" csCatId="mainScheme"/>
+      <dgm:spPr bwMode="auto"/>
+      <dgm:t>
+        <a:bodyPr/>
+        <a:lstStyle/>
+        <a:p>
+          <a:pPr>
+            <a:defRPr/>
+          </a:pPr>
+          <a:endParaRPr lang="en-US"/>
+        </a:p>
+      </dgm:t>
+    </dgm:pt>
+    <dgm:pt modelId="{53958BD8-D0F9-43A4-A8E7-C43BE5627982}">
+      <dgm:prSet phldrT="" custT="1"/>
+      <dgm:spPr bwMode="auto"/>
+      <dgm:t>
+        <a:bodyPr vertOverflow="overflow" horzOverflow="overflow" vert="horz" rtlCol="0" fromWordArt="0" anchor="t" forceAA="0" compatLnSpc="0"/>
+        <a:lstStyle/>
+        <a:p>
+          <a:pPr>
+            <a:defRPr/>
+          </a:pPr>
+          <a:r>
+            <a:rPr lang="en-US" sz="1600" b="1" i="0" u="none" strike="noStrike" cap="none" spc="0">
+              <a:solidFill>
+                <a:schemeClr val="tx1"/>
+              </a:solidFill>
+              <a:latin typeface="Times New Roman"/>
+              <a:cs typeface="Times New Roman"/>
+            </a:rPr>
+            <a:t>Оцінка архітектури системи</a:t>
+          </a:r>
+          <a:r>
+            <a:rPr lang="en-US" sz="1600" b="0" i="0" u="none" strike="noStrike" cap="none" spc="0">
+              <a:solidFill>
+                <a:schemeClr val="tx1"/>
+              </a:solidFill>
+              <a:latin typeface="Times New Roman"/>
+              <a:cs typeface="Times New Roman"/>
+            </a:rPr>
+            <a:t>: Провести глибокий аналіз обраної архітектури системи, особливо щодо управління потоками даних. Зрозуміти логіку, яка лежала в основі вибору цього структурного стилю.</a:t>
+          </a:r>
+          <a:endParaRPr lang="en-US" sz="1600" b="0" i="0" u="none" strike="noStrike" cap="none" spc="0">
+            <a:solidFill>
+              <a:schemeClr val="tx1"/>
+            </a:solidFill>
+            <a:latin typeface="Times New Roman"/>
+            <a:cs typeface="Times New Roman"/>
+          </a:endParaRPr>
+        </a:p>
+        <a:p>
+          <a:pPr>
+            <a:defRPr/>
+          </a:pPr>
+          <a:endParaRPr lang="en-US" sz="1600" b="0" i="0" u="none" strike="noStrike" cap="none" spc="0">
+            <a:solidFill>
+              <a:schemeClr val="tx1"/>
+            </a:solidFill>
+            <a:latin typeface="Times New Roman"/>
+            <a:cs typeface="Times New Roman"/>
+          </a:endParaRPr>
+        </a:p>
+      </dgm:t>
+    </dgm:pt>
+    <dgm:pt modelId="{9AD2D0D1-9BC6-4E2B-9C66-03C01B0396F4}" type="parTrans" cxnId="{63E21DF4-5FBC-443D-9BC9-43B65A7BD892}">
+      <dgm:prSet/>
+      <dgm:spPr bwMode="auto"/>
+      <dgm:t>
+        <a:bodyPr/>
+        <a:lstStyle/>
+        <a:p>
+          <a:pPr>
+            <a:defRPr/>
+          </a:pPr>
+          <a:endParaRPr lang="en-US"/>
+        </a:p>
+      </dgm:t>
+    </dgm:pt>
+    <dgm:pt modelId="{94A4947D-84AB-48E6-8DBD-B0FB7DCFE83A}" type="sibTrans" cxnId="{63E21DF4-5FBC-443D-9BC9-43B65A7BD892}">
+      <dgm:prSet phldr="0" phldrT="01"/>
+      <dgm:spPr bwMode="auto"/>
+      <dgm:t>
+        <a:bodyPr vertOverflow="overflow" horzOverflow="overflow" vert="horz" rtlCol="0" fromWordArt="0" anchor="ctr" forceAA="0" upright="0" compatLnSpc="0"/>
+        <a:lstStyle/>
+        <a:p>
+          <a:pPr marL="0" indent="0" algn="l" defTabSz="2933697">
+            <a:lnSpc>
+              <a:spcPct val="90000"/>
+            </a:lnSpc>
+            <a:spcBef>
+              <a:spcPts val="0"/>
+            </a:spcBef>
+            <a:spcAft>
+              <a:spcPts val="0"/>
+            </a:spcAft>
+            <a:defRPr/>
+          </a:pPr>
+          <a:r>
+            <a:rPr lang="en-US">
+              <a:latin typeface="Times New Roman"/>
+              <a:cs typeface="Times New Roman"/>
+            </a:rPr>
+            <a:t>01</a:t>
+          </a:r>
+          <a:endParaRPr>
+            <a:latin typeface="Times New Roman"/>
+            <a:cs typeface="Times New Roman"/>
+          </a:endParaRPr>
+        </a:p>
+      </dgm:t>
+    </dgm:pt>
+    <dgm:pt modelId="{E8B83B89-852B-4DBD-9E85-E9260E7861E8}">
+      <dgm:prSet phldrT="" custT="1"/>
+      <dgm:spPr bwMode="auto"/>
+      <dgm:t>
+        <a:bodyPr vertOverflow="overflow" horzOverflow="overflow" vert="horz" rtlCol="0" fromWordArt="0" anchor="t" forceAA="0" compatLnSpc="0"/>
+        <a:lstStyle/>
+        <a:p>
+          <a:pPr algn="just">
+            <a:defRPr/>
+          </a:pPr>
+          <a:r>
+            <a:rPr lang="en-US" sz="1600" b="1" i="0" u="none" strike="noStrike" cap="none" spc="0">
+              <a:solidFill>
+                <a:schemeClr val="tx1"/>
+              </a:solidFill>
+              <a:latin typeface="Times New Roman"/>
+              <a:ea typeface="Times New Roman"/>
+              <a:cs typeface="Times New Roman"/>
+            </a:rPr>
+            <a:t>Вивчення архітектури програми</a:t>
+          </a:r>
+          <a:r>
+            <a:rPr lang="en-US" sz="1600" b="0" i="0" u="none" strike="noStrike" cap="none" spc="0">
+              <a:solidFill>
+                <a:schemeClr val="tx1"/>
+              </a:solidFill>
+              <a:latin typeface="Times New Roman"/>
+              <a:ea typeface="Times New Roman"/>
+              <a:cs typeface="Times New Roman"/>
+            </a:rPr>
+            <a:t>: Дослідити обрану архітектуру програми, зосередивши увагу на її масштабованості. Переконливо довести, що цей вибір є найбільш компетентним підходом.</a:t>
+          </a:r>
+          <a:endParaRPr sz="1600" b="0" i="0" u="none" strike="noStrike" cap="none" spc="0">
+            <a:solidFill>
+              <a:schemeClr val="tx1"/>
+            </a:solidFill>
+            <a:latin typeface="Times New Roman"/>
+            <a:cs typeface="Times New Roman"/>
+          </a:endParaRPr>
+        </a:p>
+        <a:p>
+          <a:pPr algn="just">
+            <a:defRPr/>
+          </a:pPr>
+          <a:endParaRPr/>
+        </a:p>
+      </dgm:t>
+    </dgm:pt>
+    <dgm:pt modelId="{432F8854-CF29-4409-A28C-3EB0A94CCB86}" type="parTrans" cxnId="{7C51A667-6AED-4C0F-A3C5-24DCB9960B16}">
+      <dgm:prSet/>
+      <dgm:spPr bwMode="auto"/>
+      <dgm:t>
+        <a:bodyPr/>
+        <a:lstStyle/>
+        <a:p>
+          <a:pPr>
+            <a:defRPr/>
+          </a:pPr>
+          <a:endParaRPr lang="en-US"/>
+        </a:p>
+      </dgm:t>
+    </dgm:pt>
+    <dgm:pt modelId="{EB3BD4AE-D7EC-449F-9FEC-6862480B356F}" type="sibTrans" cxnId="{7C51A667-6AED-4C0F-A3C5-24DCB9960B16}">
+      <dgm:prSet phldr="0" phldrT="02"/>
+      <dgm:spPr bwMode="auto"/>
+      <dgm:t>
+        <a:bodyPr vertOverflow="overflow" horzOverflow="overflow" vert="horz" rtlCol="0" fromWordArt="0" anchor="ctr" forceAA="0" upright="0" compatLnSpc="0"/>
+        <a:lstStyle/>
+        <a:p>
+          <a:pPr marL="0" indent="0" algn="l" defTabSz="2933697">
+            <a:lnSpc>
+              <a:spcPct val="90000"/>
+            </a:lnSpc>
+            <a:spcBef>
+              <a:spcPts val="0"/>
+            </a:spcBef>
+            <a:spcAft>
+              <a:spcPts val="0"/>
+            </a:spcAft>
+            <a:defRPr/>
+          </a:pPr>
+          <a:r>
+            <a:rPr lang="en-US">
+              <a:latin typeface="Times New Roman"/>
+              <a:cs typeface="Times New Roman"/>
+            </a:rPr>
+            <a:t>02</a:t>
+          </a:r>
+          <a:endParaRPr>
+            <a:latin typeface="Times New Roman"/>
+            <a:cs typeface="Times New Roman"/>
+          </a:endParaRPr>
+        </a:p>
+      </dgm:t>
+    </dgm:pt>
+    <dgm:pt modelId="{909A013D-B8DF-421C-83DA-70F0217544BE}">
+      <dgm:prSet phldrT="" custT="1"/>
+      <dgm:spPr bwMode="auto"/>
+      <dgm:t>
+        <a:bodyPr vertOverflow="overflow" horzOverflow="overflow" vert="horz" rtlCol="0" fromWordArt="0" anchor="t" forceAA="0" compatLnSpc="0"/>
+        <a:lstStyle/>
+        <a:p>
+          <a:pPr marL="0" indent="0" algn="l" defTabSz="1155699">
+            <a:lnSpc>
+              <a:spcPct val="90000"/>
+            </a:lnSpc>
+            <a:spcBef>
+              <a:spcPts val="0"/>
+            </a:spcBef>
+            <a:spcAft>
+              <a:spcPts val="0"/>
+            </a:spcAft>
+            <a:defRPr/>
+          </a:pPr>
+          <a:r>
+            <a:rPr lang="en-US" sz="1600" b="1" i="0" u="none" strike="noStrike" cap="none" spc="0">
+              <a:solidFill>
+                <a:schemeClr val="tx1"/>
+              </a:solidFill>
+              <a:latin typeface="Times New Roman"/>
+              <a:ea typeface="Times New Roman"/>
+              <a:cs typeface="Times New Roman"/>
+            </a:rPr>
+            <a:t>Визначення обмежень системи</a:t>
+          </a:r>
+          <a:r>
+            <a:rPr lang="en-US" sz="1600" b="0" i="0" u="none" strike="noStrike" cap="none" spc="0">
+              <a:solidFill>
+                <a:schemeClr val="tx1"/>
+              </a:solidFill>
+              <a:latin typeface="Times New Roman"/>
+              <a:ea typeface="Times New Roman"/>
+              <a:cs typeface="Times New Roman"/>
+            </a:rPr>
+            <a:t>: Зафіксувати обмеження та обмеження, що впливають на функціональність системи та її стани. Дослідити їхній вплив на систему і те, як вони враховані в архітектурі.</a:t>
+          </a:r>
+          <a:endParaRPr sz="1600">
+            <a:solidFill>
+              <a:schemeClr val="tx1"/>
+            </a:solidFill>
+            <a:latin typeface="Times New Roman"/>
+            <a:cs typeface="Times New Roman"/>
+          </a:endParaRPr>
+        </a:p>
+        <a:p>
+          <a:pPr>
+            <a:defRPr/>
+          </a:pPr>
+          <a:endParaRPr/>
+        </a:p>
+      </dgm:t>
+    </dgm:pt>
+    <dgm:pt modelId="{0D896ABC-C2FA-49B1-87F1-3D9604E8485E}" type="parTrans" cxnId="{4ED74027-7C0D-4D16-A0CB-88ADEB6B9117}">
+      <dgm:prSet/>
+      <dgm:spPr bwMode="auto"/>
+      <dgm:t>
+        <a:bodyPr/>
+        <a:lstStyle/>
+        <a:p>
+          <a:pPr>
+            <a:defRPr/>
+          </a:pPr>
+          <a:endParaRPr lang="en-US"/>
+        </a:p>
+      </dgm:t>
+    </dgm:pt>
+    <dgm:pt modelId="{4CBAFDCC-6EA0-4DEA-9121-2062BC43DD0B}" type="sibTrans" cxnId="{4ED74027-7C0D-4D16-A0CB-88ADEB6B9117}">
+      <dgm:prSet phldr="0" phldrT="03"/>
+      <dgm:spPr bwMode="auto"/>
+      <dgm:t>
+        <a:bodyPr vertOverflow="overflow" horzOverflow="overflow" vert="horz" rtlCol="0" fromWordArt="0" anchor="ctr" forceAA="0" upright="0" compatLnSpc="0"/>
+        <a:lstStyle/>
+        <a:p>
+          <a:pPr marL="0" indent="0" algn="l" defTabSz="2933697">
+            <a:lnSpc>
+              <a:spcPct val="90000"/>
+            </a:lnSpc>
+            <a:spcBef>
+              <a:spcPts val="0"/>
+            </a:spcBef>
+            <a:spcAft>
+              <a:spcPts val="0"/>
+            </a:spcAft>
+            <a:defRPr/>
+          </a:pPr>
+          <a:r>
+            <a:rPr lang="en-US">
+              <a:latin typeface="Times New Roman"/>
+              <a:cs typeface="Times New Roman"/>
+            </a:rPr>
+            <a:t>03</a:t>
+          </a:r>
+          <a:endParaRPr>
+            <a:latin typeface="Times New Roman"/>
+            <a:cs typeface="Times New Roman"/>
+          </a:endParaRPr>
+        </a:p>
+      </dgm:t>
+    </dgm:pt>
+    <dgm:pt modelId="{B47B7AE4-5C81-4D1D-B23C-DF5211C34576}" type="pres">
+      <dgm:prSet presAssocID="{0E58EF5D-A4F6-406B-9846-A092BE01EB22}" presName="Name0" presStyleCnt="0">
+        <dgm:presLayoutVars>
+          <dgm:animLvl val="lvl"/>
+          <dgm:resizeHandles val="exact"/>
+        </dgm:presLayoutVars>
+      </dgm:prSet>
+      <dgm:spPr bwMode="auto"/>
+    </dgm:pt>
+    <dgm:pt modelId="{02F134E2-CF97-47F6-9FCC-948D5966F543}" type="pres">
+      <dgm:prSet presAssocID="{53958BD8-D0F9-43A4-A8E7-C43BE5627982}" presName="compositeNode" presStyleCnt="0">
+        <dgm:presLayoutVars>
+          <dgm:bulletEnabled val="1"/>
+        </dgm:presLayoutVars>
+      </dgm:prSet>
+      <dgm:spPr bwMode="auto"/>
+    </dgm:pt>
+    <dgm:pt modelId="{9749F921-1780-4BC4-94D4-CA6CB4386FA2}" type="pres">
+      <dgm:prSet custLinFactY="245" presAssocID="{53958BD8-D0F9-43A4-A8E7-C43BE5627982}" presName="bgRect" presStyleLbl="alignNode1" presStyleIdx="0" presStyleCnt="3"/>
+      <dgm:spPr bwMode="auto">
+        <a:prstGeom prst="roundRect">
+          <a:avLst>
+            <a:gd name="adj" fmla="val 16667"/>
+          </a:avLst>
+        </a:prstGeom>
+        <a:solidFill>
+          <a:schemeClr val="bg2">
+            <a:lumMod val="90000"/>
+          </a:schemeClr>
+        </a:solidFill>
+        <a:ln w="12700" cap="flat" cmpd="sng" algn="ctr">
+          <a:noFill/>
+          <a:prstDash val="solid"/>
+          <a:miter lim="800000"/>
+        </a:ln>
+      </dgm:spPr>
+    </dgm:pt>
+    <dgm:pt modelId="{D0B42A7F-7E0A-460C-B101-1C3B5702C205}" type="pres">
+      <dgm:prSet presAssocID="{94A4947D-84AB-48E6-8DBD-B0FB7DCFE83A}" presName="sibTransNodeRect" presStyleLbl="alignNode1" presStyleIdx="0" presStyleCnt="3">
+        <dgm:presLayoutVars>
+          <dgm:chMax val="0"/>
+          <dgm:bulletEnabled val="1"/>
+        </dgm:presLayoutVars>
+      </dgm:prSet>
+      <dgm:spPr bwMode="auto"/>
+    </dgm:pt>
+    <dgm:pt modelId="{8DCEC39D-2FD9-4B24-9822-18BC4CB8119F}" type="pres">
+      <dgm:prSet presAssocID="{53958BD8-D0F9-43A4-A8E7-C43BE5627982}" presName="nodeRect" presStyleLbl="alignNode1" presStyleIdx="0" presStyleCnt="3">
+        <dgm:presLayoutVars>
+          <dgm:bulletEnabled val="1"/>
+        </dgm:presLayoutVars>
+      </dgm:prSet>
+      <dgm:spPr bwMode="auto"/>
+    </dgm:pt>
+    <dgm:pt modelId="{BAC01AAC-F99B-4AEE-8087-2EB3AF283AC3}" type="pres">
+      <dgm:prSet presAssocID="{94A4947D-84AB-48E6-8DBD-B0FB7DCFE83A}" presName="sibTrans" presStyleCnt="0"/>
+      <dgm:spPr bwMode="auto"/>
+    </dgm:pt>
+    <dgm:pt modelId="{E24ADF74-5F14-4D4F-8BBC-B7480D4C9CF2}" type="pres">
+      <dgm:prSet presAssocID="{E8B83B89-852B-4DBD-9E85-E9260E7861E8}" presName="compositeNode" presStyleCnt="0">
+        <dgm:presLayoutVars>
+          <dgm:bulletEnabled val="1"/>
+        </dgm:presLayoutVars>
+      </dgm:prSet>
+      <dgm:spPr bwMode="auto"/>
+    </dgm:pt>
+    <dgm:pt modelId="{616554C9-C9F5-4BED-AF29-560C61D9FF69}" type="pres">
+      <dgm:prSet presAssocID="{E8B83B89-852B-4DBD-9E85-E9260E7861E8}" presName="bgRect" presStyleLbl="alignNode1" presStyleIdx="1" presStyleCnt="3"/>
+      <dgm:spPr bwMode="auto">
+        <a:prstGeom prst="roundRect">
+          <a:avLst>
+            <a:gd name="adj" fmla="val 16667"/>
+          </a:avLst>
+        </a:prstGeom>
+        <a:solidFill>
+          <a:schemeClr val="bg2">
+            <a:lumMod val="75000"/>
+          </a:schemeClr>
+        </a:solidFill>
+        <a:ln w="12700" cap="flat" cmpd="sng" algn="ctr">
+          <a:noFill/>
+          <a:prstDash val="solid"/>
+          <a:miter lim="800000"/>
+        </a:ln>
+      </dgm:spPr>
+    </dgm:pt>
+    <dgm:pt modelId="{723F350A-D7AE-46BC-AA77-CC6E62B2E8AF}" type="pres">
+      <dgm:prSet presAssocID="{EB3BD4AE-D7EC-449F-9FEC-6862480B356F}" presName="sibTransNodeRect" presStyleLbl="alignNode1" presStyleIdx="1" presStyleCnt="3">
+        <dgm:presLayoutVars>
+          <dgm:chMax val="0"/>
+          <dgm:bulletEnabled val="1"/>
+        </dgm:presLayoutVars>
+      </dgm:prSet>
+      <dgm:spPr bwMode="auto"/>
+    </dgm:pt>
+    <dgm:pt modelId="{CDE5F8CE-6DD2-4F69-BB48-F2366D3C708A}" type="pres">
+      <dgm:prSet presAssocID="{E8B83B89-852B-4DBD-9E85-E9260E7861E8}" presName="nodeRect" presStyleLbl="alignNode1" presStyleIdx="1" presStyleCnt="3">
+        <dgm:presLayoutVars>
+          <dgm:bulletEnabled val="1"/>
+        </dgm:presLayoutVars>
+      </dgm:prSet>
+      <dgm:spPr bwMode="auto"/>
+    </dgm:pt>
+    <dgm:pt modelId="{3F99BBDA-7ECC-4512-829C-51F991758DEE}" type="pres">
+      <dgm:prSet presAssocID="{EB3BD4AE-D7EC-449F-9FEC-6862480B356F}" presName="sibTrans" presStyleCnt="0"/>
+      <dgm:spPr bwMode="auto"/>
+    </dgm:pt>
+    <dgm:pt modelId="{AED69DA4-C132-438A-8E98-0E703E6F4909}" type="pres">
+      <dgm:prSet presAssocID="{909A013D-B8DF-421C-83DA-70F0217544BE}" presName="compositeNode" presStyleCnt="0">
+        <dgm:presLayoutVars>
+          <dgm:bulletEnabled val="1"/>
+        </dgm:presLayoutVars>
+      </dgm:prSet>
+      <dgm:spPr bwMode="auto"/>
+    </dgm:pt>
+    <dgm:pt modelId="{F141C49C-E8E4-49F4-AAC3-2EB38F33B50A}" type="pres">
+      <dgm:prSet presAssocID="{909A013D-B8DF-421C-83DA-70F0217544BE}" presName="bgRect" presStyleLbl="alignNode1" presStyleIdx="2" presStyleCnt="3"/>
+      <dgm:spPr bwMode="auto">
+        <a:prstGeom prst="roundRect">
+          <a:avLst>
+            <a:gd name="adj" fmla="val 16667"/>
+          </a:avLst>
+        </a:prstGeom>
+        <a:solidFill>
+          <a:schemeClr val="bg2">
+            <a:lumMod val="50000"/>
+          </a:schemeClr>
+        </a:solidFill>
+        <a:ln w="12700" cap="flat" cmpd="sng" algn="ctr">
+          <a:noFill/>
+          <a:prstDash val="solid"/>
+          <a:miter lim="800000"/>
+        </a:ln>
+      </dgm:spPr>
+    </dgm:pt>
+    <dgm:pt modelId="{2596FFBD-2FDB-463F-99E6-18EDF6E874AC}" type="pres">
+      <dgm:prSet presAssocID="{4CBAFDCC-6EA0-4DEA-9121-2062BC43DD0B}" presName="sibTransNodeRect" presStyleLbl="alignNode1" presStyleIdx="2" presStyleCnt="3">
+        <dgm:presLayoutVars>
+          <dgm:chMax val="0"/>
+          <dgm:bulletEnabled val="1"/>
+        </dgm:presLayoutVars>
+      </dgm:prSet>
+      <dgm:spPr bwMode="auto"/>
+    </dgm:pt>
+    <dgm:pt modelId="{93163658-E148-4E05-920A-18837D8AC530}" type="pres">
+      <dgm:prSet presAssocID="{909A013D-B8DF-421C-83DA-70F0217544BE}" presName="nodeRect" presStyleLbl="alignNode1" presStyleIdx="2" presStyleCnt="3">
+        <dgm:presLayoutVars>
+          <dgm:bulletEnabled val="1"/>
+        </dgm:presLayoutVars>
+      </dgm:prSet>
+      <dgm:spPr bwMode="auto"/>
+    </dgm:pt>
+  </dgm:ptLst>
+  <dgm:cxnLst>
+    <dgm:cxn modelId="{9FAC7A1E-F308-49A5-854C-B6D16724678F}" type="presOf" srcId="{EB3BD4AE-D7EC-449F-9FEC-6862480B356F}" destId="{723F350A-D7AE-46BC-AA77-CC6E62B2E8AF}" srcOrd="0" destOrd="0" presId="urn:microsoft.com/office/officeart/2016/7/layout/LinearBlockProcessNumbered"/>
+    <dgm:cxn modelId="{5BFDD921-66BB-4173-BCF4-A1CAB30F697B}" type="presOf" srcId="{E8B83B89-852B-4DBD-9E85-E9260E7861E8}" destId="{616554C9-C9F5-4BED-AF29-560C61D9FF69}" srcOrd="0" destOrd="0" presId="urn:microsoft.com/office/officeart/2016/7/layout/LinearBlockProcessNumbered"/>
+    <dgm:cxn modelId="{4ED74027-7C0D-4D16-A0CB-88ADEB6B9117}" srcId="{0E58EF5D-A4F6-406B-9846-A092BE01EB22}" destId="{909A013D-B8DF-421C-83DA-70F0217544BE}" srcOrd="2" destOrd="0" parTransId="{0D896ABC-C2FA-49B1-87F1-3D9604E8485E}" sibTransId="{4CBAFDCC-6EA0-4DEA-9121-2062BC43DD0B}"/>
+    <dgm:cxn modelId="{7C51A667-6AED-4C0F-A3C5-24DCB9960B16}" srcId="{0E58EF5D-A4F6-406B-9846-A092BE01EB22}" destId="{E8B83B89-852B-4DBD-9E85-E9260E7861E8}" srcOrd="1" destOrd="0" parTransId="{432F8854-CF29-4409-A28C-3EB0A94CCB86}" sibTransId="{EB3BD4AE-D7EC-449F-9FEC-6862480B356F}"/>
+    <dgm:cxn modelId="{7FD9C14D-6AFA-4EBB-92B2-4D4FF4476EA9}" type="presOf" srcId="{909A013D-B8DF-421C-83DA-70F0217544BE}" destId="{93163658-E148-4E05-920A-18837D8AC530}" srcOrd="1" destOrd="0" presId="urn:microsoft.com/office/officeart/2016/7/layout/LinearBlockProcessNumbered"/>
+    <dgm:cxn modelId="{1FCCEA83-CE95-417D-AF71-4B49302AF249}" type="presOf" srcId="{0E58EF5D-A4F6-406B-9846-A092BE01EB22}" destId="{B47B7AE4-5C81-4D1D-B23C-DF5211C34576}" srcOrd="0" destOrd="0" presId="urn:microsoft.com/office/officeart/2016/7/layout/LinearBlockProcessNumbered"/>
+    <dgm:cxn modelId="{6B0A2F84-CFC7-4104-B45B-11681CAC51C7}" type="presOf" srcId="{94A4947D-84AB-48E6-8DBD-B0FB7DCFE83A}" destId="{D0B42A7F-7E0A-460C-B101-1C3B5702C205}" srcOrd="0" destOrd="0" presId="urn:microsoft.com/office/officeart/2016/7/layout/LinearBlockProcessNumbered"/>
+    <dgm:cxn modelId="{E08EF885-B50F-46D3-B89F-891B6A9F7F2B}" type="presOf" srcId="{53958BD8-D0F9-43A4-A8E7-C43BE5627982}" destId="{9749F921-1780-4BC4-94D4-CA6CB4386FA2}" srcOrd="0" destOrd="0" presId="urn:microsoft.com/office/officeart/2016/7/layout/LinearBlockProcessNumbered"/>
+    <dgm:cxn modelId="{6E6F478D-AA74-44D0-8F25-206DF69C9B00}" type="presOf" srcId="{909A013D-B8DF-421C-83DA-70F0217544BE}" destId="{F141C49C-E8E4-49F4-AAC3-2EB38F33B50A}" srcOrd="0" destOrd="0" presId="urn:microsoft.com/office/officeart/2016/7/layout/LinearBlockProcessNumbered"/>
+    <dgm:cxn modelId="{6AC743C7-AD14-4780-A72E-AF82357886EB}" type="presOf" srcId="{53958BD8-D0F9-43A4-A8E7-C43BE5627982}" destId="{8DCEC39D-2FD9-4B24-9822-18BC4CB8119F}" srcOrd="1" destOrd="0" presId="urn:microsoft.com/office/officeart/2016/7/layout/LinearBlockProcessNumbered"/>
+    <dgm:cxn modelId="{589DCBC7-A080-45DA-A872-50F8E5876D4E}" type="presOf" srcId="{4CBAFDCC-6EA0-4DEA-9121-2062BC43DD0B}" destId="{2596FFBD-2FDB-463F-99E6-18EDF6E874AC}" srcOrd="0" destOrd="0" presId="urn:microsoft.com/office/officeart/2016/7/layout/LinearBlockProcessNumbered"/>
+    <dgm:cxn modelId="{97D1C6D1-BFF3-4FD3-B26F-997DDE037070}" type="presOf" srcId="{E8B83B89-852B-4DBD-9E85-E9260E7861E8}" destId="{CDE5F8CE-6DD2-4F69-BB48-F2366D3C708A}" srcOrd="1" destOrd="0" presId="urn:microsoft.com/office/officeart/2016/7/layout/LinearBlockProcessNumbered"/>
+    <dgm:cxn modelId="{63E21DF4-5FBC-443D-9BC9-43B65A7BD892}" srcId="{0E58EF5D-A4F6-406B-9846-A092BE01EB22}" destId="{53958BD8-D0F9-43A4-A8E7-C43BE5627982}" srcOrd="0" destOrd="0" parTransId="{9AD2D0D1-9BC6-4E2B-9C66-03C01B0396F4}" sibTransId="{94A4947D-84AB-48E6-8DBD-B0FB7DCFE83A}"/>
+    <dgm:cxn modelId="{3E085D38-1C8B-41DB-B292-B54246986A6E}" type="presParOf" srcId="{B47B7AE4-5C81-4D1D-B23C-DF5211C34576}" destId="{02F134E2-CF97-47F6-9FCC-948D5966F543}" srcOrd="0" destOrd="0" presId="urn:microsoft.com/office/officeart/2016/7/layout/LinearBlockProcessNumbered"/>
+    <dgm:cxn modelId="{53614018-3762-4FFA-9104-CB7864663BDC}" type="presParOf" srcId="{02F134E2-CF97-47F6-9FCC-948D5966F543}" destId="{9749F921-1780-4BC4-94D4-CA6CB4386FA2}" srcOrd="0" destOrd="0" presId="urn:microsoft.com/office/officeart/2016/7/layout/LinearBlockProcessNumbered"/>
+    <dgm:cxn modelId="{D243BB1F-BE00-45C6-82BE-5D8EE1F3A127}" type="presParOf" srcId="{02F134E2-CF97-47F6-9FCC-948D5966F543}" destId="{D0B42A7F-7E0A-460C-B101-1C3B5702C205}" srcOrd="1" destOrd="0" presId="urn:microsoft.com/office/officeart/2016/7/layout/LinearBlockProcessNumbered"/>
+    <dgm:cxn modelId="{B18B4AB4-89C7-48F1-98F5-0E86A0340B71}" type="presParOf" srcId="{02F134E2-CF97-47F6-9FCC-948D5966F543}" destId="{8DCEC39D-2FD9-4B24-9822-18BC4CB8119F}" srcOrd="2" destOrd="0" presId="urn:microsoft.com/office/officeart/2016/7/layout/LinearBlockProcessNumbered"/>
+    <dgm:cxn modelId="{3D4CEDBD-0E70-452D-B902-C47CAE35952D}" type="presParOf" srcId="{B47B7AE4-5C81-4D1D-B23C-DF5211C34576}" destId="{BAC01AAC-F99B-4AEE-8087-2EB3AF283AC3}" srcOrd="1" destOrd="0" presId="urn:microsoft.com/office/officeart/2016/7/layout/LinearBlockProcessNumbered"/>
+    <dgm:cxn modelId="{84F0CC5E-B926-46CD-9DD4-41BF111B7DAA}" type="presParOf" srcId="{B47B7AE4-5C81-4D1D-B23C-DF5211C34576}" destId="{E24ADF74-5F14-4D4F-8BBC-B7480D4C9CF2}" srcOrd="2" destOrd="0" presId="urn:microsoft.com/office/officeart/2016/7/layout/LinearBlockProcessNumbered"/>
+    <dgm:cxn modelId="{CB3EA520-6E2E-441E-82EA-BEEEA4F6632B}" type="presParOf" srcId="{E24ADF74-5F14-4D4F-8BBC-B7480D4C9CF2}" destId="{616554C9-C9F5-4BED-AF29-560C61D9FF69}" srcOrd="0" destOrd="0" presId="urn:microsoft.com/office/officeart/2016/7/layout/LinearBlockProcessNumbered"/>
+    <dgm:cxn modelId="{9E9033A1-46DF-4EAB-A23E-D9FEA86A0791}" type="presParOf" srcId="{E24ADF74-5F14-4D4F-8BBC-B7480D4C9CF2}" destId="{723F350A-D7AE-46BC-AA77-CC6E62B2E8AF}" srcOrd="1" destOrd="0" presId="urn:microsoft.com/office/officeart/2016/7/layout/LinearBlockProcessNumbered"/>
+    <dgm:cxn modelId="{D4C5B0BD-A6E3-4DE1-B022-73CB06DB9C11}" type="presParOf" srcId="{E24ADF74-5F14-4D4F-8BBC-B7480D4C9CF2}" destId="{CDE5F8CE-6DD2-4F69-BB48-F2366D3C708A}" srcOrd="2" destOrd="0" presId="urn:microsoft.com/office/officeart/2016/7/layout/LinearBlockProcessNumbered"/>
+    <dgm:cxn modelId="{21219C22-194A-430F-B095-FB50C7C9829F}" type="presParOf" srcId="{B47B7AE4-5C81-4D1D-B23C-DF5211C34576}" destId="{3F99BBDA-7ECC-4512-829C-51F991758DEE}" srcOrd="3" destOrd="0" presId="urn:microsoft.com/office/officeart/2016/7/layout/LinearBlockProcessNumbered"/>
+    <dgm:cxn modelId="{2F9A1D41-0D50-4320-A100-55A9F02E46EA}" type="presParOf" srcId="{B47B7AE4-5C81-4D1D-B23C-DF5211C34576}" destId="{AED69DA4-C132-438A-8E98-0E703E6F4909}" srcOrd="4" destOrd="0" presId="urn:microsoft.com/office/officeart/2016/7/layout/LinearBlockProcessNumbered"/>
+    <dgm:cxn modelId="{09677C3F-0108-476A-AF37-B2E119050F41}" type="presParOf" srcId="{AED69DA4-C132-438A-8E98-0E703E6F4909}" destId="{F141C49C-E8E4-49F4-AAC3-2EB38F33B50A}" srcOrd="0" destOrd="0" presId="urn:microsoft.com/office/officeart/2016/7/layout/LinearBlockProcessNumbered"/>
+    <dgm:cxn modelId="{F381C288-6B3B-46DF-A1A7-2B863921F1D0}" type="presParOf" srcId="{AED69DA4-C132-438A-8E98-0E703E6F4909}" destId="{2596FFBD-2FDB-463F-99E6-18EDF6E874AC}" srcOrd="1" destOrd="0" presId="urn:microsoft.com/office/officeart/2016/7/layout/LinearBlockProcessNumbered"/>
+    <dgm:cxn modelId="{E542E0DD-49E7-4598-B896-FA380FF35AC6}" type="presParOf" srcId="{AED69DA4-C132-438A-8E98-0E703E6F4909}" destId="{93163658-E148-4E05-920A-18837D8AC530}" srcOrd="2" destOrd="0" presId="urn:microsoft.com/office/officeart/2016/7/layout/LinearBlockProcessNumbered"/>
+  </dgm:cxnLst>
+  <dgm:bg/>
+  <dgm:whole/>
+  <dgm:extLst>
+    <a:ext uri="http://schemas.microsoft.com/office/drawing/2008/diagram">
+      <dsp:dataModelExt xmlns:dsp="http://schemas.microsoft.com/office/drawing/2008/diagram" relId="rId1" minVer="http://schemas.openxmlformats.org/drawingml/2006/diagram"/>
     </a:ext>
   </dgm:extLst>
 </dgm:dataModel>
 </file>
 
 <file path=ppt/diagrams/drawing1.xml><?xml version="1.0" encoding="utf-8"?>
-<dsp:drawing xmlns:dgm="http://schemas.openxmlformats.org/drawingml/2006/diagram" xmlns:dsp="http://schemas.microsoft.com/office/drawing/2008/diagram" xmlns:a="http://schemas.openxmlformats.org/drawingml/2006/main">
+<dsp:drawing xmlns:dsp="http://schemas.microsoft.com/office/drawing/2008/diagram" xmlns:dgm="http://schemas.openxmlformats.org/drawingml/2006/diagram" xmlns:a="http://schemas.openxmlformats.org/drawingml/2006/main" xmlns:r="http://schemas.openxmlformats.org/officeDocument/2006/relationships">
   <dsp:spTree>
     <dsp:nvGrpSpPr>
-      <dsp:cNvPr id="0" name=""/>
+      <dsp:cNvPr id="976448766" name=""/>
       <dsp:cNvGrpSpPr/>
     </dsp:nvGrpSpPr>
-    <dsp:grpSpPr/>
+    <dsp:grpSpPr bwMode="auto">
+      <a:xfrm>
+        <a:off x="0" y="0"/>
+        <a:ext cx="9905999" cy="4082074"/>
+        <a:chOff x="0" y="0"/>
+        <a:chExt cx="9905999" cy="4082074"/>
+      </a:xfrm>
+    </dsp:grpSpPr>
     <dsp:sp modelId="{9749F921-1780-4BC4-94D4-CA6CB4386FA2}">
       <dsp:nvSpPr>
         <dsp:cNvPr id="0" name=""/>
@@ -1478,7 +2727,7 @@
               <a:spcPct val="90000"/>
             </a:lnSpc>
             <a:spcBef>
-              <a:spcPct val="0"/>
+              <a:spcPts val="0"/>
             </a:spcBef>
             <a:spcAft>
               <a:spcPts val="0"/>
@@ -1487,7 +2736,7 @@
             <a:defRPr/>
           </a:pPr>
           <a:r>
-            <a:rPr lang="en-US" sz="1600" b="0" i="0" u="none" strike="noStrike" kern="1200" cap="none" spc="0">
+            <a:rPr lang="en-US" sz="1600" b="0" i="0" u="none" strike="noStrike" cap="none" spc="0">
               <a:solidFill>
                 <a:schemeClr val="tx1"/>
               </a:solidFill>
@@ -1497,7 +2746,7 @@
             <a:t>Розробити блокчейн-систему з </a:t>
           </a:r>
           <a:r>
-            <a:rPr lang="en-US" sz="1600" b="1" i="0" u="none" strike="noStrike" kern="1200" cap="none" spc="0">
+            <a:rPr lang="en-US" sz="1600" b="1" i="0" u="none" strike="noStrike" cap="none" spc="0">
               <a:solidFill>
                 <a:schemeClr val="tx1"/>
               </a:solidFill>
@@ -1507,7 +2756,7 @@
             <a:t>гібридною мережевою архітектурою</a:t>
           </a:r>
           <a:r>
-            <a:rPr lang="en-US" sz="1600" b="0" i="0" u="none" strike="noStrike" kern="1200" cap="none" spc="0">
+            <a:rPr lang="en-US" sz="1600" b="0" i="0" u="none" strike="noStrike" cap="none" spc="0">
               <a:solidFill>
                 <a:schemeClr val="tx1"/>
               </a:solidFill>
@@ -1517,7 +2766,7 @@
             <a:t>, що дозволить зменшити затримку транзакцій та підвищити масштабованість мережі.</a:t>
           </a:r>
           <a:r>
-            <a:rPr lang="en-US" sz="1600" kern="1200">
+            <a:rPr lang="en-US" sz="1600">
               <a:solidFill>
                 <a:schemeClr val="tx1"/>
               </a:solidFill>
@@ -1526,7 +2775,7 @@
             </a:rPr>
             <a:t> </a:t>
           </a:r>
-          <a:endParaRPr sz="1600" kern="1200">
+          <a:endParaRPr sz="1600">
             <a:solidFill>
               <a:schemeClr val="tx1"/>
             </a:solidFill>
@@ -1559,7 +2808,6 @@
           <a:prstDash val="solid"/>
         </a:ln>
         <a:effectLst/>
-        <a:sp3d/>
       </dsp:spPr>
       <dsp:style>
         <a:lnRef idx="2">
@@ -1586,7 +2834,7 @@
               <a:spcPct val="90000"/>
             </a:lnSpc>
             <a:spcBef>
-              <a:spcPct val="0"/>
+              <a:spcPts val="0"/>
             </a:spcBef>
             <a:spcAft>
               <a:spcPts val="0"/>
@@ -1595,13 +2843,13 @@
             <a:defRPr/>
           </a:pPr>
           <a:r>
-            <a:rPr lang="en-US" sz="6600" kern="1200">
+            <a:rPr lang="en-US" sz="6600">
               <a:latin typeface="Times New Roman"/>
               <a:cs typeface="Times New Roman"/>
             </a:rPr>
             <a:t>01</a:t>
           </a:r>
-          <a:endParaRPr sz="6600" kern="1200">
+          <a:endParaRPr sz="6600">
             <a:latin typeface="Times New Roman"/>
             <a:cs typeface="Times New Roman"/>
           </a:endParaRPr>
@@ -1664,7 +2912,7 @@
               <a:spcPct val="90000"/>
             </a:lnSpc>
             <a:spcBef>
-              <a:spcPct val="0"/>
+              <a:spcPts val="0"/>
             </a:spcBef>
             <a:spcAft>
               <a:spcPts val="0"/>
@@ -1673,7 +2921,7 @@
             <a:defRPr/>
           </a:pPr>
           <a:r>
-            <a:rPr lang="en-US" sz="1600" b="0" i="0" u="none" strike="noStrike" kern="1200" cap="none" spc="0">
+            <a:rPr lang="en-US" sz="1600" b="0" i="0" u="none" strike="noStrike" cap="none" spc="0">
               <a:solidFill>
                 <a:schemeClr val="tx1"/>
               </a:solidFill>
@@ -1683,7 +2931,7 @@
             <a:t>Реалізувати </a:t>
           </a:r>
           <a:r>
-            <a:rPr lang="en-US" sz="1600" b="1" i="0" u="none" strike="noStrike" kern="1200" cap="none" spc="0">
+            <a:rPr lang="en-US" sz="1600" b="1" i="0" u="none" strike="noStrike" cap="none" spc="0">
               <a:solidFill>
                 <a:schemeClr val="tx1"/>
               </a:solidFill>
@@ -1693,7 +2941,7 @@
             <a:t>гібридний механізм консенсусу</a:t>
           </a:r>
           <a:r>
-            <a:rPr lang="en-US" sz="1600" b="0" i="0" u="none" strike="noStrike" kern="1200" cap="none" spc="0">
+            <a:rPr lang="en-US" sz="1600" b="0" i="0" u="none" strike="noStrike" cap="none" spc="0">
               <a:solidFill>
                 <a:schemeClr val="tx1"/>
               </a:solidFill>
@@ -1702,7 +2950,7 @@
             </a:rPr>
             <a:t>, що поєднує в собі доказ часу, що минув (PoET) та доказ роботи (PoW), з метою зменшення ризиків централізації та зниження енергоспоживання у порівнянні з традиційними блокчейн-системами.</a:t>
           </a:r>
-          <a:endParaRPr sz="1600" kern="1200">
+          <a:endParaRPr sz="1600">
             <a:solidFill>
               <a:schemeClr val="tx1"/>
             </a:solidFill>
@@ -1735,7 +2983,6 @@
           <a:prstDash val="solid"/>
         </a:ln>
         <a:effectLst/>
-        <a:sp3d/>
       </dsp:spPr>
       <dsp:style>
         <a:lnRef idx="2">
@@ -1762,7 +3009,7 @@
               <a:spcPct val="90000"/>
             </a:lnSpc>
             <a:spcBef>
-              <a:spcPct val="0"/>
+              <a:spcPts val="0"/>
             </a:spcBef>
             <a:spcAft>
               <a:spcPts val="0"/>
@@ -1771,13 +3018,13 @@
             <a:defRPr/>
           </a:pPr>
           <a:r>
-            <a:rPr lang="en-US" sz="6600" kern="1200">
+            <a:rPr lang="en-US" sz="6600">
               <a:latin typeface="Times New Roman"/>
               <a:cs typeface="Times New Roman"/>
             </a:rPr>
             <a:t>02</a:t>
           </a:r>
-          <a:endParaRPr sz="6600" kern="1200">
+          <a:endParaRPr sz="6600">
             <a:latin typeface="Times New Roman"/>
             <a:cs typeface="Times New Roman"/>
           </a:endParaRPr>
@@ -1840,7 +3087,7 @@
               <a:spcPct val="90000"/>
             </a:lnSpc>
             <a:spcBef>
-              <a:spcPct val="0"/>
+              <a:spcPts val="0"/>
             </a:spcBef>
             <a:spcAft>
               <a:spcPts val="0"/>
@@ -1849,7 +3096,7 @@
             <a:defRPr/>
           </a:pPr>
           <a:r>
-            <a:rPr lang="en-US" sz="1600" b="0" i="0" u="none" strike="noStrike" kern="1200" cap="none" spc="0">
+            <a:rPr lang="en-US" sz="1600" b="0" i="0" u="none" strike="noStrike" cap="none" spc="0">
               <a:solidFill>
                 <a:schemeClr val="tx1"/>
               </a:solidFill>
@@ -1859,7 +3106,7 @@
             <a:t>Вирішити </a:t>
           </a:r>
           <a:r>
-            <a:rPr lang="en-US" sz="1600" b="1" i="0" u="none" strike="noStrike" kern="1200" cap="none" spc="0">
+            <a:rPr lang="en-US" sz="1600" b="1" i="0" u="none" strike="noStrike" cap="none" spc="0">
               <a:solidFill>
                 <a:schemeClr val="tx1"/>
               </a:solidFill>
@@ -1869,7 +3116,7 @@
             <a:t>проблеми високих комісійних</a:t>
           </a:r>
           <a:r>
-            <a:rPr lang="en-US" sz="1600" b="0" i="0" u="none" strike="noStrike" kern="1200" cap="none" spc="0">
+            <a:rPr lang="en-US" sz="1600" b="0" i="0" u="none" strike="noStrike" cap="none" spc="0">
               <a:solidFill>
                 <a:schemeClr val="tx1"/>
               </a:solidFill>
@@ -1878,7 +3125,7 @@
             </a:rPr>
             <a:t> витрат за рахунок підтримки ефективної роботи мережі навіть при великих обсягах транзакцій, що забезпечує нижчу комісію за транзакції для користувачів.</a:t>
           </a:r>
-          <a:endParaRPr sz="1600" kern="1200">
+          <a:endParaRPr sz="1600">
             <a:solidFill>
               <a:schemeClr val="tx1"/>
             </a:solidFill>
@@ -1911,7 +3158,6 @@
           <a:prstDash val="solid"/>
         </a:ln>
         <a:effectLst/>
-        <a:sp3d/>
       </dsp:spPr>
       <dsp:style>
         <a:lnRef idx="2">
@@ -1938,7 +3184,7 @@
               <a:spcPct val="90000"/>
             </a:lnSpc>
             <a:spcBef>
-              <a:spcPct val="0"/>
+              <a:spcPts val="0"/>
             </a:spcBef>
             <a:spcAft>
               <a:spcPts val="0"/>
@@ -1947,13 +3193,13 @@
             <a:defRPr/>
           </a:pPr>
           <a:r>
-            <a:rPr lang="en-US" sz="6600" kern="1200">
+            <a:rPr lang="en-US" sz="6600">
               <a:latin typeface="Times New Roman"/>
               <a:cs typeface="Times New Roman"/>
             </a:rPr>
             <a:t>03</a:t>
           </a:r>
-          <a:endParaRPr sz="6600" kern="1200">
+          <a:endParaRPr sz="6600">
             <a:latin typeface="Times New Roman"/>
             <a:cs typeface="Times New Roman"/>
           </a:endParaRPr>
@@ -1968,8 +3214,530 @@
 </dsp:drawing>
 </file>
 
+<file path=ppt/diagrams/drawing2.xml><?xml version="1.0" encoding="utf-8"?>
+<dsp:drawing xmlns:dsp="http://schemas.microsoft.com/office/drawing/2008/diagram" xmlns:dgm="http://schemas.openxmlformats.org/drawingml/2006/diagram" xmlns:a="http://schemas.openxmlformats.org/drawingml/2006/main" xmlns:r="http://schemas.openxmlformats.org/officeDocument/2006/relationships">
+  <dsp:spTree>
+    <dsp:nvGrpSpPr>
+      <dsp:cNvPr id="991310941" name=""/>
+      <dsp:cNvGrpSpPr/>
+    </dsp:nvGrpSpPr>
+    <dsp:grpSpPr bwMode="auto">
+      <a:xfrm>
+        <a:off x="0" y="0"/>
+        <a:ext cx="9905998" cy="4082073"/>
+        <a:chOff x="0" y="0"/>
+        <a:chExt cx="9905998" cy="4082073"/>
+      </a:xfrm>
+    </dsp:grpSpPr>
+    <dsp:sp modelId="{9749F921-1780-4BC4-94D4-CA6CB4386FA2}">
+      <dsp:nvSpPr>
+        <dsp:cNvPr id="464114832" name=""/>
+        <dsp:cNvSpPr/>
+      </dsp:nvSpPr>
+      <dsp:spPr bwMode="auto">
+        <a:xfrm>
+          <a:off x="772" y="169659"/>
+          <a:ext cx="3134318" cy="3761182"/>
+        </a:xfrm>
+        <a:prstGeom prst="roundRect">
+          <a:avLst>
+            <a:gd name="adj" fmla="val 16667"/>
+          </a:avLst>
+        </a:prstGeom>
+        <a:solidFill>
+          <a:schemeClr val="bg2">
+            <a:lumMod val="90000"/>
+          </a:schemeClr>
+        </a:solidFill>
+        <a:ln w="12700" cap="flat" cmpd="sng" algn="ctr">
+          <a:noFill/>
+          <a:prstDash val="solid"/>
+          <a:miter lim="800000"/>
+        </a:ln>
+        <a:effectLst/>
+      </dsp:spPr>
+      <dsp:style>
+        <a:lnRef idx="2">
+          <a:srgbClr val="000000"/>
+        </a:lnRef>
+        <a:fillRef idx="1">
+          <a:srgbClr val="000000"/>
+        </a:fillRef>
+        <a:effectRef idx="0">
+          <a:srgbClr val="000000"/>
+        </a:effectRef>
+        <a:fontRef idx="minor">
+          <a:schemeClr val="lt1"/>
+        </a:fontRef>
+      </dsp:style>
+      <dsp:txBody>
+        <a:bodyPr spcFirstLastPara="0" vertOverflow="overflow" horzOverflow="overflow" vert="horz" wrap="square" lIns="309600" tIns="0" rIns="309600" bIns="330199" numCol="1" spcCol="1269" rtlCol="0" fromWordArt="0" anchor="t" anchorCtr="0" forceAA="0" compatLnSpc="0">
+          <a:noAutofit/>
+        </a:bodyPr>
+        <a:lstStyle/>
+        <a:p>
+          <a:pPr>
+            <a:defRPr/>
+          </a:pPr>
+          <a:r>
+            <a:rPr lang="en-US" sz="1600" b="1" i="0" u="none" strike="noStrike" cap="none" spc="0">
+              <a:solidFill>
+                <a:schemeClr val="tx1"/>
+              </a:solidFill>
+              <a:latin typeface="Times New Roman"/>
+              <a:cs typeface="Times New Roman"/>
+            </a:rPr>
+            <a:t>Оцінка архітектури системи</a:t>
+          </a:r>
+          <a:r>
+            <a:rPr lang="en-US" sz="1600" b="0" i="0" u="none" strike="noStrike" cap="none" spc="0">
+              <a:solidFill>
+                <a:schemeClr val="tx1"/>
+              </a:solidFill>
+              <a:latin typeface="Times New Roman"/>
+              <a:cs typeface="Times New Roman"/>
+            </a:rPr>
+            <a:t>: Провести глибокий аналіз обраної архітектури системи, особливо щодо управління потоками даних. Зрозуміти логіку, яка лежала в основі вибору цього структурного стилю.</a:t>
+          </a:r>
+          <a:endParaRPr lang="en-US" sz="1600" b="0" i="0" u="none" strike="noStrike" cap="none" spc="0">
+            <a:solidFill>
+              <a:schemeClr val="tx1"/>
+            </a:solidFill>
+            <a:latin typeface="Times New Roman"/>
+            <a:cs typeface="Times New Roman"/>
+          </a:endParaRPr>
+        </a:p>
+        <a:p>
+          <a:pPr>
+            <a:defRPr/>
+          </a:pPr>
+          <a:endParaRPr lang="en-US" sz="1600" b="0" i="0" u="none" strike="noStrike" cap="none" spc="0">
+            <a:solidFill>
+              <a:schemeClr val="tx1"/>
+            </a:solidFill>
+            <a:latin typeface="Times New Roman"/>
+            <a:cs typeface="Times New Roman"/>
+          </a:endParaRPr>
+        </a:p>
+      </dsp:txBody>
+      <dsp:txXfrm>
+        <a:off x="772" y="1674132"/>
+        <a:ext cx="3134318" cy="2256709"/>
+      </dsp:txXfrm>
+    </dsp:sp>
+    <dsp:sp modelId="{D0B42A7F-7E0A-460C-B101-1C3B5702C205}">
+      <dsp:nvSpPr>
+        <dsp:cNvPr id="513807148" name=""/>
+        <dsp:cNvSpPr/>
+      </dsp:nvSpPr>
+      <dsp:spPr bwMode="auto">
+        <a:xfrm>
+          <a:off x="772" y="160444"/>
+          <a:ext cx="3134318" cy="1504472"/>
+        </a:xfrm>
+        <a:prstGeom prst="rect">
+          <a:avLst/>
+        </a:prstGeom>
+        <a:noFill/>
+        <a:ln w="25400" cap="flat" cmpd="sng" algn="ctr">
+          <a:noFill/>
+          <a:prstDash val="solid"/>
+        </a:ln>
+        <a:effectLst/>
+      </dsp:spPr>
+      <dsp:style>
+        <a:lnRef idx="2">
+          <a:srgbClr val="000000"/>
+        </a:lnRef>
+        <a:fillRef idx="1">
+          <a:srgbClr val="000000"/>
+        </a:fillRef>
+        <a:effectRef idx="0">
+          <a:srgbClr val="000000"/>
+        </a:effectRef>
+        <a:fontRef idx="minor">
+          <a:schemeClr val="lt1"/>
+        </a:fontRef>
+      </dsp:style>
+      <dsp:txBody>
+        <a:bodyPr spcFirstLastPara="0" vertOverflow="overflow" horzOverflow="overflow" vert="horz" wrap="square" lIns="309600" tIns="165099" rIns="309600" bIns="165099" numCol="1" spcCol="1269" rtlCol="0" fromWordArt="0" anchor="ctr" anchorCtr="0" forceAA="0" upright="0" compatLnSpc="0">
+          <a:noAutofit/>
+        </a:bodyPr>
+        <a:lstStyle/>
+        <a:p>
+          <a:pPr marL="0" lvl="0" indent="0" algn="l" defTabSz="2933697">
+            <a:lnSpc>
+              <a:spcPct val="90000"/>
+            </a:lnSpc>
+            <a:spcBef>
+              <a:spcPts val="0"/>
+            </a:spcBef>
+            <a:spcAft>
+              <a:spcPts val="0"/>
+            </a:spcAft>
+            <a:buNone/>
+            <a:defRPr/>
+          </a:pPr>
+          <a:r>
+            <a:rPr lang="en-US" sz="6600">
+              <a:latin typeface="Times New Roman"/>
+              <a:cs typeface="Times New Roman"/>
+            </a:rPr>
+            <a:t>01</a:t>
+          </a:r>
+          <a:endParaRPr sz="6600">
+            <a:latin typeface="Times New Roman"/>
+            <a:cs typeface="Times New Roman"/>
+          </a:endParaRPr>
+        </a:p>
+      </dsp:txBody>
+      <dsp:txXfrm>
+        <a:off x="772" y="160444"/>
+        <a:ext cx="3134318" cy="1504472"/>
+      </dsp:txXfrm>
+    </dsp:sp>
+    <dsp:sp modelId="{616554C9-C9F5-4BED-AF29-560C61D9FF69}">
+      <dsp:nvSpPr>
+        <dsp:cNvPr id="51635559" name=""/>
+        <dsp:cNvSpPr/>
+      </dsp:nvSpPr>
+      <dsp:spPr bwMode="auto">
+        <a:xfrm>
+          <a:off x="3385838" y="160444"/>
+          <a:ext cx="3134318" cy="3761182"/>
+        </a:xfrm>
+        <a:prstGeom prst="roundRect">
+          <a:avLst>
+            <a:gd name="adj" fmla="val 16667"/>
+          </a:avLst>
+        </a:prstGeom>
+        <a:solidFill>
+          <a:schemeClr val="bg2">
+            <a:lumMod val="75000"/>
+          </a:schemeClr>
+        </a:solidFill>
+        <a:ln w="12700" cap="flat" cmpd="sng" algn="ctr">
+          <a:noFill/>
+          <a:prstDash val="solid"/>
+          <a:miter lim="800000"/>
+        </a:ln>
+        <a:effectLst/>
+      </dsp:spPr>
+      <dsp:style>
+        <a:lnRef idx="2">
+          <a:srgbClr val="000000"/>
+        </a:lnRef>
+        <a:fillRef idx="1">
+          <a:srgbClr val="000000"/>
+        </a:fillRef>
+        <a:effectRef idx="0">
+          <a:srgbClr val="000000"/>
+        </a:effectRef>
+        <a:fontRef idx="minor">
+          <a:schemeClr val="lt1"/>
+        </a:fontRef>
+      </dsp:style>
+      <dsp:txBody>
+        <a:bodyPr spcFirstLastPara="0" vertOverflow="overflow" horzOverflow="overflow" vert="horz" wrap="square" lIns="309600" tIns="0" rIns="309600" bIns="330199" numCol="1" spcCol="1269" rtlCol="0" fromWordArt="0" anchor="t" anchorCtr="0" forceAA="0" compatLnSpc="0">
+          <a:noAutofit/>
+        </a:bodyPr>
+        <a:lstStyle/>
+        <a:p>
+          <a:pPr algn="just">
+            <a:defRPr/>
+          </a:pPr>
+          <a:r>
+            <a:rPr lang="en-US" sz="1600" b="1" i="0" u="none" strike="noStrike" cap="none" spc="0">
+              <a:solidFill>
+                <a:schemeClr val="tx1"/>
+              </a:solidFill>
+              <a:latin typeface="Times New Roman"/>
+              <a:ea typeface="Times New Roman"/>
+              <a:cs typeface="Times New Roman"/>
+            </a:rPr>
+            <a:t>Вивчення архітектури програми</a:t>
+          </a:r>
+          <a:r>
+            <a:rPr lang="en-US" sz="1600" b="0" i="0" u="none" strike="noStrike" cap="none" spc="0">
+              <a:solidFill>
+                <a:schemeClr val="tx1"/>
+              </a:solidFill>
+              <a:latin typeface="Times New Roman"/>
+              <a:ea typeface="Times New Roman"/>
+              <a:cs typeface="Times New Roman"/>
+            </a:rPr>
+            <a:t>: Дослідити обрану архітектуру програми, зосередивши увагу на її масштабованості. Переконливо довести, що цей вибір є найбільш компетентним підходом.</a:t>
+          </a:r>
+          <a:endParaRPr sz="1600" b="0" i="0" u="none" strike="noStrike" cap="none" spc="0">
+            <a:solidFill>
+              <a:schemeClr val="tx1"/>
+            </a:solidFill>
+            <a:latin typeface="Times New Roman"/>
+            <a:cs typeface="Times New Roman"/>
+          </a:endParaRPr>
+        </a:p>
+        <a:p>
+          <a:pPr algn="just">
+            <a:defRPr/>
+          </a:pPr>
+          <a:endParaRPr/>
+        </a:p>
+      </dsp:txBody>
+      <dsp:txXfrm>
+        <a:off x="3385838" y="1664917"/>
+        <a:ext cx="3134318" cy="2256709"/>
+      </dsp:txXfrm>
+    </dsp:sp>
+    <dsp:sp modelId="{723F350A-D7AE-46BC-AA77-CC6E62B2E8AF}">
+      <dsp:nvSpPr>
+        <dsp:cNvPr id="1178400616" name=""/>
+        <dsp:cNvSpPr/>
+      </dsp:nvSpPr>
+      <dsp:spPr bwMode="auto">
+        <a:xfrm>
+          <a:off x="3385838" y="160444"/>
+          <a:ext cx="3134318" cy="1504472"/>
+        </a:xfrm>
+        <a:prstGeom prst="rect">
+          <a:avLst/>
+        </a:prstGeom>
+        <a:noFill/>
+        <a:ln w="25400" cap="flat" cmpd="sng" algn="ctr">
+          <a:noFill/>
+          <a:prstDash val="solid"/>
+        </a:ln>
+        <a:effectLst/>
+      </dsp:spPr>
+      <dsp:style>
+        <a:lnRef idx="2">
+          <a:srgbClr val="000000"/>
+        </a:lnRef>
+        <a:fillRef idx="1">
+          <a:srgbClr val="000000"/>
+        </a:fillRef>
+        <a:effectRef idx="0">
+          <a:srgbClr val="000000"/>
+        </a:effectRef>
+        <a:fontRef idx="minor">
+          <a:schemeClr val="lt1"/>
+        </a:fontRef>
+      </dsp:style>
+      <dsp:txBody>
+        <a:bodyPr spcFirstLastPara="0" vertOverflow="overflow" horzOverflow="overflow" vert="horz" wrap="square" lIns="309600" tIns="165099" rIns="309600" bIns="165099" numCol="1" spcCol="1269" rtlCol="0" fromWordArt="0" anchor="ctr" anchorCtr="0" forceAA="0" upright="0" compatLnSpc="0">
+          <a:noAutofit/>
+        </a:bodyPr>
+        <a:lstStyle/>
+        <a:p>
+          <a:pPr marL="0" lvl="0" indent="0" algn="l" defTabSz="2933697">
+            <a:lnSpc>
+              <a:spcPct val="90000"/>
+            </a:lnSpc>
+            <a:spcBef>
+              <a:spcPts val="0"/>
+            </a:spcBef>
+            <a:spcAft>
+              <a:spcPts val="0"/>
+            </a:spcAft>
+            <a:buNone/>
+            <a:defRPr/>
+          </a:pPr>
+          <a:r>
+            <a:rPr lang="en-US" sz="6600">
+              <a:latin typeface="Times New Roman"/>
+              <a:cs typeface="Times New Roman"/>
+            </a:rPr>
+            <a:t>02</a:t>
+          </a:r>
+          <a:endParaRPr sz="6600">
+            <a:latin typeface="Times New Roman"/>
+            <a:cs typeface="Times New Roman"/>
+          </a:endParaRPr>
+        </a:p>
+      </dsp:txBody>
+      <dsp:txXfrm>
+        <a:off x="3385838" y="160444"/>
+        <a:ext cx="3134318" cy="1504472"/>
+      </dsp:txXfrm>
+    </dsp:sp>
+    <dsp:sp modelId="{F141C49C-E8E4-49F4-AAC3-2EB38F33B50A}">
+      <dsp:nvSpPr>
+        <dsp:cNvPr id="949875350" name=""/>
+        <dsp:cNvSpPr/>
+      </dsp:nvSpPr>
+      <dsp:spPr bwMode="auto">
+        <a:xfrm>
+          <a:off x="6770904" y="160444"/>
+          <a:ext cx="3134318" cy="3761182"/>
+        </a:xfrm>
+        <a:prstGeom prst="roundRect">
+          <a:avLst>
+            <a:gd name="adj" fmla="val 16667"/>
+          </a:avLst>
+        </a:prstGeom>
+        <a:solidFill>
+          <a:schemeClr val="bg2">
+            <a:lumMod val="50000"/>
+          </a:schemeClr>
+        </a:solidFill>
+        <a:ln w="12700" cap="flat" cmpd="sng" algn="ctr">
+          <a:noFill/>
+          <a:prstDash val="solid"/>
+          <a:miter lim="800000"/>
+        </a:ln>
+        <a:effectLst/>
+      </dsp:spPr>
+      <dsp:style>
+        <a:lnRef idx="2">
+          <a:srgbClr val="000000"/>
+        </a:lnRef>
+        <a:fillRef idx="1">
+          <a:srgbClr val="000000"/>
+        </a:fillRef>
+        <a:effectRef idx="0">
+          <a:srgbClr val="000000"/>
+        </a:effectRef>
+        <a:fontRef idx="minor">
+          <a:schemeClr val="lt1"/>
+        </a:fontRef>
+      </dsp:style>
+      <dsp:txBody>
+        <a:bodyPr spcFirstLastPara="0" vertOverflow="overflow" horzOverflow="overflow" vert="horz" wrap="square" lIns="309600" tIns="0" rIns="309600" bIns="330199" numCol="1" spcCol="1269" rtlCol="0" fromWordArt="0" anchor="t" anchorCtr="0" forceAA="0" compatLnSpc="0">
+          <a:noAutofit/>
+        </a:bodyPr>
+        <a:lstStyle/>
+        <a:p>
+          <a:pPr marL="0" lvl="0" indent="0" algn="l" defTabSz="1155699">
+            <a:lnSpc>
+              <a:spcPct val="90000"/>
+            </a:lnSpc>
+            <a:spcBef>
+              <a:spcPts val="0"/>
+            </a:spcBef>
+            <a:spcAft>
+              <a:spcPts val="0"/>
+            </a:spcAft>
+            <a:buNone/>
+            <a:defRPr/>
+          </a:pPr>
+          <a:r>
+            <a:rPr lang="en-US" sz="1600" b="1" i="0" u="none" strike="noStrike" cap="none" spc="0">
+              <a:solidFill>
+                <a:schemeClr val="tx1"/>
+              </a:solidFill>
+              <a:latin typeface="Times New Roman"/>
+              <a:ea typeface="Times New Roman"/>
+              <a:cs typeface="Times New Roman"/>
+            </a:rPr>
+            <a:t>Визначення обмежень системи</a:t>
+          </a:r>
+          <a:r>
+            <a:rPr lang="en-US" sz="1600" b="0" i="0" u="none" strike="noStrike" cap="none" spc="0">
+              <a:solidFill>
+                <a:schemeClr val="tx1"/>
+              </a:solidFill>
+              <a:latin typeface="Times New Roman"/>
+              <a:ea typeface="Times New Roman"/>
+              <a:cs typeface="Times New Roman"/>
+            </a:rPr>
+            <a:t>: Зафіксувати обмеження та обмеження, що впливають на функціональність системи та її стани. Дослідити їхній вплив на систему і те, як вони враховані в архітектурі.</a:t>
+          </a:r>
+          <a:endParaRPr sz="1600">
+            <a:solidFill>
+              <a:schemeClr val="tx1"/>
+            </a:solidFill>
+            <a:latin typeface="Times New Roman"/>
+            <a:cs typeface="Times New Roman"/>
+          </a:endParaRPr>
+        </a:p>
+        <a:p>
+          <a:pPr>
+            <a:defRPr/>
+          </a:pPr>
+          <a:endParaRPr/>
+        </a:p>
+      </dsp:txBody>
+      <dsp:txXfrm>
+        <a:off x="6770904" y="1664917"/>
+        <a:ext cx="3134318" cy="2256709"/>
+      </dsp:txXfrm>
+    </dsp:sp>
+    <dsp:sp modelId="{2596FFBD-2FDB-463F-99E6-18EDF6E874AC}">
+      <dsp:nvSpPr>
+        <dsp:cNvPr id="766122345" name=""/>
+        <dsp:cNvSpPr/>
+      </dsp:nvSpPr>
+      <dsp:spPr bwMode="auto">
+        <a:xfrm>
+          <a:off x="6770904" y="160444"/>
+          <a:ext cx="3134318" cy="1504472"/>
+        </a:xfrm>
+        <a:prstGeom prst="rect">
+          <a:avLst/>
+        </a:prstGeom>
+        <a:noFill/>
+        <a:ln w="25400" cap="flat" cmpd="sng" algn="ctr">
+          <a:noFill/>
+          <a:prstDash val="solid"/>
+        </a:ln>
+        <a:effectLst/>
+      </dsp:spPr>
+      <dsp:style>
+        <a:lnRef idx="2">
+          <a:srgbClr val="000000"/>
+        </a:lnRef>
+        <a:fillRef idx="1">
+          <a:srgbClr val="000000"/>
+        </a:fillRef>
+        <a:effectRef idx="0">
+          <a:srgbClr val="000000"/>
+        </a:effectRef>
+        <a:fontRef idx="minor">
+          <a:schemeClr val="lt1"/>
+        </a:fontRef>
+      </dsp:style>
+      <dsp:txBody>
+        <a:bodyPr spcFirstLastPara="0" vertOverflow="overflow" horzOverflow="overflow" vert="horz" wrap="square" lIns="309600" tIns="165099" rIns="309600" bIns="165099" numCol="1" spcCol="1269" rtlCol="0" fromWordArt="0" anchor="ctr" anchorCtr="0" forceAA="0" upright="0" compatLnSpc="0">
+          <a:noAutofit/>
+        </a:bodyPr>
+        <a:lstStyle/>
+        <a:p>
+          <a:pPr marL="0" lvl="0" indent="0" algn="l" defTabSz="2933697">
+            <a:lnSpc>
+              <a:spcPct val="90000"/>
+            </a:lnSpc>
+            <a:spcBef>
+              <a:spcPts val="0"/>
+            </a:spcBef>
+            <a:spcAft>
+              <a:spcPts val="0"/>
+            </a:spcAft>
+            <a:buNone/>
+            <a:defRPr/>
+          </a:pPr>
+          <a:r>
+            <a:rPr lang="en-US" sz="6600">
+              <a:latin typeface="Times New Roman"/>
+              <a:cs typeface="Times New Roman"/>
+            </a:rPr>
+            <a:t>03</a:t>
+          </a:r>
+          <a:endParaRPr sz="6600">
+            <a:latin typeface="Times New Roman"/>
+            <a:cs typeface="Times New Roman"/>
+          </a:endParaRPr>
+        </a:p>
+      </dsp:txBody>
+      <dsp:txXfrm>
+        <a:off x="6770904" y="160444"/>
+        <a:ext cx="3134318" cy="1504472"/>
+      </dsp:txXfrm>
+    </dsp:sp>
+  </dsp:spTree>
+</dsp:drawing>
+</file>
+
 <file path=ppt/diagrams/layout1.xml><?xml version="1.0" encoding="utf-8"?>
-<dgm:layoutDef xmlns:dgm="http://schemas.openxmlformats.org/drawingml/2006/diagram" xmlns:a="http://schemas.openxmlformats.org/drawingml/2006/main" uniqueId="urn:microsoft.com/office/officeart/2016/7/layout/LinearBlockProcessNumbered">
+<dgm:layoutDef xmlns:dgm="http://schemas.openxmlformats.org/drawingml/2006/diagram" xmlns:a="http://schemas.openxmlformats.org/drawingml/2006/main" xmlns:r="http://schemas.openxmlformats.org/officeDocument/2006/relationships" uniqueId="urn:microsoft.com/office/officeart/2016/7/layout/LinearBlockProcessNumbered">
   <dgm:title val="Linear Block Process Numbered"/>
   <dgm:desc val="Used to show a progression; a timeline; sequential steps in a task, process, or workflow; or to emphasize movement or direction. Automatic numbers have been introduced to show the steps of the process. Level 1 text and Level 2 text both appears in a rectangle."/>
   <dgm:catLst>
@@ -2116,20 +3884,20 @@
       <dgm:param type="linDir" val="fromL"/>
       <dgm:param type="nodeVertAlign" val="t"/>
     </dgm:alg>
-    <dgm:shape xmlns:r="http://schemas.openxmlformats.org/officeDocument/2006/relationships" r:blip="">
+    <dgm:shape r:blip="">
       <dgm:adjLst/>
     </dgm:shape>
     <dgm:presOf/>
     <dgm:constrLst>
       <dgm:constr type="h" for="ch" forName="compositeNode" refType="h"/>
       <dgm:constr type="w" for="ch" forName="compositeNode" refType="w"/>
-      <dgm:constr type="w" for="des" forName="simulatedConn" refType="w" refFor="ch" refForName="compositeNode" fact="0.15"/>
+      <dgm:constr type="w" for="des" forName="simulatedConn" refType="w" refFor="ch" refForName="compositeNode" fact="0.150000"/>
       <dgm:constr type="h" for="des" forName="simulatedConn" refType="w" refFor="des" refForName="simulatedConn"/>
-      <dgm:constr type="h" for="des" forName="vSp1" refType="w" refFor="ch" refForName="compositeNode" fact="0.8"/>
-      <dgm:constr type="h" for="des" forName="vSp2" refType="w" refFor="ch" refForName="compositeNode" fact="0.07"/>
+      <dgm:constr type="h" for="des" forName="vSp1" refType="w" refFor="ch" refForName="compositeNode" fact="0.800000"/>
+      <dgm:constr type="h" for="des" forName="vSp2" refType="w" refFor="ch" refForName="compositeNode" fact="0.070000"/>
       <dgm:constr type="w" for="ch" forName="vProcSp" refType="w" refFor="des" refForName="simulatedConn" op="equ"/>
       <dgm:constr type="h" for="ch" forName="vProcSp" refType="h" refFor="ch" refForName="compositeNode" op="equ"/>
-      <dgm:constr type="w" for="ch" forName="sibTrans" refType="w" refFor="ch" refForName="compositeNode" fact="0.08"/>
+      <dgm:constr type="w" for="ch" forName="sibTrans" refType="w" refFor="ch" refForName="compositeNode" fact="0.080000"/>
       <dgm:constr type="primFontSz" for="des" forName="sibTransNodeRect" op="equ"/>
       <dgm:constr type="primFontSz" for="des" forName="nodeRect" op="equ"/>
     </dgm:constrLst>
@@ -2141,17 +3909,17 @@
         </dgm:varLst>
         <dgm:alg type="composite"/>
         <dgm:constrLst>
-          <dgm:constr type="h" refType="w" op="lte" fact="1.2"/>
+          <dgm:constr type="h" refType="w" op="lte" fact="1.200000"/>
           <dgm:constr type="w" for="ch" forName="bgRect" refType="w"/>
           <dgm:constr type="h" for="ch" forName="bgRect" refType="h"/>
           <dgm:constr type="t" for="ch" forName="bgRect"/>
           <dgm:constr type="l" for="ch" forName="bgRect"/>
           <dgm:constr type="w" for="ch" forName="sibTransNodeRect" refType="w" refFor="ch" refForName="bgRect"/>
-          <dgm:constr type="h" for="ch" forName="sibTransNodeRect" refType="h" refFor="ch" refForName="bgRect" fact="0.4"/>
+          <dgm:constr type="h" for="ch" forName="sibTransNodeRect" refType="h" refFor="ch" refForName="bgRect" fact="0.400000"/>
           <dgm:constr type="t" for="ch" forName="sibTransNodeRect"/>
           <dgm:constr type="l" for="ch" forName="sibTransNodeRect"/>
           <dgm:constr type="r" for="ch" forName="nodeRect" refType="r" refFor="ch" refForName="bgRect"/>
-          <dgm:constr type="h" for="ch" forName="nodeRect" refType="h" refFor="ch" refForName="bgRect" fact="0.6"/>
+          <dgm:constr type="h" for="ch" forName="nodeRect" refType="h" refFor="ch" refForName="bgRect" fact="0.600000"/>
           <dgm:constr type="t" for="ch" forName="nodeRect" refType="b" refFor="ch" refForName="sibTransNodeRect"/>
           <dgm:constr type="l" for="ch" forName="nodeRect" refType="l" refFor="ch" refForName="bgRect"/>
         </dgm:constrLst>
@@ -2160,16 +3928,16 @@
         </dgm:ruleLst>
         <dgm:layoutNode name="bgRect" styleLbl="alignNode1">
           <dgm:alg type="sp"/>
-          <dgm:shape xmlns:r="http://schemas.openxmlformats.org/officeDocument/2006/relationships" type="rect" r:blip="">
+          <dgm:shape type="rect" r:blip="">
             <dgm:adjLst>
-              <dgm:adj idx="1" val="0.05"/>
+              <dgm:adj idx="1" val="0.050000"/>
             </dgm:adjLst>
           </dgm:shape>
           <dgm:presOf axis="self"/>
           <dgm:constrLst/>
           <dgm:ruleLst/>
         </dgm:layoutNode>
-        <dgm:forEach name="Name19" axis="followSib" ptType="sibTrans" hideLastTrans="0" cnt="1">
+        <dgm:forEach name="Name19" axis="followSib" ptType="sibTrans" cnt="1" hideLastTrans="0">
           <dgm:layoutNode name="sibTransNodeRect" styleLbl="alignNode1">
             <dgm:varLst>
               <dgm:chMax val="0"/>
@@ -2180,14 +3948,14 @@
               <dgm:param type="parTxLTRAlign" val="l"/>
               <dgm:param type="parTxRTLAlign" val="l"/>
             </dgm:alg>
-            <dgm:shape xmlns:r="http://schemas.openxmlformats.org/officeDocument/2006/relationships" type="rect" r:blip="" hideGeom="1">
+            <dgm:shape type="rect" r:blip="" hideGeom="1">
               <dgm:adjLst/>
             </dgm:shape>
             <dgm:constrLst>
               <dgm:constr type="primFontSz" val="66"/>
               <dgm:constr type="tMarg" val="13"/>
-              <dgm:constr type="lMarg" refType="w" fact="0.28"/>
-              <dgm:constr type="rMarg" refType="w" fact="0.28"/>
+              <dgm:constr type="lMarg" refType="w" fact="0.280000"/>
+              <dgm:constr type="rMarg" refType="w" fact="0.280000"/>
               <dgm:constr type="bMarg" val="13"/>
             </dgm:constrLst>
             <dgm:ruleLst>
@@ -2206,15 +3974,15 @@
             <dgm:param type="txAnchorVert" val="t"/>
             <dgm:param type="stBulletLvl" val="2"/>
           </dgm:alg>
-          <dgm:shape xmlns:r="http://schemas.openxmlformats.org/officeDocument/2006/relationships" type="rect" r:blip="" hideGeom="1">
+          <dgm:shape type="rect" r:blip="" hideGeom="1">
             <dgm:adjLst/>
           </dgm:shape>
           <dgm:presOf axis="desOrSelf" ptType="node"/>
           <dgm:constrLst>
             <dgm:constr type="primFontSz" val="26"/>
             <dgm:constr type="tMarg"/>
-            <dgm:constr type="lMarg" refType="w" fact="0.28"/>
-            <dgm:constr type="rMarg" refType="w" fact="0.28"/>
+            <dgm:constr type="lMarg" refType="w" fact="0.280000"/>
+            <dgm:constr type="rMarg" refType="w" fact="0.280000"/>
             <dgm:constr type="bMarg" val="26"/>
           </dgm:constrLst>
           <dgm:ruleLst>
@@ -2225,7 +3993,277 @@
       <dgm:forEach name="Name14" axis="followSib" ptType="sibTrans" cnt="1">
         <dgm:layoutNode name="sibTrans">
           <dgm:alg type="sp"/>
-          <dgm:shape xmlns:r="http://schemas.openxmlformats.org/officeDocument/2006/relationships" r:blip="">
+          <dgm:shape r:blip="">
+            <dgm:adjLst/>
+          </dgm:shape>
+          <dgm:presOf/>
+          <dgm:constrLst/>
+          <dgm:ruleLst/>
+        </dgm:layoutNode>
+      </dgm:forEach>
+    </dgm:forEach>
+  </dgm:layoutNode>
+</dgm:layoutDef>
+</file>
+
+<file path=ppt/diagrams/layout2.xml><?xml version="1.0" encoding="utf-8"?>
+<dgm:layoutDef xmlns:dgm="http://schemas.openxmlformats.org/drawingml/2006/diagram" xmlns:a="http://schemas.openxmlformats.org/drawingml/2006/main" xmlns:r="http://schemas.openxmlformats.org/officeDocument/2006/relationships" uniqueId="urn:microsoft.com/office/officeart/2016/7/layout/LinearBlockProcessNumbered">
+  <dgm:title val="Linear Block Process Numbered"/>
+  <dgm:desc val="Used to show a progression; a timeline; sequential steps in a task, process, or workflow; or to emphasize movement or direction. Automatic numbers have been introduced to show the steps of the process. Level 1 text and Level 2 text both appears in a rectangle."/>
+  <dgm:catLst>
+    <dgm:cat type="process" pri="500"/>
+  </dgm:catLst>
+  <dgm:sampData>
+    <dgm:dataModel>
+      <dgm:ptLst>
+        <dgm:pt modelId="0" type="doc"/>
+        <dgm:pt modelId="1">
+          <dgm:prSet phldr="1"/>
+        </dgm:pt>
+        <dgm:pt modelId="11">
+          <dgm:prSet phldr="1"/>
+        </dgm:pt>
+        <dgm:pt modelId="2">
+          <dgm:prSet phldr="1"/>
+        </dgm:pt>
+        <dgm:pt modelId="21">
+          <dgm:prSet phldr="1"/>
+        </dgm:pt>
+        <dgm:pt modelId="3">
+          <dgm:prSet phldr="1"/>
+        </dgm:pt>
+        <dgm:pt modelId="31">
+          <dgm:prSet phldr="1"/>
+        </dgm:pt>
+        <dgm:pt modelId="101" type="sibTrans" cxnId="4">
+          <dgm:prSet phldrT="1"/>
+          <dgm:t>
+            <a:bodyPr/>
+            <a:lstStyle/>
+            <a:p>
+              <a:pPr>
+                <a:defRPr/>
+              </a:pPr>
+              <a:r>
+                <a:rPr/>
+                <a:t>01</a:t>
+              </a:r>
+              <a:endParaRPr/>
+            </a:p>
+          </dgm:t>
+        </dgm:pt>
+        <dgm:pt modelId="201" type="sibTrans" cxnId="5">
+          <dgm:prSet phldrT="2"/>
+          <dgm:t>
+            <a:bodyPr/>
+            <a:lstStyle/>
+            <a:p>
+              <a:pPr>
+                <a:defRPr/>
+              </a:pPr>
+              <a:r>
+                <a:rPr/>
+                <a:t>02</a:t>
+              </a:r>
+              <a:endParaRPr/>
+            </a:p>
+          </dgm:t>
+        </dgm:pt>
+        <dgm:pt modelId="301" type="sibTrans" cxnId="6">
+          <dgm:prSet phldrT="3"/>
+          <dgm:t>
+            <a:bodyPr/>
+            <a:lstStyle/>
+            <a:p>
+              <a:pPr>
+                <a:defRPr/>
+              </a:pPr>
+              <a:r>
+                <a:rPr/>
+                <a:t>03</a:t>
+              </a:r>
+              <a:endParaRPr/>
+            </a:p>
+          </dgm:t>
+        </dgm:pt>
+      </dgm:ptLst>
+      <dgm:cxnLst>
+        <dgm:cxn modelId="4" srcId="0" destId="1" srcOrd="0" destOrd="0" sibTransId="101"/>
+        <dgm:cxn modelId="5" srcId="0" destId="2" srcOrd="1" destOrd="0" sibTransId="201"/>
+        <dgm:cxn modelId="6" srcId="0" destId="3" srcOrd="2" destOrd="0" sibTransId="301"/>
+        <dgm:cxn modelId="13" srcId="1" destId="11" srcOrd="0" destOrd="0"/>
+        <dgm:cxn modelId="23" srcId="2" destId="21" srcOrd="0" destOrd="0"/>
+        <dgm:cxn modelId="33" srcId="3" destId="31" srcOrd="0" destOrd="0"/>
+      </dgm:cxnLst>
+      <dgm:bg/>
+      <dgm:whole/>
+    </dgm:dataModel>
+  </dgm:sampData>
+  <dgm:styleData>
+    <dgm:dataModel>
+      <dgm:ptLst>
+        <dgm:pt modelId="0" type="doc"/>
+        <dgm:pt modelId="1"/>
+        <dgm:pt modelId="11"/>
+        <dgm:pt modelId="2"/>
+        <dgm:pt modelId="21"/>
+      </dgm:ptLst>
+      <dgm:cxnLst>
+        <dgm:cxn modelId="4" srcId="0" destId="1" srcOrd="0" destOrd="0"/>
+        <dgm:cxn modelId="5" srcId="0" destId="2" srcOrd="1" destOrd="0"/>
+        <dgm:cxn modelId="13" srcId="1" destId="11" srcOrd="0" destOrd="0"/>
+        <dgm:cxn modelId="23" srcId="2" destId="21" srcOrd="0" destOrd="0"/>
+      </dgm:cxnLst>
+      <dgm:bg/>
+      <dgm:whole/>
+    </dgm:dataModel>
+  </dgm:styleData>
+  <dgm:clrData>
+    <dgm:dataModel>
+      <dgm:ptLst>
+        <dgm:pt modelId="0" type="doc"/>
+        <dgm:pt modelId="1"/>
+        <dgm:pt modelId="11"/>
+        <dgm:pt modelId="2"/>
+        <dgm:pt modelId="21"/>
+        <dgm:pt modelId="3"/>
+        <dgm:pt modelId="31"/>
+        <dgm:pt modelId="4"/>
+        <dgm:pt modelId="41"/>
+      </dgm:ptLst>
+      <dgm:cxnLst>
+        <dgm:cxn modelId="5" srcId="0" destId="1" srcOrd="0" destOrd="0"/>
+        <dgm:cxn modelId="6" srcId="0" destId="2" srcOrd="1" destOrd="0"/>
+        <dgm:cxn modelId="7" srcId="0" destId="3" srcOrd="2" destOrd="0"/>
+        <dgm:cxn modelId="8" srcId="0" destId="4" srcOrd="3" destOrd="0"/>
+        <dgm:cxn modelId="13" srcId="1" destId="11" srcOrd="0" destOrd="0"/>
+        <dgm:cxn modelId="23" srcId="2" destId="21" srcOrd="0" destOrd="0"/>
+        <dgm:cxn modelId="33" srcId="3" destId="31" srcOrd="0" destOrd="0"/>
+        <dgm:cxn modelId="43" srcId="4" destId="41" srcOrd="0" destOrd="0"/>
+      </dgm:cxnLst>
+      <dgm:bg/>
+      <dgm:whole/>
+    </dgm:dataModel>
+  </dgm:clrData>
+  <dgm:layoutNode name="Name0">
+    <dgm:varLst>
+      <dgm:animLvl val="lvl"/>
+      <dgm:resizeHandles val="exact"/>
+    </dgm:varLst>
+    <dgm:alg type="lin">
+      <dgm:param type="linDir" val="fromL"/>
+      <dgm:param type="nodeVertAlign" val="t"/>
+    </dgm:alg>
+    <dgm:shape r:blip="">
+      <dgm:adjLst/>
+    </dgm:shape>
+    <dgm:presOf/>
+    <dgm:constrLst>
+      <dgm:constr type="h" for="ch" forName="compositeNode" refType="h"/>
+      <dgm:constr type="w" for="ch" forName="compositeNode" refType="w"/>
+      <dgm:constr type="w" for="des" forName="simulatedConn" refType="w" refFor="ch" refForName="compositeNode" fact="0.150000"/>
+      <dgm:constr type="h" for="des" forName="simulatedConn" refType="w" refFor="des" refForName="simulatedConn"/>
+      <dgm:constr type="h" for="des" forName="vSp1" refType="w" refFor="ch" refForName="compositeNode" fact="0.800000"/>
+      <dgm:constr type="h" for="des" forName="vSp2" refType="w" refFor="ch" refForName="compositeNode" fact="0.070000"/>
+      <dgm:constr type="w" for="ch" forName="vProcSp" refType="w" refFor="des" refForName="simulatedConn" op="equ"/>
+      <dgm:constr type="h" for="ch" forName="vProcSp" refType="h" refFor="ch" refForName="compositeNode" op="equ"/>
+      <dgm:constr type="w" for="ch" forName="sibTrans" refType="w" refFor="ch" refForName="compositeNode" fact="0.080000"/>
+      <dgm:constr type="primFontSz" for="des" forName="sibTransNodeRect" op="equ"/>
+      <dgm:constr type="primFontSz" for="des" forName="nodeRect" op="equ"/>
+    </dgm:constrLst>
+    <dgm:ruleLst/>
+    <dgm:forEach name="Name4" axis="ch" ptType="node">
+      <dgm:layoutNode name="compositeNode">
+        <dgm:varLst>
+          <dgm:bulletEnabled val="1"/>
+        </dgm:varLst>
+        <dgm:alg type="composite"/>
+        <dgm:constrLst>
+          <dgm:constr type="h" refType="w" op="lte" fact="1.200000"/>
+          <dgm:constr type="w" for="ch" forName="bgRect" refType="w"/>
+          <dgm:constr type="h" for="ch" forName="bgRect" refType="h"/>
+          <dgm:constr type="t" for="ch" forName="bgRect"/>
+          <dgm:constr type="l" for="ch" forName="bgRect"/>
+          <dgm:constr type="w" for="ch" forName="sibTransNodeRect" refType="w" refFor="ch" refForName="bgRect"/>
+          <dgm:constr type="h" for="ch" forName="sibTransNodeRect" refType="h" refFor="ch" refForName="bgRect" fact="0.400000"/>
+          <dgm:constr type="t" for="ch" forName="sibTransNodeRect"/>
+          <dgm:constr type="l" for="ch" forName="sibTransNodeRect"/>
+          <dgm:constr type="r" for="ch" forName="nodeRect" refType="r" refFor="ch" refForName="bgRect"/>
+          <dgm:constr type="h" for="ch" forName="nodeRect" refType="h" refFor="ch" refForName="bgRect" fact="0.600000"/>
+          <dgm:constr type="t" for="ch" forName="nodeRect" refType="b" refFor="ch" refForName="sibTransNodeRect"/>
+          <dgm:constr type="l" for="ch" forName="nodeRect" refType="l" refFor="ch" refForName="bgRect"/>
+        </dgm:constrLst>
+        <dgm:ruleLst>
+          <dgm:rule type="w" for="ch" forName="nodeRect" val="NaN" fact="NaN" max="30"/>
+        </dgm:ruleLst>
+        <dgm:layoutNode name="bgRect" styleLbl="alignNode1">
+          <dgm:alg type="sp"/>
+          <dgm:shape type="rect" r:blip="">
+            <dgm:adjLst>
+              <dgm:adj idx="1" val="0.050000"/>
+            </dgm:adjLst>
+          </dgm:shape>
+          <dgm:presOf axis="self"/>
+          <dgm:constrLst/>
+          <dgm:ruleLst/>
+        </dgm:layoutNode>
+        <dgm:forEach name="Name19" axis="followSib" ptType="sibTrans" cnt="1" hideLastTrans="0">
+          <dgm:layoutNode name="sibTransNodeRect" styleLbl="alignNode1">
+            <dgm:varLst>
+              <dgm:chMax val="0"/>
+              <dgm:bulletEnabled val="1"/>
+            </dgm:varLst>
+            <dgm:presOf axis="self"/>
+            <dgm:alg type="tx">
+              <dgm:param type="parTxLTRAlign" val="l"/>
+              <dgm:param type="parTxRTLAlign" val="l"/>
+            </dgm:alg>
+            <dgm:shape type="rect" r:blip="" hideGeom="1">
+              <dgm:adjLst/>
+            </dgm:shape>
+            <dgm:constrLst>
+              <dgm:constr type="primFontSz" val="66"/>
+              <dgm:constr type="tMarg" val="13"/>
+              <dgm:constr type="lMarg" refType="w" fact="0.280000"/>
+              <dgm:constr type="rMarg" refType="w" fact="0.280000"/>
+              <dgm:constr type="bMarg" val="13"/>
+            </dgm:constrLst>
+            <dgm:ruleLst>
+              <dgm:rule type="primFontSz" val="14" fact="NaN" max="NaN"/>
+              <dgm:rule type="tMarg" val="13" fact="NaN" max="NaN"/>
+            </dgm:ruleLst>
+          </dgm:layoutNode>
+        </dgm:forEach>
+        <dgm:layoutNode name="nodeRect" styleLbl="alignNode1" moveWith="bgRect">
+          <dgm:varLst>
+            <dgm:bulletEnabled val="1"/>
+          </dgm:varLst>
+          <dgm:alg type="tx">
+            <dgm:param type="parTxLTRAlign" val="l"/>
+            <dgm:param type="parTxRTLAlign" val="r"/>
+            <dgm:param type="txAnchorVert" val="t"/>
+            <dgm:param type="stBulletLvl" val="2"/>
+          </dgm:alg>
+          <dgm:shape type="rect" r:blip="" hideGeom="1">
+            <dgm:adjLst/>
+          </dgm:shape>
+          <dgm:presOf axis="desOrSelf" ptType="node"/>
+          <dgm:constrLst>
+            <dgm:constr type="primFontSz" val="26"/>
+            <dgm:constr type="tMarg"/>
+            <dgm:constr type="lMarg" refType="w" fact="0.280000"/>
+            <dgm:constr type="rMarg" refType="w" fact="0.280000"/>
+            <dgm:constr type="bMarg" val="26"/>
+          </dgm:constrLst>
+          <dgm:ruleLst>
+            <dgm:rule type="primFontSz" val="11" fact="NaN" max="NaN"/>
+          </dgm:ruleLst>
+        </dgm:layoutNode>
+      </dgm:layoutNode>
+      <dgm:forEach name="Name14" axis="followSib" ptType="sibTrans" cnt="1">
+        <dgm:layoutNode name="sibTrans">
+          <dgm:alg type="sp"/>
+          <dgm:shape r:blip="">
             <dgm:adjLst/>
           </dgm:shape>
           <dgm:presOf/>
@@ -2255,7 +4293,15 @@
       <a:lightRig rig="threePt" dir="t"/>
     </dgm:scene3d>
     <dgm:sp3d/>
-    <dgm:txPr/>
+    <dgm:txPr>
+      <a:bodyPr/>
+      <a:p>
+        <a:pPr>
+          <a:defRPr/>
+        </a:pPr>
+        <a:endParaRPr/>
+      </a:p>
+    </dgm:txPr>
     <dgm:style>
       <a:lnRef idx="2">
         <a:srgbClr val="000000"/>
@@ -2277,7 +4323,15 @@
       <a:lightRig rig="threePt" dir="t"/>
     </dgm:scene3d>
     <dgm:sp3d/>
-    <dgm:txPr/>
+    <dgm:txPr>
+      <a:bodyPr/>
+      <a:p>
+        <a:pPr>
+          <a:defRPr/>
+        </a:pPr>
+        <a:endParaRPr/>
+      </a:p>
+    </dgm:txPr>
     <dgm:style>
       <a:lnRef idx="2">
         <a:srgbClr val="000000"/>
@@ -2299,7 +4353,15 @@
       <a:lightRig rig="threePt" dir="t"/>
     </dgm:scene3d>
     <dgm:sp3d/>
-    <dgm:txPr/>
+    <dgm:txPr>
+      <a:bodyPr/>
+      <a:p>
+        <a:pPr>
+          <a:defRPr/>
+        </a:pPr>
+        <a:endParaRPr/>
+      </a:p>
+    </dgm:txPr>
     <dgm:style>
       <a:lnRef idx="2">
         <a:srgbClr val="000000"/>
@@ -2321,7 +4383,15 @@
       <a:lightRig rig="threePt" dir="t"/>
     </dgm:scene3d>
     <dgm:sp3d/>
-    <dgm:txPr/>
+    <dgm:txPr>
+      <a:bodyPr/>
+      <a:p>
+        <a:pPr>
+          <a:defRPr/>
+        </a:pPr>
+        <a:endParaRPr/>
+      </a:p>
+    </dgm:txPr>
     <dgm:style>
       <a:lnRef idx="2">
         <a:srgbClr val="000000"/>
@@ -2343,7 +4413,15 @@
       <a:lightRig rig="threePt" dir="t"/>
     </dgm:scene3d>
     <dgm:sp3d/>
-    <dgm:txPr/>
+    <dgm:txPr>
+      <a:bodyPr/>
+      <a:p>
+        <a:pPr>
+          <a:defRPr/>
+        </a:pPr>
+        <a:endParaRPr/>
+      </a:p>
+    </dgm:txPr>
     <dgm:style>
       <a:lnRef idx="2">
         <a:srgbClr val="000000"/>
@@ -2365,7 +4443,15 @@
       <a:lightRig rig="threePt" dir="t"/>
     </dgm:scene3d>
     <dgm:sp3d/>
-    <dgm:txPr/>
+    <dgm:txPr>
+      <a:bodyPr/>
+      <a:p>
+        <a:pPr>
+          <a:defRPr/>
+        </a:pPr>
+        <a:endParaRPr/>
+      </a:p>
+    </dgm:txPr>
     <dgm:style>
       <a:lnRef idx="2">
         <a:srgbClr val="000000"/>
@@ -2387,7 +4473,15 @@
       <a:lightRig rig="threePt" dir="t"/>
     </dgm:scene3d>
     <dgm:sp3d/>
-    <dgm:txPr/>
+    <dgm:txPr>
+      <a:bodyPr/>
+      <a:p>
+        <a:pPr>
+          <a:defRPr/>
+        </a:pPr>
+        <a:endParaRPr/>
+      </a:p>
+    </dgm:txPr>
     <dgm:style>
       <a:lnRef idx="2">
         <a:srgbClr val="000000"/>
@@ -2409,7 +4503,15 @@
       <a:lightRig rig="threePt" dir="t"/>
     </dgm:scene3d>
     <dgm:sp3d/>
-    <dgm:txPr/>
+    <dgm:txPr>
+      <a:bodyPr/>
+      <a:p>
+        <a:pPr>
+          <a:defRPr/>
+        </a:pPr>
+        <a:endParaRPr/>
+      </a:p>
+    </dgm:txPr>
     <dgm:style>
       <a:lnRef idx="2">
         <a:srgbClr val="000000"/>
@@ -2431,7 +4533,15 @@
       <a:lightRig rig="threePt" dir="t"/>
     </dgm:scene3d>
     <dgm:sp3d/>
-    <dgm:txPr/>
+    <dgm:txPr>
+      <a:bodyPr/>
+      <a:p>
+        <a:pPr>
+          <a:defRPr/>
+        </a:pPr>
+        <a:endParaRPr/>
+      </a:p>
+    </dgm:txPr>
     <dgm:style>
       <a:lnRef idx="2">
         <a:srgbClr val="000000"/>
@@ -2451,7 +4561,15 @@
       <a:lightRig rig="threePt" dir="t"/>
     </dgm:scene3d>
     <dgm:sp3d/>
-    <dgm:txPr/>
+    <dgm:txPr>
+      <a:bodyPr/>
+      <a:p>
+        <a:pPr>
+          <a:defRPr/>
+        </a:pPr>
+        <a:endParaRPr/>
+      </a:p>
+    </dgm:txPr>
     <dgm:style>
       <a:lnRef idx="2">
         <a:srgbClr val="000000"/>
@@ -2471,7 +4589,15 @@
       <a:lightRig rig="threePt" dir="t"/>
     </dgm:scene3d>
     <dgm:sp3d/>
-    <dgm:txPr/>
+    <dgm:txPr>
+      <a:bodyPr/>
+      <a:p>
+        <a:pPr>
+          <a:defRPr/>
+        </a:pPr>
+        <a:endParaRPr/>
+      </a:p>
+    </dgm:txPr>
     <dgm:style>
       <a:lnRef idx="2">
         <a:srgbClr val="000000"/>
@@ -2491,7 +4617,15 @@
       <a:lightRig rig="threePt" dir="t"/>
     </dgm:scene3d>
     <dgm:sp3d/>
-    <dgm:txPr/>
+    <dgm:txPr>
+      <a:bodyPr/>
+      <a:p>
+        <a:pPr>
+          <a:defRPr/>
+        </a:pPr>
+        <a:endParaRPr/>
+      </a:p>
+    </dgm:txPr>
     <dgm:style>
       <a:lnRef idx="0">
         <a:srgbClr val="000000"/>
@@ -2513,7 +4647,15 @@
       <a:lightRig rig="threePt" dir="t"/>
     </dgm:scene3d>
     <dgm:sp3d/>
-    <dgm:txPr/>
+    <dgm:txPr>
+      <a:bodyPr/>
+      <a:p>
+        <a:pPr>
+          <a:defRPr/>
+        </a:pPr>
+        <a:endParaRPr/>
+      </a:p>
+    </dgm:txPr>
     <dgm:style>
       <a:lnRef idx="0">
         <a:srgbClr val="000000"/>
@@ -2535,7 +4677,15 @@
       <a:lightRig rig="threePt" dir="t"/>
     </dgm:scene3d>
     <dgm:sp3d/>
-    <dgm:txPr/>
+    <dgm:txPr>
+      <a:bodyPr/>
+      <a:p>
+        <a:pPr>
+          <a:defRPr/>
+        </a:pPr>
+        <a:endParaRPr/>
+      </a:p>
+    </dgm:txPr>
     <dgm:style>
       <a:lnRef idx="0">
         <a:srgbClr val="000000"/>
@@ -2557,7 +4707,15 @@
       <a:lightRig rig="threePt" dir="t"/>
     </dgm:scene3d>
     <dgm:sp3d/>
-    <dgm:txPr/>
+    <dgm:txPr>
+      <a:bodyPr/>
+      <a:p>
+        <a:pPr>
+          <a:defRPr/>
+        </a:pPr>
+        <a:endParaRPr/>
+      </a:p>
+    </dgm:txPr>
     <dgm:style>
       <a:lnRef idx="1">
         <a:srgbClr val="000000"/>
@@ -2577,7 +4735,15 @@
       <a:lightRig rig="threePt" dir="t"/>
     </dgm:scene3d>
     <dgm:sp3d/>
-    <dgm:txPr/>
+    <dgm:txPr>
+      <a:bodyPr/>
+      <a:p>
+        <a:pPr>
+          <a:defRPr/>
+        </a:pPr>
+        <a:endParaRPr/>
+      </a:p>
+    </dgm:txPr>
     <dgm:style>
       <a:lnRef idx="2">
         <a:srgbClr val="000000"/>
@@ -2597,7 +4763,15 @@
       <a:lightRig rig="threePt" dir="t"/>
     </dgm:scene3d>
     <dgm:sp3d/>
-    <dgm:txPr/>
+    <dgm:txPr>
+      <a:bodyPr/>
+      <a:p>
+        <a:pPr>
+          <a:defRPr/>
+        </a:pPr>
+        <a:endParaRPr/>
+      </a:p>
+    </dgm:txPr>
     <dgm:style>
       <a:lnRef idx="2">
         <a:srgbClr val="000000"/>
@@ -2619,7 +4793,15 @@
       <a:lightRig rig="threePt" dir="t"/>
     </dgm:scene3d>
     <dgm:sp3d/>
-    <dgm:txPr/>
+    <dgm:txPr>
+      <a:bodyPr/>
+      <a:p>
+        <a:pPr>
+          <a:defRPr/>
+        </a:pPr>
+        <a:endParaRPr/>
+      </a:p>
+    </dgm:txPr>
     <dgm:style>
       <a:lnRef idx="2">
         <a:srgbClr val="000000"/>
@@ -2641,7 +4823,15 @@
       <a:lightRig rig="threePt" dir="t"/>
     </dgm:scene3d>
     <dgm:sp3d/>
-    <dgm:txPr/>
+    <dgm:txPr>
+      <a:bodyPr/>
+      <a:p>
+        <a:pPr>
+          <a:defRPr/>
+        </a:pPr>
+        <a:endParaRPr/>
+      </a:p>
+    </dgm:txPr>
     <dgm:style>
       <a:lnRef idx="2">
         <a:srgbClr val="000000"/>
@@ -2663,7 +4853,15 @@
       <a:lightRig rig="threePt" dir="t"/>
     </dgm:scene3d>
     <dgm:sp3d/>
-    <dgm:txPr/>
+    <dgm:txPr>
+      <a:bodyPr/>
+      <a:p>
+        <a:pPr>
+          <a:defRPr/>
+        </a:pPr>
+        <a:endParaRPr/>
+      </a:p>
+    </dgm:txPr>
     <dgm:style>
       <a:lnRef idx="2">
         <a:srgbClr val="000000"/>
@@ -2685,7 +4883,15 @@
       <a:lightRig rig="threePt" dir="t"/>
     </dgm:scene3d>
     <dgm:sp3d/>
-    <dgm:txPr/>
+    <dgm:txPr>
+      <a:bodyPr/>
+      <a:p>
+        <a:pPr>
+          <a:defRPr/>
+        </a:pPr>
+        <a:endParaRPr/>
+      </a:p>
+    </dgm:txPr>
     <dgm:style>
       <a:lnRef idx="2">
         <a:srgbClr val="000000"/>
@@ -2707,7 +4913,15 @@
       <a:lightRig rig="threePt" dir="t"/>
     </dgm:scene3d>
     <dgm:sp3d/>
-    <dgm:txPr/>
+    <dgm:txPr>
+      <a:bodyPr/>
+      <a:p>
+        <a:pPr>
+          <a:defRPr/>
+        </a:pPr>
+        <a:endParaRPr/>
+      </a:p>
+    </dgm:txPr>
     <dgm:style>
       <a:lnRef idx="2">
         <a:srgbClr val="000000"/>
@@ -2729,7 +4943,15 @@
       <a:lightRig rig="threePt" dir="t"/>
     </dgm:scene3d>
     <dgm:sp3d/>
-    <dgm:txPr/>
+    <dgm:txPr>
+      <a:bodyPr/>
+      <a:p>
+        <a:pPr>
+          <a:defRPr/>
+        </a:pPr>
+        <a:endParaRPr/>
+      </a:p>
+    </dgm:txPr>
     <dgm:style>
       <a:lnRef idx="2">
         <a:srgbClr val="000000"/>
@@ -2751,7 +4973,15 @@
       <a:lightRig rig="threePt" dir="t"/>
     </dgm:scene3d>
     <dgm:sp3d/>
-    <dgm:txPr/>
+    <dgm:txPr>
+      <a:bodyPr/>
+      <a:p>
+        <a:pPr>
+          <a:defRPr/>
+        </a:pPr>
+        <a:endParaRPr/>
+      </a:p>
+    </dgm:txPr>
     <dgm:style>
       <a:lnRef idx="2">
         <a:srgbClr val="000000"/>
@@ -2773,7 +5003,15 @@
       <a:lightRig rig="threePt" dir="t"/>
     </dgm:scene3d>
     <dgm:sp3d/>
-    <dgm:txPr/>
+    <dgm:txPr>
+      <a:bodyPr/>
+      <a:p>
+        <a:pPr>
+          <a:defRPr/>
+        </a:pPr>
+        <a:endParaRPr/>
+      </a:p>
+    </dgm:txPr>
     <dgm:style>
       <a:lnRef idx="2">
         <a:srgbClr val="000000"/>
@@ -2795,7 +5033,15 @@
       <a:lightRig rig="threePt" dir="t"/>
     </dgm:scene3d>
     <dgm:sp3d/>
-    <dgm:txPr/>
+    <dgm:txPr>
+      <a:bodyPr/>
+      <a:p>
+        <a:pPr>
+          <a:defRPr/>
+        </a:pPr>
+        <a:endParaRPr/>
+      </a:p>
+    </dgm:txPr>
     <dgm:style>
       <a:lnRef idx="2">
         <a:srgbClr val="000000"/>
@@ -2815,7 +5061,15 @@
       <a:lightRig rig="threePt" dir="t"/>
     </dgm:scene3d>
     <dgm:sp3d/>
-    <dgm:txPr/>
+    <dgm:txPr>
+      <a:bodyPr/>
+      <a:p>
+        <a:pPr>
+          <a:defRPr/>
+        </a:pPr>
+        <a:endParaRPr/>
+      </a:p>
+    </dgm:txPr>
     <dgm:style>
       <a:lnRef idx="2">
         <a:srgbClr val="000000"/>
@@ -2835,7 +5089,15 @@
       <a:lightRig rig="threePt" dir="t"/>
     </dgm:scene3d>
     <dgm:sp3d/>
-    <dgm:txPr/>
+    <dgm:txPr>
+      <a:bodyPr/>
+      <a:p>
+        <a:pPr>
+          <a:defRPr/>
+        </a:pPr>
+        <a:endParaRPr/>
+      </a:p>
+    </dgm:txPr>
     <dgm:style>
       <a:lnRef idx="2">
         <a:srgbClr val="000000"/>
@@ -2855,7 +5117,15 @@
       <a:lightRig rig="threePt" dir="t"/>
     </dgm:scene3d>
     <dgm:sp3d/>
-    <dgm:txPr/>
+    <dgm:txPr>
+      <a:bodyPr/>
+      <a:p>
+        <a:pPr>
+          <a:defRPr/>
+        </a:pPr>
+        <a:endParaRPr/>
+      </a:p>
+    </dgm:txPr>
     <dgm:style>
       <a:lnRef idx="2">
         <a:srgbClr val="000000"/>
@@ -2875,7 +5145,15 @@
       <a:lightRig rig="threePt" dir="t"/>
     </dgm:scene3d>
     <dgm:sp3d/>
-    <dgm:txPr/>
+    <dgm:txPr>
+      <a:bodyPr/>
+      <a:p>
+        <a:pPr>
+          <a:defRPr/>
+        </a:pPr>
+        <a:endParaRPr/>
+      </a:p>
+    </dgm:txPr>
     <dgm:style>
       <a:lnRef idx="2">
         <a:srgbClr val="000000"/>
@@ -2895,7 +5173,15 @@
       <a:lightRig rig="threePt" dir="t"/>
     </dgm:scene3d>
     <dgm:sp3d/>
-    <dgm:txPr/>
+    <dgm:txPr>
+      <a:bodyPr/>
+      <a:p>
+        <a:pPr>
+          <a:defRPr/>
+        </a:pPr>
+        <a:endParaRPr/>
+      </a:p>
+    </dgm:txPr>
     <dgm:style>
       <a:lnRef idx="2">
         <a:srgbClr val="000000"/>
@@ -2915,7 +5201,15 @@
       <a:lightRig rig="threePt" dir="t"/>
     </dgm:scene3d>
     <dgm:sp3d/>
-    <dgm:txPr/>
+    <dgm:txPr>
+      <a:bodyPr/>
+      <a:p>
+        <a:pPr>
+          <a:defRPr/>
+        </a:pPr>
+        <a:endParaRPr/>
+      </a:p>
+    </dgm:txPr>
     <dgm:style>
       <a:lnRef idx="2">
         <a:srgbClr val="000000"/>
@@ -2935,7 +5229,15 @@
       <a:lightRig rig="threePt" dir="t"/>
     </dgm:scene3d>
     <dgm:sp3d/>
-    <dgm:txPr/>
+    <dgm:txPr>
+      <a:bodyPr/>
+      <a:p>
+        <a:pPr>
+          <a:defRPr/>
+        </a:pPr>
+        <a:endParaRPr/>
+      </a:p>
+    </dgm:txPr>
     <dgm:style>
       <a:lnRef idx="1">
         <a:srgbClr val="000000"/>
@@ -2955,7 +5257,15 @@
       <a:lightRig rig="threePt" dir="t"/>
     </dgm:scene3d>
     <dgm:sp3d/>
-    <dgm:txPr/>
+    <dgm:txPr>
+      <a:bodyPr/>
+      <a:p>
+        <a:pPr>
+          <a:defRPr/>
+        </a:pPr>
+        <a:endParaRPr/>
+      </a:p>
+    </dgm:txPr>
     <dgm:style>
       <a:lnRef idx="2">
         <a:srgbClr val="000000"/>
@@ -2975,7 +5285,15 @@
       <a:lightRig rig="threePt" dir="t"/>
     </dgm:scene3d>
     <dgm:sp3d/>
-    <dgm:txPr/>
+    <dgm:txPr>
+      <a:bodyPr/>
+      <a:p>
+        <a:pPr>
+          <a:defRPr/>
+        </a:pPr>
+        <a:endParaRPr/>
+      </a:p>
+    </dgm:txPr>
     <dgm:style>
       <a:lnRef idx="2">
         <a:srgbClr val="000000"/>
@@ -2995,7 +5313,15 @@
       <a:lightRig rig="threePt" dir="t"/>
     </dgm:scene3d>
     <dgm:sp3d/>
-    <dgm:txPr/>
+    <dgm:txPr>
+      <a:bodyPr/>
+      <a:p>
+        <a:pPr>
+          <a:defRPr/>
+        </a:pPr>
+        <a:endParaRPr/>
+      </a:p>
+    </dgm:txPr>
     <dgm:style>
       <a:lnRef idx="2">
         <a:srgbClr val="000000"/>
@@ -3015,7 +5341,15 @@
       <a:lightRig rig="threePt" dir="t"/>
     </dgm:scene3d>
     <dgm:sp3d/>
-    <dgm:txPr/>
+    <dgm:txPr>
+      <a:bodyPr/>
+      <a:p>
+        <a:pPr>
+          <a:defRPr/>
+        </a:pPr>
+        <a:endParaRPr/>
+      </a:p>
+    </dgm:txPr>
     <dgm:style>
       <a:lnRef idx="2">
         <a:srgbClr val="000000"/>
@@ -3035,7 +5369,15 @@
       <a:lightRig rig="threePt" dir="t"/>
     </dgm:scene3d>
     <dgm:sp3d/>
-    <dgm:txPr/>
+    <dgm:txPr>
+      <a:bodyPr/>
+      <a:p>
+        <a:pPr>
+          <a:defRPr/>
+        </a:pPr>
+        <a:endParaRPr/>
+      </a:p>
+    </dgm:txPr>
     <dgm:style>
       <a:lnRef idx="2">
         <a:srgbClr val="000000"/>
@@ -3055,7 +5397,15 @@
       <a:lightRig rig="threePt" dir="t"/>
     </dgm:scene3d>
     <dgm:sp3d/>
-    <dgm:txPr/>
+    <dgm:txPr>
+      <a:bodyPr/>
+      <a:p>
+        <a:pPr>
+          <a:defRPr/>
+        </a:pPr>
+        <a:endParaRPr/>
+      </a:p>
+    </dgm:txPr>
     <dgm:style>
       <a:lnRef idx="2">
         <a:srgbClr val="000000"/>
@@ -3075,7 +5425,15 @@
       <a:lightRig rig="threePt" dir="t"/>
     </dgm:scene3d>
     <dgm:sp3d/>
-    <dgm:txPr/>
+    <dgm:txPr>
+      <a:bodyPr/>
+      <a:p>
+        <a:pPr>
+          <a:defRPr/>
+        </a:pPr>
+        <a:endParaRPr/>
+      </a:p>
+    </dgm:txPr>
     <dgm:style>
       <a:lnRef idx="2">
         <a:srgbClr val="000000"/>
@@ -3095,7 +5453,15 @@
       <a:lightRig rig="threePt" dir="t"/>
     </dgm:scene3d>
     <dgm:sp3d/>
-    <dgm:txPr/>
+    <dgm:txPr>
+      <a:bodyPr/>
+      <a:p>
+        <a:pPr>
+          <a:defRPr/>
+        </a:pPr>
+        <a:endParaRPr/>
+      </a:p>
+    </dgm:txPr>
     <dgm:style>
       <a:lnRef idx="2">
         <a:srgbClr val="000000"/>
@@ -3115,7 +5481,15 @@
       <a:lightRig rig="threePt" dir="t"/>
     </dgm:scene3d>
     <dgm:sp3d/>
-    <dgm:txPr/>
+    <dgm:txPr>
+      <a:bodyPr/>
+      <a:p>
+        <a:pPr>
+          <a:defRPr/>
+        </a:pPr>
+        <a:endParaRPr/>
+      </a:p>
+    </dgm:txPr>
     <dgm:style>
       <a:lnRef idx="2">
         <a:srgbClr val="000000"/>
@@ -3135,7 +5509,15 @@
       <a:lightRig rig="threePt" dir="t"/>
     </dgm:scene3d>
     <dgm:sp3d/>
-    <dgm:txPr/>
+    <dgm:txPr>
+      <a:bodyPr/>
+      <a:p>
+        <a:pPr>
+          <a:defRPr/>
+        </a:pPr>
+        <a:endParaRPr/>
+      </a:p>
+    </dgm:txPr>
     <dgm:style>
       <a:lnRef idx="2">
         <a:srgbClr val="000000"/>
@@ -3155,7 +5537,15 @@
       <a:lightRig rig="threePt" dir="t"/>
     </dgm:scene3d>
     <dgm:sp3d/>
-    <dgm:txPr/>
+    <dgm:txPr>
+      <a:bodyPr/>
+      <a:p>
+        <a:pPr>
+          <a:defRPr/>
+        </a:pPr>
+        <a:endParaRPr/>
+      </a:p>
+    </dgm:txPr>
     <dgm:style>
       <a:lnRef idx="2">
         <a:srgbClr val="000000"/>
@@ -3175,7 +5565,15 @@
       <a:lightRig rig="threePt" dir="t"/>
     </dgm:scene3d>
     <dgm:sp3d/>
-    <dgm:txPr/>
+    <dgm:txPr>
+      <a:bodyPr/>
+      <a:p>
+        <a:pPr>
+          <a:defRPr/>
+        </a:pPr>
+        <a:endParaRPr/>
+      </a:p>
+    </dgm:txPr>
     <dgm:style>
       <a:lnRef idx="0">
         <a:srgbClr val="000000"/>
@@ -3195,7 +5593,15 @@
       <a:lightRig rig="threePt" dir="t"/>
     </dgm:scene3d>
     <dgm:sp3d/>
-    <dgm:txPr/>
+    <dgm:txPr>
+      <a:bodyPr/>
+      <a:p>
+        <a:pPr>
+          <a:defRPr/>
+        </a:pPr>
+        <a:endParaRPr/>
+      </a:p>
+    </dgm:txPr>
     <dgm:style>
       <a:lnRef idx="0">
         <a:srgbClr val="000000"/>
@@ -3215,7 +5621,15 @@
       <a:lightRig rig="threePt" dir="t"/>
     </dgm:scene3d>
     <dgm:sp3d/>
-    <dgm:txPr/>
+    <dgm:txPr>
+      <a:bodyPr/>
+      <a:p>
+        <a:pPr>
+          <a:defRPr/>
+        </a:pPr>
+        <a:endParaRPr/>
+      </a:p>
+    </dgm:txPr>
     <dgm:style>
       <a:lnRef idx="0">
         <a:srgbClr val="000000"/>
@@ -3235,7 +5649,15 @@
       <a:lightRig rig="threePt" dir="t"/>
     </dgm:scene3d>
     <dgm:sp3d/>
-    <dgm:txPr/>
+    <dgm:txPr>
+      <a:bodyPr/>
+      <a:p>
+        <a:pPr>
+          <a:defRPr/>
+        </a:pPr>
+        <a:endParaRPr/>
+      </a:p>
+    </dgm:txPr>
     <dgm:style>
       <a:lnRef idx="2">
         <a:srgbClr val="000000"/>
@@ -3255,7 +5677,1441 @@
       <a:lightRig rig="threePt" dir="t"/>
     </dgm:scene3d>
     <dgm:sp3d/>
-    <dgm:txPr/>
+    <dgm:txPr>
+      <a:bodyPr/>
+      <a:p>
+        <a:pPr>
+          <a:defRPr/>
+        </a:pPr>
+        <a:endParaRPr/>
+      </a:p>
+    </dgm:txPr>
+    <dgm:style>
+      <a:lnRef idx="0">
+        <a:srgbClr val="000000"/>
+      </a:lnRef>
+      <a:fillRef idx="0">
+        <a:srgbClr val="000000"/>
+      </a:fillRef>
+      <a:effectRef idx="0">
+        <a:srgbClr val="000000"/>
+      </a:effectRef>
+      <a:fontRef idx="minor"/>
+    </dgm:style>
+  </dgm:styleLbl>
+</dgm:styleDef>
+</file>
+
+<file path=ppt/diagrams/quickStyle2.xml><?xml version="1.0" encoding="utf-8"?>
+<dgm:styleDef xmlns:dgm="http://schemas.openxmlformats.org/drawingml/2006/diagram" xmlns:a="http://schemas.openxmlformats.org/drawingml/2006/main" uniqueId="urn:microsoft.com/office/officeart/2005/8/quickstyle/simple1#1">
+  <dgm:title val=""/>
+  <dgm:desc val=""/>
+  <dgm:catLst>
+    <dgm:cat type="simple" pri="10100"/>
+  </dgm:catLst>
+  <dgm:scene3d>
+    <a:camera prst="orthographicFront"/>
+    <a:lightRig rig="threePt" dir="t"/>
+  </dgm:scene3d>
+  <dgm:styleLbl name="node0">
+    <dgm:scene3d>
+      <a:camera prst="orthographicFront"/>
+      <a:lightRig rig="threePt" dir="t"/>
+    </dgm:scene3d>
+    <dgm:sp3d/>
+    <dgm:txPr>
+      <a:bodyPr/>
+      <a:p>
+        <a:pPr>
+          <a:defRPr/>
+        </a:pPr>
+        <a:endParaRPr/>
+      </a:p>
+    </dgm:txPr>
+    <dgm:style>
+      <a:lnRef idx="2">
+        <a:srgbClr val="000000"/>
+      </a:lnRef>
+      <a:fillRef idx="1">
+        <a:srgbClr val="000000"/>
+      </a:fillRef>
+      <a:effectRef idx="0">
+        <a:srgbClr val="000000"/>
+      </a:effectRef>
+      <a:fontRef idx="minor">
+        <a:schemeClr val="lt1"/>
+      </a:fontRef>
+    </dgm:style>
+  </dgm:styleLbl>
+  <dgm:styleLbl name="lnNode1">
+    <dgm:scene3d>
+      <a:camera prst="orthographicFront"/>
+      <a:lightRig rig="threePt" dir="t"/>
+    </dgm:scene3d>
+    <dgm:sp3d/>
+    <dgm:txPr>
+      <a:bodyPr/>
+      <a:p>
+        <a:pPr>
+          <a:defRPr/>
+        </a:pPr>
+        <a:endParaRPr/>
+      </a:p>
+    </dgm:txPr>
+    <dgm:style>
+      <a:lnRef idx="2">
+        <a:srgbClr val="000000"/>
+      </a:lnRef>
+      <a:fillRef idx="1">
+        <a:srgbClr val="000000"/>
+      </a:fillRef>
+      <a:effectRef idx="0">
+        <a:srgbClr val="000000"/>
+      </a:effectRef>
+      <a:fontRef idx="minor">
+        <a:schemeClr val="lt1"/>
+      </a:fontRef>
+    </dgm:style>
+  </dgm:styleLbl>
+  <dgm:styleLbl name="vennNode1">
+    <dgm:scene3d>
+      <a:camera prst="orthographicFront"/>
+      <a:lightRig rig="threePt" dir="t"/>
+    </dgm:scene3d>
+    <dgm:sp3d/>
+    <dgm:txPr>
+      <a:bodyPr/>
+      <a:p>
+        <a:pPr>
+          <a:defRPr/>
+        </a:pPr>
+        <a:endParaRPr/>
+      </a:p>
+    </dgm:txPr>
+    <dgm:style>
+      <a:lnRef idx="2">
+        <a:srgbClr val="000000"/>
+      </a:lnRef>
+      <a:fillRef idx="1">
+        <a:srgbClr val="000000"/>
+      </a:fillRef>
+      <a:effectRef idx="0">
+        <a:srgbClr val="000000"/>
+      </a:effectRef>
+      <a:fontRef idx="minor">
+        <a:schemeClr val="tx1"/>
+      </a:fontRef>
+    </dgm:style>
+  </dgm:styleLbl>
+  <dgm:styleLbl name="alignNode1">
+    <dgm:scene3d>
+      <a:camera prst="orthographicFront"/>
+      <a:lightRig rig="threePt" dir="t"/>
+    </dgm:scene3d>
+    <dgm:sp3d/>
+    <dgm:txPr>
+      <a:bodyPr/>
+      <a:p>
+        <a:pPr>
+          <a:defRPr/>
+        </a:pPr>
+        <a:endParaRPr/>
+      </a:p>
+    </dgm:txPr>
+    <dgm:style>
+      <a:lnRef idx="2">
+        <a:srgbClr val="000000"/>
+      </a:lnRef>
+      <a:fillRef idx="1">
+        <a:srgbClr val="000000"/>
+      </a:fillRef>
+      <a:effectRef idx="0">
+        <a:srgbClr val="000000"/>
+      </a:effectRef>
+      <a:fontRef idx="minor">
+        <a:schemeClr val="lt1"/>
+      </a:fontRef>
+    </dgm:style>
+  </dgm:styleLbl>
+  <dgm:styleLbl name="node1">
+    <dgm:scene3d>
+      <a:camera prst="orthographicFront"/>
+      <a:lightRig rig="threePt" dir="t"/>
+    </dgm:scene3d>
+    <dgm:sp3d/>
+    <dgm:txPr>
+      <a:bodyPr/>
+      <a:p>
+        <a:pPr>
+          <a:defRPr/>
+        </a:pPr>
+        <a:endParaRPr/>
+      </a:p>
+    </dgm:txPr>
+    <dgm:style>
+      <a:lnRef idx="2">
+        <a:srgbClr val="000000"/>
+      </a:lnRef>
+      <a:fillRef idx="1">
+        <a:srgbClr val="000000"/>
+      </a:fillRef>
+      <a:effectRef idx="0">
+        <a:srgbClr val="000000"/>
+      </a:effectRef>
+      <a:fontRef idx="minor">
+        <a:schemeClr val="lt1"/>
+      </a:fontRef>
+    </dgm:style>
+  </dgm:styleLbl>
+  <dgm:styleLbl name="node2">
+    <dgm:scene3d>
+      <a:camera prst="orthographicFront"/>
+      <a:lightRig rig="threePt" dir="t"/>
+    </dgm:scene3d>
+    <dgm:sp3d/>
+    <dgm:txPr>
+      <a:bodyPr/>
+      <a:p>
+        <a:pPr>
+          <a:defRPr/>
+        </a:pPr>
+        <a:endParaRPr/>
+      </a:p>
+    </dgm:txPr>
+    <dgm:style>
+      <a:lnRef idx="2">
+        <a:srgbClr val="000000"/>
+      </a:lnRef>
+      <a:fillRef idx="1">
+        <a:srgbClr val="000000"/>
+      </a:fillRef>
+      <a:effectRef idx="0">
+        <a:srgbClr val="000000"/>
+      </a:effectRef>
+      <a:fontRef idx="minor">
+        <a:schemeClr val="lt1"/>
+      </a:fontRef>
+    </dgm:style>
+  </dgm:styleLbl>
+  <dgm:styleLbl name="node3">
+    <dgm:scene3d>
+      <a:camera prst="orthographicFront"/>
+      <a:lightRig rig="threePt" dir="t"/>
+    </dgm:scene3d>
+    <dgm:sp3d/>
+    <dgm:txPr>
+      <a:bodyPr/>
+      <a:p>
+        <a:pPr>
+          <a:defRPr/>
+        </a:pPr>
+        <a:endParaRPr/>
+      </a:p>
+    </dgm:txPr>
+    <dgm:style>
+      <a:lnRef idx="2">
+        <a:srgbClr val="000000"/>
+      </a:lnRef>
+      <a:fillRef idx="1">
+        <a:srgbClr val="000000"/>
+      </a:fillRef>
+      <a:effectRef idx="0">
+        <a:srgbClr val="000000"/>
+      </a:effectRef>
+      <a:fontRef idx="minor">
+        <a:schemeClr val="lt1"/>
+      </a:fontRef>
+    </dgm:style>
+  </dgm:styleLbl>
+  <dgm:styleLbl name="node4">
+    <dgm:scene3d>
+      <a:camera prst="orthographicFront"/>
+      <a:lightRig rig="threePt" dir="t"/>
+    </dgm:scene3d>
+    <dgm:sp3d/>
+    <dgm:txPr>
+      <a:bodyPr/>
+      <a:p>
+        <a:pPr>
+          <a:defRPr/>
+        </a:pPr>
+        <a:endParaRPr/>
+      </a:p>
+    </dgm:txPr>
+    <dgm:style>
+      <a:lnRef idx="2">
+        <a:srgbClr val="000000"/>
+      </a:lnRef>
+      <a:fillRef idx="1">
+        <a:srgbClr val="000000"/>
+      </a:fillRef>
+      <a:effectRef idx="0">
+        <a:srgbClr val="000000"/>
+      </a:effectRef>
+      <a:fontRef idx="minor">
+        <a:schemeClr val="lt1"/>
+      </a:fontRef>
+    </dgm:style>
+  </dgm:styleLbl>
+  <dgm:styleLbl name="fgImgPlace1">
+    <dgm:scene3d>
+      <a:camera prst="orthographicFront"/>
+      <a:lightRig rig="threePt" dir="t"/>
+    </dgm:scene3d>
+    <dgm:sp3d/>
+    <dgm:txPr>
+      <a:bodyPr/>
+      <a:p>
+        <a:pPr>
+          <a:defRPr/>
+        </a:pPr>
+        <a:endParaRPr/>
+      </a:p>
+    </dgm:txPr>
+    <dgm:style>
+      <a:lnRef idx="2">
+        <a:srgbClr val="000000"/>
+      </a:lnRef>
+      <a:fillRef idx="1">
+        <a:srgbClr val="000000"/>
+      </a:fillRef>
+      <a:effectRef idx="0">
+        <a:srgbClr val="000000"/>
+      </a:effectRef>
+      <a:fontRef idx="minor"/>
+    </dgm:style>
+  </dgm:styleLbl>
+  <dgm:styleLbl name="alignImgPlace1">
+    <dgm:scene3d>
+      <a:camera prst="orthographicFront"/>
+      <a:lightRig rig="threePt" dir="t"/>
+    </dgm:scene3d>
+    <dgm:sp3d/>
+    <dgm:txPr>
+      <a:bodyPr/>
+      <a:p>
+        <a:pPr>
+          <a:defRPr/>
+        </a:pPr>
+        <a:endParaRPr/>
+      </a:p>
+    </dgm:txPr>
+    <dgm:style>
+      <a:lnRef idx="2">
+        <a:srgbClr val="000000"/>
+      </a:lnRef>
+      <a:fillRef idx="1">
+        <a:srgbClr val="000000"/>
+      </a:fillRef>
+      <a:effectRef idx="0">
+        <a:srgbClr val="000000"/>
+      </a:effectRef>
+      <a:fontRef idx="minor"/>
+    </dgm:style>
+  </dgm:styleLbl>
+  <dgm:styleLbl name="bgImgPlace1">
+    <dgm:scene3d>
+      <a:camera prst="orthographicFront"/>
+      <a:lightRig rig="threePt" dir="t"/>
+    </dgm:scene3d>
+    <dgm:sp3d/>
+    <dgm:txPr>
+      <a:bodyPr/>
+      <a:p>
+        <a:pPr>
+          <a:defRPr/>
+        </a:pPr>
+        <a:endParaRPr/>
+      </a:p>
+    </dgm:txPr>
+    <dgm:style>
+      <a:lnRef idx="2">
+        <a:srgbClr val="000000"/>
+      </a:lnRef>
+      <a:fillRef idx="1">
+        <a:srgbClr val="000000"/>
+      </a:fillRef>
+      <a:effectRef idx="0">
+        <a:srgbClr val="000000"/>
+      </a:effectRef>
+      <a:fontRef idx="minor"/>
+    </dgm:style>
+  </dgm:styleLbl>
+  <dgm:styleLbl name="sibTrans2D1">
+    <dgm:scene3d>
+      <a:camera prst="orthographicFront"/>
+      <a:lightRig rig="threePt" dir="t"/>
+    </dgm:scene3d>
+    <dgm:sp3d/>
+    <dgm:txPr>
+      <a:bodyPr/>
+      <a:p>
+        <a:pPr>
+          <a:defRPr/>
+        </a:pPr>
+        <a:endParaRPr/>
+      </a:p>
+    </dgm:txPr>
+    <dgm:style>
+      <a:lnRef idx="0">
+        <a:srgbClr val="000000"/>
+      </a:lnRef>
+      <a:fillRef idx="1">
+        <a:srgbClr val="000000"/>
+      </a:fillRef>
+      <a:effectRef idx="0">
+        <a:srgbClr val="000000"/>
+      </a:effectRef>
+      <a:fontRef idx="minor">
+        <a:schemeClr val="lt1"/>
+      </a:fontRef>
+    </dgm:style>
+  </dgm:styleLbl>
+  <dgm:styleLbl name="fgSibTrans2D1">
+    <dgm:scene3d>
+      <a:camera prst="orthographicFront"/>
+      <a:lightRig rig="threePt" dir="t"/>
+    </dgm:scene3d>
+    <dgm:sp3d/>
+    <dgm:txPr>
+      <a:bodyPr/>
+      <a:p>
+        <a:pPr>
+          <a:defRPr/>
+        </a:pPr>
+        <a:endParaRPr/>
+      </a:p>
+    </dgm:txPr>
+    <dgm:style>
+      <a:lnRef idx="0">
+        <a:srgbClr val="000000"/>
+      </a:lnRef>
+      <a:fillRef idx="1">
+        <a:srgbClr val="000000"/>
+      </a:fillRef>
+      <a:effectRef idx="0">
+        <a:srgbClr val="000000"/>
+      </a:effectRef>
+      <a:fontRef idx="minor">
+        <a:schemeClr val="lt1"/>
+      </a:fontRef>
+    </dgm:style>
+  </dgm:styleLbl>
+  <dgm:styleLbl name="bgSibTrans2D1">
+    <dgm:scene3d>
+      <a:camera prst="orthographicFront"/>
+      <a:lightRig rig="threePt" dir="t"/>
+    </dgm:scene3d>
+    <dgm:sp3d/>
+    <dgm:txPr>
+      <a:bodyPr/>
+      <a:p>
+        <a:pPr>
+          <a:defRPr/>
+        </a:pPr>
+        <a:endParaRPr/>
+      </a:p>
+    </dgm:txPr>
+    <dgm:style>
+      <a:lnRef idx="0">
+        <a:srgbClr val="000000"/>
+      </a:lnRef>
+      <a:fillRef idx="1">
+        <a:srgbClr val="000000"/>
+      </a:fillRef>
+      <a:effectRef idx="0">
+        <a:srgbClr val="000000"/>
+      </a:effectRef>
+      <a:fontRef idx="minor">
+        <a:schemeClr val="lt1"/>
+      </a:fontRef>
+    </dgm:style>
+  </dgm:styleLbl>
+  <dgm:styleLbl name="sibTrans1D1">
+    <dgm:scene3d>
+      <a:camera prst="orthographicFront"/>
+      <a:lightRig rig="threePt" dir="t"/>
+    </dgm:scene3d>
+    <dgm:sp3d/>
+    <dgm:txPr>
+      <a:bodyPr/>
+      <a:p>
+        <a:pPr>
+          <a:defRPr/>
+        </a:pPr>
+        <a:endParaRPr/>
+      </a:p>
+    </dgm:txPr>
+    <dgm:style>
+      <a:lnRef idx="1">
+        <a:srgbClr val="000000"/>
+      </a:lnRef>
+      <a:fillRef idx="0">
+        <a:srgbClr val="000000"/>
+      </a:fillRef>
+      <a:effectRef idx="0">
+        <a:srgbClr val="000000"/>
+      </a:effectRef>
+      <a:fontRef idx="minor"/>
+    </dgm:style>
+  </dgm:styleLbl>
+  <dgm:styleLbl name="callout">
+    <dgm:scene3d>
+      <a:camera prst="orthographicFront"/>
+      <a:lightRig rig="threePt" dir="t"/>
+    </dgm:scene3d>
+    <dgm:sp3d/>
+    <dgm:txPr>
+      <a:bodyPr/>
+      <a:p>
+        <a:pPr>
+          <a:defRPr/>
+        </a:pPr>
+        <a:endParaRPr/>
+      </a:p>
+    </dgm:txPr>
+    <dgm:style>
+      <a:lnRef idx="2">
+        <a:srgbClr val="000000"/>
+      </a:lnRef>
+      <a:fillRef idx="1">
+        <a:srgbClr val="000000"/>
+      </a:fillRef>
+      <a:effectRef idx="0">
+        <a:srgbClr val="000000"/>
+      </a:effectRef>
+      <a:fontRef idx="minor"/>
+    </dgm:style>
+  </dgm:styleLbl>
+  <dgm:styleLbl name="asst0">
+    <dgm:scene3d>
+      <a:camera prst="orthographicFront"/>
+      <a:lightRig rig="threePt" dir="t"/>
+    </dgm:scene3d>
+    <dgm:sp3d/>
+    <dgm:txPr>
+      <a:bodyPr/>
+      <a:p>
+        <a:pPr>
+          <a:defRPr/>
+        </a:pPr>
+        <a:endParaRPr/>
+      </a:p>
+    </dgm:txPr>
+    <dgm:style>
+      <a:lnRef idx="2">
+        <a:srgbClr val="000000"/>
+      </a:lnRef>
+      <a:fillRef idx="1">
+        <a:srgbClr val="000000"/>
+      </a:fillRef>
+      <a:effectRef idx="0">
+        <a:srgbClr val="000000"/>
+      </a:effectRef>
+      <a:fontRef idx="minor">
+        <a:schemeClr val="lt1"/>
+      </a:fontRef>
+    </dgm:style>
+  </dgm:styleLbl>
+  <dgm:styleLbl name="asst1">
+    <dgm:scene3d>
+      <a:camera prst="orthographicFront"/>
+      <a:lightRig rig="threePt" dir="t"/>
+    </dgm:scene3d>
+    <dgm:sp3d/>
+    <dgm:txPr>
+      <a:bodyPr/>
+      <a:p>
+        <a:pPr>
+          <a:defRPr/>
+        </a:pPr>
+        <a:endParaRPr/>
+      </a:p>
+    </dgm:txPr>
+    <dgm:style>
+      <a:lnRef idx="2">
+        <a:srgbClr val="000000"/>
+      </a:lnRef>
+      <a:fillRef idx="1">
+        <a:srgbClr val="000000"/>
+      </a:fillRef>
+      <a:effectRef idx="0">
+        <a:srgbClr val="000000"/>
+      </a:effectRef>
+      <a:fontRef idx="minor">
+        <a:schemeClr val="lt1"/>
+      </a:fontRef>
+    </dgm:style>
+  </dgm:styleLbl>
+  <dgm:styleLbl name="asst2">
+    <dgm:scene3d>
+      <a:camera prst="orthographicFront"/>
+      <a:lightRig rig="threePt" dir="t"/>
+    </dgm:scene3d>
+    <dgm:sp3d/>
+    <dgm:txPr>
+      <a:bodyPr/>
+      <a:p>
+        <a:pPr>
+          <a:defRPr/>
+        </a:pPr>
+        <a:endParaRPr/>
+      </a:p>
+    </dgm:txPr>
+    <dgm:style>
+      <a:lnRef idx="2">
+        <a:srgbClr val="000000"/>
+      </a:lnRef>
+      <a:fillRef idx="1">
+        <a:srgbClr val="000000"/>
+      </a:fillRef>
+      <a:effectRef idx="0">
+        <a:srgbClr val="000000"/>
+      </a:effectRef>
+      <a:fontRef idx="minor">
+        <a:schemeClr val="lt1"/>
+      </a:fontRef>
+    </dgm:style>
+  </dgm:styleLbl>
+  <dgm:styleLbl name="asst3">
+    <dgm:scene3d>
+      <a:camera prst="orthographicFront"/>
+      <a:lightRig rig="threePt" dir="t"/>
+    </dgm:scene3d>
+    <dgm:sp3d/>
+    <dgm:txPr>
+      <a:bodyPr/>
+      <a:p>
+        <a:pPr>
+          <a:defRPr/>
+        </a:pPr>
+        <a:endParaRPr/>
+      </a:p>
+    </dgm:txPr>
+    <dgm:style>
+      <a:lnRef idx="2">
+        <a:srgbClr val="000000"/>
+      </a:lnRef>
+      <a:fillRef idx="1">
+        <a:srgbClr val="000000"/>
+      </a:fillRef>
+      <a:effectRef idx="0">
+        <a:srgbClr val="000000"/>
+      </a:effectRef>
+      <a:fontRef idx="minor">
+        <a:schemeClr val="lt1"/>
+      </a:fontRef>
+    </dgm:style>
+  </dgm:styleLbl>
+  <dgm:styleLbl name="asst4">
+    <dgm:scene3d>
+      <a:camera prst="orthographicFront"/>
+      <a:lightRig rig="threePt" dir="t"/>
+    </dgm:scene3d>
+    <dgm:sp3d/>
+    <dgm:txPr>
+      <a:bodyPr/>
+      <a:p>
+        <a:pPr>
+          <a:defRPr/>
+        </a:pPr>
+        <a:endParaRPr/>
+      </a:p>
+    </dgm:txPr>
+    <dgm:style>
+      <a:lnRef idx="2">
+        <a:srgbClr val="000000"/>
+      </a:lnRef>
+      <a:fillRef idx="1">
+        <a:srgbClr val="000000"/>
+      </a:fillRef>
+      <a:effectRef idx="0">
+        <a:srgbClr val="000000"/>
+      </a:effectRef>
+      <a:fontRef idx="minor">
+        <a:schemeClr val="lt1"/>
+      </a:fontRef>
+    </dgm:style>
+  </dgm:styleLbl>
+  <dgm:styleLbl name="parChTrans2D1">
+    <dgm:scene3d>
+      <a:camera prst="orthographicFront"/>
+      <a:lightRig rig="threePt" dir="t"/>
+    </dgm:scene3d>
+    <dgm:sp3d/>
+    <dgm:txPr>
+      <a:bodyPr/>
+      <a:p>
+        <a:pPr>
+          <a:defRPr/>
+        </a:pPr>
+        <a:endParaRPr/>
+      </a:p>
+    </dgm:txPr>
+    <dgm:style>
+      <a:lnRef idx="2">
+        <a:srgbClr val="000000"/>
+      </a:lnRef>
+      <a:fillRef idx="1">
+        <a:srgbClr val="000000"/>
+      </a:fillRef>
+      <a:effectRef idx="0">
+        <a:srgbClr val="000000"/>
+      </a:effectRef>
+      <a:fontRef idx="minor">
+        <a:schemeClr val="lt1"/>
+      </a:fontRef>
+    </dgm:style>
+  </dgm:styleLbl>
+  <dgm:styleLbl name="parChTrans2D2">
+    <dgm:scene3d>
+      <a:camera prst="orthographicFront"/>
+      <a:lightRig rig="threePt" dir="t"/>
+    </dgm:scene3d>
+    <dgm:sp3d/>
+    <dgm:txPr>
+      <a:bodyPr/>
+      <a:p>
+        <a:pPr>
+          <a:defRPr/>
+        </a:pPr>
+        <a:endParaRPr/>
+      </a:p>
+    </dgm:txPr>
+    <dgm:style>
+      <a:lnRef idx="2">
+        <a:srgbClr val="000000"/>
+      </a:lnRef>
+      <a:fillRef idx="1">
+        <a:srgbClr val="000000"/>
+      </a:fillRef>
+      <a:effectRef idx="0">
+        <a:srgbClr val="000000"/>
+      </a:effectRef>
+      <a:fontRef idx="minor">
+        <a:schemeClr val="lt1"/>
+      </a:fontRef>
+    </dgm:style>
+  </dgm:styleLbl>
+  <dgm:styleLbl name="parChTrans2D3">
+    <dgm:scene3d>
+      <a:camera prst="orthographicFront"/>
+      <a:lightRig rig="threePt" dir="t"/>
+    </dgm:scene3d>
+    <dgm:sp3d/>
+    <dgm:txPr>
+      <a:bodyPr/>
+      <a:p>
+        <a:pPr>
+          <a:defRPr/>
+        </a:pPr>
+        <a:endParaRPr/>
+      </a:p>
+    </dgm:txPr>
+    <dgm:style>
+      <a:lnRef idx="2">
+        <a:srgbClr val="000000"/>
+      </a:lnRef>
+      <a:fillRef idx="1">
+        <a:srgbClr val="000000"/>
+      </a:fillRef>
+      <a:effectRef idx="0">
+        <a:srgbClr val="000000"/>
+      </a:effectRef>
+      <a:fontRef idx="minor">
+        <a:schemeClr val="lt1"/>
+      </a:fontRef>
+    </dgm:style>
+  </dgm:styleLbl>
+  <dgm:styleLbl name="parChTrans2D4">
+    <dgm:scene3d>
+      <a:camera prst="orthographicFront"/>
+      <a:lightRig rig="threePt" dir="t"/>
+    </dgm:scene3d>
+    <dgm:sp3d/>
+    <dgm:txPr>
+      <a:bodyPr/>
+      <a:p>
+        <a:pPr>
+          <a:defRPr/>
+        </a:pPr>
+        <a:endParaRPr/>
+      </a:p>
+    </dgm:txPr>
+    <dgm:style>
+      <a:lnRef idx="2">
+        <a:srgbClr val="000000"/>
+      </a:lnRef>
+      <a:fillRef idx="1">
+        <a:srgbClr val="000000"/>
+      </a:fillRef>
+      <a:effectRef idx="0">
+        <a:srgbClr val="000000"/>
+      </a:effectRef>
+      <a:fontRef idx="minor">
+        <a:schemeClr val="lt1"/>
+      </a:fontRef>
+    </dgm:style>
+  </dgm:styleLbl>
+  <dgm:styleLbl name="parChTrans1D1">
+    <dgm:scene3d>
+      <a:camera prst="orthographicFront"/>
+      <a:lightRig rig="threePt" dir="t"/>
+    </dgm:scene3d>
+    <dgm:sp3d/>
+    <dgm:txPr>
+      <a:bodyPr/>
+      <a:p>
+        <a:pPr>
+          <a:defRPr/>
+        </a:pPr>
+        <a:endParaRPr/>
+      </a:p>
+    </dgm:txPr>
+    <dgm:style>
+      <a:lnRef idx="2">
+        <a:srgbClr val="000000"/>
+      </a:lnRef>
+      <a:fillRef idx="0">
+        <a:srgbClr val="000000"/>
+      </a:fillRef>
+      <a:effectRef idx="0">
+        <a:srgbClr val="000000"/>
+      </a:effectRef>
+      <a:fontRef idx="minor"/>
+    </dgm:style>
+  </dgm:styleLbl>
+  <dgm:styleLbl name="parChTrans1D2">
+    <dgm:scene3d>
+      <a:camera prst="orthographicFront"/>
+      <a:lightRig rig="threePt" dir="t"/>
+    </dgm:scene3d>
+    <dgm:sp3d/>
+    <dgm:txPr>
+      <a:bodyPr/>
+      <a:p>
+        <a:pPr>
+          <a:defRPr/>
+        </a:pPr>
+        <a:endParaRPr/>
+      </a:p>
+    </dgm:txPr>
+    <dgm:style>
+      <a:lnRef idx="2">
+        <a:srgbClr val="000000"/>
+      </a:lnRef>
+      <a:fillRef idx="0">
+        <a:srgbClr val="000000"/>
+      </a:fillRef>
+      <a:effectRef idx="0">
+        <a:srgbClr val="000000"/>
+      </a:effectRef>
+      <a:fontRef idx="minor"/>
+    </dgm:style>
+  </dgm:styleLbl>
+  <dgm:styleLbl name="parChTrans1D3">
+    <dgm:scene3d>
+      <a:camera prst="orthographicFront"/>
+      <a:lightRig rig="threePt" dir="t"/>
+    </dgm:scene3d>
+    <dgm:sp3d/>
+    <dgm:txPr>
+      <a:bodyPr/>
+      <a:p>
+        <a:pPr>
+          <a:defRPr/>
+        </a:pPr>
+        <a:endParaRPr/>
+      </a:p>
+    </dgm:txPr>
+    <dgm:style>
+      <a:lnRef idx="2">
+        <a:srgbClr val="000000"/>
+      </a:lnRef>
+      <a:fillRef idx="0">
+        <a:srgbClr val="000000"/>
+      </a:fillRef>
+      <a:effectRef idx="0">
+        <a:srgbClr val="000000"/>
+      </a:effectRef>
+      <a:fontRef idx="minor"/>
+    </dgm:style>
+  </dgm:styleLbl>
+  <dgm:styleLbl name="parChTrans1D4">
+    <dgm:scene3d>
+      <a:camera prst="orthographicFront"/>
+      <a:lightRig rig="threePt" dir="t"/>
+    </dgm:scene3d>
+    <dgm:sp3d/>
+    <dgm:txPr>
+      <a:bodyPr/>
+      <a:p>
+        <a:pPr>
+          <a:defRPr/>
+        </a:pPr>
+        <a:endParaRPr/>
+      </a:p>
+    </dgm:txPr>
+    <dgm:style>
+      <a:lnRef idx="2">
+        <a:srgbClr val="000000"/>
+      </a:lnRef>
+      <a:fillRef idx="0">
+        <a:srgbClr val="000000"/>
+      </a:fillRef>
+      <a:effectRef idx="0">
+        <a:srgbClr val="000000"/>
+      </a:effectRef>
+      <a:fontRef idx="minor"/>
+    </dgm:style>
+  </dgm:styleLbl>
+  <dgm:styleLbl name="fgAcc1">
+    <dgm:scene3d>
+      <a:camera prst="orthographicFront"/>
+      <a:lightRig rig="threePt" dir="t"/>
+    </dgm:scene3d>
+    <dgm:sp3d/>
+    <dgm:txPr>
+      <a:bodyPr/>
+      <a:p>
+        <a:pPr>
+          <a:defRPr/>
+        </a:pPr>
+        <a:endParaRPr/>
+      </a:p>
+    </dgm:txPr>
+    <dgm:style>
+      <a:lnRef idx="2">
+        <a:srgbClr val="000000"/>
+      </a:lnRef>
+      <a:fillRef idx="1">
+        <a:srgbClr val="000000"/>
+      </a:fillRef>
+      <a:effectRef idx="0">
+        <a:srgbClr val="000000"/>
+      </a:effectRef>
+      <a:fontRef idx="minor"/>
+    </dgm:style>
+  </dgm:styleLbl>
+  <dgm:styleLbl name="conFgAcc1">
+    <dgm:scene3d>
+      <a:camera prst="orthographicFront"/>
+      <a:lightRig rig="threePt" dir="t"/>
+    </dgm:scene3d>
+    <dgm:sp3d/>
+    <dgm:txPr>
+      <a:bodyPr/>
+      <a:p>
+        <a:pPr>
+          <a:defRPr/>
+        </a:pPr>
+        <a:endParaRPr/>
+      </a:p>
+    </dgm:txPr>
+    <dgm:style>
+      <a:lnRef idx="2">
+        <a:srgbClr val="000000"/>
+      </a:lnRef>
+      <a:fillRef idx="1">
+        <a:srgbClr val="000000"/>
+      </a:fillRef>
+      <a:effectRef idx="0">
+        <a:srgbClr val="000000"/>
+      </a:effectRef>
+      <a:fontRef idx="minor"/>
+    </dgm:style>
+  </dgm:styleLbl>
+  <dgm:styleLbl name="alignAcc1">
+    <dgm:scene3d>
+      <a:camera prst="orthographicFront"/>
+      <a:lightRig rig="threePt" dir="t"/>
+    </dgm:scene3d>
+    <dgm:sp3d/>
+    <dgm:txPr>
+      <a:bodyPr/>
+      <a:p>
+        <a:pPr>
+          <a:defRPr/>
+        </a:pPr>
+        <a:endParaRPr/>
+      </a:p>
+    </dgm:txPr>
+    <dgm:style>
+      <a:lnRef idx="2">
+        <a:srgbClr val="000000"/>
+      </a:lnRef>
+      <a:fillRef idx="1">
+        <a:srgbClr val="000000"/>
+      </a:fillRef>
+      <a:effectRef idx="0">
+        <a:srgbClr val="000000"/>
+      </a:effectRef>
+      <a:fontRef idx="minor"/>
+    </dgm:style>
+  </dgm:styleLbl>
+  <dgm:styleLbl name="trAlignAcc1">
+    <dgm:scene3d>
+      <a:camera prst="orthographicFront"/>
+      <a:lightRig rig="threePt" dir="t"/>
+    </dgm:scene3d>
+    <dgm:sp3d/>
+    <dgm:txPr>
+      <a:bodyPr/>
+      <a:p>
+        <a:pPr>
+          <a:defRPr/>
+        </a:pPr>
+        <a:endParaRPr/>
+      </a:p>
+    </dgm:txPr>
+    <dgm:style>
+      <a:lnRef idx="1">
+        <a:srgbClr val="000000"/>
+      </a:lnRef>
+      <a:fillRef idx="1">
+        <a:srgbClr val="000000"/>
+      </a:fillRef>
+      <a:effectRef idx="0">
+        <a:srgbClr val="000000"/>
+      </a:effectRef>
+      <a:fontRef idx="minor"/>
+    </dgm:style>
+  </dgm:styleLbl>
+  <dgm:styleLbl name="bgAcc1">
+    <dgm:scene3d>
+      <a:camera prst="orthographicFront"/>
+      <a:lightRig rig="threePt" dir="t"/>
+    </dgm:scene3d>
+    <dgm:sp3d/>
+    <dgm:txPr>
+      <a:bodyPr/>
+      <a:p>
+        <a:pPr>
+          <a:defRPr/>
+        </a:pPr>
+        <a:endParaRPr/>
+      </a:p>
+    </dgm:txPr>
+    <dgm:style>
+      <a:lnRef idx="2">
+        <a:srgbClr val="000000"/>
+      </a:lnRef>
+      <a:fillRef idx="1">
+        <a:srgbClr val="000000"/>
+      </a:fillRef>
+      <a:effectRef idx="0">
+        <a:srgbClr val="000000"/>
+      </a:effectRef>
+      <a:fontRef idx="minor"/>
+    </dgm:style>
+  </dgm:styleLbl>
+  <dgm:styleLbl name="solidFgAcc1">
+    <dgm:scene3d>
+      <a:camera prst="orthographicFront"/>
+      <a:lightRig rig="threePt" dir="t"/>
+    </dgm:scene3d>
+    <dgm:sp3d/>
+    <dgm:txPr>
+      <a:bodyPr/>
+      <a:p>
+        <a:pPr>
+          <a:defRPr/>
+        </a:pPr>
+        <a:endParaRPr/>
+      </a:p>
+    </dgm:txPr>
+    <dgm:style>
+      <a:lnRef idx="2">
+        <a:srgbClr val="000000"/>
+      </a:lnRef>
+      <a:fillRef idx="1">
+        <a:srgbClr val="000000"/>
+      </a:fillRef>
+      <a:effectRef idx="0">
+        <a:srgbClr val="000000"/>
+      </a:effectRef>
+      <a:fontRef idx="minor"/>
+    </dgm:style>
+  </dgm:styleLbl>
+  <dgm:styleLbl name="solidAlignAcc1">
+    <dgm:scene3d>
+      <a:camera prst="orthographicFront"/>
+      <a:lightRig rig="threePt" dir="t"/>
+    </dgm:scene3d>
+    <dgm:sp3d/>
+    <dgm:txPr>
+      <a:bodyPr/>
+      <a:p>
+        <a:pPr>
+          <a:defRPr/>
+        </a:pPr>
+        <a:endParaRPr/>
+      </a:p>
+    </dgm:txPr>
+    <dgm:style>
+      <a:lnRef idx="2">
+        <a:srgbClr val="000000"/>
+      </a:lnRef>
+      <a:fillRef idx="1">
+        <a:srgbClr val="000000"/>
+      </a:fillRef>
+      <a:effectRef idx="0">
+        <a:srgbClr val="000000"/>
+      </a:effectRef>
+      <a:fontRef idx="minor"/>
+    </dgm:style>
+  </dgm:styleLbl>
+  <dgm:styleLbl name="solidBgAcc1">
+    <dgm:scene3d>
+      <a:camera prst="orthographicFront"/>
+      <a:lightRig rig="threePt" dir="t"/>
+    </dgm:scene3d>
+    <dgm:sp3d/>
+    <dgm:txPr>
+      <a:bodyPr/>
+      <a:p>
+        <a:pPr>
+          <a:defRPr/>
+        </a:pPr>
+        <a:endParaRPr/>
+      </a:p>
+    </dgm:txPr>
+    <dgm:style>
+      <a:lnRef idx="2">
+        <a:srgbClr val="000000"/>
+      </a:lnRef>
+      <a:fillRef idx="1">
+        <a:srgbClr val="000000"/>
+      </a:fillRef>
+      <a:effectRef idx="0">
+        <a:srgbClr val="000000"/>
+      </a:effectRef>
+      <a:fontRef idx="minor"/>
+    </dgm:style>
+  </dgm:styleLbl>
+  <dgm:styleLbl name="fgAccFollowNode1">
+    <dgm:scene3d>
+      <a:camera prst="orthographicFront"/>
+      <a:lightRig rig="threePt" dir="t"/>
+    </dgm:scene3d>
+    <dgm:sp3d/>
+    <dgm:txPr>
+      <a:bodyPr/>
+      <a:p>
+        <a:pPr>
+          <a:defRPr/>
+        </a:pPr>
+        <a:endParaRPr/>
+      </a:p>
+    </dgm:txPr>
+    <dgm:style>
+      <a:lnRef idx="2">
+        <a:srgbClr val="000000"/>
+      </a:lnRef>
+      <a:fillRef idx="1">
+        <a:srgbClr val="000000"/>
+      </a:fillRef>
+      <a:effectRef idx="0">
+        <a:srgbClr val="000000"/>
+      </a:effectRef>
+      <a:fontRef idx="minor"/>
+    </dgm:style>
+  </dgm:styleLbl>
+  <dgm:styleLbl name="alignAccFollowNode1">
+    <dgm:scene3d>
+      <a:camera prst="orthographicFront"/>
+      <a:lightRig rig="threePt" dir="t"/>
+    </dgm:scene3d>
+    <dgm:sp3d/>
+    <dgm:txPr>
+      <a:bodyPr/>
+      <a:p>
+        <a:pPr>
+          <a:defRPr/>
+        </a:pPr>
+        <a:endParaRPr/>
+      </a:p>
+    </dgm:txPr>
+    <dgm:style>
+      <a:lnRef idx="2">
+        <a:srgbClr val="000000"/>
+      </a:lnRef>
+      <a:fillRef idx="1">
+        <a:srgbClr val="000000"/>
+      </a:fillRef>
+      <a:effectRef idx="0">
+        <a:srgbClr val="000000"/>
+      </a:effectRef>
+      <a:fontRef idx="minor"/>
+    </dgm:style>
+  </dgm:styleLbl>
+  <dgm:styleLbl name="bgAccFollowNode1">
+    <dgm:scene3d>
+      <a:camera prst="orthographicFront"/>
+      <a:lightRig rig="threePt" dir="t"/>
+    </dgm:scene3d>
+    <dgm:sp3d/>
+    <dgm:txPr>
+      <a:bodyPr/>
+      <a:p>
+        <a:pPr>
+          <a:defRPr/>
+        </a:pPr>
+        <a:endParaRPr/>
+      </a:p>
+    </dgm:txPr>
+    <dgm:style>
+      <a:lnRef idx="2">
+        <a:srgbClr val="000000"/>
+      </a:lnRef>
+      <a:fillRef idx="1">
+        <a:srgbClr val="000000"/>
+      </a:fillRef>
+      <a:effectRef idx="0">
+        <a:srgbClr val="000000"/>
+      </a:effectRef>
+      <a:fontRef idx="minor"/>
+    </dgm:style>
+  </dgm:styleLbl>
+  <dgm:styleLbl name="fgAcc0">
+    <dgm:scene3d>
+      <a:camera prst="orthographicFront"/>
+      <a:lightRig rig="threePt" dir="t"/>
+    </dgm:scene3d>
+    <dgm:sp3d/>
+    <dgm:txPr>
+      <a:bodyPr/>
+      <a:p>
+        <a:pPr>
+          <a:defRPr/>
+        </a:pPr>
+        <a:endParaRPr/>
+      </a:p>
+    </dgm:txPr>
+    <dgm:style>
+      <a:lnRef idx="2">
+        <a:srgbClr val="000000"/>
+      </a:lnRef>
+      <a:fillRef idx="1">
+        <a:srgbClr val="000000"/>
+      </a:fillRef>
+      <a:effectRef idx="0">
+        <a:srgbClr val="000000"/>
+      </a:effectRef>
+      <a:fontRef idx="minor"/>
+    </dgm:style>
+  </dgm:styleLbl>
+  <dgm:styleLbl name="fgAcc2">
+    <dgm:scene3d>
+      <a:camera prst="orthographicFront"/>
+      <a:lightRig rig="threePt" dir="t"/>
+    </dgm:scene3d>
+    <dgm:sp3d/>
+    <dgm:txPr>
+      <a:bodyPr/>
+      <a:p>
+        <a:pPr>
+          <a:defRPr/>
+        </a:pPr>
+        <a:endParaRPr/>
+      </a:p>
+    </dgm:txPr>
+    <dgm:style>
+      <a:lnRef idx="2">
+        <a:srgbClr val="000000"/>
+      </a:lnRef>
+      <a:fillRef idx="1">
+        <a:srgbClr val="000000"/>
+      </a:fillRef>
+      <a:effectRef idx="0">
+        <a:srgbClr val="000000"/>
+      </a:effectRef>
+      <a:fontRef idx="minor"/>
+    </dgm:style>
+  </dgm:styleLbl>
+  <dgm:styleLbl name="fgAcc3">
+    <dgm:scene3d>
+      <a:camera prst="orthographicFront"/>
+      <a:lightRig rig="threePt" dir="t"/>
+    </dgm:scene3d>
+    <dgm:sp3d/>
+    <dgm:txPr>
+      <a:bodyPr/>
+      <a:p>
+        <a:pPr>
+          <a:defRPr/>
+        </a:pPr>
+        <a:endParaRPr/>
+      </a:p>
+    </dgm:txPr>
+    <dgm:style>
+      <a:lnRef idx="2">
+        <a:srgbClr val="000000"/>
+      </a:lnRef>
+      <a:fillRef idx="1">
+        <a:srgbClr val="000000"/>
+      </a:fillRef>
+      <a:effectRef idx="0">
+        <a:srgbClr val="000000"/>
+      </a:effectRef>
+      <a:fontRef idx="minor"/>
+    </dgm:style>
+  </dgm:styleLbl>
+  <dgm:styleLbl name="fgAcc4">
+    <dgm:scene3d>
+      <a:camera prst="orthographicFront"/>
+      <a:lightRig rig="threePt" dir="t"/>
+    </dgm:scene3d>
+    <dgm:sp3d/>
+    <dgm:txPr>
+      <a:bodyPr/>
+      <a:p>
+        <a:pPr>
+          <a:defRPr/>
+        </a:pPr>
+        <a:endParaRPr/>
+      </a:p>
+    </dgm:txPr>
+    <dgm:style>
+      <a:lnRef idx="2">
+        <a:srgbClr val="000000"/>
+      </a:lnRef>
+      <a:fillRef idx="1">
+        <a:srgbClr val="000000"/>
+      </a:fillRef>
+      <a:effectRef idx="0">
+        <a:srgbClr val="000000"/>
+      </a:effectRef>
+      <a:fontRef idx="minor"/>
+    </dgm:style>
+  </dgm:styleLbl>
+  <dgm:styleLbl name="bgShp">
+    <dgm:scene3d>
+      <a:camera prst="orthographicFront"/>
+      <a:lightRig rig="threePt" dir="t"/>
+    </dgm:scene3d>
+    <dgm:sp3d/>
+    <dgm:txPr>
+      <a:bodyPr/>
+      <a:p>
+        <a:pPr>
+          <a:defRPr/>
+        </a:pPr>
+        <a:endParaRPr/>
+      </a:p>
+    </dgm:txPr>
+    <dgm:style>
+      <a:lnRef idx="0">
+        <a:srgbClr val="000000"/>
+      </a:lnRef>
+      <a:fillRef idx="1">
+        <a:srgbClr val="000000"/>
+      </a:fillRef>
+      <a:effectRef idx="0">
+        <a:srgbClr val="000000"/>
+      </a:effectRef>
+      <a:fontRef idx="minor"/>
+    </dgm:style>
+  </dgm:styleLbl>
+  <dgm:styleLbl name="dkBgShp">
+    <dgm:scene3d>
+      <a:camera prst="orthographicFront"/>
+      <a:lightRig rig="threePt" dir="t"/>
+    </dgm:scene3d>
+    <dgm:sp3d/>
+    <dgm:txPr>
+      <a:bodyPr/>
+      <a:p>
+        <a:pPr>
+          <a:defRPr/>
+        </a:pPr>
+        <a:endParaRPr/>
+      </a:p>
+    </dgm:txPr>
+    <dgm:style>
+      <a:lnRef idx="0">
+        <a:srgbClr val="000000"/>
+      </a:lnRef>
+      <a:fillRef idx="1">
+        <a:srgbClr val="000000"/>
+      </a:fillRef>
+      <a:effectRef idx="0">
+        <a:srgbClr val="000000"/>
+      </a:effectRef>
+      <a:fontRef idx="minor"/>
+    </dgm:style>
+  </dgm:styleLbl>
+  <dgm:styleLbl name="trBgShp">
+    <dgm:scene3d>
+      <a:camera prst="orthographicFront"/>
+      <a:lightRig rig="threePt" dir="t"/>
+    </dgm:scene3d>
+    <dgm:sp3d/>
+    <dgm:txPr>
+      <a:bodyPr/>
+      <a:p>
+        <a:pPr>
+          <a:defRPr/>
+        </a:pPr>
+        <a:endParaRPr/>
+      </a:p>
+    </dgm:txPr>
+    <dgm:style>
+      <a:lnRef idx="0">
+        <a:srgbClr val="000000"/>
+      </a:lnRef>
+      <a:fillRef idx="1">
+        <a:srgbClr val="000000"/>
+      </a:fillRef>
+      <a:effectRef idx="0">
+        <a:srgbClr val="000000"/>
+      </a:effectRef>
+      <a:fontRef idx="minor"/>
+    </dgm:style>
+  </dgm:styleLbl>
+  <dgm:styleLbl name="fgShp">
+    <dgm:scene3d>
+      <a:camera prst="orthographicFront"/>
+      <a:lightRig rig="threePt" dir="t"/>
+    </dgm:scene3d>
+    <dgm:sp3d/>
+    <dgm:txPr>
+      <a:bodyPr/>
+      <a:p>
+        <a:pPr>
+          <a:defRPr/>
+        </a:pPr>
+        <a:endParaRPr/>
+      </a:p>
+    </dgm:txPr>
+    <dgm:style>
+      <a:lnRef idx="2">
+        <a:srgbClr val="000000"/>
+      </a:lnRef>
+      <a:fillRef idx="1">
+        <a:srgbClr val="000000"/>
+      </a:fillRef>
+      <a:effectRef idx="0">
+        <a:srgbClr val="000000"/>
+      </a:effectRef>
+      <a:fontRef idx="minor"/>
+    </dgm:style>
+  </dgm:styleLbl>
+  <dgm:styleLbl name="revTx">
+    <dgm:scene3d>
+      <a:camera prst="orthographicFront"/>
+      <a:lightRig rig="threePt" dir="t"/>
+    </dgm:scene3d>
+    <dgm:sp3d/>
+    <dgm:txPr>
+      <a:bodyPr/>
+      <a:p>
+        <a:pPr>
+          <a:defRPr/>
+        </a:pPr>
+        <a:endParaRPr/>
+      </a:p>
+    </dgm:txPr>
     <dgm:style>
       <a:lnRef idx="0">
         <a:srgbClr val="000000"/>
@@ -3273,7 +7129,7 @@
 </file>
 
 <file path=ppt/slideLayouts/slideLayout1.xml><?xml version="1.0" encoding="utf-8"?>
-<p:sldLayout xmlns:a="http://schemas.openxmlformats.org/drawingml/2006/main" xmlns:r="http://schemas.openxmlformats.org/officeDocument/2006/relationships" xmlns:p="http://schemas.openxmlformats.org/presentationml/2006/main" showMasterPhAnim="0" type="obj" preserve="1" userDrawn="1">
+<p:sldLayout xmlns:a="http://schemas.openxmlformats.org/drawingml/2006/main" xmlns:r="http://schemas.openxmlformats.org/officeDocument/2006/relationships" xmlns:p="http://schemas.openxmlformats.org/presentationml/2006/main" xmlns:m="http://schemas.openxmlformats.org/officeDocument/2006/math" xmlns:w="http://schemas.openxmlformats.org/wordprocessingml/2006/main" matchingName="" preserve="1" showMasterPhAnim="0" type="obj" userDrawn="1">
   <p:cSld name="Title Slide">
     <p:spTree>
       <p:nvGrpSpPr>
@@ -3423,7 +7279,7 @@
             </a:pPr>
             <a:fld id="{1D8BD707-D9CF-40AE-B4C6-C98DA3205C09}" type="datetimeFigureOut">
               <a:rPr lang="en-US"/>
-              <a:t>6/6/2023</a:t>
+              <a:t/>
             </a:fld>
             <a:endParaRPr/>
           </a:p>
@@ -3459,7 +7315,7 @@
             </a:pPr>
             <a:fld id="{B6F15528-21DE-4FAA-801E-634DDDAF4B2B}" type="slidenum">
               <a:rPr/>
-              <a:t>‹#›</a:t>
+              <a:t/>
             </a:fld>
             <a:endParaRPr/>
           </a:p>
@@ -3474,7 +7330,7 @@
 </file>
 
 <file path=ppt/slideLayouts/slideLayout2.xml><?xml version="1.0" encoding="utf-8"?>
-<p:sldLayout xmlns:a="http://schemas.openxmlformats.org/drawingml/2006/main" xmlns:r="http://schemas.openxmlformats.org/officeDocument/2006/relationships" xmlns:p="http://schemas.openxmlformats.org/presentationml/2006/main" showMasterPhAnim="0" type="obj" preserve="1" userDrawn="1">
+<p:sldLayout xmlns:a="http://schemas.openxmlformats.org/drawingml/2006/main" xmlns:r="http://schemas.openxmlformats.org/officeDocument/2006/relationships" xmlns:p="http://schemas.openxmlformats.org/presentationml/2006/main" xmlns:m="http://schemas.openxmlformats.org/officeDocument/2006/math" xmlns:w="http://schemas.openxmlformats.org/wordprocessingml/2006/main" matchingName="" preserve="1" showMasterPhAnim="0" type="obj" userDrawn="1">
   <p:cSld name="Title and Content">
     <p:spTree>
       <p:nvGrpSpPr>
@@ -3610,7 +7466,7 @@
             </a:pPr>
             <a:fld id="{1D8BD707-D9CF-40AE-B4C6-C98DA3205C09}" type="datetimeFigureOut">
               <a:rPr lang="en-US"/>
-              <a:t>6/6/2023</a:t>
+              <a:t/>
             </a:fld>
             <a:endParaRPr/>
           </a:p>
@@ -3646,7 +7502,7 @@
             </a:pPr>
             <a:fld id="{B6F15528-21DE-4FAA-801E-634DDDAF4B2B}" type="slidenum">
               <a:rPr/>
-              <a:t>‹#›</a:t>
+              <a:t/>
             </a:fld>
             <a:endParaRPr/>
           </a:p>
@@ -3661,7 +7517,7 @@
 </file>
 
 <file path=ppt/slideLayouts/slideLayout3.xml><?xml version="1.0" encoding="utf-8"?>
-<p:sldLayout xmlns:a="http://schemas.openxmlformats.org/drawingml/2006/main" xmlns:r="http://schemas.openxmlformats.org/officeDocument/2006/relationships" xmlns:p="http://schemas.openxmlformats.org/presentationml/2006/main" showMasterPhAnim="0" type="obj" preserve="1" userDrawn="1">
+<p:sldLayout xmlns:a="http://schemas.openxmlformats.org/drawingml/2006/main" xmlns:r="http://schemas.openxmlformats.org/officeDocument/2006/relationships" xmlns:p="http://schemas.openxmlformats.org/presentationml/2006/main" xmlns:m="http://schemas.openxmlformats.org/officeDocument/2006/math" xmlns:w="http://schemas.openxmlformats.org/wordprocessingml/2006/main" matchingName="" preserve="1" showMasterPhAnim="0" type="obj" userDrawn="1">
   <p:cSld name="Two Content">
     <p:spTree>
       <p:nvGrpSpPr>
@@ -3843,7 +7699,7 @@
             </a:pPr>
             <a:fld id="{1D8BD707-D9CF-40AE-B4C6-C98DA3205C09}" type="datetimeFigureOut">
               <a:rPr lang="en-US"/>
-              <a:t>6/6/2023</a:t>
+              <a:t/>
             </a:fld>
             <a:endParaRPr/>
           </a:p>
@@ -3879,7 +7735,7 @@
             </a:pPr>
             <a:fld id="{B6F15528-21DE-4FAA-801E-634DDDAF4B2B}" type="slidenum">
               <a:rPr/>
-              <a:t>‹#›</a:t>
+              <a:t/>
             </a:fld>
             <a:endParaRPr/>
           </a:p>
@@ -3894,7 +7750,7 @@
 </file>
 
 <file path=ppt/slideLayouts/slideLayout4.xml><?xml version="1.0" encoding="utf-8"?>
-<p:sldLayout xmlns:a="http://schemas.openxmlformats.org/drawingml/2006/main" xmlns:r="http://schemas.openxmlformats.org/officeDocument/2006/relationships" xmlns:p="http://schemas.openxmlformats.org/presentationml/2006/main" showMasterPhAnim="0" type="obj" preserve="1" userDrawn="1">
+<p:sldLayout xmlns:a="http://schemas.openxmlformats.org/drawingml/2006/main" xmlns:r="http://schemas.openxmlformats.org/officeDocument/2006/relationships" xmlns:p="http://schemas.openxmlformats.org/presentationml/2006/main" xmlns:m="http://schemas.openxmlformats.org/officeDocument/2006/math" xmlns:w="http://schemas.openxmlformats.org/wordprocessingml/2006/main" matchingName="" preserve="1" showMasterPhAnim="0" type="obj" userDrawn="1">
   <p:cSld name="Title Only">
     <p:spTree>
       <p:nvGrpSpPr>
@@ -4004,7 +7860,7 @@
             </a:pPr>
             <a:fld id="{1D8BD707-D9CF-40AE-B4C6-C98DA3205C09}" type="datetimeFigureOut">
               <a:rPr lang="en-US"/>
-              <a:t>6/6/2023</a:t>
+              <a:t/>
             </a:fld>
             <a:endParaRPr/>
           </a:p>
@@ -4040,7 +7896,7 @@
             </a:pPr>
             <a:fld id="{B6F15528-21DE-4FAA-801E-634DDDAF4B2B}" type="slidenum">
               <a:rPr/>
-              <a:t>‹#›</a:t>
+              <a:t/>
             </a:fld>
             <a:endParaRPr/>
           </a:p>
@@ -4055,7 +7911,7 @@
 </file>
 
 <file path=ppt/slideLayouts/slideLayout5.xml><?xml version="1.0" encoding="utf-8"?>
-<p:sldLayout xmlns:a="http://schemas.openxmlformats.org/drawingml/2006/main" xmlns:r="http://schemas.openxmlformats.org/officeDocument/2006/relationships" xmlns:p="http://schemas.openxmlformats.org/presentationml/2006/main" showMasterPhAnim="0" type="obj" preserve="1" userDrawn="1">
+<p:sldLayout xmlns:a="http://schemas.openxmlformats.org/drawingml/2006/main" xmlns:r="http://schemas.openxmlformats.org/officeDocument/2006/relationships" xmlns:p="http://schemas.openxmlformats.org/presentationml/2006/main" xmlns:m="http://schemas.openxmlformats.org/officeDocument/2006/math" xmlns:w="http://schemas.openxmlformats.org/wordprocessingml/2006/main" matchingName="" preserve="1" showMasterPhAnim="0" type="obj" userDrawn="1">
   <p:cSld name="Blank">
     <p:spTree>
       <p:nvGrpSpPr>
@@ -4133,7 +7989,7 @@
             </a:pPr>
             <a:fld id="{1D8BD707-D9CF-40AE-B4C6-C98DA3205C09}" type="datetimeFigureOut">
               <a:rPr lang="en-US"/>
-              <a:t>6/6/2023</a:t>
+              <a:t/>
             </a:fld>
             <a:endParaRPr/>
           </a:p>
@@ -4169,7 +8025,7 @@
             </a:pPr>
             <a:fld id="{B6F15528-21DE-4FAA-801E-634DDDAF4B2B}" type="slidenum">
               <a:rPr/>
-              <a:t>‹#›</a:t>
+              <a:t/>
             </a:fld>
             <a:endParaRPr/>
           </a:p>
@@ -4184,8 +8040,8 @@
 </file>
 
 <file path=ppt/slideMasters/slideMaster1.xml><?xml version="1.0" encoding="utf-8"?>
-<p:sldMaster xmlns:a="http://schemas.openxmlformats.org/drawingml/2006/main" xmlns:r="http://schemas.openxmlformats.org/officeDocument/2006/relationships" xmlns:p="http://schemas.openxmlformats.org/presentationml/2006/main">
-  <p:cSld>
+<p:sldMaster xmlns:a="http://schemas.openxmlformats.org/drawingml/2006/main" xmlns:r="http://schemas.openxmlformats.org/officeDocument/2006/relationships" xmlns:p="http://schemas.openxmlformats.org/presentationml/2006/main" xmlns:m="http://schemas.openxmlformats.org/officeDocument/2006/math" xmlns:w="http://schemas.openxmlformats.org/wordprocessingml/2006/main" preserve="0">
+  <p:cSld name="">
     <p:bg>
       <p:bgRef idx="1001">
         <a:schemeClr val="bg1"/>
@@ -4223,7 +8079,7 @@
             <a:cxnLst/>
             <a:rect l="l" t="t" r="r" b="b"/>
             <a:pathLst>
-              <a:path w="9944100" h="5591175" extrusionOk="0">
+              <a:path w="9944100" h="5591175" fill="norm" stroke="1" extrusionOk="0">
                 <a:moveTo>
                   <a:pt x="9732199" y="5591174"/>
                 </a:moveTo>
@@ -4517,7 +8373,7 @@
             </a:pPr>
             <a:fld id="{1D8BD707-D9CF-40AE-B4C6-C98DA3205C09}" type="datetimeFigureOut">
               <a:rPr lang="en-US"/>
-              <a:t>6/6/2023</a:t>
+              <a:t/>
             </a:fld>
             <a:endParaRPr/>
           </a:p>
@@ -4563,7 +8419,7 @@
             </a:pPr>
             <a:fld id="{B6F15528-21DE-4FAA-801E-634DDDAF4B2B}" type="slidenum">
               <a:rPr/>
-              <a:t>‹#›</a:t>
+              <a:t/>
             </a:fld>
             <a:endParaRPr/>
           </a:p>
@@ -4579,7 +8435,7 @@
     <p:sldLayoutId id="2147483652" r:id="rId4"/>
     <p:sldLayoutId id="2147483653" r:id="rId5"/>
   </p:sldLayoutIdLst>
-  <p:hf hdr="0" ftr="0" dt="0"/>
+  <p:hf dt="0" ftr="0" hdr="0" sldNum="1"/>
   <p:txStyles>
     <p:titleStyle>
       <a:lvl1pPr>
@@ -4725,8 +8581,8 @@
 </file>
 
 <file path=ppt/slides/slide1.xml><?xml version="1.0" encoding="utf-8"?>
-<p:sld xmlns:a="http://schemas.openxmlformats.org/drawingml/2006/main" xmlns:r="http://schemas.openxmlformats.org/officeDocument/2006/relationships" xmlns:p="http://schemas.openxmlformats.org/presentationml/2006/main" showMasterSp="0" showMasterPhAnim="0">
-  <p:cSld>
+<p:sld xmlns:a="http://schemas.openxmlformats.org/drawingml/2006/main" xmlns:r="http://schemas.openxmlformats.org/officeDocument/2006/relationships" xmlns:p="http://schemas.openxmlformats.org/presentationml/2006/main" xmlns:m="http://schemas.openxmlformats.org/officeDocument/2006/math" xmlns:w="http://schemas.openxmlformats.org/wordprocessingml/2006/main" showMasterPhAnim="0" showMasterSp="0" show="1">
+  <p:cSld name="">
     <p:spTree>
       <p:nvGrpSpPr>
         <p:cNvPr id="1" name=""/>
@@ -5218,12 +9074,20 @@
   <p:clrMapOvr>
     <a:masterClrMapping/>
   </p:clrMapOvr>
+  <mc:AlternateContent xmlns:mc="http://schemas.openxmlformats.org/markup-compatibility/2006">
+    <mc:Choice xmlns:p14="http://schemas.microsoft.com/office/powerpoint/2010/main" Requires="p14">
+      <p:transition p14:dur="2000" advClick="1"/>
+    </mc:Choice>
+    <mc:Fallback>
+      <p:transition advClick="1"/>
+    </mc:Fallback>
+  </mc:AlternateContent>
 </p:sld>
 </file>
 
 <file path=ppt/slides/slide2.xml><?xml version="1.0" encoding="utf-8"?>
-<p:sld xmlns:a="http://schemas.openxmlformats.org/drawingml/2006/main" xmlns:r="http://schemas.openxmlformats.org/officeDocument/2006/relationships" xmlns:p="http://schemas.openxmlformats.org/presentationml/2006/main" showMasterSp="0" showMasterPhAnim="0">
-  <p:cSld>
+<p:sld xmlns:a="http://schemas.openxmlformats.org/drawingml/2006/main" xmlns:r="http://schemas.openxmlformats.org/officeDocument/2006/relationships" xmlns:p="http://schemas.openxmlformats.org/presentationml/2006/main" xmlns:m="http://schemas.openxmlformats.org/officeDocument/2006/math" xmlns:w="http://schemas.openxmlformats.org/wordprocessingml/2006/main" showMasterPhAnim="0" showMasterSp="0" show="1">
+  <p:cSld name="">
     <p:spTree>
       <p:nvGrpSpPr>
         <p:cNvPr id="1" name=""/>
@@ -5288,8 +9152,8 @@
         </p:nvSpPr>
         <p:spPr bwMode="auto">
           <a:xfrm>
-            <a:off x="1374822" y="1294684"/>
-            <a:ext cx="4446594" cy="3918283"/>
+            <a:off x="1374822" y="1294683"/>
+            <a:ext cx="4448394" cy="1959638"/>
           </a:xfrm>
           <a:prstGeom prst="rect">
             <a:avLst/>
@@ -5301,636 +9165,27 @@
           </a:bodyPr>
           <a:lstStyle/>
           <a:p>
-            <a:pPr marL="12700" marR="356870" algn="just">
+            <a:pPr marL="12699" marR="356869" algn="just">
               <a:lnSpc>
                 <a:spcPct val="119000"/>
               </a:lnSpc>
               <a:spcBef>
-                <a:spcPts val="855"/>
+                <a:spcPts val="854"/>
               </a:spcBef>
               <a:defRPr/>
             </a:pPr>
             <a:r>
-              <a:rPr lang="ru-RU" sz="1800" b="0" i="0" u="none" strike="noStrike" cap="none" spc="0" dirty="0" err="1">
-                <a:solidFill>
-                  <a:srgbClr val="000000"/>
-                </a:solidFill>
-                <a:latin typeface="Times New Roman"/>
-                <a:cs typeface="Times New Roman"/>
-              </a:rPr>
-              <a:t>Основна</a:t>
-            </a:r>
-            <a:r>
-              <a:rPr lang="ru-RU" sz="1800" b="0" i="0" u="none" strike="noStrike" cap="none" spc="0" dirty="0">
-                <a:solidFill>
-                  <a:srgbClr val="000000"/>
-                </a:solidFill>
-                <a:latin typeface="Times New Roman"/>
-                <a:cs typeface="Times New Roman"/>
-              </a:rPr>
-              <a:t> мета </a:t>
-            </a:r>
-            <a:r>
-              <a:rPr lang="ru-RU" sz="1800" b="0" i="0" u="none" strike="noStrike" cap="none" spc="0" dirty="0" err="1">
-                <a:solidFill>
-                  <a:srgbClr val="000000"/>
-                </a:solidFill>
-                <a:latin typeface="Times New Roman"/>
-                <a:cs typeface="Times New Roman"/>
-              </a:rPr>
-              <a:t>нашого</a:t>
-            </a:r>
-            <a:r>
-              <a:rPr lang="ru-RU" sz="1800" b="0" i="0" u="none" strike="noStrike" cap="none" spc="0" dirty="0">
-                <a:solidFill>
-                  <a:srgbClr val="000000"/>
-                </a:solidFill>
-                <a:latin typeface="Times New Roman"/>
-                <a:cs typeface="Times New Roman"/>
-              </a:rPr>
-              <a:t> Документа про </a:t>
-            </a:r>
-            <a:r>
-              <a:rPr lang="ru-RU" sz="1800" b="0" i="0" u="none" strike="noStrike" cap="none" spc="0" dirty="0" err="1">
-                <a:solidFill>
-                  <a:srgbClr val="000000"/>
-                </a:solidFill>
-                <a:latin typeface="Times New Roman"/>
-                <a:cs typeface="Times New Roman"/>
-              </a:rPr>
-              <a:t>архітектуру</a:t>
-            </a:r>
-            <a:r>
-              <a:rPr lang="ru-RU" sz="1800" b="0" i="0" u="none" strike="noStrike" cap="none" spc="0" dirty="0">
-                <a:solidFill>
-                  <a:srgbClr val="000000"/>
-                </a:solidFill>
-                <a:latin typeface="Times New Roman"/>
-                <a:cs typeface="Times New Roman"/>
-              </a:rPr>
-              <a:t> </a:t>
-            </a:r>
-            <a:r>
-              <a:rPr lang="ru-RU" sz="1800" b="0" i="0" u="none" strike="noStrike" cap="none" spc="0" dirty="0" err="1">
-                <a:solidFill>
-                  <a:srgbClr val="000000"/>
-                </a:solidFill>
-                <a:latin typeface="Times New Roman"/>
-                <a:cs typeface="Times New Roman"/>
-              </a:rPr>
-              <a:t>програмного</a:t>
-            </a:r>
-            <a:r>
-              <a:rPr lang="ru-RU" sz="1800" b="0" i="0" u="none" strike="noStrike" cap="none" spc="0" dirty="0">
-                <a:solidFill>
-                  <a:srgbClr val="000000"/>
-                </a:solidFill>
-                <a:latin typeface="Times New Roman"/>
-                <a:cs typeface="Times New Roman"/>
-              </a:rPr>
-              <a:t> </a:t>
-            </a:r>
-            <a:r>
-              <a:rPr lang="ru-RU" sz="1800" b="0" i="0" u="none" strike="noStrike" cap="none" spc="0" dirty="0" err="1">
-                <a:solidFill>
-                  <a:srgbClr val="000000"/>
-                </a:solidFill>
-                <a:latin typeface="Times New Roman"/>
-                <a:cs typeface="Times New Roman"/>
-              </a:rPr>
-              <a:t>забезпечення</a:t>
-            </a:r>
-            <a:r>
-              <a:rPr lang="ru-RU" sz="1800" b="0" i="0" u="none" strike="noStrike" cap="none" spc="0" dirty="0">
-                <a:solidFill>
-                  <a:srgbClr val="000000"/>
-                </a:solidFill>
-                <a:latin typeface="Times New Roman"/>
-                <a:cs typeface="Times New Roman"/>
-              </a:rPr>
-              <a:t> (SAD) - </a:t>
-            </a:r>
-            <a:r>
-              <a:rPr lang="ru-RU" sz="1800" b="0" i="0" u="none" strike="noStrike" cap="none" spc="0" dirty="0" err="1">
-                <a:solidFill>
-                  <a:srgbClr val="000000"/>
-                </a:solidFill>
-                <a:latin typeface="Times New Roman"/>
-                <a:cs typeface="Times New Roman"/>
-              </a:rPr>
-              <a:t>надати</a:t>
-            </a:r>
-            <a:r>
-              <a:rPr lang="ru-RU" sz="1800" b="0" i="0" u="none" strike="noStrike" cap="none" spc="0" dirty="0">
-                <a:solidFill>
-                  <a:srgbClr val="000000"/>
-                </a:solidFill>
-                <a:latin typeface="Times New Roman"/>
-                <a:cs typeface="Times New Roman"/>
-              </a:rPr>
-              <a:t> </a:t>
-            </a:r>
-            <a:r>
-              <a:rPr lang="ru-RU" sz="1800" b="0" i="0" u="none" strike="noStrike" cap="none" spc="0" dirty="0" err="1">
-                <a:solidFill>
-                  <a:srgbClr val="000000"/>
-                </a:solidFill>
-                <a:latin typeface="Times New Roman"/>
-                <a:cs typeface="Times New Roman"/>
-              </a:rPr>
-              <a:t>комплексне</a:t>
-            </a:r>
-            <a:r>
-              <a:rPr lang="ru-RU" sz="1800" b="0" i="0" u="none" strike="noStrike" cap="none" spc="0" dirty="0">
-                <a:solidFill>
-                  <a:srgbClr val="000000"/>
-                </a:solidFill>
-                <a:latin typeface="Times New Roman"/>
-                <a:cs typeface="Times New Roman"/>
-              </a:rPr>
-              <a:t>, </a:t>
-            </a:r>
-            <a:r>
-              <a:rPr lang="ru-RU" sz="1800" b="0" i="0" u="none" strike="noStrike" cap="none" spc="0" dirty="0" err="1">
-                <a:solidFill>
-                  <a:srgbClr val="000000"/>
-                </a:solidFill>
-                <a:latin typeface="Times New Roman"/>
-                <a:cs typeface="Times New Roman"/>
-              </a:rPr>
-              <a:t>структуроване</a:t>
-            </a:r>
-            <a:r>
-              <a:rPr lang="ru-RU" sz="1800" b="0" i="0" u="none" strike="noStrike" cap="none" spc="0" dirty="0">
-                <a:solidFill>
-                  <a:srgbClr val="000000"/>
-                </a:solidFill>
-                <a:latin typeface="Times New Roman"/>
-                <a:cs typeface="Times New Roman"/>
-              </a:rPr>
-              <a:t> </a:t>
-            </a:r>
-            <a:r>
-              <a:rPr lang="ru-RU" sz="1800" b="0" i="0" u="none" strike="noStrike" cap="none" spc="0" dirty="0" err="1">
-                <a:solidFill>
-                  <a:srgbClr val="000000"/>
-                </a:solidFill>
-                <a:latin typeface="Times New Roman"/>
-                <a:cs typeface="Times New Roman"/>
-              </a:rPr>
-              <a:t>уявлення</a:t>
-            </a:r>
-            <a:r>
-              <a:rPr lang="ru-RU" sz="1800" b="0" i="0" u="none" strike="noStrike" cap="none" spc="0" dirty="0">
-                <a:solidFill>
-                  <a:srgbClr val="000000"/>
-                </a:solidFill>
-                <a:latin typeface="Times New Roman"/>
-                <a:cs typeface="Times New Roman"/>
-              </a:rPr>
-              <a:t> про веб-</a:t>
-            </a:r>
-            <a:r>
-              <a:rPr lang="ru-RU" sz="1800" b="0" i="0" u="none" strike="noStrike" cap="none" spc="0" dirty="0" err="1">
-                <a:solidFill>
-                  <a:srgbClr val="000000"/>
-                </a:solidFill>
-                <a:latin typeface="Times New Roman"/>
-                <a:cs typeface="Times New Roman"/>
-              </a:rPr>
-              <a:t>гаманець</a:t>
-            </a:r>
-            <a:r>
-              <a:rPr lang="ru-RU" sz="1800" b="0" i="0" u="none" strike="noStrike" cap="none" spc="0" dirty="0">
-                <a:solidFill>
-                  <a:srgbClr val="000000"/>
-                </a:solidFill>
-                <a:latin typeface="Times New Roman"/>
-                <a:cs typeface="Times New Roman"/>
-              </a:rPr>
-              <a:t> на </a:t>
-            </a:r>
-            <a:r>
-              <a:rPr lang="ru-RU" sz="1800" b="0" i="0" u="none" strike="noStrike" cap="none" spc="0" dirty="0" err="1">
-                <a:solidFill>
-                  <a:srgbClr val="000000"/>
-                </a:solidFill>
-                <a:latin typeface="Times New Roman"/>
-                <a:cs typeface="Times New Roman"/>
-              </a:rPr>
-              <a:t>основі</a:t>
-            </a:r>
-            <a:r>
-              <a:rPr lang="ru-RU" sz="1800" b="0" i="0" u="none" strike="noStrike" cap="none" spc="0" dirty="0">
-                <a:solidFill>
-                  <a:srgbClr val="000000"/>
-                </a:solidFill>
-                <a:latin typeface="Times New Roman"/>
-                <a:cs typeface="Times New Roman"/>
-              </a:rPr>
-              <a:t> блокчейну. </a:t>
-            </a:r>
-            <a:r>
-              <a:rPr lang="ru-RU" sz="1800" b="0" i="0" u="none" strike="noStrike" cap="none" spc="0" dirty="0" err="1">
-                <a:solidFill>
-                  <a:srgbClr val="000000"/>
-                </a:solidFill>
-                <a:latin typeface="Times New Roman"/>
-                <a:cs typeface="Times New Roman"/>
-              </a:rPr>
-              <a:t>Він</a:t>
-            </a:r>
-            <a:r>
-              <a:rPr lang="ru-RU" sz="1800" b="0" i="0" u="none" strike="noStrike" cap="none" spc="0" dirty="0">
-                <a:solidFill>
-                  <a:srgbClr val="000000"/>
-                </a:solidFill>
-                <a:latin typeface="Times New Roman"/>
-                <a:cs typeface="Times New Roman"/>
-              </a:rPr>
-              <a:t> </a:t>
-            </a:r>
-            <a:r>
-              <a:rPr lang="ru-RU" sz="1800" b="0" i="0" u="none" strike="noStrike" cap="none" spc="0" dirty="0" err="1">
-                <a:solidFill>
-                  <a:srgbClr val="000000"/>
-                </a:solidFill>
-                <a:latin typeface="Times New Roman"/>
-                <a:cs typeface="Times New Roman"/>
-              </a:rPr>
-              <a:t>покликаний</a:t>
-            </a:r>
-            <a:r>
-              <a:rPr lang="ru-RU" sz="1800" b="0" i="0" u="none" strike="noStrike" cap="none" spc="0" dirty="0">
-                <a:solidFill>
-                  <a:srgbClr val="000000"/>
-                </a:solidFill>
-                <a:latin typeface="Times New Roman"/>
-                <a:cs typeface="Times New Roman"/>
-              </a:rPr>
-              <a:t> </a:t>
-            </a:r>
-            <a:r>
-              <a:rPr lang="ru-RU" sz="1800" b="0" i="0" u="none" strike="noStrike" cap="none" spc="0" dirty="0" err="1">
-                <a:solidFill>
-                  <a:srgbClr val="000000"/>
-                </a:solidFill>
-                <a:latin typeface="Times New Roman"/>
-                <a:cs typeface="Times New Roman"/>
-              </a:rPr>
-              <a:t>виконувати</a:t>
-            </a:r>
-            <a:r>
-              <a:rPr lang="ru-RU" sz="1800" b="0" i="0" u="none" strike="noStrike" cap="none" spc="0" dirty="0">
-                <a:solidFill>
-                  <a:srgbClr val="000000"/>
-                </a:solidFill>
-                <a:latin typeface="Times New Roman"/>
-                <a:cs typeface="Times New Roman"/>
-              </a:rPr>
-              <a:t> роль </a:t>
-            </a:r>
-            <a:r>
-              <a:rPr lang="ru-RU" sz="1800" b="0" i="0" u="none" strike="noStrike" cap="none" spc="0" dirty="0" err="1">
-                <a:solidFill>
-                  <a:srgbClr val="000000"/>
-                </a:solidFill>
-                <a:latin typeface="Times New Roman"/>
-                <a:cs typeface="Times New Roman"/>
-              </a:rPr>
-              <a:t>дорожньої</a:t>
-            </a:r>
-            <a:r>
-              <a:rPr lang="ru-RU" sz="1800" b="0" i="0" u="none" strike="noStrike" cap="none" spc="0" dirty="0">
-                <a:solidFill>
-                  <a:srgbClr val="000000"/>
-                </a:solidFill>
-                <a:latin typeface="Times New Roman"/>
-                <a:cs typeface="Times New Roman"/>
-              </a:rPr>
-              <a:t> </a:t>
-            </a:r>
-            <a:r>
-              <a:rPr lang="ru-RU" sz="1800" b="0" i="0" u="none" strike="noStrike" cap="none" spc="0" dirty="0" err="1">
-                <a:solidFill>
-                  <a:srgbClr val="000000"/>
-                </a:solidFill>
-                <a:latin typeface="Times New Roman"/>
-                <a:cs typeface="Times New Roman"/>
-              </a:rPr>
-              <a:t>карти</a:t>
-            </a:r>
-            <a:r>
-              <a:rPr lang="ru-RU" sz="1800" b="0" i="0" u="none" strike="noStrike" cap="none" spc="0" dirty="0">
-                <a:solidFill>
-                  <a:srgbClr val="000000"/>
-                </a:solidFill>
-                <a:latin typeface="Times New Roman"/>
-                <a:cs typeface="Times New Roman"/>
-              </a:rPr>
-              <a:t>, </a:t>
-            </a:r>
-            <a:r>
-              <a:rPr lang="ru-RU" sz="1800" b="0" i="0" u="none" strike="noStrike" cap="none" spc="0" dirty="0" err="1">
-                <a:solidFill>
-                  <a:srgbClr val="000000"/>
-                </a:solidFill>
-                <a:latin typeface="Times New Roman"/>
-                <a:cs typeface="Times New Roman"/>
-              </a:rPr>
-              <a:t>керуючи</a:t>
-            </a:r>
-            <a:r>
-              <a:rPr lang="ru-RU" sz="1800" b="0" i="0" u="none" strike="noStrike" cap="none" spc="0" dirty="0">
-                <a:solidFill>
-                  <a:srgbClr val="000000"/>
-                </a:solidFill>
-                <a:latin typeface="Times New Roman"/>
-                <a:cs typeface="Times New Roman"/>
-              </a:rPr>
-              <a:t> </a:t>
-            </a:r>
-            <a:r>
-              <a:rPr lang="ru-RU" sz="1800" b="0" i="0" u="none" strike="noStrike" cap="none" spc="0" dirty="0" err="1">
-                <a:solidFill>
-                  <a:srgbClr val="000000"/>
-                </a:solidFill>
-                <a:latin typeface="Times New Roman"/>
-                <a:cs typeface="Times New Roman"/>
-              </a:rPr>
-              <a:t>процесом</a:t>
-            </a:r>
-            <a:r>
-              <a:rPr lang="ru-RU" sz="1800" b="0" i="0" u="none" strike="noStrike" cap="none" spc="0" dirty="0">
-                <a:solidFill>
-                  <a:srgbClr val="000000"/>
-                </a:solidFill>
-                <a:latin typeface="Times New Roman"/>
-                <a:cs typeface="Times New Roman"/>
-              </a:rPr>
-              <a:t> </a:t>
-            </a:r>
-            <a:r>
-              <a:rPr lang="ru-RU" sz="1800" b="0" i="0" u="none" strike="noStrike" cap="none" spc="0" dirty="0" err="1">
-                <a:solidFill>
-                  <a:srgbClr val="000000"/>
-                </a:solidFill>
-                <a:latin typeface="Times New Roman"/>
-                <a:cs typeface="Times New Roman"/>
-              </a:rPr>
-              <a:t>розробки</a:t>
-            </a:r>
-            <a:r>
-              <a:rPr lang="ru-RU" sz="1800" b="0" i="0" u="none" strike="noStrike" cap="none" spc="0" dirty="0">
-                <a:solidFill>
-                  <a:srgbClr val="000000"/>
-                </a:solidFill>
-                <a:latin typeface="Times New Roman"/>
-                <a:cs typeface="Times New Roman"/>
-              </a:rPr>
-              <a:t> та </a:t>
-            </a:r>
-            <a:r>
-              <a:rPr lang="ru-RU" sz="1800" b="0" i="0" u="none" strike="noStrike" cap="none" spc="0" dirty="0" err="1">
-                <a:solidFill>
-                  <a:srgbClr val="000000"/>
-                </a:solidFill>
-                <a:latin typeface="Times New Roman"/>
-                <a:cs typeface="Times New Roman"/>
-              </a:rPr>
-              <a:t>слугуючи</a:t>
-            </a:r>
-            <a:r>
-              <a:rPr lang="ru-RU" sz="1800" b="0" i="0" u="none" strike="noStrike" cap="none" spc="0" dirty="0">
-                <a:solidFill>
-                  <a:srgbClr val="000000"/>
-                </a:solidFill>
-                <a:latin typeface="Times New Roman"/>
-                <a:cs typeface="Times New Roman"/>
-              </a:rPr>
-              <a:t> </a:t>
-            </a:r>
-            <a:r>
-              <a:rPr lang="ru-RU" sz="1800" b="0" i="0" u="none" strike="noStrike" cap="none" spc="0" dirty="0" err="1">
-                <a:solidFill>
-                  <a:srgbClr val="000000"/>
-                </a:solidFill>
-                <a:latin typeface="Times New Roman"/>
-                <a:cs typeface="Times New Roman"/>
-              </a:rPr>
-              <a:t>орієнтиром</a:t>
-            </a:r>
-            <a:r>
-              <a:rPr lang="ru-RU" sz="1800" b="0" i="0" u="none" strike="noStrike" cap="none" spc="0" dirty="0">
-                <a:solidFill>
-                  <a:srgbClr val="000000"/>
-                </a:solidFill>
-                <a:latin typeface="Times New Roman"/>
-                <a:cs typeface="Times New Roman"/>
-              </a:rPr>
-              <a:t> для дизайну та </a:t>
-            </a:r>
-            <a:r>
-              <a:rPr lang="ru-RU" sz="1800" b="0" i="0" u="none" strike="noStrike" cap="none" spc="0" dirty="0" err="1">
-                <a:solidFill>
-                  <a:srgbClr val="000000"/>
-                </a:solidFill>
-                <a:latin typeface="Times New Roman"/>
-                <a:cs typeface="Times New Roman"/>
-              </a:rPr>
-              <a:t>функціональності</a:t>
-            </a:r>
-            <a:r>
-              <a:rPr lang="ru-RU" sz="1800" b="0" i="0" u="none" strike="noStrike" cap="none" spc="0" dirty="0">
-                <a:solidFill>
-                  <a:srgbClr val="000000"/>
-                </a:solidFill>
-                <a:latin typeface="Times New Roman"/>
-                <a:cs typeface="Times New Roman"/>
-              </a:rPr>
-              <a:t> </a:t>
-            </a:r>
-            <a:r>
-              <a:rPr lang="ru-RU" sz="1800" b="0" i="0" u="none" strike="noStrike" cap="none" spc="0" dirty="0" err="1">
-                <a:solidFill>
-                  <a:srgbClr val="000000"/>
-                </a:solidFill>
-                <a:latin typeface="Times New Roman"/>
-                <a:cs typeface="Times New Roman"/>
-              </a:rPr>
-              <a:t>системи</a:t>
-            </a:r>
-            <a:r>
-              <a:rPr lang="ru-RU" sz="1800" b="0" i="0" u="none" strike="noStrike" cap="none" spc="0" dirty="0">
-                <a:solidFill>
-                  <a:srgbClr val="000000"/>
-                </a:solidFill>
-                <a:latin typeface="Times New Roman"/>
-                <a:cs typeface="Times New Roman"/>
-              </a:rPr>
-              <a:t>, </a:t>
-            </a:r>
-            <a:r>
-              <a:rPr lang="ru-RU" sz="1800" b="0" i="0" u="none" strike="noStrike" cap="none" spc="0" dirty="0" err="1">
-                <a:solidFill>
-                  <a:srgbClr val="000000"/>
-                </a:solidFill>
-                <a:latin typeface="Times New Roman"/>
-                <a:cs typeface="Times New Roman"/>
-              </a:rPr>
-              <a:t>що</a:t>
-            </a:r>
-            <a:r>
-              <a:rPr lang="ru-RU" sz="1800" b="0" i="0" u="none" strike="noStrike" cap="none" spc="0" dirty="0">
-                <a:solidFill>
-                  <a:srgbClr val="000000"/>
-                </a:solidFill>
-                <a:latin typeface="Times New Roman"/>
-                <a:cs typeface="Times New Roman"/>
-              </a:rPr>
-              <a:t> в </a:t>
-            </a:r>
-            <a:r>
-              <a:rPr lang="ru-RU" sz="1800" b="0" i="0" u="none" strike="noStrike" cap="none" spc="0" dirty="0" err="1">
-                <a:solidFill>
-                  <a:srgbClr val="000000"/>
-                </a:solidFill>
-                <a:latin typeface="Times New Roman"/>
-                <a:cs typeface="Times New Roman"/>
-              </a:rPr>
-              <a:t>кінцевому</a:t>
-            </a:r>
-            <a:r>
-              <a:rPr lang="ru-RU" sz="1800" b="0" i="0" u="none" strike="noStrike" cap="none" spc="0" dirty="0">
-                <a:solidFill>
-                  <a:srgbClr val="000000"/>
-                </a:solidFill>
-                <a:latin typeface="Times New Roman"/>
-                <a:cs typeface="Times New Roman"/>
-              </a:rPr>
-              <a:t> </a:t>
-            </a:r>
-            <a:r>
-              <a:rPr lang="ru-RU" sz="1800" b="0" i="0" u="none" strike="noStrike" cap="none" spc="0" dirty="0" err="1">
-                <a:solidFill>
-                  <a:srgbClr val="000000"/>
-                </a:solidFill>
-                <a:latin typeface="Times New Roman"/>
-                <a:cs typeface="Times New Roman"/>
-              </a:rPr>
-              <a:t>підсумку</a:t>
-            </a:r>
-            <a:r>
-              <a:rPr lang="ru-RU" sz="1800" b="0" i="0" u="none" strike="noStrike" cap="none" spc="0" dirty="0">
-                <a:solidFill>
-                  <a:srgbClr val="000000"/>
-                </a:solidFill>
-                <a:latin typeface="Times New Roman"/>
-                <a:cs typeface="Times New Roman"/>
-              </a:rPr>
-              <a:t> </a:t>
-            </a:r>
-            <a:r>
-              <a:rPr lang="ru-RU" sz="1800" b="0" i="0" u="none" strike="noStrike" cap="none" spc="0" dirty="0" err="1">
-                <a:solidFill>
-                  <a:srgbClr val="000000"/>
-                </a:solidFill>
-                <a:latin typeface="Times New Roman"/>
-                <a:cs typeface="Times New Roman"/>
-              </a:rPr>
-              <a:t>забезпечить</a:t>
-            </a:r>
-            <a:r>
-              <a:rPr lang="ru-RU" sz="1800" b="0" i="0" u="none" strike="noStrike" cap="none" spc="0" dirty="0">
-                <a:solidFill>
-                  <a:srgbClr val="000000"/>
-                </a:solidFill>
-                <a:latin typeface="Times New Roman"/>
-                <a:cs typeface="Times New Roman"/>
-              </a:rPr>
-              <a:t> </a:t>
-            </a:r>
-            <a:r>
-              <a:rPr lang="ru-RU" sz="1800" b="0" i="0" u="none" strike="noStrike" cap="none" spc="0" dirty="0" err="1">
-                <a:solidFill>
-                  <a:srgbClr val="000000"/>
-                </a:solidFill>
-                <a:latin typeface="Times New Roman"/>
-                <a:cs typeface="Times New Roman"/>
-              </a:rPr>
-              <a:t>безпечний</a:t>
-            </a:r>
-            <a:r>
-              <a:rPr lang="ru-RU" sz="1800" b="0" i="0" u="none" strike="noStrike" cap="none" spc="0" dirty="0">
-                <a:solidFill>
-                  <a:srgbClr val="000000"/>
-                </a:solidFill>
-                <a:latin typeface="Times New Roman"/>
-                <a:cs typeface="Times New Roman"/>
-              </a:rPr>
-              <a:t> та </a:t>
-            </a:r>
-            <a:r>
-              <a:rPr lang="ru-RU" sz="1800" b="0" i="0" u="none" strike="noStrike" cap="none" spc="0" dirty="0" err="1">
-                <a:solidFill>
-                  <a:srgbClr val="000000"/>
-                </a:solidFill>
-                <a:latin typeface="Times New Roman"/>
-                <a:cs typeface="Times New Roman"/>
-              </a:rPr>
-              <a:t>зручний</a:t>
-            </a:r>
-            <a:r>
-              <a:rPr lang="ru-RU" sz="1800" b="0" i="0" u="none" strike="noStrike" cap="none" spc="0" dirty="0">
-                <a:solidFill>
-                  <a:srgbClr val="000000"/>
-                </a:solidFill>
-                <a:latin typeface="Times New Roman"/>
-                <a:cs typeface="Times New Roman"/>
-              </a:rPr>
-              <a:t> для </a:t>
-            </a:r>
-            <a:r>
-              <a:rPr lang="ru-RU" sz="1800" b="0" i="0" u="none" strike="noStrike" cap="none" spc="0" dirty="0" err="1">
-                <a:solidFill>
-                  <a:srgbClr val="000000"/>
-                </a:solidFill>
-                <a:latin typeface="Times New Roman"/>
-                <a:cs typeface="Times New Roman"/>
-              </a:rPr>
-              <a:t>користувача</a:t>
-            </a:r>
-            <a:r>
-              <a:rPr lang="ru-RU" sz="1800" b="0" i="0" u="none" strike="noStrike" cap="none" spc="0" dirty="0">
-                <a:solidFill>
-                  <a:srgbClr val="000000"/>
-                </a:solidFill>
-                <a:latin typeface="Times New Roman"/>
-                <a:cs typeface="Times New Roman"/>
-              </a:rPr>
-              <a:t> </a:t>
-            </a:r>
-            <a:r>
-              <a:rPr lang="ru-RU" sz="1800" b="0" i="0" u="none" strike="noStrike" cap="none" spc="0" dirty="0" err="1">
-                <a:solidFill>
-                  <a:srgbClr val="000000"/>
-                </a:solidFill>
-                <a:latin typeface="Times New Roman"/>
-                <a:cs typeface="Times New Roman"/>
-              </a:rPr>
-              <a:t>додаток</a:t>
-            </a:r>
-            <a:r>
-              <a:rPr lang="ru-RU" sz="1800" b="0" i="0" u="none" strike="noStrike" cap="none" spc="0" dirty="0">
-                <a:solidFill>
-                  <a:srgbClr val="000000"/>
-                </a:solidFill>
-                <a:latin typeface="Times New Roman"/>
-                <a:cs typeface="Times New Roman"/>
-              </a:rPr>
-              <a:t>.</a:t>
-            </a:r>
-            <a:endParaRPr sz="1800" dirty="0">
+              <a:rPr sz="1800" b="0" i="0" u="none">
+                <a:solidFill>
+                  <a:srgbClr val="374151"/>
+                </a:solidFill>
+                <a:latin typeface="Times New Roman"/>
+                <a:ea typeface="Liberation Sans"/>
+                <a:cs typeface="Times New Roman"/>
+              </a:rPr>
+              <a:t>Сформулювати всебічне та детальне розуміння архітектури обраної blockchain-based криптовалютної системи, що включає аналіз архітектури системи та застосунків, а також визначення обмежень системи.</a:t>
+            </a:r>
+            <a:endParaRPr sz="1800">
               <a:latin typeface="Times New Roman"/>
               <a:cs typeface="Times New Roman"/>
             </a:endParaRPr>
@@ -5972,7 +9227,7 @@
             </a:pPr>
             <a:fld id="{800E96F8-DC0B-3B60-9520-15C92079DBC9}" type="slidenum">
               <a:rPr sz="2800"/>
-              <a:t>2</a:t>
+              <a:t/>
             </a:fld>
             <a:endParaRPr/>
           </a:p>
@@ -6073,8 +9328,8 @@
         </p:nvSpPr>
         <p:spPr bwMode="auto">
           <a:xfrm>
-            <a:off x="6476999" y="1294685"/>
-            <a:ext cx="4445874" cy="4244724"/>
+            <a:off x="6476998" y="1294684"/>
+            <a:ext cx="4450194" cy="3786609"/>
           </a:xfrm>
           <a:prstGeom prst="rect">
             <a:avLst/>
@@ -6086,28 +9341,75 @@
           </a:bodyPr>
           <a:lstStyle/>
           <a:p>
-            <a:pPr marL="12700" marR="356870" algn="just">
+            <a:pPr marL="283879" indent="-283879">
               <a:lnSpc>
-                <a:spcPct val="119000"/>
+                <a:spcPct val="114999"/>
               </a:lnSpc>
-              <a:spcBef>
-                <a:spcPts val="855"/>
-              </a:spcBef>
+              <a:buAutoNum type="arabicPeriod"/>
               <a:defRPr/>
             </a:pPr>
             <a:r>
-              <a:rPr lang="ru-RU" sz="1800" b="0" i="0" u="none" strike="noStrike" cap="none" spc="0">
-                <a:solidFill>
-                  <a:srgbClr val="000000"/>
-                </a:solidFill>
-                <a:latin typeface="Times New Roman"/>
-                <a:cs typeface="Times New Roman"/>
-              </a:rPr>
-              <a:t>Документ архітектури програмного забезпечення (SAD) пропонує план нашого блокчейн-додатку, зосереджуючись на безпеці, продуктивності та масштабованості за допомогою гібридного механізму консенсусу PoET і PoW. Він слугує орієнтиром для розробки системи та допомагає у прийнятті рішень, покращуючи загальну якість додатку. Сьогодні ми розглянемо архітектуру системи, її компоненти та наш підхід до безпеки і масштабованості.</a:t>
+              <a:rPr sz="1800" b="0" i="0" u="none">
+                <a:solidFill>
+                  <a:srgbClr val="374151"/>
+                </a:solidFill>
+                <a:latin typeface="Times New Roman'"/>
+                <a:ea typeface="Liberation Sans"/>
+                <a:cs typeface="Times New Roman'"/>
+              </a:rPr>
+              <a:t>Провести аналіз архітектури системи з точки зору ефективності обраного підходу в контексті потоків даних.</a:t>
             </a:r>
             <a:endParaRPr sz="1800">
-              <a:latin typeface="Times New Roman"/>
-              <a:cs typeface="Times New Roman"/>
+              <a:latin typeface="Times New Roman'"/>
+              <a:cs typeface="Times New Roman'"/>
+            </a:endParaRPr>
+          </a:p>
+          <a:p>
+            <a:pPr marL="283879" indent="-283879">
+              <a:lnSpc>
+                <a:spcPct val="114999"/>
+              </a:lnSpc>
+              <a:buAutoNum type="arabicPeriod"/>
+              <a:defRPr/>
+            </a:pPr>
+            <a:r>
+              <a:rPr sz="1800" b="0" i="0" u="none">
+                <a:solidFill>
+                  <a:srgbClr val="374151"/>
+                </a:solidFill>
+                <a:latin typeface="Times New Roman'"/>
+                <a:ea typeface="Liberation Sans"/>
+                <a:cs typeface="Times New Roman'"/>
+              </a:rPr>
+              <a:t>Оцінити архітектуру застосунків щодо її масштабуваності та виправданості вибору цієї архітектури для розв'язання проблем масштабування.</a:t>
+            </a:r>
+            <a:endParaRPr sz="1800">
+              <a:latin typeface="Times New Roman'"/>
+              <a:cs typeface="Times New Roman'"/>
+            </a:endParaRPr>
+          </a:p>
+          <a:p>
+            <a:pPr marL="283879" indent="-283879">
+              <a:lnSpc>
+                <a:spcPct val="114999"/>
+              </a:lnSpc>
+              <a:buAutoNum type="arabicPeriod"/>
+              <a:defRPr/>
+            </a:pPr>
+            <a:r>
+              <a:rPr sz="1800" b="0" i="0" u="none">
+                <a:solidFill>
+                  <a:srgbClr val="374151"/>
+                </a:solidFill>
+                <a:latin typeface="Times New Roman'"/>
+                <a:ea typeface="Liberation Sans"/>
+                <a:cs typeface="Times New Roman'"/>
+              </a:rPr>
+              <a:t>Визначити обмеження на функціональні можливості та стани системи, їх вплив на роботу системи, а також їх врахування в архітектурі системи.</a:t>
+            </a:r>
+            <a:endParaRPr sz="1800">
+              <a:latin typeface="Times New Roman'"/>
+              <a:cs typeface="Times New Roman'"/>
             </a:endParaRPr>
           </a:p>
         </p:txBody>
@@ -6117,12 +9419,20 @@
   <p:clrMapOvr>
     <a:masterClrMapping/>
   </p:clrMapOvr>
+  <mc:AlternateContent xmlns:mc="http://schemas.openxmlformats.org/markup-compatibility/2006">
+    <mc:Choice xmlns:p14="http://schemas.microsoft.com/office/powerpoint/2010/main" Requires="p14">
+      <p:transition p14:dur="2000" advClick="1"/>
+    </mc:Choice>
+    <mc:Fallback>
+      <p:transition advClick="1"/>
+    </mc:Fallback>
+  </mc:AlternateContent>
 </p:sld>
 </file>
 
 <file path=ppt/slides/slide3.xml><?xml version="1.0" encoding="utf-8"?>
-<p:sld xmlns:a="http://schemas.openxmlformats.org/drawingml/2006/main" xmlns:r="http://schemas.openxmlformats.org/officeDocument/2006/relationships" xmlns:p="http://schemas.openxmlformats.org/presentationml/2006/main" showMasterSp="0" showMasterPhAnim="0">
-  <p:cSld>
+<p:sld xmlns:a="http://schemas.openxmlformats.org/drawingml/2006/main" xmlns:r="http://schemas.openxmlformats.org/officeDocument/2006/relationships" xmlns:p="http://schemas.openxmlformats.org/presentationml/2006/main" xmlns:m="http://schemas.openxmlformats.org/officeDocument/2006/math" xmlns:w="http://schemas.openxmlformats.org/wordprocessingml/2006/main" showMasterPhAnim="0" showMasterSp="0" show="1">
+  <p:cSld name="">
     <p:spTree>
       <p:nvGrpSpPr>
         <p:cNvPr id="1" name=""/>
@@ -6273,7 +9583,7 @@
             </a:pPr>
             <a:fld id="{20263524-D5DE-1C53-E1D9-127239483711}" type="slidenum">
               <a:rPr sz="2800"/>
-              <a:t>3</a:t>
+              <a:t/>
             </a:fld>
             <a:endParaRPr/>
           </a:p>
@@ -6324,7 +9634,7 @@
         <p:nvGraphicFramePr>
           <p:cNvPr id="79125462" name="Content Placeholder 2"/>
           <p:cNvGraphicFramePr>
-            <a:graphicFrameLocks noGrp="1"/>
+            <a:graphicFrameLocks xmlns:a="http://schemas.openxmlformats.org/drawingml/2006/main" noGrp="1"/>
           </p:cNvGraphicFramePr>
           <p:nvPr>
             <p:ph idx="1"/>
@@ -6333,10 +9643,217 @@
         <p:xfrm>
           <a:off x="1141149" y="2250901"/>
           <a:ext cx="9905999" cy="4082074"/>
+          <a:chOff x="0" y="0"/>
+          <a:chExt cx="9905999" cy="4082074"/>
         </p:xfrm>
         <a:graphic>
           <a:graphicData uri="http://schemas.openxmlformats.org/drawingml/2006/diagram">
-            <dgm:relIds xmlns:dgm="http://schemas.openxmlformats.org/drawingml/2006/diagram" xmlns:r="http://schemas.openxmlformats.org/officeDocument/2006/relationships" r:dm="rId2" r:lo="rId3" r:qs="rId4" r:cs="rId5"/>
+            <dgm:relIds xmlns:dgm="http://schemas.openxmlformats.org/drawingml/2006/diagram" xmlns:r="http://schemas.openxmlformats.org/officeDocument/2006/relationships" r:dm="rId2" r:lo="rId5" r:qs="rId6" r:cs="rId4"/>
+          </a:graphicData>
+        </a:graphic>
+      </p:graphicFrame>
+      <p:sp>
+        <p:nvSpPr>
+          <p:cNvPr id="92288786" name="object 3"/>
+          <p:cNvSpPr txBox="1">
+            <a:spLocks noGrp="1"/>
+          </p:cNvSpPr>
+          <p:nvPr>
+            <p:ph type="title"/>
+          </p:nvPr>
+        </p:nvSpPr>
+        <p:spPr bwMode="auto">
+          <a:xfrm>
+            <a:off x="4839087" y="750604"/>
+            <a:ext cx="2510121" cy="381992"/>
+          </a:xfrm>
+          <a:prstGeom prst="rect">
+            <a:avLst/>
+          </a:prstGeom>
+        </p:spPr>
+        <p:txBody>
+          <a:bodyPr vert="horz" wrap="square" lIns="0" tIns="47622" rIns="0" bIns="0" rtlCol="0">
+            <a:spAutoFit/>
+          </a:bodyPr>
+          <a:lstStyle/>
+          <a:p>
+            <a:pPr marL="12699" marR="5079">
+              <a:lnSpc>
+                <a:spcPts val="2629"/>
+              </a:lnSpc>
+              <a:spcBef>
+                <a:spcPts val="374"/>
+              </a:spcBef>
+              <a:defRPr/>
+            </a:pPr>
+            <a:r>
+              <a:rPr sz="2800" spc="-9"/>
+              <a:t>Задачі роботи</a:t>
+            </a:r>
+            <a:endParaRPr sz="2800"/>
+          </a:p>
+        </p:txBody>
+      </p:sp>
+      <p:sp>
+        <p:nvSpPr>
+          <p:cNvPr id="831614894" name="Holder 4"/>
+          <p:cNvSpPr>
+            <a:spLocks noGrp="1"/>
+          </p:cNvSpPr>
+          <p:nvPr/>
+        </p:nvSpPr>
+        <p:spPr bwMode="auto">
+          <a:xfrm>
+            <a:off x="9225526" y="86874"/>
+            <a:ext cx="2805238" cy="427078"/>
+          </a:xfrm>
+        </p:spPr>
+        <p:txBody>
+          <a:bodyPr wrap="square" lIns="0" tIns="0" rIns="0" bIns="0">
+            <a:spAutoFit/>
+          </a:bodyPr>
+          <a:lstStyle>
+            <a:lvl1pPr marL="0" algn="r">
+              <a:defRPr>
+                <a:solidFill>
+                  <a:schemeClr val="tx1">
+                    <a:tint val="75000"/>
+                  </a:schemeClr>
+                </a:solidFill>
+                <a:latin typeface="+mn-lt"/>
+                <a:ea typeface="+mn-ea"/>
+                <a:cs typeface="+mn-cs"/>
+              </a:defRPr>
+            </a:lvl1pPr>
+            <a:lvl2pPr marL="457200">
+              <a:defRPr>
+                <a:latin typeface="+mn-lt"/>
+                <a:ea typeface="+mn-ea"/>
+                <a:cs typeface="+mn-cs"/>
+              </a:defRPr>
+            </a:lvl2pPr>
+            <a:lvl3pPr marL="914400">
+              <a:defRPr>
+                <a:latin typeface="+mn-lt"/>
+                <a:ea typeface="+mn-ea"/>
+                <a:cs typeface="+mn-cs"/>
+              </a:defRPr>
+            </a:lvl3pPr>
+            <a:lvl4pPr marL="1371600">
+              <a:defRPr>
+                <a:latin typeface="+mn-lt"/>
+                <a:ea typeface="+mn-ea"/>
+                <a:cs typeface="+mn-cs"/>
+              </a:defRPr>
+            </a:lvl4pPr>
+            <a:lvl5pPr marL="1828800">
+              <a:defRPr>
+                <a:latin typeface="+mn-lt"/>
+                <a:ea typeface="+mn-ea"/>
+                <a:cs typeface="+mn-cs"/>
+              </a:defRPr>
+            </a:lvl5pPr>
+            <a:lvl6pPr marL="2286000">
+              <a:defRPr>
+                <a:latin typeface="+mn-lt"/>
+                <a:ea typeface="+mn-ea"/>
+                <a:cs typeface="+mn-cs"/>
+              </a:defRPr>
+            </a:lvl6pPr>
+            <a:lvl7pPr marL="2743200">
+              <a:defRPr>
+                <a:latin typeface="+mn-lt"/>
+                <a:ea typeface="+mn-ea"/>
+                <a:cs typeface="+mn-cs"/>
+              </a:defRPr>
+            </a:lvl7pPr>
+            <a:lvl8pPr marL="3200400">
+              <a:defRPr>
+                <a:latin typeface="+mn-lt"/>
+                <a:ea typeface="+mn-ea"/>
+                <a:cs typeface="+mn-cs"/>
+              </a:defRPr>
+            </a:lvl8pPr>
+            <a:lvl9pPr marL="3657600">
+              <a:defRPr>
+                <a:latin typeface="+mn-lt"/>
+                <a:ea typeface="+mn-ea"/>
+                <a:cs typeface="+mn-cs"/>
+              </a:defRPr>
+            </a:lvl9pPr>
+          </a:lstStyle>
+          <a:p>
+            <a:pPr>
+              <a:defRPr/>
+            </a:pPr>
+            <a:fld id="{126AF024-0968-7C6B-E663-764D933C6F9C}" type="slidenum">
+              <a:rPr sz="2800"/>
+              <a:t/>
+            </a:fld>
+            <a:endParaRPr/>
+          </a:p>
+        </p:txBody>
+      </p:sp>
+      <p:sp>
+        <p:nvSpPr>
+          <p:cNvPr id="1998892694" name="Прямоугольник 1279590634"/>
+          <p:cNvSpPr/>
+          <p:nvPr/>
+        </p:nvSpPr>
+        <p:spPr bwMode="auto">
+          <a:xfrm>
+            <a:off x="11655882" y="27612"/>
+            <a:ext cx="527109" cy="545604"/>
+          </a:xfrm>
+          <a:prstGeom prst="rect">
+            <a:avLst/>
+          </a:prstGeom>
+          <a:noFill/>
+          <a:ln w="25400" cap="flat" cmpd="sng" algn="ctr">
+            <a:solidFill>
+              <a:schemeClr val="bg2">
+                <a:lumMod val="50196"/>
+              </a:schemeClr>
+            </a:solidFill>
+            <a:prstDash val="solid"/>
+          </a:ln>
+        </p:spPr>
+        <p:style>
+          <a:lnRef idx="2">
+            <a:schemeClr val="accent1">
+              <a:shade val="50000"/>
+            </a:schemeClr>
+          </a:lnRef>
+          <a:fillRef idx="1">
+            <a:schemeClr val="accent1"/>
+          </a:fillRef>
+          <a:effectRef idx="0">
+            <a:schemeClr val="accent1"/>
+          </a:effectRef>
+          <a:fontRef idx="minor">
+            <a:schemeClr val="lt1"/>
+          </a:fontRef>
+        </p:style>
+      </p:sp>
+      <p:graphicFrame>
+        <p:nvGraphicFramePr>
+          <p:cNvPr id="573076527" name="Content Placeholder 2"/>
+          <p:cNvGraphicFramePr>
+            <a:graphicFrameLocks xmlns:a="http://schemas.openxmlformats.org/drawingml/2006/main" noGrp="1"/>
+          </p:cNvGraphicFramePr>
+          <p:nvPr>
+            <p:ph idx="1"/>
+          </p:nvPr>
+        </p:nvGraphicFramePr>
+        <p:xfrm>
+          <a:off x="1141148" y="2250900"/>
+          <a:ext cx="9905998" cy="4082073"/>
+          <a:chOff x="0" y="0"/>
+          <a:chExt cx="9905998" cy="4082073"/>
+        </p:xfrm>
+        <a:graphic>
+          <a:graphicData uri="http://schemas.openxmlformats.org/drawingml/2006/diagram">
+            <dgm:relIds xmlns:dgm="http://schemas.openxmlformats.org/drawingml/2006/diagram" xmlns:r="http://schemas.openxmlformats.org/officeDocument/2006/relationships" r:dm="rId7" r:lo="rId10" r:qs="rId11" r:cs="rId9"/>
           </a:graphicData>
         </a:graphic>
       </p:graphicFrame>
@@ -6345,12 +9862,20 @@
   <p:clrMapOvr>
     <a:masterClrMapping/>
   </p:clrMapOvr>
+  <mc:AlternateContent xmlns:mc="http://schemas.openxmlformats.org/markup-compatibility/2006">
+    <mc:Choice xmlns:p14="http://schemas.microsoft.com/office/powerpoint/2010/main" Requires="p14">
+      <p:transition p14:dur="2000" advClick="1"/>
+    </mc:Choice>
+    <mc:Fallback>
+      <p:transition advClick="1"/>
+    </mc:Fallback>
+  </mc:AlternateContent>
 </p:sld>
 </file>
 
 <file path=ppt/slides/slide4.xml><?xml version="1.0" encoding="utf-8"?>
-<p:sld xmlns:a="http://schemas.openxmlformats.org/drawingml/2006/main" xmlns:r="http://schemas.openxmlformats.org/officeDocument/2006/relationships" xmlns:p="http://schemas.openxmlformats.org/presentationml/2006/main" showMasterSp="0" showMasterPhAnim="0">
-  <p:cSld>
+<p:sld xmlns:a="http://schemas.openxmlformats.org/drawingml/2006/main" xmlns:r="http://schemas.openxmlformats.org/officeDocument/2006/relationships" xmlns:p="http://schemas.openxmlformats.org/presentationml/2006/main" xmlns:m="http://schemas.openxmlformats.org/officeDocument/2006/math" xmlns:w="http://schemas.openxmlformats.org/wordprocessingml/2006/main" showMasterPhAnim="0" showMasterSp="0" show="1">
+  <p:cSld name="">
     <p:spTree>
       <p:nvGrpSpPr>
         <p:cNvPr id="1" name=""/>
@@ -6459,7 +9984,7 @@
             </a:pPr>
             <a:fld id="{7360B85D-AE21-6F67-6371-7D7485A54A25}" type="slidenum">
               <a:rPr sz="2800"/>
-              <a:t>4</a:t>
+              <a:t/>
             </a:fld>
             <a:endParaRPr/>
           </a:p>
@@ -6508,44 +10033,13 @@
       </p:sp>
       <p:sp>
         <p:nvSpPr>
-          <p:cNvPr id="1513890413" name="TextBox 1513890412"/>
-          <p:cNvSpPr txBox="1"/>
-          <p:nvPr/>
-        </p:nvSpPr>
-        <p:spPr bwMode="auto">
-          <a:xfrm>
-            <a:off x="-114066" y="148194"/>
-            <a:ext cx="4140405" cy="366118"/>
-          </a:xfrm>
-          <a:prstGeom prst="rect">
-            <a:avLst/>
-          </a:prstGeom>
-          <a:noFill/>
-        </p:spPr>
-        <p:txBody>
-          <a:bodyPr vertOverflow="overflow" horzOverflow="overflow" vert="horz" wrap="square" lIns="91440" tIns="45720" rIns="91440" bIns="45720" numCol="1" spcCol="0" rtlCol="0" fromWordArt="0" anchor="t" anchorCtr="0" forceAA="0" compatLnSpc="0">
-            <a:spAutoFit/>
-          </a:bodyPr>
-          <a:lstStyle/>
-          <a:p>
-            <a:pPr algn="l">
-              <a:defRPr/>
-            </a:pPr>
-            <a:r>
-              <a:t>:</a:t>
-            </a:r>
-          </a:p>
-        </p:txBody>
-      </p:sp>
-      <p:sp>
-        <p:nvSpPr>
           <p:cNvPr id="1533905627" name="TextBox 3"/>
           <p:cNvSpPr txBox="1"/>
           <p:nvPr/>
         </p:nvSpPr>
         <p:spPr bwMode="auto">
           <a:xfrm>
-            <a:off x="15397" y="41513"/>
+            <a:off x="89377" y="86873"/>
             <a:ext cx="11741869" cy="579479"/>
           </a:xfrm>
           <a:prstGeom prst="rect">
@@ -6593,7 +10087,7 @@
         </p:blipFill>
         <p:spPr bwMode="auto">
           <a:xfrm>
-            <a:off x="1445261" y="620993"/>
+            <a:off x="1445261" y="620992"/>
             <a:ext cx="8881782" cy="5655953"/>
           </a:xfrm>
           <a:prstGeom prst="rect">
@@ -6606,12 +10100,20 @@
   <p:clrMapOvr>
     <a:masterClrMapping/>
   </p:clrMapOvr>
+  <mc:AlternateContent xmlns:mc="http://schemas.openxmlformats.org/markup-compatibility/2006">
+    <mc:Choice xmlns:p14="http://schemas.microsoft.com/office/powerpoint/2010/main" Requires="p14">
+      <p:transition p14:dur="2000" advClick="1"/>
+    </mc:Choice>
+    <mc:Fallback>
+      <p:transition advClick="1"/>
+    </mc:Fallback>
+  </mc:AlternateContent>
 </p:sld>
 </file>
 
 <file path=ppt/slides/slide5.xml><?xml version="1.0" encoding="utf-8"?>
-<p:sld xmlns:a="http://schemas.openxmlformats.org/drawingml/2006/main" xmlns:r="http://schemas.openxmlformats.org/officeDocument/2006/relationships" xmlns:p="http://schemas.openxmlformats.org/presentationml/2006/main" showMasterSp="0" showMasterPhAnim="0">
-  <p:cSld>
+<p:sld xmlns:a="http://schemas.openxmlformats.org/drawingml/2006/main" xmlns:r="http://schemas.openxmlformats.org/officeDocument/2006/relationships" xmlns:p="http://schemas.openxmlformats.org/presentationml/2006/main" xmlns:m="http://schemas.openxmlformats.org/officeDocument/2006/math" xmlns:w="http://schemas.openxmlformats.org/wordprocessingml/2006/main" showMasterPhAnim="0" showMasterSp="0" show="1">
+  <p:cSld name="">
     <p:spTree>
       <p:nvGrpSpPr>
         <p:cNvPr id="1" name=""/>
@@ -6720,7 +10222,7 @@
             </a:pPr>
             <a:fld id="{E30B309A-D4E2-0742-10D1-CF203A329559}" type="slidenum">
               <a:rPr sz="2800"/>
-              <a:t>5</a:t>
+              <a:t/>
             </a:fld>
             <a:endParaRPr/>
           </a:p>
@@ -6854,7 +10356,7 @@
               <a:defRPr/>
             </a:pPr>
             <a:r>
-              <a:rPr lang="ru-RU" sz="1800" b="0" i="0" u="none" strike="noStrike" cap="none" spc="0" dirty="0">
+              <a:rPr lang="ru-RU" sz="1800" b="0" i="0" u="none" strike="noStrike" cap="none" spc="0">
                 <a:solidFill>
                   <a:schemeClr val="tx1"/>
                 </a:solidFill>
@@ -6864,7 +10366,7 @@
               <a:t>Веб-</a:t>
             </a:r>
             <a:r>
-              <a:rPr lang="ru-RU" sz="1800" b="0" i="0" u="none" strike="noStrike" cap="none" spc="0" dirty="0" err="1">
+              <a:rPr lang="ru-RU" sz="1800" b="0" i="0" u="none" strike="noStrike" cap="none" spc="0">
                 <a:solidFill>
                   <a:schemeClr val="tx1"/>
                 </a:solidFill>
@@ -6874,7 +10376,7 @@
               <a:t>гаманець</a:t>
             </a:r>
             <a:r>
-              <a:rPr lang="ru-RU" sz="1800" b="0" i="0" u="none" strike="noStrike" cap="none" spc="0" dirty="0">
+              <a:rPr lang="ru-RU" sz="1800" b="0" i="0" u="none" strike="noStrike" cap="none" spc="0">
                 <a:solidFill>
                   <a:schemeClr val="tx1"/>
                 </a:solidFill>
@@ -6884,7 +10386,7 @@
               <a:t> на </a:t>
             </a:r>
             <a:r>
-              <a:rPr lang="ru-RU" sz="1800" b="0" i="0" u="none" strike="noStrike" cap="none" spc="0" dirty="0" err="1">
+              <a:rPr lang="ru-RU" sz="1800" b="0" i="0" u="none" strike="noStrike" cap="none" spc="0">
                 <a:solidFill>
                   <a:schemeClr val="tx1"/>
                 </a:solidFill>
@@ -6894,7 +10396,7 @@
               <a:t>основі</a:t>
             </a:r>
             <a:r>
-              <a:rPr lang="ru-RU" sz="1800" b="0" i="0" u="none" strike="noStrike" cap="none" spc="0" dirty="0">
+              <a:rPr lang="ru-RU" sz="1800" b="0" i="0" u="none" strike="noStrike" cap="none" spc="0">
                 <a:solidFill>
                   <a:schemeClr val="tx1"/>
                 </a:solidFill>
@@ -6904,7 +10406,7 @@
               <a:t> блокчейну </a:t>
             </a:r>
             <a:r>
-              <a:rPr lang="ru-RU" sz="1800" b="0" i="0" u="none" strike="noStrike" cap="none" spc="0" dirty="0" err="1">
+              <a:rPr lang="ru-RU" sz="1800" b="0" i="0" u="none" strike="noStrike" cap="none" spc="0">
                 <a:solidFill>
                   <a:schemeClr val="tx1"/>
                 </a:solidFill>
@@ -6914,7 +10416,7 @@
               <a:t>дозволяє</a:t>
             </a:r>
             <a:r>
-              <a:rPr lang="ru-RU" sz="1800" b="0" i="0" u="none" strike="noStrike" cap="none" spc="0" dirty="0">
+              <a:rPr lang="ru-RU" sz="1800" b="0" i="0" u="none" strike="noStrike" cap="none" spc="0">
                 <a:solidFill>
                   <a:schemeClr val="tx1"/>
                 </a:solidFill>
@@ -6924,7 +10426,7 @@
               <a:t> </a:t>
             </a:r>
             <a:r>
-              <a:rPr lang="ru-RU" sz="1800" b="0" i="0" u="none" strike="noStrike" cap="none" spc="0" dirty="0" err="1">
+              <a:rPr lang="ru-RU" sz="1800" b="0" i="0" u="none" strike="noStrike" cap="none" spc="0">
                 <a:solidFill>
                   <a:schemeClr val="tx1"/>
                 </a:solidFill>
@@ -6934,7 +10436,7 @@
               <a:t>користувачам</a:t>
             </a:r>
             <a:r>
-              <a:rPr lang="ru-RU" sz="1800" b="0" i="0" u="none" strike="noStrike" cap="none" spc="0" dirty="0">
+              <a:rPr lang="ru-RU" sz="1800" b="0" i="0" u="none" strike="noStrike" cap="none" spc="0">
                 <a:solidFill>
                   <a:schemeClr val="tx1"/>
                 </a:solidFill>
@@ -6944,7 +10446,7 @@
               <a:t> легко </a:t>
             </a:r>
             <a:r>
-              <a:rPr lang="ru-RU" sz="1800" b="0" i="0" u="none" strike="noStrike" cap="none" spc="0" dirty="0" err="1">
+              <a:rPr lang="ru-RU" sz="1800" b="0" i="0" u="none" strike="noStrike" cap="none" spc="0">
                 <a:solidFill>
                   <a:schemeClr val="tx1"/>
                 </a:solidFill>
@@ -6954,7 +10456,7 @@
               <a:t>перевіряти</a:t>
             </a:r>
             <a:r>
-              <a:rPr lang="ru-RU" sz="1800" b="0" i="0" u="none" strike="noStrike" cap="none" spc="0" dirty="0">
+              <a:rPr lang="ru-RU" sz="1800" b="0" i="0" u="none" strike="noStrike" cap="none" spc="0">
                 <a:solidFill>
                   <a:schemeClr val="tx1"/>
                 </a:solidFill>
@@ -6964,7 +10466,7 @@
               <a:t> баланс </a:t>
             </a:r>
             <a:r>
-              <a:rPr lang="ru-RU" sz="1800" b="0" i="0" u="none" strike="noStrike" cap="none" spc="0" dirty="0" err="1">
+              <a:rPr lang="ru-RU" sz="1800" b="0" i="0" u="none" strike="noStrike" cap="none" spc="0">
                 <a:solidFill>
                   <a:schemeClr val="tx1"/>
                 </a:solidFill>
@@ -6974,7 +10476,7 @@
               <a:t>свого</a:t>
             </a:r>
             <a:r>
-              <a:rPr lang="ru-RU" sz="1800" b="0" i="0" u="none" strike="noStrike" cap="none" spc="0" dirty="0">
+              <a:rPr lang="ru-RU" sz="1800" b="0" i="0" u="none" strike="noStrike" cap="none" spc="0">
                 <a:solidFill>
                   <a:schemeClr val="tx1"/>
                 </a:solidFill>
@@ -6984,7 +10486,7 @@
               <a:t> </a:t>
             </a:r>
             <a:r>
-              <a:rPr lang="ru-RU" sz="1800" b="0" i="0" u="none" strike="noStrike" cap="none" spc="0" dirty="0" err="1">
+              <a:rPr lang="ru-RU" sz="1800" b="0" i="0" u="none" strike="noStrike" cap="none" spc="0">
                 <a:solidFill>
                   <a:schemeClr val="tx1"/>
                 </a:solidFill>
@@ -6994,7 +10496,7 @@
               <a:t>рахунку</a:t>
             </a:r>
             <a:r>
-              <a:rPr lang="ru-RU" sz="1800" b="0" i="0" u="none" strike="noStrike" cap="none" spc="0" dirty="0">
+              <a:rPr lang="ru-RU" sz="1800" b="0" i="0" u="none" strike="noStrike" cap="none" spc="0">
                 <a:solidFill>
                   <a:schemeClr val="tx1"/>
                 </a:solidFill>
@@ -7004,7 +10506,7 @@
               <a:t> та </a:t>
             </a:r>
             <a:r>
-              <a:rPr lang="ru-RU" sz="1800" b="0" i="0" u="none" strike="noStrike" cap="none" spc="0" dirty="0" err="1">
+              <a:rPr lang="ru-RU" sz="1800" b="0" i="0" u="none" strike="noStrike" cap="none" spc="0">
                 <a:solidFill>
                   <a:schemeClr val="tx1"/>
                 </a:solidFill>
@@ -7014,7 +10516,7 @@
               <a:t>створювати</a:t>
             </a:r>
             <a:r>
-              <a:rPr lang="ru-RU" sz="1800" b="0" i="0" u="none" strike="noStrike" cap="none" spc="0" dirty="0">
+              <a:rPr lang="ru-RU" sz="1800" b="0" i="0" u="none" strike="noStrike" cap="none" spc="0">
                 <a:solidFill>
                   <a:schemeClr val="tx1"/>
                 </a:solidFill>
@@ -7024,7 +10526,7 @@
               <a:t> </a:t>
             </a:r>
             <a:r>
-              <a:rPr lang="ru-RU" sz="1800" b="0" i="0" u="none" strike="noStrike" cap="none" spc="0" dirty="0" err="1">
+              <a:rPr lang="ru-RU" sz="1800" b="0" i="0" u="none" strike="noStrike" cap="none" spc="0">
                 <a:solidFill>
                   <a:schemeClr val="tx1"/>
                 </a:solidFill>
@@ -7034,7 +10536,7 @@
               <a:t>транзакції</a:t>
             </a:r>
             <a:r>
-              <a:rPr lang="ru-RU" sz="1800" b="0" i="0" u="none" strike="noStrike" cap="none" spc="0" dirty="0">
+              <a:rPr lang="ru-RU" sz="1800" b="0" i="0" u="none" strike="noStrike" cap="none" spc="0">
                 <a:solidFill>
                   <a:schemeClr val="tx1"/>
                 </a:solidFill>
@@ -7044,7 +10546,7 @@
               <a:t>. </a:t>
             </a:r>
             <a:r>
-              <a:rPr lang="ru-RU" sz="1800" b="0" i="0" u="none" strike="noStrike" cap="none" spc="0" dirty="0" err="1">
+              <a:rPr lang="ru-RU" sz="1800" b="0" i="0" u="none" strike="noStrike" cap="none" spc="0">
                 <a:solidFill>
                   <a:schemeClr val="tx1"/>
                 </a:solidFill>
@@ -7054,7 +10556,7 @@
               <a:t>Користувачі</a:t>
             </a:r>
             <a:r>
-              <a:rPr lang="ru-RU" sz="1800" b="0" i="0" u="none" strike="noStrike" cap="none" spc="0" dirty="0">
+              <a:rPr lang="ru-RU" sz="1800" b="0" i="0" u="none" strike="noStrike" cap="none" spc="0">
                 <a:solidFill>
                   <a:schemeClr val="tx1"/>
                 </a:solidFill>
@@ -7064,7 +10566,7 @@
               <a:t> </a:t>
             </a:r>
             <a:r>
-              <a:rPr lang="ru-RU" sz="1800" b="0" i="0" u="none" strike="noStrike" cap="none" spc="0" dirty="0" err="1">
+              <a:rPr lang="ru-RU" sz="1800" b="0" i="0" u="none" strike="noStrike" cap="none" spc="0">
                 <a:solidFill>
                   <a:schemeClr val="tx1"/>
                 </a:solidFill>
@@ -7074,7 +10576,7 @@
               <a:t>можуть</a:t>
             </a:r>
             <a:r>
-              <a:rPr lang="ru-RU" sz="1800" b="0" i="0" u="none" strike="noStrike" cap="none" spc="0" dirty="0">
+              <a:rPr lang="ru-RU" sz="1800" b="0" i="0" u="none" strike="noStrike" cap="none" spc="0">
                 <a:solidFill>
                   <a:schemeClr val="tx1"/>
                 </a:solidFill>
@@ -7084,7 +10586,7 @@
               <a:t> </a:t>
             </a:r>
             <a:r>
-              <a:rPr lang="ru-RU" sz="1800" b="0" i="0" u="none" strike="noStrike" cap="none" spc="0" dirty="0" err="1">
+              <a:rPr lang="ru-RU" sz="1800" b="0" i="0" u="none" strike="noStrike" cap="none" spc="0">
                 <a:solidFill>
                   <a:schemeClr val="tx1"/>
                 </a:solidFill>
@@ -7094,7 +10596,7 @@
               <a:t>отримати</a:t>
             </a:r>
             <a:r>
-              <a:rPr lang="ru-RU" sz="1800" b="0" i="0" u="none" strike="noStrike" cap="none" spc="0" dirty="0">
+              <a:rPr lang="ru-RU" sz="1800" b="0" i="0" u="none" strike="noStrike" cap="none" spc="0">
                 <a:solidFill>
                   <a:schemeClr val="tx1"/>
                 </a:solidFill>
@@ -7104,7 +10606,7 @@
               <a:t> </a:t>
             </a:r>
             <a:r>
-              <a:rPr lang="ru-RU" sz="1800" b="0" i="0" u="none" strike="noStrike" cap="none" spc="0" dirty="0" err="1">
+              <a:rPr lang="ru-RU" sz="1800" b="0" i="0" u="none" strike="noStrike" cap="none" spc="0">
                 <a:solidFill>
                   <a:schemeClr val="tx1"/>
                 </a:solidFill>
@@ -7114,7 +10616,7 @@
               <a:t>безпечний</a:t>
             </a:r>
             <a:r>
-              <a:rPr lang="ru-RU" sz="1800" b="0" i="0" u="none" strike="noStrike" cap="none" spc="0" dirty="0">
+              <a:rPr lang="ru-RU" sz="1800" b="0" i="0" u="none" strike="noStrike" cap="none" spc="0">
                 <a:solidFill>
                   <a:schemeClr val="tx1"/>
                 </a:solidFill>
@@ -7124,7 +10626,7 @@
               <a:t> доступ до </a:t>
             </a:r>
             <a:r>
-              <a:rPr lang="ru-RU" sz="1800" b="0" i="0" u="none" strike="noStrike" cap="none" spc="0" dirty="0" err="1">
+              <a:rPr lang="ru-RU" sz="1800" b="0" i="0" u="none" strike="noStrike" cap="none" spc="0">
                 <a:solidFill>
                   <a:schemeClr val="tx1"/>
                 </a:solidFill>
@@ -7134,7 +10636,7 @@
               <a:t>гаманця</a:t>
             </a:r>
             <a:r>
-              <a:rPr lang="ru-RU" sz="1800" b="0" i="0" u="none" strike="noStrike" cap="none" spc="0" dirty="0">
+              <a:rPr lang="ru-RU" sz="1800" b="0" i="0" u="none" strike="noStrike" cap="none" spc="0">
                 <a:solidFill>
                   <a:schemeClr val="tx1"/>
                 </a:solidFill>
@@ -7144,7 +10646,7 @@
               <a:t>, </a:t>
             </a:r>
             <a:r>
-              <a:rPr lang="ru-RU" sz="1800" b="0" i="0" u="none" strike="noStrike" cap="none" spc="0" dirty="0" err="1">
+              <a:rPr lang="ru-RU" sz="1800" b="0" i="0" u="none" strike="noStrike" cap="none" spc="0">
                 <a:solidFill>
                   <a:schemeClr val="tx1"/>
                 </a:solidFill>
@@ -7154,7 +10656,7 @@
               <a:t>переглянути</a:t>
             </a:r>
             <a:r>
-              <a:rPr lang="ru-RU" sz="1800" b="0" i="0" u="none" strike="noStrike" cap="none" spc="0" dirty="0">
+              <a:rPr lang="ru-RU" sz="1800" b="0" i="0" u="none" strike="noStrike" cap="none" spc="0">
                 <a:solidFill>
                   <a:schemeClr val="tx1"/>
                 </a:solidFill>
@@ -7164,7 +10666,7 @@
               <a:t> </a:t>
             </a:r>
             <a:r>
-              <a:rPr lang="ru-RU" sz="1800" b="0" i="0" u="none" strike="noStrike" cap="none" spc="0" dirty="0" err="1">
+              <a:rPr lang="ru-RU" sz="1800" b="0" i="0" u="none" strike="noStrike" cap="none" spc="0">
                 <a:solidFill>
                   <a:schemeClr val="tx1"/>
                 </a:solidFill>
@@ -7174,7 +10676,7 @@
               <a:t>свій</a:t>
             </a:r>
             <a:r>
-              <a:rPr lang="ru-RU" sz="1800" b="0" i="0" u="none" strike="noStrike" cap="none" spc="0" dirty="0">
+              <a:rPr lang="ru-RU" sz="1800" b="0" i="0" u="none" strike="noStrike" cap="none" spc="0">
                 <a:solidFill>
                   <a:schemeClr val="tx1"/>
                 </a:solidFill>
@@ -7184,7 +10686,7 @@
               <a:t> баланс, </a:t>
             </a:r>
             <a:r>
-              <a:rPr lang="ru-RU" sz="1800" b="0" i="0" u="none" strike="noStrike" cap="none" spc="0" dirty="0" err="1">
+              <a:rPr lang="ru-RU" sz="1800" b="0" i="0" u="none" strike="noStrike" cap="none" spc="0">
                 <a:solidFill>
                   <a:schemeClr val="tx1"/>
                 </a:solidFill>
@@ -7194,7 +10696,7 @@
               <a:t>дані</a:t>
             </a:r>
             <a:r>
-              <a:rPr lang="ru-RU" sz="1800" b="0" i="0" u="none" strike="noStrike" cap="none" spc="0" dirty="0">
+              <a:rPr lang="ru-RU" sz="1800" b="0" i="0" u="none" strike="noStrike" cap="none" spc="0">
                 <a:solidFill>
                   <a:schemeClr val="tx1"/>
                 </a:solidFill>
@@ -7204,7 +10706,7 @@
               <a:t> </a:t>
             </a:r>
             <a:r>
-              <a:rPr lang="ru-RU" sz="1800" b="0" i="0" u="none" strike="noStrike" cap="none" spc="0" dirty="0" err="1">
+              <a:rPr lang="ru-RU" sz="1800" b="0" i="0" u="none" strike="noStrike" cap="none" spc="0">
                 <a:solidFill>
                   <a:schemeClr val="tx1"/>
                 </a:solidFill>
@@ -7214,7 +10716,7 @@
               <a:t>відправника</a:t>
             </a:r>
             <a:r>
-              <a:rPr lang="ru-RU" sz="1800" b="0" i="0" u="none" strike="noStrike" cap="none" spc="0" dirty="0">
+              <a:rPr lang="ru-RU" sz="1800" b="0" i="0" u="none" strike="noStrike" cap="none" spc="0">
                 <a:solidFill>
                   <a:schemeClr val="tx1"/>
                 </a:solidFill>
@@ -7224,7 +10726,7 @@
               <a:t> та </a:t>
             </a:r>
             <a:r>
-              <a:rPr lang="ru-RU" sz="1800" b="0" i="0" u="none" strike="noStrike" cap="none" spc="0" dirty="0" err="1">
+              <a:rPr lang="ru-RU" sz="1800" b="0" i="0" u="none" strike="noStrike" cap="none" spc="0">
                 <a:solidFill>
                   <a:schemeClr val="tx1"/>
                 </a:solidFill>
@@ -7234,7 +10736,7 @@
               <a:t>суми</a:t>
             </a:r>
             <a:r>
-              <a:rPr lang="ru-RU" sz="1800" b="0" i="0" u="none" strike="noStrike" cap="none" spc="0" dirty="0">
+              <a:rPr lang="ru-RU" sz="1800" b="0" i="0" u="none" strike="noStrike" cap="none" spc="0">
                 <a:solidFill>
                   <a:schemeClr val="tx1"/>
                 </a:solidFill>
@@ -7244,7 +10746,7 @@
               <a:t> </a:t>
             </a:r>
             <a:r>
-              <a:rPr lang="ru-RU" sz="1800" b="0" i="0" u="none" strike="noStrike" cap="none" spc="0" dirty="0" err="1">
+              <a:rPr lang="ru-RU" sz="1800" b="0" i="0" u="none" strike="noStrike" cap="none" spc="0">
                 <a:solidFill>
                   <a:schemeClr val="tx1"/>
                 </a:solidFill>
@@ -7254,7 +10756,7 @@
               <a:t>транзакцій</a:t>
             </a:r>
             <a:r>
-              <a:rPr lang="ru-RU" sz="1800" b="0" i="0" u="none" strike="noStrike" cap="none" spc="0" dirty="0">
+              <a:rPr lang="ru-RU" sz="1800" b="0" i="0" u="none" strike="noStrike" cap="none" spc="0">
                 <a:solidFill>
                   <a:schemeClr val="tx1"/>
                 </a:solidFill>
@@ -7264,7 +10766,7 @@
               <a:t>. Вони </a:t>
             </a:r>
             <a:r>
-              <a:rPr lang="ru-RU" sz="1800" b="0" i="0" u="none" strike="noStrike" cap="none" spc="0" dirty="0" err="1">
+              <a:rPr lang="ru-RU" sz="1800" b="0" i="0" u="none" strike="noStrike" cap="none" spc="0">
                 <a:solidFill>
                   <a:schemeClr val="tx1"/>
                 </a:solidFill>
@@ -7274,7 +10776,7 @@
               <a:t>також</a:t>
             </a:r>
             <a:r>
-              <a:rPr lang="ru-RU" sz="1800" b="0" i="0" u="none" strike="noStrike" cap="none" spc="0" dirty="0">
+              <a:rPr lang="ru-RU" sz="1800" b="0" i="0" u="none" strike="noStrike" cap="none" spc="0">
                 <a:solidFill>
                   <a:schemeClr val="tx1"/>
                 </a:solidFill>
@@ -7284,7 +10786,7 @@
               <a:t> </a:t>
             </a:r>
             <a:r>
-              <a:rPr lang="ru-RU" sz="1800" b="0" i="0" u="none" strike="noStrike" cap="none" spc="0" dirty="0" err="1">
+              <a:rPr lang="ru-RU" sz="1800" b="0" i="0" u="none" strike="noStrike" cap="none" spc="0">
                 <a:solidFill>
                   <a:schemeClr val="tx1"/>
                 </a:solidFill>
@@ -7294,7 +10796,7 @@
               <a:t>можуть</a:t>
             </a:r>
             <a:r>
-              <a:rPr lang="ru-RU" sz="1800" b="0" i="0" u="none" strike="noStrike" cap="none" spc="0" dirty="0">
+              <a:rPr lang="ru-RU" sz="1800" b="0" i="0" u="none" strike="noStrike" cap="none" spc="0">
                 <a:solidFill>
                   <a:schemeClr val="tx1"/>
                 </a:solidFill>
@@ -7304,7 +10806,7 @@
               <a:t> </a:t>
             </a:r>
             <a:r>
-              <a:rPr lang="ru-RU" sz="1800" b="0" i="0" u="none" strike="noStrike" cap="none" spc="0" dirty="0" err="1">
+              <a:rPr lang="ru-RU" sz="1800" b="0" i="0" u="none" strike="noStrike" cap="none" spc="0">
                 <a:solidFill>
                   <a:schemeClr val="tx1"/>
                 </a:solidFill>
@@ -7314,7 +10816,7 @@
               <a:t>ініціювати</a:t>
             </a:r>
             <a:r>
-              <a:rPr lang="ru-RU" sz="1800" b="0" i="0" u="none" strike="noStrike" cap="none" spc="0" dirty="0">
+              <a:rPr lang="ru-RU" sz="1800" b="0" i="0" u="none" strike="noStrike" cap="none" spc="0">
                 <a:solidFill>
                   <a:schemeClr val="tx1"/>
                 </a:solidFill>
@@ -7324,7 +10826,7 @@
               <a:t> </a:t>
             </a:r>
             <a:r>
-              <a:rPr lang="ru-RU" sz="1800" b="0" i="0" u="none" strike="noStrike" cap="none" spc="0" dirty="0" err="1">
+              <a:rPr lang="ru-RU" sz="1800" b="0" i="0" u="none" strike="noStrike" cap="none" spc="0">
                 <a:solidFill>
                   <a:schemeClr val="tx1"/>
                 </a:solidFill>
@@ -7334,7 +10836,7 @@
               <a:t>перекази</a:t>
             </a:r>
             <a:r>
-              <a:rPr lang="ru-RU" sz="1800" b="0" i="0" u="none" strike="noStrike" cap="none" spc="0" dirty="0">
+              <a:rPr lang="ru-RU" sz="1800" b="0" i="0" u="none" strike="noStrike" cap="none" spc="0">
                 <a:solidFill>
                   <a:schemeClr val="tx1"/>
                 </a:solidFill>
@@ -7344,7 +10846,7 @@
               <a:t> </a:t>
             </a:r>
             <a:r>
-              <a:rPr lang="ru-RU" sz="1800" b="0" i="0" u="none" strike="noStrike" cap="none" spc="0" dirty="0" err="1">
+              <a:rPr lang="ru-RU" sz="1800" b="0" i="0" u="none" strike="noStrike" cap="none" spc="0">
                 <a:solidFill>
                   <a:schemeClr val="tx1"/>
                 </a:solidFill>
@@ -7354,7 +10856,7 @@
               <a:t>іншим</a:t>
             </a:r>
             <a:r>
-              <a:rPr lang="ru-RU" sz="1800" b="0" i="0" u="none" strike="noStrike" cap="none" spc="0" dirty="0">
+              <a:rPr lang="ru-RU" sz="1800" b="0" i="0" u="none" strike="noStrike" cap="none" spc="0">
                 <a:solidFill>
                   <a:schemeClr val="tx1"/>
                 </a:solidFill>
@@ -7364,7 +10866,7 @@
               <a:t> </a:t>
             </a:r>
             <a:r>
-              <a:rPr lang="ru-RU" sz="1800" b="0" i="0" u="none" strike="noStrike" cap="none" spc="0" dirty="0" err="1">
+              <a:rPr lang="ru-RU" sz="1800" b="0" i="0" u="none" strike="noStrike" cap="none" spc="0">
                 <a:solidFill>
                   <a:schemeClr val="tx1"/>
                 </a:solidFill>
@@ -7374,7 +10876,7 @@
               <a:t>користувачам</a:t>
             </a:r>
             <a:r>
-              <a:rPr lang="ru-RU" sz="1800" b="0" i="0" u="none" strike="noStrike" cap="none" spc="0" dirty="0">
+              <a:rPr lang="ru-RU" sz="1800" b="0" i="0" u="none" strike="noStrike" cap="none" spc="0">
                 <a:solidFill>
                   <a:schemeClr val="tx1"/>
                 </a:solidFill>
@@ -7384,7 +10886,7 @@
               <a:t>, а система </a:t>
             </a:r>
             <a:r>
-              <a:rPr lang="ru-RU" sz="1800" b="0" i="0" u="none" strike="noStrike" cap="none" spc="0" dirty="0" err="1">
+              <a:rPr lang="ru-RU" sz="1800" b="0" i="0" u="none" strike="noStrike" cap="none" spc="0">
                 <a:solidFill>
                   <a:schemeClr val="tx1"/>
                 </a:solidFill>
@@ -7394,7 +10896,7 @@
               <a:t>надає</a:t>
             </a:r>
             <a:r>
-              <a:rPr lang="ru-RU" sz="1800" b="0" i="0" u="none" strike="noStrike" cap="none" spc="0" dirty="0">
+              <a:rPr lang="ru-RU" sz="1800" b="0" i="0" u="none" strike="noStrike" cap="none" spc="0">
                 <a:solidFill>
                   <a:schemeClr val="tx1"/>
                 </a:solidFill>
@@ -7404,7 +10906,7 @@
               <a:t> </a:t>
             </a:r>
             <a:r>
-              <a:rPr lang="ru-RU" sz="1800" b="0" i="0" u="none" strike="noStrike" cap="none" spc="0" dirty="0" err="1">
+              <a:rPr lang="ru-RU" sz="1800" b="0" i="0" u="none" strike="noStrike" cap="none" spc="0">
                 <a:solidFill>
                   <a:schemeClr val="tx1"/>
                 </a:solidFill>
@@ -7414,7 +10916,7 @@
               <a:t>зворотній</a:t>
             </a:r>
             <a:r>
-              <a:rPr lang="ru-RU" sz="1800" b="0" i="0" u="none" strike="noStrike" cap="none" spc="0" dirty="0">
+              <a:rPr lang="ru-RU" sz="1800" b="0" i="0" u="none" strike="noStrike" cap="none" spc="0">
                 <a:solidFill>
                   <a:schemeClr val="tx1"/>
                 </a:solidFill>
@@ -7424,7 +10926,7 @@
               <a:t> </a:t>
             </a:r>
             <a:r>
-              <a:rPr lang="ru-RU" sz="1800" b="0" i="0" u="none" strike="noStrike" cap="none" spc="0" dirty="0" err="1">
+              <a:rPr lang="ru-RU" sz="1800" b="0" i="0" u="none" strike="noStrike" cap="none" spc="0">
                 <a:solidFill>
                   <a:schemeClr val="tx1"/>
                 </a:solidFill>
@@ -7434,7 +10936,7 @@
               <a:t>зв'язок</a:t>
             </a:r>
             <a:r>
-              <a:rPr lang="ru-RU" sz="1800" b="0" i="0" u="none" strike="noStrike" cap="none" spc="0" dirty="0">
+              <a:rPr lang="ru-RU" sz="1800" b="0" i="0" u="none" strike="noStrike" cap="none" spc="0">
                 <a:solidFill>
                   <a:schemeClr val="tx1"/>
                 </a:solidFill>
@@ -7444,7 +10946,7 @@
               <a:t> у </a:t>
             </a:r>
             <a:r>
-              <a:rPr lang="ru-RU" sz="1800" b="0" i="0" u="none" strike="noStrike" cap="none" spc="0" dirty="0" err="1">
+              <a:rPr lang="ru-RU" sz="1800" b="0" i="0" u="none" strike="noStrike" cap="none" spc="0">
                 <a:solidFill>
                   <a:schemeClr val="tx1"/>
                 </a:solidFill>
@@ -7454,7 +10956,7 @@
               <a:t>разі</a:t>
             </a:r>
             <a:r>
-              <a:rPr lang="ru-RU" sz="1800" b="0" i="0" u="none" strike="noStrike" cap="none" spc="0" dirty="0">
+              <a:rPr lang="ru-RU" sz="1800" b="0" i="0" u="none" strike="noStrike" cap="none" spc="0">
                 <a:solidFill>
                   <a:schemeClr val="tx1"/>
                 </a:solidFill>
@@ -7464,7 +10966,7 @@
               <a:t> </a:t>
             </a:r>
             <a:r>
-              <a:rPr lang="ru-RU" sz="1800" b="0" i="0" u="none" strike="noStrike" cap="none" spc="0" dirty="0" err="1">
+              <a:rPr lang="ru-RU" sz="1800" b="0" i="0" u="none" strike="noStrike" cap="none" spc="0">
                 <a:solidFill>
                   <a:schemeClr val="tx1"/>
                 </a:solidFill>
@@ -7474,7 +10976,7 @@
               <a:t>введення</a:t>
             </a:r>
             <a:r>
-              <a:rPr lang="ru-RU" sz="1800" b="0" i="0" u="none" strike="noStrike" cap="none" spc="0" dirty="0">
+              <a:rPr lang="ru-RU" sz="1800" b="0" i="0" u="none" strike="noStrike" cap="none" spc="0">
                 <a:solidFill>
                   <a:schemeClr val="tx1"/>
                 </a:solidFill>
@@ -7484,7 +10986,7 @@
               <a:t> </a:t>
             </a:r>
             <a:r>
-              <a:rPr lang="ru-RU" sz="1800" b="0" i="0" u="none" strike="noStrike" cap="none" spc="0" dirty="0" err="1">
+              <a:rPr lang="ru-RU" sz="1800" b="0" i="0" u="none" strike="noStrike" cap="none" spc="0">
                 <a:solidFill>
                   <a:schemeClr val="tx1"/>
                 </a:solidFill>
@@ -7494,7 +10996,7 @@
               <a:t>невірної</a:t>
             </a:r>
             <a:r>
-              <a:rPr lang="ru-RU" sz="1800" b="0" i="0" u="none" strike="noStrike" cap="none" spc="0" dirty="0">
+              <a:rPr lang="ru-RU" sz="1800" b="0" i="0" u="none" strike="noStrike" cap="none" spc="0">
                 <a:solidFill>
                   <a:schemeClr val="tx1"/>
                 </a:solidFill>
@@ -7504,7 +11006,7 @@
               <a:t> </a:t>
             </a:r>
             <a:r>
-              <a:rPr lang="ru-RU" sz="1800" b="0" i="0" u="none" strike="noStrike" cap="none" spc="0" dirty="0" err="1">
+              <a:rPr lang="ru-RU" sz="1800" b="0" i="0" u="none" strike="noStrike" cap="none" spc="0">
                 <a:solidFill>
                   <a:schemeClr val="tx1"/>
                 </a:solidFill>
@@ -7514,7 +11016,7 @@
               <a:t>або</a:t>
             </a:r>
             <a:r>
-              <a:rPr lang="ru-RU" sz="1800" b="0" i="0" u="none" strike="noStrike" cap="none" spc="0" dirty="0">
+              <a:rPr lang="ru-RU" sz="1800" b="0" i="0" u="none" strike="noStrike" cap="none" spc="0">
                 <a:solidFill>
                   <a:schemeClr val="tx1"/>
                 </a:solidFill>
@@ -7524,7 +11026,7 @@
               <a:t> </a:t>
             </a:r>
             <a:r>
-              <a:rPr lang="ru-RU" sz="1800" b="0" i="0" u="none" strike="noStrike" cap="none" spc="0" dirty="0" err="1">
+              <a:rPr lang="ru-RU" sz="1800" b="0" i="0" u="none" strike="noStrike" cap="none" spc="0">
                 <a:solidFill>
                   <a:schemeClr val="tx1"/>
                 </a:solidFill>
@@ -7534,7 +11036,7 @@
               <a:t>неповної</a:t>
             </a:r>
             <a:r>
-              <a:rPr lang="ru-RU" sz="1800" b="0" i="0" u="none" strike="noStrike" cap="none" spc="0" dirty="0">
+              <a:rPr lang="ru-RU" sz="1800" b="0" i="0" u="none" strike="noStrike" cap="none" spc="0">
                 <a:solidFill>
                   <a:schemeClr val="tx1"/>
                 </a:solidFill>
@@ -7544,7 +11046,7 @@
               <a:t> </a:t>
             </a:r>
             <a:r>
-              <a:rPr lang="ru-RU" sz="1800" b="0" i="0" u="none" strike="noStrike" cap="none" spc="0" dirty="0" err="1">
+              <a:rPr lang="ru-RU" sz="1800" b="0" i="0" u="none" strike="noStrike" cap="none" spc="0">
                 <a:solidFill>
                   <a:schemeClr val="tx1"/>
                 </a:solidFill>
@@ -7554,7 +11056,7 @@
               <a:t>інформації</a:t>
             </a:r>
             <a:r>
-              <a:rPr lang="ru-RU" sz="1800" b="0" i="0" u="none" strike="noStrike" cap="none" spc="0" dirty="0">
+              <a:rPr lang="ru-RU" sz="1800" b="0" i="0" u="none" strike="noStrike" cap="none" spc="0">
                 <a:solidFill>
                   <a:schemeClr val="tx1"/>
                 </a:solidFill>
@@ -7564,7 +11066,7 @@
               <a:t>, </a:t>
             </a:r>
             <a:r>
-              <a:rPr lang="ru-RU" sz="1800" b="0" i="0" u="none" strike="noStrike" cap="none" spc="0" dirty="0" err="1">
+              <a:rPr lang="ru-RU" sz="1800" b="0" i="0" u="none" strike="noStrike" cap="none" spc="0">
                 <a:solidFill>
                   <a:schemeClr val="tx1"/>
                 </a:solidFill>
@@ -7574,7 +11076,7 @@
               <a:t>щоб</a:t>
             </a:r>
             <a:r>
-              <a:rPr lang="ru-RU" sz="1800" b="0" i="0" u="none" strike="noStrike" cap="none" spc="0" dirty="0">
+              <a:rPr lang="ru-RU" sz="1800" b="0" i="0" u="none" strike="noStrike" cap="none" spc="0">
                 <a:solidFill>
                   <a:schemeClr val="tx1"/>
                 </a:solidFill>
@@ -7584,7 +11086,7 @@
               <a:t> </a:t>
             </a:r>
             <a:r>
-              <a:rPr lang="ru-RU" sz="1800" b="0" i="0" u="none" strike="noStrike" cap="none" spc="0" dirty="0" err="1">
+              <a:rPr lang="ru-RU" sz="1800" b="0" i="0" u="none" strike="noStrike" cap="none" spc="0">
                 <a:solidFill>
                   <a:schemeClr val="tx1"/>
                 </a:solidFill>
@@ -7594,7 +11096,7 @@
               <a:t>забезпечити</a:t>
             </a:r>
             <a:r>
-              <a:rPr lang="ru-RU" sz="1800" b="0" i="0" u="none" strike="noStrike" cap="none" spc="0" dirty="0">
+              <a:rPr lang="ru-RU" sz="1800" b="0" i="0" u="none" strike="noStrike" cap="none" spc="0">
                 <a:solidFill>
                   <a:schemeClr val="tx1"/>
                 </a:solidFill>
@@ -7604,7 +11106,7 @@
               <a:t> </a:t>
             </a:r>
             <a:r>
-              <a:rPr lang="ru-RU" sz="1800" b="0" i="0" u="none" strike="noStrike" cap="none" spc="0" dirty="0" err="1">
+              <a:rPr lang="ru-RU" sz="1800" b="0" i="0" u="none" strike="noStrike" cap="none" spc="0">
                 <a:solidFill>
                   <a:schemeClr val="tx1"/>
                 </a:solidFill>
@@ -7614,7 +11116,7 @@
               <a:t>безпеку</a:t>
             </a:r>
             <a:r>
-              <a:rPr lang="ru-RU" sz="1800" b="0" i="0" u="none" strike="noStrike" cap="none" spc="0" dirty="0">
+              <a:rPr lang="ru-RU" sz="1800" b="0" i="0" u="none" strike="noStrike" cap="none" spc="0">
                 <a:solidFill>
                   <a:schemeClr val="tx1"/>
                 </a:solidFill>
@@ -7624,7 +11126,7 @@
               <a:t> та </a:t>
             </a:r>
             <a:r>
-              <a:rPr lang="ru-RU" sz="1800" b="0" i="0" u="none" strike="noStrike" cap="none" spc="0" dirty="0" err="1">
+              <a:rPr lang="ru-RU" sz="1800" b="0" i="0" u="none" strike="noStrike" cap="none" spc="0">
                 <a:solidFill>
                   <a:schemeClr val="tx1"/>
                 </a:solidFill>
@@ -7634,7 +11136,7 @@
               <a:t>ефективність</a:t>
             </a:r>
             <a:r>
-              <a:rPr lang="ru-RU" sz="1800" b="0" i="0" u="none" strike="noStrike" cap="none" spc="0" dirty="0">
+              <a:rPr lang="ru-RU" sz="1800" b="0" i="0" u="none" strike="noStrike" cap="none" spc="0">
                 <a:solidFill>
                   <a:schemeClr val="tx1"/>
                 </a:solidFill>
@@ -7644,7 +11146,7 @@
               <a:t> </a:t>
             </a:r>
             <a:r>
-              <a:rPr lang="ru-RU" sz="1800" b="0" i="0" u="none" strike="noStrike" cap="none" spc="0" dirty="0" err="1">
+              <a:rPr lang="ru-RU" sz="1800" b="0" i="0" u="none" strike="noStrike" cap="none" spc="0">
                 <a:solidFill>
                   <a:schemeClr val="tx1"/>
                 </a:solidFill>
@@ -7654,7 +11156,7 @@
               <a:t>транзакцій</a:t>
             </a:r>
             <a:r>
-              <a:rPr lang="ru-RU" sz="1800" b="0" i="0" u="none" strike="noStrike" cap="none" spc="0" dirty="0">
+              <a:rPr lang="ru-RU" sz="1800" b="0" i="0" u="none" strike="noStrike" cap="none" spc="0">
                 <a:solidFill>
                   <a:schemeClr val="tx1"/>
                 </a:solidFill>
@@ -7663,7 +11165,7 @@
               </a:rPr>
               <a:t>.</a:t>
             </a:r>
-            <a:endParaRPr dirty="0">
+            <a:endParaRPr>
               <a:latin typeface="Times New Roman"/>
               <a:cs typeface="Times New Roman"/>
             </a:endParaRPr>
@@ -7675,12 +11177,20 @@
   <p:clrMapOvr>
     <a:masterClrMapping/>
   </p:clrMapOvr>
+  <mc:AlternateContent xmlns:mc="http://schemas.openxmlformats.org/markup-compatibility/2006">
+    <mc:Choice xmlns:p14="http://schemas.microsoft.com/office/powerpoint/2010/main" Requires="p14">
+      <p:transition p14:dur="2000" advClick="1"/>
+    </mc:Choice>
+    <mc:Fallback>
+      <p:transition advClick="1"/>
+    </mc:Fallback>
+  </mc:AlternateContent>
 </p:sld>
 </file>
 
 <file path=ppt/slides/slide6.xml><?xml version="1.0" encoding="utf-8"?>
-<p:sld xmlns:a="http://schemas.openxmlformats.org/drawingml/2006/main" xmlns:r="http://schemas.openxmlformats.org/officeDocument/2006/relationships" xmlns:p="http://schemas.openxmlformats.org/presentationml/2006/main" showMasterSp="0" showMasterPhAnim="0">
-  <p:cSld>
+<p:sld xmlns:a="http://schemas.openxmlformats.org/drawingml/2006/main" xmlns:r="http://schemas.openxmlformats.org/officeDocument/2006/relationships" xmlns:p="http://schemas.openxmlformats.org/presentationml/2006/main" xmlns:m="http://schemas.openxmlformats.org/officeDocument/2006/math" xmlns:w="http://schemas.openxmlformats.org/wordprocessingml/2006/main" showMasterPhAnim="0" showMasterSp="0" show="1">
+  <p:cSld name="">
     <p:spTree>
       <p:nvGrpSpPr>
         <p:cNvPr id="1" name=""/>
@@ -7789,7 +11299,7 @@
             </a:pPr>
             <a:fld id="{F0DE9C11-6235-09BC-BB40-2342D69C24F4}" type="slidenum">
               <a:rPr sz="2800"/>
-              <a:t>6</a:t>
+              <a:t/>
             </a:fld>
             <a:endParaRPr/>
           </a:p>
@@ -7902,12 +11412,20 @@
   <p:clrMapOvr>
     <a:masterClrMapping/>
   </p:clrMapOvr>
+  <mc:AlternateContent xmlns:mc="http://schemas.openxmlformats.org/markup-compatibility/2006">
+    <mc:Choice xmlns:p14="http://schemas.microsoft.com/office/powerpoint/2010/main" Requires="p14">
+      <p:transition p14:dur="2000" advClick="1"/>
+    </mc:Choice>
+    <mc:Fallback>
+      <p:transition advClick="1"/>
+    </mc:Fallback>
+  </mc:AlternateContent>
 </p:sld>
 </file>
 
 <file path=ppt/slides/slide7.xml><?xml version="1.0" encoding="utf-8"?>
-<p:sld xmlns:a="http://schemas.openxmlformats.org/drawingml/2006/main" xmlns:r="http://schemas.openxmlformats.org/officeDocument/2006/relationships" xmlns:p="http://schemas.openxmlformats.org/presentationml/2006/main" showMasterSp="0" showMasterPhAnim="0">
-  <p:cSld>
+<p:sld xmlns:a="http://schemas.openxmlformats.org/drawingml/2006/main" xmlns:r="http://schemas.openxmlformats.org/officeDocument/2006/relationships" xmlns:p="http://schemas.openxmlformats.org/presentationml/2006/main" xmlns:m="http://schemas.openxmlformats.org/officeDocument/2006/math" xmlns:w="http://schemas.openxmlformats.org/wordprocessingml/2006/main" showMasterPhAnim="0" showMasterSp="0" show="1">
+  <p:cSld name="">
     <p:spTree>
       <p:nvGrpSpPr>
         <p:cNvPr id="1" name=""/>
@@ -8016,7 +11534,7 @@
             </a:pPr>
             <a:fld id="{EAFA53F4-7FB4-AE4B-1D46-CBC0E5FF6C1D}" type="slidenum">
               <a:rPr sz="2800"/>
-              <a:t>7</a:t>
+              <a:t/>
             </a:fld>
             <a:endParaRPr/>
           </a:p>
@@ -8111,7 +11629,7 @@
               <a:defRPr/>
             </a:pPr>
             <a:r>
-              <a:rPr lang="ru-RU" sz="3200" b="0" i="0" u="none" strike="noStrike" cap="none" spc="0" dirty="0">
+              <a:rPr lang="ru-RU" sz="3200" b="0" i="0" u="none" strike="noStrike" cap="none" spc="0">
                 <a:solidFill>
                   <a:schemeClr val="tx1"/>
                 </a:solidFill>
@@ -8122,7 +11640,7 @@
               <a:t>UML </a:t>
             </a:r>
             <a:r>
-              <a:rPr lang="ru-RU" sz="3200" b="0" i="0" u="none" strike="noStrike" cap="none" spc="0" dirty="0" err="1">
+              <a:rPr lang="ru-RU" sz="3200" b="0" i="0" u="none" strike="noStrike" cap="none" spc="0">
                 <a:solidFill>
                   <a:schemeClr val="tx1"/>
                 </a:solidFill>
@@ -8133,7 +11651,7 @@
               <a:t>diagram</a:t>
             </a:r>
             <a:r>
-              <a:rPr lang="ru-RU" sz="3200" b="0" i="0" u="none" strike="noStrike" cap="none" spc="0" dirty="0">
+              <a:rPr lang="ru-RU" sz="3200" b="0" i="0" u="none" strike="noStrike" cap="none" spc="0">
                 <a:solidFill>
                   <a:schemeClr val="tx1"/>
                 </a:solidFill>
@@ -8144,7 +11662,7 @@
               <a:t> </a:t>
             </a:r>
             <a:r>
-              <a:rPr lang="ru-RU" sz="3200" b="0" i="0" u="none" strike="noStrike" cap="none" spc="0" dirty="0" err="1">
+              <a:rPr lang="ru-RU" sz="3200" b="0" i="0" u="none" strike="noStrike" cap="none" spc="0">
                 <a:solidFill>
                   <a:schemeClr val="tx1"/>
                 </a:solidFill>
@@ -8155,7 +11673,7 @@
               <a:t>of</a:t>
             </a:r>
             <a:r>
-              <a:rPr lang="ru-RU" sz="3200" b="0" i="0" u="none" strike="noStrike" cap="none" spc="0" dirty="0">
+              <a:rPr lang="ru-RU" sz="3200" b="0" i="0" u="none" strike="noStrike" cap="none" spc="0">
                 <a:solidFill>
                   <a:schemeClr val="tx1"/>
                 </a:solidFill>
@@ -8166,7 +11684,7 @@
               <a:t> </a:t>
             </a:r>
             <a:r>
-              <a:rPr lang="ru-RU" sz="3200" b="0" i="0" u="none" strike="noStrike" cap="none" spc="0" dirty="0" err="1">
+              <a:rPr lang="ru-RU" sz="3200" b="0" i="0" u="none" strike="noStrike" cap="none" spc="0">
                 <a:solidFill>
                   <a:schemeClr val="tx1"/>
                 </a:solidFill>
@@ -8176,7 +11694,7 @@
               </a:rPr>
               <a:t>сomponents</a:t>
             </a:r>
-            <a:endParaRPr sz="3200" b="1" dirty="0">
+            <a:endParaRPr sz="3200" b="1">
               <a:latin typeface="Roboto"/>
               <a:cs typeface="Roboto"/>
             </a:endParaRPr>
@@ -8191,7 +11709,7 @@
         </p:nvSpPr>
         <p:spPr bwMode="auto">
           <a:xfrm>
-            <a:off x="127350" y="749053"/>
+            <a:off x="127350" y="749052"/>
             <a:ext cx="4994769" cy="5303880"/>
           </a:xfrm>
           <a:prstGeom prst="rect">
@@ -8209,7 +11727,7 @@
               <a:defRPr/>
             </a:pPr>
             <a:r>
-              <a:rPr lang="ru-RU" sz="1800" b="0" i="0" u="none" strike="noStrike" cap="none" spc="0" dirty="0">
+              <a:rPr lang="ru-RU" sz="1800" b="0" i="0" u="none" strike="noStrike" cap="none" spc="0">
                 <a:solidFill>
                   <a:schemeClr val="tx1"/>
                 </a:solidFill>
@@ -8219,7 +11737,7 @@
               <a:t>Наш веб-</a:t>
             </a:r>
             <a:r>
-              <a:rPr lang="ru-RU" sz="1800" b="0" i="0" u="none" strike="noStrike" cap="none" spc="0" dirty="0" err="1">
+              <a:rPr lang="ru-RU" sz="1800" b="0" i="0" u="none" strike="noStrike" cap="none" spc="0">
                 <a:solidFill>
                   <a:schemeClr val="tx1"/>
                 </a:solidFill>
@@ -8229,7 +11747,7 @@
               <a:t>гаманець</a:t>
             </a:r>
             <a:r>
-              <a:rPr lang="ru-RU" sz="1800" b="0" i="0" u="none" strike="noStrike" cap="none" spc="0" dirty="0">
+              <a:rPr lang="ru-RU" sz="1800" b="0" i="0" u="none" strike="noStrike" cap="none" spc="0">
                 <a:solidFill>
                   <a:schemeClr val="tx1"/>
                 </a:solidFill>
@@ -8239,7 +11757,7 @@
               <a:t> на </a:t>
             </a:r>
             <a:r>
-              <a:rPr lang="ru-RU" sz="1800" b="0" i="0" u="none" strike="noStrike" cap="none" spc="0" dirty="0" err="1">
+              <a:rPr lang="ru-RU" sz="1800" b="0" i="0" u="none" strike="noStrike" cap="none" spc="0">
                 <a:solidFill>
                   <a:schemeClr val="tx1"/>
                 </a:solidFill>
@@ -8249,7 +11767,7 @@
               <a:t>основі</a:t>
             </a:r>
             <a:r>
-              <a:rPr lang="ru-RU" sz="1800" b="0" i="0" u="none" strike="noStrike" cap="none" spc="0" dirty="0">
+              <a:rPr lang="ru-RU" sz="1800" b="0" i="0" u="none" strike="noStrike" cap="none" spc="0">
                 <a:solidFill>
                   <a:schemeClr val="tx1"/>
                 </a:solidFill>
@@ -8259,7 +11777,7 @@
               <a:t> блокчейну </a:t>
             </a:r>
             <a:r>
-              <a:rPr lang="ru-RU" sz="1800" b="0" i="0" u="none" strike="noStrike" cap="none" spc="0" dirty="0" err="1">
+              <a:rPr lang="ru-RU" sz="1800" b="0" i="0" u="none" strike="noStrike" cap="none" spc="0">
                 <a:solidFill>
                   <a:schemeClr val="tx1"/>
                 </a:solidFill>
@@ -8269,7 +11787,7 @@
               <a:t>використовує</a:t>
             </a:r>
             <a:r>
-              <a:rPr lang="ru-RU" sz="1800" b="0" i="0" u="none" strike="noStrike" cap="none" spc="0" dirty="0">
+              <a:rPr lang="ru-RU" sz="1800" b="0" i="0" u="none" strike="noStrike" cap="none" spc="0">
                 <a:solidFill>
                   <a:schemeClr val="tx1"/>
                 </a:solidFill>
@@ -8279,7 +11797,7 @@
               <a:t> </a:t>
             </a:r>
             <a:r>
-              <a:rPr lang="ru-RU" sz="1800" b="0" i="0" u="none" strike="noStrike" cap="none" spc="0" dirty="0" err="1">
+              <a:rPr lang="ru-RU" sz="1800" b="0" i="0" u="none" strike="noStrike" cap="none" spc="0">
                 <a:solidFill>
                   <a:schemeClr val="tx1"/>
                 </a:solidFill>
@@ -8289,7 +11807,7 @@
               <a:t>архітектуру</a:t>
             </a:r>
             <a:r>
-              <a:rPr lang="ru-RU" sz="1800" b="0" i="0" u="none" strike="noStrike" cap="none" spc="0" dirty="0">
+              <a:rPr lang="ru-RU" sz="1800" b="0" i="0" u="none" strike="noStrike" cap="none" spc="0">
                 <a:solidFill>
                   <a:schemeClr val="tx1"/>
                 </a:solidFill>
@@ -8299,7 +11817,7 @@
               <a:t> Model-View-</a:t>
             </a:r>
             <a:r>
-              <a:rPr lang="ru-RU" sz="1800" b="0" i="0" u="none" strike="noStrike" cap="none" spc="0" dirty="0" err="1">
+              <a:rPr lang="ru-RU" sz="1800" b="0" i="0" u="none" strike="noStrike" cap="none" spc="0">
                 <a:solidFill>
                   <a:schemeClr val="tx1"/>
                 </a:solidFill>
@@ -8309,7 +11827,7 @@
               <a:t>Controller</a:t>
             </a:r>
             <a:r>
-              <a:rPr lang="ru-RU" sz="1800" b="0" i="0" u="none" strike="noStrike" cap="none" spc="0" dirty="0">
+              <a:rPr lang="ru-RU" sz="1800" b="0" i="0" u="none" strike="noStrike" cap="none" spc="0">
                 <a:solidFill>
                   <a:schemeClr val="tx1"/>
                 </a:solidFill>
@@ -8319,7 +11837,7 @@
               <a:t> (MVC) для </a:t>
             </a:r>
             <a:r>
-              <a:rPr lang="ru-RU" sz="1800" b="0" i="0" u="none" strike="noStrike" cap="none" spc="0" dirty="0" err="1">
+              <a:rPr lang="ru-RU" sz="1800" b="0" i="0" u="none" strike="noStrike" cap="none" spc="0">
                 <a:solidFill>
                   <a:schemeClr val="tx1"/>
                 </a:solidFill>
@@ -8329,7 +11847,7 @@
               <a:t>оптимізації</a:t>
             </a:r>
             <a:r>
-              <a:rPr lang="ru-RU" sz="1800" b="0" i="0" u="none" strike="noStrike" cap="none" spc="0" dirty="0">
+              <a:rPr lang="ru-RU" sz="1800" b="0" i="0" u="none" strike="noStrike" cap="none" spc="0">
                 <a:solidFill>
                   <a:schemeClr val="tx1"/>
                 </a:solidFill>
@@ -8339,7 +11857,7 @@
               <a:t> </a:t>
             </a:r>
             <a:r>
-              <a:rPr lang="ru-RU" sz="1800" b="0" i="0" u="none" strike="noStrike" cap="none" spc="0" dirty="0" err="1">
+              <a:rPr lang="ru-RU" sz="1800" b="0" i="0" u="none" strike="noStrike" cap="none" spc="0">
                 <a:solidFill>
                   <a:schemeClr val="tx1"/>
                 </a:solidFill>
@@ -8349,7 +11867,7 @@
               <a:t>операцій</a:t>
             </a:r>
             <a:r>
-              <a:rPr lang="ru-RU" sz="1800" b="0" i="0" u="none" strike="noStrike" cap="none" spc="0" dirty="0">
+              <a:rPr lang="ru-RU" sz="1800" b="0" i="0" u="none" strike="noStrike" cap="none" spc="0">
                 <a:solidFill>
                   <a:schemeClr val="tx1"/>
                 </a:solidFill>
@@ -8359,7 +11877,7 @@
               <a:t> та </a:t>
             </a:r>
             <a:r>
-              <a:rPr lang="ru-RU" sz="1800" b="0" i="0" u="none" strike="noStrike" cap="none" spc="0" dirty="0" err="1">
+              <a:rPr lang="ru-RU" sz="1800" b="0" i="0" u="none" strike="noStrike" cap="none" spc="0">
                 <a:solidFill>
                   <a:schemeClr val="tx1"/>
                 </a:solidFill>
@@ -8369,7 +11887,7 @@
               <a:t>покращення</a:t>
             </a:r>
             <a:r>
-              <a:rPr lang="ru-RU" sz="1800" b="0" i="0" u="none" strike="noStrike" cap="none" spc="0" dirty="0">
+              <a:rPr lang="ru-RU" sz="1800" b="0" i="0" u="none" strike="noStrike" cap="none" spc="0">
                 <a:solidFill>
                   <a:schemeClr val="tx1"/>
                 </a:solidFill>
@@ -8379,7 +11897,7 @@
               <a:t> </a:t>
             </a:r>
             <a:r>
-              <a:rPr lang="ru-RU" sz="1800" b="0" i="0" u="none" strike="noStrike" cap="none" spc="0" dirty="0" err="1">
+              <a:rPr lang="ru-RU" sz="1800" b="0" i="0" u="none" strike="noStrike" cap="none" spc="0">
                 <a:solidFill>
                   <a:schemeClr val="tx1"/>
                 </a:solidFill>
@@ -8389,7 +11907,7 @@
               <a:t>користувацького</a:t>
             </a:r>
             <a:r>
-              <a:rPr lang="ru-RU" sz="1800" b="0" i="0" u="none" strike="noStrike" cap="none" spc="0" dirty="0">
+              <a:rPr lang="ru-RU" sz="1800" b="0" i="0" u="none" strike="noStrike" cap="none" spc="0">
                 <a:solidFill>
                   <a:schemeClr val="tx1"/>
                 </a:solidFill>
@@ -8399,7 +11917,7 @@
               <a:t> </a:t>
             </a:r>
             <a:r>
-              <a:rPr lang="ru-RU" sz="1800" b="0" i="0" u="none" strike="noStrike" cap="none" spc="0" dirty="0" err="1">
+              <a:rPr lang="ru-RU" sz="1800" b="0" i="0" u="none" strike="noStrike" cap="none" spc="0">
                 <a:solidFill>
                   <a:schemeClr val="tx1"/>
                 </a:solidFill>
@@ -8409,7 +11927,7 @@
               <a:t>досвіду</a:t>
             </a:r>
             <a:r>
-              <a:rPr lang="ru-RU" sz="1800" b="0" i="0" u="none" strike="noStrike" cap="none" spc="0" dirty="0">
+              <a:rPr lang="ru-RU" sz="1800" b="0" i="0" u="none" strike="noStrike" cap="none" spc="0">
                 <a:solidFill>
                   <a:schemeClr val="tx1"/>
                 </a:solidFill>
@@ -8419,7 +11937,7 @@
               <a:t>. Модель </a:t>
             </a:r>
             <a:r>
-              <a:rPr lang="ru-RU" sz="1800" b="0" i="0" u="none" strike="noStrike" cap="none" spc="0" dirty="0" err="1">
+              <a:rPr lang="ru-RU" sz="1800" b="0" i="0" u="none" strike="noStrike" cap="none" spc="0">
                 <a:solidFill>
                   <a:schemeClr val="tx1"/>
                 </a:solidFill>
@@ -8429,7 +11947,7 @@
               <a:t>відповідає</a:t>
             </a:r>
             <a:r>
-              <a:rPr lang="ru-RU" sz="1800" b="0" i="0" u="none" strike="noStrike" cap="none" spc="0" dirty="0">
+              <a:rPr lang="ru-RU" sz="1800" b="0" i="0" u="none" strike="noStrike" cap="none" spc="0">
                 <a:solidFill>
                   <a:schemeClr val="tx1"/>
                 </a:solidFill>
@@ -8439,7 +11957,7 @@
               <a:t> </a:t>
             </a:r>
             <a:r>
-              <a:rPr lang="ru-RU" sz="1800" b="0" i="0" u="none" strike="noStrike" cap="none" spc="0" dirty="0" err="1">
+              <a:rPr lang="ru-RU" sz="1800" b="0" i="0" u="none" strike="noStrike" cap="none" spc="0">
                 <a:solidFill>
                   <a:schemeClr val="tx1"/>
                 </a:solidFill>
@@ -8449,7 +11967,7 @@
               <a:t>основним</a:t>
             </a:r>
             <a:r>
-              <a:rPr lang="ru-RU" sz="1800" b="0" i="0" u="none" strike="noStrike" cap="none" spc="0" dirty="0">
+              <a:rPr lang="ru-RU" sz="1800" b="0" i="0" u="none" strike="noStrike" cap="none" spc="0">
                 <a:solidFill>
                   <a:schemeClr val="tx1"/>
                 </a:solidFill>
@@ -8459,7 +11977,7 @@
               <a:t> </a:t>
             </a:r>
             <a:r>
-              <a:rPr lang="ru-RU" sz="1800" b="0" i="0" u="none" strike="noStrike" cap="none" spc="0" dirty="0" err="1">
+              <a:rPr lang="ru-RU" sz="1800" b="0" i="0" u="none" strike="noStrike" cap="none" spc="0">
                 <a:solidFill>
                   <a:schemeClr val="tx1"/>
                 </a:solidFill>
@@ -8469,7 +11987,7 @@
               <a:t>даним</a:t>
             </a:r>
             <a:r>
-              <a:rPr lang="ru-RU" sz="1800" b="0" i="0" u="none" strike="noStrike" cap="none" spc="0" dirty="0">
+              <a:rPr lang="ru-RU" sz="1800" b="0" i="0" u="none" strike="noStrike" cap="none" spc="0">
                 <a:solidFill>
                   <a:schemeClr val="tx1"/>
                 </a:solidFill>
@@ -8479,7 +11997,7 @@
               <a:t> і правилам </a:t>
             </a:r>
             <a:r>
-              <a:rPr lang="ru-RU" sz="1800" b="0" i="0" u="none" strike="noStrike" cap="none" spc="0" dirty="0" err="1">
+              <a:rPr lang="ru-RU" sz="1800" b="0" i="0" u="none" strike="noStrike" cap="none" spc="0">
                 <a:solidFill>
                   <a:schemeClr val="tx1"/>
                 </a:solidFill>
@@ -8489,7 +12007,7 @@
               <a:t>нашого</a:t>
             </a:r>
             <a:r>
-              <a:rPr lang="ru-RU" sz="1800" b="0" i="0" u="none" strike="noStrike" cap="none" spc="0" dirty="0">
+              <a:rPr lang="ru-RU" sz="1800" b="0" i="0" u="none" strike="noStrike" cap="none" spc="0">
                 <a:solidFill>
                   <a:schemeClr val="tx1"/>
                 </a:solidFill>
@@ -8499,7 +12017,7 @@
               <a:t> </a:t>
             </a:r>
             <a:r>
-              <a:rPr lang="ru-RU" sz="1800" b="0" i="0" u="none" strike="noStrike" cap="none" spc="0" dirty="0" err="1">
+              <a:rPr lang="ru-RU" sz="1800" b="0" i="0" u="none" strike="noStrike" cap="none" spc="0">
                 <a:solidFill>
                   <a:schemeClr val="tx1"/>
                 </a:solidFill>
@@ -8509,7 +12027,7 @@
               <a:t>додатку</a:t>
             </a:r>
             <a:r>
-              <a:rPr lang="ru-RU" sz="1800" b="0" i="0" u="none" strike="noStrike" cap="none" spc="0" dirty="0">
+              <a:rPr lang="ru-RU" sz="1800" b="0" i="0" u="none" strike="noStrike" cap="none" spc="0">
                 <a:solidFill>
                   <a:schemeClr val="tx1"/>
                 </a:solidFill>
@@ -8519,7 +12037,7 @@
               <a:t>, таким як </a:t>
             </a:r>
             <a:r>
-              <a:rPr lang="ru-RU" sz="1800" b="0" i="0" u="none" strike="noStrike" cap="none" spc="0" dirty="0" err="1">
+              <a:rPr lang="ru-RU" sz="1800" b="0" i="0" u="none" strike="noStrike" cap="none" spc="0">
                 <a:solidFill>
                   <a:schemeClr val="tx1"/>
                 </a:solidFill>
@@ -8529,7 +12047,7 @@
               <a:t>інформація</a:t>
             </a:r>
             <a:r>
-              <a:rPr lang="ru-RU" sz="1800" b="0" i="0" u="none" strike="noStrike" cap="none" spc="0" dirty="0">
+              <a:rPr lang="ru-RU" sz="1800" b="0" i="0" u="none" strike="noStrike" cap="none" spc="0">
                 <a:solidFill>
                   <a:schemeClr val="tx1"/>
                 </a:solidFill>
@@ -8539,7 +12057,7 @@
               <a:t> про </a:t>
             </a:r>
             <a:r>
-              <a:rPr lang="ru-RU" sz="1800" b="0" i="0" u="none" strike="noStrike" cap="none" spc="0" dirty="0" err="1">
+              <a:rPr lang="ru-RU" sz="1800" b="0" i="0" u="none" strike="noStrike" cap="none" spc="0">
                 <a:solidFill>
                   <a:schemeClr val="tx1"/>
                 </a:solidFill>
@@ -8549,7 +12067,7 @@
               <a:t>обліковий</a:t>
             </a:r>
             <a:r>
-              <a:rPr lang="ru-RU" sz="1800" b="0" i="0" u="none" strike="noStrike" cap="none" spc="0" dirty="0">
+              <a:rPr lang="ru-RU" sz="1800" b="0" i="0" u="none" strike="noStrike" cap="none" spc="0">
                 <a:solidFill>
                   <a:schemeClr val="tx1"/>
                 </a:solidFill>
@@ -8559,7 +12077,7 @@
               <a:t> </a:t>
             </a:r>
             <a:r>
-              <a:rPr lang="ru-RU" sz="1800" b="0" i="0" u="none" strike="noStrike" cap="none" spc="0" dirty="0" err="1">
+              <a:rPr lang="ru-RU" sz="1800" b="0" i="0" u="none" strike="noStrike" cap="none" spc="0">
                 <a:solidFill>
                   <a:schemeClr val="tx1"/>
                 </a:solidFill>
@@ -8569,7 +12087,7 @@
               <a:t>запис</a:t>
             </a:r>
             <a:r>
-              <a:rPr lang="ru-RU" sz="1800" b="0" i="0" u="none" strike="noStrike" cap="none" spc="0" dirty="0">
+              <a:rPr lang="ru-RU" sz="1800" b="0" i="0" u="none" strike="noStrike" cap="none" spc="0">
                 <a:solidFill>
                   <a:schemeClr val="tx1"/>
                 </a:solidFill>
@@ -8579,7 +12097,7 @@
               <a:t> </a:t>
             </a:r>
             <a:r>
-              <a:rPr lang="ru-RU" sz="1800" b="0" i="0" u="none" strike="noStrike" cap="none" spc="0" dirty="0" err="1">
+              <a:rPr lang="ru-RU" sz="1800" b="0" i="0" u="none" strike="noStrike" cap="none" spc="0">
                 <a:solidFill>
                   <a:schemeClr val="tx1"/>
                 </a:solidFill>
@@ -8589,7 +12107,7 @@
               <a:t>користувача</a:t>
             </a:r>
             <a:r>
-              <a:rPr lang="ru-RU" sz="1800" b="0" i="0" u="none" strike="noStrike" cap="none" spc="0" dirty="0">
+              <a:rPr lang="ru-RU" sz="1800" b="0" i="0" u="none" strike="noStrike" cap="none" spc="0">
                 <a:solidFill>
                   <a:schemeClr val="tx1"/>
                 </a:solidFill>
@@ -8599,7 +12117,7 @@
               <a:t> і </a:t>
             </a:r>
             <a:r>
-              <a:rPr lang="ru-RU" sz="1800" b="0" i="0" u="none" strike="noStrike" cap="none" spc="0" dirty="0" err="1">
+              <a:rPr lang="ru-RU" sz="1800" b="0" i="0" u="none" strike="noStrike" cap="none" spc="0">
                 <a:solidFill>
                   <a:schemeClr val="tx1"/>
                 </a:solidFill>
@@ -8609,7 +12127,7 @@
               <a:t>логіка</a:t>
             </a:r>
             <a:r>
-              <a:rPr lang="ru-RU" sz="1800" b="0" i="0" u="none" strike="noStrike" cap="none" spc="0" dirty="0">
+              <a:rPr lang="ru-RU" sz="1800" b="0" i="0" u="none" strike="noStrike" cap="none" spc="0">
                 <a:solidFill>
                   <a:schemeClr val="tx1"/>
                 </a:solidFill>
@@ -8619,7 +12137,7 @@
               <a:t> </a:t>
             </a:r>
             <a:r>
-              <a:rPr lang="ru-RU" sz="1800" b="0" i="0" u="none" strike="noStrike" cap="none" spc="0" dirty="0" err="1">
+              <a:rPr lang="ru-RU" sz="1800" b="0" i="0" u="none" strike="noStrike" cap="none" spc="0">
                 <a:solidFill>
                   <a:schemeClr val="tx1"/>
                 </a:solidFill>
@@ -8629,7 +12147,7 @@
               <a:t>транзакцій</a:t>
             </a:r>
             <a:r>
-              <a:rPr lang="ru-RU" sz="1800" b="0" i="0" u="none" strike="noStrike" cap="none" spc="0" dirty="0">
+              <a:rPr lang="ru-RU" sz="1800" b="0" i="0" u="none" strike="noStrike" cap="none" spc="0">
                 <a:solidFill>
                   <a:schemeClr val="tx1"/>
                 </a:solidFill>
@@ -8639,7 +12157,7 @@
               <a:t>. </a:t>
             </a:r>
             <a:r>
-              <a:rPr lang="ru-RU" sz="1800" b="0" i="0" u="none" strike="noStrike" cap="none" spc="0" dirty="0" err="1">
+              <a:rPr lang="ru-RU" sz="1800" b="0" i="0" u="none" strike="noStrike" cap="none" spc="0">
                 <a:solidFill>
                   <a:schemeClr val="tx1"/>
                 </a:solidFill>
@@ -8649,7 +12167,7 @@
               <a:t>Представлення</a:t>
             </a:r>
             <a:r>
-              <a:rPr lang="ru-RU" sz="1800" b="0" i="0" u="none" strike="noStrike" cap="none" spc="0" dirty="0">
+              <a:rPr lang="ru-RU" sz="1800" b="0" i="0" u="none" strike="noStrike" cap="none" spc="0">
                 <a:solidFill>
                   <a:schemeClr val="tx1"/>
                 </a:solidFill>
@@ -8659,7 +12177,7 @@
               <a:t> </a:t>
             </a:r>
             <a:r>
-              <a:rPr lang="ru-RU" sz="1800" b="0" i="0" u="none" strike="noStrike" cap="none" spc="0" dirty="0" err="1">
+              <a:rPr lang="ru-RU" sz="1800" b="0" i="0" u="none" strike="noStrike" cap="none" spc="0">
                 <a:solidFill>
                   <a:schemeClr val="tx1"/>
                 </a:solidFill>
@@ -8669,7 +12187,7 @@
               <a:t>керує</a:t>
             </a:r>
             <a:r>
-              <a:rPr lang="ru-RU" sz="1800" b="0" i="0" u="none" strike="noStrike" cap="none" spc="0" dirty="0">
+              <a:rPr lang="ru-RU" sz="1800" b="0" i="0" u="none" strike="noStrike" cap="none" spc="0">
                 <a:solidFill>
                   <a:schemeClr val="tx1"/>
                 </a:solidFill>
@@ -8679,7 +12197,7 @@
               <a:t> </a:t>
             </a:r>
             <a:r>
-              <a:rPr lang="ru-RU" sz="1800" b="0" i="0" u="none" strike="noStrike" cap="none" spc="0" dirty="0" err="1">
+              <a:rPr lang="ru-RU" sz="1800" b="0" i="0" u="none" strike="noStrike" cap="none" spc="0">
                 <a:solidFill>
                   <a:schemeClr val="tx1"/>
                 </a:solidFill>
@@ -8689,7 +12207,7 @@
               <a:t>відображенням</a:t>
             </a:r>
             <a:r>
-              <a:rPr lang="ru-RU" sz="1800" b="0" i="0" u="none" strike="noStrike" cap="none" spc="0" dirty="0">
+              <a:rPr lang="ru-RU" sz="1800" b="0" i="0" u="none" strike="noStrike" cap="none" spc="0">
                 <a:solidFill>
                   <a:schemeClr val="tx1"/>
                 </a:solidFill>
@@ -8699,7 +12217,7 @@
               <a:t> </a:t>
             </a:r>
             <a:r>
-              <a:rPr lang="ru-RU" sz="1800" b="0" i="0" u="none" strike="noStrike" cap="none" spc="0" dirty="0" err="1">
+              <a:rPr lang="ru-RU" sz="1800" b="0" i="0" u="none" strike="noStrike" cap="none" spc="0">
                 <a:solidFill>
                   <a:schemeClr val="tx1"/>
                 </a:solidFill>
@@ -8709,7 +12227,7 @@
               <a:t>інформації</a:t>
             </a:r>
             <a:r>
-              <a:rPr lang="ru-RU" sz="1800" b="0" i="0" u="none" strike="noStrike" cap="none" spc="0" dirty="0">
+              <a:rPr lang="ru-RU" sz="1800" b="0" i="0" u="none" strike="noStrike" cap="none" spc="0">
                 <a:solidFill>
                   <a:schemeClr val="tx1"/>
                 </a:solidFill>
@@ -8719,7 +12237,7 @@
               <a:t>, </a:t>
             </a:r>
             <a:r>
-              <a:rPr lang="ru-RU" sz="1800" b="0" i="0" u="none" strike="noStrike" cap="none" spc="0" dirty="0" err="1">
+              <a:rPr lang="ru-RU" sz="1800" b="0" i="0" u="none" strike="noStrike" cap="none" spc="0">
                 <a:solidFill>
                   <a:schemeClr val="tx1"/>
                 </a:solidFill>
@@ -8729,7 +12247,7 @@
               <a:t>наприклад</a:t>
             </a:r>
             <a:r>
-              <a:rPr lang="ru-RU" sz="1800" b="0" i="0" u="none" strike="noStrike" cap="none" spc="0" dirty="0">
+              <a:rPr lang="ru-RU" sz="1800" b="0" i="0" u="none" strike="noStrike" cap="none" spc="0">
                 <a:solidFill>
                   <a:schemeClr val="tx1"/>
                 </a:solidFill>
@@ -8739,7 +12257,7 @@
               <a:t>, </a:t>
             </a:r>
             <a:r>
-              <a:rPr lang="ru-RU" sz="1800" b="0" i="0" u="none" strike="noStrike" cap="none" spc="0" dirty="0" err="1">
+              <a:rPr lang="ru-RU" sz="1800" b="0" i="0" u="none" strike="noStrike" cap="none" spc="0">
                 <a:solidFill>
                   <a:schemeClr val="tx1"/>
                 </a:solidFill>
@@ -8749,7 +12267,7 @@
               <a:t>інтерфейсами</a:t>
             </a:r>
             <a:r>
-              <a:rPr lang="ru-RU" sz="1800" b="0" i="0" u="none" strike="noStrike" cap="none" spc="0" dirty="0">
+              <a:rPr lang="ru-RU" sz="1800" b="0" i="0" u="none" strike="noStrike" cap="none" spc="0">
                 <a:solidFill>
                   <a:schemeClr val="tx1"/>
                 </a:solidFill>
@@ -8759,7 +12277,7 @@
               <a:t> </a:t>
             </a:r>
             <a:r>
-              <a:rPr lang="ru-RU" sz="1800" b="0" i="0" u="none" strike="noStrike" cap="none" spc="0" dirty="0" err="1">
+              <a:rPr lang="ru-RU" sz="1800" b="0" i="0" u="none" strike="noStrike" cap="none" spc="0">
                 <a:solidFill>
                   <a:schemeClr val="tx1"/>
                 </a:solidFill>
@@ -8769,7 +12287,7 @@
               <a:t>перевірки</a:t>
             </a:r>
             <a:r>
-              <a:rPr lang="ru-RU" sz="1800" b="0" i="0" u="none" strike="noStrike" cap="none" spc="0" dirty="0">
+              <a:rPr lang="ru-RU" sz="1800" b="0" i="0" u="none" strike="noStrike" cap="none" spc="0">
                 <a:solidFill>
                   <a:schemeClr val="tx1"/>
                 </a:solidFill>
@@ -8779,7 +12297,7 @@
               <a:t> балансу та </a:t>
             </a:r>
             <a:r>
-              <a:rPr lang="ru-RU" sz="1800" b="0" i="0" u="none" strike="noStrike" cap="none" spc="0" dirty="0" err="1">
+              <a:rPr lang="ru-RU" sz="1800" b="0" i="0" u="none" strike="noStrike" cap="none" spc="0">
                 <a:solidFill>
                   <a:schemeClr val="tx1"/>
                 </a:solidFill>
@@ -8789,7 +12307,7 @@
               <a:t>створення</a:t>
             </a:r>
             <a:r>
-              <a:rPr lang="ru-RU" sz="1800" b="0" i="0" u="none" strike="noStrike" cap="none" spc="0" dirty="0">
+              <a:rPr lang="ru-RU" sz="1800" b="0" i="0" u="none" strike="noStrike" cap="none" spc="0">
                 <a:solidFill>
                   <a:schemeClr val="tx1"/>
                 </a:solidFill>
@@ -8799,7 +12317,7 @@
               <a:t> </a:t>
             </a:r>
             <a:r>
-              <a:rPr lang="ru-RU" sz="1800" b="0" i="0" u="none" strike="noStrike" cap="none" spc="0" dirty="0" err="1">
+              <a:rPr lang="ru-RU" sz="1800" b="0" i="0" u="none" strike="noStrike" cap="none" spc="0">
                 <a:solidFill>
                   <a:schemeClr val="tx1"/>
                 </a:solidFill>
@@ -8809,7 +12327,7 @@
               <a:t>транзакцій</a:t>
             </a:r>
             <a:r>
-              <a:rPr lang="ru-RU" sz="1800" b="0" i="0" u="none" strike="noStrike" cap="none" spc="0" dirty="0">
+              <a:rPr lang="ru-RU" sz="1800" b="0" i="0" u="none" strike="noStrike" cap="none" spc="0">
                 <a:solidFill>
                   <a:schemeClr val="tx1"/>
                 </a:solidFill>
@@ -8819,7 +12337,7 @@
               <a:t>. </a:t>
             </a:r>
             <a:r>
-              <a:rPr lang="ru-RU" sz="1800" b="0" i="0" u="none" strike="noStrike" cap="none" spc="0" dirty="0" err="1">
+              <a:rPr lang="ru-RU" sz="1800" b="0" i="0" u="none" strike="noStrike" cap="none" spc="0">
                 <a:solidFill>
                   <a:schemeClr val="tx1"/>
                 </a:solidFill>
@@ -8829,7 +12347,7 @@
               <a:t>Нарешті</a:t>
             </a:r>
             <a:r>
-              <a:rPr lang="ru-RU" sz="1800" b="0" i="0" u="none" strike="noStrike" cap="none" spc="0" dirty="0">
+              <a:rPr lang="ru-RU" sz="1800" b="0" i="0" u="none" strike="noStrike" cap="none" spc="0">
                 <a:solidFill>
                   <a:schemeClr val="tx1"/>
                 </a:solidFill>
@@ -8839,7 +12357,7 @@
               <a:t>, контролер </a:t>
             </a:r>
             <a:r>
-              <a:rPr lang="ru-RU" sz="1800" b="0" i="0" u="none" strike="noStrike" cap="none" spc="0" dirty="0" err="1">
+              <a:rPr lang="ru-RU" sz="1800" b="0" i="0" u="none" strike="noStrike" cap="none" spc="0">
                 <a:solidFill>
                   <a:schemeClr val="tx1"/>
                 </a:solidFill>
@@ -8849,7 +12367,7 @@
               <a:t>обробляє</a:t>
             </a:r>
             <a:r>
-              <a:rPr lang="ru-RU" sz="1800" b="0" i="0" u="none" strike="noStrike" cap="none" spc="0" dirty="0">
+              <a:rPr lang="ru-RU" sz="1800" b="0" i="0" u="none" strike="noStrike" cap="none" spc="0">
                 <a:solidFill>
                   <a:schemeClr val="tx1"/>
                 </a:solidFill>
@@ -8859,7 +12377,7 @@
               <a:t> </a:t>
             </a:r>
             <a:r>
-              <a:rPr lang="ru-RU" sz="1800" b="0" i="0" u="none" strike="noStrike" cap="none" spc="0" dirty="0" err="1">
+              <a:rPr lang="ru-RU" sz="1800" b="0" i="0" u="none" strike="noStrike" cap="none" spc="0">
                 <a:solidFill>
                   <a:schemeClr val="tx1"/>
                 </a:solidFill>
@@ -8869,7 +12387,7 @@
               <a:t>дані</a:t>
             </a:r>
             <a:r>
-              <a:rPr lang="ru-RU" sz="1800" b="0" i="0" u="none" strike="noStrike" cap="none" spc="0" dirty="0">
+              <a:rPr lang="ru-RU" sz="1800" b="0" i="0" u="none" strike="noStrike" cap="none" spc="0">
                 <a:solidFill>
                   <a:schemeClr val="tx1"/>
                 </a:solidFill>
@@ -8879,7 +12397,7 @@
               <a:t>, </a:t>
             </a:r>
             <a:r>
-              <a:rPr lang="ru-RU" sz="1800" b="0" i="0" u="none" strike="noStrike" cap="none" spc="0" dirty="0" err="1">
+              <a:rPr lang="ru-RU" sz="1800" b="0" i="0" u="none" strike="noStrike" cap="none" spc="0">
                 <a:solidFill>
                   <a:schemeClr val="tx1"/>
                 </a:solidFill>
@@ -8889,7 +12407,7 @@
               <a:t>введені</a:t>
             </a:r>
             <a:r>
-              <a:rPr lang="ru-RU" sz="1800" b="0" i="0" u="none" strike="noStrike" cap="none" spc="0" dirty="0">
+              <a:rPr lang="ru-RU" sz="1800" b="0" i="0" u="none" strike="noStrike" cap="none" spc="0">
                 <a:solidFill>
                   <a:schemeClr val="tx1"/>
                 </a:solidFill>
@@ -8899,7 +12417,7 @@
               <a:t> </a:t>
             </a:r>
             <a:r>
-              <a:rPr lang="ru-RU" sz="1800" b="0" i="0" u="none" strike="noStrike" cap="none" spc="0" dirty="0" err="1">
+              <a:rPr lang="ru-RU" sz="1800" b="0" i="0" u="none" strike="noStrike" cap="none" spc="0">
                 <a:solidFill>
                   <a:schemeClr val="tx1"/>
                 </a:solidFill>
@@ -8909,7 +12427,7 @@
               <a:t>користувачем</a:t>
             </a:r>
             <a:r>
-              <a:rPr lang="ru-RU" sz="1800" b="0" i="0" u="none" strike="noStrike" cap="none" spc="0" dirty="0">
+              <a:rPr lang="ru-RU" sz="1800" b="0" i="0" u="none" strike="noStrike" cap="none" spc="0">
                 <a:solidFill>
                   <a:schemeClr val="tx1"/>
                 </a:solidFill>
@@ -8919,7 +12437,7 @@
               <a:t>, </a:t>
             </a:r>
             <a:r>
-              <a:rPr lang="ru-RU" sz="1800" b="0" i="0" u="none" strike="noStrike" cap="none" spc="0" dirty="0" err="1">
+              <a:rPr lang="ru-RU" sz="1800" b="0" i="0" u="none" strike="noStrike" cap="none" spc="0">
                 <a:solidFill>
                   <a:schemeClr val="tx1"/>
                 </a:solidFill>
@@ -8929,7 +12447,7 @@
               <a:t>виконуючи</a:t>
             </a:r>
             <a:r>
-              <a:rPr lang="ru-RU" sz="1800" b="0" i="0" u="none" strike="noStrike" cap="none" spc="0" dirty="0">
+              <a:rPr lang="ru-RU" sz="1800" b="0" i="0" u="none" strike="noStrike" cap="none" spc="0">
                 <a:solidFill>
                   <a:schemeClr val="tx1"/>
                 </a:solidFill>
@@ -8939,7 +12457,7 @@
               <a:t> </a:t>
             </a:r>
             <a:r>
-              <a:rPr lang="ru-RU" sz="1800" b="0" i="0" u="none" strike="noStrike" cap="none" spc="0" dirty="0" err="1">
+              <a:rPr lang="ru-RU" sz="1800" b="0" i="0" u="none" strike="noStrike" cap="none" spc="0">
                 <a:solidFill>
                   <a:schemeClr val="tx1"/>
                 </a:solidFill>
@@ -8949,7 +12467,7 @@
               <a:t>такі</a:t>
             </a:r>
             <a:r>
-              <a:rPr lang="ru-RU" sz="1800" b="0" i="0" u="none" strike="noStrike" cap="none" spc="0" dirty="0">
+              <a:rPr lang="ru-RU" sz="1800" b="0" i="0" u="none" strike="noStrike" cap="none" spc="0">
                 <a:solidFill>
                   <a:schemeClr val="tx1"/>
                 </a:solidFill>
@@ -8959,7 +12477,7 @@
               <a:t> </a:t>
             </a:r>
             <a:r>
-              <a:rPr lang="ru-RU" sz="1800" b="0" i="0" u="none" strike="noStrike" cap="none" spc="0" dirty="0" err="1">
+              <a:rPr lang="ru-RU" sz="1800" b="0" i="0" u="none" strike="noStrike" cap="none" spc="0">
                 <a:solidFill>
                   <a:schemeClr val="tx1"/>
                 </a:solidFill>
@@ -8969,7 +12487,7 @@
               <a:t>дії</a:t>
             </a:r>
             <a:r>
-              <a:rPr lang="ru-RU" sz="1800" b="0" i="0" u="none" strike="noStrike" cap="none" spc="0" dirty="0">
+              <a:rPr lang="ru-RU" sz="1800" b="0" i="0" u="none" strike="noStrike" cap="none" spc="0">
                 <a:solidFill>
                   <a:schemeClr val="tx1"/>
                 </a:solidFill>
@@ -8979,7 +12497,7 @@
               <a:t>, як </a:t>
             </a:r>
             <a:r>
-              <a:rPr lang="ru-RU" sz="1800" b="0" i="0" u="none" strike="noStrike" cap="none" spc="0" dirty="0" err="1">
+              <a:rPr lang="ru-RU" sz="1800" b="0" i="0" u="none" strike="noStrike" cap="none" spc="0">
                 <a:solidFill>
                   <a:schemeClr val="tx1"/>
                 </a:solidFill>
@@ -8989,7 +12507,7 @@
               <a:t>перевірка</a:t>
             </a:r>
             <a:r>
-              <a:rPr lang="ru-RU" sz="1800" b="0" i="0" u="none" strike="noStrike" cap="none" spc="0" dirty="0">
+              <a:rPr lang="ru-RU" sz="1800" b="0" i="0" u="none" strike="noStrike" cap="none" spc="0">
                 <a:solidFill>
                   <a:schemeClr val="tx1"/>
                 </a:solidFill>
@@ -8999,7 +12517,7 @@
               <a:t> балансу </a:t>
             </a:r>
             <a:r>
-              <a:rPr lang="ru-RU" sz="1800" b="0" i="0" u="none" strike="noStrike" cap="none" spc="0" dirty="0" err="1">
+              <a:rPr lang="ru-RU" sz="1800" b="0" i="0" u="none" strike="noStrike" cap="none" spc="0">
                 <a:solidFill>
                   <a:schemeClr val="tx1"/>
                 </a:solidFill>
@@ -9009,7 +12527,7 @@
               <a:t>рахунку</a:t>
             </a:r>
             <a:r>
-              <a:rPr lang="ru-RU" sz="1800" b="0" i="0" u="none" strike="noStrike" cap="none" spc="0" dirty="0">
+              <a:rPr lang="ru-RU" sz="1800" b="0" i="0" u="none" strike="noStrike" cap="none" spc="0">
                 <a:solidFill>
                   <a:schemeClr val="tx1"/>
                 </a:solidFill>
@@ -9019,7 +12537,7 @@
               <a:t> </a:t>
             </a:r>
             <a:r>
-              <a:rPr lang="ru-RU" sz="1800" b="0" i="0" u="none" strike="noStrike" cap="none" spc="0" dirty="0" err="1">
+              <a:rPr lang="ru-RU" sz="1800" b="0" i="0" u="none" strike="noStrike" cap="none" spc="0">
                 <a:solidFill>
                   <a:schemeClr val="tx1"/>
                 </a:solidFill>
@@ -9029,7 +12547,7 @@
               <a:t>або</a:t>
             </a:r>
             <a:r>
-              <a:rPr lang="ru-RU" sz="1800" b="0" i="0" u="none" strike="noStrike" cap="none" spc="0" dirty="0">
+              <a:rPr lang="ru-RU" sz="1800" b="0" i="0" u="none" strike="noStrike" cap="none" spc="0">
                 <a:solidFill>
                   <a:schemeClr val="tx1"/>
                 </a:solidFill>
@@ -9039,7 +12557,7 @@
               <a:t> </a:t>
             </a:r>
             <a:r>
-              <a:rPr lang="ru-RU" sz="1800" b="0" i="0" u="none" strike="noStrike" cap="none" spc="0" dirty="0" err="1">
+              <a:rPr lang="ru-RU" sz="1800" b="0" i="0" u="none" strike="noStrike" cap="none" spc="0">
                 <a:solidFill>
                   <a:schemeClr val="tx1"/>
                 </a:solidFill>
@@ -9049,7 +12567,7 @@
               <a:t>створення</a:t>
             </a:r>
             <a:r>
-              <a:rPr lang="ru-RU" sz="1800" b="0" i="0" u="none" strike="noStrike" cap="none" spc="0" dirty="0">
+              <a:rPr lang="ru-RU" sz="1800" b="0" i="0" u="none" strike="noStrike" cap="none" spc="0">
                 <a:solidFill>
                   <a:schemeClr val="tx1"/>
                 </a:solidFill>
@@ -9059,7 +12577,7 @@
               <a:t> </a:t>
             </a:r>
             <a:r>
-              <a:rPr lang="ru-RU" sz="1800" b="0" i="0" u="none" strike="noStrike" cap="none" spc="0" dirty="0" err="1">
+              <a:rPr lang="ru-RU" sz="1800" b="0" i="0" u="none" strike="noStrike" cap="none" spc="0">
                 <a:solidFill>
                   <a:schemeClr val="tx1"/>
                 </a:solidFill>
@@ -9069,7 +12587,7 @@
               <a:t>транзакцій</a:t>
             </a:r>
             <a:r>
-              <a:rPr lang="ru-RU" sz="1800" b="0" i="0" u="none" strike="noStrike" cap="none" spc="0" dirty="0">
+              <a:rPr lang="ru-RU" sz="1800" b="0" i="0" u="none" strike="noStrike" cap="none" spc="0">
                 <a:solidFill>
                   <a:schemeClr val="tx1"/>
                 </a:solidFill>
@@ -9079,7 +12597,7 @@
               <a:t>. </a:t>
             </a:r>
             <a:r>
-              <a:rPr lang="ru-RU" sz="1800" b="0" i="0" u="none" strike="noStrike" cap="none" spc="0" dirty="0" err="1">
+              <a:rPr lang="ru-RU" sz="1800" b="0" i="0" u="none" strike="noStrike" cap="none" spc="0">
                 <a:solidFill>
                   <a:schemeClr val="tx1"/>
                 </a:solidFill>
@@ -9089,7 +12607,7 @@
               <a:t>Така</a:t>
             </a:r>
             <a:r>
-              <a:rPr lang="ru-RU" sz="1800" b="0" i="0" u="none" strike="noStrike" cap="none" spc="0" dirty="0">
+              <a:rPr lang="ru-RU" sz="1800" b="0" i="0" u="none" strike="noStrike" cap="none" spc="0">
                 <a:solidFill>
                   <a:schemeClr val="tx1"/>
                 </a:solidFill>
@@ -9099,7 +12617,7 @@
               <a:t> структура </a:t>
             </a:r>
             <a:r>
-              <a:rPr lang="ru-RU" sz="1800" b="0" i="0" u="none" strike="noStrike" cap="none" spc="0" dirty="0" err="1">
+              <a:rPr lang="ru-RU" sz="1800" b="0" i="0" u="none" strike="noStrike" cap="none" spc="0">
                 <a:solidFill>
                   <a:schemeClr val="tx1"/>
                 </a:solidFill>
@@ -9109,7 +12627,7 @@
               <a:t>забезпечує</a:t>
             </a:r>
             <a:r>
-              <a:rPr lang="ru-RU" sz="1800" b="0" i="0" u="none" strike="noStrike" cap="none" spc="0" dirty="0">
+              <a:rPr lang="ru-RU" sz="1800" b="0" i="0" u="none" strike="noStrike" cap="none" spc="0">
                 <a:solidFill>
                   <a:schemeClr val="tx1"/>
                 </a:solidFill>
@@ -9119,7 +12637,7 @@
               <a:t> </a:t>
             </a:r>
             <a:r>
-              <a:rPr lang="ru-RU" sz="1800" b="0" i="0" u="none" strike="noStrike" cap="none" spc="0" dirty="0" err="1">
+              <a:rPr lang="ru-RU" sz="1800" b="0" i="0" u="none" strike="noStrike" cap="none" spc="0">
                 <a:solidFill>
                   <a:schemeClr val="tx1"/>
                 </a:solidFill>
@@ -9129,7 +12647,7 @@
               <a:t>ефективне</a:t>
             </a:r>
             <a:r>
-              <a:rPr lang="ru-RU" sz="1800" b="0" i="0" u="none" strike="noStrike" cap="none" spc="0" dirty="0">
+              <a:rPr lang="ru-RU" sz="1800" b="0" i="0" u="none" strike="noStrike" cap="none" spc="0">
                 <a:solidFill>
                   <a:schemeClr val="tx1"/>
                 </a:solidFill>
@@ -9139,7 +12657,7 @@
               <a:t> </a:t>
             </a:r>
             <a:r>
-              <a:rPr lang="ru-RU" sz="1800" b="0" i="0" u="none" strike="noStrike" cap="none" spc="0" dirty="0" err="1">
+              <a:rPr lang="ru-RU" sz="1800" b="0" i="0" u="none" strike="noStrike" cap="none" spc="0">
                 <a:solidFill>
                   <a:schemeClr val="tx1"/>
                 </a:solidFill>
@@ -9149,7 +12667,7 @@
               <a:t>управління</a:t>
             </a:r>
             <a:r>
-              <a:rPr lang="ru-RU" sz="1800" b="0" i="0" u="none" strike="noStrike" cap="none" spc="0" dirty="0">
+              <a:rPr lang="ru-RU" sz="1800" b="0" i="0" u="none" strike="noStrike" cap="none" spc="0">
                 <a:solidFill>
                   <a:schemeClr val="tx1"/>
                 </a:solidFill>
@@ -9159,7 +12677,7 @@
               <a:t> </a:t>
             </a:r>
             <a:r>
-              <a:rPr lang="ru-RU" sz="1800" b="0" i="0" u="none" strike="noStrike" cap="none" spc="0" dirty="0" err="1">
+              <a:rPr lang="ru-RU" sz="1800" b="0" i="0" u="none" strike="noStrike" cap="none" spc="0">
                 <a:solidFill>
                   <a:schemeClr val="tx1"/>
                 </a:solidFill>
@@ -9169,7 +12687,7 @@
               <a:t>даними</a:t>
             </a:r>
             <a:r>
-              <a:rPr lang="ru-RU" sz="1800" b="0" i="0" u="none" strike="noStrike" cap="none" spc="0" dirty="0">
+              <a:rPr lang="ru-RU" sz="1800" b="0" i="0" u="none" strike="noStrike" cap="none" spc="0">
                 <a:solidFill>
                   <a:schemeClr val="tx1"/>
                 </a:solidFill>
@@ -9179,7 +12697,7 @@
               <a:t>, </a:t>
             </a:r>
             <a:r>
-              <a:rPr lang="ru-RU" sz="1800" b="0" i="0" u="none" strike="noStrike" cap="none" spc="0" dirty="0" err="1">
+              <a:rPr lang="ru-RU" sz="1800" b="0" i="0" u="none" strike="noStrike" cap="none" spc="0">
                 <a:solidFill>
                   <a:schemeClr val="tx1"/>
                 </a:solidFill>
@@ -9189,7 +12707,7 @@
               <a:t>безперебійну</a:t>
             </a:r>
             <a:r>
-              <a:rPr lang="ru-RU" sz="1800" b="0" i="0" u="none" strike="noStrike" cap="none" spc="0" dirty="0">
+              <a:rPr lang="ru-RU" sz="1800" b="0" i="0" u="none" strike="noStrike" cap="none" spc="0">
                 <a:solidFill>
                   <a:schemeClr val="tx1"/>
                 </a:solidFill>
@@ -9199,7 +12717,7 @@
               <a:t> </a:t>
             </a:r>
             <a:r>
-              <a:rPr lang="ru-RU" sz="1800" b="0" i="0" u="none" strike="noStrike" cap="none" spc="0" dirty="0" err="1">
+              <a:rPr lang="ru-RU" sz="1800" b="0" i="0" u="none" strike="noStrike" cap="none" spc="0">
                 <a:solidFill>
                   <a:schemeClr val="tx1"/>
                 </a:solidFill>
@@ -9209,7 +12727,7 @@
               <a:t>взаємодію</a:t>
             </a:r>
             <a:r>
-              <a:rPr lang="ru-RU" sz="1800" b="0" i="0" u="none" strike="noStrike" cap="none" spc="0" dirty="0">
+              <a:rPr lang="ru-RU" sz="1800" b="0" i="0" u="none" strike="noStrike" cap="none" spc="0">
                 <a:solidFill>
                   <a:schemeClr val="tx1"/>
                 </a:solidFill>
@@ -9219,7 +12737,7 @@
               <a:t> з </a:t>
             </a:r>
             <a:r>
-              <a:rPr lang="ru-RU" sz="1800" b="0" i="0" u="none" strike="noStrike" cap="none" spc="0" dirty="0" err="1">
+              <a:rPr lang="ru-RU" sz="1800" b="0" i="0" u="none" strike="noStrike" cap="none" spc="0">
                 <a:solidFill>
                   <a:schemeClr val="tx1"/>
                 </a:solidFill>
@@ -9229,7 +12747,7 @@
               <a:t>користувацьким</a:t>
             </a:r>
             <a:r>
-              <a:rPr lang="ru-RU" sz="1800" b="0" i="0" u="none" strike="noStrike" cap="none" spc="0" dirty="0">
+              <a:rPr lang="ru-RU" sz="1800" b="0" i="0" u="none" strike="noStrike" cap="none" spc="0">
                 <a:solidFill>
                   <a:schemeClr val="tx1"/>
                 </a:solidFill>
@@ -9239,7 +12757,7 @@
               <a:t> </a:t>
             </a:r>
             <a:r>
-              <a:rPr lang="ru-RU" sz="1800" b="0" i="0" u="none" strike="noStrike" cap="none" spc="0" dirty="0" err="1">
+              <a:rPr lang="ru-RU" sz="1800" b="0" i="0" u="none" strike="noStrike" cap="none" spc="0">
                 <a:solidFill>
                   <a:schemeClr val="tx1"/>
                 </a:solidFill>
@@ -9249,7 +12767,7 @@
               <a:t>інтерфейсом</a:t>
             </a:r>
             <a:r>
-              <a:rPr lang="ru-RU" sz="1800" b="0" i="0" u="none" strike="noStrike" cap="none" spc="0" dirty="0">
+              <a:rPr lang="ru-RU" sz="1800" b="0" i="0" u="none" strike="noStrike" cap="none" spc="0">
                 <a:solidFill>
                   <a:schemeClr val="tx1"/>
                 </a:solidFill>
@@ -9259,7 +12777,7 @@
               <a:t> та </a:t>
             </a:r>
             <a:r>
-              <a:rPr lang="ru-RU" sz="1800" b="0" i="0" u="none" strike="noStrike" cap="none" spc="0" dirty="0" err="1">
+              <a:rPr lang="ru-RU" sz="1800" b="0" i="0" u="none" strike="noStrike" cap="none" spc="0">
                 <a:solidFill>
                   <a:schemeClr val="tx1"/>
                 </a:solidFill>
@@ -9269,7 +12787,7 @@
               <a:t>ефективну</a:t>
             </a:r>
             <a:r>
-              <a:rPr lang="ru-RU" sz="1800" b="0" i="0" u="none" strike="noStrike" cap="none" spc="0" dirty="0">
+              <a:rPr lang="ru-RU" sz="1800" b="0" i="0" u="none" strike="noStrike" cap="none" spc="0">
                 <a:solidFill>
                   <a:schemeClr val="tx1"/>
                 </a:solidFill>
@@ -9279,7 +12797,7 @@
               <a:t> </a:t>
             </a:r>
             <a:r>
-              <a:rPr lang="ru-RU" sz="1800" b="0" i="0" u="none" strike="noStrike" cap="none" spc="0" dirty="0" err="1">
+              <a:rPr lang="ru-RU" sz="1800" b="0" i="0" u="none" strike="noStrike" cap="none" spc="0">
                 <a:solidFill>
                   <a:schemeClr val="tx1"/>
                 </a:solidFill>
@@ -9289,7 +12807,7 @@
               <a:t>обробку</a:t>
             </a:r>
             <a:r>
-              <a:rPr lang="ru-RU" sz="1800" b="0" i="0" u="none" strike="noStrike" cap="none" spc="0" dirty="0">
+              <a:rPr lang="ru-RU" sz="1800" b="0" i="0" u="none" strike="noStrike" cap="none" spc="0">
                 <a:solidFill>
                   <a:schemeClr val="tx1"/>
                 </a:solidFill>
@@ -9299,7 +12817,7 @@
               <a:t> </a:t>
             </a:r>
             <a:r>
-              <a:rPr lang="ru-RU" sz="1800" b="0" i="0" u="none" strike="noStrike" cap="none" spc="0" dirty="0" err="1">
+              <a:rPr lang="ru-RU" sz="1800" b="0" i="0" u="none" strike="noStrike" cap="none" spc="0">
                 <a:solidFill>
                   <a:schemeClr val="tx1"/>
                 </a:solidFill>
@@ -9309,7 +12827,7 @@
               <a:t>дій</a:t>
             </a:r>
             <a:r>
-              <a:rPr lang="ru-RU" sz="1800" b="0" i="0" u="none" strike="noStrike" cap="none" spc="0" dirty="0">
+              <a:rPr lang="ru-RU" sz="1800" b="0" i="0" u="none" strike="noStrike" cap="none" spc="0">
                 <a:solidFill>
                   <a:schemeClr val="tx1"/>
                 </a:solidFill>
@@ -9319,7 +12837,7 @@
               <a:t> </a:t>
             </a:r>
             <a:r>
-              <a:rPr lang="ru-RU" sz="1800" b="0" i="0" u="none" strike="noStrike" cap="none" spc="0" dirty="0" err="1">
+              <a:rPr lang="ru-RU" sz="1800" b="0" i="0" u="none" strike="noStrike" cap="none" spc="0">
                 <a:solidFill>
                   <a:schemeClr val="tx1"/>
                 </a:solidFill>
@@ -9329,7 +12847,7 @@
               <a:t>користувача</a:t>
             </a:r>
             <a:r>
-              <a:rPr lang="ru-RU" sz="1800" b="0" i="0" u="none" strike="noStrike" cap="none" spc="0" dirty="0">
+              <a:rPr lang="ru-RU" sz="1800" b="0" i="0" u="none" strike="noStrike" cap="none" spc="0">
                 <a:solidFill>
                   <a:schemeClr val="tx1"/>
                 </a:solidFill>
@@ -9339,7 +12857,7 @@
               <a:t>, </a:t>
             </a:r>
             <a:r>
-              <a:rPr lang="ru-RU" sz="1800" b="0" i="0" u="none" strike="noStrike" cap="none" spc="0" dirty="0" err="1">
+              <a:rPr lang="ru-RU" sz="1800" b="0" i="0" u="none" strike="noStrike" cap="none" spc="0">
                 <a:solidFill>
                   <a:schemeClr val="tx1"/>
                 </a:solidFill>
@@ -9349,7 +12867,7 @@
               <a:t>що</a:t>
             </a:r>
             <a:r>
-              <a:rPr lang="ru-RU" sz="1800" b="0" i="0" u="none" strike="noStrike" cap="none" spc="0" dirty="0">
+              <a:rPr lang="ru-RU" sz="1800" b="0" i="0" u="none" strike="noStrike" cap="none" spc="0">
                 <a:solidFill>
                   <a:schemeClr val="tx1"/>
                 </a:solidFill>
@@ -9359,7 +12877,7 @@
               <a:t> в </a:t>
             </a:r>
             <a:r>
-              <a:rPr lang="ru-RU" sz="1800" b="0" i="0" u="none" strike="noStrike" cap="none" spc="0" dirty="0" err="1">
+              <a:rPr lang="ru-RU" sz="1800" b="0" i="0" u="none" strike="noStrike" cap="none" spc="0">
                 <a:solidFill>
                   <a:schemeClr val="tx1"/>
                 </a:solidFill>
@@ -9369,7 +12887,7 @@
               <a:t>підсумку</a:t>
             </a:r>
             <a:r>
-              <a:rPr lang="ru-RU" sz="1800" b="0" i="0" u="none" strike="noStrike" cap="none" spc="0" dirty="0">
+              <a:rPr lang="ru-RU" sz="1800" b="0" i="0" u="none" strike="noStrike" cap="none" spc="0">
                 <a:solidFill>
                   <a:schemeClr val="tx1"/>
                 </a:solidFill>
@@ -9379,7 +12897,7 @@
               <a:t> </a:t>
             </a:r>
             <a:r>
-              <a:rPr lang="ru-RU" sz="1800" b="0" i="0" u="none" strike="noStrike" cap="none" spc="0" dirty="0" err="1">
+              <a:rPr lang="ru-RU" sz="1800" b="0" i="0" u="none" strike="noStrike" cap="none" spc="0">
                 <a:solidFill>
                   <a:schemeClr val="tx1"/>
                 </a:solidFill>
@@ -9389,7 +12907,7 @@
               <a:t>створює</a:t>
             </a:r>
             <a:r>
-              <a:rPr lang="ru-RU" sz="1800" b="0" i="0" u="none" strike="noStrike" cap="none" spc="0" dirty="0">
+              <a:rPr lang="ru-RU" sz="1800" b="0" i="0" u="none" strike="noStrike" cap="none" spc="0">
                 <a:solidFill>
                   <a:schemeClr val="tx1"/>
                 </a:solidFill>
@@ -9399,7 +12917,7 @@
               <a:t> </a:t>
             </a:r>
             <a:r>
-              <a:rPr lang="ru-RU" sz="1800" b="0" i="0" u="none" strike="noStrike" cap="none" spc="0" dirty="0" err="1">
+              <a:rPr lang="ru-RU" sz="1800" b="0" i="0" u="none" strike="noStrike" cap="none" spc="0">
                 <a:solidFill>
                   <a:schemeClr val="tx1"/>
                 </a:solidFill>
@@ -9409,7 +12927,7 @@
               <a:t>безперебійну</a:t>
             </a:r>
             <a:r>
-              <a:rPr lang="ru-RU" sz="1800" b="0" i="0" u="none" strike="noStrike" cap="none" spc="0" dirty="0">
+              <a:rPr lang="ru-RU" sz="1800" b="0" i="0" u="none" strike="noStrike" cap="none" spc="0">
                 <a:solidFill>
                   <a:schemeClr val="tx1"/>
                 </a:solidFill>
@@ -9419,7 +12937,7 @@
               <a:t> та </a:t>
             </a:r>
             <a:r>
-              <a:rPr lang="ru-RU" sz="1800" b="0" i="0" u="none" strike="noStrike" cap="none" spc="0" dirty="0" err="1">
+              <a:rPr lang="ru-RU" sz="1800" b="0" i="0" u="none" strike="noStrike" cap="none" spc="0">
                 <a:solidFill>
                   <a:schemeClr val="tx1"/>
                 </a:solidFill>
@@ -9429,7 +12947,7 @@
               <a:t>інтуїтивно</a:t>
             </a:r>
             <a:r>
-              <a:rPr lang="ru-RU" sz="1800" b="0" i="0" u="none" strike="noStrike" cap="none" spc="0" dirty="0">
+              <a:rPr lang="ru-RU" sz="1800" b="0" i="0" u="none" strike="noStrike" cap="none" spc="0">
                 <a:solidFill>
                   <a:schemeClr val="tx1"/>
                 </a:solidFill>
@@ -9439,7 +12957,7 @@
               <a:t> </a:t>
             </a:r>
             <a:r>
-              <a:rPr lang="ru-RU" sz="1800" b="0" i="0" u="none" strike="noStrike" cap="none" spc="0" dirty="0" err="1">
+              <a:rPr lang="ru-RU" sz="1800" b="0" i="0" u="none" strike="noStrike" cap="none" spc="0">
                 <a:solidFill>
                   <a:schemeClr val="tx1"/>
                 </a:solidFill>
@@ -9449,7 +12967,7 @@
               <a:t>зрозумілу</a:t>
             </a:r>
             <a:r>
-              <a:rPr lang="ru-RU" sz="1800" b="0" i="0" u="none" strike="noStrike" cap="none" spc="0" dirty="0">
+              <a:rPr lang="ru-RU" sz="1800" b="0" i="0" u="none" strike="noStrike" cap="none" spc="0">
                 <a:solidFill>
                   <a:schemeClr val="tx1"/>
                 </a:solidFill>
@@ -9459,7 +12977,7 @@
               <a:t> роботу для </a:t>
             </a:r>
             <a:r>
-              <a:rPr lang="ru-RU" sz="1800" b="0" i="0" u="none" strike="noStrike" cap="none" spc="0" dirty="0" err="1">
+              <a:rPr lang="ru-RU" sz="1800" b="0" i="0" u="none" strike="noStrike" cap="none" spc="0">
                 <a:solidFill>
                   <a:schemeClr val="tx1"/>
                 </a:solidFill>
@@ -9469,7 +12987,7 @@
               <a:t>користувачів</a:t>
             </a:r>
             <a:r>
-              <a:rPr lang="ru-RU" sz="1800" b="0" i="0" u="none" strike="noStrike" cap="none" spc="0" dirty="0">
+              <a:rPr lang="ru-RU" sz="1800" b="0" i="0" u="none" strike="noStrike" cap="none" spc="0">
                 <a:solidFill>
                   <a:schemeClr val="tx1"/>
                 </a:solidFill>
@@ -9479,7 +12997,7 @@
               <a:t> </a:t>
             </a:r>
             <a:r>
-              <a:rPr lang="ru-RU" sz="1800" b="0" i="0" u="none" strike="noStrike" cap="none" spc="0" dirty="0" err="1">
+              <a:rPr lang="ru-RU" sz="1800" b="0" i="0" u="none" strike="noStrike" cap="none" spc="0">
                 <a:solidFill>
                   <a:schemeClr val="tx1"/>
                 </a:solidFill>
@@ -9489,7 +13007,7 @@
               <a:t>нашого</a:t>
             </a:r>
             <a:r>
-              <a:rPr lang="ru-RU" sz="1800" b="0" i="0" u="none" strike="noStrike" cap="none" spc="0" dirty="0">
+              <a:rPr lang="ru-RU" sz="1800" b="0" i="0" u="none" strike="noStrike" cap="none" spc="0">
                 <a:solidFill>
                   <a:schemeClr val="tx1"/>
                 </a:solidFill>
@@ -9499,7 +13017,7 @@
               <a:t> </a:t>
             </a:r>
             <a:r>
-              <a:rPr lang="ru-RU" sz="1800" b="0" i="0" u="none" strike="noStrike" cap="none" spc="0" dirty="0" err="1">
+              <a:rPr lang="ru-RU" sz="1800" b="0" i="0" u="none" strike="noStrike" cap="none" spc="0">
                 <a:solidFill>
                   <a:schemeClr val="tx1"/>
                 </a:solidFill>
@@ -9509,7 +13027,7 @@
               <a:t>гаманця</a:t>
             </a:r>
             <a:r>
-              <a:rPr lang="ru-RU" sz="1800" b="0" i="0" u="none" strike="noStrike" cap="none" spc="0" dirty="0">
+              <a:rPr lang="ru-RU" sz="1800" b="0" i="0" u="none" strike="noStrike" cap="none" spc="0">
                 <a:solidFill>
                   <a:schemeClr val="tx1"/>
                 </a:solidFill>
@@ -9518,7 +13036,7 @@
               </a:rPr>
               <a:t>.</a:t>
             </a:r>
-            <a:endParaRPr dirty="0">
+            <a:endParaRPr>
               <a:latin typeface="Times New Roman"/>
               <a:cs typeface="Times New Roman"/>
             </a:endParaRPr>
@@ -9530,12 +13048,20 @@
   <p:clrMapOvr>
     <a:masterClrMapping/>
   </p:clrMapOvr>
+  <mc:AlternateContent xmlns:mc="http://schemas.openxmlformats.org/markup-compatibility/2006">
+    <mc:Choice xmlns:p14="http://schemas.microsoft.com/office/powerpoint/2010/main" Requires="p14">
+      <p:transition p14:dur="2000" advClick="1"/>
+    </mc:Choice>
+    <mc:Fallback>
+      <p:transition advClick="1"/>
+    </mc:Fallback>
+  </mc:AlternateContent>
 </p:sld>
 </file>
 
 <file path=ppt/slides/slide8.xml><?xml version="1.0" encoding="utf-8"?>
-<p:sld xmlns:a="http://schemas.openxmlformats.org/drawingml/2006/main" xmlns:r="http://schemas.openxmlformats.org/officeDocument/2006/relationships" xmlns:p="http://schemas.openxmlformats.org/presentationml/2006/main" showMasterSp="0" showMasterPhAnim="0">
-  <p:cSld>
+<p:sld xmlns:a="http://schemas.openxmlformats.org/drawingml/2006/main" xmlns:r="http://schemas.openxmlformats.org/officeDocument/2006/relationships" xmlns:p="http://schemas.openxmlformats.org/presentationml/2006/main" xmlns:m="http://schemas.openxmlformats.org/officeDocument/2006/math" xmlns:w="http://schemas.openxmlformats.org/wordprocessingml/2006/main" showMasterPhAnim="0" showMasterSp="0" show="1">
+  <p:cSld name="">
     <p:spTree>
       <p:nvGrpSpPr>
         <p:cNvPr id="1" name=""/>
@@ -9626,100 +13152,96 @@
           <p:nvPr/>
         </p:nvSpPr>
         <p:spPr bwMode="auto">
-          <a:xfrm>
-            <a:off x="2285096" y="2309606"/>
-            <a:ext cx="8531588" cy="2665729"/>
+          <a:xfrm flipH="0" flipV="0">
+            <a:off x="1208764" y="1904999"/>
+            <a:ext cx="9546014" cy="3799944"/>
           </a:xfrm>
           <a:prstGeom prst="rect">
             <a:avLst/>
           </a:prstGeom>
         </p:spPr>
         <p:txBody>
-          <a:bodyPr vert="horz" wrap="square" lIns="0" tIns="13969" rIns="0" bIns="0" rtlCol="0">
+          <a:bodyPr vert="horz" wrap="square" lIns="0" tIns="13968" rIns="0" bIns="0" rtlCol="0">
             <a:spAutoFit/>
           </a:bodyPr>
           <a:lstStyle/>
           <a:p>
-            <a:pPr marL="12700" marR="425450" algn="just">
+            <a:pPr algn="just">
               <a:lnSpc>
-                <a:spcPct val="120500"/>
+                <a:spcPct val="114999"/>
               </a:lnSpc>
-              <a:spcBef>
-                <a:spcPts val="825"/>
-              </a:spcBef>
               <a:defRPr/>
             </a:pPr>
-            <a:r>
-              <a:rPr lang="uk-UA" sz="1800" b="0" i="0" u="none" strike="noStrike" cap="none" spc="0" dirty="0">
-                <a:solidFill>
-                  <a:srgbClr val="000000"/>
-                </a:solidFill>
-                <a:latin typeface="Times New Roman"/>
-                <a:cs typeface="Times New Roman"/>
-              </a:rPr>
-              <a:t>На завершення, наш Документ архітектури програмного забезпечення (</a:t>
-            </a:r>
-            <a:r>
-              <a:rPr lang="en-US" sz="1800" b="0" i="0" u="none" strike="noStrike" cap="none" spc="0" dirty="0">
-                <a:solidFill>
-                  <a:srgbClr val="000000"/>
-                </a:solidFill>
-                <a:latin typeface="Times New Roman"/>
-                <a:cs typeface="Times New Roman"/>
-              </a:rPr>
-              <a:t>SAD) </a:t>
-            </a:r>
-            <a:r>
-              <a:rPr lang="uk-UA" sz="1800" b="0" i="0" u="none" strike="noStrike" cap="none" spc="0" dirty="0">
-                <a:solidFill>
-                  <a:srgbClr val="000000"/>
-                </a:solidFill>
-                <a:latin typeface="Times New Roman"/>
-                <a:cs typeface="Times New Roman"/>
-              </a:rPr>
-              <a:t>успішно створив чіткий план для нашого додатку веб-гаманця на основі блокчейну. Протягом усього процесу розробки </a:t>
-            </a:r>
-            <a:r>
-              <a:rPr lang="en-US" sz="1800" b="0" i="0" u="none" strike="noStrike" cap="none" spc="0" dirty="0">
-                <a:solidFill>
-                  <a:srgbClr val="000000"/>
-                </a:solidFill>
-                <a:latin typeface="Times New Roman"/>
-                <a:cs typeface="Times New Roman"/>
-              </a:rPr>
-              <a:t>SAD </a:t>
-            </a:r>
-            <a:r>
-              <a:rPr lang="uk-UA" sz="1800" b="0" i="0" u="none" strike="noStrike" cap="none" spc="0" dirty="0">
-                <a:solidFill>
-                  <a:srgbClr val="000000"/>
-                </a:solidFill>
-                <a:latin typeface="Times New Roman"/>
-                <a:cs typeface="Times New Roman"/>
-              </a:rPr>
-              <a:t>надавав цінні вказівки, зосереджуючись на дизайні, функціональності та користувацькому досвіді. Як ми і прагнули, наш додаток пропонує безпечний і зручний інтерфейс, який спрощує цифрові транзакції. Хоча в майбутніх версіях можуть бути впроваджені певні вдосконалення, ми досягли основних цілей, викладених в </a:t>
-            </a:r>
-            <a:r>
-              <a:rPr lang="en-US" sz="1800" b="0" i="0" u="none" strike="noStrike" cap="none" spc="0" dirty="0">
-                <a:solidFill>
-                  <a:srgbClr val="000000"/>
-                </a:solidFill>
-                <a:latin typeface="Times New Roman"/>
-                <a:cs typeface="Times New Roman"/>
-              </a:rPr>
-              <a:t>SAD, </a:t>
-            </a:r>
-            <a:r>
-              <a:rPr lang="uk-UA" sz="1800" b="0" i="0" u="none" strike="noStrike" cap="none" spc="0" dirty="0">
-                <a:solidFill>
-                  <a:srgbClr val="000000"/>
-                </a:solidFill>
-                <a:latin typeface="Times New Roman"/>
-                <a:cs typeface="Times New Roman"/>
-              </a:rPr>
-              <a:t>заклавши міцний фундамент для подальшого розвитку нашого блокчейн-додатку.</a:t>
-            </a:r>
-            <a:endParaRPr sz="1800" dirty="0">
+            <a:endParaRPr sz="1800">
+              <a:latin typeface="Times New Roman"/>
+              <a:cs typeface="Times New Roman"/>
+            </a:endParaRPr>
+          </a:p>
+          <a:p>
+            <a:pPr algn="just">
+              <a:lnSpc>
+                <a:spcPct val="114999"/>
+              </a:lnSpc>
+              <a:defRPr/>
+            </a:pPr>
+            <a:r>
+              <a:rPr sz="1800" b="0" i="0" u="none">
+                <a:solidFill>
+                  <a:srgbClr val="374151"/>
+                </a:solidFill>
+                <a:latin typeface="Times New Roman"/>
+                <a:ea typeface="Liberation Sans"/>
+                <a:cs typeface="Times New Roman"/>
+              </a:rPr>
+              <a:t>По-перше, проведений аналіз архітектури системи підтвердив ефективність вибраного підходу, що оптимізує потоки даних. Вибраний підхід до побудови архітектури системи передбачає централізоване зберігання даних і контролює доступ до інформації через єдину точку входу, що підвищує безпеку системи.</a:t>
+            </a:r>
+            <a:endParaRPr sz="1800">
+              <a:latin typeface="Times New Roman"/>
+              <a:cs typeface="Times New Roman"/>
+            </a:endParaRPr>
+          </a:p>
+          <a:p>
+            <a:pPr algn="just">
+              <a:lnSpc>
+                <a:spcPct val="114999"/>
+              </a:lnSpc>
+              <a:defRPr/>
+            </a:pPr>
+            <a:r>
+              <a:rPr sz="1800" b="0" i="0" u="none">
+                <a:solidFill>
+                  <a:srgbClr val="374151"/>
+                </a:solidFill>
+                <a:latin typeface="Times New Roman"/>
+                <a:ea typeface="Liberation Sans"/>
+                <a:cs typeface="Times New Roman"/>
+              </a:rPr>
+              <a:t>По-друге, оцінка архітектури застосунків підкреслила її масштабуваність і здатність ефективно вирішувати виклики масштабування. Вибраний підхід дозволяє максимізувати підтримку масштабування та заміни бізнес-логіки, що сприяє адаптивності та ефективному повторному використанню кодової бази.</a:t>
+            </a:r>
+            <a:endParaRPr sz="1800">
+              <a:latin typeface="Times New Roman"/>
+              <a:cs typeface="Times New Roman"/>
+            </a:endParaRPr>
+          </a:p>
+          <a:p>
+            <a:pPr algn="just">
+              <a:lnSpc>
+                <a:spcPct val="114999"/>
+              </a:lnSpc>
+              <a:defRPr/>
+            </a:pPr>
+            <a:r>
+              <a:rPr sz="1800" b="0" i="0" u="none">
+                <a:solidFill>
+                  <a:srgbClr val="374151"/>
+                </a:solidFill>
+                <a:latin typeface="Times New Roman"/>
+                <a:ea typeface="Liberation Sans"/>
+                <a:cs typeface="Times New Roman"/>
+              </a:rPr>
+              <a:t>По-третє, детальний огляд обмежень системи дозволив визначити вплив цих обмежень на функціональність і стани системи, що в свою чергу допомогло уточнити рамки застосування системи для різних типів користувачів і визначити майбутній вигляд варіантів її використання.</a:t>
+            </a:r>
+            <a:endParaRPr sz="1800">
               <a:latin typeface="Times New Roman"/>
               <a:cs typeface="Times New Roman"/>
             </a:endParaRPr>
@@ -9823,7 +13345,7 @@
                 <a:latin typeface="Times New Roman"/>
                 <a:cs typeface="Times New Roman"/>
               </a:rPr>
-              <a:t>8</a:t>
+              <a:t/>
             </a:fld>
             <a:endParaRPr>
               <a:latin typeface="Times New Roman"/>
@@ -9891,11 +13413,19 @@
   <p:clrMapOvr>
     <a:masterClrMapping/>
   </p:clrMapOvr>
+  <mc:AlternateContent xmlns:mc="http://schemas.openxmlformats.org/markup-compatibility/2006">
+    <mc:Choice xmlns:p14="http://schemas.microsoft.com/office/powerpoint/2010/main" Requires="p14">
+      <p:transition p14:dur="2000" advClick="1"/>
+    </mc:Choice>
+    <mc:Fallback>
+      <p:transition advClick="1"/>
+    </mc:Fallback>
+  </mc:AlternateContent>
 </p:sld>
 </file>
 
 <file path=ppt/theme/theme1.xml><?xml version="1.0" encoding="utf-8"?>
-<a:theme xmlns:a="http://schemas.openxmlformats.org/drawingml/2006/main" name="Office Theme">
+<a:theme xmlns:a="http://schemas.openxmlformats.org/drawingml/2006/main" xmlns:r="http://schemas.openxmlformats.org/officeDocument/2006/relationships" xmlns:p="http://schemas.openxmlformats.org/presentationml/2006/main" name="Office Theme">
   <a:themeElements>
     <a:clrScheme name="Office">
       <a:dk1>
@@ -10100,6 +13630,5 @@
     </a:fmtScheme>
   </a:themeElements>
   <a:objectDefaults/>
-  <a:extraClrSchemeLst/>
 </a:theme>
 </file>
--- a/sad/blokchejn-platforma-dlya-avtomatizovanoyi-platizhnoyi-sistemi-zahist-zvitu-z-tehnologichnoyi-praktiki-2023-5-30-16-16-39.pptx
+++ b/sad/blokchejn-platforma-dlya-avtomatizovanoyi-platizhnoyi-sistemi-zahist-zvitu-z-tehnologichnoyi-praktiki-2023-5-30-16-16-39.pptx
@@ -1,18 +1,18 @@
 
 <file path=ppt/presentation.xml><?xml version="1.0" encoding="utf-8"?>
-<p:presentation xmlns:a="http://schemas.openxmlformats.org/drawingml/2006/main" xmlns:r="http://schemas.openxmlformats.org/officeDocument/2006/relationships" xmlns:p="http://schemas.openxmlformats.org/presentationml/2006/main" xmlns:m="http://schemas.openxmlformats.org/officeDocument/2006/math" xmlns:w="http://schemas.openxmlformats.org/wordprocessingml/2006/main" showSpecialPlsOnTitleSld="0">
+<p:presentation xmlns:a="http://schemas.openxmlformats.org/drawingml/2006/main" xmlns:r="http://schemas.openxmlformats.org/officeDocument/2006/relationships" xmlns:p="http://schemas.openxmlformats.org/presentationml/2006/main" showSpecialPlsOnTitleSld="0">
   <p:sldMasterIdLst>
     <p:sldMasterId id="2147483648" r:id="rId1"/>
   </p:sldMasterIdLst>
   <p:sldIdLst>
-    <p:sldId id="256" r:id="rId3"/>
-    <p:sldId id="257" r:id="rId4"/>
-    <p:sldId id="258" r:id="rId5"/>
-    <p:sldId id="259" r:id="rId6"/>
-    <p:sldId id="260" r:id="rId7"/>
-    <p:sldId id="261" r:id="rId8"/>
-    <p:sldId id="262" r:id="rId9"/>
-    <p:sldId id="263" r:id="rId10"/>
+    <p:sldId id="256" r:id="rId2"/>
+    <p:sldId id="257" r:id="rId3"/>
+    <p:sldId id="258" r:id="rId4"/>
+    <p:sldId id="259" r:id="rId5"/>
+    <p:sldId id="260" r:id="rId6"/>
+    <p:sldId id="261" r:id="rId7"/>
+    <p:sldId id="262" r:id="rId8"/>
+    <p:sldId id="263" r:id="rId9"/>
   </p:sldIdLst>
   <p:sldSz cx="12192000" cy="6413500"/>
   <p:notesSz cx="12192000" cy="6413500"/>
@@ -111,6 +111,22 @@
       </a:defRPr>
     </a:lvl9pPr>
   </p:defaultTextStyle>
+  <p:extLst>
+    <p:ext uri="{EFAFB233-063F-42B5-8137-9DF3F51BA10A}">
+      <p15:sldGuideLst xmlns:p15="http://schemas.microsoft.com/office/powerpoint/2012/main">
+        <p15:guide id="1" orient="horz" pos="2924">
+          <p15:clr>
+            <a:srgbClr val="A4A3A4"/>
+          </p15:clr>
+        </p15:guide>
+        <p15:guide id="2" pos="2160">
+          <p15:clr>
+            <a:srgbClr val="A4A3A4"/>
+          </p15:clr>
+        </p15:guide>
+      </p15:sldGuideLst>
+    </p:ext>
+  </p:extLst>
 </p:presentation>
 </file>
 
@@ -1617,7 +1633,7 @@
 </file>
 
 <file path=ppt/diagrams/data1.xml><?xml version="1.0" encoding="utf-8"?>
-<dgm:dataModel xmlns:dgm="http://schemas.openxmlformats.org/drawingml/2006/diagram" xmlns:a="http://schemas.openxmlformats.org/drawingml/2006/main" xmlns:r="http://schemas.openxmlformats.org/officeDocument/2006/relationships">
+<dgm:dataModel xmlns:dgm="http://schemas.openxmlformats.org/drawingml/2006/diagram" xmlns:a="http://schemas.openxmlformats.org/drawingml/2006/main">
   <dgm:ptLst>
     <dgm:pt modelId="{0E58EF5D-A4F6-406B-9846-A092BE01EB22}" type="doc">
       <dgm:prSet loTypeId="urn:microsoft.com/office/officeart/2016/7/layout/LinearBlockProcessNumbered" loCatId="process" qsTypeId="urn:microsoft.com/office/officeart/2005/8/quickstyle/simple1#1" qsCatId="simple" csTypeId="urn:microsoft.com/office/officeart/2005/8/colors/accent0_3" csCatId="mainScheme"/>
@@ -1717,7 +1733,7 @@
       </dgm:t>
     </dgm:pt>
     <dgm:pt modelId="{94A4947D-84AB-48E6-8DBD-B0FB7DCFE83A}" type="sibTrans" cxnId="{63E21DF4-5FBC-443D-9BC9-43B65A7BD892}">
-      <dgm:prSet phldr="0" phldrT="01"/>
+      <dgm:prSet phldrT="01" phldr="0"/>
       <dgm:spPr bwMode="auto"/>
       <dgm:t>
         <a:bodyPr vertOverflow="overflow" horzOverflow="overflow" vert="horz" rtlCol="0" fromWordArt="0" anchor="ctr" forceAA="0" compatLnSpc="0"/>
@@ -1823,7 +1839,7 @@
       </dgm:t>
     </dgm:pt>
     <dgm:pt modelId="{EB3BD4AE-D7EC-449F-9FEC-6862480B356F}" type="sibTrans" cxnId="{7C51A667-6AED-4C0F-A3C5-24DCB9960B16}">
-      <dgm:prSet phldr="0" phldrT="02"/>
+      <dgm:prSet phldrT="02" phldr="0"/>
       <dgm:spPr bwMode="auto"/>
       <dgm:t>
         <a:bodyPr vertOverflow="overflow" horzOverflow="overflow" vert="horz" rtlCol="0" fromWordArt="0" anchor="ctr" forceAA="0" compatLnSpc="0"/>
@@ -1929,7 +1945,7 @@
       </dgm:t>
     </dgm:pt>
     <dgm:pt modelId="{4CBAFDCC-6EA0-4DEA-9121-2062BC43DD0B}" type="sibTrans" cxnId="{4ED74027-7C0D-4D16-A0CB-88ADEB6B9117}">
-      <dgm:prSet phldr="0" phldrT="03"/>
+      <dgm:prSet phldrT="03" phldr="0"/>
       <dgm:spPr bwMode="auto"/>
       <dgm:t>
         <a:bodyPr vertOverflow="overflow" horzOverflow="overflow" vert="horz" rtlCol="0" fromWordArt="0" anchor="ctr" forceAA="0" compatLnSpc="0"/>
@@ -1979,7 +1995,7 @@
       <dgm:spPr bwMode="auto"/>
     </dgm:pt>
     <dgm:pt modelId="{9749F921-1780-4BC4-94D4-CA6CB4386FA2}" type="pres">
-      <dgm:prSet custLinFactY="245" presAssocID="{53958BD8-D0F9-43A4-A8E7-C43BE5627982}" presName="bgRect" presStyleLbl="alignNode1" presStyleIdx="0" presStyleCnt="3"/>
+      <dgm:prSet presAssocID="{53958BD8-D0F9-43A4-A8E7-C43BE5627982}" presName="bgRect" presStyleLbl="alignNode1" presStyleIdx="0" presStyleCnt="3" custLinFactY="245"/>
       <dgm:spPr bwMode="auto">
         <a:prstGeom prst="roundRect">
           <a:avLst>
@@ -2147,14 +2163,14 @@
   <dgm:whole/>
   <dgm:extLst>
     <a:ext uri="http://schemas.microsoft.com/office/drawing/2008/diagram">
-      <dsp:dataModelExt xmlns:dsp="http://schemas.microsoft.com/office/drawing/2008/diagram" relId="rId1" minVer="http://schemas.openxmlformats.org/drawingml/2006/diagram"/>
+      <dsp:dataModelExt xmlns:dsp="http://schemas.microsoft.com/office/drawing/2008/diagram" relId="rId6" minVer="http://schemas.openxmlformats.org/drawingml/2006/diagram"/>
     </a:ext>
   </dgm:extLst>
 </dgm:dataModel>
 </file>
 
 <file path=ppt/diagrams/data2.xml><?xml version="1.0" encoding="utf-8"?>
-<dgm:dataModel xmlns:dgm="http://schemas.openxmlformats.org/drawingml/2006/diagram" xmlns:a="http://schemas.openxmlformats.org/drawingml/2006/main" xmlns:r="http://schemas.openxmlformats.org/officeDocument/2006/relationships">
+<dgm:dataModel xmlns:dgm="http://schemas.openxmlformats.org/drawingml/2006/diagram" xmlns:a="http://schemas.openxmlformats.org/drawingml/2006/main">
   <dgm:ptLst>
     <dgm:pt modelId="{0E58EF5D-A4F6-406B-9846-A092BE01EB22}" type="doc">
       <dgm:prSet loTypeId="urn:microsoft.com/office/officeart/2016/7/layout/LinearBlockProcessNumbered" loCatId="process" qsTypeId="urn:microsoft.com/office/officeart/2005/8/quickstyle/simple1#1" qsCatId="simple" csTypeId="urn:microsoft.com/office/officeart/2005/8/colors/accent0_3" csCatId="mainScheme"/>
@@ -2200,13 +2216,6 @@
             </a:rPr>
             <a:t>: Провести глибокий аналіз обраної архітектури системи, особливо щодо управління потоками даних. Зрозуміти логіку, яка лежала в основі вибору цього структурного стилю.</a:t>
           </a:r>
-          <a:endParaRPr lang="en-US" sz="1600" b="0" i="0" u="none" strike="noStrike" cap="none" spc="0">
-            <a:solidFill>
-              <a:schemeClr val="tx1"/>
-            </a:solidFill>
-            <a:latin typeface="Times New Roman"/>
-            <a:cs typeface="Times New Roman"/>
-          </a:endParaRPr>
         </a:p>
         <a:p>
           <a:pPr>
@@ -2237,10 +2246,10 @@
       </dgm:t>
     </dgm:pt>
     <dgm:pt modelId="{94A4947D-84AB-48E6-8DBD-B0FB7DCFE83A}" type="sibTrans" cxnId="{63E21DF4-5FBC-443D-9BC9-43B65A7BD892}">
-      <dgm:prSet phldr="0" phldrT="01"/>
+      <dgm:prSet phldrT="01" phldr="0"/>
       <dgm:spPr bwMode="auto"/>
       <dgm:t>
-        <a:bodyPr vertOverflow="overflow" horzOverflow="overflow" vert="horz" rtlCol="0" fromWordArt="0" anchor="ctr" forceAA="0" upright="0" compatLnSpc="0"/>
+        <a:bodyPr vertOverflow="overflow" horzOverflow="overflow" vert="horz" rtlCol="0" fromWordArt="0" anchor="ctr" forceAA="0" compatLnSpc="0"/>
         <a:lstStyle/>
         <a:p>
           <a:pPr marL="0" indent="0" algn="l" defTabSz="2933697">
@@ -2332,10 +2341,10 @@
       </dgm:t>
     </dgm:pt>
     <dgm:pt modelId="{EB3BD4AE-D7EC-449F-9FEC-6862480B356F}" type="sibTrans" cxnId="{7C51A667-6AED-4C0F-A3C5-24DCB9960B16}">
-      <dgm:prSet phldr="0" phldrT="02"/>
+      <dgm:prSet phldrT="02" phldr="0"/>
       <dgm:spPr bwMode="auto"/>
       <dgm:t>
-        <a:bodyPr vertOverflow="overflow" horzOverflow="overflow" vert="horz" rtlCol="0" fromWordArt="0" anchor="ctr" forceAA="0" upright="0" compatLnSpc="0"/>
+        <a:bodyPr vertOverflow="overflow" horzOverflow="overflow" vert="horz" rtlCol="0" fromWordArt="0" anchor="ctr" forceAA="0" compatLnSpc="0"/>
         <a:lstStyle/>
         <a:p>
           <a:pPr marL="0" indent="0" algn="l" defTabSz="2933697">
@@ -2436,10 +2445,10 @@
       </dgm:t>
     </dgm:pt>
     <dgm:pt modelId="{4CBAFDCC-6EA0-4DEA-9121-2062BC43DD0B}" type="sibTrans" cxnId="{4ED74027-7C0D-4D16-A0CB-88ADEB6B9117}">
-      <dgm:prSet phldr="0" phldrT="03"/>
+      <dgm:prSet phldrT="03" phldr="0"/>
       <dgm:spPr bwMode="auto"/>
       <dgm:t>
-        <a:bodyPr vertOverflow="overflow" horzOverflow="overflow" vert="horz" rtlCol="0" fromWordArt="0" anchor="ctr" forceAA="0" upright="0" compatLnSpc="0"/>
+        <a:bodyPr vertOverflow="overflow" horzOverflow="overflow" vert="horz" rtlCol="0" fromWordArt="0" anchor="ctr" forceAA="0" compatLnSpc="0"/>
         <a:lstStyle/>
         <a:p>
           <a:pPr marL="0" indent="0" algn="l" defTabSz="2933697">
@@ -2486,7 +2495,7 @@
       <dgm:spPr bwMode="auto"/>
     </dgm:pt>
     <dgm:pt modelId="{9749F921-1780-4BC4-94D4-CA6CB4386FA2}" type="pres">
-      <dgm:prSet custLinFactY="245" presAssocID="{53958BD8-D0F9-43A4-A8E7-C43BE5627982}" presName="bgRect" presStyleLbl="alignNode1" presStyleIdx="0" presStyleCnt="3"/>
+      <dgm:prSet presAssocID="{53958BD8-D0F9-43A4-A8E7-C43BE5627982}" presName="bgRect" presStyleLbl="alignNode1" presStyleIdx="0" presStyleCnt="3" custLinFactY="245"/>
       <dgm:spPr bwMode="auto">
         <a:prstGeom prst="roundRect">
           <a:avLst>
@@ -2654,27 +2663,20 @@
   <dgm:whole/>
   <dgm:extLst>
     <a:ext uri="http://schemas.microsoft.com/office/drawing/2008/diagram">
-      <dsp:dataModelExt xmlns:dsp="http://schemas.microsoft.com/office/drawing/2008/diagram" relId="rId1" minVer="http://schemas.openxmlformats.org/drawingml/2006/diagram"/>
+      <dsp:dataModelExt xmlns:dsp="http://schemas.microsoft.com/office/drawing/2008/diagram" relId="rId11" minVer="http://schemas.openxmlformats.org/drawingml/2006/diagram"/>
     </a:ext>
   </dgm:extLst>
 </dgm:dataModel>
 </file>
 
 <file path=ppt/diagrams/drawing1.xml><?xml version="1.0" encoding="utf-8"?>
-<dsp:drawing xmlns:dsp="http://schemas.microsoft.com/office/drawing/2008/diagram" xmlns:dgm="http://schemas.openxmlformats.org/drawingml/2006/diagram" xmlns:a="http://schemas.openxmlformats.org/drawingml/2006/main" xmlns:r="http://schemas.openxmlformats.org/officeDocument/2006/relationships">
+<dsp:drawing xmlns:dgm="http://schemas.openxmlformats.org/drawingml/2006/diagram" xmlns:dsp="http://schemas.microsoft.com/office/drawing/2008/diagram" xmlns:a="http://schemas.openxmlformats.org/drawingml/2006/main">
   <dsp:spTree>
     <dsp:nvGrpSpPr>
-      <dsp:cNvPr id="976448766" name=""/>
+      <dsp:cNvPr id="0" name=""/>
       <dsp:cNvGrpSpPr/>
     </dsp:nvGrpSpPr>
-    <dsp:grpSpPr bwMode="auto">
-      <a:xfrm>
-        <a:off x="0" y="0"/>
-        <a:ext cx="9905999" cy="4082074"/>
-        <a:chOff x="0" y="0"/>
-        <a:chExt cx="9905999" cy="4082074"/>
-      </a:xfrm>
-    </dsp:grpSpPr>
+    <dsp:grpSpPr/>
     <dsp:sp modelId="{9749F921-1780-4BC4-94D4-CA6CB4386FA2}">
       <dsp:nvSpPr>
         <dsp:cNvPr id="0" name=""/>
@@ -2727,7 +2729,7 @@
               <a:spcPct val="90000"/>
             </a:lnSpc>
             <a:spcBef>
-              <a:spcPts val="0"/>
+              <a:spcPct val="0"/>
             </a:spcBef>
             <a:spcAft>
               <a:spcPts val="0"/>
@@ -2736,7 +2738,7 @@
             <a:defRPr/>
           </a:pPr>
           <a:r>
-            <a:rPr lang="en-US" sz="1600" b="0" i="0" u="none" strike="noStrike" cap="none" spc="0">
+            <a:rPr lang="en-US" sz="1600" b="0" i="0" u="none" strike="noStrike" kern="1200" cap="none" spc="0">
               <a:solidFill>
                 <a:schemeClr val="tx1"/>
               </a:solidFill>
@@ -2746,7 +2748,7 @@
             <a:t>Розробити блокчейн-систему з </a:t>
           </a:r>
           <a:r>
-            <a:rPr lang="en-US" sz="1600" b="1" i="0" u="none" strike="noStrike" cap="none" spc="0">
+            <a:rPr lang="en-US" sz="1600" b="1" i="0" u="none" strike="noStrike" kern="1200" cap="none" spc="0">
               <a:solidFill>
                 <a:schemeClr val="tx1"/>
               </a:solidFill>
@@ -2756,7 +2758,7 @@
             <a:t>гібридною мережевою архітектурою</a:t>
           </a:r>
           <a:r>
-            <a:rPr lang="en-US" sz="1600" b="0" i="0" u="none" strike="noStrike" cap="none" spc="0">
+            <a:rPr lang="en-US" sz="1600" b="0" i="0" u="none" strike="noStrike" kern="1200" cap="none" spc="0">
               <a:solidFill>
                 <a:schemeClr val="tx1"/>
               </a:solidFill>
@@ -2766,7 +2768,7 @@
             <a:t>, що дозволить зменшити затримку транзакцій та підвищити масштабованість мережі.</a:t>
           </a:r>
           <a:r>
-            <a:rPr lang="en-US" sz="1600">
+            <a:rPr lang="en-US" sz="1600" kern="1200">
               <a:solidFill>
                 <a:schemeClr val="tx1"/>
               </a:solidFill>
@@ -2775,7 +2777,7 @@
             </a:rPr>
             <a:t> </a:t>
           </a:r>
-          <a:endParaRPr sz="1600">
+          <a:endParaRPr sz="1600" kern="1200">
             <a:solidFill>
               <a:schemeClr val="tx1"/>
             </a:solidFill>
@@ -2808,6 +2810,7 @@
           <a:prstDash val="solid"/>
         </a:ln>
         <a:effectLst/>
+        <a:sp3d/>
       </dsp:spPr>
       <dsp:style>
         <a:lnRef idx="2">
@@ -2834,7 +2837,7 @@
               <a:spcPct val="90000"/>
             </a:lnSpc>
             <a:spcBef>
-              <a:spcPts val="0"/>
+              <a:spcPct val="0"/>
             </a:spcBef>
             <a:spcAft>
               <a:spcPts val="0"/>
@@ -2843,13 +2846,13 @@
             <a:defRPr/>
           </a:pPr>
           <a:r>
-            <a:rPr lang="en-US" sz="6600">
+            <a:rPr lang="en-US" sz="6600" kern="1200">
               <a:latin typeface="Times New Roman"/>
               <a:cs typeface="Times New Roman"/>
             </a:rPr>
             <a:t>01</a:t>
           </a:r>
-          <a:endParaRPr sz="6600">
+          <a:endParaRPr sz="6600" kern="1200">
             <a:latin typeface="Times New Roman"/>
             <a:cs typeface="Times New Roman"/>
           </a:endParaRPr>
@@ -2912,7 +2915,7 @@
               <a:spcPct val="90000"/>
             </a:lnSpc>
             <a:spcBef>
-              <a:spcPts val="0"/>
+              <a:spcPct val="0"/>
             </a:spcBef>
             <a:spcAft>
               <a:spcPts val="0"/>
@@ -2921,7 +2924,7 @@
             <a:defRPr/>
           </a:pPr>
           <a:r>
-            <a:rPr lang="en-US" sz="1600" b="0" i="0" u="none" strike="noStrike" cap="none" spc="0">
+            <a:rPr lang="en-US" sz="1600" b="0" i="0" u="none" strike="noStrike" kern="1200" cap="none" spc="0">
               <a:solidFill>
                 <a:schemeClr val="tx1"/>
               </a:solidFill>
@@ -2931,7 +2934,7 @@
             <a:t>Реалізувати </a:t>
           </a:r>
           <a:r>
-            <a:rPr lang="en-US" sz="1600" b="1" i="0" u="none" strike="noStrike" cap="none" spc="0">
+            <a:rPr lang="en-US" sz="1600" b="1" i="0" u="none" strike="noStrike" kern="1200" cap="none" spc="0">
               <a:solidFill>
                 <a:schemeClr val="tx1"/>
               </a:solidFill>
@@ -2941,7 +2944,7 @@
             <a:t>гібридний механізм консенсусу</a:t>
           </a:r>
           <a:r>
-            <a:rPr lang="en-US" sz="1600" b="0" i="0" u="none" strike="noStrike" cap="none" spc="0">
+            <a:rPr lang="en-US" sz="1600" b="0" i="0" u="none" strike="noStrike" kern="1200" cap="none" spc="0">
               <a:solidFill>
                 <a:schemeClr val="tx1"/>
               </a:solidFill>
@@ -2950,7 +2953,7 @@
             </a:rPr>
             <a:t>, що поєднує в собі доказ часу, що минув (PoET) та доказ роботи (PoW), з метою зменшення ризиків централізації та зниження енергоспоживання у порівнянні з традиційними блокчейн-системами.</a:t>
           </a:r>
-          <a:endParaRPr sz="1600">
+          <a:endParaRPr sz="1600" kern="1200">
             <a:solidFill>
               <a:schemeClr val="tx1"/>
             </a:solidFill>
@@ -2983,6 +2986,7 @@
           <a:prstDash val="solid"/>
         </a:ln>
         <a:effectLst/>
+        <a:sp3d/>
       </dsp:spPr>
       <dsp:style>
         <a:lnRef idx="2">
@@ -3009,7 +3013,7 @@
               <a:spcPct val="90000"/>
             </a:lnSpc>
             <a:spcBef>
-              <a:spcPts val="0"/>
+              <a:spcPct val="0"/>
             </a:spcBef>
             <a:spcAft>
               <a:spcPts val="0"/>
@@ -3018,13 +3022,13 @@
             <a:defRPr/>
           </a:pPr>
           <a:r>
-            <a:rPr lang="en-US" sz="6600">
+            <a:rPr lang="en-US" sz="6600" kern="1200">
               <a:latin typeface="Times New Roman"/>
               <a:cs typeface="Times New Roman"/>
             </a:rPr>
             <a:t>02</a:t>
           </a:r>
-          <a:endParaRPr sz="6600">
+          <a:endParaRPr sz="6600" kern="1200">
             <a:latin typeface="Times New Roman"/>
             <a:cs typeface="Times New Roman"/>
           </a:endParaRPr>
@@ -3087,7 +3091,7 @@
               <a:spcPct val="90000"/>
             </a:lnSpc>
             <a:spcBef>
-              <a:spcPts val="0"/>
+              <a:spcPct val="0"/>
             </a:spcBef>
             <a:spcAft>
               <a:spcPts val="0"/>
@@ -3096,7 +3100,7 @@
             <a:defRPr/>
           </a:pPr>
           <a:r>
-            <a:rPr lang="en-US" sz="1600" b="0" i="0" u="none" strike="noStrike" cap="none" spc="0">
+            <a:rPr lang="en-US" sz="1600" b="0" i="0" u="none" strike="noStrike" kern="1200" cap="none" spc="0">
               <a:solidFill>
                 <a:schemeClr val="tx1"/>
               </a:solidFill>
@@ -3106,7 +3110,7 @@
             <a:t>Вирішити </a:t>
           </a:r>
           <a:r>
-            <a:rPr lang="en-US" sz="1600" b="1" i="0" u="none" strike="noStrike" cap="none" spc="0">
+            <a:rPr lang="en-US" sz="1600" b="1" i="0" u="none" strike="noStrike" kern="1200" cap="none" spc="0">
               <a:solidFill>
                 <a:schemeClr val="tx1"/>
               </a:solidFill>
@@ -3116,7 +3120,7 @@
             <a:t>проблеми високих комісійних</a:t>
           </a:r>
           <a:r>
-            <a:rPr lang="en-US" sz="1600" b="0" i="0" u="none" strike="noStrike" cap="none" spc="0">
+            <a:rPr lang="en-US" sz="1600" b="0" i="0" u="none" strike="noStrike" kern="1200" cap="none" spc="0">
               <a:solidFill>
                 <a:schemeClr val="tx1"/>
               </a:solidFill>
@@ -3125,7 +3129,7 @@
             </a:rPr>
             <a:t> витрат за рахунок підтримки ефективної роботи мережі навіть при великих обсягах транзакцій, що забезпечує нижчу комісію за транзакції для користувачів.</a:t>
           </a:r>
-          <a:endParaRPr sz="1600">
+          <a:endParaRPr sz="1600" kern="1200">
             <a:solidFill>
               <a:schemeClr val="tx1"/>
             </a:solidFill>
@@ -3158,6 +3162,7 @@
           <a:prstDash val="solid"/>
         </a:ln>
         <a:effectLst/>
+        <a:sp3d/>
       </dsp:spPr>
       <dsp:style>
         <a:lnRef idx="2">
@@ -3184,7 +3189,7 @@
               <a:spcPct val="90000"/>
             </a:lnSpc>
             <a:spcBef>
-              <a:spcPts val="0"/>
+              <a:spcPct val="0"/>
             </a:spcBef>
             <a:spcAft>
               <a:spcPts val="0"/>
@@ -3193,13 +3198,13 @@
             <a:defRPr/>
           </a:pPr>
           <a:r>
-            <a:rPr lang="en-US" sz="6600">
+            <a:rPr lang="en-US" sz="6600" kern="1200">
               <a:latin typeface="Times New Roman"/>
               <a:cs typeface="Times New Roman"/>
             </a:rPr>
             <a:t>03</a:t>
           </a:r>
-          <a:endParaRPr sz="6600">
+          <a:endParaRPr sz="6600" kern="1200">
             <a:latin typeface="Times New Roman"/>
             <a:cs typeface="Times New Roman"/>
           </a:endParaRPr>
@@ -3215,29 +3220,22 @@
 </file>
 
 <file path=ppt/diagrams/drawing2.xml><?xml version="1.0" encoding="utf-8"?>
-<dsp:drawing xmlns:dsp="http://schemas.microsoft.com/office/drawing/2008/diagram" xmlns:dgm="http://schemas.openxmlformats.org/drawingml/2006/diagram" xmlns:a="http://schemas.openxmlformats.org/drawingml/2006/main" xmlns:r="http://schemas.openxmlformats.org/officeDocument/2006/relationships">
+<dsp:drawing xmlns:dgm="http://schemas.openxmlformats.org/drawingml/2006/diagram" xmlns:dsp="http://schemas.microsoft.com/office/drawing/2008/diagram" xmlns:a="http://schemas.openxmlformats.org/drawingml/2006/main">
   <dsp:spTree>
     <dsp:nvGrpSpPr>
-      <dsp:cNvPr id="991310941" name=""/>
+      <dsp:cNvPr id="0" name=""/>
       <dsp:cNvGrpSpPr/>
     </dsp:nvGrpSpPr>
-    <dsp:grpSpPr bwMode="auto">
-      <a:xfrm>
-        <a:off x="0" y="0"/>
-        <a:ext cx="9905998" cy="4082073"/>
-        <a:chOff x="0" y="0"/>
-        <a:chExt cx="9905998" cy="4082073"/>
-      </a:xfrm>
-    </dsp:grpSpPr>
+    <dsp:grpSpPr/>
     <dsp:sp modelId="{9749F921-1780-4BC4-94D4-CA6CB4386FA2}">
       <dsp:nvSpPr>
-        <dsp:cNvPr id="464114832" name=""/>
+        <dsp:cNvPr id="0" name=""/>
         <dsp:cNvSpPr/>
       </dsp:nvSpPr>
       <dsp:spPr bwMode="auto">
         <a:xfrm>
-          <a:off x="772" y="169659"/>
-          <a:ext cx="3134318" cy="3761182"/>
+          <a:off x="773" y="169659"/>
+          <a:ext cx="3134319" cy="3761183"/>
         </a:xfrm>
         <a:prstGeom prst="roundRect">
           <a:avLst>
@@ -3271,16 +3269,26 @@
         </a:fontRef>
       </dsp:style>
       <dsp:txBody>
-        <a:bodyPr spcFirstLastPara="0" vertOverflow="overflow" horzOverflow="overflow" vert="horz" wrap="square" lIns="309600" tIns="0" rIns="309600" bIns="330199" numCol="1" spcCol="1269" rtlCol="0" fromWordArt="0" anchor="t" anchorCtr="0" forceAA="0" compatLnSpc="0">
+        <a:bodyPr spcFirstLastPara="0" vertOverflow="overflow" horzOverflow="overflow" vert="horz" wrap="square" lIns="309601" tIns="0" rIns="309601" bIns="330200" numCol="1" spcCol="1270" rtlCol="0" fromWordArt="0" anchor="t" anchorCtr="0" forceAA="0" compatLnSpc="0">
           <a:noAutofit/>
         </a:bodyPr>
         <a:lstStyle/>
         <a:p>
-          <a:pPr>
+          <a:pPr marL="0" lvl="0" indent="0" algn="l" defTabSz="711200">
+            <a:lnSpc>
+              <a:spcPct val="90000"/>
+            </a:lnSpc>
+            <a:spcBef>
+              <a:spcPct val="0"/>
+            </a:spcBef>
+            <a:spcAft>
+              <a:spcPct val="35000"/>
+            </a:spcAft>
+            <a:buNone/>
             <a:defRPr/>
           </a:pPr>
           <a:r>
-            <a:rPr lang="en-US" sz="1600" b="1" i="0" u="none" strike="noStrike" cap="none" spc="0">
+            <a:rPr lang="en-US" sz="1600" b="1" i="0" u="none" strike="noStrike" kern="1200" cap="none" spc="0">
               <a:solidFill>
                 <a:schemeClr val="tx1"/>
               </a:solidFill>
@@ -3290,7 +3298,7 @@
             <a:t>Оцінка архітектури системи</a:t>
           </a:r>
           <a:r>
-            <a:rPr lang="en-US" sz="1600" b="0" i="0" u="none" strike="noStrike" cap="none" spc="0">
+            <a:rPr lang="en-US" sz="1600" b="0" i="0" u="none" strike="noStrike" kern="1200" cap="none" spc="0">
               <a:solidFill>
                 <a:schemeClr val="tx1"/>
               </a:solidFill>
@@ -3299,19 +3307,22 @@
             </a:rPr>
             <a:t>: Провести глибокий аналіз обраної архітектури системи, особливо щодо управління потоками даних. Зрозуміти логіку, яка лежала в основі вибору цього структурного стилю.</a:t>
           </a:r>
-          <a:endParaRPr lang="en-US" sz="1600" b="0" i="0" u="none" strike="noStrike" cap="none" spc="0">
-            <a:solidFill>
-              <a:schemeClr val="tx1"/>
-            </a:solidFill>
-            <a:latin typeface="Times New Roman"/>
-            <a:cs typeface="Times New Roman"/>
-          </a:endParaRPr>
         </a:p>
         <a:p>
-          <a:pPr>
+          <a:pPr marL="0" lvl="0" indent="0" algn="l" defTabSz="711200">
+            <a:lnSpc>
+              <a:spcPct val="90000"/>
+            </a:lnSpc>
+            <a:spcBef>
+              <a:spcPct val="0"/>
+            </a:spcBef>
+            <a:spcAft>
+              <a:spcPct val="35000"/>
+            </a:spcAft>
+            <a:buNone/>
             <a:defRPr/>
           </a:pPr>
-          <a:endParaRPr lang="en-US" sz="1600" b="0" i="0" u="none" strike="noStrike" cap="none" spc="0">
+          <a:endParaRPr lang="en-US" sz="1600" b="0" i="0" u="none" strike="noStrike" kern="1200" cap="none" spc="0">
             <a:solidFill>
               <a:schemeClr val="tx1"/>
             </a:solidFill>
@@ -3321,19 +3332,19 @@
         </a:p>
       </dsp:txBody>
       <dsp:txXfrm>
-        <a:off x="772" y="1674132"/>
-        <a:ext cx="3134318" cy="2256709"/>
+        <a:off x="773" y="1674133"/>
+        <a:ext cx="3134319" cy="2256710"/>
       </dsp:txXfrm>
     </dsp:sp>
     <dsp:sp modelId="{D0B42A7F-7E0A-460C-B101-1C3B5702C205}">
       <dsp:nvSpPr>
-        <dsp:cNvPr id="513807148" name=""/>
+        <dsp:cNvPr id="0" name=""/>
         <dsp:cNvSpPr/>
       </dsp:nvSpPr>
       <dsp:spPr bwMode="auto">
         <a:xfrm>
-          <a:off x="772" y="160444"/>
-          <a:ext cx="3134318" cy="1504472"/>
+          <a:off x="773" y="160444"/>
+          <a:ext cx="3134319" cy="1504473"/>
         </a:xfrm>
         <a:prstGeom prst="rect">
           <a:avLst/>
@@ -3344,6 +3355,7 @@
           <a:prstDash val="solid"/>
         </a:ln>
         <a:effectLst/>
+        <a:sp3d/>
       </dsp:spPr>
       <dsp:style>
         <a:lnRef idx="2">
@@ -3360,7 +3372,7 @@
         </a:fontRef>
       </dsp:style>
       <dsp:txBody>
-        <a:bodyPr spcFirstLastPara="0" vertOverflow="overflow" horzOverflow="overflow" vert="horz" wrap="square" lIns="309600" tIns="165099" rIns="309600" bIns="165099" numCol="1" spcCol="1269" rtlCol="0" fromWordArt="0" anchor="ctr" anchorCtr="0" forceAA="0" upright="0" compatLnSpc="0">
+        <a:bodyPr spcFirstLastPara="0" vertOverflow="overflow" horzOverflow="overflow" vert="horz" wrap="square" lIns="309601" tIns="165100" rIns="309601" bIns="165100" numCol="1" spcCol="1270" rtlCol="0" fromWordArt="0" anchor="ctr" anchorCtr="0" forceAA="0" compatLnSpc="0">
           <a:noAutofit/>
         </a:bodyPr>
         <a:lstStyle/>
@@ -3370,7 +3382,7 @@
               <a:spcPct val="90000"/>
             </a:lnSpc>
             <a:spcBef>
-              <a:spcPts val="0"/>
+              <a:spcPct val="0"/>
             </a:spcBef>
             <a:spcAft>
               <a:spcPts val="0"/>
@@ -3379,32 +3391,32 @@
             <a:defRPr/>
           </a:pPr>
           <a:r>
-            <a:rPr lang="en-US" sz="6600">
+            <a:rPr lang="en-US" sz="6600" kern="1200">
               <a:latin typeface="Times New Roman"/>
               <a:cs typeface="Times New Roman"/>
             </a:rPr>
             <a:t>01</a:t>
           </a:r>
-          <a:endParaRPr sz="6600">
+          <a:endParaRPr sz="6600" kern="1200">
             <a:latin typeface="Times New Roman"/>
             <a:cs typeface="Times New Roman"/>
           </a:endParaRPr>
         </a:p>
       </dsp:txBody>
       <dsp:txXfrm>
-        <a:off x="772" y="160444"/>
-        <a:ext cx="3134318" cy="1504472"/>
+        <a:off x="773" y="160444"/>
+        <a:ext cx="3134319" cy="1504473"/>
       </dsp:txXfrm>
     </dsp:sp>
     <dsp:sp modelId="{616554C9-C9F5-4BED-AF29-560C61D9FF69}">
       <dsp:nvSpPr>
-        <dsp:cNvPr id="51635559" name=""/>
+        <dsp:cNvPr id="0" name=""/>
         <dsp:cNvSpPr/>
       </dsp:nvSpPr>
       <dsp:spPr bwMode="auto">
         <a:xfrm>
-          <a:off x="3385838" y="160444"/>
-          <a:ext cx="3134318" cy="3761182"/>
+          <a:off x="3385839" y="160444"/>
+          <a:ext cx="3134319" cy="3761183"/>
         </a:xfrm>
         <a:prstGeom prst="roundRect">
           <a:avLst>
@@ -3438,16 +3450,26 @@
         </a:fontRef>
       </dsp:style>
       <dsp:txBody>
-        <a:bodyPr spcFirstLastPara="0" vertOverflow="overflow" horzOverflow="overflow" vert="horz" wrap="square" lIns="309600" tIns="0" rIns="309600" bIns="330199" numCol="1" spcCol="1269" rtlCol="0" fromWordArt="0" anchor="t" anchorCtr="0" forceAA="0" compatLnSpc="0">
+        <a:bodyPr spcFirstLastPara="0" vertOverflow="overflow" horzOverflow="overflow" vert="horz" wrap="square" lIns="309601" tIns="0" rIns="309601" bIns="330200" numCol="1" spcCol="1270" rtlCol="0" fromWordArt="0" anchor="t" anchorCtr="0" forceAA="0" compatLnSpc="0">
           <a:noAutofit/>
         </a:bodyPr>
         <a:lstStyle/>
         <a:p>
-          <a:pPr algn="just">
+          <a:pPr marL="0" lvl="0" indent="0" algn="just" defTabSz="711200">
+            <a:lnSpc>
+              <a:spcPct val="90000"/>
+            </a:lnSpc>
+            <a:spcBef>
+              <a:spcPct val="0"/>
+            </a:spcBef>
+            <a:spcAft>
+              <a:spcPct val="35000"/>
+            </a:spcAft>
+            <a:buNone/>
             <a:defRPr/>
           </a:pPr>
           <a:r>
-            <a:rPr lang="en-US" sz="1600" b="1" i="0" u="none" strike="noStrike" cap="none" spc="0">
+            <a:rPr lang="en-US" sz="1600" b="1" i="0" u="none" strike="noStrike" kern="1200" cap="none" spc="0">
               <a:solidFill>
                 <a:schemeClr val="tx1"/>
               </a:solidFill>
@@ -3458,7 +3480,7 @@
             <a:t>Вивчення архітектури програми</a:t>
           </a:r>
           <a:r>
-            <a:rPr lang="en-US" sz="1600" b="0" i="0" u="none" strike="noStrike" cap="none" spc="0">
+            <a:rPr lang="en-US" sz="1600" b="0" i="0" u="none" strike="noStrike" kern="1200" cap="none" spc="0">
               <a:solidFill>
                 <a:schemeClr val="tx1"/>
               </a:solidFill>
@@ -3468,7 +3490,7 @@
             </a:rPr>
             <a:t>: Дослідити обрану архітектуру програми, зосередивши увагу на її масштабованості. Переконливо довести, що цей вибір є найбільш компетентним підходом.</a:t>
           </a:r>
-          <a:endParaRPr sz="1600" b="0" i="0" u="none" strike="noStrike" cap="none" spc="0">
+          <a:endParaRPr sz="1600" b="0" i="0" u="none" strike="noStrike" kern="1200" cap="none" spc="0">
             <a:solidFill>
               <a:schemeClr val="tx1"/>
             </a:solidFill>
@@ -3477,26 +3499,36 @@
           </a:endParaRPr>
         </a:p>
         <a:p>
-          <a:pPr algn="just">
+          <a:pPr marL="0" lvl="0" indent="0" algn="just" defTabSz="711200">
+            <a:lnSpc>
+              <a:spcPct val="90000"/>
+            </a:lnSpc>
+            <a:spcBef>
+              <a:spcPct val="0"/>
+            </a:spcBef>
+            <a:spcAft>
+              <a:spcPct val="35000"/>
+            </a:spcAft>
+            <a:buNone/>
             <a:defRPr/>
           </a:pPr>
-          <a:endParaRPr/>
+          <a:endParaRPr kern="1200"/>
         </a:p>
       </dsp:txBody>
       <dsp:txXfrm>
-        <a:off x="3385838" y="1664917"/>
-        <a:ext cx="3134318" cy="2256709"/>
+        <a:off x="3385839" y="1664918"/>
+        <a:ext cx="3134319" cy="2256710"/>
       </dsp:txXfrm>
     </dsp:sp>
     <dsp:sp modelId="{723F350A-D7AE-46BC-AA77-CC6E62B2E8AF}">
       <dsp:nvSpPr>
-        <dsp:cNvPr id="1178400616" name=""/>
+        <dsp:cNvPr id="0" name=""/>
         <dsp:cNvSpPr/>
       </dsp:nvSpPr>
       <dsp:spPr bwMode="auto">
         <a:xfrm>
-          <a:off x="3385838" y="160444"/>
-          <a:ext cx="3134318" cy="1504472"/>
+          <a:off x="3385839" y="160444"/>
+          <a:ext cx="3134319" cy="1504473"/>
         </a:xfrm>
         <a:prstGeom prst="rect">
           <a:avLst/>
@@ -3507,6 +3539,7 @@
           <a:prstDash val="solid"/>
         </a:ln>
         <a:effectLst/>
+        <a:sp3d/>
       </dsp:spPr>
       <dsp:style>
         <a:lnRef idx="2">
@@ -3523,7 +3556,7 @@
         </a:fontRef>
       </dsp:style>
       <dsp:txBody>
-        <a:bodyPr spcFirstLastPara="0" vertOverflow="overflow" horzOverflow="overflow" vert="horz" wrap="square" lIns="309600" tIns="165099" rIns="309600" bIns="165099" numCol="1" spcCol="1269" rtlCol="0" fromWordArt="0" anchor="ctr" anchorCtr="0" forceAA="0" upright="0" compatLnSpc="0">
+        <a:bodyPr spcFirstLastPara="0" vertOverflow="overflow" horzOverflow="overflow" vert="horz" wrap="square" lIns="309601" tIns="165100" rIns="309601" bIns="165100" numCol="1" spcCol="1270" rtlCol="0" fromWordArt="0" anchor="ctr" anchorCtr="0" forceAA="0" compatLnSpc="0">
           <a:noAutofit/>
         </a:bodyPr>
         <a:lstStyle/>
@@ -3533,7 +3566,7 @@
               <a:spcPct val="90000"/>
             </a:lnSpc>
             <a:spcBef>
-              <a:spcPts val="0"/>
+              <a:spcPct val="0"/>
             </a:spcBef>
             <a:spcAft>
               <a:spcPts val="0"/>
@@ -3542,32 +3575,32 @@
             <a:defRPr/>
           </a:pPr>
           <a:r>
-            <a:rPr lang="en-US" sz="6600">
+            <a:rPr lang="en-US" sz="6600" kern="1200">
               <a:latin typeface="Times New Roman"/>
               <a:cs typeface="Times New Roman"/>
             </a:rPr>
             <a:t>02</a:t>
           </a:r>
-          <a:endParaRPr sz="6600">
+          <a:endParaRPr sz="6600" kern="1200">
             <a:latin typeface="Times New Roman"/>
             <a:cs typeface="Times New Roman"/>
           </a:endParaRPr>
         </a:p>
       </dsp:txBody>
       <dsp:txXfrm>
-        <a:off x="3385838" y="160444"/>
-        <a:ext cx="3134318" cy="1504472"/>
+        <a:off x="3385839" y="160444"/>
+        <a:ext cx="3134319" cy="1504473"/>
       </dsp:txXfrm>
     </dsp:sp>
     <dsp:sp modelId="{F141C49C-E8E4-49F4-AAC3-2EB38F33B50A}">
       <dsp:nvSpPr>
-        <dsp:cNvPr id="949875350" name=""/>
+        <dsp:cNvPr id="0" name=""/>
         <dsp:cNvSpPr/>
       </dsp:nvSpPr>
       <dsp:spPr bwMode="auto">
         <a:xfrm>
           <a:off x="6770904" y="160444"/>
-          <a:ext cx="3134318" cy="3761182"/>
+          <a:ext cx="3134319" cy="3761183"/>
         </a:xfrm>
         <a:prstGeom prst="roundRect">
           <a:avLst>
@@ -3601,7 +3634,7 @@
         </a:fontRef>
       </dsp:style>
       <dsp:txBody>
-        <a:bodyPr spcFirstLastPara="0" vertOverflow="overflow" horzOverflow="overflow" vert="horz" wrap="square" lIns="309600" tIns="0" rIns="309600" bIns="330199" numCol="1" spcCol="1269" rtlCol="0" fromWordArt="0" anchor="t" anchorCtr="0" forceAA="0" compatLnSpc="0">
+        <a:bodyPr spcFirstLastPara="0" vertOverflow="overflow" horzOverflow="overflow" vert="horz" wrap="square" lIns="309601" tIns="0" rIns="309601" bIns="330200" numCol="1" spcCol="1270" rtlCol="0" fromWordArt="0" anchor="t" anchorCtr="0" forceAA="0" compatLnSpc="0">
           <a:noAutofit/>
         </a:bodyPr>
         <a:lstStyle/>
@@ -3611,7 +3644,7 @@
               <a:spcPct val="90000"/>
             </a:lnSpc>
             <a:spcBef>
-              <a:spcPts val="0"/>
+              <a:spcPct val="0"/>
             </a:spcBef>
             <a:spcAft>
               <a:spcPts val="0"/>
@@ -3620,7 +3653,7 @@
             <a:defRPr/>
           </a:pPr>
           <a:r>
-            <a:rPr lang="en-US" sz="1600" b="1" i="0" u="none" strike="noStrike" cap="none" spc="0">
+            <a:rPr lang="en-US" sz="1600" b="1" i="0" u="none" strike="noStrike" kern="1200" cap="none" spc="0">
               <a:solidFill>
                 <a:schemeClr val="tx1"/>
               </a:solidFill>
@@ -3631,7 +3664,7 @@
             <a:t>Визначення обмежень системи</a:t>
           </a:r>
           <a:r>
-            <a:rPr lang="en-US" sz="1600" b="0" i="0" u="none" strike="noStrike" cap="none" spc="0">
+            <a:rPr lang="en-US" sz="1600" b="0" i="0" u="none" strike="noStrike" kern="1200" cap="none" spc="0">
               <a:solidFill>
                 <a:schemeClr val="tx1"/>
               </a:solidFill>
@@ -3641,7 +3674,7 @@
             </a:rPr>
             <a:t>: Зафіксувати обмеження та обмеження, що впливають на функціональність системи та її стани. Дослідити їхній вплив на систему і те, як вони враховані в архітектурі.</a:t>
           </a:r>
-          <a:endParaRPr sz="1600">
+          <a:endParaRPr sz="1600" kern="1200">
             <a:solidFill>
               <a:schemeClr val="tx1"/>
             </a:solidFill>
@@ -3650,26 +3683,30 @@
           </a:endParaRPr>
         </a:p>
         <a:p>
-          <a:pPr>
+          <a:pPr lvl="0">
+            <a:spcBef>
+              <a:spcPct val="0"/>
+            </a:spcBef>
+            <a:buNone/>
             <a:defRPr/>
           </a:pPr>
-          <a:endParaRPr/>
+          <a:endParaRPr kern="1200"/>
         </a:p>
       </dsp:txBody>
       <dsp:txXfrm>
-        <a:off x="6770904" y="1664917"/>
-        <a:ext cx="3134318" cy="2256709"/>
+        <a:off x="6770904" y="1664918"/>
+        <a:ext cx="3134319" cy="2256710"/>
       </dsp:txXfrm>
     </dsp:sp>
     <dsp:sp modelId="{2596FFBD-2FDB-463F-99E6-18EDF6E874AC}">
       <dsp:nvSpPr>
-        <dsp:cNvPr id="766122345" name=""/>
+        <dsp:cNvPr id="0" name=""/>
         <dsp:cNvSpPr/>
       </dsp:nvSpPr>
       <dsp:spPr bwMode="auto">
         <a:xfrm>
           <a:off x="6770904" y="160444"/>
-          <a:ext cx="3134318" cy="1504472"/>
+          <a:ext cx="3134319" cy="1504473"/>
         </a:xfrm>
         <a:prstGeom prst="rect">
           <a:avLst/>
@@ -3680,6 +3717,7 @@
           <a:prstDash val="solid"/>
         </a:ln>
         <a:effectLst/>
+        <a:sp3d/>
       </dsp:spPr>
       <dsp:style>
         <a:lnRef idx="2">
@@ -3696,7 +3734,7 @@
         </a:fontRef>
       </dsp:style>
       <dsp:txBody>
-        <a:bodyPr spcFirstLastPara="0" vertOverflow="overflow" horzOverflow="overflow" vert="horz" wrap="square" lIns="309600" tIns="165099" rIns="309600" bIns="165099" numCol="1" spcCol="1269" rtlCol="0" fromWordArt="0" anchor="ctr" anchorCtr="0" forceAA="0" upright="0" compatLnSpc="0">
+        <a:bodyPr spcFirstLastPara="0" vertOverflow="overflow" horzOverflow="overflow" vert="horz" wrap="square" lIns="309601" tIns="165100" rIns="309601" bIns="165100" numCol="1" spcCol="1270" rtlCol="0" fromWordArt="0" anchor="ctr" anchorCtr="0" forceAA="0" compatLnSpc="0">
           <a:noAutofit/>
         </a:bodyPr>
         <a:lstStyle/>
@@ -3706,7 +3744,7 @@
               <a:spcPct val="90000"/>
             </a:lnSpc>
             <a:spcBef>
-              <a:spcPts val="0"/>
+              <a:spcPct val="0"/>
             </a:spcBef>
             <a:spcAft>
               <a:spcPts val="0"/>
@@ -3715,13 +3753,13 @@
             <a:defRPr/>
           </a:pPr>
           <a:r>
-            <a:rPr lang="en-US" sz="6600">
+            <a:rPr lang="en-US" sz="6600" kern="1200">
               <a:latin typeface="Times New Roman"/>
               <a:cs typeface="Times New Roman"/>
             </a:rPr>
             <a:t>03</a:t>
           </a:r>
-          <a:endParaRPr sz="6600">
+          <a:endParaRPr sz="6600" kern="1200">
             <a:latin typeface="Times New Roman"/>
             <a:cs typeface="Times New Roman"/>
           </a:endParaRPr>
@@ -3729,7 +3767,7 @@
       </dsp:txBody>
       <dsp:txXfrm>
         <a:off x="6770904" y="160444"/>
-        <a:ext cx="3134318" cy="1504472"/>
+        <a:ext cx="3134319" cy="1504473"/>
       </dsp:txXfrm>
     </dsp:sp>
   </dsp:spTree>
@@ -3737,7 +3775,7 @@
 </file>
 
 <file path=ppt/diagrams/layout1.xml><?xml version="1.0" encoding="utf-8"?>
-<dgm:layoutDef xmlns:dgm="http://schemas.openxmlformats.org/drawingml/2006/diagram" xmlns:a="http://schemas.openxmlformats.org/drawingml/2006/main" xmlns:r="http://schemas.openxmlformats.org/officeDocument/2006/relationships" uniqueId="urn:microsoft.com/office/officeart/2016/7/layout/LinearBlockProcessNumbered">
+<dgm:layoutDef xmlns:dgm="http://schemas.openxmlformats.org/drawingml/2006/diagram" xmlns:a="http://schemas.openxmlformats.org/drawingml/2006/main" uniqueId="urn:microsoft.com/office/officeart/2016/7/layout/LinearBlockProcessNumbered">
   <dgm:title val="Linear Block Process Numbered"/>
   <dgm:desc val="Used to show a progression; a timeline; sequential steps in a task, process, or workflow; or to emphasize movement or direction. Automatic numbers have been introduced to show the steps of the process. Level 1 text and Level 2 text both appears in a rectangle."/>
   <dgm:catLst>
@@ -3884,20 +3922,20 @@
       <dgm:param type="linDir" val="fromL"/>
       <dgm:param type="nodeVertAlign" val="t"/>
     </dgm:alg>
-    <dgm:shape r:blip="">
+    <dgm:shape xmlns:r="http://schemas.openxmlformats.org/officeDocument/2006/relationships" r:blip="">
       <dgm:adjLst/>
     </dgm:shape>
     <dgm:presOf/>
     <dgm:constrLst>
       <dgm:constr type="h" for="ch" forName="compositeNode" refType="h"/>
       <dgm:constr type="w" for="ch" forName="compositeNode" refType="w"/>
-      <dgm:constr type="w" for="des" forName="simulatedConn" refType="w" refFor="ch" refForName="compositeNode" fact="0.150000"/>
+      <dgm:constr type="w" for="des" forName="simulatedConn" refType="w" refFor="ch" refForName="compositeNode" fact="0.15"/>
       <dgm:constr type="h" for="des" forName="simulatedConn" refType="w" refFor="des" refForName="simulatedConn"/>
-      <dgm:constr type="h" for="des" forName="vSp1" refType="w" refFor="ch" refForName="compositeNode" fact="0.800000"/>
-      <dgm:constr type="h" for="des" forName="vSp2" refType="w" refFor="ch" refForName="compositeNode" fact="0.070000"/>
+      <dgm:constr type="h" for="des" forName="vSp1" refType="w" refFor="ch" refForName="compositeNode" fact="0.8"/>
+      <dgm:constr type="h" for="des" forName="vSp2" refType="w" refFor="ch" refForName="compositeNode" fact="0.07"/>
       <dgm:constr type="w" for="ch" forName="vProcSp" refType="w" refFor="des" refForName="simulatedConn" op="equ"/>
       <dgm:constr type="h" for="ch" forName="vProcSp" refType="h" refFor="ch" refForName="compositeNode" op="equ"/>
-      <dgm:constr type="w" for="ch" forName="sibTrans" refType="w" refFor="ch" refForName="compositeNode" fact="0.080000"/>
+      <dgm:constr type="w" for="ch" forName="sibTrans" refType="w" refFor="ch" refForName="compositeNode" fact="0.08"/>
       <dgm:constr type="primFontSz" for="des" forName="sibTransNodeRect" op="equ"/>
       <dgm:constr type="primFontSz" for="des" forName="nodeRect" op="equ"/>
     </dgm:constrLst>
@@ -3909,17 +3947,17 @@
         </dgm:varLst>
         <dgm:alg type="composite"/>
         <dgm:constrLst>
-          <dgm:constr type="h" refType="w" op="lte" fact="1.200000"/>
+          <dgm:constr type="h" refType="w" op="lte" fact="1.2"/>
           <dgm:constr type="w" for="ch" forName="bgRect" refType="w"/>
           <dgm:constr type="h" for="ch" forName="bgRect" refType="h"/>
           <dgm:constr type="t" for="ch" forName="bgRect"/>
           <dgm:constr type="l" for="ch" forName="bgRect"/>
           <dgm:constr type="w" for="ch" forName="sibTransNodeRect" refType="w" refFor="ch" refForName="bgRect"/>
-          <dgm:constr type="h" for="ch" forName="sibTransNodeRect" refType="h" refFor="ch" refForName="bgRect" fact="0.400000"/>
+          <dgm:constr type="h" for="ch" forName="sibTransNodeRect" refType="h" refFor="ch" refForName="bgRect" fact="0.4"/>
           <dgm:constr type="t" for="ch" forName="sibTransNodeRect"/>
           <dgm:constr type="l" for="ch" forName="sibTransNodeRect"/>
           <dgm:constr type="r" for="ch" forName="nodeRect" refType="r" refFor="ch" refForName="bgRect"/>
-          <dgm:constr type="h" for="ch" forName="nodeRect" refType="h" refFor="ch" refForName="bgRect" fact="0.600000"/>
+          <dgm:constr type="h" for="ch" forName="nodeRect" refType="h" refFor="ch" refForName="bgRect" fact="0.6"/>
           <dgm:constr type="t" for="ch" forName="nodeRect" refType="b" refFor="ch" refForName="sibTransNodeRect"/>
           <dgm:constr type="l" for="ch" forName="nodeRect" refType="l" refFor="ch" refForName="bgRect"/>
         </dgm:constrLst>
@@ -3928,16 +3966,16 @@
         </dgm:ruleLst>
         <dgm:layoutNode name="bgRect" styleLbl="alignNode1">
           <dgm:alg type="sp"/>
-          <dgm:shape type="rect" r:blip="">
+          <dgm:shape xmlns:r="http://schemas.openxmlformats.org/officeDocument/2006/relationships" type="rect" r:blip="">
             <dgm:adjLst>
-              <dgm:adj idx="1" val="0.050000"/>
+              <dgm:adj idx="1" val="0.05"/>
             </dgm:adjLst>
           </dgm:shape>
           <dgm:presOf axis="self"/>
           <dgm:constrLst/>
           <dgm:ruleLst/>
         </dgm:layoutNode>
-        <dgm:forEach name="Name19" axis="followSib" ptType="sibTrans" cnt="1" hideLastTrans="0">
+        <dgm:forEach name="Name19" axis="followSib" ptType="sibTrans" hideLastTrans="0" cnt="1">
           <dgm:layoutNode name="sibTransNodeRect" styleLbl="alignNode1">
             <dgm:varLst>
               <dgm:chMax val="0"/>
@@ -3948,14 +3986,14 @@
               <dgm:param type="parTxLTRAlign" val="l"/>
               <dgm:param type="parTxRTLAlign" val="l"/>
             </dgm:alg>
-            <dgm:shape type="rect" r:blip="" hideGeom="1">
+            <dgm:shape xmlns:r="http://schemas.openxmlformats.org/officeDocument/2006/relationships" type="rect" r:blip="" hideGeom="1">
               <dgm:adjLst/>
             </dgm:shape>
             <dgm:constrLst>
               <dgm:constr type="primFontSz" val="66"/>
               <dgm:constr type="tMarg" val="13"/>
-              <dgm:constr type="lMarg" refType="w" fact="0.280000"/>
-              <dgm:constr type="rMarg" refType="w" fact="0.280000"/>
+              <dgm:constr type="lMarg" refType="w" fact="0.28"/>
+              <dgm:constr type="rMarg" refType="w" fact="0.28"/>
               <dgm:constr type="bMarg" val="13"/>
             </dgm:constrLst>
             <dgm:ruleLst>
@@ -3974,15 +4012,15 @@
             <dgm:param type="txAnchorVert" val="t"/>
             <dgm:param type="stBulletLvl" val="2"/>
           </dgm:alg>
-          <dgm:shape type="rect" r:blip="" hideGeom="1">
+          <dgm:shape xmlns:r="http://schemas.openxmlformats.org/officeDocument/2006/relationships" type="rect" r:blip="" hideGeom="1">
             <dgm:adjLst/>
           </dgm:shape>
           <dgm:presOf axis="desOrSelf" ptType="node"/>
           <dgm:constrLst>
             <dgm:constr type="primFontSz" val="26"/>
             <dgm:constr type="tMarg"/>
-            <dgm:constr type="lMarg" refType="w" fact="0.280000"/>
-            <dgm:constr type="rMarg" refType="w" fact="0.280000"/>
+            <dgm:constr type="lMarg" refType="w" fact="0.28"/>
+            <dgm:constr type="rMarg" refType="w" fact="0.28"/>
             <dgm:constr type="bMarg" val="26"/>
           </dgm:constrLst>
           <dgm:ruleLst>
@@ -3993,7 +4031,7 @@
       <dgm:forEach name="Name14" axis="followSib" ptType="sibTrans" cnt="1">
         <dgm:layoutNode name="sibTrans">
           <dgm:alg type="sp"/>
-          <dgm:shape r:blip="">
+          <dgm:shape xmlns:r="http://schemas.openxmlformats.org/officeDocument/2006/relationships" r:blip="">
             <dgm:adjLst/>
           </dgm:shape>
           <dgm:presOf/>
@@ -4007,7 +4045,7 @@
 </file>
 
 <file path=ppt/diagrams/layout2.xml><?xml version="1.0" encoding="utf-8"?>
-<dgm:layoutDef xmlns:dgm="http://schemas.openxmlformats.org/drawingml/2006/diagram" xmlns:a="http://schemas.openxmlformats.org/drawingml/2006/main" xmlns:r="http://schemas.openxmlformats.org/officeDocument/2006/relationships" uniqueId="urn:microsoft.com/office/officeart/2016/7/layout/LinearBlockProcessNumbered">
+<dgm:layoutDef xmlns:dgm="http://schemas.openxmlformats.org/drawingml/2006/diagram" xmlns:a="http://schemas.openxmlformats.org/drawingml/2006/main" uniqueId="urn:microsoft.com/office/officeart/2016/7/layout/LinearBlockProcessNumbered">
   <dgm:title val="Linear Block Process Numbered"/>
   <dgm:desc val="Used to show a progression; a timeline; sequential steps in a task, process, or workflow; or to emphasize movement or direction. Automatic numbers have been introduced to show the steps of the process. Level 1 text and Level 2 text both appears in a rectangle."/>
   <dgm:catLst>
@@ -4154,20 +4192,20 @@
       <dgm:param type="linDir" val="fromL"/>
       <dgm:param type="nodeVertAlign" val="t"/>
     </dgm:alg>
-    <dgm:shape r:blip="">
+    <dgm:shape xmlns:r="http://schemas.openxmlformats.org/officeDocument/2006/relationships" r:blip="">
       <dgm:adjLst/>
     </dgm:shape>
     <dgm:presOf/>
     <dgm:constrLst>
       <dgm:constr type="h" for="ch" forName="compositeNode" refType="h"/>
       <dgm:constr type="w" for="ch" forName="compositeNode" refType="w"/>
-      <dgm:constr type="w" for="des" forName="simulatedConn" refType="w" refFor="ch" refForName="compositeNode" fact="0.150000"/>
+      <dgm:constr type="w" for="des" forName="simulatedConn" refType="w" refFor="ch" refForName="compositeNode" fact="0.15"/>
       <dgm:constr type="h" for="des" forName="simulatedConn" refType="w" refFor="des" refForName="simulatedConn"/>
-      <dgm:constr type="h" for="des" forName="vSp1" refType="w" refFor="ch" refForName="compositeNode" fact="0.800000"/>
-      <dgm:constr type="h" for="des" forName="vSp2" refType="w" refFor="ch" refForName="compositeNode" fact="0.070000"/>
+      <dgm:constr type="h" for="des" forName="vSp1" refType="w" refFor="ch" refForName="compositeNode" fact="0.8"/>
+      <dgm:constr type="h" for="des" forName="vSp2" refType="w" refFor="ch" refForName="compositeNode" fact="0.07"/>
       <dgm:constr type="w" for="ch" forName="vProcSp" refType="w" refFor="des" refForName="simulatedConn" op="equ"/>
       <dgm:constr type="h" for="ch" forName="vProcSp" refType="h" refFor="ch" refForName="compositeNode" op="equ"/>
-      <dgm:constr type="w" for="ch" forName="sibTrans" refType="w" refFor="ch" refForName="compositeNode" fact="0.080000"/>
+      <dgm:constr type="w" for="ch" forName="sibTrans" refType="w" refFor="ch" refForName="compositeNode" fact="0.08"/>
       <dgm:constr type="primFontSz" for="des" forName="sibTransNodeRect" op="equ"/>
       <dgm:constr type="primFontSz" for="des" forName="nodeRect" op="equ"/>
     </dgm:constrLst>
@@ -4179,17 +4217,17 @@
         </dgm:varLst>
         <dgm:alg type="composite"/>
         <dgm:constrLst>
-          <dgm:constr type="h" refType="w" op="lte" fact="1.200000"/>
+          <dgm:constr type="h" refType="w" op="lte" fact="1.2"/>
           <dgm:constr type="w" for="ch" forName="bgRect" refType="w"/>
           <dgm:constr type="h" for="ch" forName="bgRect" refType="h"/>
           <dgm:constr type="t" for="ch" forName="bgRect"/>
           <dgm:constr type="l" for="ch" forName="bgRect"/>
           <dgm:constr type="w" for="ch" forName="sibTransNodeRect" refType="w" refFor="ch" refForName="bgRect"/>
-          <dgm:constr type="h" for="ch" forName="sibTransNodeRect" refType="h" refFor="ch" refForName="bgRect" fact="0.400000"/>
+          <dgm:constr type="h" for="ch" forName="sibTransNodeRect" refType="h" refFor="ch" refForName="bgRect" fact="0.4"/>
           <dgm:constr type="t" for="ch" forName="sibTransNodeRect"/>
           <dgm:constr type="l" for="ch" forName="sibTransNodeRect"/>
           <dgm:constr type="r" for="ch" forName="nodeRect" refType="r" refFor="ch" refForName="bgRect"/>
-          <dgm:constr type="h" for="ch" forName="nodeRect" refType="h" refFor="ch" refForName="bgRect" fact="0.600000"/>
+          <dgm:constr type="h" for="ch" forName="nodeRect" refType="h" refFor="ch" refForName="bgRect" fact="0.6"/>
           <dgm:constr type="t" for="ch" forName="nodeRect" refType="b" refFor="ch" refForName="sibTransNodeRect"/>
           <dgm:constr type="l" for="ch" forName="nodeRect" refType="l" refFor="ch" refForName="bgRect"/>
         </dgm:constrLst>
@@ -4198,16 +4236,16 @@
         </dgm:ruleLst>
         <dgm:layoutNode name="bgRect" styleLbl="alignNode1">
           <dgm:alg type="sp"/>
-          <dgm:shape type="rect" r:blip="">
+          <dgm:shape xmlns:r="http://schemas.openxmlformats.org/officeDocument/2006/relationships" type="rect" r:blip="">
             <dgm:adjLst>
-              <dgm:adj idx="1" val="0.050000"/>
+              <dgm:adj idx="1" val="0.05"/>
             </dgm:adjLst>
           </dgm:shape>
           <dgm:presOf axis="self"/>
           <dgm:constrLst/>
           <dgm:ruleLst/>
         </dgm:layoutNode>
-        <dgm:forEach name="Name19" axis="followSib" ptType="sibTrans" cnt="1" hideLastTrans="0">
+        <dgm:forEach name="Name19" axis="followSib" ptType="sibTrans" hideLastTrans="0" cnt="1">
           <dgm:layoutNode name="sibTransNodeRect" styleLbl="alignNode1">
             <dgm:varLst>
               <dgm:chMax val="0"/>
@@ -4218,14 +4256,14 @@
               <dgm:param type="parTxLTRAlign" val="l"/>
               <dgm:param type="parTxRTLAlign" val="l"/>
             </dgm:alg>
-            <dgm:shape type="rect" r:blip="" hideGeom="1">
+            <dgm:shape xmlns:r="http://schemas.openxmlformats.org/officeDocument/2006/relationships" type="rect" r:blip="" hideGeom="1">
               <dgm:adjLst/>
             </dgm:shape>
             <dgm:constrLst>
               <dgm:constr type="primFontSz" val="66"/>
               <dgm:constr type="tMarg" val="13"/>
-              <dgm:constr type="lMarg" refType="w" fact="0.280000"/>
-              <dgm:constr type="rMarg" refType="w" fact="0.280000"/>
+              <dgm:constr type="lMarg" refType="w" fact="0.28"/>
+              <dgm:constr type="rMarg" refType="w" fact="0.28"/>
               <dgm:constr type="bMarg" val="13"/>
             </dgm:constrLst>
             <dgm:ruleLst>
@@ -4244,15 +4282,15 @@
             <dgm:param type="txAnchorVert" val="t"/>
             <dgm:param type="stBulletLvl" val="2"/>
           </dgm:alg>
-          <dgm:shape type="rect" r:blip="" hideGeom="1">
+          <dgm:shape xmlns:r="http://schemas.openxmlformats.org/officeDocument/2006/relationships" type="rect" r:blip="" hideGeom="1">
             <dgm:adjLst/>
           </dgm:shape>
           <dgm:presOf axis="desOrSelf" ptType="node"/>
           <dgm:constrLst>
             <dgm:constr type="primFontSz" val="26"/>
             <dgm:constr type="tMarg"/>
-            <dgm:constr type="lMarg" refType="w" fact="0.280000"/>
-            <dgm:constr type="rMarg" refType="w" fact="0.280000"/>
+            <dgm:constr type="lMarg" refType="w" fact="0.28"/>
+            <dgm:constr type="rMarg" refType="w" fact="0.28"/>
             <dgm:constr type="bMarg" val="26"/>
           </dgm:constrLst>
           <dgm:ruleLst>
@@ -4263,7 +4301,7 @@
       <dgm:forEach name="Name14" axis="followSib" ptType="sibTrans" cnt="1">
         <dgm:layoutNode name="sibTrans">
           <dgm:alg type="sp"/>
-          <dgm:shape r:blip="">
+          <dgm:shape xmlns:r="http://schemas.openxmlformats.org/officeDocument/2006/relationships" r:blip="">
             <dgm:adjLst/>
           </dgm:shape>
           <dgm:presOf/>
@@ -4293,15 +4331,7 @@
       <a:lightRig rig="threePt" dir="t"/>
     </dgm:scene3d>
     <dgm:sp3d/>
-    <dgm:txPr>
-      <a:bodyPr/>
-      <a:p>
-        <a:pPr>
-          <a:defRPr/>
-        </a:pPr>
-        <a:endParaRPr/>
-      </a:p>
-    </dgm:txPr>
+    <dgm:txPr/>
     <dgm:style>
       <a:lnRef idx="2">
         <a:srgbClr val="000000"/>
@@ -4323,15 +4353,7 @@
       <a:lightRig rig="threePt" dir="t"/>
     </dgm:scene3d>
     <dgm:sp3d/>
-    <dgm:txPr>
-      <a:bodyPr/>
-      <a:p>
-        <a:pPr>
-          <a:defRPr/>
-        </a:pPr>
-        <a:endParaRPr/>
-      </a:p>
-    </dgm:txPr>
+    <dgm:txPr/>
     <dgm:style>
       <a:lnRef idx="2">
         <a:srgbClr val="000000"/>
@@ -4353,15 +4375,7 @@
       <a:lightRig rig="threePt" dir="t"/>
     </dgm:scene3d>
     <dgm:sp3d/>
-    <dgm:txPr>
-      <a:bodyPr/>
-      <a:p>
-        <a:pPr>
-          <a:defRPr/>
-        </a:pPr>
-        <a:endParaRPr/>
-      </a:p>
-    </dgm:txPr>
+    <dgm:txPr/>
     <dgm:style>
       <a:lnRef idx="2">
         <a:srgbClr val="000000"/>
@@ -4383,15 +4397,7 @@
       <a:lightRig rig="threePt" dir="t"/>
     </dgm:scene3d>
     <dgm:sp3d/>
-    <dgm:txPr>
-      <a:bodyPr/>
-      <a:p>
-        <a:pPr>
-          <a:defRPr/>
-        </a:pPr>
-        <a:endParaRPr/>
-      </a:p>
-    </dgm:txPr>
+    <dgm:txPr/>
     <dgm:style>
       <a:lnRef idx="2">
         <a:srgbClr val="000000"/>
@@ -4413,15 +4419,7 @@
       <a:lightRig rig="threePt" dir="t"/>
     </dgm:scene3d>
     <dgm:sp3d/>
-    <dgm:txPr>
-      <a:bodyPr/>
-      <a:p>
-        <a:pPr>
-          <a:defRPr/>
-        </a:pPr>
-        <a:endParaRPr/>
-      </a:p>
-    </dgm:txPr>
+    <dgm:txPr/>
     <dgm:style>
       <a:lnRef idx="2">
         <a:srgbClr val="000000"/>
@@ -4443,15 +4441,7 @@
       <a:lightRig rig="threePt" dir="t"/>
     </dgm:scene3d>
     <dgm:sp3d/>
-    <dgm:txPr>
-      <a:bodyPr/>
-      <a:p>
-        <a:pPr>
-          <a:defRPr/>
-        </a:pPr>
-        <a:endParaRPr/>
-      </a:p>
-    </dgm:txPr>
+    <dgm:txPr/>
     <dgm:style>
       <a:lnRef idx="2">
         <a:srgbClr val="000000"/>
@@ -4473,15 +4463,7 @@
       <a:lightRig rig="threePt" dir="t"/>
     </dgm:scene3d>
     <dgm:sp3d/>
-    <dgm:txPr>
-      <a:bodyPr/>
-      <a:p>
-        <a:pPr>
-          <a:defRPr/>
-        </a:pPr>
-        <a:endParaRPr/>
-      </a:p>
-    </dgm:txPr>
+    <dgm:txPr/>
     <dgm:style>
       <a:lnRef idx="2">
         <a:srgbClr val="000000"/>
@@ -4503,15 +4485,7 @@
       <a:lightRig rig="threePt" dir="t"/>
     </dgm:scene3d>
     <dgm:sp3d/>
-    <dgm:txPr>
-      <a:bodyPr/>
-      <a:p>
-        <a:pPr>
-          <a:defRPr/>
-        </a:pPr>
-        <a:endParaRPr/>
-      </a:p>
-    </dgm:txPr>
+    <dgm:txPr/>
     <dgm:style>
       <a:lnRef idx="2">
         <a:srgbClr val="000000"/>
@@ -4533,15 +4507,7 @@
       <a:lightRig rig="threePt" dir="t"/>
     </dgm:scene3d>
     <dgm:sp3d/>
-    <dgm:txPr>
-      <a:bodyPr/>
-      <a:p>
-        <a:pPr>
-          <a:defRPr/>
-        </a:pPr>
-        <a:endParaRPr/>
-      </a:p>
-    </dgm:txPr>
+    <dgm:txPr/>
     <dgm:style>
       <a:lnRef idx="2">
         <a:srgbClr val="000000"/>
@@ -4561,15 +4527,7 @@
       <a:lightRig rig="threePt" dir="t"/>
     </dgm:scene3d>
     <dgm:sp3d/>
-    <dgm:txPr>
-      <a:bodyPr/>
-      <a:p>
-        <a:pPr>
-          <a:defRPr/>
-        </a:pPr>
-        <a:endParaRPr/>
-      </a:p>
-    </dgm:txPr>
+    <dgm:txPr/>
     <dgm:style>
       <a:lnRef idx="2">
         <a:srgbClr val="000000"/>
@@ -4589,15 +4547,7 @@
       <a:lightRig rig="threePt" dir="t"/>
     </dgm:scene3d>
     <dgm:sp3d/>
-    <dgm:txPr>
-      <a:bodyPr/>
-      <a:p>
-        <a:pPr>
-          <a:defRPr/>
-        </a:pPr>
-        <a:endParaRPr/>
-      </a:p>
-    </dgm:txPr>
+    <dgm:txPr/>
     <dgm:style>
       <a:lnRef idx="2">
         <a:srgbClr val="000000"/>
@@ -4617,15 +4567,7 @@
       <a:lightRig rig="threePt" dir="t"/>
     </dgm:scene3d>
     <dgm:sp3d/>
-    <dgm:txPr>
-      <a:bodyPr/>
-      <a:p>
-        <a:pPr>
-          <a:defRPr/>
-        </a:pPr>
-        <a:endParaRPr/>
-      </a:p>
-    </dgm:txPr>
+    <dgm:txPr/>
     <dgm:style>
       <a:lnRef idx="0">
         <a:srgbClr val="000000"/>
@@ -4647,15 +4589,7 @@
       <a:lightRig rig="threePt" dir="t"/>
     </dgm:scene3d>
     <dgm:sp3d/>
-    <dgm:txPr>
-      <a:bodyPr/>
-      <a:p>
-        <a:pPr>
-          <a:defRPr/>
-        </a:pPr>
-        <a:endParaRPr/>
-      </a:p>
-    </dgm:txPr>
+    <dgm:txPr/>
     <dgm:style>
       <a:lnRef idx="0">
         <a:srgbClr val="000000"/>
@@ -4677,15 +4611,7 @@
       <a:lightRig rig="threePt" dir="t"/>
     </dgm:scene3d>
     <dgm:sp3d/>
-    <dgm:txPr>
-      <a:bodyPr/>
-      <a:p>
-        <a:pPr>
-          <a:defRPr/>
-        </a:pPr>
-        <a:endParaRPr/>
-      </a:p>
-    </dgm:txPr>
+    <dgm:txPr/>
     <dgm:style>
       <a:lnRef idx="0">
         <a:srgbClr val="000000"/>
@@ -4707,15 +4633,7 @@
       <a:lightRig rig="threePt" dir="t"/>
     </dgm:scene3d>
     <dgm:sp3d/>
-    <dgm:txPr>
-      <a:bodyPr/>
-      <a:p>
-        <a:pPr>
-          <a:defRPr/>
-        </a:pPr>
-        <a:endParaRPr/>
-      </a:p>
-    </dgm:txPr>
+    <dgm:txPr/>
     <dgm:style>
       <a:lnRef idx="1">
         <a:srgbClr val="000000"/>
@@ -4735,15 +4653,7 @@
       <a:lightRig rig="threePt" dir="t"/>
     </dgm:scene3d>
     <dgm:sp3d/>
-    <dgm:txPr>
-      <a:bodyPr/>
-      <a:p>
-        <a:pPr>
-          <a:defRPr/>
-        </a:pPr>
-        <a:endParaRPr/>
-      </a:p>
-    </dgm:txPr>
+    <dgm:txPr/>
     <dgm:style>
       <a:lnRef idx="2">
         <a:srgbClr val="000000"/>
@@ -4763,15 +4673,7 @@
       <a:lightRig rig="threePt" dir="t"/>
     </dgm:scene3d>
     <dgm:sp3d/>
-    <dgm:txPr>
-      <a:bodyPr/>
-      <a:p>
-        <a:pPr>
-          <a:defRPr/>
-        </a:pPr>
-        <a:endParaRPr/>
-      </a:p>
-    </dgm:txPr>
+    <dgm:txPr/>
     <dgm:style>
       <a:lnRef idx="2">
         <a:srgbClr val="000000"/>
@@ -4793,15 +4695,7 @@
       <a:lightRig rig="threePt" dir="t"/>
     </dgm:scene3d>
     <dgm:sp3d/>
-    <dgm:txPr>
-      <a:bodyPr/>
-      <a:p>
-        <a:pPr>
-          <a:defRPr/>
-        </a:pPr>
-        <a:endParaRPr/>
-      </a:p>
-    </dgm:txPr>
+    <dgm:txPr/>
     <dgm:style>
       <a:lnRef idx="2">
         <a:srgbClr val="000000"/>
@@ -4823,15 +4717,7 @@
       <a:lightRig rig="threePt" dir="t"/>
     </dgm:scene3d>
     <dgm:sp3d/>
-    <dgm:txPr>
-      <a:bodyPr/>
-      <a:p>
-        <a:pPr>
-          <a:defRPr/>
-        </a:pPr>
-        <a:endParaRPr/>
-      </a:p>
-    </dgm:txPr>
+    <dgm:txPr/>
     <dgm:style>
       <a:lnRef idx="2">
         <a:srgbClr val="000000"/>
@@ -4853,15 +4739,7 @@
       <a:lightRig rig="threePt" dir="t"/>
     </dgm:scene3d>
     <dgm:sp3d/>
-    <dgm:txPr>
-      <a:bodyPr/>
-      <a:p>
-        <a:pPr>
-          <a:defRPr/>
-        </a:pPr>
-        <a:endParaRPr/>
-      </a:p>
-    </dgm:txPr>
+    <dgm:txPr/>
     <dgm:style>
       <a:lnRef idx="2">
         <a:srgbClr val="000000"/>
@@ -4883,15 +4761,7 @@
       <a:lightRig rig="threePt" dir="t"/>
     </dgm:scene3d>
     <dgm:sp3d/>
-    <dgm:txPr>
-      <a:bodyPr/>
-      <a:p>
-        <a:pPr>
-          <a:defRPr/>
-        </a:pPr>
-        <a:endParaRPr/>
-      </a:p>
-    </dgm:txPr>
+    <dgm:txPr/>
     <dgm:style>
       <a:lnRef idx="2">
         <a:srgbClr val="000000"/>
@@ -4913,15 +4783,7 @@
       <a:lightRig rig="threePt" dir="t"/>
     </dgm:scene3d>
     <dgm:sp3d/>
-    <dgm:txPr>
-      <a:bodyPr/>
-      <a:p>
-        <a:pPr>
-          <a:defRPr/>
-        </a:pPr>
-        <a:endParaRPr/>
-      </a:p>
-    </dgm:txPr>
+    <dgm:txPr/>
     <dgm:style>
       <a:lnRef idx="2">
         <a:srgbClr val="000000"/>
@@ -4943,15 +4805,7 @@
       <a:lightRig rig="threePt" dir="t"/>
     </dgm:scene3d>
     <dgm:sp3d/>
-    <dgm:txPr>
-      <a:bodyPr/>
-      <a:p>
-        <a:pPr>
-          <a:defRPr/>
-        </a:pPr>
-        <a:endParaRPr/>
-      </a:p>
-    </dgm:txPr>
+    <dgm:txPr/>
     <dgm:style>
       <a:lnRef idx="2">
         <a:srgbClr val="000000"/>
@@ -4973,15 +4827,7 @@
       <a:lightRig rig="threePt" dir="t"/>
     </dgm:scene3d>
     <dgm:sp3d/>
-    <dgm:txPr>
-      <a:bodyPr/>
-      <a:p>
-        <a:pPr>
-          <a:defRPr/>
-        </a:pPr>
-        <a:endParaRPr/>
-      </a:p>
-    </dgm:txPr>
+    <dgm:txPr/>
     <dgm:style>
       <a:lnRef idx="2">
         <a:srgbClr val="000000"/>
@@ -5003,15 +4849,7 @@
       <a:lightRig rig="threePt" dir="t"/>
     </dgm:scene3d>
     <dgm:sp3d/>
-    <dgm:txPr>
-      <a:bodyPr/>
-      <a:p>
-        <a:pPr>
-          <a:defRPr/>
-        </a:pPr>
-        <a:endParaRPr/>
-      </a:p>
-    </dgm:txPr>
+    <dgm:txPr/>
     <dgm:style>
       <a:lnRef idx="2">
         <a:srgbClr val="000000"/>
@@ -5033,15 +4871,7 @@
       <a:lightRig rig="threePt" dir="t"/>
     </dgm:scene3d>
     <dgm:sp3d/>
-    <dgm:txPr>
-      <a:bodyPr/>
-      <a:p>
-        <a:pPr>
-          <a:defRPr/>
-        </a:pPr>
-        <a:endParaRPr/>
-      </a:p>
-    </dgm:txPr>
+    <dgm:txPr/>
     <dgm:style>
       <a:lnRef idx="2">
         <a:srgbClr val="000000"/>
@@ -5061,15 +4891,7 @@
       <a:lightRig rig="threePt" dir="t"/>
     </dgm:scene3d>
     <dgm:sp3d/>
-    <dgm:txPr>
-      <a:bodyPr/>
-      <a:p>
-        <a:pPr>
-          <a:defRPr/>
-        </a:pPr>
-        <a:endParaRPr/>
-      </a:p>
-    </dgm:txPr>
+    <dgm:txPr/>
     <dgm:style>
       <a:lnRef idx="2">
         <a:srgbClr val="000000"/>
@@ -5089,15 +4911,7 @@
       <a:lightRig rig="threePt" dir="t"/>
     </dgm:scene3d>
     <dgm:sp3d/>
-    <dgm:txPr>
-      <a:bodyPr/>
-      <a:p>
-        <a:pPr>
-          <a:defRPr/>
-        </a:pPr>
-        <a:endParaRPr/>
-      </a:p>
-    </dgm:txPr>
+    <dgm:txPr/>
     <dgm:style>
       <a:lnRef idx="2">
         <a:srgbClr val="000000"/>
@@ -5117,15 +4931,7 @@
       <a:lightRig rig="threePt" dir="t"/>
     </dgm:scene3d>
     <dgm:sp3d/>
-    <dgm:txPr>
-      <a:bodyPr/>
-      <a:p>
-        <a:pPr>
-          <a:defRPr/>
-        </a:pPr>
-        <a:endParaRPr/>
-      </a:p>
-    </dgm:txPr>
+    <dgm:txPr/>
     <dgm:style>
       <a:lnRef idx="2">
         <a:srgbClr val="000000"/>
@@ -5145,15 +4951,7 @@
       <a:lightRig rig="threePt" dir="t"/>
     </dgm:scene3d>
     <dgm:sp3d/>
-    <dgm:txPr>
-      <a:bodyPr/>
-      <a:p>
-        <a:pPr>
-          <a:defRPr/>
-        </a:pPr>
-        <a:endParaRPr/>
-      </a:p>
-    </dgm:txPr>
+    <dgm:txPr/>
     <dgm:style>
       <a:lnRef idx="2">
         <a:srgbClr val="000000"/>
@@ -5173,15 +4971,7 @@
       <a:lightRig rig="threePt" dir="t"/>
     </dgm:scene3d>
     <dgm:sp3d/>
-    <dgm:txPr>
-      <a:bodyPr/>
-      <a:p>
-        <a:pPr>
-          <a:defRPr/>
-        </a:pPr>
-        <a:endParaRPr/>
-      </a:p>
-    </dgm:txPr>
+    <dgm:txPr/>
     <dgm:style>
       <a:lnRef idx="2">
         <a:srgbClr val="000000"/>
@@ -5201,15 +4991,7 @@
       <a:lightRig rig="threePt" dir="t"/>
     </dgm:scene3d>
     <dgm:sp3d/>
-    <dgm:txPr>
-      <a:bodyPr/>
-      <a:p>
-        <a:pPr>
-          <a:defRPr/>
-        </a:pPr>
-        <a:endParaRPr/>
-      </a:p>
-    </dgm:txPr>
+    <dgm:txPr/>
     <dgm:style>
       <a:lnRef idx="2">
         <a:srgbClr val="000000"/>
@@ -5229,15 +5011,7 @@
       <a:lightRig rig="threePt" dir="t"/>
     </dgm:scene3d>
     <dgm:sp3d/>
-    <dgm:txPr>
-      <a:bodyPr/>
-      <a:p>
-        <a:pPr>
-          <a:defRPr/>
-        </a:pPr>
-        <a:endParaRPr/>
-      </a:p>
-    </dgm:txPr>
+    <dgm:txPr/>
     <dgm:style>
       <a:lnRef idx="1">
         <a:srgbClr val="000000"/>
@@ -5257,15 +5031,7 @@
       <a:lightRig rig="threePt" dir="t"/>
     </dgm:scene3d>
     <dgm:sp3d/>
-    <dgm:txPr>
-      <a:bodyPr/>
-      <a:p>
-        <a:pPr>
-          <a:defRPr/>
-        </a:pPr>
-        <a:endParaRPr/>
-      </a:p>
-    </dgm:txPr>
+    <dgm:txPr/>
     <dgm:style>
       <a:lnRef idx="2">
         <a:srgbClr val="000000"/>
@@ -5285,15 +5051,7 @@
       <a:lightRig rig="threePt" dir="t"/>
     </dgm:scene3d>
     <dgm:sp3d/>
-    <dgm:txPr>
-      <a:bodyPr/>
-      <a:p>
-        <a:pPr>
-          <a:defRPr/>
-        </a:pPr>
-        <a:endParaRPr/>
-      </a:p>
-    </dgm:txPr>
+    <dgm:txPr/>
     <dgm:style>
       <a:lnRef idx="2">
         <a:srgbClr val="000000"/>
@@ -5313,15 +5071,7 @@
       <a:lightRig rig="threePt" dir="t"/>
     </dgm:scene3d>
     <dgm:sp3d/>
-    <dgm:txPr>
-      <a:bodyPr/>
-      <a:p>
-        <a:pPr>
-          <a:defRPr/>
-        </a:pPr>
-        <a:endParaRPr/>
-      </a:p>
-    </dgm:txPr>
+    <dgm:txPr/>
     <dgm:style>
       <a:lnRef idx="2">
         <a:srgbClr val="000000"/>
@@ -5341,15 +5091,7 @@
       <a:lightRig rig="threePt" dir="t"/>
     </dgm:scene3d>
     <dgm:sp3d/>
-    <dgm:txPr>
-      <a:bodyPr/>
-      <a:p>
-        <a:pPr>
-          <a:defRPr/>
-        </a:pPr>
-        <a:endParaRPr/>
-      </a:p>
-    </dgm:txPr>
+    <dgm:txPr/>
     <dgm:style>
       <a:lnRef idx="2">
         <a:srgbClr val="000000"/>
@@ -5369,15 +5111,7 @@
       <a:lightRig rig="threePt" dir="t"/>
     </dgm:scene3d>
     <dgm:sp3d/>
-    <dgm:txPr>
-      <a:bodyPr/>
-      <a:p>
-        <a:pPr>
-          <a:defRPr/>
-        </a:pPr>
-        <a:endParaRPr/>
-      </a:p>
-    </dgm:txPr>
+    <dgm:txPr/>
     <dgm:style>
       <a:lnRef idx="2">
         <a:srgbClr val="000000"/>
@@ -5397,15 +5131,7 @@
       <a:lightRig rig="threePt" dir="t"/>
     </dgm:scene3d>
     <dgm:sp3d/>
-    <dgm:txPr>
-      <a:bodyPr/>
-      <a:p>
-        <a:pPr>
-          <a:defRPr/>
-        </a:pPr>
-        <a:endParaRPr/>
-      </a:p>
-    </dgm:txPr>
+    <dgm:txPr/>
     <dgm:style>
       <a:lnRef idx="2">
         <a:srgbClr val="000000"/>
@@ -5425,15 +5151,7 @@
       <a:lightRig rig="threePt" dir="t"/>
     </dgm:scene3d>
     <dgm:sp3d/>
-    <dgm:txPr>
-      <a:bodyPr/>
-      <a:p>
-        <a:pPr>
-          <a:defRPr/>
-        </a:pPr>
-        <a:endParaRPr/>
-      </a:p>
-    </dgm:txPr>
+    <dgm:txPr/>
     <dgm:style>
       <a:lnRef idx="2">
         <a:srgbClr val="000000"/>
@@ -5453,15 +5171,7 @@
       <a:lightRig rig="threePt" dir="t"/>
     </dgm:scene3d>
     <dgm:sp3d/>
-    <dgm:txPr>
-      <a:bodyPr/>
-      <a:p>
-        <a:pPr>
-          <a:defRPr/>
-        </a:pPr>
-        <a:endParaRPr/>
-      </a:p>
-    </dgm:txPr>
+    <dgm:txPr/>
     <dgm:style>
       <a:lnRef idx="2">
         <a:srgbClr val="000000"/>
@@ -5481,15 +5191,7 @@
       <a:lightRig rig="threePt" dir="t"/>
     </dgm:scene3d>
     <dgm:sp3d/>
-    <dgm:txPr>
-      <a:bodyPr/>
-      <a:p>
-        <a:pPr>
-          <a:defRPr/>
-        </a:pPr>
-        <a:endParaRPr/>
-      </a:p>
-    </dgm:txPr>
+    <dgm:txPr/>
     <dgm:style>
       <a:lnRef idx="2">
         <a:srgbClr val="000000"/>
@@ -5509,15 +5211,7 @@
       <a:lightRig rig="threePt" dir="t"/>
     </dgm:scene3d>
     <dgm:sp3d/>
-    <dgm:txPr>
-      <a:bodyPr/>
-      <a:p>
-        <a:pPr>
-          <a:defRPr/>
-        </a:pPr>
-        <a:endParaRPr/>
-      </a:p>
-    </dgm:txPr>
+    <dgm:txPr/>
     <dgm:style>
       <a:lnRef idx="2">
         <a:srgbClr val="000000"/>
@@ -5537,15 +5231,7 @@
       <a:lightRig rig="threePt" dir="t"/>
     </dgm:scene3d>
     <dgm:sp3d/>
-    <dgm:txPr>
-      <a:bodyPr/>
-      <a:p>
-        <a:pPr>
-          <a:defRPr/>
-        </a:pPr>
-        <a:endParaRPr/>
-      </a:p>
-    </dgm:txPr>
+    <dgm:txPr/>
     <dgm:style>
       <a:lnRef idx="2">
         <a:srgbClr val="000000"/>
@@ -5565,15 +5251,7 @@
       <a:lightRig rig="threePt" dir="t"/>
     </dgm:scene3d>
     <dgm:sp3d/>
-    <dgm:txPr>
-      <a:bodyPr/>
-      <a:p>
-        <a:pPr>
-          <a:defRPr/>
-        </a:pPr>
-        <a:endParaRPr/>
-      </a:p>
-    </dgm:txPr>
+    <dgm:txPr/>
     <dgm:style>
       <a:lnRef idx="0">
         <a:srgbClr val="000000"/>
@@ -5593,15 +5271,7 @@
       <a:lightRig rig="threePt" dir="t"/>
     </dgm:scene3d>
     <dgm:sp3d/>
-    <dgm:txPr>
-      <a:bodyPr/>
-      <a:p>
-        <a:pPr>
-          <a:defRPr/>
-        </a:pPr>
-        <a:endParaRPr/>
-      </a:p>
-    </dgm:txPr>
+    <dgm:txPr/>
     <dgm:style>
       <a:lnRef idx="0">
         <a:srgbClr val="000000"/>
@@ -5621,15 +5291,7 @@
       <a:lightRig rig="threePt" dir="t"/>
     </dgm:scene3d>
     <dgm:sp3d/>
-    <dgm:txPr>
-      <a:bodyPr/>
-      <a:p>
-        <a:pPr>
-          <a:defRPr/>
-        </a:pPr>
-        <a:endParaRPr/>
-      </a:p>
-    </dgm:txPr>
+    <dgm:txPr/>
     <dgm:style>
       <a:lnRef idx="0">
         <a:srgbClr val="000000"/>
@@ -5649,15 +5311,7 @@
       <a:lightRig rig="threePt" dir="t"/>
     </dgm:scene3d>
     <dgm:sp3d/>
-    <dgm:txPr>
-      <a:bodyPr/>
-      <a:p>
-        <a:pPr>
-          <a:defRPr/>
-        </a:pPr>
-        <a:endParaRPr/>
-      </a:p>
-    </dgm:txPr>
+    <dgm:txPr/>
     <dgm:style>
       <a:lnRef idx="2">
         <a:srgbClr val="000000"/>
@@ -5677,15 +5331,7 @@
       <a:lightRig rig="threePt" dir="t"/>
     </dgm:scene3d>
     <dgm:sp3d/>
-    <dgm:txPr>
-      <a:bodyPr/>
-      <a:p>
-        <a:pPr>
-          <a:defRPr/>
-        </a:pPr>
-        <a:endParaRPr/>
-      </a:p>
-    </dgm:txPr>
+    <dgm:txPr/>
     <dgm:style>
       <a:lnRef idx="0">
         <a:srgbClr val="000000"/>
@@ -5719,15 +5365,7 @@
       <a:lightRig rig="threePt" dir="t"/>
     </dgm:scene3d>
     <dgm:sp3d/>
-    <dgm:txPr>
-      <a:bodyPr/>
-      <a:p>
-        <a:pPr>
-          <a:defRPr/>
-        </a:pPr>
-        <a:endParaRPr/>
-      </a:p>
-    </dgm:txPr>
+    <dgm:txPr/>
     <dgm:style>
       <a:lnRef idx="2">
         <a:srgbClr val="000000"/>
@@ -5749,15 +5387,7 @@
       <a:lightRig rig="threePt" dir="t"/>
     </dgm:scene3d>
     <dgm:sp3d/>
-    <dgm:txPr>
-      <a:bodyPr/>
-      <a:p>
-        <a:pPr>
-          <a:defRPr/>
-        </a:pPr>
-        <a:endParaRPr/>
-      </a:p>
-    </dgm:txPr>
+    <dgm:txPr/>
     <dgm:style>
       <a:lnRef idx="2">
         <a:srgbClr val="000000"/>
@@ -5779,15 +5409,7 @@
       <a:lightRig rig="threePt" dir="t"/>
     </dgm:scene3d>
     <dgm:sp3d/>
-    <dgm:txPr>
-      <a:bodyPr/>
-      <a:p>
-        <a:pPr>
-          <a:defRPr/>
-        </a:pPr>
-        <a:endParaRPr/>
-      </a:p>
-    </dgm:txPr>
+    <dgm:txPr/>
     <dgm:style>
       <a:lnRef idx="2">
         <a:srgbClr val="000000"/>
@@ -5809,15 +5431,7 @@
       <a:lightRig rig="threePt" dir="t"/>
     </dgm:scene3d>
     <dgm:sp3d/>
-    <dgm:txPr>
-      <a:bodyPr/>
-      <a:p>
-        <a:pPr>
-          <a:defRPr/>
-        </a:pPr>
-        <a:endParaRPr/>
-      </a:p>
-    </dgm:txPr>
+    <dgm:txPr/>
     <dgm:style>
       <a:lnRef idx="2">
         <a:srgbClr val="000000"/>
@@ -5839,15 +5453,7 @@
       <a:lightRig rig="threePt" dir="t"/>
     </dgm:scene3d>
     <dgm:sp3d/>
-    <dgm:txPr>
-      <a:bodyPr/>
-      <a:p>
-        <a:pPr>
-          <a:defRPr/>
-        </a:pPr>
-        <a:endParaRPr/>
-      </a:p>
-    </dgm:txPr>
+    <dgm:txPr/>
     <dgm:style>
       <a:lnRef idx="2">
         <a:srgbClr val="000000"/>
@@ -5869,15 +5475,7 @@
       <a:lightRig rig="threePt" dir="t"/>
     </dgm:scene3d>
     <dgm:sp3d/>
-    <dgm:txPr>
-      <a:bodyPr/>
-      <a:p>
-        <a:pPr>
-          <a:defRPr/>
-        </a:pPr>
-        <a:endParaRPr/>
-      </a:p>
-    </dgm:txPr>
+    <dgm:txPr/>
     <dgm:style>
       <a:lnRef idx="2">
         <a:srgbClr val="000000"/>
@@ -5899,15 +5497,7 @@
       <a:lightRig rig="threePt" dir="t"/>
     </dgm:scene3d>
     <dgm:sp3d/>
-    <dgm:txPr>
-      <a:bodyPr/>
-      <a:p>
-        <a:pPr>
-          <a:defRPr/>
-        </a:pPr>
-        <a:endParaRPr/>
-      </a:p>
-    </dgm:txPr>
+    <dgm:txPr/>
     <dgm:style>
       <a:lnRef idx="2">
         <a:srgbClr val="000000"/>
@@ -5929,15 +5519,7 @@
       <a:lightRig rig="threePt" dir="t"/>
     </dgm:scene3d>
     <dgm:sp3d/>
-    <dgm:txPr>
-      <a:bodyPr/>
-      <a:p>
-        <a:pPr>
-          <a:defRPr/>
-        </a:pPr>
-        <a:endParaRPr/>
-      </a:p>
-    </dgm:txPr>
+    <dgm:txPr/>
     <dgm:style>
       <a:lnRef idx="2">
         <a:srgbClr val="000000"/>
@@ -5959,15 +5541,7 @@
       <a:lightRig rig="threePt" dir="t"/>
     </dgm:scene3d>
     <dgm:sp3d/>
-    <dgm:txPr>
-      <a:bodyPr/>
-      <a:p>
-        <a:pPr>
-          <a:defRPr/>
-        </a:pPr>
-        <a:endParaRPr/>
-      </a:p>
-    </dgm:txPr>
+    <dgm:txPr/>
     <dgm:style>
       <a:lnRef idx="2">
         <a:srgbClr val="000000"/>
@@ -5987,15 +5561,7 @@
       <a:lightRig rig="threePt" dir="t"/>
     </dgm:scene3d>
     <dgm:sp3d/>
-    <dgm:txPr>
-      <a:bodyPr/>
-      <a:p>
-        <a:pPr>
-          <a:defRPr/>
-        </a:pPr>
-        <a:endParaRPr/>
-      </a:p>
-    </dgm:txPr>
+    <dgm:txPr/>
     <dgm:style>
       <a:lnRef idx="2">
         <a:srgbClr val="000000"/>
@@ -6015,15 +5581,7 @@
       <a:lightRig rig="threePt" dir="t"/>
     </dgm:scene3d>
     <dgm:sp3d/>
-    <dgm:txPr>
-      <a:bodyPr/>
-      <a:p>
-        <a:pPr>
-          <a:defRPr/>
-        </a:pPr>
-        <a:endParaRPr/>
-      </a:p>
-    </dgm:txPr>
+    <dgm:txPr/>
     <dgm:style>
       <a:lnRef idx="2">
         <a:srgbClr val="000000"/>
@@ -6043,15 +5601,7 @@
       <a:lightRig rig="threePt" dir="t"/>
     </dgm:scene3d>
     <dgm:sp3d/>
-    <dgm:txPr>
-      <a:bodyPr/>
-      <a:p>
-        <a:pPr>
-          <a:defRPr/>
-        </a:pPr>
-        <a:endParaRPr/>
-      </a:p>
-    </dgm:txPr>
+    <dgm:txPr/>
     <dgm:style>
       <a:lnRef idx="0">
         <a:srgbClr val="000000"/>
@@ -6073,15 +5623,7 @@
       <a:lightRig rig="threePt" dir="t"/>
     </dgm:scene3d>
     <dgm:sp3d/>
-    <dgm:txPr>
-      <a:bodyPr/>
-      <a:p>
-        <a:pPr>
-          <a:defRPr/>
-        </a:pPr>
-        <a:endParaRPr/>
-      </a:p>
-    </dgm:txPr>
+    <dgm:txPr/>
     <dgm:style>
       <a:lnRef idx="0">
         <a:srgbClr val="000000"/>
@@ -6103,15 +5645,7 @@
       <a:lightRig rig="threePt" dir="t"/>
     </dgm:scene3d>
     <dgm:sp3d/>
-    <dgm:txPr>
-      <a:bodyPr/>
-      <a:p>
-        <a:pPr>
-          <a:defRPr/>
-        </a:pPr>
-        <a:endParaRPr/>
-      </a:p>
-    </dgm:txPr>
+    <dgm:txPr/>
     <dgm:style>
       <a:lnRef idx="0">
         <a:srgbClr val="000000"/>
@@ -6133,15 +5667,7 @@
       <a:lightRig rig="threePt" dir="t"/>
     </dgm:scene3d>
     <dgm:sp3d/>
-    <dgm:txPr>
-      <a:bodyPr/>
-      <a:p>
-        <a:pPr>
-          <a:defRPr/>
-        </a:pPr>
-        <a:endParaRPr/>
-      </a:p>
-    </dgm:txPr>
+    <dgm:txPr/>
     <dgm:style>
       <a:lnRef idx="1">
         <a:srgbClr val="000000"/>
@@ -6161,15 +5687,7 @@
       <a:lightRig rig="threePt" dir="t"/>
     </dgm:scene3d>
     <dgm:sp3d/>
-    <dgm:txPr>
-      <a:bodyPr/>
-      <a:p>
-        <a:pPr>
-          <a:defRPr/>
-        </a:pPr>
-        <a:endParaRPr/>
-      </a:p>
-    </dgm:txPr>
+    <dgm:txPr/>
     <dgm:style>
       <a:lnRef idx="2">
         <a:srgbClr val="000000"/>
@@ -6189,15 +5707,7 @@
       <a:lightRig rig="threePt" dir="t"/>
     </dgm:scene3d>
     <dgm:sp3d/>
-    <dgm:txPr>
-      <a:bodyPr/>
-      <a:p>
-        <a:pPr>
-          <a:defRPr/>
-        </a:pPr>
-        <a:endParaRPr/>
-      </a:p>
-    </dgm:txPr>
+    <dgm:txPr/>
     <dgm:style>
       <a:lnRef idx="2">
         <a:srgbClr val="000000"/>
@@ -6219,15 +5729,7 @@
       <a:lightRig rig="threePt" dir="t"/>
     </dgm:scene3d>
     <dgm:sp3d/>
-    <dgm:txPr>
-      <a:bodyPr/>
-      <a:p>
-        <a:pPr>
-          <a:defRPr/>
-        </a:pPr>
-        <a:endParaRPr/>
-      </a:p>
-    </dgm:txPr>
+    <dgm:txPr/>
     <dgm:style>
       <a:lnRef idx="2">
         <a:srgbClr val="000000"/>
@@ -6249,15 +5751,7 @@
       <a:lightRig rig="threePt" dir="t"/>
     </dgm:scene3d>
     <dgm:sp3d/>
-    <dgm:txPr>
-      <a:bodyPr/>
-      <a:p>
-        <a:pPr>
-          <a:defRPr/>
-        </a:pPr>
-        <a:endParaRPr/>
-      </a:p>
-    </dgm:txPr>
+    <dgm:txPr/>
     <dgm:style>
       <a:lnRef idx="2">
         <a:srgbClr val="000000"/>
@@ -6279,15 +5773,7 @@
       <a:lightRig rig="threePt" dir="t"/>
     </dgm:scene3d>
     <dgm:sp3d/>
-    <dgm:txPr>
-      <a:bodyPr/>
-      <a:p>
-        <a:pPr>
-          <a:defRPr/>
-        </a:pPr>
-        <a:endParaRPr/>
-      </a:p>
-    </dgm:txPr>
+    <dgm:txPr/>
     <dgm:style>
       <a:lnRef idx="2">
         <a:srgbClr val="000000"/>
@@ -6309,15 +5795,7 @@
       <a:lightRig rig="threePt" dir="t"/>
     </dgm:scene3d>
     <dgm:sp3d/>
-    <dgm:txPr>
-      <a:bodyPr/>
-      <a:p>
-        <a:pPr>
-          <a:defRPr/>
-        </a:pPr>
-        <a:endParaRPr/>
-      </a:p>
-    </dgm:txPr>
+    <dgm:txPr/>
     <dgm:style>
       <a:lnRef idx="2">
         <a:srgbClr val="000000"/>
@@ -6339,15 +5817,7 @@
       <a:lightRig rig="threePt" dir="t"/>
     </dgm:scene3d>
     <dgm:sp3d/>
-    <dgm:txPr>
-      <a:bodyPr/>
-      <a:p>
-        <a:pPr>
-          <a:defRPr/>
-        </a:pPr>
-        <a:endParaRPr/>
-      </a:p>
-    </dgm:txPr>
+    <dgm:txPr/>
     <dgm:style>
       <a:lnRef idx="2">
         <a:srgbClr val="000000"/>
@@ -6369,15 +5839,7 @@
       <a:lightRig rig="threePt" dir="t"/>
     </dgm:scene3d>
     <dgm:sp3d/>
-    <dgm:txPr>
-      <a:bodyPr/>
-      <a:p>
-        <a:pPr>
-          <a:defRPr/>
-        </a:pPr>
-        <a:endParaRPr/>
-      </a:p>
-    </dgm:txPr>
+    <dgm:txPr/>
     <dgm:style>
       <a:lnRef idx="2">
         <a:srgbClr val="000000"/>
@@ -6399,15 +5861,7 @@
       <a:lightRig rig="threePt" dir="t"/>
     </dgm:scene3d>
     <dgm:sp3d/>
-    <dgm:txPr>
-      <a:bodyPr/>
-      <a:p>
-        <a:pPr>
-          <a:defRPr/>
-        </a:pPr>
-        <a:endParaRPr/>
-      </a:p>
-    </dgm:txPr>
+    <dgm:txPr/>
     <dgm:style>
       <a:lnRef idx="2">
         <a:srgbClr val="000000"/>
@@ -6429,15 +5883,7 @@
       <a:lightRig rig="threePt" dir="t"/>
     </dgm:scene3d>
     <dgm:sp3d/>
-    <dgm:txPr>
-      <a:bodyPr/>
-      <a:p>
-        <a:pPr>
-          <a:defRPr/>
-        </a:pPr>
-        <a:endParaRPr/>
-      </a:p>
-    </dgm:txPr>
+    <dgm:txPr/>
     <dgm:style>
       <a:lnRef idx="2">
         <a:srgbClr val="000000"/>
@@ -6459,15 +5905,7 @@
       <a:lightRig rig="threePt" dir="t"/>
     </dgm:scene3d>
     <dgm:sp3d/>
-    <dgm:txPr>
-      <a:bodyPr/>
-      <a:p>
-        <a:pPr>
-          <a:defRPr/>
-        </a:pPr>
-        <a:endParaRPr/>
-      </a:p>
-    </dgm:txPr>
+    <dgm:txPr/>
     <dgm:style>
       <a:lnRef idx="2">
         <a:srgbClr val="000000"/>
@@ -6487,15 +5925,7 @@
       <a:lightRig rig="threePt" dir="t"/>
     </dgm:scene3d>
     <dgm:sp3d/>
-    <dgm:txPr>
-      <a:bodyPr/>
-      <a:p>
-        <a:pPr>
-          <a:defRPr/>
-        </a:pPr>
-        <a:endParaRPr/>
-      </a:p>
-    </dgm:txPr>
+    <dgm:txPr/>
     <dgm:style>
       <a:lnRef idx="2">
         <a:srgbClr val="000000"/>
@@ -6515,15 +5945,7 @@
       <a:lightRig rig="threePt" dir="t"/>
     </dgm:scene3d>
     <dgm:sp3d/>
-    <dgm:txPr>
-      <a:bodyPr/>
-      <a:p>
-        <a:pPr>
-          <a:defRPr/>
-        </a:pPr>
-        <a:endParaRPr/>
-      </a:p>
-    </dgm:txPr>
+    <dgm:txPr/>
     <dgm:style>
       <a:lnRef idx="2">
         <a:srgbClr val="000000"/>
@@ -6543,15 +5965,7 @@
       <a:lightRig rig="threePt" dir="t"/>
     </dgm:scene3d>
     <dgm:sp3d/>
-    <dgm:txPr>
-      <a:bodyPr/>
-      <a:p>
-        <a:pPr>
-          <a:defRPr/>
-        </a:pPr>
-        <a:endParaRPr/>
-      </a:p>
-    </dgm:txPr>
+    <dgm:txPr/>
     <dgm:style>
       <a:lnRef idx="2">
         <a:srgbClr val="000000"/>
@@ -6571,15 +5985,7 @@
       <a:lightRig rig="threePt" dir="t"/>
     </dgm:scene3d>
     <dgm:sp3d/>
-    <dgm:txPr>
-      <a:bodyPr/>
-      <a:p>
-        <a:pPr>
-          <a:defRPr/>
-        </a:pPr>
-        <a:endParaRPr/>
-      </a:p>
-    </dgm:txPr>
+    <dgm:txPr/>
     <dgm:style>
       <a:lnRef idx="2">
         <a:srgbClr val="000000"/>
@@ -6599,15 +6005,7 @@
       <a:lightRig rig="threePt" dir="t"/>
     </dgm:scene3d>
     <dgm:sp3d/>
-    <dgm:txPr>
-      <a:bodyPr/>
-      <a:p>
-        <a:pPr>
-          <a:defRPr/>
-        </a:pPr>
-        <a:endParaRPr/>
-      </a:p>
-    </dgm:txPr>
+    <dgm:txPr/>
     <dgm:style>
       <a:lnRef idx="2">
         <a:srgbClr val="000000"/>
@@ -6627,15 +6025,7 @@
       <a:lightRig rig="threePt" dir="t"/>
     </dgm:scene3d>
     <dgm:sp3d/>
-    <dgm:txPr>
-      <a:bodyPr/>
-      <a:p>
-        <a:pPr>
-          <a:defRPr/>
-        </a:pPr>
-        <a:endParaRPr/>
-      </a:p>
-    </dgm:txPr>
+    <dgm:txPr/>
     <dgm:style>
       <a:lnRef idx="2">
         <a:srgbClr val="000000"/>
@@ -6655,15 +6045,7 @@
       <a:lightRig rig="threePt" dir="t"/>
     </dgm:scene3d>
     <dgm:sp3d/>
-    <dgm:txPr>
-      <a:bodyPr/>
-      <a:p>
-        <a:pPr>
-          <a:defRPr/>
-        </a:pPr>
-        <a:endParaRPr/>
-      </a:p>
-    </dgm:txPr>
+    <dgm:txPr/>
     <dgm:style>
       <a:lnRef idx="1">
         <a:srgbClr val="000000"/>
@@ -6683,15 +6065,7 @@
       <a:lightRig rig="threePt" dir="t"/>
     </dgm:scene3d>
     <dgm:sp3d/>
-    <dgm:txPr>
-      <a:bodyPr/>
-      <a:p>
-        <a:pPr>
-          <a:defRPr/>
-        </a:pPr>
-        <a:endParaRPr/>
-      </a:p>
-    </dgm:txPr>
+    <dgm:txPr/>
     <dgm:style>
       <a:lnRef idx="2">
         <a:srgbClr val="000000"/>
@@ -6711,15 +6085,7 @@
       <a:lightRig rig="threePt" dir="t"/>
     </dgm:scene3d>
     <dgm:sp3d/>
-    <dgm:txPr>
-      <a:bodyPr/>
-      <a:p>
-        <a:pPr>
-          <a:defRPr/>
-        </a:pPr>
-        <a:endParaRPr/>
-      </a:p>
-    </dgm:txPr>
+    <dgm:txPr/>
     <dgm:style>
       <a:lnRef idx="2">
         <a:srgbClr val="000000"/>
@@ -6739,15 +6105,7 @@
       <a:lightRig rig="threePt" dir="t"/>
     </dgm:scene3d>
     <dgm:sp3d/>
-    <dgm:txPr>
-      <a:bodyPr/>
-      <a:p>
-        <a:pPr>
-          <a:defRPr/>
-        </a:pPr>
-        <a:endParaRPr/>
-      </a:p>
-    </dgm:txPr>
+    <dgm:txPr/>
     <dgm:style>
       <a:lnRef idx="2">
         <a:srgbClr val="000000"/>
@@ -6767,15 +6125,7 @@
       <a:lightRig rig="threePt" dir="t"/>
     </dgm:scene3d>
     <dgm:sp3d/>
-    <dgm:txPr>
-      <a:bodyPr/>
-      <a:p>
-        <a:pPr>
-          <a:defRPr/>
-        </a:pPr>
-        <a:endParaRPr/>
-      </a:p>
-    </dgm:txPr>
+    <dgm:txPr/>
     <dgm:style>
       <a:lnRef idx="2">
         <a:srgbClr val="000000"/>
@@ -6795,15 +6145,7 @@
       <a:lightRig rig="threePt" dir="t"/>
     </dgm:scene3d>
     <dgm:sp3d/>
-    <dgm:txPr>
-      <a:bodyPr/>
-      <a:p>
-        <a:pPr>
-          <a:defRPr/>
-        </a:pPr>
-        <a:endParaRPr/>
-      </a:p>
-    </dgm:txPr>
+    <dgm:txPr/>
     <dgm:style>
       <a:lnRef idx="2">
         <a:srgbClr val="000000"/>
@@ -6823,15 +6165,7 @@
       <a:lightRig rig="threePt" dir="t"/>
     </dgm:scene3d>
     <dgm:sp3d/>
-    <dgm:txPr>
-      <a:bodyPr/>
-      <a:p>
-        <a:pPr>
-          <a:defRPr/>
-        </a:pPr>
-        <a:endParaRPr/>
-      </a:p>
-    </dgm:txPr>
+    <dgm:txPr/>
     <dgm:style>
       <a:lnRef idx="2">
         <a:srgbClr val="000000"/>
@@ -6851,15 +6185,7 @@
       <a:lightRig rig="threePt" dir="t"/>
     </dgm:scene3d>
     <dgm:sp3d/>
-    <dgm:txPr>
-      <a:bodyPr/>
-      <a:p>
-        <a:pPr>
-          <a:defRPr/>
-        </a:pPr>
-        <a:endParaRPr/>
-      </a:p>
-    </dgm:txPr>
+    <dgm:txPr/>
     <dgm:style>
       <a:lnRef idx="2">
         <a:srgbClr val="000000"/>
@@ -6879,15 +6205,7 @@
       <a:lightRig rig="threePt" dir="t"/>
     </dgm:scene3d>
     <dgm:sp3d/>
-    <dgm:txPr>
-      <a:bodyPr/>
-      <a:p>
-        <a:pPr>
-          <a:defRPr/>
-        </a:pPr>
-        <a:endParaRPr/>
-      </a:p>
-    </dgm:txPr>
+    <dgm:txPr/>
     <dgm:style>
       <a:lnRef idx="2">
         <a:srgbClr val="000000"/>
@@ -6907,15 +6225,7 @@
       <a:lightRig rig="threePt" dir="t"/>
     </dgm:scene3d>
     <dgm:sp3d/>
-    <dgm:txPr>
-      <a:bodyPr/>
-      <a:p>
-        <a:pPr>
-          <a:defRPr/>
-        </a:pPr>
-        <a:endParaRPr/>
-      </a:p>
-    </dgm:txPr>
+    <dgm:txPr/>
     <dgm:style>
       <a:lnRef idx="2">
         <a:srgbClr val="000000"/>
@@ -6935,15 +6245,7 @@
       <a:lightRig rig="threePt" dir="t"/>
     </dgm:scene3d>
     <dgm:sp3d/>
-    <dgm:txPr>
-      <a:bodyPr/>
-      <a:p>
-        <a:pPr>
-          <a:defRPr/>
-        </a:pPr>
-        <a:endParaRPr/>
-      </a:p>
-    </dgm:txPr>
+    <dgm:txPr/>
     <dgm:style>
       <a:lnRef idx="2">
         <a:srgbClr val="000000"/>
@@ -6963,15 +6265,7 @@
       <a:lightRig rig="threePt" dir="t"/>
     </dgm:scene3d>
     <dgm:sp3d/>
-    <dgm:txPr>
-      <a:bodyPr/>
-      <a:p>
-        <a:pPr>
-          <a:defRPr/>
-        </a:pPr>
-        <a:endParaRPr/>
-      </a:p>
-    </dgm:txPr>
+    <dgm:txPr/>
     <dgm:style>
       <a:lnRef idx="2">
         <a:srgbClr val="000000"/>
@@ -6991,15 +6285,7 @@
       <a:lightRig rig="threePt" dir="t"/>
     </dgm:scene3d>
     <dgm:sp3d/>
-    <dgm:txPr>
-      <a:bodyPr/>
-      <a:p>
-        <a:pPr>
-          <a:defRPr/>
-        </a:pPr>
-        <a:endParaRPr/>
-      </a:p>
-    </dgm:txPr>
+    <dgm:txPr/>
     <dgm:style>
       <a:lnRef idx="0">
         <a:srgbClr val="000000"/>
@@ -7019,15 +6305,7 @@
       <a:lightRig rig="threePt" dir="t"/>
     </dgm:scene3d>
     <dgm:sp3d/>
-    <dgm:txPr>
-      <a:bodyPr/>
-      <a:p>
-        <a:pPr>
-          <a:defRPr/>
-        </a:pPr>
-        <a:endParaRPr/>
-      </a:p>
-    </dgm:txPr>
+    <dgm:txPr/>
     <dgm:style>
       <a:lnRef idx="0">
         <a:srgbClr val="000000"/>
@@ -7047,15 +6325,7 @@
       <a:lightRig rig="threePt" dir="t"/>
     </dgm:scene3d>
     <dgm:sp3d/>
-    <dgm:txPr>
-      <a:bodyPr/>
-      <a:p>
-        <a:pPr>
-          <a:defRPr/>
-        </a:pPr>
-        <a:endParaRPr/>
-      </a:p>
-    </dgm:txPr>
+    <dgm:txPr/>
     <dgm:style>
       <a:lnRef idx="0">
         <a:srgbClr val="000000"/>
@@ -7075,15 +6345,7 @@
       <a:lightRig rig="threePt" dir="t"/>
     </dgm:scene3d>
     <dgm:sp3d/>
-    <dgm:txPr>
-      <a:bodyPr/>
-      <a:p>
-        <a:pPr>
-          <a:defRPr/>
-        </a:pPr>
-        <a:endParaRPr/>
-      </a:p>
-    </dgm:txPr>
+    <dgm:txPr/>
     <dgm:style>
       <a:lnRef idx="2">
         <a:srgbClr val="000000"/>
@@ -7103,15 +6365,7 @@
       <a:lightRig rig="threePt" dir="t"/>
     </dgm:scene3d>
     <dgm:sp3d/>
-    <dgm:txPr>
-      <a:bodyPr/>
-      <a:p>
-        <a:pPr>
-          <a:defRPr/>
-        </a:pPr>
-        <a:endParaRPr/>
-      </a:p>
-    </dgm:txPr>
+    <dgm:txPr/>
     <dgm:style>
       <a:lnRef idx="0">
         <a:srgbClr val="000000"/>
@@ -7129,7 +6383,7 @@
 </file>
 
 <file path=ppt/slideLayouts/slideLayout1.xml><?xml version="1.0" encoding="utf-8"?>
-<p:sldLayout xmlns:a="http://schemas.openxmlformats.org/drawingml/2006/main" xmlns:r="http://schemas.openxmlformats.org/officeDocument/2006/relationships" xmlns:p="http://schemas.openxmlformats.org/presentationml/2006/main" xmlns:m="http://schemas.openxmlformats.org/officeDocument/2006/math" xmlns:w="http://schemas.openxmlformats.org/wordprocessingml/2006/main" matchingName="" preserve="1" showMasterPhAnim="0" type="obj" userDrawn="1">
+<p:sldLayout xmlns:a="http://schemas.openxmlformats.org/drawingml/2006/main" xmlns:r="http://schemas.openxmlformats.org/officeDocument/2006/relationships" xmlns:p="http://schemas.openxmlformats.org/presentationml/2006/main" showMasterPhAnim="0" type="obj" preserve="1" userDrawn="1">
   <p:cSld name="Title Slide">
     <p:spTree>
       <p:nvGrpSpPr>
@@ -7279,7 +6533,7 @@
             </a:pPr>
             <a:fld id="{1D8BD707-D9CF-40AE-B4C6-C98DA3205C09}" type="datetimeFigureOut">
               <a:rPr lang="en-US"/>
-              <a:t/>
+              <a:t>6/7/2023</a:t>
             </a:fld>
             <a:endParaRPr/>
           </a:p>
@@ -7315,7 +6569,7 @@
             </a:pPr>
             <a:fld id="{B6F15528-21DE-4FAA-801E-634DDDAF4B2B}" type="slidenum">
               <a:rPr/>
-              <a:t/>
+              <a:t>‹#›</a:t>
             </a:fld>
             <a:endParaRPr/>
           </a:p>
@@ -7330,7 +6584,7 @@
 </file>
 
 <file path=ppt/slideLayouts/slideLayout2.xml><?xml version="1.0" encoding="utf-8"?>
-<p:sldLayout xmlns:a="http://schemas.openxmlformats.org/drawingml/2006/main" xmlns:r="http://schemas.openxmlformats.org/officeDocument/2006/relationships" xmlns:p="http://schemas.openxmlformats.org/presentationml/2006/main" xmlns:m="http://schemas.openxmlformats.org/officeDocument/2006/math" xmlns:w="http://schemas.openxmlformats.org/wordprocessingml/2006/main" matchingName="" preserve="1" showMasterPhAnim="0" type="obj" userDrawn="1">
+<p:sldLayout xmlns:a="http://schemas.openxmlformats.org/drawingml/2006/main" xmlns:r="http://schemas.openxmlformats.org/officeDocument/2006/relationships" xmlns:p="http://schemas.openxmlformats.org/presentationml/2006/main" showMasterPhAnim="0" type="obj" preserve="1" userDrawn="1">
   <p:cSld name="Title and Content">
     <p:spTree>
       <p:nvGrpSpPr>
@@ -7466,7 +6720,7 @@
             </a:pPr>
             <a:fld id="{1D8BD707-D9CF-40AE-B4C6-C98DA3205C09}" type="datetimeFigureOut">
               <a:rPr lang="en-US"/>
-              <a:t/>
+              <a:t>6/7/2023</a:t>
             </a:fld>
             <a:endParaRPr/>
           </a:p>
@@ -7502,7 +6756,7 @@
             </a:pPr>
             <a:fld id="{B6F15528-21DE-4FAA-801E-634DDDAF4B2B}" type="slidenum">
               <a:rPr/>
-              <a:t/>
+              <a:t>‹#›</a:t>
             </a:fld>
             <a:endParaRPr/>
           </a:p>
@@ -7517,7 +6771,7 @@
 </file>
 
 <file path=ppt/slideLayouts/slideLayout3.xml><?xml version="1.0" encoding="utf-8"?>
-<p:sldLayout xmlns:a="http://schemas.openxmlformats.org/drawingml/2006/main" xmlns:r="http://schemas.openxmlformats.org/officeDocument/2006/relationships" xmlns:p="http://schemas.openxmlformats.org/presentationml/2006/main" xmlns:m="http://schemas.openxmlformats.org/officeDocument/2006/math" xmlns:w="http://schemas.openxmlformats.org/wordprocessingml/2006/main" matchingName="" preserve="1" showMasterPhAnim="0" type="obj" userDrawn="1">
+<p:sldLayout xmlns:a="http://schemas.openxmlformats.org/drawingml/2006/main" xmlns:r="http://schemas.openxmlformats.org/officeDocument/2006/relationships" xmlns:p="http://schemas.openxmlformats.org/presentationml/2006/main" showMasterPhAnim="0" type="obj" preserve="1" userDrawn="1">
   <p:cSld name="Two Content">
     <p:spTree>
       <p:nvGrpSpPr>
@@ -7699,7 +6953,7 @@
             </a:pPr>
             <a:fld id="{1D8BD707-D9CF-40AE-B4C6-C98DA3205C09}" type="datetimeFigureOut">
               <a:rPr lang="en-US"/>
-              <a:t/>
+              <a:t>6/7/2023</a:t>
             </a:fld>
             <a:endParaRPr/>
           </a:p>
@@ -7735,7 +6989,7 @@
             </a:pPr>
             <a:fld id="{B6F15528-21DE-4FAA-801E-634DDDAF4B2B}" type="slidenum">
               <a:rPr/>
-              <a:t/>
+              <a:t>‹#›</a:t>
             </a:fld>
             <a:endParaRPr/>
           </a:p>
@@ -7750,7 +7004,7 @@
 </file>
 
 <file path=ppt/slideLayouts/slideLayout4.xml><?xml version="1.0" encoding="utf-8"?>
-<p:sldLayout xmlns:a="http://schemas.openxmlformats.org/drawingml/2006/main" xmlns:r="http://schemas.openxmlformats.org/officeDocument/2006/relationships" xmlns:p="http://schemas.openxmlformats.org/presentationml/2006/main" xmlns:m="http://schemas.openxmlformats.org/officeDocument/2006/math" xmlns:w="http://schemas.openxmlformats.org/wordprocessingml/2006/main" matchingName="" preserve="1" showMasterPhAnim="0" type="obj" userDrawn="1">
+<p:sldLayout xmlns:a="http://schemas.openxmlformats.org/drawingml/2006/main" xmlns:r="http://schemas.openxmlformats.org/officeDocument/2006/relationships" xmlns:p="http://schemas.openxmlformats.org/presentationml/2006/main" showMasterPhAnim="0" type="obj" preserve="1" userDrawn="1">
   <p:cSld name="Title Only">
     <p:spTree>
       <p:nvGrpSpPr>
@@ -7860,7 +7114,7 @@
             </a:pPr>
             <a:fld id="{1D8BD707-D9CF-40AE-B4C6-C98DA3205C09}" type="datetimeFigureOut">
               <a:rPr lang="en-US"/>
-              <a:t/>
+              <a:t>6/7/2023</a:t>
             </a:fld>
             <a:endParaRPr/>
           </a:p>
@@ -7896,7 +7150,7 @@
             </a:pPr>
             <a:fld id="{B6F15528-21DE-4FAA-801E-634DDDAF4B2B}" type="slidenum">
               <a:rPr/>
-              <a:t/>
+              <a:t>‹#›</a:t>
             </a:fld>
             <a:endParaRPr/>
           </a:p>
@@ -7911,7 +7165,7 @@
 </file>
 
 <file path=ppt/slideLayouts/slideLayout5.xml><?xml version="1.0" encoding="utf-8"?>
-<p:sldLayout xmlns:a="http://schemas.openxmlformats.org/drawingml/2006/main" xmlns:r="http://schemas.openxmlformats.org/officeDocument/2006/relationships" xmlns:p="http://schemas.openxmlformats.org/presentationml/2006/main" xmlns:m="http://schemas.openxmlformats.org/officeDocument/2006/math" xmlns:w="http://schemas.openxmlformats.org/wordprocessingml/2006/main" matchingName="" preserve="1" showMasterPhAnim="0" type="obj" userDrawn="1">
+<p:sldLayout xmlns:a="http://schemas.openxmlformats.org/drawingml/2006/main" xmlns:r="http://schemas.openxmlformats.org/officeDocument/2006/relationships" xmlns:p="http://schemas.openxmlformats.org/presentationml/2006/main" showMasterPhAnim="0" type="obj" preserve="1" userDrawn="1">
   <p:cSld name="Blank">
     <p:spTree>
       <p:nvGrpSpPr>
@@ -7989,7 +7243,7 @@
             </a:pPr>
             <a:fld id="{1D8BD707-D9CF-40AE-B4C6-C98DA3205C09}" type="datetimeFigureOut">
               <a:rPr lang="en-US"/>
-              <a:t/>
+              <a:t>6/7/2023</a:t>
             </a:fld>
             <a:endParaRPr/>
           </a:p>
@@ -8025,7 +7279,7 @@
             </a:pPr>
             <a:fld id="{B6F15528-21DE-4FAA-801E-634DDDAF4B2B}" type="slidenum">
               <a:rPr/>
-              <a:t/>
+              <a:t>‹#›</a:t>
             </a:fld>
             <a:endParaRPr/>
           </a:p>
@@ -8040,8 +7294,8 @@
 </file>
 
 <file path=ppt/slideMasters/slideMaster1.xml><?xml version="1.0" encoding="utf-8"?>
-<p:sldMaster xmlns:a="http://schemas.openxmlformats.org/drawingml/2006/main" xmlns:r="http://schemas.openxmlformats.org/officeDocument/2006/relationships" xmlns:p="http://schemas.openxmlformats.org/presentationml/2006/main" xmlns:m="http://schemas.openxmlformats.org/officeDocument/2006/math" xmlns:w="http://schemas.openxmlformats.org/wordprocessingml/2006/main" preserve="0">
-  <p:cSld name="">
+<p:sldMaster xmlns:a="http://schemas.openxmlformats.org/drawingml/2006/main" xmlns:r="http://schemas.openxmlformats.org/officeDocument/2006/relationships" xmlns:p="http://schemas.openxmlformats.org/presentationml/2006/main">
+  <p:cSld>
     <p:bg>
       <p:bgRef idx="1001">
         <a:schemeClr val="bg1"/>
@@ -8079,7 +7333,7 @@
             <a:cxnLst/>
             <a:rect l="l" t="t" r="r" b="b"/>
             <a:pathLst>
-              <a:path w="9944100" h="5591175" fill="norm" stroke="1" extrusionOk="0">
+              <a:path w="9944100" h="5591175" extrusionOk="0">
                 <a:moveTo>
                   <a:pt x="9732199" y="5591174"/>
                 </a:moveTo>
@@ -8373,7 +7627,7 @@
             </a:pPr>
             <a:fld id="{1D8BD707-D9CF-40AE-B4C6-C98DA3205C09}" type="datetimeFigureOut">
               <a:rPr lang="en-US"/>
-              <a:t/>
+              <a:t>6/7/2023</a:t>
             </a:fld>
             <a:endParaRPr/>
           </a:p>
@@ -8419,7 +7673,7 @@
             </a:pPr>
             <a:fld id="{B6F15528-21DE-4FAA-801E-634DDDAF4B2B}" type="slidenum">
               <a:rPr/>
-              <a:t/>
+              <a:t>‹#›</a:t>
             </a:fld>
             <a:endParaRPr/>
           </a:p>
@@ -8435,7 +7689,7 @@
     <p:sldLayoutId id="2147483652" r:id="rId4"/>
     <p:sldLayoutId id="2147483653" r:id="rId5"/>
   </p:sldLayoutIdLst>
-  <p:hf dt="0" ftr="0" hdr="0" sldNum="1"/>
+  <p:hf hdr="0" ftr="0" dt="0"/>
   <p:txStyles>
     <p:titleStyle>
       <a:lvl1pPr>
@@ -8581,8 +7835,8 @@
 </file>
 
 <file path=ppt/slides/slide1.xml><?xml version="1.0" encoding="utf-8"?>
-<p:sld xmlns:a="http://schemas.openxmlformats.org/drawingml/2006/main" xmlns:r="http://schemas.openxmlformats.org/officeDocument/2006/relationships" xmlns:p="http://schemas.openxmlformats.org/presentationml/2006/main" xmlns:m="http://schemas.openxmlformats.org/officeDocument/2006/math" xmlns:w="http://schemas.openxmlformats.org/wordprocessingml/2006/main" showMasterPhAnim="0" showMasterSp="0" show="1">
-  <p:cSld name="">
+<p:sld xmlns:a="http://schemas.openxmlformats.org/drawingml/2006/main" xmlns:r="http://schemas.openxmlformats.org/officeDocument/2006/relationships" xmlns:p="http://schemas.openxmlformats.org/presentationml/2006/main" showMasterSp="0" showMasterPhAnim="0">
+  <p:cSld>
     <p:spTree>
       <p:nvGrpSpPr>
         <p:cNvPr id="1" name=""/>
@@ -9074,20 +8328,12 @@
   <p:clrMapOvr>
     <a:masterClrMapping/>
   </p:clrMapOvr>
-  <mc:AlternateContent xmlns:mc="http://schemas.openxmlformats.org/markup-compatibility/2006">
-    <mc:Choice xmlns:p14="http://schemas.microsoft.com/office/powerpoint/2010/main" Requires="p14">
-      <p:transition p14:dur="2000" advClick="1"/>
-    </mc:Choice>
-    <mc:Fallback>
-      <p:transition advClick="1"/>
-    </mc:Fallback>
-  </mc:AlternateContent>
 </p:sld>
 </file>
 
 <file path=ppt/slides/slide2.xml><?xml version="1.0" encoding="utf-8"?>
-<p:sld xmlns:a="http://schemas.openxmlformats.org/drawingml/2006/main" xmlns:r="http://schemas.openxmlformats.org/officeDocument/2006/relationships" xmlns:p="http://schemas.openxmlformats.org/presentationml/2006/main" xmlns:m="http://schemas.openxmlformats.org/officeDocument/2006/math" xmlns:w="http://schemas.openxmlformats.org/wordprocessingml/2006/main" showMasterPhAnim="0" showMasterSp="0" show="1">
-  <p:cSld name="">
+<p:sld xmlns:a="http://schemas.openxmlformats.org/drawingml/2006/main" xmlns:r="http://schemas.openxmlformats.org/officeDocument/2006/relationships" xmlns:p="http://schemas.openxmlformats.org/presentationml/2006/main" showMasterSp="0" showMasterPhAnim="0">
+  <p:cSld>
     <p:spTree>
       <p:nvGrpSpPr>
         <p:cNvPr id="1" name=""/>
@@ -9227,7 +8473,7 @@
             </a:pPr>
             <a:fld id="{800E96F8-DC0B-3B60-9520-15C92079DBC9}" type="slidenum">
               <a:rPr sz="2800"/>
-              <a:t/>
+              <a:t>2</a:t>
             </a:fld>
             <a:endParaRPr/>
           </a:p>
@@ -9419,20 +8665,12 @@
   <p:clrMapOvr>
     <a:masterClrMapping/>
   </p:clrMapOvr>
-  <mc:AlternateContent xmlns:mc="http://schemas.openxmlformats.org/markup-compatibility/2006">
-    <mc:Choice xmlns:p14="http://schemas.microsoft.com/office/powerpoint/2010/main" Requires="p14">
-      <p:transition p14:dur="2000" advClick="1"/>
-    </mc:Choice>
-    <mc:Fallback>
-      <p:transition advClick="1"/>
-    </mc:Fallback>
-  </mc:AlternateContent>
 </p:sld>
 </file>
 
 <file path=ppt/slides/slide3.xml><?xml version="1.0" encoding="utf-8"?>
-<p:sld xmlns:a="http://schemas.openxmlformats.org/drawingml/2006/main" xmlns:r="http://schemas.openxmlformats.org/officeDocument/2006/relationships" xmlns:p="http://schemas.openxmlformats.org/presentationml/2006/main" xmlns:m="http://schemas.openxmlformats.org/officeDocument/2006/math" xmlns:w="http://schemas.openxmlformats.org/wordprocessingml/2006/main" showMasterPhAnim="0" showMasterSp="0" show="1">
-  <p:cSld name="">
+<p:sld xmlns:a="http://schemas.openxmlformats.org/drawingml/2006/main" xmlns:r="http://schemas.openxmlformats.org/officeDocument/2006/relationships" xmlns:p="http://schemas.openxmlformats.org/presentationml/2006/main" showMasterSp="0" showMasterPhAnim="0">
+  <p:cSld>
     <p:spTree>
       <p:nvGrpSpPr>
         <p:cNvPr id="1" name=""/>
@@ -9583,7 +8821,7 @@
             </a:pPr>
             <a:fld id="{20263524-D5DE-1C53-E1D9-127239483711}" type="slidenum">
               <a:rPr sz="2800"/>
-              <a:t/>
+              <a:t>3</a:t>
             </a:fld>
             <a:endParaRPr/>
           </a:p>
@@ -9634,7 +8872,7 @@
         <p:nvGraphicFramePr>
           <p:cNvPr id="79125462" name="Content Placeholder 2"/>
           <p:cNvGraphicFramePr>
-            <a:graphicFrameLocks xmlns:a="http://schemas.openxmlformats.org/drawingml/2006/main" noGrp="1"/>
+            <a:graphicFrameLocks noGrp="1"/>
           </p:cNvGraphicFramePr>
           <p:nvPr>
             <p:ph idx="1"/>
@@ -9643,12 +8881,10 @@
         <p:xfrm>
           <a:off x="1141149" y="2250901"/>
           <a:ext cx="9905999" cy="4082074"/>
-          <a:chOff x="0" y="0"/>
-          <a:chExt cx="9905999" cy="4082074"/>
         </p:xfrm>
         <a:graphic>
           <a:graphicData uri="http://schemas.openxmlformats.org/drawingml/2006/diagram">
-            <dgm:relIds xmlns:dgm="http://schemas.openxmlformats.org/drawingml/2006/diagram" xmlns:r="http://schemas.openxmlformats.org/officeDocument/2006/relationships" r:dm="rId2" r:lo="rId5" r:qs="rId6" r:cs="rId4"/>
+            <dgm:relIds xmlns:dgm="http://schemas.openxmlformats.org/drawingml/2006/diagram" xmlns:r="http://schemas.openxmlformats.org/officeDocument/2006/relationships" r:dm="rId2" r:lo="rId3" r:qs="rId4" r:cs="rId5"/>
           </a:graphicData>
         </a:graphic>
       </p:graphicFrame>
@@ -9788,7 +9024,7 @@
             </a:pPr>
             <a:fld id="{126AF024-0968-7C6B-E663-764D933C6F9C}" type="slidenum">
               <a:rPr sz="2800"/>
-              <a:t/>
+              <a:t>3</a:t>
             </a:fld>
             <a:endParaRPr/>
           </a:p>
@@ -9839,7 +9075,7 @@
         <p:nvGraphicFramePr>
           <p:cNvPr id="573076527" name="Content Placeholder 2"/>
           <p:cNvGraphicFramePr>
-            <a:graphicFrameLocks xmlns:a="http://schemas.openxmlformats.org/drawingml/2006/main" noGrp="1"/>
+            <a:graphicFrameLocks noGrp="1"/>
           </p:cNvGraphicFramePr>
           <p:nvPr>
             <p:ph idx="1"/>
@@ -9848,12 +9084,10 @@
         <p:xfrm>
           <a:off x="1141148" y="2250900"/>
           <a:ext cx="9905998" cy="4082073"/>
-          <a:chOff x="0" y="0"/>
-          <a:chExt cx="9905998" cy="4082073"/>
         </p:xfrm>
         <a:graphic>
           <a:graphicData uri="http://schemas.openxmlformats.org/drawingml/2006/diagram">
-            <dgm:relIds xmlns:dgm="http://schemas.openxmlformats.org/drawingml/2006/diagram" xmlns:r="http://schemas.openxmlformats.org/officeDocument/2006/relationships" r:dm="rId7" r:lo="rId10" r:qs="rId11" r:cs="rId9"/>
+            <dgm:relIds xmlns:dgm="http://schemas.openxmlformats.org/drawingml/2006/diagram" xmlns:r="http://schemas.openxmlformats.org/officeDocument/2006/relationships" r:dm="rId7" r:lo="rId8" r:qs="rId9" r:cs="rId10"/>
           </a:graphicData>
         </a:graphic>
       </p:graphicFrame>
@@ -9862,20 +9096,12 @@
   <p:clrMapOvr>
     <a:masterClrMapping/>
   </p:clrMapOvr>
-  <mc:AlternateContent xmlns:mc="http://schemas.openxmlformats.org/markup-compatibility/2006">
-    <mc:Choice xmlns:p14="http://schemas.microsoft.com/office/powerpoint/2010/main" Requires="p14">
-      <p:transition p14:dur="2000" advClick="1"/>
-    </mc:Choice>
-    <mc:Fallback>
-      <p:transition advClick="1"/>
-    </mc:Fallback>
-  </mc:AlternateContent>
 </p:sld>
 </file>
 
 <file path=ppt/slides/slide4.xml><?xml version="1.0" encoding="utf-8"?>
-<p:sld xmlns:a="http://schemas.openxmlformats.org/drawingml/2006/main" xmlns:r="http://schemas.openxmlformats.org/officeDocument/2006/relationships" xmlns:p="http://schemas.openxmlformats.org/presentationml/2006/main" xmlns:m="http://schemas.openxmlformats.org/officeDocument/2006/math" xmlns:w="http://schemas.openxmlformats.org/wordprocessingml/2006/main" showMasterPhAnim="0" showMasterSp="0" show="1">
-  <p:cSld name="">
+<p:sld xmlns:a="http://schemas.openxmlformats.org/drawingml/2006/main" xmlns:r="http://schemas.openxmlformats.org/officeDocument/2006/relationships" xmlns:p="http://schemas.openxmlformats.org/presentationml/2006/main" showMasterSp="0" showMasterPhAnim="0">
+  <p:cSld>
     <p:spTree>
       <p:nvGrpSpPr>
         <p:cNvPr id="1" name=""/>
@@ -9984,7 +9210,7 @@
             </a:pPr>
             <a:fld id="{7360B85D-AE21-6F67-6371-7D7485A54A25}" type="slidenum">
               <a:rPr sz="2800"/>
-              <a:t/>
+              <a:t>4</a:t>
             </a:fld>
             <a:endParaRPr/>
           </a:p>
@@ -10100,20 +9326,12 @@
   <p:clrMapOvr>
     <a:masterClrMapping/>
   </p:clrMapOvr>
-  <mc:AlternateContent xmlns:mc="http://schemas.openxmlformats.org/markup-compatibility/2006">
-    <mc:Choice xmlns:p14="http://schemas.microsoft.com/office/powerpoint/2010/main" Requires="p14">
-      <p:transition p14:dur="2000" advClick="1"/>
-    </mc:Choice>
-    <mc:Fallback>
-      <p:transition advClick="1"/>
-    </mc:Fallback>
-  </mc:AlternateContent>
 </p:sld>
 </file>
 
 <file path=ppt/slides/slide5.xml><?xml version="1.0" encoding="utf-8"?>
-<p:sld xmlns:a="http://schemas.openxmlformats.org/drawingml/2006/main" xmlns:r="http://schemas.openxmlformats.org/officeDocument/2006/relationships" xmlns:p="http://schemas.openxmlformats.org/presentationml/2006/main" xmlns:m="http://schemas.openxmlformats.org/officeDocument/2006/math" xmlns:w="http://schemas.openxmlformats.org/wordprocessingml/2006/main" showMasterPhAnim="0" showMasterSp="0" show="1">
-  <p:cSld name="">
+<p:sld xmlns:a="http://schemas.openxmlformats.org/drawingml/2006/main" xmlns:r="http://schemas.openxmlformats.org/officeDocument/2006/relationships" xmlns:p="http://schemas.openxmlformats.org/presentationml/2006/main" showMasterSp="0" showMasterPhAnim="0">
+  <p:cSld>
     <p:spTree>
       <p:nvGrpSpPr>
         <p:cNvPr id="1" name=""/>
@@ -10222,7 +9440,7 @@
             </a:pPr>
             <a:fld id="{E30B309A-D4E2-0742-10D1-CF203A329559}" type="slidenum">
               <a:rPr sz="2800"/>
-              <a:t/>
+              <a:t>5</a:t>
             </a:fld>
             <a:endParaRPr/>
           </a:p>
@@ -10363,807 +9581,7 @@
                 <a:latin typeface="Times New Roman"/>
                 <a:cs typeface="Times New Roman"/>
               </a:rPr>
-              <a:t>Веб-</a:t>
-            </a:r>
-            <a:r>
-              <a:rPr lang="ru-RU" sz="1800" b="0" i="0" u="none" strike="noStrike" cap="none" spc="0">
-                <a:solidFill>
-                  <a:schemeClr val="tx1"/>
-                </a:solidFill>
-                <a:latin typeface="Times New Roman"/>
-                <a:cs typeface="Times New Roman"/>
-              </a:rPr>
-              <a:t>гаманець</a:t>
-            </a:r>
-            <a:r>
-              <a:rPr lang="ru-RU" sz="1800" b="0" i="0" u="none" strike="noStrike" cap="none" spc="0">
-                <a:solidFill>
-                  <a:schemeClr val="tx1"/>
-                </a:solidFill>
-                <a:latin typeface="Times New Roman"/>
-                <a:cs typeface="Times New Roman"/>
-              </a:rPr>
-              <a:t> на </a:t>
-            </a:r>
-            <a:r>
-              <a:rPr lang="ru-RU" sz="1800" b="0" i="0" u="none" strike="noStrike" cap="none" spc="0">
-                <a:solidFill>
-                  <a:schemeClr val="tx1"/>
-                </a:solidFill>
-                <a:latin typeface="Times New Roman"/>
-                <a:cs typeface="Times New Roman"/>
-              </a:rPr>
-              <a:t>основі</a:t>
-            </a:r>
-            <a:r>
-              <a:rPr lang="ru-RU" sz="1800" b="0" i="0" u="none" strike="noStrike" cap="none" spc="0">
-                <a:solidFill>
-                  <a:schemeClr val="tx1"/>
-                </a:solidFill>
-                <a:latin typeface="Times New Roman"/>
-                <a:cs typeface="Times New Roman"/>
-              </a:rPr>
-              <a:t> блокчейну </a:t>
-            </a:r>
-            <a:r>
-              <a:rPr lang="ru-RU" sz="1800" b="0" i="0" u="none" strike="noStrike" cap="none" spc="0">
-                <a:solidFill>
-                  <a:schemeClr val="tx1"/>
-                </a:solidFill>
-                <a:latin typeface="Times New Roman"/>
-                <a:cs typeface="Times New Roman"/>
-              </a:rPr>
-              <a:t>дозволяє</a:t>
-            </a:r>
-            <a:r>
-              <a:rPr lang="ru-RU" sz="1800" b="0" i="0" u="none" strike="noStrike" cap="none" spc="0">
-                <a:solidFill>
-                  <a:schemeClr val="tx1"/>
-                </a:solidFill>
-                <a:latin typeface="Times New Roman"/>
-                <a:cs typeface="Times New Roman"/>
-              </a:rPr>
-              <a:t> </a:t>
-            </a:r>
-            <a:r>
-              <a:rPr lang="ru-RU" sz="1800" b="0" i="0" u="none" strike="noStrike" cap="none" spc="0">
-                <a:solidFill>
-                  <a:schemeClr val="tx1"/>
-                </a:solidFill>
-                <a:latin typeface="Times New Roman"/>
-                <a:cs typeface="Times New Roman"/>
-              </a:rPr>
-              <a:t>користувачам</a:t>
-            </a:r>
-            <a:r>
-              <a:rPr lang="ru-RU" sz="1800" b="0" i="0" u="none" strike="noStrike" cap="none" spc="0">
-                <a:solidFill>
-                  <a:schemeClr val="tx1"/>
-                </a:solidFill>
-                <a:latin typeface="Times New Roman"/>
-                <a:cs typeface="Times New Roman"/>
-              </a:rPr>
-              <a:t> легко </a:t>
-            </a:r>
-            <a:r>
-              <a:rPr lang="ru-RU" sz="1800" b="0" i="0" u="none" strike="noStrike" cap="none" spc="0">
-                <a:solidFill>
-                  <a:schemeClr val="tx1"/>
-                </a:solidFill>
-                <a:latin typeface="Times New Roman"/>
-                <a:cs typeface="Times New Roman"/>
-              </a:rPr>
-              <a:t>перевіряти</a:t>
-            </a:r>
-            <a:r>
-              <a:rPr lang="ru-RU" sz="1800" b="0" i="0" u="none" strike="noStrike" cap="none" spc="0">
-                <a:solidFill>
-                  <a:schemeClr val="tx1"/>
-                </a:solidFill>
-                <a:latin typeface="Times New Roman"/>
-                <a:cs typeface="Times New Roman"/>
-              </a:rPr>
-              <a:t> баланс </a:t>
-            </a:r>
-            <a:r>
-              <a:rPr lang="ru-RU" sz="1800" b="0" i="0" u="none" strike="noStrike" cap="none" spc="0">
-                <a:solidFill>
-                  <a:schemeClr val="tx1"/>
-                </a:solidFill>
-                <a:latin typeface="Times New Roman"/>
-                <a:cs typeface="Times New Roman"/>
-              </a:rPr>
-              <a:t>свого</a:t>
-            </a:r>
-            <a:r>
-              <a:rPr lang="ru-RU" sz="1800" b="0" i="0" u="none" strike="noStrike" cap="none" spc="0">
-                <a:solidFill>
-                  <a:schemeClr val="tx1"/>
-                </a:solidFill>
-                <a:latin typeface="Times New Roman"/>
-                <a:cs typeface="Times New Roman"/>
-              </a:rPr>
-              <a:t> </a:t>
-            </a:r>
-            <a:r>
-              <a:rPr lang="ru-RU" sz="1800" b="0" i="0" u="none" strike="noStrike" cap="none" spc="0">
-                <a:solidFill>
-                  <a:schemeClr val="tx1"/>
-                </a:solidFill>
-                <a:latin typeface="Times New Roman"/>
-                <a:cs typeface="Times New Roman"/>
-              </a:rPr>
-              <a:t>рахунку</a:t>
-            </a:r>
-            <a:r>
-              <a:rPr lang="ru-RU" sz="1800" b="0" i="0" u="none" strike="noStrike" cap="none" spc="0">
-                <a:solidFill>
-                  <a:schemeClr val="tx1"/>
-                </a:solidFill>
-                <a:latin typeface="Times New Roman"/>
-                <a:cs typeface="Times New Roman"/>
-              </a:rPr>
-              <a:t> та </a:t>
-            </a:r>
-            <a:r>
-              <a:rPr lang="ru-RU" sz="1800" b="0" i="0" u="none" strike="noStrike" cap="none" spc="0">
-                <a:solidFill>
-                  <a:schemeClr val="tx1"/>
-                </a:solidFill>
-                <a:latin typeface="Times New Roman"/>
-                <a:cs typeface="Times New Roman"/>
-              </a:rPr>
-              <a:t>створювати</a:t>
-            </a:r>
-            <a:r>
-              <a:rPr lang="ru-RU" sz="1800" b="0" i="0" u="none" strike="noStrike" cap="none" spc="0">
-                <a:solidFill>
-                  <a:schemeClr val="tx1"/>
-                </a:solidFill>
-                <a:latin typeface="Times New Roman"/>
-                <a:cs typeface="Times New Roman"/>
-              </a:rPr>
-              <a:t> </a:t>
-            </a:r>
-            <a:r>
-              <a:rPr lang="ru-RU" sz="1800" b="0" i="0" u="none" strike="noStrike" cap="none" spc="0">
-                <a:solidFill>
-                  <a:schemeClr val="tx1"/>
-                </a:solidFill>
-                <a:latin typeface="Times New Roman"/>
-                <a:cs typeface="Times New Roman"/>
-              </a:rPr>
-              <a:t>транзакції</a:t>
-            </a:r>
-            <a:r>
-              <a:rPr lang="ru-RU" sz="1800" b="0" i="0" u="none" strike="noStrike" cap="none" spc="0">
-                <a:solidFill>
-                  <a:schemeClr val="tx1"/>
-                </a:solidFill>
-                <a:latin typeface="Times New Roman"/>
-                <a:cs typeface="Times New Roman"/>
-              </a:rPr>
-              <a:t>. </a:t>
-            </a:r>
-            <a:r>
-              <a:rPr lang="ru-RU" sz="1800" b="0" i="0" u="none" strike="noStrike" cap="none" spc="0">
-                <a:solidFill>
-                  <a:schemeClr val="tx1"/>
-                </a:solidFill>
-                <a:latin typeface="Times New Roman"/>
-                <a:cs typeface="Times New Roman"/>
-              </a:rPr>
-              <a:t>Користувачі</a:t>
-            </a:r>
-            <a:r>
-              <a:rPr lang="ru-RU" sz="1800" b="0" i="0" u="none" strike="noStrike" cap="none" spc="0">
-                <a:solidFill>
-                  <a:schemeClr val="tx1"/>
-                </a:solidFill>
-                <a:latin typeface="Times New Roman"/>
-                <a:cs typeface="Times New Roman"/>
-              </a:rPr>
-              <a:t> </a:t>
-            </a:r>
-            <a:r>
-              <a:rPr lang="ru-RU" sz="1800" b="0" i="0" u="none" strike="noStrike" cap="none" spc="0">
-                <a:solidFill>
-                  <a:schemeClr val="tx1"/>
-                </a:solidFill>
-                <a:latin typeface="Times New Roman"/>
-                <a:cs typeface="Times New Roman"/>
-              </a:rPr>
-              <a:t>можуть</a:t>
-            </a:r>
-            <a:r>
-              <a:rPr lang="ru-RU" sz="1800" b="0" i="0" u="none" strike="noStrike" cap="none" spc="0">
-                <a:solidFill>
-                  <a:schemeClr val="tx1"/>
-                </a:solidFill>
-                <a:latin typeface="Times New Roman"/>
-                <a:cs typeface="Times New Roman"/>
-              </a:rPr>
-              <a:t> </a:t>
-            </a:r>
-            <a:r>
-              <a:rPr lang="ru-RU" sz="1800" b="0" i="0" u="none" strike="noStrike" cap="none" spc="0">
-                <a:solidFill>
-                  <a:schemeClr val="tx1"/>
-                </a:solidFill>
-                <a:latin typeface="Times New Roman"/>
-                <a:cs typeface="Times New Roman"/>
-              </a:rPr>
-              <a:t>отримати</a:t>
-            </a:r>
-            <a:r>
-              <a:rPr lang="ru-RU" sz="1800" b="0" i="0" u="none" strike="noStrike" cap="none" spc="0">
-                <a:solidFill>
-                  <a:schemeClr val="tx1"/>
-                </a:solidFill>
-                <a:latin typeface="Times New Roman"/>
-                <a:cs typeface="Times New Roman"/>
-              </a:rPr>
-              <a:t> </a:t>
-            </a:r>
-            <a:r>
-              <a:rPr lang="ru-RU" sz="1800" b="0" i="0" u="none" strike="noStrike" cap="none" spc="0">
-                <a:solidFill>
-                  <a:schemeClr val="tx1"/>
-                </a:solidFill>
-                <a:latin typeface="Times New Roman"/>
-                <a:cs typeface="Times New Roman"/>
-              </a:rPr>
-              <a:t>безпечний</a:t>
-            </a:r>
-            <a:r>
-              <a:rPr lang="ru-RU" sz="1800" b="0" i="0" u="none" strike="noStrike" cap="none" spc="0">
-                <a:solidFill>
-                  <a:schemeClr val="tx1"/>
-                </a:solidFill>
-                <a:latin typeface="Times New Roman"/>
-                <a:cs typeface="Times New Roman"/>
-              </a:rPr>
-              <a:t> доступ до </a:t>
-            </a:r>
-            <a:r>
-              <a:rPr lang="ru-RU" sz="1800" b="0" i="0" u="none" strike="noStrike" cap="none" spc="0">
-                <a:solidFill>
-                  <a:schemeClr val="tx1"/>
-                </a:solidFill>
-                <a:latin typeface="Times New Roman"/>
-                <a:cs typeface="Times New Roman"/>
-              </a:rPr>
-              <a:t>гаманця</a:t>
-            </a:r>
-            <a:r>
-              <a:rPr lang="ru-RU" sz="1800" b="0" i="0" u="none" strike="noStrike" cap="none" spc="0">
-                <a:solidFill>
-                  <a:schemeClr val="tx1"/>
-                </a:solidFill>
-                <a:latin typeface="Times New Roman"/>
-                <a:cs typeface="Times New Roman"/>
-              </a:rPr>
-              <a:t>, </a:t>
-            </a:r>
-            <a:r>
-              <a:rPr lang="ru-RU" sz="1800" b="0" i="0" u="none" strike="noStrike" cap="none" spc="0">
-                <a:solidFill>
-                  <a:schemeClr val="tx1"/>
-                </a:solidFill>
-                <a:latin typeface="Times New Roman"/>
-                <a:cs typeface="Times New Roman"/>
-              </a:rPr>
-              <a:t>переглянути</a:t>
-            </a:r>
-            <a:r>
-              <a:rPr lang="ru-RU" sz="1800" b="0" i="0" u="none" strike="noStrike" cap="none" spc="0">
-                <a:solidFill>
-                  <a:schemeClr val="tx1"/>
-                </a:solidFill>
-                <a:latin typeface="Times New Roman"/>
-                <a:cs typeface="Times New Roman"/>
-              </a:rPr>
-              <a:t> </a:t>
-            </a:r>
-            <a:r>
-              <a:rPr lang="ru-RU" sz="1800" b="0" i="0" u="none" strike="noStrike" cap="none" spc="0">
-                <a:solidFill>
-                  <a:schemeClr val="tx1"/>
-                </a:solidFill>
-                <a:latin typeface="Times New Roman"/>
-                <a:cs typeface="Times New Roman"/>
-              </a:rPr>
-              <a:t>свій</a:t>
-            </a:r>
-            <a:r>
-              <a:rPr lang="ru-RU" sz="1800" b="0" i="0" u="none" strike="noStrike" cap="none" spc="0">
-                <a:solidFill>
-                  <a:schemeClr val="tx1"/>
-                </a:solidFill>
-                <a:latin typeface="Times New Roman"/>
-                <a:cs typeface="Times New Roman"/>
-              </a:rPr>
-              <a:t> баланс, </a:t>
-            </a:r>
-            <a:r>
-              <a:rPr lang="ru-RU" sz="1800" b="0" i="0" u="none" strike="noStrike" cap="none" spc="0">
-                <a:solidFill>
-                  <a:schemeClr val="tx1"/>
-                </a:solidFill>
-                <a:latin typeface="Times New Roman"/>
-                <a:cs typeface="Times New Roman"/>
-              </a:rPr>
-              <a:t>дані</a:t>
-            </a:r>
-            <a:r>
-              <a:rPr lang="ru-RU" sz="1800" b="0" i="0" u="none" strike="noStrike" cap="none" spc="0">
-                <a:solidFill>
-                  <a:schemeClr val="tx1"/>
-                </a:solidFill>
-                <a:latin typeface="Times New Roman"/>
-                <a:cs typeface="Times New Roman"/>
-              </a:rPr>
-              <a:t> </a:t>
-            </a:r>
-            <a:r>
-              <a:rPr lang="ru-RU" sz="1800" b="0" i="0" u="none" strike="noStrike" cap="none" spc="0">
-                <a:solidFill>
-                  <a:schemeClr val="tx1"/>
-                </a:solidFill>
-                <a:latin typeface="Times New Roman"/>
-                <a:cs typeface="Times New Roman"/>
-              </a:rPr>
-              <a:t>відправника</a:t>
-            </a:r>
-            <a:r>
-              <a:rPr lang="ru-RU" sz="1800" b="0" i="0" u="none" strike="noStrike" cap="none" spc="0">
-                <a:solidFill>
-                  <a:schemeClr val="tx1"/>
-                </a:solidFill>
-                <a:latin typeface="Times New Roman"/>
-                <a:cs typeface="Times New Roman"/>
-              </a:rPr>
-              <a:t> та </a:t>
-            </a:r>
-            <a:r>
-              <a:rPr lang="ru-RU" sz="1800" b="0" i="0" u="none" strike="noStrike" cap="none" spc="0">
-                <a:solidFill>
-                  <a:schemeClr val="tx1"/>
-                </a:solidFill>
-                <a:latin typeface="Times New Roman"/>
-                <a:cs typeface="Times New Roman"/>
-              </a:rPr>
-              <a:t>суми</a:t>
-            </a:r>
-            <a:r>
-              <a:rPr lang="ru-RU" sz="1800" b="0" i="0" u="none" strike="noStrike" cap="none" spc="0">
-                <a:solidFill>
-                  <a:schemeClr val="tx1"/>
-                </a:solidFill>
-                <a:latin typeface="Times New Roman"/>
-                <a:cs typeface="Times New Roman"/>
-              </a:rPr>
-              <a:t> </a:t>
-            </a:r>
-            <a:r>
-              <a:rPr lang="ru-RU" sz="1800" b="0" i="0" u="none" strike="noStrike" cap="none" spc="0">
-                <a:solidFill>
-                  <a:schemeClr val="tx1"/>
-                </a:solidFill>
-                <a:latin typeface="Times New Roman"/>
-                <a:cs typeface="Times New Roman"/>
-              </a:rPr>
-              <a:t>транзакцій</a:t>
-            </a:r>
-            <a:r>
-              <a:rPr lang="ru-RU" sz="1800" b="0" i="0" u="none" strike="noStrike" cap="none" spc="0">
-                <a:solidFill>
-                  <a:schemeClr val="tx1"/>
-                </a:solidFill>
-                <a:latin typeface="Times New Roman"/>
-                <a:cs typeface="Times New Roman"/>
-              </a:rPr>
-              <a:t>. Вони </a:t>
-            </a:r>
-            <a:r>
-              <a:rPr lang="ru-RU" sz="1800" b="0" i="0" u="none" strike="noStrike" cap="none" spc="0">
-                <a:solidFill>
-                  <a:schemeClr val="tx1"/>
-                </a:solidFill>
-                <a:latin typeface="Times New Roman"/>
-                <a:cs typeface="Times New Roman"/>
-              </a:rPr>
-              <a:t>також</a:t>
-            </a:r>
-            <a:r>
-              <a:rPr lang="ru-RU" sz="1800" b="0" i="0" u="none" strike="noStrike" cap="none" spc="0">
-                <a:solidFill>
-                  <a:schemeClr val="tx1"/>
-                </a:solidFill>
-                <a:latin typeface="Times New Roman"/>
-                <a:cs typeface="Times New Roman"/>
-              </a:rPr>
-              <a:t> </a:t>
-            </a:r>
-            <a:r>
-              <a:rPr lang="ru-RU" sz="1800" b="0" i="0" u="none" strike="noStrike" cap="none" spc="0">
-                <a:solidFill>
-                  <a:schemeClr val="tx1"/>
-                </a:solidFill>
-                <a:latin typeface="Times New Roman"/>
-                <a:cs typeface="Times New Roman"/>
-              </a:rPr>
-              <a:t>можуть</a:t>
-            </a:r>
-            <a:r>
-              <a:rPr lang="ru-RU" sz="1800" b="0" i="0" u="none" strike="noStrike" cap="none" spc="0">
-                <a:solidFill>
-                  <a:schemeClr val="tx1"/>
-                </a:solidFill>
-                <a:latin typeface="Times New Roman"/>
-                <a:cs typeface="Times New Roman"/>
-              </a:rPr>
-              <a:t> </a:t>
-            </a:r>
-            <a:r>
-              <a:rPr lang="ru-RU" sz="1800" b="0" i="0" u="none" strike="noStrike" cap="none" spc="0">
-                <a:solidFill>
-                  <a:schemeClr val="tx1"/>
-                </a:solidFill>
-                <a:latin typeface="Times New Roman"/>
-                <a:cs typeface="Times New Roman"/>
-              </a:rPr>
-              <a:t>ініціювати</a:t>
-            </a:r>
-            <a:r>
-              <a:rPr lang="ru-RU" sz="1800" b="0" i="0" u="none" strike="noStrike" cap="none" spc="0">
-                <a:solidFill>
-                  <a:schemeClr val="tx1"/>
-                </a:solidFill>
-                <a:latin typeface="Times New Roman"/>
-                <a:cs typeface="Times New Roman"/>
-              </a:rPr>
-              <a:t> </a:t>
-            </a:r>
-            <a:r>
-              <a:rPr lang="ru-RU" sz="1800" b="0" i="0" u="none" strike="noStrike" cap="none" spc="0">
-                <a:solidFill>
-                  <a:schemeClr val="tx1"/>
-                </a:solidFill>
-                <a:latin typeface="Times New Roman"/>
-                <a:cs typeface="Times New Roman"/>
-              </a:rPr>
-              <a:t>перекази</a:t>
-            </a:r>
-            <a:r>
-              <a:rPr lang="ru-RU" sz="1800" b="0" i="0" u="none" strike="noStrike" cap="none" spc="0">
-                <a:solidFill>
-                  <a:schemeClr val="tx1"/>
-                </a:solidFill>
-                <a:latin typeface="Times New Roman"/>
-                <a:cs typeface="Times New Roman"/>
-              </a:rPr>
-              <a:t> </a:t>
-            </a:r>
-            <a:r>
-              <a:rPr lang="ru-RU" sz="1800" b="0" i="0" u="none" strike="noStrike" cap="none" spc="0">
-                <a:solidFill>
-                  <a:schemeClr val="tx1"/>
-                </a:solidFill>
-                <a:latin typeface="Times New Roman"/>
-                <a:cs typeface="Times New Roman"/>
-              </a:rPr>
-              <a:t>іншим</a:t>
-            </a:r>
-            <a:r>
-              <a:rPr lang="ru-RU" sz="1800" b="0" i="0" u="none" strike="noStrike" cap="none" spc="0">
-                <a:solidFill>
-                  <a:schemeClr val="tx1"/>
-                </a:solidFill>
-                <a:latin typeface="Times New Roman"/>
-                <a:cs typeface="Times New Roman"/>
-              </a:rPr>
-              <a:t> </a:t>
-            </a:r>
-            <a:r>
-              <a:rPr lang="ru-RU" sz="1800" b="0" i="0" u="none" strike="noStrike" cap="none" spc="0">
-                <a:solidFill>
-                  <a:schemeClr val="tx1"/>
-                </a:solidFill>
-                <a:latin typeface="Times New Roman"/>
-                <a:cs typeface="Times New Roman"/>
-              </a:rPr>
-              <a:t>користувачам</a:t>
-            </a:r>
-            <a:r>
-              <a:rPr lang="ru-RU" sz="1800" b="0" i="0" u="none" strike="noStrike" cap="none" spc="0">
-                <a:solidFill>
-                  <a:schemeClr val="tx1"/>
-                </a:solidFill>
-                <a:latin typeface="Times New Roman"/>
-                <a:cs typeface="Times New Roman"/>
-              </a:rPr>
-              <a:t>, а система </a:t>
-            </a:r>
-            <a:r>
-              <a:rPr lang="ru-RU" sz="1800" b="0" i="0" u="none" strike="noStrike" cap="none" spc="0">
-                <a:solidFill>
-                  <a:schemeClr val="tx1"/>
-                </a:solidFill>
-                <a:latin typeface="Times New Roman"/>
-                <a:cs typeface="Times New Roman"/>
-              </a:rPr>
-              <a:t>надає</a:t>
-            </a:r>
-            <a:r>
-              <a:rPr lang="ru-RU" sz="1800" b="0" i="0" u="none" strike="noStrike" cap="none" spc="0">
-                <a:solidFill>
-                  <a:schemeClr val="tx1"/>
-                </a:solidFill>
-                <a:latin typeface="Times New Roman"/>
-                <a:cs typeface="Times New Roman"/>
-              </a:rPr>
-              <a:t> </a:t>
-            </a:r>
-            <a:r>
-              <a:rPr lang="ru-RU" sz="1800" b="0" i="0" u="none" strike="noStrike" cap="none" spc="0">
-                <a:solidFill>
-                  <a:schemeClr val="tx1"/>
-                </a:solidFill>
-                <a:latin typeface="Times New Roman"/>
-                <a:cs typeface="Times New Roman"/>
-              </a:rPr>
-              <a:t>зворотній</a:t>
-            </a:r>
-            <a:r>
-              <a:rPr lang="ru-RU" sz="1800" b="0" i="0" u="none" strike="noStrike" cap="none" spc="0">
-                <a:solidFill>
-                  <a:schemeClr val="tx1"/>
-                </a:solidFill>
-                <a:latin typeface="Times New Roman"/>
-                <a:cs typeface="Times New Roman"/>
-              </a:rPr>
-              <a:t> </a:t>
-            </a:r>
-            <a:r>
-              <a:rPr lang="ru-RU" sz="1800" b="0" i="0" u="none" strike="noStrike" cap="none" spc="0">
-                <a:solidFill>
-                  <a:schemeClr val="tx1"/>
-                </a:solidFill>
-                <a:latin typeface="Times New Roman"/>
-                <a:cs typeface="Times New Roman"/>
-              </a:rPr>
-              <a:t>зв'язок</a:t>
-            </a:r>
-            <a:r>
-              <a:rPr lang="ru-RU" sz="1800" b="0" i="0" u="none" strike="noStrike" cap="none" spc="0">
-                <a:solidFill>
-                  <a:schemeClr val="tx1"/>
-                </a:solidFill>
-                <a:latin typeface="Times New Roman"/>
-                <a:cs typeface="Times New Roman"/>
-              </a:rPr>
-              <a:t> у </a:t>
-            </a:r>
-            <a:r>
-              <a:rPr lang="ru-RU" sz="1800" b="0" i="0" u="none" strike="noStrike" cap="none" spc="0">
-                <a:solidFill>
-                  <a:schemeClr val="tx1"/>
-                </a:solidFill>
-                <a:latin typeface="Times New Roman"/>
-                <a:cs typeface="Times New Roman"/>
-              </a:rPr>
-              <a:t>разі</a:t>
-            </a:r>
-            <a:r>
-              <a:rPr lang="ru-RU" sz="1800" b="0" i="0" u="none" strike="noStrike" cap="none" spc="0">
-                <a:solidFill>
-                  <a:schemeClr val="tx1"/>
-                </a:solidFill>
-                <a:latin typeface="Times New Roman"/>
-                <a:cs typeface="Times New Roman"/>
-              </a:rPr>
-              <a:t> </a:t>
-            </a:r>
-            <a:r>
-              <a:rPr lang="ru-RU" sz="1800" b="0" i="0" u="none" strike="noStrike" cap="none" spc="0">
-                <a:solidFill>
-                  <a:schemeClr val="tx1"/>
-                </a:solidFill>
-                <a:latin typeface="Times New Roman"/>
-                <a:cs typeface="Times New Roman"/>
-              </a:rPr>
-              <a:t>введення</a:t>
-            </a:r>
-            <a:r>
-              <a:rPr lang="ru-RU" sz="1800" b="0" i="0" u="none" strike="noStrike" cap="none" spc="0">
-                <a:solidFill>
-                  <a:schemeClr val="tx1"/>
-                </a:solidFill>
-                <a:latin typeface="Times New Roman"/>
-                <a:cs typeface="Times New Roman"/>
-              </a:rPr>
-              <a:t> </a:t>
-            </a:r>
-            <a:r>
-              <a:rPr lang="ru-RU" sz="1800" b="0" i="0" u="none" strike="noStrike" cap="none" spc="0">
-                <a:solidFill>
-                  <a:schemeClr val="tx1"/>
-                </a:solidFill>
-                <a:latin typeface="Times New Roman"/>
-                <a:cs typeface="Times New Roman"/>
-              </a:rPr>
-              <a:t>невірної</a:t>
-            </a:r>
-            <a:r>
-              <a:rPr lang="ru-RU" sz="1800" b="0" i="0" u="none" strike="noStrike" cap="none" spc="0">
-                <a:solidFill>
-                  <a:schemeClr val="tx1"/>
-                </a:solidFill>
-                <a:latin typeface="Times New Roman"/>
-                <a:cs typeface="Times New Roman"/>
-              </a:rPr>
-              <a:t> </a:t>
-            </a:r>
-            <a:r>
-              <a:rPr lang="ru-RU" sz="1800" b="0" i="0" u="none" strike="noStrike" cap="none" spc="0">
-                <a:solidFill>
-                  <a:schemeClr val="tx1"/>
-                </a:solidFill>
-                <a:latin typeface="Times New Roman"/>
-                <a:cs typeface="Times New Roman"/>
-              </a:rPr>
-              <a:t>або</a:t>
-            </a:r>
-            <a:r>
-              <a:rPr lang="ru-RU" sz="1800" b="0" i="0" u="none" strike="noStrike" cap="none" spc="0">
-                <a:solidFill>
-                  <a:schemeClr val="tx1"/>
-                </a:solidFill>
-                <a:latin typeface="Times New Roman"/>
-                <a:cs typeface="Times New Roman"/>
-              </a:rPr>
-              <a:t> </a:t>
-            </a:r>
-            <a:r>
-              <a:rPr lang="ru-RU" sz="1800" b="0" i="0" u="none" strike="noStrike" cap="none" spc="0">
-                <a:solidFill>
-                  <a:schemeClr val="tx1"/>
-                </a:solidFill>
-                <a:latin typeface="Times New Roman"/>
-                <a:cs typeface="Times New Roman"/>
-              </a:rPr>
-              <a:t>неповної</a:t>
-            </a:r>
-            <a:r>
-              <a:rPr lang="ru-RU" sz="1800" b="0" i="0" u="none" strike="noStrike" cap="none" spc="0">
-                <a:solidFill>
-                  <a:schemeClr val="tx1"/>
-                </a:solidFill>
-                <a:latin typeface="Times New Roman"/>
-                <a:cs typeface="Times New Roman"/>
-              </a:rPr>
-              <a:t> </a:t>
-            </a:r>
-            <a:r>
-              <a:rPr lang="ru-RU" sz="1800" b="0" i="0" u="none" strike="noStrike" cap="none" spc="0">
-                <a:solidFill>
-                  <a:schemeClr val="tx1"/>
-                </a:solidFill>
-                <a:latin typeface="Times New Roman"/>
-                <a:cs typeface="Times New Roman"/>
-              </a:rPr>
-              <a:t>інформації</a:t>
-            </a:r>
-            <a:r>
-              <a:rPr lang="ru-RU" sz="1800" b="0" i="0" u="none" strike="noStrike" cap="none" spc="0">
-                <a:solidFill>
-                  <a:schemeClr val="tx1"/>
-                </a:solidFill>
-                <a:latin typeface="Times New Roman"/>
-                <a:cs typeface="Times New Roman"/>
-              </a:rPr>
-              <a:t>, </a:t>
-            </a:r>
-            <a:r>
-              <a:rPr lang="ru-RU" sz="1800" b="0" i="0" u="none" strike="noStrike" cap="none" spc="0">
-                <a:solidFill>
-                  <a:schemeClr val="tx1"/>
-                </a:solidFill>
-                <a:latin typeface="Times New Roman"/>
-                <a:cs typeface="Times New Roman"/>
-              </a:rPr>
-              <a:t>щоб</a:t>
-            </a:r>
-            <a:r>
-              <a:rPr lang="ru-RU" sz="1800" b="0" i="0" u="none" strike="noStrike" cap="none" spc="0">
-                <a:solidFill>
-                  <a:schemeClr val="tx1"/>
-                </a:solidFill>
-                <a:latin typeface="Times New Roman"/>
-                <a:cs typeface="Times New Roman"/>
-              </a:rPr>
-              <a:t> </a:t>
-            </a:r>
-            <a:r>
-              <a:rPr lang="ru-RU" sz="1800" b="0" i="0" u="none" strike="noStrike" cap="none" spc="0">
-                <a:solidFill>
-                  <a:schemeClr val="tx1"/>
-                </a:solidFill>
-                <a:latin typeface="Times New Roman"/>
-                <a:cs typeface="Times New Roman"/>
-              </a:rPr>
-              <a:t>забезпечити</a:t>
-            </a:r>
-            <a:r>
-              <a:rPr lang="ru-RU" sz="1800" b="0" i="0" u="none" strike="noStrike" cap="none" spc="0">
-                <a:solidFill>
-                  <a:schemeClr val="tx1"/>
-                </a:solidFill>
-                <a:latin typeface="Times New Roman"/>
-                <a:cs typeface="Times New Roman"/>
-              </a:rPr>
-              <a:t> </a:t>
-            </a:r>
-            <a:r>
-              <a:rPr lang="ru-RU" sz="1800" b="0" i="0" u="none" strike="noStrike" cap="none" spc="0">
-                <a:solidFill>
-                  <a:schemeClr val="tx1"/>
-                </a:solidFill>
-                <a:latin typeface="Times New Roman"/>
-                <a:cs typeface="Times New Roman"/>
-              </a:rPr>
-              <a:t>безпеку</a:t>
-            </a:r>
-            <a:r>
-              <a:rPr lang="ru-RU" sz="1800" b="0" i="0" u="none" strike="noStrike" cap="none" spc="0">
-                <a:solidFill>
-                  <a:schemeClr val="tx1"/>
-                </a:solidFill>
-                <a:latin typeface="Times New Roman"/>
-                <a:cs typeface="Times New Roman"/>
-              </a:rPr>
-              <a:t> та </a:t>
-            </a:r>
-            <a:r>
-              <a:rPr lang="ru-RU" sz="1800" b="0" i="0" u="none" strike="noStrike" cap="none" spc="0">
-                <a:solidFill>
-                  <a:schemeClr val="tx1"/>
-                </a:solidFill>
-                <a:latin typeface="Times New Roman"/>
-                <a:cs typeface="Times New Roman"/>
-              </a:rPr>
-              <a:t>ефективність</a:t>
-            </a:r>
-            <a:r>
-              <a:rPr lang="ru-RU" sz="1800" b="0" i="0" u="none" strike="noStrike" cap="none" spc="0">
-                <a:solidFill>
-                  <a:schemeClr val="tx1"/>
-                </a:solidFill>
-                <a:latin typeface="Times New Roman"/>
-                <a:cs typeface="Times New Roman"/>
-              </a:rPr>
-              <a:t> </a:t>
-            </a:r>
-            <a:r>
-              <a:rPr lang="ru-RU" sz="1800" b="0" i="0" u="none" strike="noStrike" cap="none" spc="0">
-                <a:solidFill>
-                  <a:schemeClr val="tx1"/>
-                </a:solidFill>
-                <a:latin typeface="Times New Roman"/>
-                <a:cs typeface="Times New Roman"/>
-              </a:rPr>
-              <a:t>транзакцій</a:t>
-            </a:r>
-            <a:r>
-              <a:rPr lang="ru-RU" sz="1800" b="0" i="0" u="none" strike="noStrike" cap="none" spc="0">
-                <a:solidFill>
-                  <a:schemeClr val="tx1"/>
-                </a:solidFill>
-                <a:latin typeface="Times New Roman"/>
-                <a:cs typeface="Times New Roman"/>
-              </a:rPr>
-              <a:t>.</a:t>
+              <a:t>Веб-гаманець на основі блокчейну дозволяє користувачам легко перевіряти баланс свого рахунку та створювати транзакції. Користувачі можуть отримати безпечний доступ до гаманця, переглянути свій баланс, дані відправника та суми транзакцій. Вони також можуть ініціювати перекази іншим користувачам, а система надає зворотній зв'язок у разі введення невірної або неповної інформації, щоб забезпечити безпеку та ефективність транзакцій.</a:t>
             </a:r>
             <a:endParaRPr>
               <a:latin typeface="Times New Roman"/>
@@ -11177,20 +9595,12 @@
   <p:clrMapOvr>
     <a:masterClrMapping/>
   </p:clrMapOvr>
-  <mc:AlternateContent xmlns:mc="http://schemas.openxmlformats.org/markup-compatibility/2006">
-    <mc:Choice xmlns:p14="http://schemas.microsoft.com/office/powerpoint/2010/main" Requires="p14">
-      <p:transition p14:dur="2000" advClick="1"/>
-    </mc:Choice>
-    <mc:Fallback>
-      <p:transition advClick="1"/>
-    </mc:Fallback>
-  </mc:AlternateContent>
 </p:sld>
 </file>
 
 <file path=ppt/slides/slide6.xml><?xml version="1.0" encoding="utf-8"?>
-<p:sld xmlns:a="http://schemas.openxmlformats.org/drawingml/2006/main" xmlns:r="http://schemas.openxmlformats.org/officeDocument/2006/relationships" xmlns:p="http://schemas.openxmlformats.org/presentationml/2006/main" xmlns:m="http://schemas.openxmlformats.org/officeDocument/2006/math" xmlns:w="http://schemas.openxmlformats.org/wordprocessingml/2006/main" showMasterPhAnim="0" showMasterSp="0" show="1">
-  <p:cSld name="">
+<p:sld xmlns:a="http://schemas.openxmlformats.org/drawingml/2006/main" xmlns:r="http://schemas.openxmlformats.org/officeDocument/2006/relationships" xmlns:p="http://schemas.openxmlformats.org/presentationml/2006/main" showMasterSp="0" showMasterPhAnim="0">
+  <p:cSld>
     <p:spTree>
       <p:nvGrpSpPr>
         <p:cNvPr id="1" name=""/>
@@ -11299,7 +9709,7 @@
             </a:pPr>
             <a:fld id="{F0DE9C11-6235-09BC-BB40-2342D69C24F4}" type="slidenum">
               <a:rPr sz="2800"/>
-              <a:t/>
+              <a:t>6</a:t>
             </a:fld>
             <a:endParaRPr/>
           </a:p>
@@ -11412,20 +9822,12 @@
   <p:clrMapOvr>
     <a:masterClrMapping/>
   </p:clrMapOvr>
-  <mc:AlternateContent xmlns:mc="http://schemas.openxmlformats.org/markup-compatibility/2006">
-    <mc:Choice xmlns:p14="http://schemas.microsoft.com/office/powerpoint/2010/main" Requires="p14">
-      <p:transition p14:dur="2000" advClick="1"/>
-    </mc:Choice>
-    <mc:Fallback>
-      <p:transition advClick="1"/>
-    </mc:Fallback>
-  </mc:AlternateContent>
 </p:sld>
 </file>
 
 <file path=ppt/slides/slide7.xml><?xml version="1.0" encoding="utf-8"?>
-<p:sld xmlns:a="http://schemas.openxmlformats.org/drawingml/2006/main" xmlns:r="http://schemas.openxmlformats.org/officeDocument/2006/relationships" xmlns:p="http://schemas.openxmlformats.org/presentationml/2006/main" xmlns:m="http://schemas.openxmlformats.org/officeDocument/2006/math" xmlns:w="http://schemas.openxmlformats.org/wordprocessingml/2006/main" showMasterPhAnim="0" showMasterSp="0" show="1">
-  <p:cSld name="">
+<p:sld xmlns:a="http://schemas.openxmlformats.org/drawingml/2006/main" xmlns:r="http://schemas.openxmlformats.org/officeDocument/2006/relationships" xmlns:p="http://schemas.openxmlformats.org/presentationml/2006/main" showMasterSp="0" showMasterPhAnim="0">
+  <p:cSld>
     <p:spTree>
       <p:nvGrpSpPr>
         <p:cNvPr id="1" name=""/>
@@ -11534,7 +9936,7 @@
             </a:pPr>
             <a:fld id="{EAFA53F4-7FB4-AE4B-1D46-CBC0E5FF6C1D}" type="slidenum">
               <a:rPr sz="2800"/>
-              <a:t/>
+              <a:t>7</a:t>
             </a:fld>
             <a:endParaRPr/>
           </a:p>
@@ -11637,62 +10039,7 @@
                 <a:ea typeface="+mn-ea"/>
                 <a:cs typeface="Roboto"/>
               </a:rPr>
-              <a:t>UML </a:t>
-            </a:r>
-            <a:r>
-              <a:rPr lang="ru-RU" sz="3200" b="0" i="0" u="none" strike="noStrike" cap="none" spc="0">
-                <a:solidFill>
-                  <a:schemeClr val="tx1"/>
-                </a:solidFill>
-                <a:latin typeface="Roboto"/>
-                <a:ea typeface="+mn-ea"/>
-                <a:cs typeface="Roboto"/>
-              </a:rPr>
-              <a:t>diagram</a:t>
-            </a:r>
-            <a:r>
-              <a:rPr lang="ru-RU" sz="3200" b="0" i="0" u="none" strike="noStrike" cap="none" spc="0">
-                <a:solidFill>
-                  <a:schemeClr val="tx1"/>
-                </a:solidFill>
-                <a:latin typeface="Roboto"/>
-                <a:ea typeface="+mn-ea"/>
-                <a:cs typeface="Roboto"/>
-              </a:rPr>
-              <a:t> </a:t>
-            </a:r>
-            <a:r>
-              <a:rPr lang="ru-RU" sz="3200" b="0" i="0" u="none" strike="noStrike" cap="none" spc="0">
-                <a:solidFill>
-                  <a:schemeClr val="tx1"/>
-                </a:solidFill>
-                <a:latin typeface="Roboto"/>
-                <a:ea typeface="+mn-ea"/>
-                <a:cs typeface="Roboto"/>
-              </a:rPr>
-              <a:t>of</a:t>
-            </a:r>
-            <a:r>
-              <a:rPr lang="ru-RU" sz="3200" b="0" i="0" u="none" strike="noStrike" cap="none" spc="0">
-                <a:solidFill>
-                  <a:schemeClr val="tx1"/>
-                </a:solidFill>
-                <a:latin typeface="Roboto"/>
-                <a:ea typeface="+mn-ea"/>
-                <a:cs typeface="Roboto"/>
-              </a:rPr>
-              <a:t> </a:t>
-            </a:r>
-            <a:r>
-              <a:rPr lang="ru-RU" sz="3200" b="0" i="0" u="none" strike="noStrike" cap="none" spc="0">
-                <a:solidFill>
-                  <a:schemeClr val="tx1"/>
-                </a:solidFill>
-                <a:latin typeface="Roboto"/>
-                <a:ea typeface="+mn-ea"/>
-                <a:cs typeface="Roboto"/>
-              </a:rPr>
-              <a:t>сomponents</a:t>
+              <a:t>UML diagram of сomponents</a:t>
             </a:r>
             <a:endParaRPr sz="3200" b="1">
               <a:latin typeface="Roboto"/>
@@ -11734,1307 +10081,7 @@
                 <a:latin typeface="Times New Roman"/>
                 <a:cs typeface="Times New Roman"/>
               </a:rPr>
-              <a:t>Наш веб-</a:t>
-            </a:r>
-            <a:r>
-              <a:rPr lang="ru-RU" sz="1800" b="0" i="0" u="none" strike="noStrike" cap="none" spc="0">
-                <a:solidFill>
-                  <a:schemeClr val="tx1"/>
-                </a:solidFill>
-                <a:latin typeface="Times New Roman"/>
-                <a:cs typeface="Times New Roman"/>
-              </a:rPr>
-              <a:t>гаманець</a:t>
-            </a:r>
-            <a:r>
-              <a:rPr lang="ru-RU" sz="1800" b="0" i="0" u="none" strike="noStrike" cap="none" spc="0">
-                <a:solidFill>
-                  <a:schemeClr val="tx1"/>
-                </a:solidFill>
-                <a:latin typeface="Times New Roman"/>
-                <a:cs typeface="Times New Roman"/>
-              </a:rPr>
-              <a:t> на </a:t>
-            </a:r>
-            <a:r>
-              <a:rPr lang="ru-RU" sz="1800" b="0" i="0" u="none" strike="noStrike" cap="none" spc="0">
-                <a:solidFill>
-                  <a:schemeClr val="tx1"/>
-                </a:solidFill>
-                <a:latin typeface="Times New Roman"/>
-                <a:cs typeface="Times New Roman"/>
-              </a:rPr>
-              <a:t>основі</a:t>
-            </a:r>
-            <a:r>
-              <a:rPr lang="ru-RU" sz="1800" b="0" i="0" u="none" strike="noStrike" cap="none" spc="0">
-                <a:solidFill>
-                  <a:schemeClr val="tx1"/>
-                </a:solidFill>
-                <a:latin typeface="Times New Roman"/>
-                <a:cs typeface="Times New Roman"/>
-              </a:rPr>
-              <a:t> блокчейну </a:t>
-            </a:r>
-            <a:r>
-              <a:rPr lang="ru-RU" sz="1800" b="0" i="0" u="none" strike="noStrike" cap="none" spc="0">
-                <a:solidFill>
-                  <a:schemeClr val="tx1"/>
-                </a:solidFill>
-                <a:latin typeface="Times New Roman"/>
-                <a:cs typeface="Times New Roman"/>
-              </a:rPr>
-              <a:t>використовує</a:t>
-            </a:r>
-            <a:r>
-              <a:rPr lang="ru-RU" sz="1800" b="0" i="0" u="none" strike="noStrike" cap="none" spc="0">
-                <a:solidFill>
-                  <a:schemeClr val="tx1"/>
-                </a:solidFill>
-                <a:latin typeface="Times New Roman"/>
-                <a:cs typeface="Times New Roman"/>
-              </a:rPr>
-              <a:t> </a:t>
-            </a:r>
-            <a:r>
-              <a:rPr lang="ru-RU" sz="1800" b="0" i="0" u="none" strike="noStrike" cap="none" spc="0">
-                <a:solidFill>
-                  <a:schemeClr val="tx1"/>
-                </a:solidFill>
-                <a:latin typeface="Times New Roman"/>
-                <a:cs typeface="Times New Roman"/>
-              </a:rPr>
-              <a:t>архітектуру</a:t>
-            </a:r>
-            <a:r>
-              <a:rPr lang="ru-RU" sz="1800" b="0" i="0" u="none" strike="noStrike" cap="none" spc="0">
-                <a:solidFill>
-                  <a:schemeClr val="tx1"/>
-                </a:solidFill>
-                <a:latin typeface="Times New Roman"/>
-                <a:cs typeface="Times New Roman"/>
-              </a:rPr>
-              <a:t> Model-View-</a:t>
-            </a:r>
-            <a:r>
-              <a:rPr lang="ru-RU" sz="1800" b="0" i="0" u="none" strike="noStrike" cap="none" spc="0">
-                <a:solidFill>
-                  <a:schemeClr val="tx1"/>
-                </a:solidFill>
-                <a:latin typeface="Times New Roman"/>
-                <a:cs typeface="Times New Roman"/>
-              </a:rPr>
-              <a:t>Controller</a:t>
-            </a:r>
-            <a:r>
-              <a:rPr lang="ru-RU" sz="1800" b="0" i="0" u="none" strike="noStrike" cap="none" spc="0">
-                <a:solidFill>
-                  <a:schemeClr val="tx1"/>
-                </a:solidFill>
-                <a:latin typeface="Times New Roman"/>
-                <a:cs typeface="Times New Roman"/>
-              </a:rPr>
-              <a:t> (MVC) для </a:t>
-            </a:r>
-            <a:r>
-              <a:rPr lang="ru-RU" sz="1800" b="0" i="0" u="none" strike="noStrike" cap="none" spc="0">
-                <a:solidFill>
-                  <a:schemeClr val="tx1"/>
-                </a:solidFill>
-                <a:latin typeface="Times New Roman"/>
-                <a:cs typeface="Times New Roman"/>
-              </a:rPr>
-              <a:t>оптимізації</a:t>
-            </a:r>
-            <a:r>
-              <a:rPr lang="ru-RU" sz="1800" b="0" i="0" u="none" strike="noStrike" cap="none" spc="0">
-                <a:solidFill>
-                  <a:schemeClr val="tx1"/>
-                </a:solidFill>
-                <a:latin typeface="Times New Roman"/>
-                <a:cs typeface="Times New Roman"/>
-              </a:rPr>
-              <a:t> </a:t>
-            </a:r>
-            <a:r>
-              <a:rPr lang="ru-RU" sz="1800" b="0" i="0" u="none" strike="noStrike" cap="none" spc="0">
-                <a:solidFill>
-                  <a:schemeClr val="tx1"/>
-                </a:solidFill>
-                <a:latin typeface="Times New Roman"/>
-                <a:cs typeface="Times New Roman"/>
-              </a:rPr>
-              <a:t>операцій</a:t>
-            </a:r>
-            <a:r>
-              <a:rPr lang="ru-RU" sz="1800" b="0" i="0" u="none" strike="noStrike" cap="none" spc="0">
-                <a:solidFill>
-                  <a:schemeClr val="tx1"/>
-                </a:solidFill>
-                <a:latin typeface="Times New Roman"/>
-                <a:cs typeface="Times New Roman"/>
-              </a:rPr>
-              <a:t> та </a:t>
-            </a:r>
-            <a:r>
-              <a:rPr lang="ru-RU" sz="1800" b="0" i="0" u="none" strike="noStrike" cap="none" spc="0">
-                <a:solidFill>
-                  <a:schemeClr val="tx1"/>
-                </a:solidFill>
-                <a:latin typeface="Times New Roman"/>
-                <a:cs typeface="Times New Roman"/>
-              </a:rPr>
-              <a:t>покращення</a:t>
-            </a:r>
-            <a:r>
-              <a:rPr lang="ru-RU" sz="1800" b="0" i="0" u="none" strike="noStrike" cap="none" spc="0">
-                <a:solidFill>
-                  <a:schemeClr val="tx1"/>
-                </a:solidFill>
-                <a:latin typeface="Times New Roman"/>
-                <a:cs typeface="Times New Roman"/>
-              </a:rPr>
-              <a:t> </a:t>
-            </a:r>
-            <a:r>
-              <a:rPr lang="ru-RU" sz="1800" b="0" i="0" u="none" strike="noStrike" cap="none" spc="0">
-                <a:solidFill>
-                  <a:schemeClr val="tx1"/>
-                </a:solidFill>
-                <a:latin typeface="Times New Roman"/>
-                <a:cs typeface="Times New Roman"/>
-              </a:rPr>
-              <a:t>користувацького</a:t>
-            </a:r>
-            <a:r>
-              <a:rPr lang="ru-RU" sz="1800" b="0" i="0" u="none" strike="noStrike" cap="none" spc="0">
-                <a:solidFill>
-                  <a:schemeClr val="tx1"/>
-                </a:solidFill>
-                <a:latin typeface="Times New Roman"/>
-                <a:cs typeface="Times New Roman"/>
-              </a:rPr>
-              <a:t> </a:t>
-            </a:r>
-            <a:r>
-              <a:rPr lang="ru-RU" sz="1800" b="0" i="0" u="none" strike="noStrike" cap="none" spc="0">
-                <a:solidFill>
-                  <a:schemeClr val="tx1"/>
-                </a:solidFill>
-                <a:latin typeface="Times New Roman"/>
-                <a:cs typeface="Times New Roman"/>
-              </a:rPr>
-              <a:t>досвіду</a:t>
-            </a:r>
-            <a:r>
-              <a:rPr lang="ru-RU" sz="1800" b="0" i="0" u="none" strike="noStrike" cap="none" spc="0">
-                <a:solidFill>
-                  <a:schemeClr val="tx1"/>
-                </a:solidFill>
-                <a:latin typeface="Times New Roman"/>
-                <a:cs typeface="Times New Roman"/>
-              </a:rPr>
-              <a:t>. Модель </a:t>
-            </a:r>
-            <a:r>
-              <a:rPr lang="ru-RU" sz="1800" b="0" i="0" u="none" strike="noStrike" cap="none" spc="0">
-                <a:solidFill>
-                  <a:schemeClr val="tx1"/>
-                </a:solidFill>
-                <a:latin typeface="Times New Roman"/>
-                <a:cs typeface="Times New Roman"/>
-              </a:rPr>
-              <a:t>відповідає</a:t>
-            </a:r>
-            <a:r>
-              <a:rPr lang="ru-RU" sz="1800" b="0" i="0" u="none" strike="noStrike" cap="none" spc="0">
-                <a:solidFill>
-                  <a:schemeClr val="tx1"/>
-                </a:solidFill>
-                <a:latin typeface="Times New Roman"/>
-                <a:cs typeface="Times New Roman"/>
-              </a:rPr>
-              <a:t> </a:t>
-            </a:r>
-            <a:r>
-              <a:rPr lang="ru-RU" sz="1800" b="0" i="0" u="none" strike="noStrike" cap="none" spc="0">
-                <a:solidFill>
-                  <a:schemeClr val="tx1"/>
-                </a:solidFill>
-                <a:latin typeface="Times New Roman"/>
-                <a:cs typeface="Times New Roman"/>
-              </a:rPr>
-              <a:t>основним</a:t>
-            </a:r>
-            <a:r>
-              <a:rPr lang="ru-RU" sz="1800" b="0" i="0" u="none" strike="noStrike" cap="none" spc="0">
-                <a:solidFill>
-                  <a:schemeClr val="tx1"/>
-                </a:solidFill>
-                <a:latin typeface="Times New Roman"/>
-                <a:cs typeface="Times New Roman"/>
-              </a:rPr>
-              <a:t> </a:t>
-            </a:r>
-            <a:r>
-              <a:rPr lang="ru-RU" sz="1800" b="0" i="0" u="none" strike="noStrike" cap="none" spc="0">
-                <a:solidFill>
-                  <a:schemeClr val="tx1"/>
-                </a:solidFill>
-                <a:latin typeface="Times New Roman"/>
-                <a:cs typeface="Times New Roman"/>
-              </a:rPr>
-              <a:t>даним</a:t>
-            </a:r>
-            <a:r>
-              <a:rPr lang="ru-RU" sz="1800" b="0" i="0" u="none" strike="noStrike" cap="none" spc="0">
-                <a:solidFill>
-                  <a:schemeClr val="tx1"/>
-                </a:solidFill>
-                <a:latin typeface="Times New Roman"/>
-                <a:cs typeface="Times New Roman"/>
-              </a:rPr>
-              <a:t> і правилам </a:t>
-            </a:r>
-            <a:r>
-              <a:rPr lang="ru-RU" sz="1800" b="0" i="0" u="none" strike="noStrike" cap="none" spc="0">
-                <a:solidFill>
-                  <a:schemeClr val="tx1"/>
-                </a:solidFill>
-                <a:latin typeface="Times New Roman"/>
-                <a:cs typeface="Times New Roman"/>
-              </a:rPr>
-              <a:t>нашого</a:t>
-            </a:r>
-            <a:r>
-              <a:rPr lang="ru-RU" sz="1800" b="0" i="0" u="none" strike="noStrike" cap="none" spc="0">
-                <a:solidFill>
-                  <a:schemeClr val="tx1"/>
-                </a:solidFill>
-                <a:latin typeface="Times New Roman"/>
-                <a:cs typeface="Times New Roman"/>
-              </a:rPr>
-              <a:t> </a:t>
-            </a:r>
-            <a:r>
-              <a:rPr lang="ru-RU" sz="1800" b="0" i="0" u="none" strike="noStrike" cap="none" spc="0">
-                <a:solidFill>
-                  <a:schemeClr val="tx1"/>
-                </a:solidFill>
-                <a:latin typeface="Times New Roman"/>
-                <a:cs typeface="Times New Roman"/>
-              </a:rPr>
-              <a:t>додатку</a:t>
-            </a:r>
-            <a:r>
-              <a:rPr lang="ru-RU" sz="1800" b="0" i="0" u="none" strike="noStrike" cap="none" spc="0">
-                <a:solidFill>
-                  <a:schemeClr val="tx1"/>
-                </a:solidFill>
-                <a:latin typeface="Times New Roman"/>
-                <a:cs typeface="Times New Roman"/>
-              </a:rPr>
-              <a:t>, таким як </a:t>
-            </a:r>
-            <a:r>
-              <a:rPr lang="ru-RU" sz="1800" b="0" i="0" u="none" strike="noStrike" cap="none" spc="0">
-                <a:solidFill>
-                  <a:schemeClr val="tx1"/>
-                </a:solidFill>
-                <a:latin typeface="Times New Roman"/>
-                <a:cs typeface="Times New Roman"/>
-              </a:rPr>
-              <a:t>інформація</a:t>
-            </a:r>
-            <a:r>
-              <a:rPr lang="ru-RU" sz="1800" b="0" i="0" u="none" strike="noStrike" cap="none" spc="0">
-                <a:solidFill>
-                  <a:schemeClr val="tx1"/>
-                </a:solidFill>
-                <a:latin typeface="Times New Roman"/>
-                <a:cs typeface="Times New Roman"/>
-              </a:rPr>
-              <a:t> про </a:t>
-            </a:r>
-            <a:r>
-              <a:rPr lang="ru-RU" sz="1800" b="0" i="0" u="none" strike="noStrike" cap="none" spc="0">
-                <a:solidFill>
-                  <a:schemeClr val="tx1"/>
-                </a:solidFill>
-                <a:latin typeface="Times New Roman"/>
-                <a:cs typeface="Times New Roman"/>
-              </a:rPr>
-              <a:t>обліковий</a:t>
-            </a:r>
-            <a:r>
-              <a:rPr lang="ru-RU" sz="1800" b="0" i="0" u="none" strike="noStrike" cap="none" spc="0">
-                <a:solidFill>
-                  <a:schemeClr val="tx1"/>
-                </a:solidFill>
-                <a:latin typeface="Times New Roman"/>
-                <a:cs typeface="Times New Roman"/>
-              </a:rPr>
-              <a:t> </a:t>
-            </a:r>
-            <a:r>
-              <a:rPr lang="ru-RU" sz="1800" b="0" i="0" u="none" strike="noStrike" cap="none" spc="0">
-                <a:solidFill>
-                  <a:schemeClr val="tx1"/>
-                </a:solidFill>
-                <a:latin typeface="Times New Roman"/>
-                <a:cs typeface="Times New Roman"/>
-              </a:rPr>
-              <a:t>запис</a:t>
-            </a:r>
-            <a:r>
-              <a:rPr lang="ru-RU" sz="1800" b="0" i="0" u="none" strike="noStrike" cap="none" spc="0">
-                <a:solidFill>
-                  <a:schemeClr val="tx1"/>
-                </a:solidFill>
-                <a:latin typeface="Times New Roman"/>
-                <a:cs typeface="Times New Roman"/>
-              </a:rPr>
-              <a:t> </a:t>
-            </a:r>
-            <a:r>
-              <a:rPr lang="ru-RU" sz="1800" b="0" i="0" u="none" strike="noStrike" cap="none" spc="0">
-                <a:solidFill>
-                  <a:schemeClr val="tx1"/>
-                </a:solidFill>
-                <a:latin typeface="Times New Roman"/>
-                <a:cs typeface="Times New Roman"/>
-              </a:rPr>
-              <a:t>користувача</a:t>
-            </a:r>
-            <a:r>
-              <a:rPr lang="ru-RU" sz="1800" b="0" i="0" u="none" strike="noStrike" cap="none" spc="0">
-                <a:solidFill>
-                  <a:schemeClr val="tx1"/>
-                </a:solidFill>
-                <a:latin typeface="Times New Roman"/>
-                <a:cs typeface="Times New Roman"/>
-              </a:rPr>
-              <a:t> і </a:t>
-            </a:r>
-            <a:r>
-              <a:rPr lang="ru-RU" sz="1800" b="0" i="0" u="none" strike="noStrike" cap="none" spc="0">
-                <a:solidFill>
-                  <a:schemeClr val="tx1"/>
-                </a:solidFill>
-                <a:latin typeface="Times New Roman"/>
-                <a:cs typeface="Times New Roman"/>
-              </a:rPr>
-              <a:t>логіка</a:t>
-            </a:r>
-            <a:r>
-              <a:rPr lang="ru-RU" sz="1800" b="0" i="0" u="none" strike="noStrike" cap="none" spc="0">
-                <a:solidFill>
-                  <a:schemeClr val="tx1"/>
-                </a:solidFill>
-                <a:latin typeface="Times New Roman"/>
-                <a:cs typeface="Times New Roman"/>
-              </a:rPr>
-              <a:t> </a:t>
-            </a:r>
-            <a:r>
-              <a:rPr lang="ru-RU" sz="1800" b="0" i="0" u="none" strike="noStrike" cap="none" spc="0">
-                <a:solidFill>
-                  <a:schemeClr val="tx1"/>
-                </a:solidFill>
-                <a:latin typeface="Times New Roman"/>
-                <a:cs typeface="Times New Roman"/>
-              </a:rPr>
-              <a:t>транзакцій</a:t>
-            </a:r>
-            <a:r>
-              <a:rPr lang="ru-RU" sz="1800" b="0" i="0" u="none" strike="noStrike" cap="none" spc="0">
-                <a:solidFill>
-                  <a:schemeClr val="tx1"/>
-                </a:solidFill>
-                <a:latin typeface="Times New Roman"/>
-                <a:cs typeface="Times New Roman"/>
-              </a:rPr>
-              <a:t>. </a:t>
-            </a:r>
-            <a:r>
-              <a:rPr lang="ru-RU" sz="1800" b="0" i="0" u="none" strike="noStrike" cap="none" spc="0">
-                <a:solidFill>
-                  <a:schemeClr val="tx1"/>
-                </a:solidFill>
-                <a:latin typeface="Times New Roman"/>
-                <a:cs typeface="Times New Roman"/>
-              </a:rPr>
-              <a:t>Представлення</a:t>
-            </a:r>
-            <a:r>
-              <a:rPr lang="ru-RU" sz="1800" b="0" i="0" u="none" strike="noStrike" cap="none" spc="0">
-                <a:solidFill>
-                  <a:schemeClr val="tx1"/>
-                </a:solidFill>
-                <a:latin typeface="Times New Roman"/>
-                <a:cs typeface="Times New Roman"/>
-              </a:rPr>
-              <a:t> </a:t>
-            </a:r>
-            <a:r>
-              <a:rPr lang="ru-RU" sz="1800" b="0" i="0" u="none" strike="noStrike" cap="none" spc="0">
-                <a:solidFill>
-                  <a:schemeClr val="tx1"/>
-                </a:solidFill>
-                <a:latin typeface="Times New Roman"/>
-                <a:cs typeface="Times New Roman"/>
-              </a:rPr>
-              <a:t>керує</a:t>
-            </a:r>
-            <a:r>
-              <a:rPr lang="ru-RU" sz="1800" b="0" i="0" u="none" strike="noStrike" cap="none" spc="0">
-                <a:solidFill>
-                  <a:schemeClr val="tx1"/>
-                </a:solidFill>
-                <a:latin typeface="Times New Roman"/>
-                <a:cs typeface="Times New Roman"/>
-              </a:rPr>
-              <a:t> </a:t>
-            </a:r>
-            <a:r>
-              <a:rPr lang="ru-RU" sz="1800" b="0" i="0" u="none" strike="noStrike" cap="none" spc="0">
-                <a:solidFill>
-                  <a:schemeClr val="tx1"/>
-                </a:solidFill>
-                <a:latin typeface="Times New Roman"/>
-                <a:cs typeface="Times New Roman"/>
-              </a:rPr>
-              <a:t>відображенням</a:t>
-            </a:r>
-            <a:r>
-              <a:rPr lang="ru-RU" sz="1800" b="0" i="0" u="none" strike="noStrike" cap="none" spc="0">
-                <a:solidFill>
-                  <a:schemeClr val="tx1"/>
-                </a:solidFill>
-                <a:latin typeface="Times New Roman"/>
-                <a:cs typeface="Times New Roman"/>
-              </a:rPr>
-              <a:t> </a:t>
-            </a:r>
-            <a:r>
-              <a:rPr lang="ru-RU" sz="1800" b="0" i="0" u="none" strike="noStrike" cap="none" spc="0">
-                <a:solidFill>
-                  <a:schemeClr val="tx1"/>
-                </a:solidFill>
-                <a:latin typeface="Times New Roman"/>
-                <a:cs typeface="Times New Roman"/>
-              </a:rPr>
-              <a:t>інформації</a:t>
-            </a:r>
-            <a:r>
-              <a:rPr lang="ru-RU" sz="1800" b="0" i="0" u="none" strike="noStrike" cap="none" spc="0">
-                <a:solidFill>
-                  <a:schemeClr val="tx1"/>
-                </a:solidFill>
-                <a:latin typeface="Times New Roman"/>
-                <a:cs typeface="Times New Roman"/>
-              </a:rPr>
-              <a:t>, </a:t>
-            </a:r>
-            <a:r>
-              <a:rPr lang="ru-RU" sz="1800" b="0" i="0" u="none" strike="noStrike" cap="none" spc="0">
-                <a:solidFill>
-                  <a:schemeClr val="tx1"/>
-                </a:solidFill>
-                <a:latin typeface="Times New Roman"/>
-                <a:cs typeface="Times New Roman"/>
-              </a:rPr>
-              <a:t>наприклад</a:t>
-            </a:r>
-            <a:r>
-              <a:rPr lang="ru-RU" sz="1800" b="0" i="0" u="none" strike="noStrike" cap="none" spc="0">
-                <a:solidFill>
-                  <a:schemeClr val="tx1"/>
-                </a:solidFill>
-                <a:latin typeface="Times New Roman"/>
-                <a:cs typeface="Times New Roman"/>
-              </a:rPr>
-              <a:t>, </a:t>
-            </a:r>
-            <a:r>
-              <a:rPr lang="ru-RU" sz="1800" b="0" i="0" u="none" strike="noStrike" cap="none" spc="0">
-                <a:solidFill>
-                  <a:schemeClr val="tx1"/>
-                </a:solidFill>
-                <a:latin typeface="Times New Roman"/>
-                <a:cs typeface="Times New Roman"/>
-              </a:rPr>
-              <a:t>інтерфейсами</a:t>
-            </a:r>
-            <a:r>
-              <a:rPr lang="ru-RU" sz="1800" b="0" i="0" u="none" strike="noStrike" cap="none" spc="0">
-                <a:solidFill>
-                  <a:schemeClr val="tx1"/>
-                </a:solidFill>
-                <a:latin typeface="Times New Roman"/>
-                <a:cs typeface="Times New Roman"/>
-              </a:rPr>
-              <a:t> </a:t>
-            </a:r>
-            <a:r>
-              <a:rPr lang="ru-RU" sz="1800" b="0" i="0" u="none" strike="noStrike" cap="none" spc="0">
-                <a:solidFill>
-                  <a:schemeClr val="tx1"/>
-                </a:solidFill>
-                <a:latin typeface="Times New Roman"/>
-                <a:cs typeface="Times New Roman"/>
-              </a:rPr>
-              <a:t>перевірки</a:t>
-            </a:r>
-            <a:r>
-              <a:rPr lang="ru-RU" sz="1800" b="0" i="0" u="none" strike="noStrike" cap="none" spc="0">
-                <a:solidFill>
-                  <a:schemeClr val="tx1"/>
-                </a:solidFill>
-                <a:latin typeface="Times New Roman"/>
-                <a:cs typeface="Times New Roman"/>
-              </a:rPr>
-              <a:t> балансу та </a:t>
-            </a:r>
-            <a:r>
-              <a:rPr lang="ru-RU" sz="1800" b="0" i="0" u="none" strike="noStrike" cap="none" spc="0">
-                <a:solidFill>
-                  <a:schemeClr val="tx1"/>
-                </a:solidFill>
-                <a:latin typeface="Times New Roman"/>
-                <a:cs typeface="Times New Roman"/>
-              </a:rPr>
-              <a:t>створення</a:t>
-            </a:r>
-            <a:r>
-              <a:rPr lang="ru-RU" sz="1800" b="0" i="0" u="none" strike="noStrike" cap="none" spc="0">
-                <a:solidFill>
-                  <a:schemeClr val="tx1"/>
-                </a:solidFill>
-                <a:latin typeface="Times New Roman"/>
-                <a:cs typeface="Times New Roman"/>
-              </a:rPr>
-              <a:t> </a:t>
-            </a:r>
-            <a:r>
-              <a:rPr lang="ru-RU" sz="1800" b="0" i="0" u="none" strike="noStrike" cap="none" spc="0">
-                <a:solidFill>
-                  <a:schemeClr val="tx1"/>
-                </a:solidFill>
-                <a:latin typeface="Times New Roman"/>
-                <a:cs typeface="Times New Roman"/>
-              </a:rPr>
-              <a:t>транзакцій</a:t>
-            </a:r>
-            <a:r>
-              <a:rPr lang="ru-RU" sz="1800" b="0" i="0" u="none" strike="noStrike" cap="none" spc="0">
-                <a:solidFill>
-                  <a:schemeClr val="tx1"/>
-                </a:solidFill>
-                <a:latin typeface="Times New Roman"/>
-                <a:cs typeface="Times New Roman"/>
-              </a:rPr>
-              <a:t>. </a:t>
-            </a:r>
-            <a:r>
-              <a:rPr lang="ru-RU" sz="1800" b="0" i="0" u="none" strike="noStrike" cap="none" spc="0">
-                <a:solidFill>
-                  <a:schemeClr val="tx1"/>
-                </a:solidFill>
-                <a:latin typeface="Times New Roman"/>
-                <a:cs typeface="Times New Roman"/>
-              </a:rPr>
-              <a:t>Нарешті</a:t>
-            </a:r>
-            <a:r>
-              <a:rPr lang="ru-RU" sz="1800" b="0" i="0" u="none" strike="noStrike" cap="none" spc="0">
-                <a:solidFill>
-                  <a:schemeClr val="tx1"/>
-                </a:solidFill>
-                <a:latin typeface="Times New Roman"/>
-                <a:cs typeface="Times New Roman"/>
-              </a:rPr>
-              <a:t>, контролер </a:t>
-            </a:r>
-            <a:r>
-              <a:rPr lang="ru-RU" sz="1800" b="0" i="0" u="none" strike="noStrike" cap="none" spc="0">
-                <a:solidFill>
-                  <a:schemeClr val="tx1"/>
-                </a:solidFill>
-                <a:latin typeface="Times New Roman"/>
-                <a:cs typeface="Times New Roman"/>
-              </a:rPr>
-              <a:t>обробляє</a:t>
-            </a:r>
-            <a:r>
-              <a:rPr lang="ru-RU" sz="1800" b="0" i="0" u="none" strike="noStrike" cap="none" spc="0">
-                <a:solidFill>
-                  <a:schemeClr val="tx1"/>
-                </a:solidFill>
-                <a:latin typeface="Times New Roman"/>
-                <a:cs typeface="Times New Roman"/>
-              </a:rPr>
-              <a:t> </a:t>
-            </a:r>
-            <a:r>
-              <a:rPr lang="ru-RU" sz="1800" b="0" i="0" u="none" strike="noStrike" cap="none" spc="0">
-                <a:solidFill>
-                  <a:schemeClr val="tx1"/>
-                </a:solidFill>
-                <a:latin typeface="Times New Roman"/>
-                <a:cs typeface="Times New Roman"/>
-              </a:rPr>
-              <a:t>дані</a:t>
-            </a:r>
-            <a:r>
-              <a:rPr lang="ru-RU" sz="1800" b="0" i="0" u="none" strike="noStrike" cap="none" spc="0">
-                <a:solidFill>
-                  <a:schemeClr val="tx1"/>
-                </a:solidFill>
-                <a:latin typeface="Times New Roman"/>
-                <a:cs typeface="Times New Roman"/>
-              </a:rPr>
-              <a:t>, </a:t>
-            </a:r>
-            <a:r>
-              <a:rPr lang="ru-RU" sz="1800" b="0" i="0" u="none" strike="noStrike" cap="none" spc="0">
-                <a:solidFill>
-                  <a:schemeClr val="tx1"/>
-                </a:solidFill>
-                <a:latin typeface="Times New Roman"/>
-                <a:cs typeface="Times New Roman"/>
-              </a:rPr>
-              <a:t>введені</a:t>
-            </a:r>
-            <a:r>
-              <a:rPr lang="ru-RU" sz="1800" b="0" i="0" u="none" strike="noStrike" cap="none" spc="0">
-                <a:solidFill>
-                  <a:schemeClr val="tx1"/>
-                </a:solidFill>
-                <a:latin typeface="Times New Roman"/>
-                <a:cs typeface="Times New Roman"/>
-              </a:rPr>
-              <a:t> </a:t>
-            </a:r>
-            <a:r>
-              <a:rPr lang="ru-RU" sz="1800" b="0" i="0" u="none" strike="noStrike" cap="none" spc="0">
-                <a:solidFill>
-                  <a:schemeClr val="tx1"/>
-                </a:solidFill>
-                <a:latin typeface="Times New Roman"/>
-                <a:cs typeface="Times New Roman"/>
-              </a:rPr>
-              <a:t>користувачем</a:t>
-            </a:r>
-            <a:r>
-              <a:rPr lang="ru-RU" sz="1800" b="0" i="0" u="none" strike="noStrike" cap="none" spc="0">
-                <a:solidFill>
-                  <a:schemeClr val="tx1"/>
-                </a:solidFill>
-                <a:latin typeface="Times New Roman"/>
-                <a:cs typeface="Times New Roman"/>
-              </a:rPr>
-              <a:t>, </a:t>
-            </a:r>
-            <a:r>
-              <a:rPr lang="ru-RU" sz="1800" b="0" i="0" u="none" strike="noStrike" cap="none" spc="0">
-                <a:solidFill>
-                  <a:schemeClr val="tx1"/>
-                </a:solidFill>
-                <a:latin typeface="Times New Roman"/>
-                <a:cs typeface="Times New Roman"/>
-              </a:rPr>
-              <a:t>виконуючи</a:t>
-            </a:r>
-            <a:r>
-              <a:rPr lang="ru-RU" sz="1800" b="0" i="0" u="none" strike="noStrike" cap="none" spc="0">
-                <a:solidFill>
-                  <a:schemeClr val="tx1"/>
-                </a:solidFill>
-                <a:latin typeface="Times New Roman"/>
-                <a:cs typeface="Times New Roman"/>
-              </a:rPr>
-              <a:t> </a:t>
-            </a:r>
-            <a:r>
-              <a:rPr lang="ru-RU" sz="1800" b="0" i="0" u="none" strike="noStrike" cap="none" spc="0">
-                <a:solidFill>
-                  <a:schemeClr val="tx1"/>
-                </a:solidFill>
-                <a:latin typeface="Times New Roman"/>
-                <a:cs typeface="Times New Roman"/>
-              </a:rPr>
-              <a:t>такі</a:t>
-            </a:r>
-            <a:r>
-              <a:rPr lang="ru-RU" sz="1800" b="0" i="0" u="none" strike="noStrike" cap="none" spc="0">
-                <a:solidFill>
-                  <a:schemeClr val="tx1"/>
-                </a:solidFill>
-                <a:latin typeface="Times New Roman"/>
-                <a:cs typeface="Times New Roman"/>
-              </a:rPr>
-              <a:t> </a:t>
-            </a:r>
-            <a:r>
-              <a:rPr lang="ru-RU" sz="1800" b="0" i="0" u="none" strike="noStrike" cap="none" spc="0">
-                <a:solidFill>
-                  <a:schemeClr val="tx1"/>
-                </a:solidFill>
-                <a:latin typeface="Times New Roman"/>
-                <a:cs typeface="Times New Roman"/>
-              </a:rPr>
-              <a:t>дії</a:t>
-            </a:r>
-            <a:r>
-              <a:rPr lang="ru-RU" sz="1800" b="0" i="0" u="none" strike="noStrike" cap="none" spc="0">
-                <a:solidFill>
-                  <a:schemeClr val="tx1"/>
-                </a:solidFill>
-                <a:latin typeface="Times New Roman"/>
-                <a:cs typeface="Times New Roman"/>
-              </a:rPr>
-              <a:t>, як </a:t>
-            </a:r>
-            <a:r>
-              <a:rPr lang="ru-RU" sz="1800" b="0" i="0" u="none" strike="noStrike" cap="none" spc="0">
-                <a:solidFill>
-                  <a:schemeClr val="tx1"/>
-                </a:solidFill>
-                <a:latin typeface="Times New Roman"/>
-                <a:cs typeface="Times New Roman"/>
-              </a:rPr>
-              <a:t>перевірка</a:t>
-            </a:r>
-            <a:r>
-              <a:rPr lang="ru-RU" sz="1800" b="0" i="0" u="none" strike="noStrike" cap="none" spc="0">
-                <a:solidFill>
-                  <a:schemeClr val="tx1"/>
-                </a:solidFill>
-                <a:latin typeface="Times New Roman"/>
-                <a:cs typeface="Times New Roman"/>
-              </a:rPr>
-              <a:t> балансу </a:t>
-            </a:r>
-            <a:r>
-              <a:rPr lang="ru-RU" sz="1800" b="0" i="0" u="none" strike="noStrike" cap="none" spc="0">
-                <a:solidFill>
-                  <a:schemeClr val="tx1"/>
-                </a:solidFill>
-                <a:latin typeface="Times New Roman"/>
-                <a:cs typeface="Times New Roman"/>
-              </a:rPr>
-              <a:t>рахунку</a:t>
-            </a:r>
-            <a:r>
-              <a:rPr lang="ru-RU" sz="1800" b="0" i="0" u="none" strike="noStrike" cap="none" spc="0">
-                <a:solidFill>
-                  <a:schemeClr val="tx1"/>
-                </a:solidFill>
-                <a:latin typeface="Times New Roman"/>
-                <a:cs typeface="Times New Roman"/>
-              </a:rPr>
-              <a:t> </a:t>
-            </a:r>
-            <a:r>
-              <a:rPr lang="ru-RU" sz="1800" b="0" i="0" u="none" strike="noStrike" cap="none" spc="0">
-                <a:solidFill>
-                  <a:schemeClr val="tx1"/>
-                </a:solidFill>
-                <a:latin typeface="Times New Roman"/>
-                <a:cs typeface="Times New Roman"/>
-              </a:rPr>
-              <a:t>або</a:t>
-            </a:r>
-            <a:r>
-              <a:rPr lang="ru-RU" sz="1800" b="0" i="0" u="none" strike="noStrike" cap="none" spc="0">
-                <a:solidFill>
-                  <a:schemeClr val="tx1"/>
-                </a:solidFill>
-                <a:latin typeface="Times New Roman"/>
-                <a:cs typeface="Times New Roman"/>
-              </a:rPr>
-              <a:t> </a:t>
-            </a:r>
-            <a:r>
-              <a:rPr lang="ru-RU" sz="1800" b="0" i="0" u="none" strike="noStrike" cap="none" spc="0">
-                <a:solidFill>
-                  <a:schemeClr val="tx1"/>
-                </a:solidFill>
-                <a:latin typeface="Times New Roman"/>
-                <a:cs typeface="Times New Roman"/>
-              </a:rPr>
-              <a:t>створення</a:t>
-            </a:r>
-            <a:r>
-              <a:rPr lang="ru-RU" sz="1800" b="0" i="0" u="none" strike="noStrike" cap="none" spc="0">
-                <a:solidFill>
-                  <a:schemeClr val="tx1"/>
-                </a:solidFill>
-                <a:latin typeface="Times New Roman"/>
-                <a:cs typeface="Times New Roman"/>
-              </a:rPr>
-              <a:t> </a:t>
-            </a:r>
-            <a:r>
-              <a:rPr lang="ru-RU" sz="1800" b="0" i="0" u="none" strike="noStrike" cap="none" spc="0">
-                <a:solidFill>
-                  <a:schemeClr val="tx1"/>
-                </a:solidFill>
-                <a:latin typeface="Times New Roman"/>
-                <a:cs typeface="Times New Roman"/>
-              </a:rPr>
-              <a:t>транзакцій</a:t>
-            </a:r>
-            <a:r>
-              <a:rPr lang="ru-RU" sz="1800" b="0" i="0" u="none" strike="noStrike" cap="none" spc="0">
-                <a:solidFill>
-                  <a:schemeClr val="tx1"/>
-                </a:solidFill>
-                <a:latin typeface="Times New Roman"/>
-                <a:cs typeface="Times New Roman"/>
-              </a:rPr>
-              <a:t>. </a:t>
-            </a:r>
-            <a:r>
-              <a:rPr lang="ru-RU" sz="1800" b="0" i="0" u="none" strike="noStrike" cap="none" spc="0">
-                <a:solidFill>
-                  <a:schemeClr val="tx1"/>
-                </a:solidFill>
-                <a:latin typeface="Times New Roman"/>
-                <a:cs typeface="Times New Roman"/>
-              </a:rPr>
-              <a:t>Така</a:t>
-            </a:r>
-            <a:r>
-              <a:rPr lang="ru-RU" sz="1800" b="0" i="0" u="none" strike="noStrike" cap="none" spc="0">
-                <a:solidFill>
-                  <a:schemeClr val="tx1"/>
-                </a:solidFill>
-                <a:latin typeface="Times New Roman"/>
-                <a:cs typeface="Times New Roman"/>
-              </a:rPr>
-              <a:t> структура </a:t>
-            </a:r>
-            <a:r>
-              <a:rPr lang="ru-RU" sz="1800" b="0" i="0" u="none" strike="noStrike" cap="none" spc="0">
-                <a:solidFill>
-                  <a:schemeClr val="tx1"/>
-                </a:solidFill>
-                <a:latin typeface="Times New Roman"/>
-                <a:cs typeface="Times New Roman"/>
-              </a:rPr>
-              <a:t>забезпечує</a:t>
-            </a:r>
-            <a:r>
-              <a:rPr lang="ru-RU" sz="1800" b="0" i="0" u="none" strike="noStrike" cap="none" spc="0">
-                <a:solidFill>
-                  <a:schemeClr val="tx1"/>
-                </a:solidFill>
-                <a:latin typeface="Times New Roman"/>
-                <a:cs typeface="Times New Roman"/>
-              </a:rPr>
-              <a:t> </a:t>
-            </a:r>
-            <a:r>
-              <a:rPr lang="ru-RU" sz="1800" b="0" i="0" u="none" strike="noStrike" cap="none" spc="0">
-                <a:solidFill>
-                  <a:schemeClr val="tx1"/>
-                </a:solidFill>
-                <a:latin typeface="Times New Roman"/>
-                <a:cs typeface="Times New Roman"/>
-              </a:rPr>
-              <a:t>ефективне</a:t>
-            </a:r>
-            <a:r>
-              <a:rPr lang="ru-RU" sz="1800" b="0" i="0" u="none" strike="noStrike" cap="none" spc="0">
-                <a:solidFill>
-                  <a:schemeClr val="tx1"/>
-                </a:solidFill>
-                <a:latin typeface="Times New Roman"/>
-                <a:cs typeface="Times New Roman"/>
-              </a:rPr>
-              <a:t> </a:t>
-            </a:r>
-            <a:r>
-              <a:rPr lang="ru-RU" sz="1800" b="0" i="0" u="none" strike="noStrike" cap="none" spc="0">
-                <a:solidFill>
-                  <a:schemeClr val="tx1"/>
-                </a:solidFill>
-                <a:latin typeface="Times New Roman"/>
-                <a:cs typeface="Times New Roman"/>
-              </a:rPr>
-              <a:t>управління</a:t>
-            </a:r>
-            <a:r>
-              <a:rPr lang="ru-RU" sz="1800" b="0" i="0" u="none" strike="noStrike" cap="none" spc="0">
-                <a:solidFill>
-                  <a:schemeClr val="tx1"/>
-                </a:solidFill>
-                <a:latin typeface="Times New Roman"/>
-                <a:cs typeface="Times New Roman"/>
-              </a:rPr>
-              <a:t> </a:t>
-            </a:r>
-            <a:r>
-              <a:rPr lang="ru-RU" sz="1800" b="0" i="0" u="none" strike="noStrike" cap="none" spc="0">
-                <a:solidFill>
-                  <a:schemeClr val="tx1"/>
-                </a:solidFill>
-                <a:latin typeface="Times New Roman"/>
-                <a:cs typeface="Times New Roman"/>
-              </a:rPr>
-              <a:t>даними</a:t>
-            </a:r>
-            <a:r>
-              <a:rPr lang="ru-RU" sz="1800" b="0" i="0" u="none" strike="noStrike" cap="none" spc="0">
-                <a:solidFill>
-                  <a:schemeClr val="tx1"/>
-                </a:solidFill>
-                <a:latin typeface="Times New Roman"/>
-                <a:cs typeface="Times New Roman"/>
-              </a:rPr>
-              <a:t>, </a:t>
-            </a:r>
-            <a:r>
-              <a:rPr lang="ru-RU" sz="1800" b="0" i="0" u="none" strike="noStrike" cap="none" spc="0">
-                <a:solidFill>
-                  <a:schemeClr val="tx1"/>
-                </a:solidFill>
-                <a:latin typeface="Times New Roman"/>
-                <a:cs typeface="Times New Roman"/>
-              </a:rPr>
-              <a:t>безперебійну</a:t>
-            </a:r>
-            <a:r>
-              <a:rPr lang="ru-RU" sz="1800" b="0" i="0" u="none" strike="noStrike" cap="none" spc="0">
-                <a:solidFill>
-                  <a:schemeClr val="tx1"/>
-                </a:solidFill>
-                <a:latin typeface="Times New Roman"/>
-                <a:cs typeface="Times New Roman"/>
-              </a:rPr>
-              <a:t> </a:t>
-            </a:r>
-            <a:r>
-              <a:rPr lang="ru-RU" sz="1800" b="0" i="0" u="none" strike="noStrike" cap="none" spc="0">
-                <a:solidFill>
-                  <a:schemeClr val="tx1"/>
-                </a:solidFill>
-                <a:latin typeface="Times New Roman"/>
-                <a:cs typeface="Times New Roman"/>
-              </a:rPr>
-              <a:t>взаємодію</a:t>
-            </a:r>
-            <a:r>
-              <a:rPr lang="ru-RU" sz="1800" b="0" i="0" u="none" strike="noStrike" cap="none" spc="0">
-                <a:solidFill>
-                  <a:schemeClr val="tx1"/>
-                </a:solidFill>
-                <a:latin typeface="Times New Roman"/>
-                <a:cs typeface="Times New Roman"/>
-              </a:rPr>
-              <a:t> з </a:t>
-            </a:r>
-            <a:r>
-              <a:rPr lang="ru-RU" sz="1800" b="0" i="0" u="none" strike="noStrike" cap="none" spc="0">
-                <a:solidFill>
-                  <a:schemeClr val="tx1"/>
-                </a:solidFill>
-                <a:latin typeface="Times New Roman"/>
-                <a:cs typeface="Times New Roman"/>
-              </a:rPr>
-              <a:t>користувацьким</a:t>
-            </a:r>
-            <a:r>
-              <a:rPr lang="ru-RU" sz="1800" b="0" i="0" u="none" strike="noStrike" cap="none" spc="0">
-                <a:solidFill>
-                  <a:schemeClr val="tx1"/>
-                </a:solidFill>
-                <a:latin typeface="Times New Roman"/>
-                <a:cs typeface="Times New Roman"/>
-              </a:rPr>
-              <a:t> </a:t>
-            </a:r>
-            <a:r>
-              <a:rPr lang="ru-RU" sz="1800" b="0" i="0" u="none" strike="noStrike" cap="none" spc="0">
-                <a:solidFill>
-                  <a:schemeClr val="tx1"/>
-                </a:solidFill>
-                <a:latin typeface="Times New Roman"/>
-                <a:cs typeface="Times New Roman"/>
-              </a:rPr>
-              <a:t>інтерфейсом</a:t>
-            </a:r>
-            <a:r>
-              <a:rPr lang="ru-RU" sz="1800" b="0" i="0" u="none" strike="noStrike" cap="none" spc="0">
-                <a:solidFill>
-                  <a:schemeClr val="tx1"/>
-                </a:solidFill>
-                <a:latin typeface="Times New Roman"/>
-                <a:cs typeface="Times New Roman"/>
-              </a:rPr>
-              <a:t> та </a:t>
-            </a:r>
-            <a:r>
-              <a:rPr lang="ru-RU" sz="1800" b="0" i="0" u="none" strike="noStrike" cap="none" spc="0">
-                <a:solidFill>
-                  <a:schemeClr val="tx1"/>
-                </a:solidFill>
-                <a:latin typeface="Times New Roman"/>
-                <a:cs typeface="Times New Roman"/>
-              </a:rPr>
-              <a:t>ефективну</a:t>
-            </a:r>
-            <a:r>
-              <a:rPr lang="ru-RU" sz="1800" b="0" i="0" u="none" strike="noStrike" cap="none" spc="0">
-                <a:solidFill>
-                  <a:schemeClr val="tx1"/>
-                </a:solidFill>
-                <a:latin typeface="Times New Roman"/>
-                <a:cs typeface="Times New Roman"/>
-              </a:rPr>
-              <a:t> </a:t>
-            </a:r>
-            <a:r>
-              <a:rPr lang="ru-RU" sz="1800" b="0" i="0" u="none" strike="noStrike" cap="none" spc="0">
-                <a:solidFill>
-                  <a:schemeClr val="tx1"/>
-                </a:solidFill>
-                <a:latin typeface="Times New Roman"/>
-                <a:cs typeface="Times New Roman"/>
-              </a:rPr>
-              <a:t>обробку</a:t>
-            </a:r>
-            <a:r>
-              <a:rPr lang="ru-RU" sz="1800" b="0" i="0" u="none" strike="noStrike" cap="none" spc="0">
-                <a:solidFill>
-                  <a:schemeClr val="tx1"/>
-                </a:solidFill>
-                <a:latin typeface="Times New Roman"/>
-                <a:cs typeface="Times New Roman"/>
-              </a:rPr>
-              <a:t> </a:t>
-            </a:r>
-            <a:r>
-              <a:rPr lang="ru-RU" sz="1800" b="0" i="0" u="none" strike="noStrike" cap="none" spc="0">
-                <a:solidFill>
-                  <a:schemeClr val="tx1"/>
-                </a:solidFill>
-                <a:latin typeface="Times New Roman"/>
-                <a:cs typeface="Times New Roman"/>
-              </a:rPr>
-              <a:t>дій</a:t>
-            </a:r>
-            <a:r>
-              <a:rPr lang="ru-RU" sz="1800" b="0" i="0" u="none" strike="noStrike" cap="none" spc="0">
-                <a:solidFill>
-                  <a:schemeClr val="tx1"/>
-                </a:solidFill>
-                <a:latin typeface="Times New Roman"/>
-                <a:cs typeface="Times New Roman"/>
-              </a:rPr>
-              <a:t> </a:t>
-            </a:r>
-            <a:r>
-              <a:rPr lang="ru-RU" sz="1800" b="0" i="0" u="none" strike="noStrike" cap="none" spc="0">
-                <a:solidFill>
-                  <a:schemeClr val="tx1"/>
-                </a:solidFill>
-                <a:latin typeface="Times New Roman"/>
-                <a:cs typeface="Times New Roman"/>
-              </a:rPr>
-              <a:t>користувача</a:t>
-            </a:r>
-            <a:r>
-              <a:rPr lang="ru-RU" sz="1800" b="0" i="0" u="none" strike="noStrike" cap="none" spc="0">
-                <a:solidFill>
-                  <a:schemeClr val="tx1"/>
-                </a:solidFill>
-                <a:latin typeface="Times New Roman"/>
-                <a:cs typeface="Times New Roman"/>
-              </a:rPr>
-              <a:t>, </a:t>
-            </a:r>
-            <a:r>
-              <a:rPr lang="ru-RU" sz="1800" b="0" i="0" u="none" strike="noStrike" cap="none" spc="0">
-                <a:solidFill>
-                  <a:schemeClr val="tx1"/>
-                </a:solidFill>
-                <a:latin typeface="Times New Roman"/>
-                <a:cs typeface="Times New Roman"/>
-              </a:rPr>
-              <a:t>що</a:t>
-            </a:r>
-            <a:r>
-              <a:rPr lang="ru-RU" sz="1800" b="0" i="0" u="none" strike="noStrike" cap="none" spc="0">
-                <a:solidFill>
-                  <a:schemeClr val="tx1"/>
-                </a:solidFill>
-                <a:latin typeface="Times New Roman"/>
-                <a:cs typeface="Times New Roman"/>
-              </a:rPr>
-              <a:t> в </a:t>
-            </a:r>
-            <a:r>
-              <a:rPr lang="ru-RU" sz="1800" b="0" i="0" u="none" strike="noStrike" cap="none" spc="0">
-                <a:solidFill>
-                  <a:schemeClr val="tx1"/>
-                </a:solidFill>
-                <a:latin typeface="Times New Roman"/>
-                <a:cs typeface="Times New Roman"/>
-              </a:rPr>
-              <a:t>підсумку</a:t>
-            </a:r>
-            <a:r>
-              <a:rPr lang="ru-RU" sz="1800" b="0" i="0" u="none" strike="noStrike" cap="none" spc="0">
-                <a:solidFill>
-                  <a:schemeClr val="tx1"/>
-                </a:solidFill>
-                <a:latin typeface="Times New Roman"/>
-                <a:cs typeface="Times New Roman"/>
-              </a:rPr>
-              <a:t> </a:t>
-            </a:r>
-            <a:r>
-              <a:rPr lang="ru-RU" sz="1800" b="0" i="0" u="none" strike="noStrike" cap="none" spc="0">
-                <a:solidFill>
-                  <a:schemeClr val="tx1"/>
-                </a:solidFill>
-                <a:latin typeface="Times New Roman"/>
-                <a:cs typeface="Times New Roman"/>
-              </a:rPr>
-              <a:t>створює</a:t>
-            </a:r>
-            <a:r>
-              <a:rPr lang="ru-RU" sz="1800" b="0" i="0" u="none" strike="noStrike" cap="none" spc="0">
-                <a:solidFill>
-                  <a:schemeClr val="tx1"/>
-                </a:solidFill>
-                <a:latin typeface="Times New Roman"/>
-                <a:cs typeface="Times New Roman"/>
-              </a:rPr>
-              <a:t> </a:t>
-            </a:r>
-            <a:r>
-              <a:rPr lang="ru-RU" sz="1800" b="0" i="0" u="none" strike="noStrike" cap="none" spc="0">
-                <a:solidFill>
-                  <a:schemeClr val="tx1"/>
-                </a:solidFill>
-                <a:latin typeface="Times New Roman"/>
-                <a:cs typeface="Times New Roman"/>
-              </a:rPr>
-              <a:t>безперебійну</a:t>
-            </a:r>
-            <a:r>
-              <a:rPr lang="ru-RU" sz="1800" b="0" i="0" u="none" strike="noStrike" cap="none" spc="0">
-                <a:solidFill>
-                  <a:schemeClr val="tx1"/>
-                </a:solidFill>
-                <a:latin typeface="Times New Roman"/>
-                <a:cs typeface="Times New Roman"/>
-              </a:rPr>
-              <a:t> та </a:t>
-            </a:r>
-            <a:r>
-              <a:rPr lang="ru-RU" sz="1800" b="0" i="0" u="none" strike="noStrike" cap="none" spc="0">
-                <a:solidFill>
-                  <a:schemeClr val="tx1"/>
-                </a:solidFill>
-                <a:latin typeface="Times New Roman"/>
-                <a:cs typeface="Times New Roman"/>
-              </a:rPr>
-              <a:t>інтуїтивно</a:t>
-            </a:r>
-            <a:r>
-              <a:rPr lang="ru-RU" sz="1800" b="0" i="0" u="none" strike="noStrike" cap="none" spc="0">
-                <a:solidFill>
-                  <a:schemeClr val="tx1"/>
-                </a:solidFill>
-                <a:latin typeface="Times New Roman"/>
-                <a:cs typeface="Times New Roman"/>
-              </a:rPr>
-              <a:t> </a:t>
-            </a:r>
-            <a:r>
-              <a:rPr lang="ru-RU" sz="1800" b="0" i="0" u="none" strike="noStrike" cap="none" spc="0">
-                <a:solidFill>
-                  <a:schemeClr val="tx1"/>
-                </a:solidFill>
-                <a:latin typeface="Times New Roman"/>
-                <a:cs typeface="Times New Roman"/>
-              </a:rPr>
-              <a:t>зрозумілу</a:t>
-            </a:r>
-            <a:r>
-              <a:rPr lang="ru-RU" sz="1800" b="0" i="0" u="none" strike="noStrike" cap="none" spc="0">
-                <a:solidFill>
-                  <a:schemeClr val="tx1"/>
-                </a:solidFill>
-                <a:latin typeface="Times New Roman"/>
-                <a:cs typeface="Times New Roman"/>
-              </a:rPr>
-              <a:t> роботу для </a:t>
-            </a:r>
-            <a:r>
-              <a:rPr lang="ru-RU" sz="1800" b="0" i="0" u="none" strike="noStrike" cap="none" spc="0">
-                <a:solidFill>
-                  <a:schemeClr val="tx1"/>
-                </a:solidFill>
-                <a:latin typeface="Times New Roman"/>
-                <a:cs typeface="Times New Roman"/>
-              </a:rPr>
-              <a:t>користувачів</a:t>
-            </a:r>
-            <a:r>
-              <a:rPr lang="ru-RU" sz="1800" b="0" i="0" u="none" strike="noStrike" cap="none" spc="0">
-                <a:solidFill>
-                  <a:schemeClr val="tx1"/>
-                </a:solidFill>
-                <a:latin typeface="Times New Roman"/>
-                <a:cs typeface="Times New Roman"/>
-              </a:rPr>
-              <a:t> </a:t>
-            </a:r>
-            <a:r>
-              <a:rPr lang="ru-RU" sz="1800" b="0" i="0" u="none" strike="noStrike" cap="none" spc="0">
-                <a:solidFill>
-                  <a:schemeClr val="tx1"/>
-                </a:solidFill>
-                <a:latin typeface="Times New Roman"/>
-                <a:cs typeface="Times New Roman"/>
-              </a:rPr>
-              <a:t>нашого</a:t>
-            </a:r>
-            <a:r>
-              <a:rPr lang="ru-RU" sz="1800" b="0" i="0" u="none" strike="noStrike" cap="none" spc="0">
-                <a:solidFill>
-                  <a:schemeClr val="tx1"/>
-                </a:solidFill>
-                <a:latin typeface="Times New Roman"/>
-                <a:cs typeface="Times New Roman"/>
-              </a:rPr>
-              <a:t> </a:t>
-            </a:r>
-            <a:r>
-              <a:rPr lang="ru-RU" sz="1800" b="0" i="0" u="none" strike="noStrike" cap="none" spc="0">
-                <a:solidFill>
-                  <a:schemeClr val="tx1"/>
-                </a:solidFill>
-                <a:latin typeface="Times New Roman"/>
-                <a:cs typeface="Times New Roman"/>
-              </a:rPr>
-              <a:t>гаманця</a:t>
-            </a:r>
-            <a:r>
-              <a:rPr lang="ru-RU" sz="1800" b="0" i="0" u="none" strike="noStrike" cap="none" spc="0">
-                <a:solidFill>
-                  <a:schemeClr val="tx1"/>
-                </a:solidFill>
-                <a:latin typeface="Times New Roman"/>
-                <a:cs typeface="Times New Roman"/>
-              </a:rPr>
-              <a:t>.</a:t>
+              <a:t>Наш веб-гаманець на основі блокчейну використовує архітектуру Model-View-Controller (MVC) для оптимізації операцій та покращення користувацького досвіду. Модель відповідає основним даним і правилам нашого додатку, таким як інформація про обліковий запис користувача і логіка транзакцій. Представлення керує відображенням інформації, наприклад, інтерфейсами перевірки балансу та створення транзакцій. Нарешті, контролер обробляє дані, введені користувачем, виконуючи такі дії, як перевірка балансу рахунку або створення транзакцій. Така структура забезпечує ефективне управління даними, безперебійну взаємодію з користувацьким інтерфейсом та ефективну обробку дій користувача, що в підсумку створює безперебійну та інтуїтивно зрозумілу роботу для користувачів нашого гаманця.</a:t>
             </a:r>
             <a:endParaRPr>
               <a:latin typeface="Times New Roman"/>
@@ -13048,20 +10095,12 @@
   <p:clrMapOvr>
     <a:masterClrMapping/>
   </p:clrMapOvr>
-  <mc:AlternateContent xmlns:mc="http://schemas.openxmlformats.org/markup-compatibility/2006">
-    <mc:Choice xmlns:p14="http://schemas.microsoft.com/office/powerpoint/2010/main" Requires="p14">
-      <p:transition p14:dur="2000" advClick="1"/>
-    </mc:Choice>
-    <mc:Fallback>
-      <p:transition advClick="1"/>
-    </mc:Fallback>
-  </mc:AlternateContent>
 </p:sld>
 </file>
 
 <file path=ppt/slides/slide8.xml><?xml version="1.0" encoding="utf-8"?>
-<p:sld xmlns:a="http://schemas.openxmlformats.org/drawingml/2006/main" xmlns:r="http://schemas.openxmlformats.org/officeDocument/2006/relationships" xmlns:p="http://schemas.openxmlformats.org/presentationml/2006/main" xmlns:m="http://schemas.openxmlformats.org/officeDocument/2006/math" xmlns:w="http://schemas.openxmlformats.org/wordprocessingml/2006/main" showMasterPhAnim="0" showMasterSp="0" show="1">
-  <p:cSld name="">
+<p:sld xmlns:a="http://schemas.openxmlformats.org/drawingml/2006/main" xmlns:r="http://schemas.openxmlformats.org/officeDocument/2006/relationships" xmlns:p="http://schemas.openxmlformats.org/presentationml/2006/main" showMasterSp="0" showMasterPhAnim="0">
+  <p:cSld>
     <p:spTree>
       <p:nvGrpSpPr>
         <p:cNvPr id="1" name=""/>
@@ -13152,7 +10191,7 @@
           <p:nvPr/>
         </p:nvSpPr>
         <p:spPr bwMode="auto">
-          <a:xfrm flipH="0" flipV="0">
+          <a:xfrm>
             <a:off x="1208764" y="1904999"/>
             <a:ext cx="9546014" cy="3799944"/>
           </a:xfrm>
@@ -13345,7 +10384,7 @@
                 <a:latin typeface="Times New Roman"/>
                 <a:cs typeface="Times New Roman"/>
               </a:rPr>
-              <a:t/>
+              <a:t>8</a:t>
             </a:fld>
             <a:endParaRPr>
               <a:latin typeface="Times New Roman"/>
@@ -13413,19 +10452,11 @@
   <p:clrMapOvr>
     <a:masterClrMapping/>
   </p:clrMapOvr>
-  <mc:AlternateContent xmlns:mc="http://schemas.openxmlformats.org/markup-compatibility/2006">
-    <mc:Choice xmlns:p14="http://schemas.microsoft.com/office/powerpoint/2010/main" Requires="p14">
-      <p:transition p14:dur="2000" advClick="1"/>
-    </mc:Choice>
-    <mc:Fallback>
-      <p:transition advClick="1"/>
-    </mc:Fallback>
-  </mc:AlternateContent>
 </p:sld>
 </file>
 
 <file path=ppt/theme/theme1.xml><?xml version="1.0" encoding="utf-8"?>
-<a:theme xmlns:a="http://schemas.openxmlformats.org/drawingml/2006/main" xmlns:r="http://schemas.openxmlformats.org/officeDocument/2006/relationships" xmlns:p="http://schemas.openxmlformats.org/presentationml/2006/main" name="Office Theme">
+<a:theme xmlns:a="http://schemas.openxmlformats.org/drawingml/2006/main" name="Office Theme">
   <a:themeElements>
     <a:clrScheme name="Office">
       <a:dk1>
@@ -13630,5 +10661,6 @@
     </a:fmtScheme>
   </a:themeElements>
   <a:objectDefaults/>
+  <a:extraClrSchemeLst/>
 </a:theme>
 </file>
--- a/sad/blokchejn-platforma-dlya-avtomatizovanoyi-platizhnoyi-sistemi-zahist-zvitu-z-tehnologichnoyi-praktiki-2023-5-30-16-16-39.pptx
+++ b/sad/blokchejn-platforma-dlya-avtomatizovanoyi-platizhnoyi-sistemi-zahist-zvitu-z-tehnologichnoyi-praktiki-2023-5-30-16-16-39.pptx
@@ -1,18 +1,19 @@
 
 <file path=ppt/presentation.xml><?xml version="1.0" encoding="utf-8"?>
-<p:presentation xmlns:a="http://schemas.openxmlformats.org/drawingml/2006/main" xmlns:r="http://schemas.openxmlformats.org/officeDocument/2006/relationships" xmlns:p="http://schemas.openxmlformats.org/presentationml/2006/main" showSpecialPlsOnTitleSld="0">
+<p:presentation xmlns:a="http://schemas.openxmlformats.org/drawingml/2006/main" xmlns:r="http://schemas.openxmlformats.org/officeDocument/2006/relationships" xmlns:p="http://schemas.openxmlformats.org/presentationml/2006/main" xmlns:m="http://schemas.openxmlformats.org/officeDocument/2006/math" xmlns:w="http://schemas.openxmlformats.org/wordprocessingml/2006/main" showSpecialPlsOnTitleSld="0">
   <p:sldMasterIdLst>
     <p:sldMasterId id="2147483648" r:id="rId1"/>
   </p:sldMasterIdLst>
   <p:sldIdLst>
-    <p:sldId id="256" r:id="rId2"/>
-    <p:sldId id="257" r:id="rId3"/>
-    <p:sldId id="258" r:id="rId4"/>
-    <p:sldId id="259" r:id="rId5"/>
-    <p:sldId id="260" r:id="rId6"/>
-    <p:sldId id="261" r:id="rId7"/>
-    <p:sldId id="262" r:id="rId8"/>
-    <p:sldId id="263" r:id="rId9"/>
+    <p:sldId id="256" r:id="rId3"/>
+    <p:sldId id="257" r:id="rId4"/>
+    <p:sldId id="258" r:id="rId5"/>
+    <p:sldId id="259" r:id="rId6"/>
+    <p:sldId id="260" r:id="rId7"/>
+    <p:sldId id="261" r:id="rId8"/>
+    <p:sldId id="262" r:id="rId9"/>
+    <p:sldId id="263" r:id="rId10"/>
+    <p:sldId id="264" r:id="rId11"/>
   </p:sldIdLst>
   <p:sldSz cx="12192000" cy="6413500"/>
   <p:notesSz cx="12192000" cy="6413500"/>
@@ -111,22 +112,6 @@
       </a:defRPr>
     </a:lvl9pPr>
   </p:defaultTextStyle>
-  <p:extLst>
-    <p:ext uri="{EFAFB233-063F-42B5-8137-9DF3F51BA10A}">
-      <p15:sldGuideLst xmlns:p15="http://schemas.microsoft.com/office/powerpoint/2012/main">
-        <p15:guide id="1" orient="horz" pos="2924">
-          <p15:clr>
-            <a:srgbClr val="A4A3A4"/>
-          </p15:clr>
-        </p15:guide>
-        <p15:guide id="2" pos="2160">
-          <p15:clr>
-            <a:srgbClr val="A4A3A4"/>
-          </p15:clr>
-        </p15:guide>
-      </p15:sldGuideLst>
-    </p:ext>
-  </p:extLst>
 </p:presentation>
 </file>
 
@@ -1633,7 +1618,7 @@
 </file>
 
 <file path=ppt/diagrams/data1.xml><?xml version="1.0" encoding="utf-8"?>
-<dgm:dataModel xmlns:dgm="http://schemas.openxmlformats.org/drawingml/2006/diagram" xmlns:a="http://schemas.openxmlformats.org/drawingml/2006/main">
+<dgm:dataModel xmlns:dgm="http://schemas.openxmlformats.org/drawingml/2006/diagram" xmlns:a="http://schemas.openxmlformats.org/drawingml/2006/main" xmlns:r="http://schemas.openxmlformats.org/officeDocument/2006/relationships">
   <dgm:ptLst>
     <dgm:pt modelId="{0E58EF5D-A4F6-406B-9846-A092BE01EB22}" type="doc">
       <dgm:prSet loTypeId="urn:microsoft.com/office/officeart/2016/7/layout/LinearBlockProcessNumbered" loCatId="process" qsTypeId="urn:microsoft.com/office/officeart/2005/8/quickstyle/simple1#1" qsCatId="simple" csTypeId="urn:microsoft.com/office/officeart/2005/8/colors/accent0_3" csCatId="mainScheme"/>
@@ -1733,7 +1718,7 @@
       </dgm:t>
     </dgm:pt>
     <dgm:pt modelId="{94A4947D-84AB-48E6-8DBD-B0FB7DCFE83A}" type="sibTrans" cxnId="{63E21DF4-5FBC-443D-9BC9-43B65A7BD892}">
-      <dgm:prSet phldrT="01" phldr="0"/>
+      <dgm:prSet phldr="0" phldrT="01"/>
       <dgm:spPr bwMode="auto"/>
       <dgm:t>
         <a:bodyPr vertOverflow="overflow" horzOverflow="overflow" vert="horz" rtlCol="0" fromWordArt="0" anchor="ctr" forceAA="0" compatLnSpc="0"/>
@@ -1839,7 +1824,7 @@
       </dgm:t>
     </dgm:pt>
     <dgm:pt modelId="{EB3BD4AE-D7EC-449F-9FEC-6862480B356F}" type="sibTrans" cxnId="{7C51A667-6AED-4C0F-A3C5-24DCB9960B16}">
-      <dgm:prSet phldrT="02" phldr="0"/>
+      <dgm:prSet phldr="0" phldrT="02"/>
       <dgm:spPr bwMode="auto"/>
       <dgm:t>
         <a:bodyPr vertOverflow="overflow" horzOverflow="overflow" vert="horz" rtlCol="0" fromWordArt="0" anchor="ctr" forceAA="0" compatLnSpc="0"/>
@@ -1945,7 +1930,7 @@
       </dgm:t>
     </dgm:pt>
     <dgm:pt modelId="{4CBAFDCC-6EA0-4DEA-9121-2062BC43DD0B}" type="sibTrans" cxnId="{4ED74027-7C0D-4D16-A0CB-88ADEB6B9117}">
-      <dgm:prSet phldrT="03" phldr="0"/>
+      <dgm:prSet phldr="0" phldrT="03"/>
       <dgm:spPr bwMode="auto"/>
       <dgm:t>
         <a:bodyPr vertOverflow="overflow" horzOverflow="overflow" vert="horz" rtlCol="0" fromWordArt="0" anchor="ctr" forceAA="0" compatLnSpc="0"/>
@@ -1995,7 +1980,7 @@
       <dgm:spPr bwMode="auto"/>
     </dgm:pt>
     <dgm:pt modelId="{9749F921-1780-4BC4-94D4-CA6CB4386FA2}" type="pres">
-      <dgm:prSet presAssocID="{53958BD8-D0F9-43A4-A8E7-C43BE5627982}" presName="bgRect" presStyleLbl="alignNode1" presStyleIdx="0" presStyleCnt="3" custLinFactY="245"/>
+      <dgm:prSet custLinFactY="245" presAssocID="{53958BD8-D0F9-43A4-A8E7-C43BE5627982}" presName="bgRect" presStyleLbl="alignNode1" presStyleIdx="0" presStyleCnt="3"/>
       <dgm:spPr bwMode="auto">
         <a:prstGeom prst="roundRect">
           <a:avLst>
@@ -2163,14 +2148,14 @@
   <dgm:whole/>
   <dgm:extLst>
     <a:ext uri="http://schemas.microsoft.com/office/drawing/2008/diagram">
-      <dsp:dataModelExt xmlns:dsp="http://schemas.microsoft.com/office/drawing/2008/diagram" relId="rId6" minVer="http://schemas.openxmlformats.org/drawingml/2006/diagram"/>
+      <dsp:dataModelExt xmlns:dsp="http://schemas.microsoft.com/office/drawing/2008/diagram" relId="rId1" minVer="http://schemas.openxmlformats.org/drawingml/2006/diagram"/>
     </a:ext>
   </dgm:extLst>
 </dgm:dataModel>
 </file>
 
 <file path=ppt/diagrams/data2.xml><?xml version="1.0" encoding="utf-8"?>
-<dgm:dataModel xmlns:dgm="http://schemas.openxmlformats.org/drawingml/2006/diagram" xmlns:a="http://schemas.openxmlformats.org/drawingml/2006/main">
+<dgm:dataModel xmlns:dgm="http://schemas.openxmlformats.org/drawingml/2006/diagram" xmlns:a="http://schemas.openxmlformats.org/drawingml/2006/main" xmlns:r="http://schemas.openxmlformats.org/officeDocument/2006/relationships">
   <dgm:ptLst>
     <dgm:pt modelId="{0E58EF5D-A4F6-406B-9846-A092BE01EB22}" type="doc">
       <dgm:prSet loTypeId="urn:microsoft.com/office/officeart/2016/7/layout/LinearBlockProcessNumbered" loCatId="process" qsTypeId="urn:microsoft.com/office/officeart/2005/8/quickstyle/simple1#1" qsCatId="simple" csTypeId="urn:microsoft.com/office/officeart/2005/8/colors/accent0_3" csCatId="mainScheme"/>
@@ -2216,6 +2201,7 @@
             </a:rPr>
             <a:t>: Провести глибокий аналіз обраної архітектури системи, особливо щодо управління потоками даних. Зрозуміти логіку, яка лежала в основі вибору цього структурного стилю.</a:t>
           </a:r>
+          <a:endParaRPr/>
         </a:p>
         <a:p>
           <a:pPr>
@@ -2246,7 +2232,7 @@
       </dgm:t>
     </dgm:pt>
     <dgm:pt modelId="{94A4947D-84AB-48E6-8DBD-B0FB7DCFE83A}" type="sibTrans" cxnId="{63E21DF4-5FBC-443D-9BC9-43B65A7BD892}">
-      <dgm:prSet phldrT="01" phldr="0"/>
+      <dgm:prSet phldr="0" phldrT="01"/>
       <dgm:spPr bwMode="auto"/>
       <dgm:t>
         <a:bodyPr vertOverflow="overflow" horzOverflow="overflow" vert="horz" rtlCol="0" fromWordArt="0" anchor="ctr" forceAA="0" compatLnSpc="0"/>
@@ -2341,7 +2327,7 @@
       </dgm:t>
     </dgm:pt>
     <dgm:pt modelId="{EB3BD4AE-D7EC-449F-9FEC-6862480B356F}" type="sibTrans" cxnId="{7C51A667-6AED-4C0F-A3C5-24DCB9960B16}">
-      <dgm:prSet phldrT="02" phldr="0"/>
+      <dgm:prSet phldr="0" phldrT="02"/>
       <dgm:spPr bwMode="auto"/>
       <dgm:t>
         <a:bodyPr vertOverflow="overflow" horzOverflow="overflow" vert="horz" rtlCol="0" fromWordArt="0" anchor="ctr" forceAA="0" compatLnSpc="0"/>
@@ -2445,7 +2431,7 @@
       </dgm:t>
     </dgm:pt>
     <dgm:pt modelId="{4CBAFDCC-6EA0-4DEA-9121-2062BC43DD0B}" type="sibTrans" cxnId="{4ED74027-7C0D-4D16-A0CB-88ADEB6B9117}">
-      <dgm:prSet phldrT="03" phldr="0"/>
+      <dgm:prSet phldr="0" phldrT="03"/>
       <dgm:spPr bwMode="auto"/>
       <dgm:t>
         <a:bodyPr vertOverflow="overflow" horzOverflow="overflow" vert="horz" rtlCol="0" fromWordArt="0" anchor="ctr" forceAA="0" compatLnSpc="0"/>
@@ -2495,7 +2481,7 @@
       <dgm:spPr bwMode="auto"/>
     </dgm:pt>
     <dgm:pt modelId="{9749F921-1780-4BC4-94D4-CA6CB4386FA2}" type="pres">
-      <dgm:prSet presAssocID="{53958BD8-D0F9-43A4-A8E7-C43BE5627982}" presName="bgRect" presStyleLbl="alignNode1" presStyleIdx="0" presStyleCnt="3" custLinFactY="245"/>
+      <dgm:prSet custLinFactY="245" presAssocID="{53958BD8-D0F9-43A4-A8E7-C43BE5627982}" presName="bgRect" presStyleLbl="alignNode1" presStyleIdx="0" presStyleCnt="3"/>
       <dgm:spPr bwMode="auto">
         <a:prstGeom prst="roundRect">
           <a:avLst>
@@ -2663,20 +2649,27 @@
   <dgm:whole/>
   <dgm:extLst>
     <a:ext uri="http://schemas.microsoft.com/office/drawing/2008/diagram">
-      <dsp:dataModelExt xmlns:dsp="http://schemas.microsoft.com/office/drawing/2008/diagram" relId="rId11" minVer="http://schemas.openxmlformats.org/drawingml/2006/diagram"/>
+      <dsp:dataModelExt xmlns:dsp="http://schemas.microsoft.com/office/drawing/2008/diagram" relId="rId1" minVer="http://schemas.openxmlformats.org/drawingml/2006/diagram"/>
     </a:ext>
   </dgm:extLst>
 </dgm:dataModel>
 </file>
 
 <file path=ppt/diagrams/drawing1.xml><?xml version="1.0" encoding="utf-8"?>
-<dsp:drawing xmlns:dgm="http://schemas.openxmlformats.org/drawingml/2006/diagram" xmlns:dsp="http://schemas.microsoft.com/office/drawing/2008/diagram" xmlns:a="http://schemas.openxmlformats.org/drawingml/2006/main">
+<dsp:drawing xmlns:dsp="http://schemas.microsoft.com/office/drawing/2008/diagram" xmlns:dgm="http://schemas.openxmlformats.org/drawingml/2006/diagram" xmlns:a="http://schemas.openxmlformats.org/drawingml/2006/main" xmlns:r="http://schemas.openxmlformats.org/officeDocument/2006/relationships">
   <dsp:spTree>
     <dsp:nvGrpSpPr>
-      <dsp:cNvPr id="0" name=""/>
+      <dsp:cNvPr id="234917209" name=""/>
       <dsp:cNvGrpSpPr/>
     </dsp:nvGrpSpPr>
-    <dsp:grpSpPr/>
+    <dsp:grpSpPr bwMode="auto">
+      <a:xfrm>
+        <a:off x="0" y="0"/>
+        <a:ext cx="9905999" cy="4082074"/>
+        <a:chOff x="0" y="0"/>
+        <a:chExt cx="9905999" cy="4082074"/>
+      </a:xfrm>
+    </dsp:grpSpPr>
     <dsp:sp modelId="{9749F921-1780-4BC4-94D4-CA6CB4386FA2}">
       <dsp:nvSpPr>
         <dsp:cNvPr id="0" name=""/>
@@ -2729,7 +2722,7 @@
               <a:spcPct val="90000"/>
             </a:lnSpc>
             <a:spcBef>
-              <a:spcPct val="0"/>
+              <a:spcPts val="0"/>
             </a:spcBef>
             <a:spcAft>
               <a:spcPts val="0"/>
@@ -2738,7 +2731,7 @@
             <a:defRPr/>
           </a:pPr>
           <a:r>
-            <a:rPr lang="en-US" sz="1600" b="0" i="0" u="none" strike="noStrike" kern="1200" cap="none" spc="0">
+            <a:rPr lang="en-US" sz="1600" b="0" i="0" u="none" strike="noStrike" cap="none" spc="0">
               <a:solidFill>
                 <a:schemeClr val="tx1"/>
               </a:solidFill>
@@ -2748,7 +2741,7 @@
             <a:t>Розробити блокчейн-систему з </a:t>
           </a:r>
           <a:r>
-            <a:rPr lang="en-US" sz="1600" b="1" i="0" u="none" strike="noStrike" kern="1200" cap="none" spc="0">
+            <a:rPr lang="en-US" sz="1600" b="1" i="0" u="none" strike="noStrike" cap="none" spc="0">
               <a:solidFill>
                 <a:schemeClr val="tx1"/>
               </a:solidFill>
@@ -2758,7 +2751,7 @@
             <a:t>гібридною мережевою архітектурою</a:t>
           </a:r>
           <a:r>
-            <a:rPr lang="en-US" sz="1600" b="0" i="0" u="none" strike="noStrike" kern="1200" cap="none" spc="0">
+            <a:rPr lang="en-US" sz="1600" b="0" i="0" u="none" strike="noStrike" cap="none" spc="0">
               <a:solidFill>
                 <a:schemeClr val="tx1"/>
               </a:solidFill>
@@ -2768,7 +2761,7 @@
             <a:t>, що дозволить зменшити затримку транзакцій та підвищити масштабованість мережі.</a:t>
           </a:r>
           <a:r>
-            <a:rPr lang="en-US" sz="1600" kern="1200">
+            <a:rPr lang="en-US" sz="1600">
               <a:solidFill>
                 <a:schemeClr val="tx1"/>
               </a:solidFill>
@@ -2777,7 +2770,7 @@
             </a:rPr>
             <a:t> </a:t>
           </a:r>
-          <a:endParaRPr sz="1600" kern="1200">
+          <a:endParaRPr sz="1600">
             <a:solidFill>
               <a:schemeClr val="tx1"/>
             </a:solidFill>
@@ -2810,7 +2803,6 @@
           <a:prstDash val="solid"/>
         </a:ln>
         <a:effectLst/>
-        <a:sp3d/>
       </dsp:spPr>
       <dsp:style>
         <a:lnRef idx="2">
@@ -2837,7 +2829,7 @@
               <a:spcPct val="90000"/>
             </a:lnSpc>
             <a:spcBef>
-              <a:spcPct val="0"/>
+              <a:spcPts val="0"/>
             </a:spcBef>
             <a:spcAft>
               <a:spcPts val="0"/>
@@ -2846,13 +2838,13 @@
             <a:defRPr/>
           </a:pPr>
           <a:r>
-            <a:rPr lang="en-US" sz="6600" kern="1200">
+            <a:rPr lang="en-US" sz="6600">
               <a:latin typeface="Times New Roman"/>
               <a:cs typeface="Times New Roman"/>
             </a:rPr>
             <a:t>01</a:t>
           </a:r>
-          <a:endParaRPr sz="6600" kern="1200">
+          <a:endParaRPr sz="6600">
             <a:latin typeface="Times New Roman"/>
             <a:cs typeface="Times New Roman"/>
           </a:endParaRPr>
@@ -2915,7 +2907,7 @@
               <a:spcPct val="90000"/>
             </a:lnSpc>
             <a:spcBef>
-              <a:spcPct val="0"/>
+              <a:spcPts val="0"/>
             </a:spcBef>
             <a:spcAft>
               <a:spcPts val="0"/>
@@ -2924,7 +2916,7 @@
             <a:defRPr/>
           </a:pPr>
           <a:r>
-            <a:rPr lang="en-US" sz="1600" b="0" i="0" u="none" strike="noStrike" kern="1200" cap="none" spc="0">
+            <a:rPr lang="en-US" sz="1600" b="0" i="0" u="none" strike="noStrike" cap="none" spc="0">
               <a:solidFill>
                 <a:schemeClr val="tx1"/>
               </a:solidFill>
@@ -2934,7 +2926,7 @@
             <a:t>Реалізувати </a:t>
           </a:r>
           <a:r>
-            <a:rPr lang="en-US" sz="1600" b="1" i="0" u="none" strike="noStrike" kern="1200" cap="none" spc="0">
+            <a:rPr lang="en-US" sz="1600" b="1" i="0" u="none" strike="noStrike" cap="none" spc="0">
               <a:solidFill>
                 <a:schemeClr val="tx1"/>
               </a:solidFill>
@@ -2944,7 +2936,7 @@
             <a:t>гібридний механізм консенсусу</a:t>
           </a:r>
           <a:r>
-            <a:rPr lang="en-US" sz="1600" b="0" i="0" u="none" strike="noStrike" kern="1200" cap="none" spc="0">
+            <a:rPr lang="en-US" sz="1600" b="0" i="0" u="none" strike="noStrike" cap="none" spc="0">
               <a:solidFill>
                 <a:schemeClr val="tx1"/>
               </a:solidFill>
@@ -2953,7 +2945,7 @@
             </a:rPr>
             <a:t>, що поєднує в собі доказ часу, що минув (PoET) та доказ роботи (PoW), з метою зменшення ризиків централізації та зниження енергоспоживання у порівнянні з традиційними блокчейн-системами.</a:t>
           </a:r>
-          <a:endParaRPr sz="1600" kern="1200">
+          <a:endParaRPr sz="1600">
             <a:solidFill>
               <a:schemeClr val="tx1"/>
             </a:solidFill>
@@ -2986,7 +2978,6 @@
           <a:prstDash val="solid"/>
         </a:ln>
         <a:effectLst/>
-        <a:sp3d/>
       </dsp:spPr>
       <dsp:style>
         <a:lnRef idx="2">
@@ -3013,7 +3004,7 @@
               <a:spcPct val="90000"/>
             </a:lnSpc>
             <a:spcBef>
-              <a:spcPct val="0"/>
+              <a:spcPts val="0"/>
             </a:spcBef>
             <a:spcAft>
               <a:spcPts val="0"/>
@@ -3022,13 +3013,13 @@
             <a:defRPr/>
           </a:pPr>
           <a:r>
-            <a:rPr lang="en-US" sz="6600" kern="1200">
+            <a:rPr lang="en-US" sz="6600">
               <a:latin typeface="Times New Roman"/>
               <a:cs typeface="Times New Roman"/>
             </a:rPr>
             <a:t>02</a:t>
           </a:r>
-          <a:endParaRPr sz="6600" kern="1200">
+          <a:endParaRPr sz="6600">
             <a:latin typeface="Times New Roman"/>
             <a:cs typeface="Times New Roman"/>
           </a:endParaRPr>
@@ -3091,7 +3082,7 @@
               <a:spcPct val="90000"/>
             </a:lnSpc>
             <a:spcBef>
-              <a:spcPct val="0"/>
+              <a:spcPts val="0"/>
             </a:spcBef>
             <a:spcAft>
               <a:spcPts val="0"/>
@@ -3100,7 +3091,7 @@
             <a:defRPr/>
           </a:pPr>
           <a:r>
-            <a:rPr lang="en-US" sz="1600" b="0" i="0" u="none" strike="noStrike" kern="1200" cap="none" spc="0">
+            <a:rPr lang="en-US" sz="1600" b="0" i="0" u="none" strike="noStrike" cap="none" spc="0">
               <a:solidFill>
                 <a:schemeClr val="tx1"/>
               </a:solidFill>
@@ -3110,7 +3101,7 @@
             <a:t>Вирішити </a:t>
           </a:r>
           <a:r>
-            <a:rPr lang="en-US" sz="1600" b="1" i="0" u="none" strike="noStrike" kern="1200" cap="none" spc="0">
+            <a:rPr lang="en-US" sz="1600" b="1" i="0" u="none" strike="noStrike" cap="none" spc="0">
               <a:solidFill>
                 <a:schemeClr val="tx1"/>
               </a:solidFill>
@@ -3120,7 +3111,7 @@
             <a:t>проблеми високих комісійних</a:t>
           </a:r>
           <a:r>
-            <a:rPr lang="en-US" sz="1600" b="0" i="0" u="none" strike="noStrike" kern="1200" cap="none" spc="0">
+            <a:rPr lang="en-US" sz="1600" b="0" i="0" u="none" strike="noStrike" cap="none" spc="0">
               <a:solidFill>
                 <a:schemeClr val="tx1"/>
               </a:solidFill>
@@ -3129,7 +3120,7 @@
             </a:rPr>
             <a:t> витрат за рахунок підтримки ефективної роботи мережі навіть при великих обсягах транзакцій, що забезпечує нижчу комісію за транзакції для користувачів.</a:t>
           </a:r>
-          <a:endParaRPr sz="1600" kern="1200">
+          <a:endParaRPr sz="1600">
             <a:solidFill>
               <a:schemeClr val="tx1"/>
             </a:solidFill>
@@ -3162,7 +3153,6 @@
           <a:prstDash val="solid"/>
         </a:ln>
         <a:effectLst/>
-        <a:sp3d/>
       </dsp:spPr>
       <dsp:style>
         <a:lnRef idx="2">
@@ -3189,7 +3179,7 @@
               <a:spcPct val="90000"/>
             </a:lnSpc>
             <a:spcBef>
-              <a:spcPct val="0"/>
+              <a:spcPts val="0"/>
             </a:spcBef>
             <a:spcAft>
               <a:spcPts val="0"/>
@@ -3198,13 +3188,13 @@
             <a:defRPr/>
           </a:pPr>
           <a:r>
-            <a:rPr lang="en-US" sz="6600" kern="1200">
+            <a:rPr lang="en-US" sz="6600">
               <a:latin typeface="Times New Roman"/>
               <a:cs typeface="Times New Roman"/>
             </a:rPr>
             <a:t>03</a:t>
           </a:r>
-          <a:endParaRPr sz="6600" kern="1200">
+          <a:endParaRPr sz="6600">
             <a:latin typeface="Times New Roman"/>
             <a:cs typeface="Times New Roman"/>
           </a:endParaRPr>
@@ -3220,13 +3210,20 @@
 </file>
 
 <file path=ppt/diagrams/drawing2.xml><?xml version="1.0" encoding="utf-8"?>
-<dsp:drawing xmlns:dgm="http://schemas.openxmlformats.org/drawingml/2006/diagram" xmlns:dsp="http://schemas.microsoft.com/office/drawing/2008/diagram" xmlns:a="http://schemas.openxmlformats.org/drawingml/2006/main">
+<dsp:drawing xmlns:dsp="http://schemas.microsoft.com/office/drawing/2008/diagram" xmlns:dgm="http://schemas.openxmlformats.org/drawingml/2006/diagram" xmlns:a="http://schemas.openxmlformats.org/drawingml/2006/main" xmlns:r="http://schemas.openxmlformats.org/officeDocument/2006/relationships">
   <dsp:spTree>
     <dsp:nvGrpSpPr>
-      <dsp:cNvPr id="0" name=""/>
+      <dsp:cNvPr id="1450029389" name=""/>
       <dsp:cNvGrpSpPr/>
     </dsp:nvGrpSpPr>
-    <dsp:grpSpPr/>
+    <dsp:grpSpPr bwMode="auto">
+      <a:xfrm>
+        <a:off x="0" y="0"/>
+        <a:ext cx="9905998" cy="4082073"/>
+        <a:chOff x="0" y="0"/>
+        <a:chExt cx="9905998" cy="4082073"/>
+      </a:xfrm>
+    </dsp:grpSpPr>
     <dsp:sp modelId="{9749F921-1780-4BC4-94D4-CA6CB4386FA2}">
       <dsp:nvSpPr>
         <dsp:cNvPr id="0" name=""/>
@@ -3279,16 +3276,16 @@
               <a:spcPct val="90000"/>
             </a:lnSpc>
             <a:spcBef>
-              <a:spcPct val="0"/>
+              <a:spcPts val="0"/>
             </a:spcBef>
             <a:spcAft>
-              <a:spcPct val="35000"/>
+              <a:spcPts val="0"/>
             </a:spcAft>
             <a:buNone/>
             <a:defRPr/>
           </a:pPr>
           <a:r>
-            <a:rPr lang="en-US" sz="1600" b="1" i="0" u="none" strike="noStrike" kern="1200" cap="none" spc="0">
+            <a:rPr lang="en-US" sz="1600" b="1" i="0" u="none" strike="noStrike" cap="none" spc="0">
               <a:solidFill>
                 <a:schemeClr val="tx1"/>
               </a:solidFill>
@@ -3298,7 +3295,7 @@
             <a:t>Оцінка архітектури системи</a:t>
           </a:r>
           <a:r>
-            <a:rPr lang="en-US" sz="1600" b="0" i="0" u="none" strike="noStrike" kern="1200" cap="none" spc="0">
+            <a:rPr lang="en-US" sz="1600" b="0" i="0" u="none" strike="noStrike" cap="none" spc="0">
               <a:solidFill>
                 <a:schemeClr val="tx1"/>
               </a:solidFill>
@@ -3307,6 +3304,7 @@
             </a:rPr>
             <a:t>: Провести глибокий аналіз обраної архітектури системи, особливо щодо управління потоками даних. Зрозуміти логіку, яка лежала в основі вибору цього структурного стилю.</a:t>
           </a:r>
+          <a:endParaRPr/>
         </a:p>
         <a:p>
           <a:pPr marL="0" lvl="0" indent="0" algn="l" defTabSz="711200">
@@ -3314,15 +3312,15 @@
               <a:spcPct val="90000"/>
             </a:lnSpc>
             <a:spcBef>
-              <a:spcPct val="0"/>
+              <a:spcPts val="0"/>
             </a:spcBef>
             <a:spcAft>
-              <a:spcPct val="35000"/>
+              <a:spcPts val="0"/>
             </a:spcAft>
             <a:buNone/>
             <a:defRPr/>
           </a:pPr>
-          <a:endParaRPr lang="en-US" sz="1600" b="0" i="0" u="none" strike="noStrike" kern="1200" cap="none" spc="0">
+          <a:endParaRPr lang="en-US" sz="1600" b="0" i="0" u="none" strike="noStrike" cap="none" spc="0">
             <a:solidFill>
               <a:schemeClr val="tx1"/>
             </a:solidFill>
@@ -3355,7 +3353,6 @@
           <a:prstDash val="solid"/>
         </a:ln>
         <a:effectLst/>
-        <a:sp3d/>
       </dsp:spPr>
       <dsp:style>
         <a:lnRef idx="2">
@@ -3382,7 +3379,7 @@
               <a:spcPct val="90000"/>
             </a:lnSpc>
             <a:spcBef>
-              <a:spcPct val="0"/>
+              <a:spcPts val="0"/>
             </a:spcBef>
             <a:spcAft>
               <a:spcPts val="0"/>
@@ -3391,13 +3388,13 @@
             <a:defRPr/>
           </a:pPr>
           <a:r>
-            <a:rPr lang="en-US" sz="6600" kern="1200">
+            <a:rPr lang="en-US" sz="6600">
               <a:latin typeface="Times New Roman"/>
               <a:cs typeface="Times New Roman"/>
             </a:rPr>
             <a:t>01</a:t>
           </a:r>
-          <a:endParaRPr sz="6600" kern="1200">
+          <a:endParaRPr sz="6600">
             <a:latin typeface="Times New Roman"/>
             <a:cs typeface="Times New Roman"/>
           </a:endParaRPr>
@@ -3460,16 +3457,16 @@
               <a:spcPct val="90000"/>
             </a:lnSpc>
             <a:spcBef>
-              <a:spcPct val="0"/>
+              <a:spcPts val="0"/>
             </a:spcBef>
             <a:spcAft>
-              <a:spcPct val="35000"/>
+              <a:spcPts val="0"/>
             </a:spcAft>
             <a:buNone/>
             <a:defRPr/>
           </a:pPr>
           <a:r>
-            <a:rPr lang="en-US" sz="1600" b="1" i="0" u="none" strike="noStrike" kern="1200" cap="none" spc="0">
+            <a:rPr lang="en-US" sz="1600" b="1" i="0" u="none" strike="noStrike" cap="none" spc="0">
               <a:solidFill>
                 <a:schemeClr val="tx1"/>
               </a:solidFill>
@@ -3480,7 +3477,7 @@
             <a:t>Вивчення архітектури програми</a:t>
           </a:r>
           <a:r>
-            <a:rPr lang="en-US" sz="1600" b="0" i="0" u="none" strike="noStrike" kern="1200" cap="none" spc="0">
+            <a:rPr lang="en-US" sz="1600" b="0" i="0" u="none" strike="noStrike" cap="none" spc="0">
               <a:solidFill>
                 <a:schemeClr val="tx1"/>
               </a:solidFill>
@@ -3490,7 +3487,7 @@
             </a:rPr>
             <a:t>: Дослідити обрану архітектуру програми, зосередивши увагу на її масштабованості. Переконливо довести, що цей вибір є найбільш компетентним підходом.</a:t>
           </a:r>
-          <a:endParaRPr sz="1600" b="0" i="0" u="none" strike="noStrike" kern="1200" cap="none" spc="0">
+          <a:endParaRPr sz="1600" b="0" i="0" u="none" strike="noStrike" cap="none" spc="0">
             <a:solidFill>
               <a:schemeClr val="tx1"/>
             </a:solidFill>
@@ -3504,15 +3501,15 @@
               <a:spcPct val="90000"/>
             </a:lnSpc>
             <a:spcBef>
-              <a:spcPct val="0"/>
+              <a:spcPts val="0"/>
             </a:spcBef>
             <a:spcAft>
-              <a:spcPct val="35000"/>
+              <a:spcPts val="0"/>
             </a:spcAft>
             <a:buNone/>
             <a:defRPr/>
           </a:pPr>
-          <a:endParaRPr kern="1200"/>
+          <a:endParaRPr/>
         </a:p>
       </dsp:txBody>
       <dsp:txXfrm>
@@ -3539,7 +3536,6 @@
           <a:prstDash val="solid"/>
         </a:ln>
         <a:effectLst/>
-        <a:sp3d/>
       </dsp:spPr>
       <dsp:style>
         <a:lnRef idx="2">
@@ -3566,7 +3562,7 @@
               <a:spcPct val="90000"/>
             </a:lnSpc>
             <a:spcBef>
-              <a:spcPct val="0"/>
+              <a:spcPts val="0"/>
             </a:spcBef>
             <a:spcAft>
               <a:spcPts val="0"/>
@@ -3575,13 +3571,13 @@
             <a:defRPr/>
           </a:pPr>
           <a:r>
-            <a:rPr lang="en-US" sz="6600" kern="1200">
+            <a:rPr lang="en-US" sz="6600">
               <a:latin typeface="Times New Roman"/>
               <a:cs typeface="Times New Roman"/>
             </a:rPr>
             <a:t>02</a:t>
           </a:r>
-          <a:endParaRPr sz="6600" kern="1200">
+          <a:endParaRPr sz="6600">
             <a:latin typeface="Times New Roman"/>
             <a:cs typeface="Times New Roman"/>
           </a:endParaRPr>
@@ -3644,7 +3640,7 @@
               <a:spcPct val="90000"/>
             </a:lnSpc>
             <a:spcBef>
-              <a:spcPct val="0"/>
+              <a:spcPts val="0"/>
             </a:spcBef>
             <a:spcAft>
               <a:spcPts val="0"/>
@@ -3653,7 +3649,7 @@
             <a:defRPr/>
           </a:pPr>
           <a:r>
-            <a:rPr lang="en-US" sz="1600" b="1" i="0" u="none" strike="noStrike" kern="1200" cap="none" spc="0">
+            <a:rPr lang="en-US" sz="1600" b="1" i="0" u="none" strike="noStrike" cap="none" spc="0">
               <a:solidFill>
                 <a:schemeClr val="tx1"/>
               </a:solidFill>
@@ -3664,7 +3660,7 @@
             <a:t>Визначення обмежень системи</a:t>
           </a:r>
           <a:r>
-            <a:rPr lang="en-US" sz="1600" b="0" i="0" u="none" strike="noStrike" kern="1200" cap="none" spc="0">
+            <a:rPr lang="en-US" sz="1600" b="0" i="0" u="none" strike="noStrike" cap="none" spc="0">
               <a:solidFill>
                 <a:schemeClr val="tx1"/>
               </a:solidFill>
@@ -3674,7 +3670,7 @@
             </a:rPr>
             <a:t>: Зафіксувати обмеження та обмеження, що впливають на функціональність системи та її стани. Дослідити їхній вплив на систему і те, як вони враховані в архітектурі.</a:t>
           </a:r>
-          <a:endParaRPr sz="1600" kern="1200">
+          <a:endParaRPr sz="1600">
             <a:solidFill>
               <a:schemeClr val="tx1"/>
             </a:solidFill>
@@ -3685,12 +3681,12 @@
         <a:p>
           <a:pPr lvl="0">
             <a:spcBef>
-              <a:spcPct val="0"/>
+              <a:spcPts val="0"/>
             </a:spcBef>
             <a:buNone/>
             <a:defRPr/>
           </a:pPr>
-          <a:endParaRPr kern="1200"/>
+          <a:endParaRPr/>
         </a:p>
       </dsp:txBody>
       <dsp:txXfrm>
@@ -3717,7 +3713,6 @@
           <a:prstDash val="solid"/>
         </a:ln>
         <a:effectLst/>
-        <a:sp3d/>
       </dsp:spPr>
       <dsp:style>
         <a:lnRef idx="2">
@@ -3744,7 +3739,7 @@
               <a:spcPct val="90000"/>
             </a:lnSpc>
             <a:spcBef>
-              <a:spcPct val="0"/>
+              <a:spcPts val="0"/>
             </a:spcBef>
             <a:spcAft>
               <a:spcPts val="0"/>
@@ -3753,13 +3748,13 @@
             <a:defRPr/>
           </a:pPr>
           <a:r>
-            <a:rPr lang="en-US" sz="6600" kern="1200">
+            <a:rPr lang="en-US" sz="6600">
               <a:latin typeface="Times New Roman"/>
               <a:cs typeface="Times New Roman"/>
             </a:rPr>
             <a:t>03</a:t>
           </a:r>
-          <a:endParaRPr sz="6600" kern="1200">
+          <a:endParaRPr sz="6600">
             <a:latin typeface="Times New Roman"/>
             <a:cs typeface="Times New Roman"/>
           </a:endParaRPr>
@@ -3775,7 +3770,7 @@
 </file>
 
 <file path=ppt/diagrams/layout1.xml><?xml version="1.0" encoding="utf-8"?>
-<dgm:layoutDef xmlns:dgm="http://schemas.openxmlformats.org/drawingml/2006/diagram" xmlns:a="http://schemas.openxmlformats.org/drawingml/2006/main" uniqueId="urn:microsoft.com/office/officeart/2016/7/layout/LinearBlockProcessNumbered">
+<dgm:layoutDef xmlns:dgm="http://schemas.openxmlformats.org/drawingml/2006/diagram" xmlns:a="http://schemas.openxmlformats.org/drawingml/2006/main" xmlns:r="http://schemas.openxmlformats.org/officeDocument/2006/relationships" uniqueId="urn:microsoft.com/office/officeart/2016/7/layout/LinearBlockProcessNumbered">
   <dgm:title val="Linear Block Process Numbered"/>
   <dgm:desc val="Used to show a progression; a timeline; sequential steps in a task, process, or workflow; or to emphasize movement or direction. Automatic numbers have been introduced to show the steps of the process. Level 1 text and Level 2 text both appears in a rectangle."/>
   <dgm:catLst>
@@ -3922,20 +3917,20 @@
       <dgm:param type="linDir" val="fromL"/>
       <dgm:param type="nodeVertAlign" val="t"/>
     </dgm:alg>
-    <dgm:shape xmlns:r="http://schemas.openxmlformats.org/officeDocument/2006/relationships" r:blip="">
+    <dgm:shape r:blip="">
       <dgm:adjLst/>
     </dgm:shape>
     <dgm:presOf/>
     <dgm:constrLst>
       <dgm:constr type="h" for="ch" forName="compositeNode" refType="h"/>
       <dgm:constr type="w" for="ch" forName="compositeNode" refType="w"/>
-      <dgm:constr type="w" for="des" forName="simulatedConn" refType="w" refFor="ch" refForName="compositeNode" fact="0.15"/>
+      <dgm:constr type="w" for="des" forName="simulatedConn" refType="w" refFor="ch" refForName="compositeNode" fact="0.150000"/>
       <dgm:constr type="h" for="des" forName="simulatedConn" refType="w" refFor="des" refForName="simulatedConn"/>
-      <dgm:constr type="h" for="des" forName="vSp1" refType="w" refFor="ch" refForName="compositeNode" fact="0.8"/>
-      <dgm:constr type="h" for="des" forName="vSp2" refType="w" refFor="ch" refForName="compositeNode" fact="0.07"/>
+      <dgm:constr type="h" for="des" forName="vSp1" refType="w" refFor="ch" refForName="compositeNode" fact="0.800000"/>
+      <dgm:constr type="h" for="des" forName="vSp2" refType="w" refFor="ch" refForName="compositeNode" fact="0.070000"/>
       <dgm:constr type="w" for="ch" forName="vProcSp" refType="w" refFor="des" refForName="simulatedConn" op="equ"/>
       <dgm:constr type="h" for="ch" forName="vProcSp" refType="h" refFor="ch" refForName="compositeNode" op="equ"/>
-      <dgm:constr type="w" for="ch" forName="sibTrans" refType="w" refFor="ch" refForName="compositeNode" fact="0.08"/>
+      <dgm:constr type="w" for="ch" forName="sibTrans" refType="w" refFor="ch" refForName="compositeNode" fact="0.080000"/>
       <dgm:constr type="primFontSz" for="des" forName="sibTransNodeRect" op="equ"/>
       <dgm:constr type="primFontSz" for="des" forName="nodeRect" op="equ"/>
     </dgm:constrLst>
@@ -3947,17 +3942,17 @@
         </dgm:varLst>
         <dgm:alg type="composite"/>
         <dgm:constrLst>
-          <dgm:constr type="h" refType="w" op="lte" fact="1.2"/>
+          <dgm:constr type="h" refType="w" op="lte" fact="1.200000"/>
           <dgm:constr type="w" for="ch" forName="bgRect" refType="w"/>
           <dgm:constr type="h" for="ch" forName="bgRect" refType="h"/>
           <dgm:constr type="t" for="ch" forName="bgRect"/>
           <dgm:constr type="l" for="ch" forName="bgRect"/>
           <dgm:constr type="w" for="ch" forName="sibTransNodeRect" refType="w" refFor="ch" refForName="bgRect"/>
-          <dgm:constr type="h" for="ch" forName="sibTransNodeRect" refType="h" refFor="ch" refForName="bgRect" fact="0.4"/>
+          <dgm:constr type="h" for="ch" forName="sibTransNodeRect" refType="h" refFor="ch" refForName="bgRect" fact="0.400000"/>
           <dgm:constr type="t" for="ch" forName="sibTransNodeRect"/>
           <dgm:constr type="l" for="ch" forName="sibTransNodeRect"/>
           <dgm:constr type="r" for="ch" forName="nodeRect" refType="r" refFor="ch" refForName="bgRect"/>
-          <dgm:constr type="h" for="ch" forName="nodeRect" refType="h" refFor="ch" refForName="bgRect" fact="0.6"/>
+          <dgm:constr type="h" for="ch" forName="nodeRect" refType="h" refFor="ch" refForName="bgRect" fact="0.600000"/>
           <dgm:constr type="t" for="ch" forName="nodeRect" refType="b" refFor="ch" refForName="sibTransNodeRect"/>
           <dgm:constr type="l" for="ch" forName="nodeRect" refType="l" refFor="ch" refForName="bgRect"/>
         </dgm:constrLst>
@@ -3966,16 +3961,16 @@
         </dgm:ruleLst>
         <dgm:layoutNode name="bgRect" styleLbl="alignNode1">
           <dgm:alg type="sp"/>
-          <dgm:shape xmlns:r="http://schemas.openxmlformats.org/officeDocument/2006/relationships" type="rect" r:blip="">
+          <dgm:shape type="rect" r:blip="">
             <dgm:adjLst>
-              <dgm:adj idx="1" val="0.05"/>
+              <dgm:adj idx="1" val="0.050000"/>
             </dgm:adjLst>
           </dgm:shape>
           <dgm:presOf axis="self"/>
           <dgm:constrLst/>
           <dgm:ruleLst/>
         </dgm:layoutNode>
-        <dgm:forEach name="Name19" axis="followSib" ptType="sibTrans" hideLastTrans="0" cnt="1">
+        <dgm:forEach name="Name19" axis="followSib" ptType="sibTrans" cnt="1" hideLastTrans="0">
           <dgm:layoutNode name="sibTransNodeRect" styleLbl="alignNode1">
             <dgm:varLst>
               <dgm:chMax val="0"/>
@@ -3986,14 +3981,14 @@
               <dgm:param type="parTxLTRAlign" val="l"/>
               <dgm:param type="parTxRTLAlign" val="l"/>
             </dgm:alg>
-            <dgm:shape xmlns:r="http://schemas.openxmlformats.org/officeDocument/2006/relationships" type="rect" r:blip="" hideGeom="1">
+            <dgm:shape type="rect" r:blip="" hideGeom="1">
               <dgm:adjLst/>
             </dgm:shape>
             <dgm:constrLst>
               <dgm:constr type="primFontSz" val="66"/>
               <dgm:constr type="tMarg" val="13"/>
-              <dgm:constr type="lMarg" refType="w" fact="0.28"/>
-              <dgm:constr type="rMarg" refType="w" fact="0.28"/>
+              <dgm:constr type="lMarg" refType="w" fact="0.280000"/>
+              <dgm:constr type="rMarg" refType="w" fact="0.280000"/>
               <dgm:constr type="bMarg" val="13"/>
             </dgm:constrLst>
             <dgm:ruleLst>
@@ -4012,15 +4007,15 @@
             <dgm:param type="txAnchorVert" val="t"/>
             <dgm:param type="stBulletLvl" val="2"/>
           </dgm:alg>
-          <dgm:shape xmlns:r="http://schemas.openxmlformats.org/officeDocument/2006/relationships" type="rect" r:blip="" hideGeom="1">
+          <dgm:shape type="rect" r:blip="" hideGeom="1">
             <dgm:adjLst/>
           </dgm:shape>
           <dgm:presOf axis="desOrSelf" ptType="node"/>
           <dgm:constrLst>
             <dgm:constr type="primFontSz" val="26"/>
             <dgm:constr type="tMarg"/>
-            <dgm:constr type="lMarg" refType="w" fact="0.28"/>
-            <dgm:constr type="rMarg" refType="w" fact="0.28"/>
+            <dgm:constr type="lMarg" refType="w" fact="0.280000"/>
+            <dgm:constr type="rMarg" refType="w" fact="0.280000"/>
             <dgm:constr type="bMarg" val="26"/>
           </dgm:constrLst>
           <dgm:ruleLst>
@@ -4031,7 +4026,7 @@
       <dgm:forEach name="Name14" axis="followSib" ptType="sibTrans" cnt="1">
         <dgm:layoutNode name="sibTrans">
           <dgm:alg type="sp"/>
-          <dgm:shape xmlns:r="http://schemas.openxmlformats.org/officeDocument/2006/relationships" r:blip="">
+          <dgm:shape r:blip="">
             <dgm:adjLst/>
           </dgm:shape>
           <dgm:presOf/>
@@ -4045,7 +4040,7 @@
 </file>
 
 <file path=ppt/diagrams/layout2.xml><?xml version="1.0" encoding="utf-8"?>
-<dgm:layoutDef xmlns:dgm="http://schemas.openxmlformats.org/drawingml/2006/diagram" xmlns:a="http://schemas.openxmlformats.org/drawingml/2006/main" uniqueId="urn:microsoft.com/office/officeart/2016/7/layout/LinearBlockProcessNumbered">
+<dgm:layoutDef xmlns:dgm="http://schemas.openxmlformats.org/drawingml/2006/diagram" xmlns:a="http://schemas.openxmlformats.org/drawingml/2006/main" xmlns:r="http://schemas.openxmlformats.org/officeDocument/2006/relationships" uniqueId="urn:microsoft.com/office/officeart/2016/7/layout/LinearBlockProcessNumbered">
   <dgm:title val="Linear Block Process Numbered"/>
   <dgm:desc val="Used to show a progression; a timeline; sequential steps in a task, process, or workflow; or to emphasize movement or direction. Automatic numbers have been introduced to show the steps of the process. Level 1 text and Level 2 text both appears in a rectangle."/>
   <dgm:catLst>
@@ -4192,20 +4187,20 @@
       <dgm:param type="linDir" val="fromL"/>
       <dgm:param type="nodeVertAlign" val="t"/>
     </dgm:alg>
-    <dgm:shape xmlns:r="http://schemas.openxmlformats.org/officeDocument/2006/relationships" r:blip="">
+    <dgm:shape r:blip="">
       <dgm:adjLst/>
     </dgm:shape>
     <dgm:presOf/>
     <dgm:constrLst>
       <dgm:constr type="h" for="ch" forName="compositeNode" refType="h"/>
       <dgm:constr type="w" for="ch" forName="compositeNode" refType="w"/>
-      <dgm:constr type="w" for="des" forName="simulatedConn" refType="w" refFor="ch" refForName="compositeNode" fact="0.15"/>
+      <dgm:constr type="w" for="des" forName="simulatedConn" refType="w" refFor="ch" refForName="compositeNode" fact="0.150000"/>
       <dgm:constr type="h" for="des" forName="simulatedConn" refType="w" refFor="des" refForName="simulatedConn"/>
-      <dgm:constr type="h" for="des" forName="vSp1" refType="w" refFor="ch" refForName="compositeNode" fact="0.8"/>
-      <dgm:constr type="h" for="des" forName="vSp2" refType="w" refFor="ch" refForName="compositeNode" fact="0.07"/>
+      <dgm:constr type="h" for="des" forName="vSp1" refType="w" refFor="ch" refForName="compositeNode" fact="0.800000"/>
+      <dgm:constr type="h" for="des" forName="vSp2" refType="w" refFor="ch" refForName="compositeNode" fact="0.070000"/>
       <dgm:constr type="w" for="ch" forName="vProcSp" refType="w" refFor="des" refForName="simulatedConn" op="equ"/>
       <dgm:constr type="h" for="ch" forName="vProcSp" refType="h" refFor="ch" refForName="compositeNode" op="equ"/>
-      <dgm:constr type="w" for="ch" forName="sibTrans" refType="w" refFor="ch" refForName="compositeNode" fact="0.08"/>
+      <dgm:constr type="w" for="ch" forName="sibTrans" refType="w" refFor="ch" refForName="compositeNode" fact="0.080000"/>
       <dgm:constr type="primFontSz" for="des" forName="sibTransNodeRect" op="equ"/>
       <dgm:constr type="primFontSz" for="des" forName="nodeRect" op="equ"/>
     </dgm:constrLst>
@@ -4217,17 +4212,17 @@
         </dgm:varLst>
         <dgm:alg type="composite"/>
         <dgm:constrLst>
-          <dgm:constr type="h" refType="w" op="lte" fact="1.2"/>
+          <dgm:constr type="h" refType="w" op="lte" fact="1.200000"/>
           <dgm:constr type="w" for="ch" forName="bgRect" refType="w"/>
           <dgm:constr type="h" for="ch" forName="bgRect" refType="h"/>
           <dgm:constr type="t" for="ch" forName="bgRect"/>
           <dgm:constr type="l" for="ch" forName="bgRect"/>
           <dgm:constr type="w" for="ch" forName="sibTransNodeRect" refType="w" refFor="ch" refForName="bgRect"/>
-          <dgm:constr type="h" for="ch" forName="sibTransNodeRect" refType="h" refFor="ch" refForName="bgRect" fact="0.4"/>
+          <dgm:constr type="h" for="ch" forName="sibTransNodeRect" refType="h" refFor="ch" refForName="bgRect" fact="0.400000"/>
           <dgm:constr type="t" for="ch" forName="sibTransNodeRect"/>
           <dgm:constr type="l" for="ch" forName="sibTransNodeRect"/>
           <dgm:constr type="r" for="ch" forName="nodeRect" refType="r" refFor="ch" refForName="bgRect"/>
-          <dgm:constr type="h" for="ch" forName="nodeRect" refType="h" refFor="ch" refForName="bgRect" fact="0.6"/>
+          <dgm:constr type="h" for="ch" forName="nodeRect" refType="h" refFor="ch" refForName="bgRect" fact="0.600000"/>
           <dgm:constr type="t" for="ch" forName="nodeRect" refType="b" refFor="ch" refForName="sibTransNodeRect"/>
           <dgm:constr type="l" for="ch" forName="nodeRect" refType="l" refFor="ch" refForName="bgRect"/>
         </dgm:constrLst>
@@ -4236,16 +4231,16 @@
         </dgm:ruleLst>
         <dgm:layoutNode name="bgRect" styleLbl="alignNode1">
           <dgm:alg type="sp"/>
-          <dgm:shape xmlns:r="http://schemas.openxmlformats.org/officeDocument/2006/relationships" type="rect" r:blip="">
+          <dgm:shape type="rect" r:blip="">
             <dgm:adjLst>
-              <dgm:adj idx="1" val="0.05"/>
+              <dgm:adj idx="1" val="0.050000"/>
             </dgm:adjLst>
           </dgm:shape>
           <dgm:presOf axis="self"/>
           <dgm:constrLst/>
           <dgm:ruleLst/>
         </dgm:layoutNode>
-        <dgm:forEach name="Name19" axis="followSib" ptType="sibTrans" hideLastTrans="0" cnt="1">
+        <dgm:forEach name="Name19" axis="followSib" ptType="sibTrans" cnt="1" hideLastTrans="0">
           <dgm:layoutNode name="sibTransNodeRect" styleLbl="alignNode1">
             <dgm:varLst>
               <dgm:chMax val="0"/>
@@ -4256,14 +4251,14 @@
               <dgm:param type="parTxLTRAlign" val="l"/>
               <dgm:param type="parTxRTLAlign" val="l"/>
             </dgm:alg>
-            <dgm:shape xmlns:r="http://schemas.openxmlformats.org/officeDocument/2006/relationships" type="rect" r:blip="" hideGeom="1">
+            <dgm:shape type="rect" r:blip="" hideGeom="1">
               <dgm:adjLst/>
             </dgm:shape>
             <dgm:constrLst>
               <dgm:constr type="primFontSz" val="66"/>
               <dgm:constr type="tMarg" val="13"/>
-              <dgm:constr type="lMarg" refType="w" fact="0.28"/>
-              <dgm:constr type="rMarg" refType="w" fact="0.28"/>
+              <dgm:constr type="lMarg" refType="w" fact="0.280000"/>
+              <dgm:constr type="rMarg" refType="w" fact="0.280000"/>
               <dgm:constr type="bMarg" val="13"/>
             </dgm:constrLst>
             <dgm:ruleLst>
@@ -4282,15 +4277,15 @@
             <dgm:param type="txAnchorVert" val="t"/>
             <dgm:param type="stBulletLvl" val="2"/>
           </dgm:alg>
-          <dgm:shape xmlns:r="http://schemas.openxmlformats.org/officeDocument/2006/relationships" type="rect" r:blip="" hideGeom="1">
+          <dgm:shape type="rect" r:blip="" hideGeom="1">
             <dgm:adjLst/>
           </dgm:shape>
           <dgm:presOf axis="desOrSelf" ptType="node"/>
           <dgm:constrLst>
             <dgm:constr type="primFontSz" val="26"/>
             <dgm:constr type="tMarg"/>
-            <dgm:constr type="lMarg" refType="w" fact="0.28"/>
-            <dgm:constr type="rMarg" refType="w" fact="0.28"/>
+            <dgm:constr type="lMarg" refType="w" fact="0.280000"/>
+            <dgm:constr type="rMarg" refType="w" fact="0.280000"/>
             <dgm:constr type="bMarg" val="26"/>
           </dgm:constrLst>
           <dgm:ruleLst>
@@ -4301,7 +4296,7 @@
       <dgm:forEach name="Name14" axis="followSib" ptType="sibTrans" cnt="1">
         <dgm:layoutNode name="sibTrans">
           <dgm:alg type="sp"/>
-          <dgm:shape xmlns:r="http://schemas.openxmlformats.org/officeDocument/2006/relationships" r:blip="">
+          <dgm:shape r:blip="">
             <dgm:adjLst/>
           </dgm:shape>
           <dgm:presOf/>
@@ -4331,7 +4326,15 @@
       <a:lightRig rig="threePt" dir="t"/>
     </dgm:scene3d>
     <dgm:sp3d/>
-    <dgm:txPr/>
+    <dgm:txPr>
+      <a:bodyPr/>
+      <a:p>
+        <a:pPr>
+          <a:defRPr/>
+        </a:pPr>
+        <a:endParaRPr/>
+      </a:p>
+    </dgm:txPr>
     <dgm:style>
       <a:lnRef idx="2">
         <a:srgbClr val="000000"/>
@@ -4353,7 +4356,15 @@
       <a:lightRig rig="threePt" dir="t"/>
     </dgm:scene3d>
     <dgm:sp3d/>
-    <dgm:txPr/>
+    <dgm:txPr>
+      <a:bodyPr/>
+      <a:p>
+        <a:pPr>
+          <a:defRPr/>
+        </a:pPr>
+        <a:endParaRPr/>
+      </a:p>
+    </dgm:txPr>
     <dgm:style>
       <a:lnRef idx="2">
         <a:srgbClr val="000000"/>
@@ -4375,7 +4386,15 @@
       <a:lightRig rig="threePt" dir="t"/>
     </dgm:scene3d>
     <dgm:sp3d/>
-    <dgm:txPr/>
+    <dgm:txPr>
+      <a:bodyPr/>
+      <a:p>
+        <a:pPr>
+          <a:defRPr/>
+        </a:pPr>
+        <a:endParaRPr/>
+      </a:p>
+    </dgm:txPr>
     <dgm:style>
       <a:lnRef idx="2">
         <a:srgbClr val="000000"/>
@@ -4397,7 +4416,15 @@
       <a:lightRig rig="threePt" dir="t"/>
     </dgm:scene3d>
     <dgm:sp3d/>
-    <dgm:txPr/>
+    <dgm:txPr>
+      <a:bodyPr/>
+      <a:p>
+        <a:pPr>
+          <a:defRPr/>
+        </a:pPr>
+        <a:endParaRPr/>
+      </a:p>
+    </dgm:txPr>
     <dgm:style>
       <a:lnRef idx="2">
         <a:srgbClr val="000000"/>
@@ -4419,7 +4446,15 @@
       <a:lightRig rig="threePt" dir="t"/>
     </dgm:scene3d>
     <dgm:sp3d/>
-    <dgm:txPr/>
+    <dgm:txPr>
+      <a:bodyPr/>
+      <a:p>
+        <a:pPr>
+          <a:defRPr/>
+        </a:pPr>
+        <a:endParaRPr/>
+      </a:p>
+    </dgm:txPr>
     <dgm:style>
       <a:lnRef idx="2">
         <a:srgbClr val="000000"/>
@@ -4441,7 +4476,15 @@
       <a:lightRig rig="threePt" dir="t"/>
     </dgm:scene3d>
     <dgm:sp3d/>
-    <dgm:txPr/>
+    <dgm:txPr>
+      <a:bodyPr/>
+      <a:p>
+        <a:pPr>
+          <a:defRPr/>
+        </a:pPr>
+        <a:endParaRPr/>
+      </a:p>
+    </dgm:txPr>
     <dgm:style>
       <a:lnRef idx="2">
         <a:srgbClr val="000000"/>
@@ -4463,7 +4506,15 @@
       <a:lightRig rig="threePt" dir="t"/>
     </dgm:scene3d>
     <dgm:sp3d/>
-    <dgm:txPr/>
+    <dgm:txPr>
+      <a:bodyPr/>
+      <a:p>
+        <a:pPr>
+          <a:defRPr/>
+        </a:pPr>
+        <a:endParaRPr/>
+      </a:p>
+    </dgm:txPr>
     <dgm:style>
       <a:lnRef idx="2">
         <a:srgbClr val="000000"/>
@@ -4485,7 +4536,15 @@
       <a:lightRig rig="threePt" dir="t"/>
     </dgm:scene3d>
     <dgm:sp3d/>
-    <dgm:txPr/>
+    <dgm:txPr>
+      <a:bodyPr/>
+      <a:p>
+        <a:pPr>
+          <a:defRPr/>
+        </a:pPr>
+        <a:endParaRPr/>
+      </a:p>
+    </dgm:txPr>
     <dgm:style>
       <a:lnRef idx="2">
         <a:srgbClr val="000000"/>
@@ -4507,7 +4566,15 @@
       <a:lightRig rig="threePt" dir="t"/>
     </dgm:scene3d>
     <dgm:sp3d/>
-    <dgm:txPr/>
+    <dgm:txPr>
+      <a:bodyPr/>
+      <a:p>
+        <a:pPr>
+          <a:defRPr/>
+        </a:pPr>
+        <a:endParaRPr/>
+      </a:p>
+    </dgm:txPr>
     <dgm:style>
       <a:lnRef idx="2">
         <a:srgbClr val="000000"/>
@@ -4527,7 +4594,15 @@
       <a:lightRig rig="threePt" dir="t"/>
     </dgm:scene3d>
     <dgm:sp3d/>
-    <dgm:txPr/>
+    <dgm:txPr>
+      <a:bodyPr/>
+      <a:p>
+        <a:pPr>
+          <a:defRPr/>
+        </a:pPr>
+        <a:endParaRPr/>
+      </a:p>
+    </dgm:txPr>
     <dgm:style>
       <a:lnRef idx="2">
         <a:srgbClr val="000000"/>
@@ -4547,7 +4622,15 @@
       <a:lightRig rig="threePt" dir="t"/>
     </dgm:scene3d>
     <dgm:sp3d/>
-    <dgm:txPr/>
+    <dgm:txPr>
+      <a:bodyPr/>
+      <a:p>
+        <a:pPr>
+          <a:defRPr/>
+        </a:pPr>
+        <a:endParaRPr/>
+      </a:p>
+    </dgm:txPr>
     <dgm:style>
       <a:lnRef idx="2">
         <a:srgbClr val="000000"/>
@@ -4567,7 +4650,15 @@
       <a:lightRig rig="threePt" dir="t"/>
     </dgm:scene3d>
     <dgm:sp3d/>
-    <dgm:txPr/>
+    <dgm:txPr>
+      <a:bodyPr/>
+      <a:p>
+        <a:pPr>
+          <a:defRPr/>
+        </a:pPr>
+        <a:endParaRPr/>
+      </a:p>
+    </dgm:txPr>
     <dgm:style>
       <a:lnRef idx="0">
         <a:srgbClr val="000000"/>
@@ -4589,7 +4680,15 @@
       <a:lightRig rig="threePt" dir="t"/>
     </dgm:scene3d>
     <dgm:sp3d/>
-    <dgm:txPr/>
+    <dgm:txPr>
+      <a:bodyPr/>
+      <a:p>
+        <a:pPr>
+          <a:defRPr/>
+        </a:pPr>
+        <a:endParaRPr/>
+      </a:p>
+    </dgm:txPr>
     <dgm:style>
       <a:lnRef idx="0">
         <a:srgbClr val="000000"/>
@@ -4611,7 +4710,15 @@
       <a:lightRig rig="threePt" dir="t"/>
     </dgm:scene3d>
     <dgm:sp3d/>
-    <dgm:txPr/>
+    <dgm:txPr>
+      <a:bodyPr/>
+      <a:p>
+        <a:pPr>
+          <a:defRPr/>
+        </a:pPr>
+        <a:endParaRPr/>
+      </a:p>
+    </dgm:txPr>
     <dgm:style>
       <a:lnRef idx="0">
         <a:srgbClr val="000000"/>
@@ -4633,7 +4740,15 @@
       <a:lightRig rig="threePt" dir="t"/>
     </dgm:scene3d>
     <dgm:sp3d/>
-    <dgm:txPr/>
+    <dgm:txPr>
+      <a:bodyPr/>
+      <a:p>
+        <a:pPr>
+          <a:defRPr/>
+        </a:pPr>
+        <a:endParaRPr/>
+      </a:p>
+    </dgm:txPr>
     <dgm:style>
       <a:lnRef idx="1">
         <a:srgbClr val="000000"/>
@@ -4653,7 +4768,15 @@
       <a:lightRig rig="threePt" dir="t"/>
     </dgm:scene3d>
     <dgm:sp3d/>
-    <dgm:txPr/>
+    <dgm:txPr>
+      <a:bodyPr/>
+      <a:p>
+        <a:pPr>
+          <a:defRPr/>
+        </a:pPr>
+        <a:endParaRPr/>
+      </a:p>
+    </dgm:txPr>
     <dgm:style>
       <a:lnRef idx="2">
         <a:srgbClr val="000000"/>
@@ -4673,7 +4796,15 @@
       <a:lightRig rig="threePt" dir="t"/>
     </dgm:scene3d>
     <dgm:sp3d/>
-    <dgm:txPr/>
+    <dgm:txPr>
+      <a:bodyPr/>
+      <a:p>
+        <a:pPr>
+          <a:defRPr/>
+        </a:pPr>
+        <a:endParaRPr/>
+      </a:p>
+    </dgm:txPr>
     <dgm:style>
       <a:lnRef idx="2">
         <a:srgbClr val="000000"/>
@@ -4695,7 +4826,15 @@
       <a:lightRig rig="threePt" dir="t"/>
     </dgm:scene3d>
     <dgm:sp3d/>
-    <dgm:txPr/>
+    <dgm:txPr>
+      <a:bodyPr/>
+      <a:p>
+        <a:pPr>
+          <a:defRPr/>
+        </a:pPr>
+        <a:endParaRPr/>
+      </a:p>
+    </dgm:txPr>
     <dgm:style>
       <a:lnRef idx="2">
         <a:srgbClr val="000000"/>
@@ -4717,7 +4856,15 @@
       <a:lightRig rig="threePt" dir="t"/>
     </dgm:scene3d>
     <dgm:sp3d/>
-    <dgm:txPr/>
+    <dgm:txPr>
+      <a:bodyPr/>
+      <a:p>
+        <a:pPr>
+          <a:defRPr/>
+        </a:pPr>
+        <a:endParaRPr/>
+      </a:p>
+    </dgm:txPr>
     <dgm:style>
       <a:lnRef idx="2">
         <a:srgbClr val="000000"/>
@@ -4739,7 +4886,15 @@
       <a:lightRig rig="threePt" dir="t"/>
     </dgm:scene3d>
     <dgm:sp3d/>
-    <dgm:txPr/>
+    <dgm:txPr>
+      <a:bodyPr/>
+      <a:p>
+        <a:pPr>
+          <a:defRPr/>
+        </a:pPr>
+        <a:endParaRPr/>
+      </a:p>
+    </dgm:txPr>
     <dgm:style>
       <a:lnRef idx="2">
         <a:srgbClr val="000000"/>
@@ -4761,7 +4916,15 @@
       <a:lightRig rig="threePt" dir="t"/>
     </dgm:scene3d>
     <dgm:sp3d/>
-    <dgm:txPr/>
+    <dgm:txPr>
+      <a:bodyPr/>
+      <a:p>
+        <a:pPr>
+          <a:defRPr/>
+        </a:pPr>
+        <a:endParaRPr/>
+      </a:p>
+    </dgm:txPr>
     <dgm:style>
       <a:lnRef idx="2">
         <a:srgbClr val="000000"/>
@@ -4783,7 +4946,15 @@
       <a:lightRig rig="threePt" dir="t"/>
     </dgm:scene3d>
     <dgm:sp3d/>
-    <dgm:txPr/>
+    <dgm:txPr>
+      <a:bodyPr/>
+      <a:p>
+        <a:pPr>
+          <a:defRPr/>
+        </a:pPr>
+        <a:endParaRPr/>
+      </a:p>
+    </dgm:txPr>
     <dgm:style>
       <a:lnRef idx="2">
         <a:srgbClr val="000000"/>
@@ -4805,7 +4976,15 @@
       <a:lightRig rig="threePt" dir="t"/>
     </dgm:scene3d>
     <dgm:sp3d/>
-    <dgm:txPr/>
+    <dgm:txPr>
+      <a:bodyPr/>
+      <a:p>
+        <a:pPr>
+          <a:defRPr/>
+        </a:pPr>
+        <a:endParaRPr/>
+      </a:p>
+    </dgm:txPr>
     <dgm:style>
       <a:lnRef idx="2">
         <a:srgbClr val="000000"/>
@@ -4827,7 +5006,15 @@
       <a:lightRig rig="threePt" dir="t"/>
     </dgm:scene3d>
     <dgm:sp3d/>
-    <dgm:txPr/>
+    <dgm:txPr>
+      <a:bodyPr/>
+      <a:p>
+        <a:pPr>
+          <a:defRPr/>
+        </a:pPr>
+        <a:endParaRPr/>
+      </a:p>
+    </dgm:txPr>
     <dgm:style>
       <a:lnRef idx="2">
         <a:srgbClr val="000000"/>
@@ -4849,7 +5036,15 @@
       <a:lightRig rig="threePt" dir="t"/>
     </dgm:scene3d>
     <dgm:sp3d/>
-    <dgm:txPr/>
+    <dgm:txPr>
+      <a:bodyPr/>
+      <a:p>
+        <a:pPr>
+          <a:defRPr/>
+        </a:pPr>
+        <a:endParaRPr/>
+      </a:p>
+    </dgm:txPr>
     <dgm:style>
       <a:lnRef idx="2">
         <a:srgbClr val="000000"/>
@@ -4871,7 +5066,15 @@
       <a:lightRig rig="threePt" dir="t"/>
     </dgm:scene3d>
     <dgm:sp3d/>
-    <dgm:txPr/>
+    <dgm:txPr>
+      <a:bodyPr/>
+      <a:p>
+        <a:pPr>
+          <a:defRPr/>
+        </a:pPr>
+        <a:endParaRPr/>
+      </a:p>
+    </dgm:txPr>
     <dgm:style>
       <a:lnRef idx="2">
         <a:srgbClr val="000000"/>
@@ -4891,7 +5094,15 @@
       <a:lightRig rig="threePt" dir="t"/>
     </dgm:scene3d>
     <dgm:sp3d/>
-    <dgm:txPr/>
+    <dgm:txPr>
+      <a:bodyPr/>
+      <a:p>
+        <a:pPr>
+          <a:defRPr/>
+        </a:pPr>
+        <a:endParaRPr/>
+      </a:p>
+    </dgm:txPr>
     <dgm:style>
       <a:lnRef idx="2">
         <a:srgbClr val="000000"/>
@@ -4911,7 +5122,15 @@
       <a:lightRig rig="threePt" dir="t"/>
     </dgm:scene3d>
     <dgm:sp3d/>
-    <dgm:txPr/>
+    <dgm:txPr>
+      <a:bodyPr/>
+      <a:p>
+        <a:pPr>
+          <a:defRPr/>
+        </a:pPr>
+        <a:endParaRPr/>
+      </a:p>
+    </dgm:txPr>
     <dgm:style>
       <a:lnRef idx="2">
         <a:srgbClr val="000000"/>
@@ -4931,7 +5150,15 @@
       <a:lightRig rig="threePt" dir="t"/>
     </dgm:scene3d>
     <dgm:sp3d/>
-    <dgm:txPr/>
+    <dgm:txPr>
+      <a:bodyPr/>
+      <a:p>
+        <a:pPr>
+          <a:defRPr/>
+        </a:pPr>
+        <a:endParaRPr/>
+      </a:p>
+    </dgm:txPr>
     <dgm:style>
       <a:lnRef idx="2">
         <a:srgbClr val="000000"/>
@@ -4951,7 +5178,15 @@
       <a:lightRig rig="threePt" dir="t"/>
     </dgm:scene3d>
     <dgm:sp3d/>
-    <dgm:txPr/>
+    <dgm:txPr>
+      <a:bodyPr/>
+      <a:p>
+        <a:pPr>
+          <a:defRPr/>
+        </a:pPr>
+        <a:endParaRPr/>
+      </a:p>
+    </dgm:txPr>
     <dgm:style>
       <a:lnRef idx="2">
         <a:srgbClr val="000000"/>
@@ -4971,7 +5206,15 @@
       <a:lightRig rig="threePt" dir="t"/>
     </dgm:scene3d>
     <dgm:sp3d/>
-    <dgm:txPr/>
+    <dgm:txPr>
+      <a:bodyPr/>
+      <a:p>
+        <a:pPr>
+          <a:defRPr/>
+        </a:pPr>
+        <a:endParaRPr/>
+      </a:p>
+    </dgm:txPr>
     <dgm:style>
       <a:lnRef idx="2">
         <a:srgbClr val="000000"/>
@@ -4991,7 +5234,15 @@
       <a:lightRig rig="threePt" dir="t"/>
     </dgm:scene3d>
     <dgm:sp3d/>
-    <dgm:txPr/>
+    <dgm:txPr>
+      <a:bodyPr/>
+      <a:p>
+        <a:pPr>
+          <a:defRPr/>
+        </a:pPr>
+        <a:endParaRPr/>
+      </a:p>
+    </dgm:txPr>
     <dgm:style>
       <a:lnRef idx="2">
         <a:srgbClr val="000000"/>
@@ -5011,7 +5262,15 @@
       <a:lightRig rig="threePt" dir="t"/>
     </dgm:scene3d>
     <dgm:sp3d/>
-    <dgm:txPr/>
+    <dgm:txPr>
+      <a:bodyPr/>
+      <a:p>
+        <a:pPr>
+          <a:defRPr/>
+        </a:pPr>
+        <a:endParaRPr/>
+      </a:p>
+    </dgm:txPr>
     <dgm:style>
       <a:lnRef idx="1">
         <a:srgbClr val="000000"/>
@@ -5031,7 +5290,15 @@
       <a:lightRig rig="threePt" dir="t"/>
     </dgm:scene3d>
     <dgm:sp3d/>
-    <dgm:txPr/>
+    <dgm:txPr>
+      <a:bodyPr/>
+      <a:p>
+        <a:pPr>
+          <a:defRPr/>
+        </a:pPr>
+        <a:endParaRPr/>
+      </a:p>
+    </dgm:txPr>
     <dgm:style>
       <a:lnRef idx="2">
         <a:srgbClr val="000000"/>
@@ -5051,7 +5318,15 @@
       <a:lightRig rig="threePt" dir="t"/>
     </dgm:scene3d>
     <dgm:sp3d/>
-    <dgm:txPr/>
+    <dgm:txPr>
+      <a:bodyPr/>
+      <a:p>
+        <a:pPr>
+          <a:defRPr/>
+        </a:pPr>
+        <a:endParaRPr/>
+      </a:p>
+    </dgm:txPr>
     <dgm:style>
       <a:lnRef idx="2">
         <a:srgbClr val="000000"/>
@@ -5071,7 +5346,15 @@
       <a:lightRig rig="threePt" dir="t"/>
     </dgm:scene3d>
     <dgm:sp3d/>
-    <dgm:txPr/>
+    <dgm:txPr>
+      <a:bodyPr/>
+      <a:p>
+        <a:pPr>
+          <a:defRPr/>
+        </a:pPr>
+        <a:endParaRPr/>
+      </a:p>
+    </dgm:txPr>
     <dgm:style>
       <a:lnRef idx="2">
         <a:srgbClr val="000000"/>
@@ -5091,7 +5374,15 @@
       <a:lightRig rig="threePt" dir="t"/>
     </dgm:scene3d>
     <dgm:sp3d/>
-    <dgm:txPr/>
+    <dgm:txPr>
+      <a:bodyPr/>
+      <a:p>
+        <a:pPr>
+          <a:defRPr/>
+        </a:pPr>
+        <a:endParaRPr/>
+      </a:p>
+    </dgm:txPr>
     <dgm:style>
       <a:lnRef idx="2">
         <a:srgbClr val="000000"/>
@@ -5111,7 +5402,15 @@
       <a:lightRig rig="threePt" dir="t"/>
     </dgm:scene3d>
     <dgm:sp3d/>
-    <dgm:txPr/>
+    <dgm:txPr>
+      <a:bodyPr/>
+      <a:p>
+        <a:pPr>
+          <a:defRPr/>
+        </a:pPr>
+        <a:endParaRPr/>
+      </a:p>
+    </dgm:txPr>
     <dgm:style>
       <a:lnRef idx="2">
         <a:srgbClr val="000000"/>
@@ -5131,7 +5430,15 @@
       <a:lightRig rig="threePt" dir="t"/>
     </dgm:scene3d>
     <dgm:sp3d/>
-    <dgm:txPr/>
+    <dgm:txPr>
+      <a:bodyPr/>
+      <a:p>
+        <a:pPr>
+          <a:defRPr/>
+        </a:pPr>
+        <a:endParaRPr/>
+      </a:p>
+    </dgm:txPr>
     <dgm:style>
       <a:lnRef idx="2">
         <a:srgbClr val="000000"/>
@@ -5151,7 +5458,15 @@
       <a:lightRig rig="threePt" dir="t"/>
     </dgm:scene3d>
     <dgm:sp3d/>
-    <dgm:txPr/>
+    <dgm:txPr>
+      <a:bodyPr/>
+      <a:p>
+        <a:pPr>
+          <a:defRPr/>
+        </a:pPr>
+        <a:endParaRPr/>
+      </a:p>
+    </dgm:txPr>
     <dgm:style>
       <a:lnRef idx="2">
         <a:srgbClr val="000000"/>
@@ -5171,7 +5486,15 @@
       <a:lightRig rig="threePt" dir="t"/>
     </dgm:scene3d>
     <dgm:sp3d/>
-    <dgm:txPr/>
+    <dgm:txPr>
+      <a:bodyPr/>
+      <a:p>
+        <a:pPr>
+          <a:defRPr/>
+        </a:pPr>
+        <a:endParaRPr/>
+      </a:p>
+    </dgm:txPr>
     <dgm:style>
       <a:lnRef idx="2">
         <a:srgbClr val="000000"/>
@@ -5191,7 +5514,15 @@
       <a:lightRig rig="threePt" dir="t"/>
     </dgm:scene3d>
     <dgm:sp3d/>
-    <dgm:txPr/>
+    <dgm:txPr>
+      <a:bodyPr/>
+      <a:p>
+        <a:pPr>
+          <a:defRPr/>
+        </a:pPr>
+        <a:endParaRPr/>
+      </a:p>
+    </dgm:txPr>
     <dgm:style>
       <a:lnRef idx="2">
         <a:srgbClr val="000000"/>
@@ -5211,7 +5542,15 @@
       <a:lightRig rig="threePt" dir="t"/>
     </dgm:scene3d>
     <dgm:sp3d/>
-    <dgm:txPr/>
+    <dgm:txPr>
+      <a:bodyPr/>
+      <a:p>
+        <a:pPr>
+          <a:defRPr/>
+        </a:pPr>
+        <a:endParaRPr/>
+      </a:p>
+    </dgm:txPr>
     <dgm:style>
       <a:lnRef idx="2">
         <a:srgbClr val="000000"/>
@@ -5231,7 +5570,15 @@
       <a:lightRig rig="threePt" dir="t"/>
     </dgm:scene3d>
     <dgm:sp3d/>
-    <dgm:txPr/>
+    <dgm:txPr>
+      <a:bodyPr/>
+      <a:p>
+        <a:pPr>
+          <a:defRPr/>
+        </a:pPr>
+        <a:endParaRPr/>
+      </a:p>
+    </dgm:txPr>
     <dgm:style>
       <a:lnRef idx="2">
         <a:srgbClr val="000000"/>
@@ -5251,7 +5598,15 @@
       <a:lightRig rig="threePt" dir="t"/>
     </dgm:scene3d>
     <dgm:sp3d/>
-    <dgm:txPr/>
+    <dgm:txPr>
+      <a:bodyPr/>
+      <a:p>
+        <a:pPr>
+          <a:defRPr/>
+        </a:pPr>
+        <a:endParaRPr/>
+      </a:p>
+    </dgm:txPr>
     <dgm:style>
       <a:lnRef idx="0">
         <a:srgbClr val="000000"/>
@@ -5271,7 +5626,15 @@
       <a:lightRig rig="threePt" dir="t"/>
     </dgm:scene3d>
     <dgm:sp3d/>
-    <dgm:txPr/>
+    <dgm:txPr>
+      <a:bodyPr/>
+      <a:p>
+        <a:pPr>
+          <a:defRPr/>
+        </a:pPr>
+        <a:endParaRPr/>
+      </a:p>
+    </dgm:txPr>
     <dgm:style>
       <a:lnRef idx="0">
         <a:srgbClr val="000000"/>
@@ -5291,7 +5654,15 @@
       <a:lightRig rig="threePt" dir="t"/>
     </dgm:scene3d>
     <dgm:sp3d/>
-    <dgm:txPr/>
+    <dgm:txPr>
+      <a:bodyPr/>
+      <a:p>
+        <a:pPr>
+          <a:defRPr/>
+        </a:pPr>
+        <a:endParaRPr/>
+      </a:p>
+    </dgm:txPr>
     <dgm:style>
       <a:lnRef idx="0">
         <a:srgbClr val="000000"/>
@@ -5311,7 +5682,15 @@
       <a:lightRig rig="threePt" dir="t"/>
     </dgm:scene3d>
     <dgm:sp3d/>
-    <dgm:txPr/>
+    <dgm:txPr>
+      <a:bodyPr/>
+      <a:p>
+        <a:pPr>
+          <a:defRPr/>
+        </a:pPr>
+        <a:endParaRPr/>
+      </a:p>
+    </dgm:txPr>
     <dgm:style>
       <a:lnRef idx="2">
         <a:srgbClr val="000000"/>
@@ -5331,7 +5710,15 @@
       <a:lightRig rig="threePt" dir="t"/>
     </dgm:scene3d>
     <dgm:sp3d/>
-    <dgm:txPr/>
+    <dgm:txPr>
+      <a:bodyPr/>
+      <a:p>
+        <a:pPr>
+          <a:defRPr/>
+        </a:pPr>
+        <a:endParaRPr/>
+      </a:p>
+    </dgm:txPr>
     <dgm:style>
       <a:lnRef idx="0">
         <a:srgbClr val="000000"/>
@@ -5365,7 +5752,15 @@
       <a:lightRig rig="threePt" dir="t"/>
     </dgm:scene3d>
     <dgm:sp3d/>
-    <dgm:txPr/>
+    <dgm:txPr>
+      <a:bodyPr/>
+      <a:p>
+        <a:pPr>
+          <a:defRPr/>
+        </a:pPr>
+        <a:endParaRPr/>
+      </a:p>
+    </dgm:txPr>
     <dgm:style>
       <a:lnRef idx="2">
         <a:srgbClr val="000000"/>
@@ -5387,7 +5782,15 @@
       <a:lightRig rig="threePt" dir="t"/>
     </dgm:scene3d>
     <dgm:sp3d/>
-    <dgm:txPr/>
+    <dgm:txPr>
+      <a:bodyPr/>
+      <a:p>
+        <a:pPr>
+          <a:defRPr/>
+        </a:pPr>
+        <a:endParaRPr/>
+      </a:p>
+    </dgm:txPr>
     <dgm:style>
       <a:lnRef idx="2">
         <a:srgbClr val="000000"/>
@@ -5409,7 +5812,15 @@
       <a:lightRig rig="threePt" dir="t"/>
     </dgm:scene3d>
     <dgm:sp3d/>
-    <dgm:txPr/>
+    <dgm:txPr>
+      <a:bodyPr/>
+      <a:p>
+        <a:pPr>
+          <a:defRPr/>
+        </a:pPr>
+        <a:endParaRPr/>
+      </a:p>
+    </dgm:txPr>
     <dgm:style>
       <a:lnRef idx="2">
         <a:srgbClr val="000000"/>
@@ -5431,7 +5842,15 @@
       <a:lightRig rig="threePt" dir="t"/>
     </dgm:scene3d>
     <dgm:sp3d/>
-    <dgm:txPr/>
+    <dgm:txPr>
+      <a:bodyPr/>
+      <a:p>
+        <a:pPr>
+          <a:defRPr/>
+        </a:pPr>
+        <a:endParaRPr/>
+      </a:p>
+    </dgm:txPr>
     <dgm:style>
       <a:lnRef idx="2">
         <a:srgbClr val="000000"/>
@@ -5453,7 +5872,15 @@
       <a:lightRig rig="threePt" dir="t"/>
     </dgm:scene3d>
     <dgm:sp3d/>
-    <dgm:txPr/>
+    <dgm:txPr>
+      <a:bodyPr/>
+      <a:p>
+        <a:pPr>
+          <a:defRPr/>
+        </a:pPr>
+        <a:endParaRPr/>
+      </a:p>
+    </dgm:txPr>
     <dgm:style>
       <a:lnRef idx="2">
         <a:srgbClr val="000000"/>
@@ -5475,7 +5902,15 @@
       <a:lightRig rig="threePt" dir="t"/>
     </dgm:scene3d>
     <dgm:sp3d/>
-    <dgm:txPr/>
+    <dgm:txPr>
+      <a:bodyPr/>
+      <a:p>
+        <a:pPr>
+          <a:defRPr/>
+        </a:pPr>
+        <a:endParaRPr/>
+      </a:p>
+    </dgm:txPr>
     <dgm:style>
       <a:lnRef idx="2">
         <a:srgbClr val="000000"/>
@@ -5497,7 +5932,15 @@
       <a:lightRig rig="threePt" dir="t"/>
     </dgm:scene3d>
     <dgm:sp3d/>
-    <dgm:txPr/>
+    <dgm:txPr>
+      <a:bodyPr/>
+      <a:p>
+        <a:pPr>
+          <a:defRPr/>
+        </a:pPr>
+        <a:endParaRPr/>
+      </a:p>
+    </dgm:txPr>
     <dgm:style>
       <a:lnRef idx="2">
         <a:srgbClr val="000000"/>
@@ -5519,7 +5962,15 @@
       <a:lightRig rig="threePt" dir="t"/>
     </dgm:scene3d>
     <dgm:sp3d/>
-    <dgm:txPr/>
+    <dgm:txPr>
+      <a:bodyPr/>
+      <a:p>
+        <a:pPr>
+          <a:defRPr/>
+        </a:pPr>
+        <a:endParaRPr/>
+      </a:p>
+    </dgm:txPr>
     <dgm:style>
       <a:lnRef idx="2">
         <a:srgbClr val="000000"/>
@@ -5541,7 +5992,15 @@
       <a:lightRig rig="threePt" dir="t"/>
     </dgm:scene3d>
     <dgm:sp3d/>
-    <dgm:txPr/>
+    <dgm:txPr>
+      <a:bodyPr/>
+      <a:p>
+        <a:pPr>
+          <a:defRPr/>
+        </a:pPr>
+        <a:endParaRPr/>
+      </a:p>
+    </dgm:txPr>
     <dgm:style>
       <a:lnRef idx="2">
         <a:srgbClr val="000000"/>
@@ -5561,7 +6020,15 @@
       <a:lightRig rig="threePt" dir="t"/>
     </dgm:scene3d>
     <dgm:sp3d/>
-    <dgm:txPr/>
+    <dgm:txPr>
+      <a:bodyPr/>
+      <a:p>
+        <a:pPr>
+          <a:defRPr/>
+        </a:pPr>
+        <a:endParaRPr/>
+      </a:p>
+    </dgm:txPr>
     <dgm:style>
       <a:lnRef idx="2">
         <a:srgbClr val="000000"/>
@@ -5581,7 +6048,15 @@
       <a:lightRig rig="threePt" dir="t"/>
     </dgm:scene3d>
     <dgm:sp3d/>
-    <dgm:txPr/>
+    <dgm:txPr>
+      <a:bodyPr/>
+      <a:p>
+        <a:pPr>
+          <a:defRPr/>
+        </a:pPr>
+        <a:endParaRPr/>
+      </a:p>
+    </dgm:txPr>
     <dgm:style>
       <a:lnRef idx="2">
         <a:srgbClr val="000000"/>
@@ -5601,7 +6076,15 @@
       <a:lightRig rig="threePt" dir="t"/>
     </dgm:scene3d>
     <dgm:sp3d/>
-    <dgm:txPr/>
+    <dgm:txPr>
+      <a:bodyPr/>
+      <a:p>
+        <a:pPr>
+          <a:defRPr/>
+        </a:pPr>
+        <a:endParaRPr/>
+      </a:p>
+    </dgm:txPr>
     <dgm:style>
       <a:lnRef idx="0">
         <a:srgbClr val="000000"/>
@@ -5623,7 +6106,15 @@
       <a:lightRig rig="threePt" dir="t"/>
     </dgm:scene3d>
     <dgm:sp3d/>
-    <dgm:txPr/>
+    <dgm:txPr>
+      <a:bodyPr/>
+      <a:p>
+        <a:pPr>
+          <a:defRPr/>
+        </a:pPr>
+        <a:endParaRPr/>
+      </a:p>
+    </dgm:txPr>
     <dgm:style>
       <a:lnRef idx="0">
         <a:srgbClr val="000000"/>
@@ -5645,7 +6136,15 @@
       <a:lightRig rig="threePt" dir="t"/>
     </dgm:scene3d>
     <dgm:sp3d/>
-    <dgm:txPr/>
+    <dgm:txPr>
+      <a:bodyPr/>
+      <a:p>
+        <a:pPr>
+          <a:defRPr/>
+        </a:pPr>
+        <a:endParaRPr/>
+      </a:p>
+    </dgm:txPr>
     <dgm:style>
       <a:lnRef idx="0">
         <a:srgbClr val="000000"/>
@@ -5667,7 +6166,15 @@
       <a:lightRig rig="threePt" dir="t"/>
     </dgm:scene3d>
     <dgm:sp3d/>
-    <dgm:txPr/>
+    <dgm:txPr>
+      <a:bodyPr/>
+      <a:p>
+        <a:pPr>
+          <a:defRPr/>
+        </a:pPr>
+        <a:endParaRPr/>
+      </a:p>
+    </dgm:txPr>
     <dgm:style>
       <a:lnRef idx="1">
         <a:srgbClr val="000000"/>
@@ -5687,7 +6194,15 @@
       <a:lightRig rig="threePt" dir="t"/>
     </dgm:scene3d>
     <dgm:sp3d/>
-    <dgm:txPr/>
+    <dgm:txPr>
+      <a:bodyPr/>
+      <a:p>
+        <a:pPr>
+          <a:defRPr/>
+        </a:pPr>
+        <a:endParaRPr/>
+      </a:p>
+    </dgm:txPr>
     <dgm:style>
       <a:lnRef idx="2">
         <a:srgbClr val="000000"/>
@@ -5707,7 +6222,15 @@
       <a:lightRig rig="threePt" dir="t"/>
     </dgm:scene3d>
     <dgm:sp3d/>
-    <dgm:txPr/>
+    <dgm:txPr>
+      <a:bodyPr/>
+      <a:p>
+        <a:pPr>
+          <a:defRPr/>
+        </a:pPr>
+        <a:endParaRPr/>
+      </a:p>
+    </dgm:txPr>
     <dgm:style>
       <a:lnRef idx="2">
         <a:srgbClr val="000000"/>
@@ -5729,7 +6252,15 @@
       <a:lightRig rig="threePt" dir="t"/>
     </dgm:scene3d>
     <dgm:sp3d/>
-    <dgm:txPr/>
+    <dgm:txPr>
+      <a:bodyPr/>
+      <a:p>
+        <a:pPr>
+          <a:defRPr/>
+        </a:pPr>
+        <a:endParaRPr/>
+      </a:p>
+    </dgm:txPr>
     <dgm:style>
       <a:lnRef idx="2">
         <a:srgbClr val="000000"/>
@@ -5751,7 +6282,15 @@
       <a:lightRig rig="threePt" dir="t"/>
     </dgm:scene3d>
     <dgm:sp3d/>
-    <dgm:txPr/>
+    <dgm:txPr>
+      <a:bodyPr/>
+      <a:p>
+        <a:pPr>
+          <a:defRPr/>
+        </a:pPr>
+        <a:endParaRPr/>
+      </a:p>
+    </dgm:txPr>
     <dgm:style>
       <a:lnRef idx="2">
         <a:srgbClr val="000000"/>
@@ -5773,7 +6312,15 @@
       <a:lightRig rig="threePt" dir="t"/>
     </dgm:scene3d>
     <dgm:sp3d/>
-    <dgm:txPr/>
+    <dgm:txPr>
+      <a:bodyPr/>
+      <a:p>
+        <a:pPr>
+          <a:defRPr/>
+        </a:pPr>
+        <a:endParaRPr/>
+      </a:p>
+    </dgm:txPr>
     <dgm:style>
       <a:lnRef idx="2">
         <a:srgbClr val="000000"/>
@@ -5795,7 +6342,15 @@
       <a:lightRig rig="threePt" dir="t"/>
     </dgm:scene3d>
     <dgm:sp3d/>
-    <dgm:txPr/>
+    <dgm:txPr>
+      <a:bodyPr/>
+      <a:p>
+        <a:pPr>
+          <a:defRPr/>
+        </a:pPr>
+        <a:endParaRPr/>
+      </a:p>
+    </dgm:txPr>
     <dgm:style>
       <a:lnRef idx="2">
         <a:srgbClr val="000000"/>
@@ -5817,7 +6372,15 @@
       <a:lightRig rig="threePt" dir="t"/>
     </dgm:scene3d>
     <dgm:sp3d/>
-    <dgm:txPr/>
+    <dgm:txPr>
+      <a:bodyPr/>
+      <a:p>
+        <a:pPr>
+          <a:defRPr/>
+        </a:pPr>
+        <a:endParaRPr/>
+      </a:p>
+    </dgm:txPr>
     <dgm:style>
       <a:lnRef idx="2">
         <a:srgbClr val="000000"/>
@@ -5839,7 +6402,15 @@
       <a:lightRig rig="threePt" dir="t"/>
     </dgm:scene3d>
     <dgm:sp3d/>
-    <dgm:txPr/>
+    <dgm:txPr>
+      <a:bodyPr/>
+      <a:p>
+        <a:pPr>
+          <a:defRPr/>
+        </a:pPr>
+        <a:endParaRPr/>
+      </a:p>
+    </dgm:txPr>
     <dgm:style>
       <a:lnRef idx="2">
         <a:srgbClr val="000000"/>
@@ -5861,7 +6432,15 @@
       <a:lightRig rig="threePt" dir="t"/>
     </dgm:scene3d>
     <dgm:sp3d/>
-    <dgm:txPr/>
+    <dgm:txPr>
+      <a:bodyPr/>
+      <a:p>
+        <a:pPr>
+          <a:defRPr/>
+        </a:pPr>
+        <a:endParaRPr/>
+      </a:p>
+    </dgm:txPr>
     <dgm:style>
       <a:lnRef idx="2">
         <a:srgbClr val="000000"/>
@@ -5883,7 +6462,15 @@
       <a:lightRig rig="threePt" dir="t"/>
     </dgm:scene3d>
     <dgm:sp3d/>
-    <dgm:txPr/>
+    <dgm:txPr>
+      <a:bodyPr/>
+      <a:p>
+        <a:pPr>
+          <a:defRPr/>
+        </a:pPr>
+        <a:endParaRPr/>
+      </a:p>
+    </dgm:txPr>
     <dgm:style>
       <a:lnRef idx="2">
         <a:srgbClr val="000000"/>
@@ -5905,7 +6492,15 @@
       <a:lightRig rig="threePt" dir="t"/>
     </dgm:scene3d>
     <dgm:sp3d/>
-    <dgm:txPr/>
+    <dgm:txPr>
+      <a:bodyPr/>
+      <a:p>
+        <a:pPr>
+          <a:defRPr/>
+        </a:pPr>
+        <a:endParaRPr/>
+      </a:p>
+    </dgm:txPr>
     <dgm:style>
       <a:lnRef idx="2">
         <a:srgbClr val="000000"/>
@@ -5925,7 +6520,15 @@
       <a:lightRig rig="threePt" dir="t"/>
     </dgm:scene3d>
     <dgm:sp3d/>
-    <dgm:txPr/>
+    <dgm:txPr>
+      <a:bodyPr/>
+      <a:p>
+        <a:pPr>
+          <a:defRPr/>
+        </a:pPr>
+        <a:endParaRPr/>
+      </a:p>
+    </dgm:txPr>
     <dgm:style>
       <a:lnRef idx="2">
         <a:srgbClr val="000000"/>
@@ -5945,7 +6548,15 @@
       <a:lightRig rig="threePt" dir="t"/>
     </dgm:scene3d>
     <dgm:sp3d/>
-    <dgm:txPr/>
+    <dgm:txPr>
+      <a:bodyPr/>
+      <a:p>
+        <a:pPr>
+          <a:defRPr/>
+        </a:pPr>
+        <a:endParaRPr/>
+      </a:p>
+    </dgm:txPr>
     <dgm:style>
       <a:lnRef idx="2">
         <a:srgbClr val="000000"/>
@@ -5965,7 +6576,15 @@
       <a:lightRig rig="threePt" dir="t"/>
     </dgm:scene3d>
     <dgm:sp3d/>
-    <dgm:txPr/>
+    <dgm:txPr>
+      <a:bodyPr/>
+      <a:p>
+        <a:pPr>
+          <a:defRPr/>
+        </a:pPr>
+        <a:endParaRPr/>
+      </a:p>
+    </dgm:txPr>
     <dgm:style>
       <a:lnRef idx="2">
         <a:srgbClr val="000000"/>
@@ -5985,7 +6604,15 @@
       <a:lightRig rig="threePt" dir="t"/>
     </dgm:scene3d>
     <dgm:sp3d/>
-    <dgm:txPr/>
+    <dgm:txPr>
+      <a:bodyPr/>
+      <a:p>
+        <a:pPr>
+          <a:defRPr/>
+        </a:pPr>
+        <a:endParaRPr/>
+      </a:p>
+    </dgm:txPr>
     <dgm:style>
       <a:lnRef idx="2">
         <a:srgbClr val="000000"/>
@@ -6005,7 +6632,15 @@
       <a:lightRig rig="threePt" dir="t"/>
     </dgm:scene3d>
     <dgm:sp3d/>
-    <dgm:txPr/>
+    <dgm:txPr>
+      <a:bodyPr/>
+      <a:p>
+        <a:pPr>
+          <a:defRPr/>
+        </a:pPr>
+        <a:endParaRPr/>
+      </a:p>
+    </dgm:txPr>
     <dgm:style>
       <a:lnRef idx="2">
         <a:srgbClr val="000000"/>
@@ -6025,7 +6660,15 @@
       <a:lightRig rig="threePt" dir="t"/>
     </dgm:scene3d>
     <dgm:sp3d/>
-    <dgm:txPr/>
+    <dgm:txPr>
+      <a:bodyPr/>
+      <a:p>
+        <a:pPr>
+          <a:defRPr/>
+        </a:pPr>
+        <a:endParaRPr/>
+      </a:p>
+    </dgm:txPr>
     <dgm:style>
       <a:lnRef idx="2">
         <a:srgbClr val="000000"/>
@@ -6045,7 +6688,15 @@
       <a:lightRig rig="threePt" dir="t"/>
     </dgm:scene3d>
     <dgm:sp3d/>
-    <dgm:txPr/>
+    <dgm:txPr>
+      <a:bodyPr/>
+      <a:p>
+        <a:pPr>
+          <a:defRPr/>
+        </a:pPr>
+        <a:endParaRPr/>
+      </a:p>
+    </dgm:txPr>
     <dgm:style>
       <a:lnRef idx="1">
         <a:srgbClr val="000000"/>
@@ -6065,7 +6716,15 @@
       <a:lightRig rig="threePt" dir="t"/>
     </dgm:scene3d>
     <dgm:sp3d/>
-    <dgm:txPr/>
+    <dgm:txPr>
+      <a:bodyPr/>
+      <a:p>
+        <a:pPr>
+          <a:defRPr/>
+        </a:pPr>
+        <a:endParaRPr/>
+      </a:p>
+    </dgm:txPr>
     <dgm:style>
       <a:lnRef idx="2">
         <a:srgbClr val="000000"/>
@@ -6085,7 +6744,15 @@
       <a:lightRig rig="threePt" dir="t"/>
     </dgm:scene3d>
     <dgm:sp3d/>
-    <dgm:txPr/>
+    <dgm:txPr>
+      <a:bodyPr/>
+      <a:p>
+        <a:pPr>
+          <a:defRPr/>
+        </a:pPr>
+        <a:endParaRPr/>
+      </a:p>
+    </dgm:txPr>
     <dgm:style>
       <a:lnRef idx="2">
         <a:srgbClr val="000000"/>
@@ -6105,7 +6772,15 @@
       <a:lightRig rig="threePt" dir="t"/>
     </dgm:scene3d>
     <dgm:sp3d/>
-    <dgm:txPr/>
+    <dgm:txPr>
+      <a:bodyPr/>
+      <a:p>
+        <a:pPr>
+          <a:defRPr/>
+        </a:pPr>
+        <a:endParaRPr/>
+      </a:p>
+    </dgm:txPr>
     <dgm:style>
       <a:lnRef idx="2">
         <a:srgbClr val="000000"/>
@@ -6125,7 +6800,15 @@
       <a:lightRig rig="threePt" dir="t"/>
     </dgm:scene3d>
     <dgm:sp3d/>
-    <dgm:txPr/>
+    <dgm:txPr>
+      <a:bodyPr/>
+      <a:p>
+        <a:pPr>
+          <a:defRPr/>
+        </a:pPr>
+        <a:endParaRPr/>
+      </a:p>
+    </dgm:txPr>
     <dgm:style>
       <a:lnRef idx="2">
         <a:srgbClr val="000000"/>
@@ -6145,7 +6828,15 @@
       <a:lightRig rig="threePt" dir="t"/>
     </dgm:scene3d>
     <dgm:sp3d/>
-    <dgm:txPr/>
+    <dgm:txPr>
+      <a:bodyPr/>
+      <a:p>
+        <a:pPr>
+          <a:defRPr/>
+        </a:pPr>
+        <a:endParaRPr/>
+      </a:p>
+    </dgm:txPr>
     <dgm:style>
       <a:lnRef idx="2">
         <a:srgbClr val="000000"/>
@@ -6165,7 +6856,15 @@
       <a:lightRig rig="threePt" dir="t"/>
     </dgm:scene3d>
     <dgm:sp3d/>
-    <dgm:txPr/>
+    <dgm:txPr>
+      <a:bodyPr/>
+      <a:p>
+        <a:pPr>
+          <a:defRPr/>
+        </a:pPr>
+        <a:endParaRPr/>
+      </a:p>
+    </dgm:txPr>
     <dgm:style>
       <a:lnRef idx="2">
         <a:srgbClr val="000000"/>
@@ -6185,7 +6884,15 @@
       <a:lightRig rig="threePt" dir="t"/>
     </dgm:scene3d>
     <dgm:sp3d/>
-    <dgm:txPr/>
+    <dgm:txPr>
+      <a:bodyPr/>
+      <a:p>
+        <a:pPr>
+          <a:defRPr/>
+        </a:pPr>
+        <a:endParaRPr/>
+      </a:p>
+    </dgm:txPr>
     <dgm:style>
       <a:lnRef idx="2">
         <a:srgbClr val="000000"/>
@@ -6205,7 +6912,15 @@
       <a:lightRig rig="threePt" dir="t"/>
     </dgm:scene3d>
     <dgm:sp3d/>
-    <dgm:txPr/>
+    <dgm:txPr>
+      <a:bodyPr/>
+      <a:p>
+        <a:pPr>
+          <a:defRPr/>
+        </a:pPr>
+        <a:endParaRPr/>
+      </a:p>
+    </dgm:txPr>
     <dgm:style>
       <a:lnRef idx="2">
         <a:srgbClr val="000000"/>
@@ -6225,7 +6940,15 @@
       <a:lightRig rig="threePt" dir="t"/>
     </dgm:scene3d>
     <dgm:sp3d/>
-    <dgm:txPr/>
+    <dgm:txPr>
+      <a:bodyPr/>
+      <a:p>
+        <a:pPr>
+          <a:defRPr/>
+        </a:pPr>
+        <a:endParaRPr/>
+      </a:p>
+    </dgm:txPr>
     <dgm:style>
       <a:lnRef idx="2">
         <a:srgbClr val="000000"/>
@@ -6245,7 +6968,15 @@
       <a:lightRig rig="threePt" dir="t"/>
     </dgm:scene3d>
     <dgm:sp3d/>
-    <dgm:txPr/>
+    <dgm:txPr>
+      <a:bodyPr/>
+      <a:p>
+        <a:pPr>
+          <a:defRPr/>
+        </a:pPr>
+        <a:endParaRPr/>
+      </a:p>
+    </dgm:txPr>
     <dgm:style>
       <a:lnRef idx="2">
         <a:srgbClr val="000000"/>
@@ -6265,7 +6996,15 @@
       <a:lightRig rig="threePt" dir="t"/>
     </dgm:scene3d>
     <dgm:sp3d/>
-    <dgm:txPr/>
+    <dgm:txPr>
+      <a:bodyPr/>
+      <a:p>
+        <a:pPr>
+          <a:defRPr/>
+        </a:pPr>
+        <a:endParaRPr/>
+      </a:p>
+    </dgm:txPr>
     <dgm:style>
       <a:lnRef idx="2">
         <a:srgbClr val="000000"/>
@@ -6285,7 +7024,15 @@
       <a:lightRig rig="threePt" dir="t"/>
     </dgm:scene3d>
     <dgm:sp3d/>
-    <dgm:txPr/>
+    <dgm:txPr>
+      <a:bodyPr/>
+      <a:p>
+        <a:pPr>
+          <a:defRPr/>
+        </a:pPr>
+        <a:endParaRPr/>
+      </a:p>
+    </dgm:txPr>
     <dgm:style>
       <a:lnRef idx="0">
         <a:srgbClr val="000000"/>
@@ -6305,7 +7052,15 @@
       <a:lightRig rig="threePt" dir="t"/>
     </dgm:scene3d>
     <dgm:sp3d/>
-    <dgm:txPr/>
+    <dgm:txPr>
+      <a:bodyPr/>
+      <a:p>
+        <a:pPr>
+          <a:defRPr/>
+        </a:pPr>
+        <a:endParaRPr/>
+      </a:p>
+    </dgm:txPr>
     <dgm:style>
       <a:lnRef idx="0">
         <a:srgbClr val="000000"/>
@@ -6325,7 +7080,15 @@
       <a:lightRig rig="threePt" dir="t"/>
     </dgm:scene3d>
     <dgm:sp3d/>
-    <dgm:txPr/>
+    <dgm:txPr>
+      <a:bodyPr/>
+      <a:p>
+        <a:pPr>
+          <a:defRPr/>
+        </a:pPr>
+        <a:endParaRPr/>
+      </a:p>
+    </dgm:txPr>
     <dgm:style>
       <a:lnRef idx="0">
         <a:srgbClr val="000000"/>
@@ -6345,7 +7108,15 @@
       <a:lightRig rig="threePt" dir="t"/>
     </dgm:scene3d>
     <dgm:sp3d/>
-    <dgm:txPr/>
+    <dgm:txPr>
+      <a:bodyPr/>
+      <a:p>
+        <a:pPr>
+          <a:defRPr/>
+        </a:pPr>
+        <a:endParaRPr/>
+      </a:p>
+    </dgm:txPr>
     <dgm:style>
       <a:lnRef idx="2">
         <a:srgbClr val="000000"/>
@@ -6365,7 +7136,15 @@
       <a:lightRig rig="threePt" dir="t"/>
     </dgm:scene3d>
     <dgm:sp3d/>
-    <dgm:txPr/>
+    <dgm:txPr>
+      <a:bodyPr/>
+      <a:p>
+        <a:pPr>
+          <a:defRPr/>
+        </a:pPr>
+        <a:endParaRPr/>
+      </a:p>
+    </dgm:txPr>
     <dgm:style>
       <a:lnRef idx="0">
         <a:srgbClr val="000000"/>
@@ -6383,7 +7162,7 @@
 </file>
 
 <file path=ppt/slideLayouts/slideLayout1.xml><?xml version="1.0" encoding="utf-8"?>
-<p:sldLayout xmlns:a="http://schemas.openxmlformats.org/drawingml/2006/main" xmlns:r="http://schemas.openxmlformats.org/officeDocument/2006/relationships" xmlns:p="http://schemas.openxmlformats.org/presentationml/2006/main" showMasterPhAnim="0" type="obj" preserve="1" userDrawn="1">
+<p:sldLayout xmlns:a="http://schemas.openxmlformats.org/drawingml/2006/main" xmlns:r="http://schemas.openxmlformats.org/officeDocument/2006/relationships" xmlns:p="http://schemas.openxmlformats.org/presentationml/2006/main" xmlns:m="http://schemas.openxmlformats.org/officeDocument/2006/math" xmlns:w="http://schemas.openxmlformats.org/wordprocessingml/2006/main" matchingName="" preserve="1" showMasterPhAnim="0" type="obj" userDrawn="1">
   <p:cSld name="Title Slide">
     <p:spTree>
       <p:nvGrpSpPr>
@@ -6533,7 +7312,7 @@
             </a:pPr>
             <a:fld id="{1D8BD707-D9CF-40AE-B4C6-C98DA3205C09}" type="datetimeFigureOut">
               <a:rPr lang="en-US"/>
-              <a:t>6/7/2023</a:t>
+              <a:t/>
             </a:fld>
             <a:endParaRPr/>
           </a:p>
@@ -6569,7 +7348,7 @@
             </a:pPr>
             <a:fld id="{B6F15528-21DE-4FAA-801E-634DDDAF4B2B}" type="slidenum">
               <a:rPr/>
-              <a:t>‹#›</a:t>
+              <a:t/>
             </a:fld>
             <a:endParaRPr/>
           </a:p>
@@ -6584,7 +7363,7 @@
 </file>
 
 <file path=ppt/slideLayouts/slideLayout2.xml><?xml version="1.0" encoding="utf-8"?>
-<p:sldLayout xmlns:a="http://schemas.openxmlformats.org/drawingml/2006/main" xmlns:r="http://schemas.openxmlformats.org/officeDocument/2006/relationships" xmlns:p="http://schemas.openxmlformats.org/presentationml/2006/main" showMasterPhAnim="0" type="obj" preserve="1" userDrawn="1">
+<p:sldLayout xmlns:a="http://schemas.openxmlformats.org/drawingml/2006/main" xmlns:r="http://schemas.openxmlformats.org/officeDocument/2006/relationships" xmlns:p="http://schemas.openxmlformats.org/presentationml/2006/main" xmlns:m="http://schemas.openxmlformats.org/officeDocument/2006/math" xmlns:w="http://schemas.openxmlformats.org/wordprocessingml/2006/main" matchingName="" preserve="1" showMasterPhAnim="0" type="obj" userDrawn="1">
   <p:cSld name="Title and Content">
     <p:spTree>
       <p:nvGrpSpPr>
@@ -6720,7 +7499,7 @@
             </a:pPr>
             <a:fld id="{1D8BD707-D9CF-40AE-B4C6-C98DA3205C09}" type="datetimeFigureOut">
               <a:rPr lang="en-US"/>
-              <a:t>6/7/2023</a:t>
+              <a:t/>
             </a:fld>
             <a:endParaRPr/>
           </a:p>
@@ -6756,7 +7535,7 @@
             </a:pPr>
             <a:fld id="{B6F15528-21DE-4FAA-801E-634DDDAF4B2B}" type="slidenum">
               <a:rPr/>
-              <a:t>‹#›</a:t>
+              <a:t/>
             </a:fld>
             <a:endParaRPr/>
           </a:p>
@@ -6771,7 +7550,7 @@
 </file>
 
 <file path=ppt/slideLayouts/slideLayout3.xml><?xml version="1.0" encoding="utf-8"?>
-<p:sldLayout xmlns:a="http://schemas.openxmlformats.org/drawingml/2006/main" xmlns:r="http://schemas.openxmlformats.org/officeDocument/2006/relationships" xmlns:p="http://schemas.openxmlformats.org/presentationml/2006/main" showMasterPhAnim="0" type="obj" preserve="1" userDrawn="1">
+<p:sldLayout xmlns:a="http://schemas.openxmlformats.org/drawingml/2006/main" xmlns:r="http://schemas.openxmlformats.org/officeDocument/2006/relationships" xmlns:p="http://schemas.openxmlformats.org/presentationml/2006/main" xmlns:m="http://schemas.openxmlformats.org/officeDocument/2006/math" xmlns:w="http://schemas.openxmlformats.org/wordprocessingml/2006/main" matchingName="" preserve="1" showMasterPhAnim="0" type="obj" userDrawn="1">
   <p:cSld name="Two Content">
     <p:spTree>
       <p:nvGrpSpPr>
@@ -6953,7 +7732,7 @@
             </a:pPr>
             <a:fld id="{1D8BD707-D9CF-40AE-B4C6-C98DA3205C09}" type="datetimeFigureOut">
               <a:rPr lang="en-US"/>
-              <a:t>6/7/2023</a:t>
+              <a:t/>
             </a:fld>
             <a:endParaRPr/>
           </a:p>
@@ -6989,7 +7768,7 @@
             </a:pPr>
             <a:fld id="{B6F15528-21DE-4FAA-801E-634DDDAF4B2B}" type="slidenum">
               <a:rPr/>
-              <a:t>‹#›</a:t>
+              <a:t/>
             </a:fld>
             <a:endParaRPr/>
           </a:p>
@@ -7004,7 +7783,7 @@
 </file>
 
 <file path=ppt/slideLayouts/slideLayout4.xml><?xml version="1.0" encoding="utf-8"?>
-<p:sldLayout xmlns:a="http://schemas.openxmlformats.org/drawingml/2006/main" xmlns:r="http://schemas.openxmlformats.org/officeDocument/2006/relationships" xmlns:p="http://schemas.openxmlformats.org/presentationml/2006/main" showMasterPhAnim="0" type="obj" preserve="1" userDrawn="1">
+<p:sldLayout xmlns:a="http://schemas.openxmlformats.org/drawingml/2006/main" xmlns:r="http://schemas.openxmlformats.org/officeDocument/2006/relationships" xmlns:p="http://schemas.openxmlformats.org/presentationml/2006/main" xmlns:m="http://schemas.openxmlformats.org/officeDocument/2006/math" xmlns:w="http://schemas.openxmlformats.org/wordprocessingml/2006/main" matchingName="" preserve="1" showMasterPhAnim="0" type="obj" userDrawn="1">
   <p:cSld name="Title Only">
     <p:spTree>
       <p:nvGrpSpPr>
@@ -7114,7 +7893,7 @@
             </a:pPr>
             <a:fld id="{1D8BD707-D9CF-40AE-B4C6-C98DA3205C09}" type="datetimeFigureOut">
               <a:rPr lang="en-US"/>
-              <a:t>6/7/2023</a:t>
+              <a:t/>
             </a:fld>
             <a:endParaRPr/>
           </a:p>
@@ -7150,7 +7929,7 @@
             </a:pPr>
             <a:fld id="{B6F15528-21DE-4FAA-801E-634DDDAF4B2B}" type="slidenum">
               <a:rPr/>
-              <a:t>‹#›</a:t>
+              <a:t/>
             </a:fld>
             <a:endParaRPr/>
           </a:p>
@@ -7165,7 +7944,7 @@
 </file>
 
 <file path=ppt/slideLayouts/slideLayout5.xml><?xml version="1.0" encoding="utf-8"?>
-<p:sldLayout xmlns:a="http://schemas.openxmlformats.org/drawingml/2006/main" xmlns:r="http://schemas.openxmlformats.org/officeDocument/2006/relationships" xmlns:p="http://schemas.openxmlformats.org/presentationml/2006/main" showMasterPhAnim="0" type="obj" preserve="1" userDrawn="1">
+<p:sldLayout xmlns:a="http://schemas.openxmlformats.org/drawingml/2006/main" xmlns:r="http://schemas.openxmlformats.org/officeDocument/2006/relationships" xmlns:p="http://schemas.openxmlformats.org/presentationml/2006/main" xmlns:m="http://schemas.openxmlformats.org/officeDocument/2006/math" xmlns:w="http://schemas.openxmlformats.org/wordprocessingml/2006/main" matchingName="" preserve="1" showMasterPhAnim="0" type="obj" userDrawn="1">
   <p:cSld name="Blank">
     <p:spTree>
       <p:nvGrpSpPr>
@@ -7243,7 +8022,7 @@
             </a:pPr>
             <a:fld id="{1D8BD707-D9CF-40AE-B4C6-C98DA3205C09}" type="datetimeFigureOut">
               <a:rPr lang="en-US"/>
-              <a:t>6/7/2023</a:t>
+              <a:t/>
             </a:fld>
             <a:endParaRPr/>
           </a:p>
@@ -7279,7 +8058,7 @@
             </a:pPr>
             <a:fld id="{B6F15528-21DE-4FAA-801E-634DDDAF4B2B}" type="slidenum">
               <a:rPr/>
-              <a:t>‹#›</a:t>
+              <a:t/>
             </a:fld>
             <a:endParaRPr/>
           </a:p>
@@ -7294,8 +8073,8 @@
 </file>
 
 <file path=ppt/slideMasters/slideMaster1.xml><?xml version="1.0" encoding="utf-8"?>
-<p:sldMaster xmlns:a="http://schemas.openxmlformats.org/drawingml/2006/main" xmlns:r="http://schemas.openxmlformats.org/officeDocument/2006/relationships" xmlns:p="http://schemas.openxmlformats.org/presentationml/2006/main">
-  <p:cSld>
+<p:sldMaster xmlns:a="http://schemas.openxmlformats.org/drawingml/2006/main" xmlns:r="http://schemas.openxmlformats.org/officeDocument/2006/relationships" xmlns:p="http://schemas.openxmlformats.org/presentationml/2006/main" xmlns:m="http://schemas.openxmlformats.org/officeDocument/2006/math" xmlns:w="http://schemas.openxmlformats.org/wordprocessingml/2006/main" preserve="0">
+  <p:cSld name="">
     <p:bg>
       <p:bgRef idx="1001">
         <a:schemeClr val="bg1"/>
@@ -7333,7 +8112,7 @@
             <a:cxnLst/>
             <a:rect l="l" t="t" r="r" b="b"/>
             <a:pathLst>
-              <a:path w="9944100" h="5591175" extrusionOk="0">
+              <a:path w="9944100" h="5591175" fill="norm" stroke="1" extrusionOk="0">
                 <a:moveTo>
                   <a:pt x="9732199" y="5591174"/>
                 </a:moveTo>
@@ -7627,7 +8406,7 @@
             </a:pPr>
             <a:fld id="{1D8BD707-D9CF-40AE-B4C6-C98DA3205C09}" type="datetimeFigureOut">
               <a:rPr lang="en-US"/>
-              <a:t>6/7/2023</a:t>
+              <a:t/>
             </a:fld>
             <a:endParaRPr/>
           </a:p>
@@ -7673,7 +8452,7 @@
             </a:pPr>
             <a:fld id="{B6F15528-21DE-4FAA-801E-634DDDAF4B2B}" type="slidenum">
               <a:rPr/>
-              <a:t>‹#›</a:t>
+              <a:t/>
             </a:fld>
             <a:endParaRPr/>
           </a:p>
@@ -7689,7 +8468,7 @@
     <p:sldLayoutId id="2147483652" r:id="rId4"/>
     <p:sldLayoutId id="2147483653" r:id="rId5"/>
   </p:sldLayoutIdLst>
-  <p:hf hdr="0" ftr="0" dt="0"/>
+  <p:hf dt="0" ftr="0" hdr="0" sldNum="1"/>
   <p:txStyles>
     <p:titleStyle>
       <a:lvl1pPr>
@@ -7835,8 +8614,8 @@
 </file>
 
 <file path=ppt/slides/slide1.xml><?xml version="1.0" encoding="utf-8"?>
-<p:sld xmlns:a="http://schemas.openxmlformats.org/drawingml/2006/main" xmlns:r="http://schemas.openxmlformats.org/officeDocument/2006/relationships" xmlns:p="http://schemas.openxmlformats.org/presentationml/2006/main" showMasterSp="0" showMasterPhAnim="0">
-  <p:cSld>
+<p:sld xmlns:a="http://schemas.openxmlformats.org/drawingml/2006/main" xmlns:r="http://schemas.openxmlformats.org/officeDocument/2006/relationships" xmlns:p="http://schemas.openxmlformats.org/presentationml/2006/main" xmlns:m="http://schemas.openxmlformats.org/officeDocument/2006/math" xmlns:w="http://schemas.openxmlformats.org/wordprocessingml/2006/main" showMasterPhAnim="0" showMasterSp="0" show="1">
+  <p:cSld name="">
     <p:spTree>
       <p:nvGrpSpPr>
         <p:cNvPr id="1" name=""/>
@@ -8328,12 +9107,20 @@
   <p:clrMapOvr>
     <a:masterClrMapping/>
   </p:clrMapOvr>
+  <mc:AlternateContent xmlns:mc="http://schemas.openxmlformats.org/markup-compatibility/2006">
+    <mc:Choice xmlns:p14="http://schemas.microsoft.com/office/powerpoint/2010/main" Requires="p14">
+      <p:transition p14:dur="2000" advClick="1"/>
+    </mc:Choice>
+    <mc:Fallback>
+      <p:transition advClick="1"/>
+    </mc:Fallback>
+  </mc:AlternateContent>
 </p:sld>
 </file>
 
 <file path=ppt/slides/slide2.xml><?xml version="1.0" encoding="utf-8"?>
-<p:sld xmlns:a="http://schemas.openxmlformats.org/drawingml/2006/main" xmlns:r="http://schemas.openxmlformats.org/officeDocument/2006/relationships" xmlns:p="http://schemas.openxmlformats.org/presentationml/2006/main" showMasterSp="0" showMasterPhAnim="0">
-  <p:cSld>
+<p:sld xmlns:a="http://schemas.openxmlformats.org/drawingml/2006/main" xmlns:r="http://schemas.openxmlformats.org/officeDocument/2006/relationships" xmlns:p="http://schemas.openxmlformats.org/presentationml/2006/main" xmlns:m="http://schemas.openxmlformats.org/officeDocument/2006/math" xmlns:w="http://schemas.openxmlformats.org/wordprocessingml/2006/main" showMasterPhAnim="0" showMasterSp="0" show="1">
+  <p:cSld name="">
     <p:spTree>
       <p:nvGrpSpPr>
         <p:cNvPr id="1" name=""/>
@@ -8473,7 +9260,7 @@
             </a:pPr>
             <a:fld id="{800E96F8-DC0B-3B60-9520-15C92079DBC9}" type="slidenum">
               <a:rPr sz="2800"/>
-              <a:t>2</a:t>
+              <a:t/>
             </a:fld>
             <a:endParaRPr/>
           </a:p>
@@ -8665,12 +9452,253 @@
   <p:clrMapOvr>
     <a:masterClrMapping/>
   </p:clrMapOvr>
+  <mc:AlternateContent xmlns:mc="http://schemas.openxmlformats.org/markup-compatibility/2006">
+    <mc:Choice xmlns:p14="http://schemas.microsoft.com/office/powerpoint/2010/main" Requires="p14">
+      <p:transition p14:dur="2000" advClick="1"/>
+    </mc:Choice>
+    <mc:Fallback>
+      <p:transition advClick="1"/>
+    </mc:Fallback>
+  </mc:AlternateContent>
 </p:sld>
 </file>
 
 <file path=ppt/slides/slide3.xml><?xml version="1.0" encoding="utf-8"?>
-<p:sld xmlns:a="http://schemas.openxmlformats.org/drawingml/2006/main" xmlns:r="http://schemas.openxmlformats.org/officeDocument/2006/relationships" xmlns:p="http://schemas.openxmlformats.org/presentationml/2006/main" showMasterSp="0" showMasterPhAnim="0">
-  <p:cSld>
+<p:sld xmlns:a="http://schemas.openxmlformats.org/drawingml/2006/main" xmlns:r="http://schemas.openxmlformats.org/officeDocument/2006/relationships" xmlns:p="http://schemas.openxmlformats.org/presentationml/2006/main" xmlns:m="http://schemas.openxmlformats.org/officeDocument/2006/math" xmlns:w="http://schemas.openxmlformats.org/wordprocessingml/2006/main" showMasterPhAnim="0" show="1">
+  <p:cSld name="">
+    <p:spTree>
+      <p:nvGrpSpPr>
+        <p:cNvPr id="1" name=""/>
+        <p:cNvGrpSpPr/>
+        <p:nvPr/>
+      </p:nvGrpSpPr>
+      <p:grpSpPr bwMode="auto">
+        <a:xfrm>
+          <a:off x="0" y="0"/>
+          <a:ext cx="0" cy="0"/>
+          <a:chOff x="0" y="0"/>
+          <a:chExt cx="0" cy="0"/>
+        </a:xfrm>
+      </p:grpSpPr>
+      <p:sp>
+        <p:nvSpPr>
+          <p:cNvPr id="334099989" name="Holder 2"/>
+          <p:cNvSpPr>
+            <a:spLocks noGrp="1"/>
+          </p:cNvSpPr>
+          <p:nvPr>
+            <p:ph type="title"/>
+          </p:nvPr>
+        </p:nvSpPr>
+        <p:spPr bwMode="auto">
+          <a:xfrm>
+            <a:off x="151650" y="135605"/>
+            <a:ext cx="3066512" cy="388618"/>
+          </a:xfrm>
+        </p:spPr>
+        <p:txBody>
+          <a:bodyPr lIns="0" tIns="0" rIns="0" bIns="0"/>
+          <a:lstStyle>
+            <a:lvl1pPr>
+              <a:defRPr sz="2350" b="1" i="0">
+                <a:solidFill>
+                  <a:srgbClr val="484140"/>
+                </a:solidFill>
+                <a:latin typeface="Times New Roman"/>
+                <a:cs typeface="Times New Roman"/>
+              </a:defRPr>
+            </a:lvl1pPr>
+          </a:lstStyle>
+          <a:p>
+            <a:pPr>
+              <a:defRPr/>
+            </a:pPr>
+            <a:endParaRPr/>
+          </a:p>
+        </p:txBody>
+      </p:sp>
+      <p:pic>
+        <p:nvPicPr>
+          <p:cNvPr id="1792449385" name=""/>
+          <p:cNvPicPr>
+            <a:picLocks noChangeAspect="1"/>
+          </p:cNvPicPr>
+          <p:nvPr/>
+        </p:nvPicPr>
+        <p:blipFill>
+          <a:blip r:embed="rId2"/>
+          <a:stretch/>
+        </p:blipFill>
+        <p:spPr bwMode="auto">
+          <a:xfrm rot="0" flipH="0" flipV="0">
+            <a:off x="4586796" y="730558"/>
+            <a:ext cx="6596418" cy="5215631"/>
+          </a:xfrm>
+          <a:prstGeom prst="rect">
+            <a:avLst/>
+          </a:prstGeom>
+        </p:spPr>
+      </p:pic>
+      <p:sp>
+        <p:nvSpPr>
+          <p:cNvPr id="256333902" name="Прямоугольник 2098987258"/>
+          <p:cNvSpPr/>
+          <p:nvPr/>
+        </p:nvSpPr>
+        <p:spPr bwMode="auto">
+          <a:xfrm>
+            <a:off x="11655882" y="27612"/>
+            <a:ext cx="527108" cy="545603"/>
+          </a:xfrm>
+          <a:prstGeom prst="rect">
+            <a:avLst/>
+          </a:prstGeom>
+          <a:noFill/>
+          <a:ln w="25400" cap="flat" cmpd="sng" algn="ctr">
+            <a:solidFill>
+              <a:schemeClr val="bg2">
+                <a:lumMod val="50196"/>
+              </a:schemeClr>
+            </a:solidFill>
+            <a:prstDash val="solid"/>
+          </a:ln>
+        </p:spPr>
+        <p:style>
+          <a:lnRef idx="2">
+            <a:schemeClr val="accent1">
+              <a:shade val="50000"/>
+            </a:schemeClr>
+          </a:lnRef>
+          <a:fillRef idx="1">
+            <a:schemeClr val="accent1"/>
+          </a:fillRef>
+          <a:effectRef idx="0">
+            <a:schemeClr val="accent1"/>
+          </a:effectRef>
+          <a:fontRef idx="minor">
+            <a:schemeClr val="lt1"/>
+          </a:fontRef>
+        </p:style>
+      </p:sp>
+      <p:sp>
+        <p:nvSpPr>
+          <p:cNvPr id="1649802082" name="Holder 4"/>
+          <p:cNvSpPr>
+            <a:spLocks noGrp="1"/>
+          </p:cNvSpPr>
+          <p:nvPr/>
+        </p:nvSpPr>
+        <p:spPr bwMode="auto">
+          <a:xfrm flipH="0" flipV="0">
+            <a:off x="9224807" y="86873"/>
+            <a:ext cx="2806317" cy="427079"/>
+          </a:xfrm>
+        </p:spPr>
+        <p:txBody>
+          <a:bodyPr wrap="square" lIns="0" tIns="0" rIns="0" bIns="0">
+            <a:spAutoFit/>
+          </a:bodyPr>
+          <a:lstStyle>
+            <a:lvl1pPr marL="0" algn="r">
+              <a:defRPr>
+                <a:solidFill>
+                  <a:schemeClr val="tx1">
+                    <a:tint val="75000"/>
+                  </a:schemeClr>
+                </a:solidFill>
+                <a:latin typeface="+mn-lt"/>
+                <a:ea typeface="+mn-ea"/>
+                <a:cs typeface="+mn-cs"/>
+              </a:defRPr>
+            </a:lvl1pPr>
+            <a:lvl2pPr marL="457200">
+              <a:defRPr>
+                <a:latin typeface="+mn-lt"/>
+                <a:ea typeface="+mn-ea"/>
+                <a:cs typeface="+mn-cs"/>
+              </a:defRPr>
+            </a:lvl2pPr>
+            <a:lvl3pPr marL="914400">
+              <a:defRPr>
+                <a:latin typeface="+mn-lt"/>
+                <a:ea typeface="+mn-ea"/>
+                <a:cs typeface="+mn-cs"/>
+              </a:defRPr>
+            </a:lvl3pPr>
+            <a:lvl4pPr marL="1371600">
+              <a:defRPr>
+                <a:latin typeface="+mn-lt"/>
+                <a:ea typeface="+mn-ea"/>
+                <a:cs typeface="+mn-cs"/>
+              </a:defRPr>
+            </a:lvl4pPr>
+            <a:lvl5pPr marL="1828800">
+              <a:defRPr>
+                <a:latin typeface="+mn-lt"/>
+                <a:ea typeface="+mn-ea"/>
+                <a:cs typeface="+mn-cs"/>
+              </a:defRPr>
+            </a:lvl5pPr>
+            <a:lvl6pPr marL="2286000">
+              <a:defRPr>
+                <a:latin typeface="+mn-lt"/>
+                <a:ea typeface="+mn-ea"/>
+                <a:cs typeface="+mn-cs"/>
+              </a:defRPr>
+            </a:lvl6pPr>
+            <a:lvl7pPr marL="2743200">
+              <a:defRPr>
+                <a:latin typeface="+mn-lt"/>
+                <a:ea typeface="+mn-ea"/>
+                <a:cs typeface="+mn-cs"/>
+              </a:defRPr>
+            </a:lvl7pPr>
+            <a:lvl8pPr marL="3200400">
+              <a:defRPr>
+                <a:latin typeface="+mn-lt"/>
+                <a:ea typeface="+mn-ea"/>
+                <a:cs typeface="+mn-cs"/>
+              </a:defRPr>
+            </a:lvl8pPr>
+            <a:lvl9pPr marL="3657600">
+              <a:defRPr>
+                <a:latin typeface="+mn-lt"/>
+                <a:ea typeface="+mn-ea"/>
+                <a:cs typeface="+mn-cs"/>
+              </a:defRPr>
+            </a:lvl9pPr>
+          </a:lstStyle>
+          <a:p>
+            <a:pPr>
+              <a:defRPr/>
+            </a:pPr>
+            <a:fld id="{B6301D61-0ACD-135B-89C1-D7F68B6AAEAC}" type="slidenum">
+              <a:rPr sz="2800"/>
+              <a:t/>
+            </a:fld>
+            <a:endParaRPr/>
+          </a:p>
+        </p:txBody>
+      </p:sp>
+    </p:spTree>
+  </p:cSld>
+  <p:clrMapOvr>
+    <a:masterClrMapping/>
+  </p:clrMapOvr>
+  <mc:AlternateContent xmlns:mc="http://schemas.openxmlformats.org/markup-compatibility/2006">
+    <mc:Choice xmlns:p14="http://schemas.microsoft.com/office/powerpoint/2010/main" Requires="p14">
+      <p:transition p14:dur="2000" advClick="1"/>
+    </mc:Choice>
+    <mc:Fallback>
+      <p:transition advClick="1"/>
+    </mc:Fallback>
+  </mc:AlternateContent>
+</p:sld>
+</file>
+
+<file path=ppt/slides/slide4.xml><?xml version="1.0" encoding="utf-8"?>
+<p:sld xmlns:a="http://schemas.openxmlformats.org/drawingml/2006/main" xmlns:r="http://schemas.openxmlformats.org/officeDocument/2006/relationships" xmlns:p="http://schemas.openxmlformats.org/presentationml/2006/main" xmlns:m="http://schemas.openxmlformats.org/officeDocument/2006/math" xmlns:w="http://schemas.openxmlformats.org/wordprocessingml/2006/main" showMasterPhAnim="0" showMasterSp="0" show="1">
+  <p:cSld name="">
     <p:spTree>
       <p:nvGrpSpPr>
         <p:cNvPr id="1" name=""/>
@@ -8821,7 +9849,7 @@
             </a:pPr>
             <a:fld id="{20263524-D5DE-1C53-E1D9-127239483711}" type="slidenum">
               <a:rPr sz="2800"/>
-              <a:t>3</a:t>
+              <a:t/>
             </a:fld>
             <a:endParaRPr/>
           </a:p>
@@ -8872,7 +9900,7 @@
         <p:nvGraphicFramePr>
           <p:cNvPr id="79125462" name="Content Placeholder 2"/>
           <p:cNvGraphicFramePr>
-            <a:graphicFrameLocks noGrp="1"/>
+            <a:graphicFrameLocks xmlns:a="http://schemas.openxmlformats.org/drawingml/2006/main" noGrp="1"/>
           </p:cNvGraphicFramePr>
           <p:nvPr>
             <p:ph idx="1"/>
@@ -8881,10 +9909,12 @@
         <p:xfrm>
           <a:off x="1141149" y="2250901"/>
           <a:ext cx="9905999" cy="4082074"/>
+          <a:chOff x="0" y="0"/>
+          <a:chExt cx="9905999" cy="4082074"/>
         </p:xfrm>
         <a:graphic>
           <a:graphicData uri="http://schemas.openxmlformats.org/drawingml/2006/diagram">
-            <dgm:relIds xmlns:dgm="http://schemas.openxmlformats.org/drawingml/2006/diagram" xmlns:r="http://schemas.openxmlformats.org/officeDocument/2006/relationships" r:dm="rId2" r:lo="rId3" r:qs="rId4" r:cs="rId5"/>
+            <dgm:relIds xmlns:dgm="http://schemas.openxmlformats.org/drawingml/2006/diagram" xmlns:r="http://schemas.openxmlformats.org/officeDocument/2006/relationships" r:dm="rId2" r:lo="rId5" r:qs="rId6" r:cs="rId4"/>
           </a:graphicData>
         </a:graphic>
       </p:graphicFrame>
@@ -8939,9 +9969,9 @@
           <p:nvPr/>
         </p:nvSpPr>
         <p:spPr bwMode="auto">
-          <a:xfrm>
-            <a:off x="9225526" y="86874"/>
-            <a:ext cx="2805238" cy="427078"/>
+          <a:xfrm flipH="0" flipV="0">
+            <a:off x="9224807" y="86873"/>
+            <a:ext cx="2805957" cy="427079"/>
           </a:xfrm>
         </p:spPr>
         <p:txBody>
@@ -9024,7 +10054,7 @@
             </a:pPr>
             <a:fld id="{126AF024-0968-7C6B-E663-764D933C6F9C}" type="slidenum">
               <a:rPr sz="2800"/>
-              <a:t>3</a:t>
+              <a:t/>
             </a:fld>
             <a:endParaRPr/>
           </a:p>
@@ -9075,7 +10105,7 @@
         <p:nvGraphicFramePr>
           <p:cNvPr id="573076527" name="Content Placeholder 2"/>
           <p:cNvGraphicFramePr>
-            <a:graphicFrameLocks noGrp="1"/>
+            <a:graphicFrameLocks xmlns:a="http://schemas.openxmlformats.org/drawingml/2006/main" noGrp="1"/>
           </p:cNvGraphicFramePr>
           <p:nvPr>
             <p:ph idx="1"/>
@@ -9084,10 +10114,12 @@
         <p:xfrm>
           <a:off x="1141148" y="2250900"/>
           <a:ext cx="9905998" cy="4082073"/>
+          <a:chOff x="0" y="0"/>
+          <a:chExt cx="9905998" cy="4082073"/>
         </p:xfrm>
         <a:graphic>
           <a:graphicData uri="http://schemas.openxmlformats.org/drawingml/2006/diagram">
-            <dgm:relIds xmlns:dgm="http://schemas.openxmlformats.org/drawingml/2006/diagram" xmlns:r="http://schemas.openxmlformats.org/officeDocument/2006/relationships" r:dm="rId7" r:lo="rId8" r:qs="rId9" r:cs="rId10"/>
+            <dgm:relIds xmlns:dgm="http://schemas.openxmlformats.org/drawingml/2006/diagram" xmlns:r="http://schemas.openxmlformats.org/officeDocument/2006/relationships" r:dm="rId7" r:lo="rId10" r:qs="rId11" r:cs="rId9"/>
           </a:graphicData>
         </a:graphic>
       </p:graphicFrame>
@@ -9096,12 +10128,20 @@
   <p:clrMapOvr>
     <a:masterClrMapping/>
   </p:clrMapOvr>
+  <mc:AlternateContent xmlns:mc="http://schemas.openxmlformats.org/markup-compatibility/2006">
+    <mc:Choice xmlns:p14="http://schemas.microsoft.com/office/powerpoint/2010/main" Requires="p14">
+      <p:transition p14:dur="2000" advClick="1"/>
+    </mc:Choice>
+    <mc:Fallback>
+      <p:transition advClick="1"/>
+    </mc:Fallback>
+  </mc:AlternateContent>
 </p:sld>
 </file>
 
-<file path=ppt/slides/slide4.xml><?xml version="1.0" encoding="utf-8"?>
-<p:sld xmlns:a="http://schemas.openxmlformats.org/drawingml/2006/main" xmlns:r="http://schemas.openxmlformats.org/officeDocument/2006/relationships" xmlns:p="http://schemas.openxmlformats.org/presentationml/2006/main" showMasterSp="0" showMasterPhAnim="0">
-  <p:cSld>
+<file path=ppt/slides/slide5.xml><?xml version="1.0" encoding="utf-8"?>
+<p:sld xmlns:a="http://schemas.openxmlformats.org/drawingml/2006/main" xmlns:r="http://schemas.openxmlformats.org/officeDocument/2006/relationships" xmlns:p="http://schemas.openxmlformats.org/presentationml/2006/main" xmlns:m="http://schemas.openxmlformats.org/officeDocument/2006/math" xmlns:w="http://schemas.openxmlformats.org/wordprocessingml/2006/main" showMasterPhAnim="0" showMasterSp="0" show="1">
+  <p:cSld name="">
     <p:spTree>
       <p:nvGrpSpPr>
         <p:cNvPr id="1" name=""/>
@@ -9210,7 +10250,7 @@
             </a:pPr>
             <a:fld id="{7360B85D-AE21-6F67-6371-7D7485A54A25}" type="slidenum">
               <a:rPr sz="2800"/>
-              <a:t>4</a:t>
+              <a:t/>
             </a:fld>
             <a:endParaRPr/>
           </a:p>
@@ -9326,12 +10366,20 @@
   <p:clrMapOvr>
     <a:masterClrMapping/>
   </p:clrMapOvr>
+  <mc:AlternateContent xmlns:mc="http://schemas.openxmlformats.org/markup-compatibility/2006">
+    <mc:Choice xmlns:p14="http://schemas.microsoft.com/office/powerpoint/2010/main" Requires="p14">
+      <p:transition p14:dur="2000" advClick="1"/>
+    </mc:Choice>
+    <mc:Fallback>
+      <p:transition advClick="1"/>
+    </mc:Fallback>
+  </mc:AlternateContent>
 </p:sld>
 </file>
 
-<file path=ppt/slides/slide5.xml><?xml version="1.0" encoding="utf-8"?>
-<p:sld xmlns:a="http://schemas.openxmlformats.org/drawingml/2006/main" xmlns:r="http://schemas.openxmlformats.org/officeDocument/2006/relationships" xmlns:p="http://schemas.openxmlformats.org/presentationml/2006/main" showMasterSp="0" showMasterPhAnim="0">
-  <p:cSld>
+<file path=ppt/slides/slide6.xml><?xml version="1.0" encoding="utf-8"?>
+<p:sld xmlns:a="http://schemas.openxmlformats.org/drawingml/2006/main" xmlns:r="http://schemas.openxmlformats.org/officeDocument/2006/relationships" xmlns:p="http://schemas.openxmlformats.org/presentationml/2006/main" xmlns:m="http://schemas.openxmlformats.org/officeDocument/2006/math" xmlns:w="http://schemas.openxmlformats.org/wordprocessingml/2006/main" showMasterPhAnim="0" showMasterSp="0" show="1">
+  <p:cSld name="">
     <p:spTree>
       <p:nvGrpSpPr>
         <p:cNvPr id="1" name=""/>
@@ -9440,7 +10488,7 @@
             </a:pPr>
             <a:fld id="{E30B309A-D4E2-0742-10D1-CF203A329559}" type="slidenum">
               <a:rPr sz="2800"/>
-              <a:t>5</a:t>
+              <a:t/>
             </a:fld>
             <a:endParaRPr/>
           </a:p>
@@ -9595,12 +10643,20 @@
   <p:clrMapOvr>
     <a:masterClrMapping/>
   </p:clrMapOvr>
+  <mc:AlternateContent xmlns:mc="http://schemas.openxmlformats.org/markup-compatibility/2006">
+    <mc:Choice xmlns:p14="http://schemas.microsoft.com/office/powerpoint/2010/main" Requires="p14">
+      <p:transition p14:dur="2000" advClick="1"/>
+    </mc:Choice>
+    <mc:Fallback>
+      <p:transition advClick="1"/>
+    </mc:Fallback>
+  </mc:AlternateContent>
 </p:sld>
 </file>
 
-<file path=ppt/slides/slide6.xml><?xml version="1.0" encoding="utf-8"?>
-<p:sld xmlns:a="http://schemas.openxmlformats.org/drawingml/2006/main" xmlns:r="http://schemas.openxmlformats.org/officeDocument/2006/relationships" xmlns:p="http://schemas.openxmlformats.org/presentationml/2006/main" showMasterSp="0" showMasterPhAnim="0">
-  <p:cSld>
+<file path=ppt/slides/slide7.xml><?xml version="1.0" encoding="utf-8"?>
+<p:sld xmlns:a="http://schemas.openxmlformats.org/drawingml/2006/main" xmlns:r="http://schemas.openxmlformats.org/officeDocument/2006/relationships" xmlns:p="http://schemas.openxmlformats.org/presentationml/2006/main" xmlns:m="http://schemas.openxmlformats.org/officeDocument/2006/math" xmlns:w="http://schemas.openxmlformats.org/wordprocessingml/2006/main" showMasterPhAnim="0" showMasterSp="0" show="1">
+  <p:cSld name="">
     <p:spTree>
       <p:nvGrpSpPr>
         <p:cNvPr id="1" name=""/>
@@ -9709,7 +10765,7 @@
             </a:pPr>
             <a:fld id="{F0DE9C11-6235-09BC-BB40-2342D69C24F4}" type="slidenum">
               <a:rPr sz="2800"/>
-              <a:t>6</a:t>
+              <a:t/>
             </a:fld>
             <a:endParaRPr/>
           </a:p>
@@ -9822,12 +10878,20 @@
   <p:clrMapOvr>
     <a:masterClrMapping/>
   </p:clrMapOvr>
+  <mc:AlternateContent xmlns:mc="http://schemas.openxmlformats.org/markup-compatibility/2006">
+    <mc:Choice xmlns:p14="http://schemas.microsoft.com/office/powerpoint/2010/main" Requires="p14">
+      <p:transition p14:dur="2000" advClick="1"/>
+    </mc:Choice>
+    <mc:Fallback>
+      <p:transition advClick="1"/>
+    </mc:Fallback>
+  </mc:AlternateContent>
 </p:sld>
 </file>
 
-<file path=ppt/slides/slide7.xml><?xml version="1.0" encoding="utf-8"?>
-<p:sld xmlns:a="http://schemas.openxmlformats.org/drawingml/2006/main" xmlns:r="http://schemas.openxmlformats.org/officeDocument/2006/relationships" xmlns:p="http://schemas.openxmlformats.org/presentationml/2006/main" showMasterSp="0" showMasterPhAnim="0">
-  <p:cSld>
+<file path=ppt/slides/slide8.xml><?xml version="1.0" encoding="utf-8"?>
+<p:sld xmlns:a="http://schemas.openxmlformats.org/drawingml/2006/main" xmlns:r="http://schemas.openxmlformats.org/officeDocument/2006/relationships" xmlns:p="http://schemas.openxmlformats.org/presentationml/2006/main" xmlns:m="http://schemas.openxmlformats.org/officeDocument/2006/math" xmlns:w="http://schemas.openxmlformats.org/wordprocessingml/2006/main" showMasterPhAnim="0" showMasterSp="0" show="1">
+  <p:cSld name="">
     <p:spTree>
       <p:nvGrpSpPr>
         <p:cNvPr id="1" name=""/>
@@ -9936,7 +11000,7 @@
             </a:pPr>
             <a:fld id="{EAFA53F4-7FB4-AE4B-1D46-CBC0E5FF6C1D}" type="slidenum">
               <a:rPr sz="2800"/>
-              <a:t>7</a:t>
+              <a:t/>
             </a:fld>
             <a:endParaRPr/>
           </a:p>
@@ -10095,12 +11159,20 @@
   <p:clrMapOvr>
     <a:masterClrMapping/>
   </p:clrMapOvr>
+  <mc:AlternateContent xmlns:mc="http://schemas.openxmlformats.org/markup-compatibility/2006">
+    <mc:Choice xmlns:p14="http://schemas.microsoft.com/office/powerpoint/2010/main" Requires="p14">
+      <p:transition p14:dur="2000" advClick="1"/>
+    </mc:Choice>
+    <mc:Fallback>
+      <p:transition advClick="1"/>
+    </mc:Fallback>
+  </mc:AlternateContent>
 </p:sld>
 </file>
 
-<file path=ppt/slides/slide8.xml><?xml version="1.0" encoding="utf-8"?>
-<p:sld xmlns:a="http://schemas.openxmlformats.org/drawingml/2006/main" xmlns:r="http://schemas.openxmlformats.org/officeDocument/2006/relationships" xmlns:p="http://schemas.openxmlformats.org/presentationml/2006/main" showMasterSp="0" showMasterPhAnim="0">
-  <p:cSld>
+<file path=ppt/slides/slide9.xml><?xml version="1.0" encoding="utf-8"?>
+<p:sld xmlns:a="http://schemas.openxmlformats.org/drawingml/2006/main" xmlns:r="http://schemas.openxmlformats.org/officeDocument/2006/relationships" xmlns:p="http://schemas.openxmlformats.org/presentationml/2006/main" xmlns:m="http://schemas.openxmlformats.org/officeDocument/2006/math" xmlns:w="http://schemas.openxmlformats.org/wordprocessingml/2006/main" showMasterPhAnim="0" showMasterSp="0" show="1">
+  <p:cSld name="">
     <p:spTree>
       <p:nvGrpSpPr>
         <p:cNvPr id="1" name=""/>
@@ -10384,7 +11456,7 @@
                 <a:latin typeface="Times New Roman"/>
                 <a:cs typeface="Times New Roman"/>
               </a:rPr>
-              <a:t>8</a:t>
+              <a:t/>
             </a:fld>
             <a:endParaRPr>
               <a:latin typeface="Times New Roman"/>
@@ -10452,11 +11524,19 @@
   <p:clrMapOvr>
     <a:masterClrMapping/>
   </p:clrMapOvr>
+  <mc:AlternateContent xmlns:mc="http://schemas.openxmlformats.org/markup-compatibility/2006">
+    <mc:Choice xmlns:p14="http://schemas.microsoft.com/office/powerpoint/2010/main" Requires="p14">
+      <p:transition p14:dur="2000" advClick="1"/>
+    </mc:Choice>
+    <mc:Fallback>
+      <p:transition advClick="1"/>
+    </mc:Fallback>
+  </mc:AlternateContent>
 </p:sld>
 </file>
 
 <file path=ppt/theme/theme1.xml><?xml version="1.0" encoding="utf-8"?>
-<a:theme xmlns:a="http://schemas.openxmlformats.org/drawingml/2006/main" name="Office Theme">
+<a:theme xmlns:a="http://schemas.openxmlformats.org/drawingml/2006/main" xmlns:r="http://schemas.openxmlformats.org/officeDocument/2006/relationships" xmlns:p="http://schemas.openxmlformats.org/presentationml/2006/main" name="Office Theme">
   <a:themeElements>
     <a:clrScheme name="Office">
       <a:dk1>
@@ -10661,6 +11741,5 @@
     </a:fmtScheme>
   </a:themeElements>
   <a:objectDefaults/>
-  <a:extraClrSchemeLst/>
 </a:theme>
 </file>